--- a/motor2019/pptx/Report.pptx
+++ b/motor2019/pptx/Report.pptx
@@ -7,7 +7,14 @@
   <p:sldIdLst>
     <p:sldId id="256" r:id="rId2"/>
     <p:sldId id="257" r:id="rId3"/>
-    <p:sldId id="259" r:id="rId4"/>
+    <p:sldId id="260" r:id="rId4"/>
+    <p:sldId id="262" r:id="rId5"/>
+    <p:sldId id="261" r:id="rId6"/>
+    <p:sldId id="263" r:id="rId7"/>
+    <p:sldId id="265" r:id="rId8"/>
+    <p:sldId id="264" r:id="rId9"/>
+    <p:sldId id="266" r:id="rId10"/>
+    <p:sldId id="259" r:id="rId11"/>
   </p:sldIdLst>
   <p:sldSz cx="9144000" cy="6858000" type="screen4x3"/>
   <p:notesSz cx="6858000" cy="9144000"/>
@@ -116,7 +123,15 @@
           </p14:sldIdLst>
         </p14:section>
         <p14:section name="Основная часть" id="{93878CE5-A944-47CD-A435-4106DB216F18}">
-          <p14:sldIdLst/>
+          <p14:sldIdLst>
+            <p14:sldId id="260"/>
+            <p14:sldId id="262"/>
+            <p14:sldId id="261"/>
+            <p14:sldId id="263"/>
+            <p14:sldId id="265"/>
+            <p14:sldId id="264"/>
+            <p14:sldId id="266"/>
+          </p14:sldIdLst>
         </p14:section>
         <p14:section name="Завершение" id="{B0E38EE0-5FF2-459B-A119-F4109678D724}">
           <p14:sldIdLst>
@@ -4659,6 +4674,402 @@
 </p:sld>
 </file>
 
+<file path=ppt/slides/slide10.xml><?xml version="1.0" encoding="utf-8"?>
+<p:sld xmlns:a="http://schemas.openxmlformats.org/drawingml/2006/main" xmlns:r="http://schemas.openxmlformats.org/officeDocument/2006/relationships" xmlns:p="http://schemas.openxmlformats.org/presentationml/2006/main">
+  <p:cSld>
+    <p:spTree>
+      <p:nvGrpSpPr>
+        <p:cNvPr id="1" name=""/>
+        <p:cNvGrpSpPr/>
+        <p:nvPr/>
+      </p:nvGrpSpPr>
+      <p:grpSpPr>
+        <a:xfrm>
+          <a:off x="0" y="0"/>
+          <a:ext cx="0" cy="0"/>
+          <a:chOff x="0" y="0"/>
+          <a:chExt cx="0" cy="0"/>
+        </a:xfrm>
+      </p:grpSpPr>
+      <p:pic>
+        <p:nvPicPr>
+          <p:cNvPr id="2" name="Picture 2" descr="F:\Users\Алекс\Desktop\urfu_logo_en.png"/>
+          <p:cNvPicPr>
+            <a:picLocks noChangeAspect="1" noChangeArrowheads="1"/>
+          </p:cNvPicPr>
+          <p:nvPr/>
+        </p:nvPicPr>
+        <p:blipFill>
+          <a:blip r:embed="rId2" cstate="print">
+            <a:extLst>
+              <a:ext uri="{28A0092B-C50C-407E-A947-70E740481C1C}">
+                <a14:useLocalDpi xmlns:a14="http://schemas.microsoft.com/office/drawing/2010/main" val="0"/>
+              </a:ext>
+            </a:extLst>
+          </a:blip>
+          <a:srcRect/>
+          <a:stretch>
+            <a:fillRect/>
+          </a:stretch>
+        </p:blipFill>
+        <p:spPr bwMode="auto">
+          <a:xfrm>
+            <a:off x="0" y="0"/>
+            <a:ext cx="2133600" cy="1085850"/>
+          </a:xfrm>
+          <a:prstGeom prst="rect">
+            <a:avLst/>
+          </a:prstGeom>
+          <a:noFill/>
+          <a:ln w="9525">
+            <a:noFill/>
+            <a:prstDash val="sysDash"/>
+            <a:miter lim="800000"/>
+            <a:headEnd/>
+            <a:tailEnd/>
+          </a:ln>
+          <a:extLst>
+            <a:ext uri="{909E8E84-426E-40DD-AFC4-6F175D3DCCD1}">
+              <a14:hiddenFill xmlns:a14="http://schemas.microsoft.com/office/drawing/2010/main">
+                <a:solidFill>
+                  <a:srgbClr val="FFFFFF"/>
+                </a:solidFill>
+              </a14:hiddenFill>
+            </a:ext>
+          </a:extLst>
+        </p:spPr>
+      </p:pic>
+      <p:sp>
+        <p:nvSpPr>
+          <p:cNvPr id="3" name="TextBox 2"/>
+          <p:cNvSpPr txBox="1"/>
+          <p:nvPr/>
+        </p:nvSpPr>
+        <p:spPr>
+          <a:xfrm>
+            <a:off x="5868144" y="219759"/>
+            <a:ext cx="3024336" cy="646331"/>
+          </a:xfrm>
+          <a:prstGeom prst="rect">
+            <a:avLst/>
+          </a:prstGeom>
+          <a:noFill/>
+        </p:spPr>
+        <p:txBody>
+          <a:bodyPr wrap="square" rtlCol="0">
+            <a:spAutoFit/>
+            <a:scene3d>
+              <a:camera prst="orthographicFront"/>
+              <a:lightRig rig="soft" dir="tl">
+                <a:rot lat="0" lon="0" rev="0"/>
+              </a:lightRig>
+            </a:scene3d>
+            <a:sp3d contourW="25400" prstMaterial="matte">
+              <a:bevelT w="25400" h="55880" prst="artDeco"/>
+              <a:contourClr>
+                <a:schemeClr val="accent2">
+                  <a:tint val="20000"/>
+                </a:schemeClr>
+              </a:contourClr>
+            </a:sp3d>
+          </a:bodyPr>
+          <a:lstStyle/>
+          <a:p>
+            <a:pPr algn="r"/>
+            <a:r>
+              <a:rPr lang="en-US" sz="3600" b="1" spc="50" dirty="0">
+                <a:ln w="11430"/>
+                <a:gradFill>
+                  <a:gsLst>
+                    <a:gs pos="25000">
+                      <a:schemeClr val="accent2">
+                        <a:satMod val="155000"/>
+                      </a:schemeClr>
+                    </a:gs>
+                    <a:gs pos="100000">
+                      <a:schemeClr val="accent2">
+                        <a:shade val="45000"/>
+                        <a:satMod val="165000"/>
+                      </a:schemeClr>
+                    </a:gs>
+                  </a:gsLst>
+                  <a:lin ang="5400000"/>
+                </a:gradFill>
+                <a:effectLst>
+                  <a:outerShdw blurRad="76200" dist="50800" dir="5400000" algn="tl" rotWithShape="0">
+                    <a:srgbClr val="000000">
+                      <a:alpha val="65000"/>
+                    </a:srgbClr>
+                  </a:outerShdw>
+                </a:effectLst>
+              </a:rPr>
+              <a:t>Contacts</a:t>
+            </a:r>
+            <a:endParaRPr lang="ru-RU" sz="3600" b="1" spc="50" dirty="0">
+              <a:ln w="11430"/>
+              <a:gradFill>
+                <a:gsLst>
+                  <a:gs pos="25000">
+                    <a:schemeClr val="accent2">
+                      <a:satMod val="155000"/>
+                    </a:schemeClr>
+                  </a:gs>
+                  <a:gs pos="100000">
+                    <a:schemeClr val="accent2">
+                      <a:shade val="45000"/>
+                      <a:satMod val="165000"/>
+                    </a:schemeClr>
+                  </a:gs>
+                </a:gsLst>
+                <a:lin ang="5400000"/>
+              </a:gradFill>
+              <a:effectLst>
+                <a:outerShdw blurRad="76200" dist="50800" dir="5400000" algn="tl" rotWithShape="0">
+                  <a:srgbClr val="000000">
+                    <a:alpha val="65000"/>
+                  </a:srgbClr>
+                </a:outerShdw>
+              </a:effectLst>
+            </a:endParaRPr>
+          </a:p>
+        </p:txBody>
+      </p:sp>
+      <p:sp>
+        <p:nvSpPr>
+          <p:cNvPr id="6" name="TextBox 5"/>
+          <p:cNvSpPr txBox="1"/>
+          <p:nvPr/>
+        </p:nvSpPr>
+        <p:spPr>
+          <a:xfrm>
+            <a:off x="1043608" y="1700808"/>
+            <a:ext cx="7056784" cy="646331"/>
+          </a:xfrm>
+          <a:prstGeom prst="rect">
+            <a:avLst/>
+          </a:prstGeom>
+          <a:noFill/>
+        </p:spPr>
+        <p:txBody>
+          <a:bodyPr wrap="square" rtlCol="0">
+            <a:spAutoFit/>
+          </a:bodyPr>
+          <a:lstStyle/>
+          <a:p>
+            <a:pPr algn="ctr"/>
+            <a:r>
+              <a:rPr lang="en-US" sz="3600" dirty="0"/>
+              <a:t>Thank you for your attention!</a:t>
+            </a:r>
+            <a:endParaRPr lang="ru-RU" sz="3600" dirty="0"/>
+          </a:p>
+        </p:txBody>
+      </p:sp>
+      <p:sp>
+        <p:nvSpPr>
+          <p:cNvPr id="9" name="TextBox 8"/>
+          <p:cNvSpPr txBox="1"/>
+          <p:nvPr/>
+        </p:nvSpPr>
+        <p:spPr>
+          <a:xfrm>
+            <a:off x="776468" y="2564904"/>
+            <a:ext cx="6552728" cy="2308324"/>
+          </a:xfrm>
+          <a:prstGeom prst="rect">
+            <a:avLst/>
+          </a:prstGeom>
+          <a:noFill/>
+        </p:spPr>
+        <p:txBody>
+          <a:bodyPr wrap="square" rtlCol="0">
+            <a:spAutoFit/>
+          </a:bodyPr>
+          <a:lstStyle/>
+          <a:p>
+            <a:pPr>
+              <a:lnSpc>
+                <a:spcPct val="200000"/>
+              </a:lnSpc>
+            </a:pPr>
+            <a:r>
+              <a:rPr lang="en-US" dirty="0"/>
+              <a:t>Stanislav </a:t>
+            </a:r>
+            <a:r>
+              <a:rPr lang="en-US" dirty="0" err="1"/>
+              <a:t>Ukolov</a:t>
+            </a:r>
+            <a:endParaRPr lang="en-US" dirty="0"/>
+          </a:p>
+          <a:p>
+            <a:pPr marL="285750" indent="-285750">
+              <a:lnSpc>
+                <a:spcPct val="200000"/>
+              </a:lnSpc>
+              <a:buFont typeface="Arial" panose="020B0604020202020204" pitchFamily="34" charset="0"/>
+              <a:buChar char="•"/>
+            </a:pPr>
+            <a:r>
+              <a:rPr lang="en-US" dirty="0"/>
+              <a:t>Institute of New Materials and Technologies,</a:t>
+            </a:r>
+            <a:br>
+              <a:rPr lang="en-US" dirty="0"/>
+            </a:br>
+            <a:r>
+              <a:rPr lang="en-US" dirty="0"/>
+              <a:t>Ural Federal University, Yekaterinburg, Russia</a:t>
+            </a:r>
+          </a:p>
+          <a:p>
+            <a:pPr marL="285750" indent="-285750">
+              <a:lnSpc>
+                <a:spcPct val="200000"/>
+              </a:lnSpc>
+              <a:buFont typeface="Arial" panose="020B0604020202020204" pitchFamily="34" charset="0"/>
+              <a:buChar char="•"/>
+            </a:pPr>
+            <a:r>
+              <a:rPr lang="en-US" dirty="0"/>
+              <a:t>s.s.ukolov@urfu.ru</a:t>
+            </a:r>
+            <a:endParaRPr lang="ru-RU" dirty="0"/>
+          </a:p>
+        </p:txBody>
+      </p:sp>
+      <p:pic>
+        <p:nvPicPr>
+          <p:cNvPr id="11" name="Picture 16" descr="Oxyfuel"/>
+          <p:cNvPicPr>
+            <a:picLocks noChangeAspect="1" noChangeArrowheads="1"/>
+          </p:cNvPicPr>
+          <p:nvPr/>
+        </p:nvPicPr>
+        <p:blipFill>
+          <a:blip r:embed="rId3" cstate="print"/>
+          <a:srcRect/>
+          <a:stretch>
+            <a:fillRect/>
+          </a:stretch>
+        </p:blipFill>
+        <p:spPr bwMode="auto">
+          <a:xfrm>
+            <a:off x="7092280" y="3140968"/>
+            <a:ext cx="1449388" cy="1512887"/>
+          </a:xfrm>
+          <a:prstGeom prst="rect">
+            <a:avLst/>
+          </a:prstGeom>
+          <a:noFill/>
+          <a:ln w="9525">
+            <a:noFill/>
+            <a:miter lim="800000"/>
+            <a:headEnd/>
+            <a:tailEnd/>
+          </a:ln>
+        </p:spPr>
+      </p:pic>
+      <p:sp>
+        <p:nvSpPr>
+          <p:cNvPr id="12" name="TextBox 11">
+            <a:extLst>
+              <a:ext uri="{FF2B5EF4-FFF2-40B4-BE49-F238E27FC236}">
+                <a16:creationId xmlns:a16="http://schemas.microsoft.com/office/drawing/2014/main" id="{B9504A77-FB15-45BE-9552-B41EC3091669}"/>
+              </a:ext>
+            </a:extLst>
+          </p:cNvPr>
+          <p:cNvSpPr txBox="1"/>
+          <p:nvPr/>
+        </p:nvSpPr>
+        <p:spPr>
+          <a:xfrm>
+            <a:off x="755576" y="5308465"/>
+            <a:ext cx="7632848" cy="646331"/>
+          </a:xfrm>
+          <a:prstGeom prst="rect">
+            <a:avLst/>
+          </a:prstGeom>
+          <a:noFill/>
+        </p:spPr>
+        <p:txBody>
+          <a:bodyPr wrap="square" rtlCol="0" anchor="ctr">
+            <a:spAutoFit/>
+          </a:bodyPr>
+          <a:lstStyle/>
+          <a:p>
+            <a:pPr algn="ctr"/>
+            <a:r>
+              <a:rPr lang="en-US" dirty="0"/>
+              <a:t>MOTOR 2019</a:t>
+            </a:r>
+          </a:p>
+          <a:p>
+            <a:pPr algn="ctr"/>
+            <a:r>
+              <a:rPr lang="en-US" dirty="0"/>
+              <a:t>Mathematical Optimization Theory and Operations Research</a:t>
+            </a:r>
+          </a:p>
+        </p:txBody>
+      </p:sp>
+      <p:sp>
+        <p:nvSpPr>
+          <p:cNvPr id="13" name="TextBox 12">
+            <a:extLst>
+              <a:ext uri="{FF2B5EF4-FFF2-40B4-BE49-F238E27FC236}">
+                <a16:creationId xmlns:a16="http://schemas.microsoft.com/office/drawing/2014/main" id="{6C8DD728-57F9-4B61-A527-850E2F0FC7F8}"/>
+              </a:ext>
+            </a:extLst>
+          </p:cNvPr>
+          <p:cNvSpPr txBox="1"/>
+          <p:nvPr/>
+        </p:nvSpPr>
+        <p:spPr>
+          <a:xfrm>
+            <a:off x="2721932" y="6093296"/>
+            <a:ext cx="3672408" cy="523220"/>
+          </a:xfrm>
+          <a:prstGeom prst="rect">
+            <a:avLst/>
+          </a:prstGeom>
+          <a:noFill/>
+        </p:spPr>
+        <p:txBody>
+          <a:bodyPr wrap="square" rtlCol="0">
+            <a:spAutoFit/>
+          </a:bodyPr>
+          <a:lstStyle/>
+          <a:p>
+            <a:pPr algn="ctr"/>
+            <a:r>
+              <a:rPr lang="en-US" sz="1400" dirty="0"/>
+              <a:t>July 8 – 12, 2019</a:t>
+            </a:r>
+          </a:p>
+          <a:p>
+            <a:pPr algn="ctr"/>
+            <a:r>
+              <a:rPr lang="en-US" sz="1400" dirty="0"/>
+              <a:t>Ekaterinburg</a:t>
+            </a:r>
+            <a:endParaRPr lang="ru-RU" sz="1400" dirty="0"/>
+          </a:p>
+        </p:txBody>
+      </p:sp>
+    </p:spTree>
+    <p:extLst>
+      <p:ext uri="{BB962C8B-B14F-4D97-AF65-F5344CB8AC3E}">
+        <p14:creationId xmlns:p14="http://schemas.microsoft.com/office/powerpoint/2010/main" val="272427829"/>
+      </p:ext>
+    </p:extLst>
+  </p:cSld>
+  <p:clrMapOvr>
+    <a:masterClrMapping/>
+  </p:clrMapOvr>
+</p:sld>
+</file>
+
 <file path=ppt/slides/slide2.xml><?xml version="1.0" encoding="utf-8"?>
 <p:sld xmlns:a="http://schemas.openxmlformats.org/drawingml/2006/main" xmlns:r="http://schemas.openxmlformats.org/officeDocument/2006/relationships" xmlns:p="http://schemas.openxmlformats.org/presentationml/2006/main">
   <p:cSld>
@@ -5031,8 +5442,8 @@
         </p:nvSpPr>
         <p:spPr>
           <a:xfrm>
-            <a:off x="5868144" y="219759"/>
-            <a:ext cx="3024336" cy="646331"/>
+            <a:off x="2051720" y="219759"/>
+            <a:ext cx="6840760" cy="1200329"/>
           </a:xfrm>
           <a:prstGeom prst="rect">
             <a:avLst/>
@@ -5087,7 +5498,39 @@
                   </a:outerShdw>
                 </a:effectLst>
               </a:rPr>
-              <a:t>Contacts</a:t>
+              <a:t>Control program development</a:t>
+            </a:r>
+          </a:p>
+          <a:p>
+            <a:pPr algn="r"/>
+            <a:r>
+              <a:rPr lang="en-US" sz="3600" b="1" spc="50" dirty="0">
+                <a:ln w="11430"/>
+                <a:gradFill>
+                  <a:gsLst>
+                    <a:gs pos="25000">
+                      <a:schemeClr val="accent2">
+                        <a:satMod val="155000"/>
+                      </a:schemeClr>
+                    </a:gs>
+                    <a:gs pos="100000">
+                      <a:schemeClr val="accent2">
+                        <a:shade val="45000"/>
+                        <a:satMod val="165000"/>
+                      </a:schemeClr>
+                    </a:gs>
+                  </a:gsLst>
+                  <a:lin ang="5400000"/>
+                </a:gradFill>
+                <a:effectLst>
+                  <a:outerShdw blurRad="76200" dist="50800" dir="5400000" algn="tl" rotWithShape="0">
+                    <a:srgbClr val="000000">
+                      <a:alpha val="65000"/>
+                    </a:srgbClr>
+                  </a:outerShdw>
+                </a:effectLst>
+              </a:rPr>
+              <a:t>for sheet cutting machines</a:t>
             </a:r>
             <a:endParaRPr lang="ru-RU" sz="3600" b="1" spc="50" dirty="0">
               <a:ln w="11430"/>
@@ -5120,14 +5563,20 @@
       </p:sp>
       <p:sp>
         <p:nvSpPr>
-          <p:cNvPr id="6" name="TextBox 5"/>
+          <p:cNvPr id="5" name="TextBox 4">
+            <a:extLst>
+              <a:ext uri="{FF2B5EF4-FFF2-40B4-BE49-F238E27FC236}">
+                <a16:creationId xmlns:a16="http://schemas.microsoft.com/office/drawing/2014/main" id="{5E35A8FB-A5CC-45B2-8383-FFAEB4ED76E6}"/>
+              </a:ext>
+            </a:extLst>
+          </p:cNvPr>
           <p:cNvSpPr txBox="1"/>
           <p:nvPr/>
         </p:nvSpPr>
         <p:spPr>
           <a:xfrm>
-            <a:off x="1043608" y="1700808"/>
-            <a:ext cx="7056784" cy="646331"/>
+            <a:off x="903683" y="6021288"/>
+            <a:ext cx="3736234" cy="307777"/>
           </a:xfrm>
           <a:prstGeom prst="rect">
             <a:avLst/>
@@ -5140,25 +5589,30 @@
           </a:bodyPr>
           <a:lstStyle/>
           <a:p>
-            <a:pPr algn="ctr"/>
-            <a:r>
-              <a:rPr lang="en-US" sz="3600" dirty="0"/>
-              <a:t>Thank you for your attention!</a:t>
-            </a:r>
-            <a:endParaRPr lang="ru-RU" sz="3600" dirty="0"/>
+            <a:r>
+              <a:rPr lang="en-US" sz="1400" dirty="0"/>
+              <a:t>Maximal material utilization</a:t>
+            </a:r>
+            <a:endParaRPr lang="ru-RU" sz="1400" dirty="0"/>
           </a:p>
         </p:txBody>
       </p:sp>
       <p:sp>
         <p:nvSpPr>
-          <p:cNvPr id="9" name="TextBox 8"/>
+          <p:cNvPr id="6" name="TextBox 5">
+            <a:extLst>
+              <a:ext uri="{FF2B5EF4-FFF2-40B4-BE49-F238E27FC236}">
+                <a16:creationId xmlns:a16="http://schemas.microsoft.com/office/drawing/2014/main" id="{BDDC5EEC-3A4E-45C4-A06C-F5B396FD2121}"/>
+              </a:ext>
+            </a:extLst>
+          </p:cNvPr>
           <p:cNvSpPr txBox="1"/>
           <p:nvPr/>
         </p:nvSpPr>
         <p:spPr>
           <a:xfrm>
-            <a:off x="776468" y="2564904"/>
-            <a:ext cx="6552728" cy="2308324"/>
+            <a:off x="5472100" y="6078797"/>
+            <a:ext cx="3312368" cy="523220"/>
           </a:xfrm>
           <a:prstGeom prst="rect">
             <a:avLst/>
@@ -5171,67 +5625,36 @@
           </a:bodyPr>
           <a:lstStyle/>
           <a:p>
-            <a:pPr>
-              <a:lnSpc>
-                <a:spcPct val="200000"/>
-              </a:lnSpc>
-            </a:pPr>
-            <a:r>
-              <a:rPr lang="en-US" dirty="0"/>
-              <a:t>Stanislav </a:t>
-            </a:r>
-            <a:r>
-              <a:rPr lang="en-US" dirty="0" err="1"/>
-              <a:t>Ukolov</a:t>
-            </a:r>
-            <a:endParaRPr lang="en-US" dirty="0"/>
-          </a:p>
-          <a:p>
-            <a:pPr marL="285750" indent="-285750">
-              <a:lnSpc>
-                <a:spcPct val="200000"/>
-              </a:lnSpc>
-              <a:buFont typeface="Arial" panose="020B0604020202020204" pitchFamily="34" charset="0"/>
-              <a:buChar char="•"/>
-            </a:pPr>
-            <a:r>
-              <a:rPr lang="en-US" dirty="0"/>
-              <a:t>Institute of New Materials and Technologies,</a:t>
-            </a:r>
-            <a:br>
-              <a:rPr lang="en-US" dirty="0"/>
-            </a:br>
-            <a:r>
-              <a:rPr lang="en-US" dirty="0"/>
-              <a:t>Ural Federal University, Yekaterinburg, Russia</a:t>
-            </a:r>
-          </a:p>
-          <a:p>
-            <a:pPr marL="285750" indent="-285750">
-              <a:lnSpc>
-                <a:spcPct val="200000"/>
-              </a:lnSpc>
-              <a:buFont typeface="Arial" panose="020B0604020202020204" pitchFamily="34" charset="0"/>
-              <a:buChar char="•"/>
-            </a:pPr>
-            <a:r>
-              <a:rPr lang="en-US" dirty="0"/>
-              <a:t>s.s.ukolov@urfu.ru</a:t>
-            </a:r>
-            <a:endParaRPr lang="ru-RU" dirty="0"/>
+            <a:r>
+              <a:rPr lang="en-US" sz="1400" dirty="0"/>
+              <a:t>Minimal path cost in terms of money and resources, including cutting time</a:t>
+            </a:r>
+            <a:endParaRPr lang="ru-RU" sz="1400" dirty="0"/>
           </a:p>
         </p:txBody>
       </p:sp>
       <p:pic>
         <p:nvPicPr>
-          <p:cNvPr id="11" name="Picture 16" descr="Oxyfuel"/>
+          <p:cNvPr id="7" name="Picture 2" descr="Fig9">
+            <a:extLst>
+              <a:ext uri="{FF2B5EF4-FFF2-40B4-BE49-F238E27FC236}">
+                <a16:creationId xmlns:a16="http://schemas.microsoft.com/office/drawing/2014/main" id="{6B450616-071A-4B13-A242-45D166F51F88}"/>
+              </a:ext>
+            </a:extLst>
+          </p:cNvPr>
           <p:cNvPicPr>
             <a:picLocks noChangeAspect="1" noChangeArrowheads="1"/>
           </p:cNvPicPr>
           <p:nvPr/>
         </p:nvPicPr>
         <p:blipFill>
-          <a:blip r:embed="rId3" cstate="print"/>
+          <a:blip r:embed="rId3">
+            <a:extLst>
+              <a:ext uri="{28A0092B-C50C-407E-A947-70E740481C1C}">
+                <a14:useLocalDpi xmlns:a14="http://schemas.microsoft.com/office/drawing/2010/main" val="0"/>
+              </a:ext>
+            </a:extLst>
+          </a:blip>
           <a:srcRect/>
           <a:stretch>
             <a:fillRect/>
@@ -5239,8 +5662,4175 @@
         </p:blipFill>
         <p:spPr bwMode="auto">
           <a:xfrm>
-            <a:off x="7092280" y="3140968"/>
-            <a:ext cx="1449388" cy="1512887"/>
+            <a:off x="539552" y="3793835"/>
+            <a:ext cx="3744416" cy="2104932"/>
+          </a:xfrm>
+          <a:prstGeom prst="rect">
+            <a:avLst/>
+          </a:prstGeom>
+          <a:noFill/>
+          <a:ln>
+            <a:noFill/>
+          </a:ln>
+          <a:effectLst>
+            <a:outerShdw blurRad="50800" dist="38100" dir="2700000" algn="tl" rotWithShape="0">
+              <a:prstClr val="black">
+                <a:alpha val="40000"/>
+              </a:prstClr>
+            </a:outerShdw>
+          </a:effectLst>
+          <a:extLst>
+            <a:ext uri="{909E8E84-426E-40DD-AFC4-6F175D3DCCD1}">
+              <a14:hiddenFill xmlns:a14="http://schemas.microsoft.com/office/drawing/2010/main">
+                <a:solidFill>
+                  <a:srgbClr val="FFFFFF"/>
+                </a:solidFill>
+              </a14:hiddenFill>
+            </a:ext>
+            <a:ext uri="{91240B29-F687-4F45-9708-019B960494DF}">
+              <a14:hiddenLine xmlns:a14="http://schemas.microsoft.com/office/drawing/2010/main" w="9525">
+                <a:solidFill>
+                  <a:srgbClr val="000000"/>
+                </a:solidFill>
+                <a:miter lim="800000"/>
+                <a:headEnd/>
+                <a:tailEnd/>
+              </a14:hiddenLine>
+            </a:ext>
+          </a:extLst>
+        </p:spPr>
+      </p:pic>
+      <p:pic>
+        <p:nvPicPr>
+          <p:cNvPr id="8" name="Picture 3" descr="abuf73">
+            <a:extLst>
+              <a:ext uri="{FF2B5EF4-FFF2-40B4-BE49-F238E27FC236}">
+                <a16:creationId xmlns:a16="http://schemas.microsoft.com/office/drawing/2014/main" id="{A21AB8B9-932F-41A1-882E-6F70702047C7}"/>
+              </a:ext>
+            </a:extLst>
+          </p:cNvPr>
+          <p:cNvPicPr>
+            <a:picLocks noChangeAspect="1" noChangeArrowheads="1"/>
+          </p:cNvPicPr>
+          <p:nvPr/>
+        </p:nvPicPr>
+        <p:blipFill>
+          <a:blip r:embed="rId4" cstate="print">
+            <a:extLst>
+              <a:ext uri="{28A0092B-C50C-407E-A947-70E740481C1C}">
+                <a14:useLocalDpi xmlns:a14="http://schemas.microsoft.com/office/drawing/2010/main" val="0"/>
+              </a:ext>
+            </a:extLst>
+          </a:blip>
+          <a:srcRect/>
+          <a:stretch>
+            <a:fillRect/>
+          </a:stretch>
+        </p:blipFill>
+        <p:spPr bwMode="auto">
+          <a:xfrm>
+            <a:off x="5042773" y="3806707"/>
+            <a:ext cx="3849707" cy="2130467"/>
+          </a:xfrm>
+          <a:prstGeom prst="rect">
+            <a:avLst/>
+          </a:prstGeom>
+          <a:noFill/>
+          <a:ln>
+            <a:noFill/>
+          </a:ln>
+          <a:effectLst>
+            <a:outerShdw blurRad="50800" dist="38100" dir="2700000" algn="tl" rotWithShape="0">
+              <a:prstClr val="black">
+                <a:alpha val="40000"/>
+              </a:prstClr>
+            </a:outerShdw>
+          </a:effectLst>
+          <a:extLst>
+            <a:ext uri="{909E8E84-426E-40DD-AFC4-6F175D3DCCD1}">
+              <a14:hiddenFill xmlns:a14="http://schemas.microsoft.com/office/drawing/2010/main">
+                <a:solidFill>
+                  <a:srgbClr val="FFFFFF"/>
+                </a:solidFill>
+              </a14:hiddenFill>
+            </a:ext>
+            <a:ext uri="{91240B29-F687-4F45-9708-019B960494DF}">
+              <a14:hiddenLine xmlns:a14="http://schemas.microsoft.com/office/drawing/2010/main" w="9525">
+                <a:solidFill>
+                  <a:srgbClr val="000000"/>
+                </a:solidFill>
+                <a:miter lim="800000"/>
+                <a:headEnd/>
+                <a:tailEnd/>
+              </a14:hiddenLine>
+            </a:ext>
+          </a:extLst>
+        </p:spPr>
+      </p:pic>
+      <p:sp>
+        <p:nvSpPr>
+          <p:cNvPr id="9" name="TextBox 8">
+            <a:extLst>
+              <a:ext uri="{FF2B5EF4-FFF2-40B4-BE49-F238E27FC236}">
+                <a16:creationId xmlns:a16="http://schemas.microsoft.com/office/drawing/2014/main" id="{A8AB4D04-A88F-45C2-821C-40A11E583567}"/>
+              </a:ext>
+            </a:extLst>
+          </p:cNvPr>
+          <p:cNvSpPr txBox="1"/>
+          <p:nvPr/>
+        </p:nvSpPr>
+        <p:spPr>
+          <a:xfrm>
+            <a:off x="179512" y="1670177"/>
+            <a:ext cx="6768752" cy="2123658"/>
+          </a:xfrm>
+          <a:prstGeom prst="rect">
+            <a:avLst/>
+          </a:prstGeom>
+          <a:noFill/>
+        </p:spPr>
+        <p:txBody>
+          <a:bodyPr wrap="square" rtlCol="0">
+            <a:spAutoFit/>
+          </a:bodyPr>
+          <a:lstStyle/>
+          <a:p>
+            <a:pPr marL="342900" lvl="0" indent="-342900">
+              <a:buFont typeface="+mj-lt"/>
+              <a:buAutoNum type="arabicPeriod"/>
+            </a:pPr>
+            <a:r>
+              <a:rPr lang="en-US" sz="4400" dirty="0"/>
+              <a:t>Nesting</a:t>
+            </a:r>
+            <a:endParaRPr lang="ru-RU" sz="4400" dirty="0"/>
+          </a:p>
+          <a:p>
+            <a:pPr marL="342900" lvl="0" indent="-342900">
+              <a:buFont typeface="+mj-lt"/>
+              <a:buAutoNum type="arabicPeriod"/>
+            </a:pPr>
+            <a:r>
+              <a:rPr lang="en-US" sz="4400" dirty="0"/>
+              <a:t>Tool path routing</a:t>
+            </a:r>
+            <a:endParaRPr lang="ru-RU" sz="4400" dirty="0"/>
+          </a:p>
+          <a:p>
+            <a:pPr marL="342900" lvl="0" indent="-342900">
+              <a:buFont typeface="+mj-lt"/>
+              <a:buAutoNum type="arabicPeriod"/>
+            </a:pPr>
+            <a:r>
+              <a:rPr lang="en-US" sz="4400" dirty="0"/>
+              <a:t>NC Program generation</a:t>
+            </a:r>
+            <a:endParaRPr lang="ru-RU" sz="4400" dirty="0"/>
+          </a:p>
+        </p:txBody>
+      </p:sp>
+    </p:spTree>
+    <p:extLst>
+      <p:ext uri="{BB962C8B-B14F-4D97-AF65-F5344CB8AC3E}">
+        <p14:creationId xmlns:p14="http://schemas.microsoft.com/office/powerpoint/2010/main" val="2972446317"/>
+      </p:ext>
+    </p:extLst>
+  </p:cSld>
+  <p:clrMapOvr>
+    <a:masterClrMapping/>
+  </p:clrMapOvr>
+</p:sld>
+</file>
+
+<file path=ppt/slides/slide4.xml><?xml version="1.0" encoding="utf-8"?>
+<p:sld xmlns:a="http://schemas.openxmlformats.org/drawingml/2006/main" xmlns:r="http://schemas.openxmlformats.org/officeDocument/2006/relationships" xmlns:p="http://schemas.openxmlformats.org/presentationml/2006/main">
+  <p:cSld>
+    <p:spTree>
+      <p:nvGrpSpPr>
+        <p:cNvPr id="1" name=""/>
+        <p:cNvGrpSpPr/>
+        <p:nvPr/>
+      </p:nvGrpSpPr>
+      <p:grpSpPr>
+        <a:xfrm>
+          <a:off x="0" y="0"/>
+          <a:ext cx="0" cy="0"/>
+          <a:chOff x="0" y="0"/>
+          <a:chExt cx="0" cy="0"/>
+        </a:xfrm>
+      </p:grpSpPr>
+      <p:pic>
+        <p:nvPicPr>
+          <p:cNvPr id="2" name="Picture 2" descr="F:\Users\Алекс\Desktop\urfu_logo_en.png"/>
+          <p:cNvPicPr>
+            <a:picLocks noChangeAspect="1" noChangeArrowheads="1"/>
+          </p:cNvPicPr>
+          <p:nvPr/>
+        </p:nvPicPr>
+        <p:blipFill>
+          <a:blip r:embed="rId2" cstate="print">
+            <a:extLst>
+              <a:ext uri="{28A0092B-C50C-407E-A947-70E740481C1C}">
+                <a14:useLocalDpi xmlns:a14="http://schemas.microsoft.com/office/drawing/2010/main" val="0"/>
+              </a:ext>
+            </a:extLst>
+          </a:blip>
+          <a:srcRect/>
+          <a:stretch>
+            <a:fillRect/>
+          </a:stretch>
+        </p:blipFill>
+        <p:spPr bwMode="auto">
+          <a:xfrm>
+            <a:off x="0" y="0"/>
+            <a:ext cx="2133600" cy="1085850"/>
+          </a:xfrm>
+          <a:prstGeom prst="rect">
+            <a:avLst/>
+          </a:prstGeom>
+          <a:noFill/>
+          <a:ln w="9525">
+            <a:noFill/>
+            <a:prstDash val="sysDash"/>
+            <a:miter lim="800000"/>
+            <a:headEnd/>
+            <a:tailEnd/>
+          </a:ln>
+          <a:extLst>
+            <a:ext uri="{909E8E84-426E-40DD-AFC4-6F175D3DCCD1}">
+              <a14:hiddenFill xmlns:a14="http://schemas.microsoft.com/office/drawing/2010/main">
+                <a:solidFill>
+                  <a:srgbClr val="FFFFFF"/>
+                </a:solidFill>
+              </a14:hiddenFill>
+            </a:ext>
+          </a:extLst>
+        </p:spPr>
+      </p:pic>
+      <p:sp>
+        <p:nvSpPr>
+          <p:cNvPr id="3" name="TextBox 2"/>
+          <p:cNvSpPr txBox="1"/>
+          <p:nvPr/>
+        </p:nvSpPr>
+        <p:spPr>
+          <a:xfrm>
+            <a:off x="2051720" y="219759"/>
+            <a:ext cx="6840760" cy="1200329"/>
+          </a:xfrm>
+          <a:prstGeom prst="rect">
+            <a:avLst/>
+          </a:prstGeom>
+          <a:noFill/>
+        </p:spPr>
+        <p:txBody>
+          <a:bodyPr wrap="square" rtlCol="0">
+            <a:spAutoFit/>
+            <a:scene3d>
+              <a:camera prst="orthographicFront"/>
+              <a:lightRig rig="soft" dir="tl">
+                <a:rot lat="0" lon="0" rev="0"/>
+              </a:lightRig>
+            </a:scene3d>
+            <a:sp3d contourW="25400" prstMaterial="matte">
+              <a:bevelT w="25400" h="55880" prst="artDeco"/>
+              <a:contourClr>
+                <a:schemeClr val="accent2">
+                  <a:tint val="20000"/>
+                </a:schemeClr>
+              </a:contourClr>
+            </a:sp3d>
+          </a:bodyPr>
+          <a:lstStyle/>
+          <a:p>
+            <a:pPr algn="r"/>
+            <a:r>
+              <a:rPr lang="en-US" sz="3600" b="1" spc="50" dirty="0">
+                <a:ln w="11430"/>
+                <a:gradFill>
+                  <a:gsLst>
+                    <a:gs pos="25000">
+                      <a:schemeClr val="accent2">
+                        <a:satMod val="155000"/>
+                      </a:schemeClr>
+                    </a:gs>
+                    <a:gs pos="100000">
+                      <a:schemeClr val="accent2">
+                        <a:shade val="45000"/>
+                        <a:satMod val="165000"/>
+                      </a:schemeClr>
+                    </a:gs>
+                  </a:gsLst>
+                  <a:lin ang="5400000"/>
+                </a:gradFill>
+                <a:effectLst>
+                  <a:outerShdw blurRad="76200" dist="50800" dir="5400000" algn="tl" rotWithShape="0">
+                    <a:srgbClr val="000000">
+                      <a:alpha val="65000"/>
+                    </a:srgbClr>
+                  </a:outerShdw>
+                </a:effectLst>
+              </a:rPr>
+              <a:t>Classification of </a:t>
+            </a:r>
+          </a:p>
+          <a:p>
+            <a:pPr algn="r"/>
+            <a:r>
+              <a:rPr lang="en-US" sz="3600" b="1" spc="50" dirty="0">
+                <a:ln w="11430"/>
+                <a:gradFill>
+                  <a:gsLst>
+                    <a:gs pos="25000">
+                      <a:schemeClr val="accent2">
+                        <a:satMod val="155000"/>
+                      </a:schemeClr>
+                    </a:gs>
+                    <a:gs pos="100000">
+                      <a:schemeClr val="accent2">
+                        <a:shade val="45000"/>
+                        <a:satMod val="165000"/>
+                      </a:schemeClr>
+                    </a:gs>
+                  </a:gsLst>
+                  <a:lin ang="5400000"/>
+                </a:gradFill>
+                <a:effectLst>
+                  <a:outerShdw blurRad="76200" dist="50800" dir="5400000" algn="tl" rotWithShape="0">
+                    <a:srgbClr val="000000">
+                      <a:alpha val="65000"/>
+                    </a:srgbClr>
+                  </a:outerShdw>
+                </a:effectLst>
+              </a:rPr>
+              <a:t>tool path routing problems</a:t>
+            </a:r>
+            <a:endParaRPr lang="ru-RU" sz="3600" b="1" spc="50" dirty="0">
+              <a:ln w="11430"/>
+              <a:gradFill>
+                <a:gsLst>
+                  <a:gs pos="25000">
+                    <a:schemeClr val="accent2">
+                      <a:satMod val="155000"/>
+                    </a:schemeClr>
+                  </a:gs>
+                  <a:gs pos="100000">
+                    <a:schemeClr val="accent2">
+                      <a:shade val="45000"/>
+                      <a:satMod val="165000"/>
+                    </a:schemeClr>
+                  </a:gs>
+                </a:gsLst>
+                <a:lin ang="5400000"/>
+              </a:gradFill>
+              <a:effectLst>
+                <a:outerShdw blurRad="76200" dist="50800" dir="5400000" algn="tl" rotWithShape="0">
+                  <a:srgbClr val="000000">
+                    <a:alpha val="65000"/>
+                  </a:srgbClr>
+                </a:outerShdw>
+              </a:effectLst>
+            </a:endParaRPr>
+          </a:p>
+        </p:txBody>
+      </p:sp>
+      <p:sp>
+        <p:nvSpPr>
+          <p:cNvPr id="4" name="Rectangle 21">
+            <a:extLst>
+              <a:ext uri="{FF2B5EF4-FFF2-40B4-BE49-F238E27FC236}">
+                <a16:creationId xmlns:a16="http://schemas.microsoft.com/office/drawing/2014/main" id="{387C8F9A-D9F4-452C-9FC5-A2530FCD6295}"/>
+              </a:ext>
+            </a:extLst>
+          </p:cNvPr>
+          <p:cNvSpPr>
+            <a:spLocks noChangeArrowheads="1"/>
+          </p:cNvSpPr>
+          <p:nvPr/>
+        </p:nvSpPr>
+        <p:spPr bwMode="auto">
+          <a:xfrm>
+            <a:off x="683568" y="1824037"/>
+            <a:ext cx="9144000" cy="0"/>
+          </a:xfrm>
+          <a:prstGeom prst="rect">
+            <a:avLst/>
+          </a:prstGeom>
+          <a:noFill/>
+          <a:ln>
+            <a:noFill/>
+          </a:ln>
+          <a:effectLst/>
+          <a:extLst>
+            <a:ext uri="{909E8E84-426E-40DD-AFC4-6F175D3DCCD1}">
+              <a14:hiddenFill xmlns:a14="http://schemas.microsoft.com/office/drawing/2010/main">
+                <a:solidFill>
+                  <a:schemeClr val="accent1"/>
+                </a:solidFill>
+              </a14:hiddenFill>
+            </a:ext>
+            <a:ext uri="{91240B29-F687-4F45-9708-019B960494DF}">
+              <a14:hiddenLine xmlns:a14="http://schemas.microsoft.com/office/drawing/2010/main" w="9525">
+                <a:solidFill>
+                  <a:schemeClr val="tx1"/>
+                </a:solidFill>
+                <a:miter lim="800000"/>
+                <a:headEnd/>
+                <a:tailEnd/>
+              </a14:hiddenLine>
+            </a:ext>
+            <a:ext uri="{AF507438-7753-43E0-B8FC-AC1667EBCBE1}">
+              <a14:hiddenEffects xmlns:a14="http://schemas.microsoft.com/office/drawing/2010/main">
+                <a:effectLst>
+                  <a:outerShdw dist="35921" dir="2700000" algn="ctr" rotWithShape="0">
+                    <a:schemeClr val="bg2"/>
+                  </a:outerShdw>
+                </a:effectLst>
+              </a14:hiddenEffects>
+            </a:ext>
+          </a:extLst>
+        </p:spPr>
+        <p:txBody>
+          <a:bodyPr vert="horz" wrap="none" lIns="91440" tIns="45720" rIns="91440" bIns="45720" numCol="1" anchor="ctr" anchorCtr="0" compatLnSpc="1">
+            <a:prstTxWarp prst="textNoShape">
+              <a:avLst/>
+            </a:prstTxWarp>
+            <a:spAutoFit/>
+          </a:bodyPr>
+          <a:lstStyle/>
+          <a:p>
+            <a:endParaRPr lang="ru-RU"/>
+          </a:p>
+        </p:txBody>
+      </p:sp>
+      <p:grpSp>
+        <p:nvGrpSpPr>
+          <p:cNvPr id="5" name="Группа 46">
+            <a:extLst>
+              <a:ext uri="{FF2B5EF4-FFF2-40B4-BE49-F238E27FC236}">
+                <a16:creationId xmlns:a16="http://schemas.microsoft.com/office/drawing/2014/main" id="{93E40988-704D-48FC-B84B-0DC8773057A7}"/>
+              </a:ext>
+            </a:extLst>
+          </p:cNvPr>
+          <p:cNvGrpSpPr>
+            <a:grpSpLocks/>
+          </p:cNvGrpSpPr>
+          <p:nvPr/>
+        </p:nvGrpSpPr>
+        <p:grpSpPr bwMode="auto">
+          <a:xfrm>
+            <a:off x="479346" y="1824037"/>
+            <a:ext cx="8185307" cy="4485282"/>
+            <a:chOff x="0" y="0"/>
+            <a:chExt cx="58578" cy="32099"/>
+          </a:xfrm>
+        </p:grpSpPr>
+        <p:sp>
+          <p:nvSpPr>
+            <p:cNvPr id="6" name="Прямоугольник: скругленные противолежащие углы 47">
+              <a:extLst>
+                <a:ext uri="{FF2B5EF4-FFF2-40B4-BE49-F238E27FC236}">
+                  <a16:creationId xmlns:a16="http://schemas.microsoft.com/office/drawing/2014/main" id="{5669BCD5-FAF2-4AEC-B3DE-78986D0DF1D0}"/>
+                </a:ext>
+              </a:extLst>
+            </p:cNvPr>
+            <p:cNvSpPr>
+              <a:spLocks/>
+            </p:cNvSpPr>
+            <p:nvPr/>
+          </p:nvSpPr>
+          <p:spPr bwMode="auto">
+            <a:xfrm>
+              <a:off x="30670" y="2000"/>
+              <a:ext cx="10763" cy="2953"/>
+            </a:xfrm>
+            <a:custGeom>
+              <a:avLst/>
+              <a:gdLst>
+                <a:gd name="T0" fmla="*/ 49213 w 1076325"/>
+                <a:gd name="T1" fmla="*/ 0 h 295275"/>
+                <a:gd name="T2" fmla="*/ 1076325 w 1076325"/>
+                <a:gd name="T3" fmla="*/ 0 h 295275"/>
+                <a:gd name="T4" fmla="*/ 1076325 w 1076325"/>
+                <a:gd name="T5" fmla="*/ 0 h 295275"/>
+                <a:gd name="T6" fmla="*/ 1076325 w 1076325"/>
+                <a:gd name="T7" fmla="*/ 246062 h 295275"/>
+                <a:gd name="T8" fmla="*/ 1027112 w 1076325"/>
+                <a:gd name="T9" fmla="*/ 295275 h 295275"/>
+                <a:gd name="T10" fmla="*/ 0 w 1076325"/>
+                <a:gd name="T11" fmla="*/ 295275 h 295275"/>
+                <a:gd name="T12" fmla="*/ 0 w 1076325"/>
+                <a:gd name="T13" fmla="*/ 295275 h 295275"/>
+                <a:gd name="T14" fmla="*/ 0 w 1076325"/>
+                <a:gd name="T15" fmla="*/ 49213 h 295275"/>
+                <a:gd name="T16" fmla="*/ 49213 w 1076325"/>
+                <a:gd name="T17" fmla="*/ 0 h 295275"/>
+                <a:gd name="T18" fmla="*/ 0 60000 65536"/>
+                <a:gd name="T19" fmla="*/ 0 60000 65536"/>
+                <a:gd name="T20" fmla="*/ 0 60000 65536"/>
+                <a:gd name="T21" fmla="*/ 0 60000 65536"/>
+                <a:gd name="T22" fmla="*/ 0 60000 65536"/>
+                <a:gd name="T23" fmla="*/ 0 60000 65536"/>
+                <a:gd name="T24" fmla="*/ 0 60000 65536"/>
+                <a:gd name="T25" fmla="*/ 0 60000 65536"/>
+                <a:gd name="T26" fmla="*/ 0 60000 65536"/>
+                <a:gd name="T27" fmla="*/ 0 w 1076325"/>
+                <a:gd name="T28" fmla="*/ 0 h 295275"/>
+                <a:gd name="T29" fmla="*/ 1076325 w 1076325"/>
+                <a:gd name="T30" fmla="*/ 295275 h 295275"/>
+              </a:gdLst>
+              <a:ahLst/>
+              <a:cxnLst>
+                <a:cxn ang="T18">
+                  <a:pos x="T0" y="T1"/>
+                </a:cxn>
+                <a:cxn ang="T19">
+                  <a:pos x="T2" y="T3"/>
+                </a:cxn>
+                <a:cxn ang="T20">
+                  <a:pos x="T4" y="T5"/>
+                </a:cxn>
+                <a:cxn ang="T21">
+                  <a:pos x="T6" y="T7"/>
+                </a:cxn>
+                <a:cxn ang="T22">
+                  <a:pos x="T8" y="T9"/>
+                </a:cxn>
+                <a:cxn ang="T23">
+                  <a:pos x="T10" y="T11"/>
+                </a:cxn>
+                <a:cxn ang="T24">
+                  <a:pos x="T12" y="T13"/>
+                </a:cxn>
+                <a:cxn ang="T25">
+                  <a:pos x="T14" y="T15"/>
+                </a:cxn>
+                <a:cxn ang="T26">
+                  <a:pos x="T16" y="T17"/>
+                </a:cxn>
+              </a:cxnLst>
+              <a:rect l="T27" t="T28" r="T29" b="T30"/>
+              <a:pathLst>
+                <a:path w="1076325" h="295275">
+                  <a:moveTo>
+                    <a:pt x="49213" y="0"/>
+                  </a:moveTo>
+                  <a:lnTo>
+                    <a:pt x="1076325" y="0"/>
+                  </a:lnTo>
+                  <a:lnTo>
+                    <a:pt x="1076325" y="246062"/>
+                  </a:lnTo>
+                  <a:cubicBezTo>
+                    <a:pt x="1076325" y="273242"/>
+                    <a:pt x="1054292" y="295275"/>
+                    <a:pt x="1027112" y="295275"/>
+                  </a:cubicBezTo>
+                  <a:lnTo>
+                    <a:pt x="0" y="295275"/>
+                  </a:lnTo>
+                  <a:lnTo>
+                    <a:pt x="0" y="49213"/>
+                  </a:lnTo>
+                  <a:cubicBezTo>
+                    <a:pt x="0" y="22033"/>
+                    <a:pt x="22033" y="0"/>
+                    <a:pt x="49213" y="0"/>
+                  </a:cubicBezTo>
+                  <a:close/>
+                </a:path>
+              </a:pathLst>
+            </a:custGeom>
+            <a:solidFill>
+              <a:srgbClr val="FFFFFF"/>
+            </a:solidFill>
+            <a:ln w="12700">
+              <a:solidFill>
+                <a:srgbClr val="000000"/>
+              </a:solidFill>
+              <a:miter lim="800000"/>
+              <a:headEnd/>
+              <a:tailEnd/>
+            </a:ln>
+            <a:effectLst>
+              <a:outerShdw dist="38100" dir="2700000" algn="tl" rotWithShape="0">
+                <a:srgbClr val="000000">
+                  <a:alpha val="39999"/>
+                </a:srgbClr>
+              </a:outerShdw>
+            </a:effectLst>
+          </p:spPr>
+          <p:txBody>
+            <a:bodyPr vert="horz" wrap="square" lIns="91440" tIns="45720" rIns="91440" bIns="45720" numCol="1" anchor="ctr" anchorCtr="0" compatLnSpc="1">
+              <a:prstTxWarp prst="textNoShape">
+                <a:avLst/>
+              </a:prstTxWarp>
+            </a:bodyPr>
+            <a:lstStyle/>
+            <a:p>
+              <a:pPr marL="0" marR="0" lvl="0" indent="0" algn="ctr" defTabSz="914400" rtl="0" eaLnBrk="0" fontAlgn="base" latinLnBrk="0" hangingPunct="0">
+                <a:lnSpc>
+                  <a:spcPct val="100000"/>
+                </a:lnSpc>
+                <a:spcBef>
+                  <a:spcPct val="0"/>
+                </a:spcBef>
+                <a:spcAft>
+                  <a:spcPct val="0"/>
+                </a:spcAft>
+                <a:buClrTx/>
+                <a:buSzTx/>
+                <a:buFontTx/>
+                <a:buNone/>
+                <a:tabLst/>
+              </a:pPr>
+              <a:r>
+                <a:rPr kumimoji="0" lang="en-US" altLang="ru-RU" sz="1200" b="0" i="0" u="none" strike="noStrike" cap="none" normalizeH="0" baseline="0">
+                  <a:ln>
+                    <a:noFill/>
+                  </a:ln>
+                  <a:solidFill>
+                    <a:srgbClr val="000000"/>
+                  </a:solidFill>
+                  <a:effectLst/>
+                  <a:latin typeface="Calibri" panose="020F0502020204030204" pitchFamily="34" charset="0"/>
+                  <a:ea typeface="Calibri" panose="020F0502020204030204" pitchFamily="34" charset="0"/>
+                  <a:cs typeface="Times New Roman" panose="02020603050405020304" pitchFamily="18" charset="0"/>
+                </a:rPr>
+                <a:t>GSCCP</a:t>
+              </a:r>
+              <a:endParaRPr kumimoji="0" lang="en-US" altLang="ru-RU" sz="1800" b="0" i="0" u="none" strike="noStrike" cap="none" normalizeH="0" baseline="0">
+                <a:ln>
+                  <a:noFill/>
+                </a:ln>
+                <a:solidFill>
+                  <a:schemeClr val="tx1"/>
+                </a:solidFill>
+                <a:effectLst/>
+                <a:latin typeface="Arial" panose="020B0604020202020204" pitchFamily="34" charset="0"/>
+              </a:endParaRPr>
+            </a:p>
+          </p:txBody>
+        </p:sp>
+        <p:sp>
+          <p:nvSpPr>
+            <p:cNvPr id="7" name="Прямоугольник: скругленные противолежащие углы 48">
+              <a:extLst>
+                <a:ext uri="{FF2B5EF4-FFF2-40B4-BE49-F238E27FC236}">
+                  <a16:creationId xmlns:a16="http://schemas.microsoft.com/office/drawing/2014/main" id="{2490F944-1E0F-4D15-8AAF-87FEE1D2D7FB}"/>
+                </a:ext>
+              </a:extLst>
+            </p:cNvPr>
+            <p:cNvSpPr>
+              <a:spLocks/>
+            </p:cNvSpPr>
+            <p:nvPr/>
+          </p:nvSpPr>
+          <p:spPr bwMode="auto">
+            <a:xfrm>
+              <a:off x="30099" y="1524"/>
+              <a:ext cx="10763" cy="2952"/>
+            </a:xfrm>
+            <a:custGeom>
+              <a:avLst/>
+              <a:gdLst>
+                <a:gd name="T0" fmla="*/ 49213 w 1076325"/>
+                <a:gd name="T1" fmla="*/ 0 h 295275"/>
+                <a:gd name="T2" fmla="*/ 1076325 w 1076325"/>
+                <a:gd name="T3" fmla="*/ 0 h 295275"/>
+                <a:gd name="T4" fmla="*/ 1076325 w 1076325"/>
+                <a:gd name="T5" fmla="*/ 0 h 295275"/>
+                <a:gd name="T6" fmla="*/ 1076325 w 1076325"/>
+                <a:gd name="T7" fmla="*/ 246062 h 295275"/>
+                <a:gd name="T8" fmla="*/ 1027112 w 1076325"/>
+                <a:gd name="T9" fmla="*/ 295275 h 295275"/>
+                <a:gd name="T10" fmla="*/ 0 w 1076325"/>
+                <a:gd name="T11" fmla="*/ 295275 h 295275"/>
+                <a:gd name="T12" fmla="*/ 0 w 1076325"/>
+                <a:gd name="T13" fmla="*/ 295275 h 295275"/>
+                <a:gd name="T14" fmla="*/ 0 w 1076325"/>
+                <a:gd name="T15" fmla="*/ 49213 h 295275"/>
+                <a:gd name="T16" fmla="*/ 49213 w 1076325"/>
+                <a:gd name="T17" fmla="*/ 0 h 295275"/>
+                <a:gd name="T18" fmla="*/ 0 60000 65536"/>
+                <a:gd name="T19" fmla="*/ 0 60000 65536"/>
+                <a:gd name="T20" fmla="*/ 0 60000 65536"/>
+                <a:gd name="T21" fmla="*/ 0 60000 65536"/>
+                <a:gd name="T22" fmla="*/ 0 60000 65536"/>
+                <a:gd name="T23" fmla="*/ 0 60000 65536"/>
+                <a:gd name="T24" fmla="*/ 0 60000 65536"/>
+                <a:gd name="T25" fmla="*/ 0 60000 65536"/>
+                <a:gd name="T26" fmla="*/ 0 60000 65536"/>
+                <a:gd name="T27" fmla="*/ 0 w 1076325"/>
+                <a:gd name="T28" fmla="*/ 0 h 295275"/>
+                <a:gd name="T29" fmla="*/ 1076325 w 1076325"/>
+                <a:gd name="T30" fmla="*/ 295275 h 295275"/>
+              </a:gdLst>
+              <a:ahLst/>
+              <a:cxnLst>
+                <a:cxn ang="T18">
+                  <a:pos x="T0" y="T1"/>
+                </a:cxn>
+                <a:cxn ang="T19">
+                  <a:pos x="T2" y="T3"/>
+                </a:cxn>
+                <a:cxn ang="T20">
+                  <a:pos x="T4" y="T5"/>
+                </a:cxn>
+                <a:cxn ang="T21">
+                  <a:pos x="T6" y="T7"/>
+                </a:cxn>
+                <a:cxn ang="T22">
+                  <a:pos x="T8" y="T9"/>
+                </a:cxn>
+                <a:cxn ang="T23">
+                  <a:pos x="T10" y="T11"/>
+                </a:cxn>
+                <a:cxn ang="T24">
+                  <a:pos x="T12" y="T13"/>
+                </a:cxn>
+                <a:cxn ang="T25">
+                  <a:pos x="T14" y="T15"/>
+                </a:cxn>
+                <a:cxn ang="T26">
+                  <a:pos x="T16" y="T17"/>
+                </a:cxn>
+              </a:cxnLst>
+              <a:rect l="T27" t="T28" r="T29" b="T30"/>
+              <a:pathLst>
+                <a:path w="1076325" h="295275">
+                  <a:moveTo>
+                    <a:pt x="49213" y="0"/>
+                  </a:moveTo>
+                  <a:lnTo>
+                    <a:pt x="1076325" y="0"/>
+                  </a:lnTo>
+                  <a:lnTo>
+                    <a:pt x="1076325" y="246062"/>
+                  </a:lnTo>
+                  <a:cubicBezTo>
+                    <a:pt x="1076325" y="273242"/>
+                    <a:pt x="1054292" y="295275"/>
+                    <a:pt x="1027112" y="295275"/>
+                  </a:cubicBezTo>
+                  <a:lnTo>
+                    <a:pt x="0" y="295275"/>
+                  </a:lnTo>
+                  <a:lnTo>
+                    <a:pt x="0" y="49213"/>
+                  </a:lnTo>
+                  <a:cubicBezTo>
+                    <a:pt x="0" y="22033"/>
+                    <a:pt x="22033" y="0"/>
+                    <a:pt x="49213" y="0"/>
+                  </a:cubicBezTo>
+                  <a:close/>
+                </a:path>
+              </a:pathLst>
+            </a:custGeom>
+            <a:solidFill>
+              <a:srgbClr val="FFFFFF"/>
+            </a:solidFill>
+            <a:ln w="12700">
+              <a:solidFill>
+                <a:srgbClr val="000000"/>
+              </a:solidFill>
+              <a:miter lim="800000"/>
+              <a:headEnd/>
+              <a:tailEnd/>
+            </a:ln>
+          </p:spPr>
+          <p:txBody>
+            <a:bodyPr vert="horz" wrap="square" lIns="91440" tIns="45720" rIns="91440" bIns="45720" numCol="1" anchor="ctr" anchorCtr="0" compatLnSpc="1">
+              <a:prstTxWarp prst="textNoShape">
+                <a:avLst/>
+              </a:prstTxWarp>
+            </a:bodyPr>
+            <a:lstStyle/>
+            <a:p>
+              <a:pPr marL="0" marR="0" lvl="0" indent="0" algn="ctr" defTabSz="914400" rtl="0" eaLnBrk="0" fontAlgn="base" latinLnBrk="0" hangingPunct="0">
+                <a:lnSpc>
+                  <a:spcPct val="100000"/>
+                </a:lnSpc>
+                <a:spcBef>
+                  <a:spcPct val="0"/>
+                </a:spcBef>
+                <a:spcAft>
+                  <a:spcPct val="0"/>
+                </a:spcAft>
+                <a:buClrTx/>
+                <a:buSzTx/>
+                <a:buFontTx/>
+                <a:buNone/>
+                <a:tabLst/>
+              </a:pPr>
+              <a:r>
+                <a:rPr kumimoji="0" lang="en-US" altLang="ru-RU" sz="1200" b="0" i="0" u="none" strike="noStrike" cap="none" normalizeH="0" baseline="0">
+                  <a:ln>
+                    <a:noFill/>
+                  </a:ln>
+                  <a:solidFill>
+                    <a:srgbClr val="FFFFFF"/>
+                  </a:solidFill>
+                  <a:effectLst/>
+                  <a:latin typeface="Calibri" panose="020F0502020204030204" pitchFamily="34" charset="0"/>
+                  <a:ea typeface="Calibri" panose="020F0502020204030204" pitchFamily="34" charset="0"/>
+                  <a:cs typeface="Times New Roman" panose="02020603050405020304" pitchFamily="18" charset="0"/>
+                </a:rPr>
+                <a:t>GSCCP</a:t>
+              </a:r>
+              <a:endParaRPr kumimoji="0" lang="en-US" altLang="ru-RU" sz="1800" b="0" i="0" u="none" strike="noStrike" cap="none" normalizeH="0" baseline="0">
+                <a:ln>
+                  <a:noFill/>
+                </a:ln>
+                <a:solidFill>
+                  <a:schemeClr val="tx1"/>
+                </a:solidFill>
+                <a:effectLst/>
+                <a:latin typeface="Arial" panose="020B0604020202020204" pitchFamily="34" charset="0"/>
+              </a:endParaRPr>
+            </a:p>
+          </p:txBody>
+        </p:sp>
+        <p:sp>
+          <p:nvSpPr>
+            <p:cNvPr id="8" name="Прямоугольник: скругленные противолежащие углы 49">
+              <a:extLst>
+                <a:ext uri="{FF2B5EF4-FFF2-40B4-BE49-F238E27FC236}">
+                  <a16:creationId xmlns:a16="http://schemas.microsoft.com/office/drawing/2014/main" id="{7DEA7BBF-4968-4BD5-81D0-13CF369DF0CA}"/>
+                </a:ext>
+              </a:extLst>
+            </p:cNvPr>
+            <p:cNvSpPr>
+              <a:spLocks/>
+            </p:cNvSpPr>
+            <p:nvPr/>
+          </p:nvSpPr>
+          <p:spPr bwMode="auto">
+            <a:xfrm>
+              <a:off x="1714" y="25527"/>
+              <a:ext cx="10763" cy="2952"/>
+            </a:xfrm>
+            <a:custGeom>
+              <a:avLst/>
+              <a:gdLst>
+                <a:gd name="T0" fmla="*/ 49213 w 1076325"/>
+                <a:gd name="T1" fmla="*/ 0 h 295275"/>
+                <a:gd name="T2" fmla="*/ 1076325 w 1076325"/>
+                <a:gd name="T3" fmla="*/ 0 h 295275"/>
+                <a:gd name="T4" fmla="*/ 1076325 w 1076325"/>
+                <a:gd name="T5" fmla="*/ 0 h 295275"/>
+                <a:gd name="T6" fmla="*/ 1076325 w 1076325"/>
+                <a:gd name="T7" fmla="*/ 246062 h 295275"/>
+                <a:gd name="T8" fmla="*/ 1027112 w 1076325"/>
+                <a:gd name="T9" fmla="*/ 295275 h 295275"/>
+                <a:gd name="T10" fmla="*/ 0 w 1076325"/>
+                <a:gd name="T11" fmla="*/ 295275 h 295275"/>
+                <a:gd name="T12" fmla="*/ 0 w 1076325"/>
+                <a:gd name="T13" fmla="*/ 295275 h 295275"/>
+                <a:gd name="T14" fmla="*/ 0 w 1076325"/>
+                <a:gd name="T15" fmla="*/ 49213 h 295275"/>
+                <a:gd name="T16" fmla="*/ 49213 w 1076325"/>
+                <a:gd name="T17" fmla="*/ 0 h 295275"/>
+                <a:gd name="T18" fmla="*/ 0 60000 65536"/>
+                <a:gd name="T19" fmla="*/ 0 60000 65536"/>
+                <a:gd name="T20" fmla="*/ 0 60000 65536"/>
+                <a:gd name="T21" fmla="*/ 0 60000 65536"/>
+                <a:gd name="T22" fmla="*/ 0 60000 65536"/>
+                <a:gd name="T23" fmla="*/ 0 60000 65536"/>
+                <a:gd name="T24" fmla="*/ 0 60000 65536"/>
+                <a:gd name="T25" fmla="*/ 0 60000 65536"/>
+                <a:gd name="T26" fmla="*/ 0 60000 65536"/>
+                <a:gd name="T27" fmla="*/ 0 w 1076325"/>
+                <a:gd name="T28" fmla="*/ 0 h 295275"/>
+                <a:gd name="T29" fmla="*/ 1076325 w 1076325"/>
+                <a:gd name="T30" fmla="*/ 295275 h 295275"/>
+              </a:gdLst>
+              <a:ahLst/>
+              <a:cxnLst>
+                <a:cxn ang="T18">
+                  <a:pos x="T0" y="T1"/>
+                </a:cxn>
+                <a:cxn ang="T19">
+                  <a:pos x="T2" y="T3"/>
+                </a:cxn>
+                <a:cxn ang="T20">
+                  <a:pos x="T4" y="T5"/>
+                </a:cxn>
+                <a:cxn ang="T21">
+                  <a:pos x="T6" y="T7"/>
+                </a:cxn>
+                <a:cxn ang="T22">
+                  <a:pos x="T8" y="T9"/>
+                </a:cxn>
+                <a:cxn ang="T23">
+                  <a:pos x="T10" y="T11"/>
+                </a:cxn>
+                <a:cxn ang="T24">
+                  <a:pos x="T12" y="T13"/>
+                </a:cxn>
+                <a:cxn ang="T25">
+                  <a:pos x="T14" y="T15"/>
+                </a:cxn>
+                <a:cxn ang="T26">
+                  <a:pos x="T16" y="T17"/>
+                </a:cxn>
+              </a:cxnLst>
+              <a:rect l="T27" t="T28" r="T29" b="T30"/>
+              <a:pathLst>
+                <a:path w="1076325" h="295275">
+                  <a:moveTo>
+                    <a:pt x="49213" y="0"/>
+                  </a:moveTo>
+                  <a:lnTo>
+                    <a:pt x="1076325" y="0"/>
+                  </a:lnTo>
+                  <a:lnTo>
+                    <a:pt x="1076325" y="246062"/>
+                  </a:lnTo>
+                  <a:cubicBezTo>
+                    <a:pt x="1076325" y="273242"/>
+                    <a:pt x="1054292" y="295275"/>
+                    <a:pt x="1027112" y="295275"/>
+                  </a:cubicBezTo>
+                  <a:lnTo>
+                    <a:pt x="0" y="295275"/>
+                  </a:lnTo>
+                  <a:lnTo>
+                    <a:pt x="0" y="49213"/>
+                  </a:lnTo>
+                  <a:cubicBezTo>
+                    <a:pt x="0" y="22033"/>
+                    <a:pt x="22033" y="0"/>
+                    <a:pt x="49213" y="0"/>
+                  </a:cubicBezTo>
+                  <a:close/>
+                </a:path>
+              </a:pathLst>
+            </a:custGeom>
+            <a:solidFill>
+              <a:srgbClr val="FFFFFF"/>
+            </a:solidFill>
+            <a:ln w="12700">
+              <a:solidFill>
+                <a:srgbClr val="000000"/>
+              </a:solidFill>
+              <a:miter lim="800000"/>
+              <a:headEnd/>
+              <a:tailEnd/>
+            </a:ln>
+            <a:effectLst>
+              <a:outerShdw dist="38100" dir="2700000" algn="tl" rotWithShape="0">
+                <a:srgbClr val="000000">
+                  <a:alpha val="39999"/>
+                </a:srgbClr>
+              </a:outerShdw>
+            </a:effectLst>
+          </p:spPr>
+          <p:txBody>
+            <a:bodyPr vert="horz" wrap="square" lIns="91440" tIns="45720" rIns="91440" bIns="45720" numCol="1" anchor="ctr" anchorCtr="0" compatLnSpc="1">
+              <a:prstTxWarp prst="textNoShape">
+                <a:avLst/>
+              </a:prstTxWarp>
+            </a:bodyPr>
+            <a:lstStyle/>
+            <a:p>
+              <a:pPr marL="0" marR="0" lvl="0" indent="0" algn="ctr" defTabSz="914400" rtl="0" eaLnBrk="0" fontAlgn="base" latinLnBrk="0" hangingPunct="0">
+                <a:lnSpc>
+                  <a:spcPct val="100000"/>
+                </a:lnSpc>
+                <a:spcBef>
+                  <a:spcPct val="0"/>
+                </a:spcBef>
+                <a:spcAft>
+                  <a:spcPct val="0"/>
+                </a:spcAft>
+                <a:buClrTx/>
+                <a:buSzTx/>
+                <a:buFontTx/>
+                <a:buNone/>
+                <a:tabLst/>
+              </a:pPr>
+              <a:r>
+                <a:rPr kumimoji="0" lang="en-US" altLang="ru-RU" sz="1200" b="0" i="0" u="none" strike="noStrike" cap="none" normalizeH="0" baseline="0">
+                  <a:ln>
+                    <a:noFill/>
+                  </a:ln>
+                  <a:solidFill>
+                    <a:srgbClr val="000000"/>
+                  </a:solidFill>
+                  <a:effectLst/>
+                  <a:latin typeface="Calibri" panose="020F0502020204030204" pitchFamily="34" charset="0"/>
+                  <a:ea typeface="Calibri" panose="020F0502020204030204" pitchFamily="34" charset="0"/>
+                  <a:cs typeface="Times New Roman" panose="02020603050405020304" pitchFamily="18" charset="0"/>
+                </a:rPr>
+                <a:t>TSP</a:t>
+              </a:r>
+              <a:endParaRPr kumimoji="0" lang="en-US" altLang="ru-RU" sz="1800" b="0" i="0" u="none" strike="noStrike" cap="none" normalizeH="0" baseline="0">
+                <a:ln>
+                  <a:noFill/>
+                </a:ln>
+                <a:solidFill>
+                  <a:schemeClr val="tx1"/>
+                </a:solidFill>
+                <a:effectLst/>
+                <a:latin typeface="Arial" panose="020B0604020202020204" pitchFamily="34" charset="0"/>
+              </a:endParaRPr>
+            </a:p>
+          </p:txBody>
+        </p:sp>
+        <p:sp>
+          <p:nvSpPr>
+            <p:cNvPr id="9" name="Прямоугольник: скругленные противолежащие углы 50">
+              <a:extLst>
+                <a:ext uri="{FF2B5EF4-FFF2-40B4-BE49-F238E27FC236}">
+                  <a16:creationId xmlns:a16="http://schemas.microsoft.com/office/drawing/2014/main" id="{0A667E30-B318-4C77-9597-01EA5444F374}"/>
+                </a:ext>
+              </a:extLst>
+            </p:cNvPr>
+            <p:cNvSpPr>
+              <a:spLocks/>
+            </p:cNvSpPr>
+            <p:nvPr/>
+          </p:nvSpPr>
+          <p:spPr bwMode="auto">
+            <a:xfrm>
+              <a:off x="1714" y="14573"/>
+              <a:ext cx="10763" cy="2953"/>
+            </a:xfrm>
+            <a:custGeom>
+              <a:avLst/>
+              <a:gdLst>
+                <a:gd name="T0" fmla="*/ 49213 w 1076325"/>
+                <a:gd name="T1" fmla="*/ 0 h 295275"/>
+                <a:gd name="T2" fmla="*/ 1076325 w 1076325"/>
+                <a:gd name="T3" fmla="*/ 0 h 295275"/>
+                <a:gd name="T4" fmla="*/ 1076325 w 1076325"/>
+                <a:gd name="T5" fmla="*/ 0 h 295275"/>
+                <a:gd name="T6" fmla="*/ 1076325 w 1076325"/>
+                <a:gd name="T7" fmla="*/ 246062 h 295275"/>
+                <a:gd name="T8" fmla="*/ 1027112 w 1076325"/>
+                <a:gd name="T9" fmla="*/ 295275 h 295275"/>
+                <a:gd name="T10" fmla="*/ 0 w 1076325"/>
+                <a:gd name="T11" fmla="*/ 295275 h 295275"/>
+                <a:gd name="T12" fmla="*/ 0 w 1076325"/>
+                <a:gd name="T13" fmla="*/ 295275 h 295275"/>
+                <a:gd name="T14" fmla="*/ 0 w 1076325"/>
+                <a:gd name="T15" fmla="*/ 49213 h 295275"/>
+                <a:gd name="T16" fmla="*/ 49213 w 1076325"/>
+                <a:gd name="T17" fmla="*/ 0 h 295275"/>
+                <a:gd name="T18" fmla="*/ 0 60000 65536"/>
+                <a:gd name="T19" fmla="*/ 0 60000 65536"/>
+                <a:gd name="T20" fmla="*/ 0 60000 65536"/>
+                <a:gd name="T21" fmla="*/ 0 60000 65536"/>
+                <a:gd name="T22" fmla="*/ 0 60000 65536"/>
+                <a:gd name="T23" fmla="*/ 0 60000 65536"/>
+                <a:gd name="T24" fmla="*/ 0 60000 65536"/>
+                <a:gd name="T25" fmla="*/ 0 60000 65536"/>
+                <a:gd name="T26" fmla="*/ 0 60000 65536"/>
+                <a:gd name="T27" fmla="*/ 0 w 1076325"/>
+                <a:gd name="T28" fmla="*/ 0 h 295275"/>
+                <a:gd name="T29" fmla="*/ 1076325 w 1076325"/>
+                <a:gd name="T30" fmla="*/ 295275 h 295275"/>
+              </a:gdLst>
+              <a:ahLst/>
+              <a:cxnLst>
+                <a:cxn ang="T18">
+                  <a:pos x="T0" y="T1"/>
+                </a:cxn>
+                <a:cxn ang="T19">
+                  <a:pos x="T2" y="T3"/>
+                </a:cxn>
+                <a:cxn ang="T20">
+                  <a:pos x="T4" y="T5"/>
+                </a:cxn>
+                <a:cxn ang="T21">
+                  <a:pos x="T6" y="T7"/>
+                </a:cxn>
+                <a:cxn ang="T22">
+                  <a:pos x="T8" y="T9"/>
+                </a:cxn>
+                <a:cxn ang="T23">
+                  <a:pos x="T10" y="T11"/>
+                </a:cxn>
+                <a:cxn ang="T24">
+                  <a:pos x="T12" y="T13"/>
+                </a:cxn>
+                <a:cxn ang="T25">
+                  <a:pos x="T14" y="T15"/>
+                </a:cxn>
+                <a:cxn ang="T26">
+                  <a:pos x="T16" y="T17"/>
+                </a:cxn>
+              </a:cxnLst>
+              <a:rect l="T27" t="T28" r="T29" b="T30"/>
+              <a:pathLst>
+                <a:path w="1076325" h="295275">
+                  <a:moveTo>
+                    <a:pt x="49213" y="0"/>
+                  </a:moveTo>
+                  <a:lnTo>
+                    <a:pt x="1076325" y="0"/>
+                  </a:lnTo>
+                  <a:lnTo>
+                    <a:pt x="1076325" y="246062"/>
+                  </a:lnTo>
+                  <a:cubicBezTo>
+                    <a:pt x="1076325" y="273242"/>
+                    <a:pt x="1054292" y="295275"/>
+                    <a:pt x="1027112" y="295275"/>
+                  </a:cubicBezTo>
+                  <a:lnTo>
+                    <a:pt x="0" y="295275"/>
+                  </a:lnTo>
+                  <a:lnTo>
+                    <a:pt x="0" y="49213"/>
+                  </a:lnTo>
+                  <a:cubicBezTo>
+                    <a:pt x="0" y="22033"/>
+                    <a:pt x="22033" y="0"/>
+                    <a:pt x="49213" y="0"/>
+                  </a:cubicBezTo>
+                  <a:close/>
+                </a:path>
+              </a:pathLst>
+            </a:custGeom>
+            <a:solidFill>
+              <a:srgbClr val="FFFFFF"/>
+            </a:solidFill>
+            <a:ln w="12700">
+              <a:solidFill>
+                <a:srgbClr val="000000"/>
+              </a:solidFill>
+              <a:miter lim="800000"/>
+              <a:headEnd/>
+              <a:tailEnd/>
+            </a:ln>
+            <a:effectLst>
+              <a:outerShdw dist="38100" dir="2700000" algn="tl" rotWithShape="0">
+                <a:srgbClr val="000000">
+                  <a:alpha val="39999"/>
+                </a:srgbClr>
+              </a:outerShdw>
+            </a:effectLst>
+          </p:spPr>
+          <p:txBody>
+            <a:bodyPr vert="horz" wrap="square" lIns="91440" tIns="45720" rIns="91440" bIns="45720" numCol="1" anchor="ctr" anchorCtr="0" compatLnSpc="1">
+              <a:prstTxWarp prst="textNoShape">
+                <a:avLst/>
+              </a:prstTxWarp>
+            </a:bodyPr>
+            <a:lstStyle/>
+            <a:p>
+              <a:pPr marL="0" marR="0" lvl="0" indent="0" algn="ctr" defTabSz="914400" rtl="0" eaLnBrk="0" fontAlgn="base" latinLnBrk="0" hangingPunct="0">
+                <a:lnSpc>
+                  <a:spcPct val="100000"/>
+                </a:lnSpc>
+                <a:spcBef>
+                  <a:spcPct val="0"/>
+                </a:spcBef>
+                <a:spcAft>
+                  <a:spcPct val="0"/>
+                </a:spcAft>
+                <a:buClrTx/>
+                <a:buSzTx/>
+                <a:buFontTx/>
+                <a:buNone/>
+                <a:tabLst/>
+              </a:pPr>
+              <a:r>
+                <a:rPr kumimoji="0" lang="en-US" altLang="ru-RU" sz="1200" b="0" i="0" u="none" strike="noStrike" cap="none" normalizeH="0" baseline="0">
+                  <a:ln>
+                    <a:noFill/>
+                  </a:ln>
+                  <a:solidFill>
+                    <a:srgbClr val="000000"/>
+                  </a:solidFill>
+                  <a:effectLst/>
+                  <a:latin typeface="Calibri" panose="020F0502020204030204" pitchFamily="34" charset="0"/>
+                  <a:ea typeface="Calibri" panose="020F0502020204030204" pitchFamily="34" charset="0"/>
+                  <a:cs typeface="Times New Roman" panose="02020603050405020304" pitchFamily="18" charset="0"/>
+                </a:rPr>
+                <a:t>GTSP</a:t>
+              </a:r>
+              <a:endParaRPr kumimoji="0" lang="en-US" altLang="ru-RU" sz="1800" b="0" i="0" u="none" strike="noStrike" cap="none" normalizeH="0" baseline="0">
+                <a:ln>
+                  <a:noFill/>
+                </a:ln>
+                <a:solidFill>
+                  <a:schemeClr val="tx1"/>
+                </a:solidFill>
+                <a:effectLst/>
+                <a:latin typeface="Arial" panose="020B0604020202020204" pitchFamily="34" charset="0"/>
+              </a:endParaRPr>
+            </a:p>
+          </p:txBody>
+        </p:sp>
+        <p:sp>
+          <p:nvSpPr>
+            <p:cNvPr id="10" name="Прямоугольник: скругленные противолежащие углы 51">
+              <a:extLst>
+                <a:ext uri="{FF2B5EF4-FFF2-40B4-BE49-F238E27FC236}">
+                  <a16:creationId xmlns:a16="http://schemas.microsoft.com/office/drawing/2014/main" id="{C949C72F-0E96-4E1C-8E6A-02E651F7855D}"/>
+                </a:ext>
+              </a:extLst>
+            </p:cNvPr>
+            <p:cNvSpPr>
+              <a:spLocks/>
+            </p:cNvSpPr>
+            <p:nvPr/>
+          </p:nvSpPr>
+          <p:spPr bwMode="auto">
+            <a:xfrm>
+              <a:off x="1714" y="1047"/>
+              <a:ext cx="10763" cy="2953"/>
+            </a:xfrm>
+            <a:custGeom>
+              <a:avLst/>
+              <a:gdLst>
+                <a:gd name="T0" fmla="*/ 49213 w 1076325"/>
+                <a:gd name="T1" fmla="*/ 0 h 295275"/>
+                <a:gd name="T2" fmla="*/ 1076325 w 1076325"/>
+                <a:gd name="T3" fmla="*/ 0 h 295275"/>
+                <a:gd name="T4" fmla="*/ 1076325 w 1076325"/>
+                <a:gd name="T5" fmla="*/ 0 h 295275"/>
+                <a:gd name="T6" fmla="*/ 1076325 w 1076325"/>
+                <a:gd name="T7" fmla="*/ 246062 h 295275"/>
+                <a:gd name="T8" fmla="*/ 1027112 w 1076325"/>
+                <a:gd name="T9" fmla="*/ 295275 h 295275"/>
+                <a:gd name="T10" fmla="*/ 0 w 1076325"/>
+                <a:gd name="T11" fmla="*/ 295275 h 295275"/>
+                <a:gd name="T12" fmla="*/ 0 w 1076325"/>
+                <a:gd name="T13" fmla="*/ 295275 h 295275"/>
+                <a:gd name="T14" fmla="*/ 0 w 1076325"/>
+                <a:gd name="T15" fmla="*/ 49213 h 295275"/>
+                <a:gd name="T16" fmla="*/ 49213 w 1076325"/>
+                <a:gd name="T17" fmla="*/ 0 h 295275"/>
+                <a:gd name="T18" fmla="*/ 0 60000 65536"/>
+                <a:gd name="T19" fmla="*/ 0 60000 65536"/>
+                <a:gd name="T20" fmla="*/ 0 60000 65536"/>
+                <a:gd name="T21" fmla="*/ 0 60000 65536"/>
+                <a:gd name="T22" fmla="*/ 0 60000 65536"/>
+                <a:gd name="T23" fmla="*/ 0 60000 65536"/>
+                <a:gd name="T24" fmla="*/ 0 60000 65536"/>
+                <a:gd name="T25" fmla="*/ 0 60000 65536"/>
+                <a:gd name="T26" fmla="*/ 0 60000 65536"/>
+                <a:gd name="T27" fmla="*/ 0 w 1076325"/>
+                <a:gd name="T28" fmla="*/ 0 h 295275"/>
+                <a:gd name="T29" fmla="*/ 1076325 w 1076325"/>
+                <a:gd name="T30" fmla="*/ 295275 h 295275"/>
+              </a:gdLst>
+              <a:ahLst/>
+              <a:cxnLst>
+                <a:cxn ang="T18">
+                  <a:pos x="T0" y="T1"/>
+                </a:cxn>
+                <a:cxn ang="T19">
+                  <a:pos x="T2" y="T3"/>
+                </a:cxn>
+                <a:cxn ang="T20">
+                  <a:pos x="T4" y="T5"/>
+                </a:cxn>
+                <a:cxn ang="T21">
+                  <a:pos x="T6" y="T7"/>
+                </a:cxn>
+                <a:cxn ang="T22">
+                  <a:pos x="T8" y="T9"/>
+                </a:cxn>
+                <a:cxn ang="T23">
+                  <a:pos x="T10" y="T11"/>
+                </a:cxn>
+                <a:cxn ang="T24">
+                  <a:pos x="T12" y="T13"/>
+                </a:cxn>
+                <a:cxn ang="T25">
+                  <a:pos x="T14" y="T15"/>
+                </a:cxn>
+                <a:cxn ang="T26">
+                  <a:pos x="T16" y="T17"/>
+                </a:cxn>
+              </a:cxnLst>
+              <a:rect l="T27" t="T28" r="T29" b="T30"/>
+              <a:pathLst>
+                <a:path w="1076325" h="295275">
+                  <a:moveTo>
+                    <a:pt x="49213" y="0"/>
+                  </a:moveTo>
+                  <a:lnTo>
+                    <a:pt x="1076325" y="0"/>
+                  </a:lnTo>
+                  <a:lnTo>
+                    <a:pt x="1076325" y="246062"/>
+                  </a:lnTo>
+                  <a:cubicBezTo>
+                    <a:pt x="1076325" y="273242"/>
+                    <a:pt x="1054292" y="295275"/>
+                    <a:pt x="1027112" y="295275"/>
+                  </a:cubicBezTo>
+                  <a:lnTo>
+                    <a:pt x="0" y="295275"/>
+                  </a:lnTo>
+                  <a:lnTo>
+                    <a:pt x="0" y="49213"/>
+                  </a:lnTo>
+                  <a:cubicBezTo>
+                    <a:pt x="0" y="22033"/>
+                    <a:pt x="22033" y="0"/>
+                    <a:pt x="49213" y="0"/>
+                  </a:cubicBezTo>
+                  <a:close/>
+                </a:path>
+              </a:pathLst>
+            </a:custGeom>
+            <a:solidFill>
+              <a:srgbClr val="FFFFFF"/>
+            </a:solidFill>
+            <a:ln w="12700">
+              <a:solidFill>
+                <a:srgbClr val="000000"/>
+              </a:solidFill>
+              <a:miter lim="800000"/>
+              <a:headEnd/>
+              <a:tailEnd/>
+            </a:ln>
+            <a:effectLst>
+              <a:outerShdw dist="38100" dir="2700000" algn="tl" rotWithShape="0">
+                <a:srgbClr val="000000">
+                  <a:alpha val="39999"/>
+                </a:srgbClr>
+              </a:outerShdw>
+            </a:effectLst>
+          </p:spPr>
+          <p:txBody>
+            <a:bodyPr vert="horz" wrap="square" lIns="91440" tIns="45720" rIns="91440" bIns="45720" numCol="1" anchor="ctr" anchorCtr="0" compatLnSpc="1">
+              <a:prstTxWarp prst="textNoShape">
+                <a:avLst/>
+              </a:prstTxWarp>
+            </a:bodyPr>
+            <a:lstStyle/>
+            <a:p>
+              <a:pPr marL="0" marR="0" lvl="0" indent="0" algn="ctr" defTabSz="914400" rtl="0" eaLnBrk="0" fontAlgn="base" latinLnBrk="0" hangingPunct="0">
+                <a:lnSpc>
+                  <a:spcPct val="100000"/>
+                </a:lnSpc>
+                <a:spcBef>
+                  <a:spcPct val="0"/>
+                </a:spcBef>
+                <a:spcAft>
+                  <a:spcPct val="0"/>
+                </a:spcAft>
+                <a:buClrTx/>
+                <a:buSzTx/>
+                <a:buFontTx/>
+                <a:buNone/>
+                <a:tabLst/>
+              </a:pPr>
+              <a:r>
+                <a:rPr kumimoji="0" lang="en-US" altLang="ru-RU" sz="1200" b="0" i="0" u="none" strike="noStrike" cap="none" normalizeH="0" baseline="0">
+                  <a:ln>
+                    <a:noFill/>
+                  </a:ln>
+                  <a:solidFill>
+                    <a:srgbClr val="000000"/>
+                  </a:solidFill>
+                  <a:effectLst/>
+                  <a:latin typeface="Calibri" panose="020F0502020204030204" pitchFamily="34" charset="0"/>
+                  <a:ea typeface="Calibri" panose="020F0502020204030204" pitchFamily="34" charset="0"/>
+                  <a:cs typeface="Times New Roman" panose="02020603050405020304" pitchFamily="18" charset="0"/>
+                </a:rPr>
+                <a:t>CCP</a:t>
+              </a:r>
+              <a:endParaRPr kumimoji="0" lang="en-US" altLang="ru-RU" sz="1800" b="0" i="0" u="none" strike="noStrike" cap="none" normalizeH="0" baseline="0">
+                <a:ln>
+                  <a:noFill/>
+                </a:ln>
+                <a:solidFill>
+                  <a:schemeClr val="tx1"/>
+                </a:solidFill>
+                <a:effectLst/>
+                <a:latin typeface="Arial" panose="020B0604020202020204" pitchFamily="34" charset="0"/>
+              </a:endParaRPr>
+            </a:p>
+          </p:txBody>
+        </p:sp>
+        <p:sp>
+          <p:nvSpPr>
+            <p:cNvPr id="11" name="Прямоугольник: скругленные противолежащие углы 52">
+              <a:extLst>
+                <a:ext uri="{FF2B5EF4-FFF2-40B4-BE49-F238E27FC236}">
+                  <a16:creationId xmlns:a16="http://schemas.microsoft.com/office/drawing/2014/main" id="{4888D310-2592-4085-A4B3-789D1B690366}"/>
+                </a:ext>
+              </a:extLst>
+            </p:cNvPr>
+            <p:cNvSpPr>
+              <a:spLocks/>
+            </p:cNvSpPr>
+            <p:nvPr/>
+          </p:nvSpPr>
+          <p:spPr bwMode="auto">
+            <a:xfrm>
+              <a:off x="21240" y="14573"/>
+              <a:ext cx="10764" cy="2953"/>
+            </a:xfrm>
+            <a:custGeom>
+              <a:avLst/>
+              <a:gdLst>
+                <a:gd name="T0" fmla="*/ 49213 w 1076325"/>
+                <a:gd name="T1" fmla="*/ 0 h 295275"/>
+                <a:gd name="T2" fmla="*/ 1076325 w 1076325"/>
+                <a:gd name="T3" fmla="*/ 0 h 295275"/>
+                <a:gd name="T4" fmla="*/ 1076325 w 1076325"/>
+                <a:gd name="T5" fmla="*/ 0 h 295275"/>
+                <a:gd name="T6" fmla="*/ 1076325 w 1076325"/>
+                <a:gd name="T7" fmla="*/ 246062 h 295275"/>
+                <a:gd name="T8" fmla="*/ 1027112 w 1076325"/>
+                <a:gd name="T9" fmla="*/ 295275 h 295275"/>
+                <a:gd name="T10" fmla="*/ 0 w 1076325"/>
+                <a:gd name="T11" fmla="*/ 295275 h 295275"/>
+                <a:gd name="T12" fmla="*/ 0 w 1076325"/>
+                <a:gd name="T13" fmla="*/ 295275 h 295275"/>
+                <a:gd name="T14" fmla="*/ 0 w 1076325"/>
+                <a:gd name="T15" fmla="*/ 49213 h 295275"/>
+                <a:gd name="T16" fmla="*/ 49213 w 1076325"/>
+                <a:gd name="T17" fmla="*/ 0 h 295275"/>
+                <a:gd name="T18" fmla="*/ 0 60000 65536"/>
+                <a:gd name="T19" fmla="*/ 0 60000 65536"/>
+                <a:gd name="T20" fmla="*/ 0 60000 65536"/>
+                <a:gd name="T21" fmla="*/ 0 60000 65536"/>
+                <a:gd name="T22" fmla="*/ 0 60000 65536"/>
+                <a:gd name="T23" fmla="*/ 0 60000 65536"/>
+                <a:gd name="T24" fmla="*/ 0 60000 65536"/>
+                <a:gd name="T25" fmla="*/ 0 60000 65536"/>
+                <a:gd name="T26" fmla="*/ 0 60000 65536"/>
+                <a:gd name="T27" fmla="*/ 0 w 1076325"/>
+                <a:gd name="T28" fmla="*/ 0 h 295275"/>
+                <a:gd name="T29" fmla="*/ 1076325 w 1076325"/>
+                <a:gd name="T30" fmla="*/ 295275 h 295275"/>
+              </a:gdLst>
+              <a:ahLst/>
+              <a:cxnLst>
+                <a:cxn ang="T18">
+                  <a:pos x="T0" y="T1"/>
+                </a:cxn>
+                <a:cxn ang="T19">
+                  <a:pos x="T2" y="T3"/>
+                </a:cxn>
+                <a:cxn ang="T20">
+                  <a:pos x="T4" y="T5"/>
+                </a:cxn>
+                <a:cxn ang="T21">
+                  <a:pos x="T6" y="T7"/>
+                </a:cxn>
+                <a:cxn ang="T22">
+                  <a:pos x="T8" y="T9"/>
+                </a:cxn>
+                <a:cxn ang="T23">
+                  <a:pos x="T10" y="T11"/>
+                </a:cxn>
+                <a:cxn ang="T24">
+                  <a:pos x="T12" y="T13"/>
+                </a:cxn>
+                <a:cxn ang="T25">
+                  <a:pos x="T14" y="T15"/>
+                </a:cxn>
+                <a:cxn ang="T26">
+                  <a:pos x="T16" y="T17"/>
+                </a:cxn>
+              </a:cxnLst>
+              <a:rect l="T27" t="T28" r="T29" b="T30"/>
+              <a:pathLst>
+                <a:path w="1076325" h="295275">
+                  <a:moveTo>
+                    <a:pt x="49213" y="0"/>
+                  </a:moveTo>
+                  <a:lnTo>
+                    <a:pt x="1076325" y="0"/>
+                  </a:lnTo>
+                  <a:lnTo>
+                    <a:pt x="1076325" y="246062"/>
+                  </a:lnTo>
+                  <a:cubicBezTo>
+                    <a:pt x="1076325" y="273242"/>
+                    <a:pt x="1054292" y="295275"/>
+                    <a:pt x="1027112" y="295275"/>
+                  </a:cubicBezTo>
+                  <a:lnTo>
+                    <a:pt x="0" y="295275"/>
+                  </a:lnTo>
+                  <a:lnTo>
+                    <a:pt x="0" y="49213"/>
+                  </a:lnTo>
+                  <a:cubicBezTo>
+                    <a:pt x="0" y="22033"/>
+                    <a:pt x="22033" y="0"/>
+                    <a:pt x="49213" y="0"/>
+                  </a:cubicBezTo>
+                  <a:close/>
+                </a:path>
+              </a:pathLst>
+            </a:custGeom>
+            <a:solidFill>
+              <a:srgbClr val="FFFFFF"/>
+            </a:solidFill>
+            <a:ln w="12700">
+              <a:solidFill>
+                <a:srgbClr val="000000"/>
+              </a:solidFill>
+              <a:miter lim="800000"/>
+              <a:headEnd/>
+              <a:tailEnd/>
+            </a:ln>
+            <a:effectLst>
+              <a:outerShdw dist="38100" dir="2700000" algn="tl" rotWithShape="0">
+                <a:srgbClr val="000000">
+                  <a:alpha val="39999"/>
+                </a:srgbClr>
+              </a:outerShdw>
+            </a:effectLst>
+          </p:spPr>
+          <p:txBody>
+            <a:bodyPr vert="horz" wrap="square" lIns="91440" tIns="45720" rIns="91440" bIns="45720" numCol="1" anchor="ctr" anchorCtr="0" compatLnSpc="1">
+              <a:prstTxWarp prst="textNoShape">
+                <a:avLst/>
+              </a:prstTxWarp>
+            </a:bodyPr>
+            <a:lstStyle/>
+            <a:p>
+              <a:pPr marL="0" marR="0" lvl="0" indent="0" algn="ctr" defTabSz="914400" rtl="0" eaLnBrk="0" fontAlgn="base" latinLnBrk="0" hangingPunct="0">
+                <a:lnSpc>
+                  <a:spcPct val="100000"/>
+                </a:lnSpc>
+                <a:spcBef>
+                  <a:spcPct val="0"/>
+                </a:spcBef>
+                <a:spcAft>
+                  <a:spcPct val="0"/>
+                </a:spcAft>
+                <a:buClrTx/>
+                <a:buSzTx/>
+                <a:buFontTx/>
+                <a:buNone/>
+                <a:tabLst/>
+              </a:pPr>
+              <a:r>
+                <a:rPr kumimoji="0" lang="en-US" altLang="ru-RU" sz="1200" b="0" i="0" u="none" strike="noStrike" cap="none" normalizeH="0" baseline="0">
+                  <a:ln>
+                    <a:noFill/>
+                  </a:ln>
+                  <a:solidFill>
+                    <a:srgbClr val="000000"/>
+                  </a:solidFill>
+                  <a:effectLst/>
+                  <a:latin typeface="Calibri" panose="020F0502020204030204" pitchFamily="34" charset="0"/>
+                  <a:ea typeface="Calibri" panose="020F0502020204030204" pitchFamily="34" charset="0"/>
+                  <a:cs typeface="Times New Roman" panose="02020603050405020304" pitchFamily="18" charset="0"/>
+                </a:rPr>
+                <a:t>ECP</a:t>
+              </a:r>
+              <a:endParaRPr kumimoji="0" lang="en-US" altLang="ru-RU" sz="1800" b="0" i="0" u="none" strike="noStrike" cap="none" normalizeH="0" baseline="0">
+                <a:ln>
+                  <a:noFill/>
+                </a:ln>
+                <a:solidFill>
+                  <a:schemeClr val="tx1"/>
+                </a:solidFill>
+                <a:effectLst/>
+                <a:latin typeface="Arial" panose="020B0604020202020204" pitchFamily="34" charset="0"/>
+              </a:endParaRPr>
+            </a:p>
+          </p:txBody>
+        </p:sp>
+        <p:sp>
+          <p:nvSpPr>
+            <p:cNvPr id="12" name="Прямоугольник: скругленные противолежащие углы 53">
+              <a:extLst>
+                <a:ext uri="{FF2B5EF4-FFF2-40B4-BE49-F238E27FC236}">
+                  <a16:creationId xmlns:a16="http://schemas.microsoft.com/office/drawing/2014/main" id="{FA4F80A1-ED0A-43D0-834D-4D24E5380582}"/>
+                </a:ext>
+              </a:extLst>
+            </p:cNvPr>
+            <p:cNvSpPr>
+              <a:spLocks/>
+            </p:cNvSpPr>
+            <p:nvPr/>
+          </p:nvSpPr>
+          <p:spPr bwMode="auto">
+            <a:xfrm>
+              <a:off x="15621" y="1047"/>
+              <a:ext cx="10763" cy="2953"/>
+            </a:xfrm>
+            <a:custGeom>
+              <a:avLst/>
+              <a:gdLst>
+                <a:gd name="T0" fmla="*/ 49213 w 1076325"/>
+                <a:gd name="T1" fmla="*/ 0 h 295275"/>
+                <a:gd name="T2" fmla="*/ 1076325 w 1076325"/>
+                <a:gd name="T3" fmla="*/ 0 h 295275"/>
+                <a:gd name="T4" fmla="*/ 1076325 w 1076325"/>
+                <a:gd name="T5" fmla="*/ 0 h 295275"/>
+                <a:gd name="T6" fmla="*/ 1076325 w 1076325"/>
+                <a:gd name="T7" fmla="*/ 246062 h 295275"/>
+                <a:gd name="T8" fmla="*/ 1027112 w 1076325"/>
+                <a:gd name="T9" fmla="*/ 295275 h 295275"/>
+                <a:gd name="T10" fmla="*/ 0 w 1076325"/>
+                <a:gd name="T11" fmla="*/ 295275 h 295275"/>
+                <a:gd name="T12" fmla="*/ 0 w 1076325"/>
+                <a:gd name="T13" fmla="*/ 295275 h 295275"/>
+                <a:gd name="T14" fmla="*/ 0 w 1076325"/>
+                <a:gd name="T15" fmla="*/ 49213 h 295275"/>
+                <a:gd name="T16" fmla="*/ 49213 w 1076325"/>
+                <a:gd name="T17" fmla="*/ 0 h 295275"/>
+                <a:gd name="T18" fmla="*/ 0 60000 65536"/>
+                <a:gd name="T19" fmla="*/ 0 60000 65536"/>
+                <a:gd name="T20" fmla="*/ 0 60000 65536"/>
+                <a:gd name="T21" fmla="*/ 0 60000 65536"/>
+                <a:gd name="T22" fmla="*/ 0 60000 65536"/>
+                <a:gd name="T23" fmla="*/ 0 60000 65536"/>
+                <a:gd name="T24" fmla="*/ 0 60000 65536"/>
+                <a:gd name="T25" fmla="*/ 0 60000 65536"/>
+                <a:gd name="T26" fmla="*/ 0 60000 65536"/>
+                <a:gd name="T27" fmla="*/ 0 w 1076325"/>
+                <a:gd name="T28" fmla="*/ 0 h 295275"/>
+                <a:gd name="T29" fmla="*/ 1076325 w 1076325"/>
+                <a:gd name="T30" fmla="*/ 295275 h 295275"/>
+              </a:gdLst>
+              <a:ahLst/>
+              <a:cxnLst>
+                <a:cxn ang="T18">
+                  <a:pos x="T0" y="T1"/>
+                </a:cxn>
+                <a:cxn ang="T19">
+                  <a:pos x="T2" y="T3"/>
+                </a:cxn>
+                <a:cxn ang="T20">
+                  <a:pos x="T4" y="T5"/>
+                </a:cxn>
+                <a:cxn ang="T21">
+                  <a:pos x="T6" y="T7"/>
+                </a:cxn>
+                <a:cxn ang="T22">
+                  <a:pos x="T8" y="T9"/>
+                </a:cxn>
+                <a:cxn ang="T23">
+                  <a:pos x="T10" y="T11"/>
+                </a:cxn>
+                <a:cxn ang="T24">
+                  <a:pos x="T12" y="T13"/>
+                </a:cxn>
+                <a:cxn ang="T25">
+                  <a:pos x="T14" y="T15"/>
+                </a:cxn>
+                <a:cxn ang="T26">
+                  <a:pos x="T16" y="T17"/>
+                </a:cxn>
+              </a:cxnLst>
+              <a:rect l="T27" t="T28" r="T29" b="T30"/>
+              <a:pathLst>
+                <a:path w="1076325" h="295275">
+                  <a:moveTo>
+                    <a:pt x="49213" y="0"/>
+                  </a:moveTo>
+                  <a:lnTo>
+                    <a:pt x="1076325" y="0"/>
+                  </a:lnTo>
+                  <a:lnTo>
+                    <a:pt x="1076325" y="246062"/>
+                  </a:lnTo>
+                  <a:cubicBezTo>
+                    <a:pt x="1076325" y="273242"/>
+                    <a:pt x="1054292" y="295275"/>
+                    <a:pt x="1027112" y="295275"/>
+                  </a:cubicBezTo>
+                  <a:lnTo>
+                    <a:pt x="0" y="295275"/>
+                  </a:lnTo>
+                  <a:lnTo>
+                    <a:pt x="0" y="49213"/>
+                  </a:lnTo>
+                  <a:cubicBezTo>
+                    <a:pt x="0" y="22033"/>
+                    <a:pt x="22033" y="0"/>
+                    <a:pt x="49213" y="0"/>
+                  </a:cubicBezTo>
+                  <a:close/>
+                </a:path>
+              </a:pathLst>
+            </a:custGeom>
+            <a:solidFill>
+              <a:srgbClr val="FFFFFF"/>
+            </a:solidFill>
+            <a:ln w="12700">
+              <a:solidFill>
+                <a:srgbClr val="000000"/>
+              </a:solidFill>
+              <a:miter lim="800000"/>
+              <a:headEnd/>
+              <a:tailEnd/>
+            </a:ln>
+            <a:effectLst>
+              <a:outerShdw dist="38100" dir="2700000" algn="tl" rotWithShape="0">
+                <a:srgbClr val="000000">
+                  <a:alpha val="39999"/>
+                </a:srgbClr>
+              </a:outerShdw>
+            </a:effectLst>
+          </p:spPr>
+          <p:txBody>
+            <a:bodyPr vert="horz" wrap="square" lIns="91440" tIns="45720" rIns="91440" bIns="45720" numCol="1" anchor="ctr" anchorCtr="0" compatLnSpc="1">
+              <a:prstTxWarp prst="textNoShape">
+                <a:avLst/>
+              </a:prstTxWarp>
+            </a:bodyPr>
+            <a:lstStyle/>
+            <a:p>
+              <a:pPr marL="0" marR="0" lvl="0" indent="0" algn="ctr" defTabSz="914400" rtl="0" eaLnBrk="0" fontAlgn="base" latinLnBrk="0" hangingPunct="0">
+                <a:lnSpc>
+                  <a:spcPct val="100000"/>
+                </a:lnSpc>
+                <a:spcBef>
+                  <a:spcPct val="0"/>
+                </a:spcBef>
+                <a:spcAft>
+                  <a:spcPct val="0"/>
+                </a:spcAft>
+                <a:buClrTx/>
+                <a:buSzTx/>
+                <a:buFontTx/>
+                <a:buNone/>
+                <a:tabLst/>
+              </a:pPr>
+              <a:r>
+                <a:rPr kumimoji="0" lang="en-US" altLang="ru-RU" sz="1200" b="0" i="0" u="none" strike="noStrike" cap="none" normalizeH="0" baseline="0">
+                  <a:ln>
+                    <a:noFill/>
+                  </a:ln>
+                  <a:solidFill>
+                    <a:srgbClr val="000000"/>
+                  </a:solidFill>
+                  <a:effectLst/>
+                  <a:latin typeface="Calibri" panose="020F0502020204030204" pitchFamily="34" charset="0"/>
+                  <a:ea typeface="Calibri" panose="020F0502020204030204" pitchFamily="34" charset="0"/>
+                  <a:cs typeface="Times New Roman" panose="02020603050405020304" pitchFamily="18" charset="0"/>
+                </a:rPr>
+                <a:t>SCCP</a:t>
+              </a:r>
+              <a:endParaRPr kumimoji="0" lang="en-US" altLang="ru-RU" sz="1800" b="0" i="0" u="none" strike="noStrike" cap="none" normalizeH="0" baseline="0">
+                <a:ln>
+                  <a:noFill/>
+                </a:ln>
+                <a:solidFill>
+                  <a:schemeClr val="tx1"/>
+                </a:solidFill>
+                <a:effectLst/>
+                <a:latin typeface="Arial" panose="020B0604020202020204" pitchFamily="34" charset="0"/>
+              </a:endParaRPr>
+            </a:p>
+          </p:txBody>
+        </p:sp>
+        <p:sp>
+          <p:nvSpPr>
+            <p:cNvPr id="13" name="Прямоугольник: скругленные противолежащие углы 54">
+              <a:extLst>
+                <a:ext uri="{FF2B5EF4-FFF2-40B4-BE49-F238E27FC236}">
+                  <a16:creationId xmlns:a16="http://schemas.microsoft.com/office/drawing/2014/main" id="{1BADABEA-6E54-4843-8E9F-F08D689B5773}"/>
+                </a:ext>
+              </a:extLst>
+            </p:cNvPr>
+            <p:cNvSpPr>
+              <a:spLocks/>
+            </p:cNvSpPr>
+            <p:nvPr/>
+          </p:nvSpPr>
+          <p:spPr bwMode="auto">
+            <a:xfrm>
+              <a:off x="43719" y="1047"/>
+              <a:ext cx="10764" cy="2953"/>
+            </a:xfrm>
+            <a:custGeom>
+              <a:avLst/>
+              <a:gdLst>
+                <a:gd name="T0" fmla="*/ 49213 w 1076325"/>
+                <a:gd name="T1" fmla="*/ 0 h 295275"/>
+                <a:gd name="T2" fmla="*/ 1076325 w 1076325"/>
+                <a:gd name="T3" fmla="*/ 0 h 295275"/>
+                <a:gd name="T4" fmla="*/ 1076325 w 1076325"/>
+                <a:gd name="T5" fmla="*/ 0 h 295275"/>
+                <a:gd name="T6" fmla="*/ 1076325 w 1076325"/>
+                <a:gd name="T7" fmla="*/ 246062 h 295275"/>
+                <a:gd name="T8" fmla="*/ 1027112 w 1076325"/>
+                <a:gd name="T9" fmla="*/ 295275 h 295275"/>
+                <a:gd name="T10" fmla="*/ 0 w 1076325"/>
+                <a:gd name="T11" fmla="*/ 295275 h 295275"/>
+                <a:gd name="T12" fmla="*/ 0 w 1076325"/>
+                <a:gd name="T13" fmla="*/ 295275 h 295275"/>
+                <a:gd name="T14" fmla="*/ 0 w 1076325"/>
+                <a:gd name="T15" fmla="*/ 49213 h 295275"/>
+                <a:gd name="T16" fmla="*/ 49213 w 1076325"/>
+                <a:gd name="T17" fmla="*/ 0 h 295275"/>
+                <a:gd name="T18" fmla="*/ 0 60000 65536"/>
+                <a:gd name="T19" fmla="*/ 0 60000 65536"/>
+                <a:gd name="T20" fmla="*/ 0 60000 65536"/>
+                <a:gd name="T21" fmla="*/ 0 60000 65536"/>
+                <a:gd name="T22" fmla="*/ 0 60000 65536"/>
+                <a:gd name="T23" fmla="*/ 0 60000 65536"/>
+                <a:gd name="T24" fmla="*/ 0 60000 65536"/>
+                <a:gd name="T25" fmla="*/ 0 60000 65536"/>
+                <a:gd name="T26" fmla="*/ 0 60000 65536"/>
+                <a:gd name="T27" fmla="*/ 0 w 1076325"/>
+                <a:gd name="T28" fmla="*/ 0 h 295275"/>
+                <a:gd name="T29" fmla="*/ 1076325 w 1076325"/>
+                <a:gd name="T30" fmla="*/ 295275 h 295275"/>
+              </a:gdLst>
+              <a:ahLst/>
+              <a:cxnLst>
+                <a:cxn ang="T18">
+                  <a:pos x="T0" y="T1"/>
+                </a:cxn>
+                <a:cxn ang="T19">
+                  <a:pos x="T2" y="T3"/>
+                </a:cxn>
+                <a:cxn ang="T20">
+                  <a:pos x="T4" y="T5"/>
+                </a:cxn>
+                <a:cxn ang="T21">
+                  <a:pos x="T6" y="T7"/>
+                </a:cxn>
+                <a:cxn ang="T22">
+                  <a:pos x="T8" y="T9"/>
+                </a:cxn>
+                <a:cxn ang="T23">
+                  <a:pos x="T10" y="T11"/>
+                </a:cxn>
+                <a:cxn ang="T24">
+                  <a:pos x="T12" y="T13"/>
+                </a:cxn>
+                <a:cxn ang="T25">
+                  <a:pos x="T14" y="T15"/>
+                </a:cxn>
+                <a:cxn ang="T26">
+                  <a:pos x="T16" y="T17"/>
+                </a:cxn>
+              </a:cxnLst>
+              <a:rect l="T27" t="T28" r="T29" b="T30"/>
+              <a:pathLst>
+                <a:path w="1076325" h="295275">
+                  <a:moveTo>
+                    <a:pt x="49213" y="0"/>
+                  </a:moveTo>
+                  <a:lnTo>
+                    <a:pt x="1076325" y="0"/>
+                  </a:lnTo>
+                  <a:lnTo>
+                    <a:pt x="1076325" y="246062"/>
+                  </a:lnTo>
+                  <a:cubicBezTo>
+                    <a:pt x="1076325" y="273242"/>
+                    <a:pt x="1054292" y="295275"/>
+                    <a:pt x="1027112" y="295275"/>
+                  </a:cubicBezTo>
+                  <a:lnTo>
+                    <a:pt x="0" y="295275"/>
+                  </a:lnTo>
+                  <a:lnTo>
+                    <a:pt x="0" y="49213"/>
+                  </a:lnTo>
+                  <a:cubicBezTo>
+                    <a:pt x="0" y="22033"/>
+                    <a:pt x="22033" y="0"/>
+                    <a:pt x="49213" y="0"/>
+                  </a:cubicBezTo>
+                  <a:close/>
+                </a:path>
+              </a:pathLst>
+            </a:custGeom>
+            <a:solidFill>
+              <a:srgbClr val="FFFFFF"/>
+            </a:solidFill>
+            <a:ln w="12700">
+              <a:solidFill>
+                <a:srgbClr val="000000"/>
+              </a:solidFill>
+              <a:miter lim="800000"/>
+              <a:headEnd/>
+              <a:tailEnd/>
+            </a:ln>
+            <a:effectLst>
+              <a:outerShdw dist="38100" dir="2700000" algn="tl" rotWithShape="0">
+                <a:srgbClr val="000000">
+                  <a:alpha val="39999"/>
+                </a:srgbClr>
+              </a:outerShdw>
+            </a:effectLst>
+          </p:spPr>
+          <p:txBody>
+            <a:bodyPr vert="horz" wrap="square" lIns="91440" tIns="45720" rIns="91440" bIns="45720" numCol="1" anchor="ctr" anchorCtr="0" compatLnSpc="1">
+              <a:prstTxWarp prst="textNoShape">
+                <a:avLst/>
+              </a:prstTxWarp>
+            </a:bodyPr>
+            <a:lstStyle/>
+            <a:p>
+              <a:pPr marL="0" marR="0" lvl="0" indent="0" algn="ctr" defTabSz="914400" rtl="0" eaLnBrk="0" fontAlgn="base" latinLnBrk="0" hangingPunct="0">
+                <a:lnSpc>
+                  <a:spcPct val="100000"/>
+                </a:lnSpc>
+                <a:spcBef>
+                  <a:spcPct val="0"/>
+                </a:spcBef>
+                <a:spcAft>
+                  <a:spcPct val="0"/>
+                </a:spcAft>
+                <a:buClrTx/>
+                <a:buSzTx/>
+                <a:buFontTx/>
+                <a:buNone/>
+                <a:tabLst/>
+              </a:pPr>
+              <a:r>
+                <a:rPr kumimoji="0" lang="en-US" altLang="ru-RU" sz="1200" b="0" i="0" u="none" strike="noStrike" cap="none" normalizeH="0" baseline="0">
+                  <a:ln>
+                    <a:noFill/>
+                  </a:ln>
+                  <a:solidFill>
+                    <a:srgbClr val="000000"/>
+                  </a:solidFill>
+                  <a:effectLst/>
+                  <a:latin typeface="Calibri" panose="020F0502020204030204" pitchFamily="34" charset="0"/>
+                  <a:ea typeface="Calibri" panose="020F0502020204030204" pitchFamily="34" charset="0"/>
+                  <a:cs typeface="Times New Roman" panose="02020603050405020304" pitchFamily="18" charset="0"/>
+                </a:rPr>
+                <a:t>ICP</a:t>
+              </a:r>
+              <a:endParaRPr kumimoji="0" lang="en-US" altLang="ru-RU" sz="1800" b="0" i="0" u="none" strike="noStrike" cap="none" normalizeH="0" baseline="0">
+                <a:ln>
+                  <a:noFill/>
+                </a:ln>
+                <a:solidFill>
+                  <a:schemeClr val="tx1"/>
+                </a:solidFill>
+                <a:effectLst/>
+                <a:latin typeface="Arial" panose="020B0604020202020204" pitchFamily="34" charset="0"/>
+              </a:endParaRPr>
+            </a:p>
+          </p:txBody>
+        </p:sp>
+        <p:sp>
+          <p:nvSpPr>
+            <p:cNvPr id="14" name="Прямоугольник: скругленные противолежащие углы 55">
+              <a:extLst>
+                <a:ext uri="{FF2B5EF4-FFF2-40B4-BE49-F238E27FC236}">
+                  <a16:creationId xmlns:a16="http://schemas.microsoft.com/office/drawing/2014/main" id="{84643612-2BCD-41D5-9F00-C585BFAAF8D8}"/>
+                </a:ext>
+              </a:extLst>
+            </p:cNvPr>
+            <p:cNvSpPr>
+              <a:spLocks/>
+            </p:cNvSpPr>
+            <p:nvPr/>
+          </p:nvSpPr>
+          <p:spPr bwMode="auto">
+            <a:xfrm>
+              <a:off x="29718" y="1047"/>
+              <a:ext cx="10763" cy="2953"/>
+            </a:xfrm>
+            <a:custGeom>
+              <a:avLst/>
+              <a:gdLst>
+                <a:gd name="T0" fmla="*/ 49213 w 1076325"/>
+                <a:gd name="T1" fmla="*/ 0 h 295275"/>
+                <a:gd name="T2" fmla="*/ 1076325 w 1076325"/>
+                <a:gd name="T3" fmla="*/ 0 h 295275"/>
+                <a:gd name="T4" fmla="*/ 1076325 w 1076325"/>
+                <a:gd name="T5" fmla="*/ 0 h 295275"/>
+                <a:gd name="T6" fmla="*/ 1076325 w 1076325"/>
+                <a:gd name="T7" fmla="*/ 246062 h 295275"/>
+                <a:gd name="T8" fmla="*/ 1027112 w 1076325"/>
+                <a:gd name="T9" fmla="*/ 295275 h 295275"/>
+                <a:gd name="T10" fmla="*/ 0 w 1076325"/>
+                <a:gd name="T11" fmla="*/ 295275 h 295275"/>
+                <a:gd name="T12" fmla="*/ 0 w 1076325"/>
+                <a:gd name="T13" fmla="*/ 295275 h 295275"/>
+                <a:gd name="T14" fmla="*/ 0 w 1076325"/>
+                <a:gd name="T15" fmla="*/ 49213 h 295275"/>
+                <a:gd name="T16" fmla="*/ 49213 w 1076325"/>
+                <a:gd name="T17" fmla="*/ 0 h 295275"/>
+                <a:gd name="T18" fmla="*/ 0 60000 65536"/>
+                <a:gd name="T19" fmla="*/ 0 60000 65536"/>
+                <a:gd name="T20" fmla="*/ 0 60000 65536"/>
+                <a:gd name="T21" fmla="*/ 0 60000 65536"/>
+                <a:gd name="T22" fmla="*/ 0 60000 65536"/>
+                <a:gd name="T23" fmla="*/ 0 60000 65536"/>
+                <a:gd name="T24" fmla="*/ 0 60000 65536"/>
+                <a:gd name="T25" fmla="*/ 0 60000 65536"/>
+                <a:gd name="T26" fmla="*/ 0 60000 65536"/>
+                <a:gd name="T27" fmla="*/ 0 w 1076325"/>
+                <a:gd name="T28" fmla="*/ 0 h 295275"/>
+                <a:gd name="T29" fmla="*/ 1076325 w 1076325"/>
+                <a:gd name="T30" fmla="*/ 295275 h 295275"/>
+              </a:gdLst>
+              <a:ahLst/>
+              <a:cxnLst>
+                <a:cxn ang="T18">
+                  <a:pos x="T0" y="T1"/>
+                </a:cxn>
+                <a:cxn ang="T19">
+                  <a:pos x="T2" y="T3"/>
+                </a:cxn>
+                <a:cxn ang="T20">
+                  <a:pos x="T4" y="T5"/>
+                </a:cxn>
+                <a:cxn ang="T21">
+                  <a:pos x="T6" y="T7"/>
+                </a:cxn>
+                <a:cxn ang="T22">
+                  <a:pos x="T8" y="T9"/>
+                </a:cxn>
+                <a:cxn ang="T23">
+                  <a:pos x="T10" y="T11"/>
+                </a:cxn>
+                <a:cxn ang="T24">
+                  <a:pos x="T12" y="T13"/>
+                </a:cxn>
+                <a:cxn ang="T25">
+                  <a:pos x="T14" y="T15"/>
+                </a:cxn>
+                <a:cxn ang="T26">
+                  <a:pos x="T16" y="T17"/>
+                </a:cxn>
+              </a:cxnLst>
+              <a:rect l="T27" t="T28" r="T29" b="T30"/>
+              <a:pathLst>
+                <a:path w="1076325" h="295275">
+                  <a:moveTo>
+                    <a:pt x="49213" y="0"/>
+                  </a:moveTo>
+                  <a:lnTo>
+                    <a:pt x="1076325" y="0"/>
+                  </a:lnTo>
+                  <a:lnTo>
+                    <a:pt x="1076325" y="246062"/>
+                  </a:lnTo>
+                  <a:cubicBezTo>
+                    <a:pt x="1076325" y="273242"/>
+                    <a:pt x="1054292" y="295275"/>
+                    <a:pt x="1027112" y="295275"/>
+                  </a:cubicBezTo>
+                  <a:lnTo>
+                    <a:pt x="0" y="295275"/>
+                  </a:lnTo>
+                  <a:lnTo>
+                    <a:pt x="0" y="49213"/>
+                  </a:lnTo>
+                  <a:cubicBezTo>
+                    <a:pt x="0" y="22033"/>
+                    <a:pt x="22033" y="0"/>
+                    <a:pt x="49213" y="0"/>
+                  </a:cubicBezTo>
+                  <a:close/>
+                </a:path>
+              </a:pathLst>
+            </a:custGeom>
+            <a:solidFill>
+              <a:srgbClr val="FFFFFF"/>
+            </a:solidFill>
+            <a:ln w="12700">
+              <a:solidFill>
+                <a:srgbClr val="000000"/>
+              </a:solidFill>
+              <a:miter lim="800000"/>
+              <a:headEnd/>
+              <a:tailEnd/>
+            </a:ln>
+          </p:spPr>
+          <p:txBody>
+            <a:bodyPr vert="horz" wrap="square" lIns="91440" tIns="45720" rIns="91440" bIns="45720" numCol="1" anchor="ctr" anchorCtr="0" compatLnSpc="1">
+              <a:prstTxWarp prst="textNoShape">
+                <a:avLst/>
+              </a:prstTxWarp>
+            </a:bodyPr>
+            <a:lstStyle/>
+            <a:p>
+              <a:pPr marL="0" marR="0" lvl="0" indent="0" algn="ctr" defTabSz="914400" rtl="0" eaLnBrk="0" fontAlgn="base" latinLnBrk="0" hangingPunct="0">
+                <a:lnSpc>
+                  <a:spcPct val="100000"/>
+                </a:lnSpc>
+                <a:spcBef>
+                  <a:spcPct val="0"/>
+                </a:spcBef>
+                <a:spcAft>
+                  <a:spcPct val="0"/>
+                </a:spcAft>
+                <a:buClrTx/>
+                <a:buSzTx/>
+                <a:buFontTx/>
+                <a:buNone/>
+                <a:tabLst/>
+              </a:pPr>
+              <a:r>
+                <a:rPr kumimoji="0" lang="en-US" altLang="ru-RU" sz="1200" b="0" i="0" u="none" strike="noStrike" cap="none" normalizeH="0" baseline="0">
+                  <a:ln>
+                    <a:noFill/>
+                  </a:ln>
+                  <a:solidFill>
+                    <a:srgbClr val="000000"/>
+                  </a:solidFill>
+                  <a:effectLst/>
+                  <a:latin typeface="Calibri" panose="020F0502020204030204" pitchFamily="34" charset="0"/>
+                  <a:ea typeface="Calibri" panose="020F0502020204030204" pitchFamily="34" charset="0"/>
+                  <a:cs typeface="Times New Roman" panose="02020603050405020304" pitchFamily="18" charset="0"/>
+                </a:rPr>
+                <a:t>GSCCP</a:t>
+              </a:r>
+              <a:endParaRPr kumimoji="0" lang="en-US" altLang="ru-RU" sz="1800" b="0" i="0" u="none" strike="noStrike" cap="none" normalizeH="0" baseline="0">
+                <a:ln>
+                  <a:noFill/>
+                </a:ln>
+                <a:solidFill>
+                  <a:schemeClr val="tx1"/>
+                </a:solidFill>
+                <a:effectLst/>
+                <a:latin typeface="Arial" panose="020B0604020202020204" pitchFamily="34" charset="0"/>
+              </a:endParaRPr>
+            </a:p>
+          </p:txBody>
+        </p:sp>
+        <p:sp>
+          <p:nvSpPr>
+            <p:cNvPr id="15" name="Надпись 56">
+              <a:extLst>
+                <a:ext uri="{FF2B5EF4-FFF2-40B4-BE49-F238E27FC236}">
+                  <a16:creationId xmlns:a16="http://schemas.microsoft.com/office/drawing/2014/main" id="{45A24F9F-833F-4C16-9E58-7400D3483988}"/>
+                </a:ext>
+              </a:extLst>
+            </p:cNvPr>
+            <p:cNvSpPr txBox="1">
+              <a:spLocks noChangeArrowheads="1"/>
+            </p:cNvSpPr>
+            <p:nvPr/>
+          </p:nvSpPr>
+          <p:spPr bwMode="auto">
+            <a:xfrm>
+              <a:off x="0" y="11620"/>
+              <a:ext cx="58483" cy="9049"/>
+            </a:xfrm>
+            <a:prstGeom prst="rect">
+              <a:avLst/>
+            </a:prstGeom>
+            <a:noFill/>
+            <a:ln w="6350">
+              <a:solidFill>
+                <a:srgbClr val="000000"/>
+              </a:solidFill>
+              <a:prstDash val="dash"/>
+              <a:miter lim="800000"/>
+              <a:headEnd/>
+              <a:tailEnd/>
+            </a:ln>
+            <a:extLst>
+              <a:ext uri="{909E8E84-426E-40DD-AFC4-6F175D3DCCD1}">
+                <a14:hiddenFill xmlns:a14="http://schemas.microsoft.com/office/drawing/2010/main">
+                  <a:solidFill>
+                    <a:srgbClr val="FFFFFF"/>
+                  </a:solidFill>
+                </a14:hiddenFill>
+              </a:ext>
+            </a:extLst>
+          </p:spPr>
+          <p:txBody>
+            <a:bodyPr vert="horz" wrap="square" lIns="91440" tIns="45720" rIns="91440" bIns="45720" numCol="1" anchor="ctr" anchorCtr="0" compatLnSpc="1">
+              <a:prstTxWarp prst="textNoShape">
+                <a:avLst/>
+              </a:prstTxWarp>
+            </a:bodyPr>
+            <a:lstStyle/>
+            <a:p>
+              <a:pPr lvl="0" algn="r" eaLnBrk="0" fontAlgn="base" hangingPunct="0">
+                <a:spcBef>
+                  <a:spcPct val="0"/>
+                </a:spcBef>
+                <a:spcAft>
+                  <a:spcPct val="0"/>
+                </a:spcAft>
+              </a:pPr>
+              <a:r>
+                <a:rPr lang="en-US" altLang="ru-RU" sz="1100" dirty="0">
+                  <a:latin typeface="Calibri" panose="020F0502020204030204" pitchFamily="34" charset="0"/>
+                  <a:ea typeface="Calibri" panose="020F0502020204030204" pitchFamily="34" charset="0"/>
+                  <a:cs typeface="Times New Roman" panose="02020603050405020304" pitchFamily="18" charset="0"/>
+                </a:rPr>
+                <a:t>Finite set of piercing points</a:t>
+              </a:r>
+              <a:endParaRPr kumimoji="0" lang="ru-RU" altLang="ru-RU" sz="1800" b="0" i="0" u="none" strike="noStrike" cap="none" normalizeH="0" baseline="0" dirty="0">
+                <a:ln>
+                  <a:noFill/>
+                </a:ln>
+                <a:solidFill>
+                  <a:schemeClr val="tx1"/>
+                </a:solidFill>
+                <a:effectLst/>
+                <a:latin typeface="Arial" panose="020B0604020202020204" pitchFamily="34" charset="0"/>
+              </a:endParaRPr>
+            </a:p>
+          </p:txBody>
+        </p:sp>
+        <p:sp>
+          <p:nvSpPr>
+            <p:cNvPr id="16" name="Прямая со стрелкой 57">
+              <a:extLst>
+                <a:ext uri="{FF2B5EF4-FFF2-40B4-BE49-F238E27FC236}">
+                  <a16:creationId xmlns:a16="http://schemas.microsoft.com/office/drawing/2014/main" id="{32220700-934A-41C8-9E2F-70C47D2C4B88}"/>
+                </a:ext>
+              </a:extLst>
+            </p:cNvPr>
+            <p:cNvSpPr>
+              <a:spLocks noChangeShapeType="1"/>
+            </p:cNvSpPr>
+            <p:nvPr/>
+          </p:nvSpPr>
+          <p:spPr bwMode="auto">
+            <a:xfrm flipH="1" flipV="1">
+              <a:off x="7620" y="17621"/>
+              <a:ext cx="450" cy="7810"/>
+            </a:xfrm>
+            <a:prstGeom prst="straightConnector1">
+              <a:avLst/>
+            </a:prstGeom>
+            <a:noFill/>
+            <a:ln w="38100">
+              <a:solidFill>
+                <a:srgbClr val="000000"/>
+              </a:solidFill>
+              <a:miter lim="800000"/>
+              <a:headEnd/>
+              <a:tailEnd type="triangle" w="med" len="med"/>
+            </a:ln>
+            <a:extLst>
+              <a:ext uri="{909E8E84-426E-40DD-AFC4-6F175D3DCCD1}">
+                <a14:hiddenFill xmlns:a14="http://schemas.microsoft.com/office/drawing/2010/main">
+                  <a:noFill/>
+                </a14:hiddenFill>
+              </a:ext>
+            </a:extLst>
+          </p:spPr>
+          <p:txBody>
+            <a:bodyPr vert="horz" wrap="square" lIns="91440" tIns="45720" rIns="91440" bIns="45720" numCol="1" anchor="t" anchorCtr="0" compatLnSpc="1">
+              <a:prstTxWarp prst="textNoShape">
+                <a:avLst/>
+              </a:prstTxWarp>
+            </a:bodyPr>
+            <a:lstStyle/>
+            <a:p>
+              <a:endParaRPr lang="ru-RU"/>
+            </a:p>
+          </p:txBody>
+        </p:sp>
+        <p:sp>
+          <p:nvSpPr>
+            <p:cNvPr id="17" name="Прямая со стрелкой 58">
+              <a:extLst>
+                <a:ext uri="{FF2B5EF4-FFF2-40B4-BE49-F238E27FC236}">
+                  <a16:creationId xmlns:a16="http://schemas.microsoft.com/office/drawing/2014/main" id="{348F1729-2FF8-4A60-A818-2F53C0E56851}"/>
+                </a:ext>
+              </a:extLst>
+            </p:cNvPr>
+            <p:cNvSpPr>
+              <a:spLocks noChangeShapeType="1"/>
+            </p:cNvSpPr>
+            <p:nvPr/>
+          </p:nvSpPr>
+          <p:spPr bwMode="auto">
+            <a:xfrm flipV="1">
+              <a:off x="12477" y="17811"/>
+              <a:ext cx="8693" cy="7906"/>
+            </a:xfrm>
+            <a:prstGeom prst="straightConnector1">
+              <a:avLst/>
+            </a:prstGeom>
+            <a:noFill/>
+            <a:ln w="38100">
+              <a:solidFill>
+                <a:srgbClr val="000000"/>
+              </a:solidFill>
+              <a:miter lim="800000"/>
+              <a:headEnd/>
+              <a:tailEnd type="triangle" w="med" len="med"/>
+            </a:ln>
+            <a:extLst>
+              <a:ext uri="{909E8E84-426E-40DD-AFC4-6F175D3DCCD1}">
+                <a14:hiddenFill xmlns:a14="http://schemas.microsoft.com/office/drawing/2010/main">
+                  <a:noFill/>
+                </a14:hiddenFill>
+              </a:ext>
+            </a:extLst>
+          </p:spPr>
+          <p:txBody>
+            <a:bodyPr vert="horz" wrap="square" lIns="91440" tIns="45720" rIns="91440" bIns="45720" numCol="1" anchor="t" anchorCtr="0" compatLnSpc="1">
+              <a:prstTxWarp prst="textNoShape">
+                <a:avLst/>
+              </a:prstTxWarp>
+            </a:bodyPr>
+            <a:lstStyle/>
+            <a:p>
+              <a:endParaRPr lang="ru-RU"/>
+            </a:p>
+          </p:txBody>
+        </p:sp>
+        <p:sp>
+          <p:nvSpPr>
+            <p:cNvPr id="18" name="Прямая со стрелкой 59">
+              <a:extLst>
+                <a:ext uri="{FF2B5EF4-FFF2-40B4-BE49-F238E27FC236}">
+                  <a16:creationId xmlns:a16="http://schemas.microsoft.com/office/drawing/2014/main" id="{8E758F73-78EF-44F6-9B69-F296A412684E}"/>
+                </a:ext>
+              </a:extLst>
+            </p:cNvPr>
+            <p:cNvSpPr>
+              <a:spLocks noChangeShapeType="1"/>
+            </p:cNvSpPr>
+            <p:nvPr/>
+          </p:nvSpPr>
+          <p:spPr bwMode="auto">
+            <a:xfrm flipH="1" flipV="1">
+              <a:off x="6477" y="4191"/>
+              <a:ext cx="736" cy="10382"/>
+            </a:xfrm>
+            <a:prstGeom prst="straightConnector1">
+              <a:avLst/>
+            </a:prstGeom>
+            <a:noFill/>
+            <a:ln w="38100">
+              <a:solidFill>
+                <a:srgbClr val="000000"/>
+              </a:solidFill>
+              <a:miter lim="800000"/>
+              <a:headEnd/>
+              <a:tailEnd type="triangle" w="med" len="med"/>
+            </a:ln>
+            <a:extLst>
+              <a:ext uri="{909E8E84-426E-40DD-AFC4-6F175D3DCCD1}">
+                <a14:hiddenFill xmlns:a14="http://schemas.microsoft.com/office/drawing/2010/main">
+                  <a:noFill/>
+                </a14:hiddenFill>
+              </a:ext>
+            </a:extLst>
+          </p:spPr>
+          <p:txBody>
+            <a:bodyPr vert="horz" wrap="square" lIns="91440" tIns="45720" rIns="91440" bIns="45720" numCol="1" anchor="t" anchorCtr="0" compatLnSpc="1">
+              <a:prstTxWarp prst="textNoShape">
+                <a:avLst/>
+              </a:prstTxWarp>
+            </a:bodyPr>
+            <a:lstStyle/>
+            <a:p>
+              <a:endParaRPr lang="ru-RU"/>
+            </a:p>
+          </p:txBody>
+        </p:sp>
+        <p:sp>
+          <p:nvSpPr>
+            <p:cNvPr id="19" name="Прямая со стрелкой 60">
+              <a:extLst>
+                <a:ext uri="{FF2B5EF4-FFF2-40B4-BE49-F238E27FC236}">
+                  <a16:creationId xmlns:a16="http://schemas.microsoft.com/office/drawing/2014/main" id="{934D194F-5700-4393-8890-352D7CA1AD50}"/>
+                </a:ext>
+              </a:extLst>
+            </p:cNvPr>
+            <p:cNvSpPr>
+              <a:spLocks noChangeShapeType="1"/>
+            </p:cNvSpPr>
+            <p:nvPr/>
+          </p:nvSpPr>
+          <p:spPr bwMode="auto">
+            <a:xfrm flipV="1">
+              <a:off x="32099" y="4095"/>
+              <a:ext cx="11716" cy="10383"/>
+            </a:xfrm>
+            <a:prstGeom prst="straightConnector1">
+              <a:avLst/>
+            </a:prstGeom>
+            <a:noFill/>
+            <a:ln w="38100">
+              <a:solidFill>
+                <a:srgbClr val="000000"/>
+              </a:solidFill>
+              <a:miter lim="800000"/>
+              <a:headEnd/>
+              <a:tailEnd type="triangle" w="med" len="med"/>
+            </a:ln>
+            <a:extLst>
+              <a:ext uri="{909E8E84-426E-40DD-AFC4-6F175D3DCCD1}">
+                <a14:hiddenFill xmlns:a14="http://schemas.microsoft.com/office/drawing/2010/main">
+                  <a:noFill/>
+                </a14:hiddenFill>
+              </a:ext>
+            </a:extLst>
+          </p:spPr>
+          <p:txBody>
+            <a:bodyPr vert="horz" wrap="square" lIns="91440" tIns="45720" rIns="91440" bIns="45720" numCol="1" anchor="t" anchorCtr="0" compatLnSpc="1">
+              <a:prstTxWarp prst="textNoShape">
+                <a:avLst/>
+              </a:prstTxWarp>
+            </a:bodyPr>
+            <a:lstStyle/>
+            <a:p>
+              <a:endParaRPr lang="ru-RU"/>
+            </a:p>
+          </p:txBody>
+        </p:sp>
+        <p:sp>
+          <p:nvSpPr>
+            <p:cNvPr id="20" name="Прямая со стрелкой 61">
+              <a:extLst>
+                <a:ext uri="{FF2B5EF4-FFF2-40B4-BE49-F238E27FC236}">
+                  <a16:creationId xmlns:a16="http://schemas.microsoft.com/office/drawing/2014/main" id="{0A0FAD61-5374-4C33-8C26-65F6E67A01FA}"/>
+                </a:ext>
+              </a:extLst>
+            </p:cNvPr>
+            <p:cNvSpPr>
+              <a:spLocks noChangeShapeType="1"/>
+            </p:cNvSpPr>
+            <p:nvPr/>
+          </p:nvSpPr>
+          <p:spPr bwMode="auto">
+            <a:xfrm>
+              <a:off x="12668" y="2476"/>
+              <a:ext cx="2953" cy="451"/>
+            </a:xfrm>
+            <a:prstGeom prst="straightConnector1">
+              <a:avLst/>
+            </a:prstGeom>
+            <a:noFill/>
+            <a:ln w="38100">
+              <a:solidFill>
+                <a:srgbClr val="000000"/>
+              </a:solidFill>
+              <a:miter lim="800000"/>
+              <a:headEnd/>
+              <a:tailEnd type="triangle" w="med" len="med"/>
+            </a:ln>
+            <a:extLst>
+              <a:ext uri="{909E8E84-426E-40DD-AFC4-6F175D3DCCD1}">
+                <a14:hiddenFill xmlns:a14="http://schemas.microsoft.com/office/drawing/2010/main">
+                  <a:noFill/>
+                </a14:hiddenFill>
+              </a:ext>
+            </a:extLst>
+          </p:spPr>
+          <p:txBody>
+            <a:bodyPr vert="horz" wrap="square" lIns="91440" tIns="45720" rIns="91440" bIns="45720" numCol="1" anchor="t" anchorCtr="0" compatLnSpc="1">
+              <a:prstTxWarp prst="textNoShape">
+                <a:avLst/>
+              </a:prstTxWarp>
+            </a:bodyPr>
+            <a:lstStyle/>
+            <a:p>
+              <a:endParaRPr lang="ru-RU"/>
+            </a:p>
+          </p:txBody>
+        </p:sp>
+        <p:sp>
+          <p:nvSpPr>
+            <p:cNvPr id="21" name="Прямая со стрелкой 62">
+              <a:extLst>
+                <a:ext uri="{FF2B5EF4-FFF2-40B4-BE49-F238E27FC236}">
+                  <a16:creationId xmlns:a16="http://schemas.microsoft.com/office/drawing/2014/main" id="{E1322833-33FA-41DE-A568-D1C637E77823}"/>
+                </a:ext>
+              </a:extLst>
+            </p:cNvPr>
+            <p:cNvSpPr>
+              <a:spLocks noChangeShapeType="1"/>
+            </p:cNvSpPr>
+            <p:nvPr/>
+          </p:nvSpPr>
+          <p:spPr bwMode="auto">
+            <a:xfrm>
+              <a:off x="26479" y="2571"/>
+              <a:ext cx="3239" cy="451"/>
+            </a:xfrm>
+            <a:prstGeom prst="straightConnector1">
+              <a:avLst/>
+            </a:prstGeom>
+            <a:noFill/>
+            <a:ln w="38100">
+              <a:solidFill>
+                <a:srgbClr val="000000"/>
+              </a:solidFill>
+              <a:miter lim="800000"/>
+              <a:headEnd/>
+              <a:tailEnd type="triangle" w="med" len="med"/>
+            </a:ln>
+            <a:extLst>
+              <a:ext uri="{909E8E84-426E-40DD-AFC4-6F175D3DCCD1}">
+                <a14:hiddenFill xmlns:a14="http://schemas.microsoft.com/office/drawing/2010/main">
+                  <a:noFill/>
+                </a14:hiddenFill>
+              </a:ext>
+            </a:extLst>
+          </p:spPr>
+          <p:txBody>
+            <a:bodyPr vert="horz" wrap="square" lIns="91440" tIns="45720" rIns="91440" bIns="45720" numCol="1" anchor="t" anchorCtr="0" compatLnSpc="1">
+              <a:prstTxWarp prst="textNoShape">
+                <a:avLst/>
+              </a:prstTxWarp>
+            </a:bodyPr>
+            <a:lstStyle/>
+            <a:p>
+              <a:endParaRPr lang="ru-RU"/>
+            </a:p>
+          </p:txBody>
+        </p:sp>
+        <p:sp>
+          <p:nvSpPr>
+            <p:cNvPr id="22" name="Прямая со стрелкой 63">
+              <a:extLst>
+                <a:ext uri="{FF2B5EF4-FFF2-40B4-BE49-F238E27FC236}">
+                  <a16:creationId xmlns:a16="http://schemas.microsoft.com/office/drawing/2014/main" id="{105700C1-5430-45F9-A65A-B6781ABE0175}"/>
+                </a:ext>
+              </a:extLst>
+            </p:cNvPr>
+            <p:cNvSpPr>
+              <a:spLocks noChangeShapeType="1"/>
+            </p:cNvSpPr>
+            <p:nvPr/>
+          </p:nvSpPr>
+          <p:spPr bwMode="auto">
+            <a:xfrm flipV="1">
+              <a:off x="41624" y="2667"/>
+              <a:ext cx="2000" cy="857"/>
+            </a:xfrm>
+            <a:prstGeom prst="straightConnector1">
+              <a:avLst/>
+            </a:prstGeom>
+            <a:noFill/>
+            <a:ln w="38100">
+              <a:solidFill>
+                <a:srgbClr val="000000"/>
+              </a:solidFill>
+              <a:miter lim="800000"/>
+              <a:headEnd/>
+              <a:tailEnd type="triangle" w="med" len="med"/>
+            </a:ln>
+            <a:extLst>
+              <a:ext uri="{909E8E84-426E-40DD-AFC4-6F175D3DCCD1}">
+                <a14:hiddenFill xmlns:a14="http://schemas.microsoft.com/office/drawing/2010/main">
+                  <a:noFill/>
+                </a14:hiddenFill>
+              </a:ext>
+            </a:extLst>
+          </p:spPr>
+          <p:txBody>
+            <a:bodyPr vert="horz" wrap="square" lIns="91440" tIns="45720" rIns="91440" bIns="45720" numCol="1" anchor="t" anchorCtr="0" compatLnSpc="1">
+              <a:prstTxWarp prst="textNoShape">
+                <a:avLst/>
+              </a:prstTxWarp>
+            </a:bodyPr>
+            <a:lstStyle/>
+            <a:p>
+              <a:endParaRPr lang="ru-RU"/>
+            </a:p>
+          </p:txBody>
+        </p:sp>
+        <p:sp>
+          <p:nvSpPr>
+            <p:cNvPr id="23" name="Надпись 64">
+              <a:extLst>
+                <a:ext uri="{FF2B5EF4-FFF2-40B4-BE49-F238E27FC236}">
+                  <a16:creationId xmlns:a16="http://schemas.microsoft.com/office/drawing/2014/main" id="{53776993-6DD0-4FF9-BEF4-10746421FAC6}"/>
+                </a:ext>
+              </a:extLst>
+            </p:cNvPr>
+            <p:cNvSpPr txBox="1">
+              <a:spLocks noChangeArrowheads="1"/>
+            </p:cNvSpPr>
+            <p:nvPr/>
+          </p:nvSpPr>
+          <p:spPr bwMode="auto">
+            <a:xfrm>
+              <a:off x="95" y="23050"/>
+              <a:ext cx="58483" cy="9049"/>
+            </a:xfrm>
+            <a:prstGeom prst="rect">
+              <a:avLst/>
+            </a:prstGeom>
+            <a:noFill/>
+            <a:ln w="6350">
+              <a:solidFill>
+                <a:srgbClr val="000000"/>
+              </a:solidFill>
+              <a:prstDash val="dash"/>
+              <a:miter lim="800000"/>
+              <a:headEnd/>
+              <a:tailEnd/>
+            </a:ln>
+            <a:extLst>
+              <a:ext uri="{909E8E84-426E-40DD-AFC4-6F175D3DCCD1}">
+                <a14:hiddenFill xmlns:a14="http://schemas.microsoft.com/office/drawing/2010/main">
+                  <a:solidFill>
+                    <a:srgbClr val="FFFFFF"/>
+                  </a:solidFill>
+                </a14:hiddenFill>
+              </a:ext>
+            </a:extLst>
+          </p:spPr>
+          <p:txBody>
+            <a:bodyPr vert="horz" wrap="square" lIns="91440" tIns="45720" rIns="91440" bIns="45720" numCol="1" anchor="ctr" anchorCtr="0" compatLnSpc="1">
+              <a:prstTxWarp prst="textNoShape">
+                <a:avLst/>
+              </a:prstTxWarp>
+            </a:bodyPr>
+            <a:lstStyle/>
+            <a:p>
+              <a:pPr marL="0" marR="0" lvl="0" indent="0" algn="r" defTabSz="914400" rtl="0" eaLnBrk="0" fontAlgn="base" latinLnBrk="0" hangingPunct="0">
+                <a:lnSpc>
+                  <a:spcPct val="100000"/>
+                </a:lnSpc>
+                <a:spcBef>
+                  <a:spcPct val="0"/>
+                </a:spcBef>
+                <a:spcAft>
+                  <a:spcPct val="0"/>
+                </a:spcAft>
+                <a:buClrTx/>
+                <a:buSzTx/>
+                <a:buFontTx/>
+                <a:buNone/>
+                <a:tabLst/>
+              </a:pPr>
+              <a:r>
+                <a:rPr kumimoji="0" lang="en-US" altLang="ru-RU" sz="1100" b="0" i="0" u="none" strike="noStrike" cap="none" normalizeH="0" baseline="0" dirty="0">
+                  <a:ln>
+                    <a:noFill/>
+                  </a:ln>
+                  <a:solidFill>
+                    <a:schemeClr val="tx1"/>
+                  </a:solidFill>
+                  <a:effectLst/>
+                  <a:latin typeface="Calibri" panose="020F0502020204030204" pitchFamily="34" charset="0"/>
+                  <a:ea typeface="Calibri" panose="020F0502020204030204" pitchFamily="34" charset="0"/>
+                  <a:cs typeface="Times New Roman" panose="02020603050405020304" pitchFamily="18" charset="0"/>
+                </a:rPr>
+                <a:t>Fixed piercing points</a:t>
+              </a:r>
+              <a:endParaRPr kumimoji="0" lang="ru-RU" altLang="ru-RU" sz="1800" b="0" i="0" u="none" strike="noStrike" cap="none" normalizeH="0" baseline="0" dirty="0">
+                <a:ln>
+                  <a:noFill/>
+                </a:ln>
+                <a:solidFill>
+                  <a:schemeClr val="tx1"/>
+                </a:solidFill>
+                <a:effectLst/>
+                <a:latin typeface="Arial" panose="020B0604020202020204" pitchFamily="34" charset="0"/>
+              </a:endParaRPr>
+            </a:p>
+          </p:txBody>
+        </p:sp>
+        <p:sp>
+          <p:nvSpPr>
+            <p:cNvPr id="24" name="Надпись 65">
+              <a:extLst>
+                <a:ext uri="{FF2B5EF4-FFF2-40B4-BE49-F238E27FC236}">
+                  <a16:creationId xmlns:a16="http://schemas.microsoft.com/office/drawing/2014/main" id="{207C6168-23E5-42A4-9A15-C5CE341ED189}"/>
+                </a:ext>
+              </a:extLst>
+            </p:cNvPr>
+            <p:cNvSpPr txBox="1">
+              <a:spLocks noChangeArrowheads="1"/>
+            </p:cNvSpPr>
+            <p:nvPr/>
+          </p:nvSpPr>
+          <p:spPr bwMode="auto">
+            <a:xfrm>
+              <a:off x="0" y="0"/>
+              <a:ext cx="58483" cy="9048"/>
+            </a:xfrm>
+            <a:prstGeom prst="rect">
+              <a:avLst/>
+            </a:prstGeom>
+            <a:noFill/>
+            <a:ln w="6350">
+              <a:solidFill>
+                <a:srgbClr val="000000"/>
+              </a:solidFill>
+              <a:prstDash val="dash"/>
+              <a:miter lim="800000"/>
+              <a:headEnd/>
+              <a:tailEnd/>
+            </a:ln>
+            <a:extLst>
+              <a:ext uri="{909E8E84-426E-40DD-AFC4-6F175D3DCCD1}">
+                <a14:hiddenFill xmlns:a14="http://schemas.microsoft.com/office/drawing/2010/main">
+                  <a:solidFill>
+                    <a:srgbClr val="FFFFFF"/>
+                  </a:solidFill>
+                </a14:hiddenFill>
+              </a:ext>
+            </a:extLst>
+          </p:spPr>
+          <p:txBody>
+            <a:bodyPr vert="horz" wrap="square" lIns="91440" tIns="45720" rIns="91440" bIns="45720" numCol="1" anchor="b" anchorCtr="0" compatLnSpc="1">
+              <a:prstTxWarp prst="textNoShape">
+                <a:avLst/>
+              </a:prstTxWarp>
+            </a:bodyPr>
+            <a:lstStyle/>
+            <a:p>
+              <a:pPr marL="0" marR="0" lvl="0" indent="0" algn="ctr" defTabSz="914400" rtl="0" eaLnBrk="0" fontAlgn="base" latinLnBrk="0" hangingPunct="0">
+                <a:lnSpc>
+                  <a:spcPct val="100000"/>
+                </a:lnSpc>
+                <a:spcBef>
+                  <a:spcPct val="0"/>
+                </a:spcBef>
+                <a:spcAft>
+                  <a:spcPct val="0"/>
+                </a:spcAft>
+                <a:buClrTx/>
+                <a:buSzTx/>
+                <a:buFontTx/>
+                <a:buNone/>
+                <a:tabLst/>
+              </a:pPr>
+              <a:r>
+                <a:rPr kumimoji="0" lang="en-US" altLang="ru-RU" sz="1100" b="0" i="0" u="none" strike="noStrike" cap="none" normalizeH="0" baseline="0" dirty="0">
+                  <a:ln>
+                    <a:noFill/>
+                  </a:ln>
+                  <a:solidFill>
+                    <a:schemeClr val="tx1"/>
+                  </a:solidFill>
+                  <a:effectLst/>
+                  <a:latin typeface="Calibri" panose="020F0502020204030204" pitchFamily="34" charset="0"/>
+                  <a:ea typeface="Calibri" panose="020F0502020204030204" pitchFamily="34" charset="0"/>
+                  <a:cs typeface="Times New Roman" panose="02020603050405020304" pitchFamily="18" charset="0"/>
+                </a:rPr>
+                <a:t>Continuous set of piercing points</a:t>
+              </a:r>
+              <a:endParaRPr kumimoji="0" lang="ru-RU" altLang="ru-RU" sz="1800" b="0" i="0" u="none" strike="noStrike" cap="none" normalizeH="0" baseline="0" dirty="0">
+                <a:ln>
+                  <a:noFill/>
+                </a:ln>
+                <a:solidFill>
+                  <a:schemeClr val="tx1"/>
+                </a:solidFill>
+                <a:effectLst/>
+                <a:latin typeface="Arial" panose="020B0604020202020204" pitchFamily="34" charset="0"/>
+              </a:endParaRPr>
+            </a:p>
+          </p:txBody>
+        </p:sp>
+      </p:grpSp>
+    </p:spTree>
+    <p:extLst>
+      <p:ext uri="{BB962C8B-B14F-4D97-AF65-F5344CB8AC3E}">
+        <p14:creationId xmlns:p14="http://schemas.microsoft.com/office/powerpoint/2010/main" val="2078337416"/>
+      </p:ext>
+    </p:extLst>
+  </p:cSld>
+  <p:clrMapOvr>
+    <a:masterClrMapping/>
+  </p:clrMapOvr>
+</p:sld>
+</file>
+
+<file path=ppt/slides/slide5.xml><?xml version="1.0" encoding="utf-8"?>
+<p:sld xmlns:a="http://schemas.openxmlformats.org/drawingml/2006/main" xmlns:r="http://schemas.openxmlformats.org/officeDocument/2006/relationships" xmlns:p="http://schemas.openxmlformats.org/presentationml/2006/main">
+  <p:cSld>
+    <p:spTree>
+      <p:nvGrpSpPr>
+        <p:cNvPr id="1" name=""/>
+        <p:cNvGrpSpPr/>
+        <p:nvPr/>
+      </p:nvGrpSpPr>
+      <p:grpSpPr>
+        <a:xfrm>
+          <a:off x="0" y="0"/>
+          <a:ext cx="0" cy="0"/>
+          <a:chOff x="0" y="0"/>
+          <a:chExt cx="0" cy="0"/>
+        </a:xfrm>
+      </p:grpSpPr>
+      <p:pic>
+        <p:nvPicPr>
+          <p:cNvPr id="2" name="Picture 2" descr="F:\Users\Алекс\Desktop\urfu_logo_en.png"/>
+          <p:cNvPicPr>
+            <a:picLocks noChangeAspect="1" noChangeArrowheads="1"/>
+          </p:cNvPicPr>
+          <p:nvPr/>
+        </p:nvPicPr>
+        <p:blipFill>
+          <a:blip r:embed="rId2" cstate="print">
+            <a:extLst>
+              <a:ext uri="{28A0092B-C50C-407E-A947-70E740481C1C}">
+                <a14:useLocalDpi xmlns:a14="http://schemas.microsoft.com/office/drawing/2010/main" val="0"/>
+              </a:ext>
+            </a:extLst>
+          </a:blip>
+          <a:srcRect/>
+          <a:stretch>
+            <a:fillRect/>
+          </a:stretch>
+        </p:blipFill>
+        <p:spPr bwMode="auto">
+          <a:xfrm>
+            <a:off x="0" y="0"/>
+            <a:ext cx="2133600" cy="1085850"/>
+          </a:xfrm>
+          <a:prstGeom prst="rect">
+            <a:avLst/>
+          </a:prstGeom>
+          <a:noFill/>
+          <a:ln w="9525">
+            <a:noFill/>
+            <a:prstDash val="sysDash"/>
+            <a:miter lim="800000"/>
+            <a:headEnd/>
+            <a:tailEnd/>
+          </a:ln>
+          <a:extLst>
+            <a:ext uri="{909E8E84-426E-40DD-AFC4-6F175D3DCCD1}">
+              <a14:hiddenFill xmlns:a14="http://schemas.microsoft.com/office/drawing/2010/main">
+                <a:solidFill>
+                  <a:srgbClr val="FFFFFF"/>
+                </a:solidFill>
+              </a14:hiddenFill>
+            </a:ext>
+          </a:extLst>
+        </p:spPr>
+      </p:pic>
+      <p:sp>
+        <p:nvSpPr>
+          <p:cNvPr id="3" name="TextBox 2"/>
+          <p:cNvSpPr txBox="1"/>
+          <p:nvPr/>
+        </p:nvSpPr>
+        <p:spPr>
+          <a:xfrm>
+            <a:off x="2051720" y="219759"/>
+            <a:ext cx="6840760" cy="646331"/>
+          </a:xfrm>
+          <a:prstGeom prst="rect">
+            <a:avLst/>
+          </a:prstGeom>
+          <a:noFill/>
+        </p:spPr>
+        <p:txBody>
+          <a:bodyPr wrap="square" rtlCol="0">
+            <a:spAutoFit/>
+            <a:scene3d>
+              <a:camera prst="orthographicFront"/>
+              <a:lightRig rig="soft" dir="tl">
+                <a:rot lat="0" lon="0" rev="0"/>
+              </a:lightRig>
+            </a:scene3d>
+            <a:sp3d contourW="25400" prstMaterial="matte">
+              <a:bevelT w="25400" h="55880" prst="artDeco"/>
+              <a:contourClr>
+                <a:schemeClr val="accent2">
+                  <a:tint val="20000"/>
+                </a:schemeClr>
+              </a:contourClr>
+            </a:sp3d>
+          </a:bodyPr>
+          <a:lstStyle/>
+          <a:p>
+            <a:pPr algn="r"/>
+            <a:r>
+              <a:rPr lang="en-US" sz="3600" b="1" spc="50" dirty="0">
+                <a:ln w="11430"/>
+                <a:gradFill>
+                  <a:gsLst>
+                    <a:gs pos="25000">
+                      <a:schemeClr val="accent2">
+                        <a:satMod val="155000"/>
+                      </a:schemeClr>
+                    </a:gs>
+                    <a:gs pos="100000">
+                      <a:schemeClr val="accent2">
+                        <a:shade val="45000"/>
+                        <a:satMod val="165000"/>
+                      </a:schemeClr>
+                    </a:gs>
+                  </a:gsLst>
+                  <a:lin ang="5400000"/>
+                </a:gradFill>
+                <a:effectLst>
+                  <a:outerShdw blurRad="76200" dist="50800" dir="5400000" algn="tl" rotWithShape="0">
+                    <a:srgbClr val="000000">
+                      <a:alpha val="65000"/>
+                    </a:srgbClr>
+                  </a:outerShdw>
+                </a:effectLst>
+              </a:rPr>
+              <a:t>Objective functions</a:t>
+            </a:r>
+            <a:endParaRPr lang="ru-RU" sz="3600" b="1" spc="50" dirty="0">
+              <a:ln w="11430"/>
+              <a:gradFill>
+                <a:gsLst>
+                  <a:gs pos="25000">
+                    <a:schemeClr val="accent2">
+                      <a:satMod val="155000"/>
+                    </a:schemeClr>
+                  </a:gs>
+                  <a:gs pos="100000">
+                    <a:schemeClr val="accent2">
+                      <a:shade val="45000"/>
+                      <a:satMod val="165000"/>
+                    </a:schemeClr>
+                  </a:gs>
+                </a:gsLst>
+                <a:lin ang="5400000"/>
+              </a:gradFill>
+              <a:effectLst>
+                <a:outerShdw blurRad="76200" dist="50800" dir="5400000" algn="tl" rotWithShape="0">
+                  <a:srgbClr val="000000">
+                    <a:alpha val="65000"/>
+                  </a:srgbClr>
+                </a:outerShdw>
+              </a:effectLst>
+            </a:endParaRPr>
+          </a:p>
+        </p:txBody>
+      </p:sp>
+      <mc:AlternateContent xmlns:mc="http://schemas.openxmlformats.org/markup-compatibility/2006">
+        <mc:Choice xmlns:a14="http://schemas.microsoft.com/office/drawing/2010/main" Requires="a14">
+          <p:sp>
+            <p:nvSpPr>
+              <p:cNvPr id="10" name="TextBox 9">
+                <a:extLst>
+                  <a:ext uri="{FF2B5EF4-FFF2-40B4-BE49-F238E27FC236}">
+                    <a16:creationId xmlns:a16="http://schemas.microsoft.com/office/drawing/2014/main" id="{540B50B6-79FC-48B7-AD26-4549E8B93BC2}"/>
+                  </a:ext>
+                </a:extLst>
+              </p:cNvPr>
+              <p:cNvSpPr txBox="1"/>
+              <p:nvPr/>
+            </p:nvSpPr>
+            <p:spPr>
+              <a:xfrm>
+                <a:off x="203892" y="1555347"/>
+                <a:ext cx="5016180" cy="491288"/>
+              </a:xfrm>
+              <a:prstGeom prst="rect">
+                <a:avLst/>
+              </a:prstGeom>
+              <a:noFill/>
+              <a:ln>
+                <a:noFill/>
+              </a:ln>
+            </p:spPr>
+            <p:style>
+              <a:lnRef idx="1">
+                <a:schemeClr val="accent3"/>
+              </a:lnRef>
+              <a:fillRef idx="3">
+                <a:schemeClr val="accent3"/>
+              </a:fillRef>
+              <a:effectRef idx="2">
+                <a:schemeClr val="accent3"/>
+              </a:effectRef>
+              <a:fontRef idx="minor">
+                <a:schemeClr val="lt1"/>
+              </a:fontRef>
+            </p:style>
+            <p:txBody>
+              <a:bodyPr wrap="none" rtlCol="0">
+                <a:spAutoFit/>
+              </a:bodyPr>
+              <a:lstStyle/>
+              <a:p>
+                <a:pPr/>
+                <a14:m>
+                  <m:oMathPara xmlns:m="http://schemas.openxmlformats.org/officeDocument/2006/math">
+                    <m:oMathParaPr>
+                      <m:jc m:val="centerGroup"/>
+                    </m:oMathParaPr>
+                    <m:oMath xmlns:m="http://schemas.openxmlformats.org/officeDocument/2006/math">
+                      <m:sSub>
+                        <m:sSubPr>
+                          <m:ctrlPr>
+                            <a:rPr lang="ru-RU" sz="2400" i="1" smtClean="0">
+                              <a:solidFill>
+                                <a:schemeClr val="tx1"/>
+                              </a:solidFill>
+                              <a:latin typeface="Cambria Math" panose="02040503050406030204" pitchFamily="18" charset="0"/>
+                            </a:rPr>
+                          </m:ctrlPr>
+                        </m:sSubPr>
+                        <m:e>
+                          <m:r>
+                            <a:rPr lang="en-US" sz="2400" b="0" i="1" smtClean="0">
+                              <a:solidFill>
+                                <a:schemeClr val="tx1"/>
+                              </a:solidFill>
+                              <a:latin typeface="Cambria Math"/>
+                            </a:rPr>
+                            <m:t>𝐹</m:t>
+                          </m:r>
+                        </m:e>
+                        <m:sub>
+                          <m:r>
+                            <a:rPr lang="en-US" sz="2400" b="0" i="1" smtClean="0">
+                              <a:solidFill>
+                                <a:schemeClr val="tx1"/>
+                              </a:solidFill>
+                              <a:latin typeface="Cambria Math"/>
+                            </a:rPr>
+                            <m:t>𝑐𝑜𝑠𝑡</m:t>
+                          </m:r>
+                        </m:sub>
+                      </m:sSub>
+                      <m:r>
+                        <a:rPr lang="en-US" sz="2400" b="0" i="1" smtClean="0">
+                          <a:solidFill>
+                            <a:schemeClr val="tx1"/>
+                          </a:solidFill>
+                          <a:latin typeface="Cambria Math"/>
+                        </a:rPr>
+                        <m:t>=</m:t>
+                      </m:r>
+                      <m:sSub>
+                        <m:sSubPr>
+                          <m:ctrlPr>
+                            <a:rPr lang="ru-RU" sz="2400" i="1" smtClean="0">
+                              <a:solidFill>
+                                <a:schemeClr val="tx1"/>
+                              </a:solidFill>
+                              <a:latin typeface="Cambria Math" panose="02040503050406030204" pitchFamily="18" charset="0"/>
+                            </a:rPr>
+                          </m:ctrlPr>
+                        </m:sSubPr>
+                        <m:e>
+                          <m:r>
+                            <a:rPr lang="en-US" sz="2400" i="1" smtClean="0">
+                              <a:solidFill>
+                                <a:schemeClr val="tx1"/>
+                              </a:solidFill>
+                              <a:latin typeface="Cambria Math"/>
+                            </a:rPr>
+                            <m:t>𝐿</m:t>
+                          </m:r>
+                        </m:e>
+                        <m:sub>
+                          <m:r>
+                            <a:rPr lang="en-US" sz="2400" i="1" smtClean="0">
+                              <a:solidFill>
+                                <a:schemeClr val="tx1"/>
+                              </a:solidFill>
+                              <a:latin typeface="Cambria Math"/>
+                            </a:rPr>
+                            <m:t>𝑜𝑛</m:t>
+                          </m:r>
+                        </m:sub>
+                      </m:sSub>
+                      <m:sSub>
+                        <m:sSubPr>
+                          <m:ctrlPr>
+                            <a:rPr lang="ru-RU" sz="2400" i="1" smtClean="0">
+                              <a:solidFill>
+                                <a:schemeClr val="tx1"/>
+                              </a:solidFill>
+                              <a:latin typeface="Cambria Math" panose="02040503050406030204" pitchFamily="18" charset="0"/>
+                            </a:rPr>
+                          </m:ctrlPr>
+                        </m:sSubPr>
+                        <m:e>
+                          <m:r>
+                            <a:rPr lang="en-US" sz="2400" i="1" smtClean="0">
+                              <a:solidFill>
+                                <a:schemeClr val="tx1"/>
+                              </a:solidFill>
+                              <a:latin typeface="Cambria Math"/>
+                            </a:rPr>
+                            <m:t>𝐶</m:t>
+                          </m:r>
+                        </m:e>
+                        <m:sub>
+                          <m:r>
+                            <a:rPr lang="en-US" sz="2400" i="1" smtClean="0">
+                              <a:solidFill>
+                                <a:schemeClr val="tx1"/>
+                              </a:solidFill>
+                              <a:latin typeface="Cambria Math"/>
+                            </a:rPr>
+                            <m:t>𝑜𝑛</m:t>
+                          </m:r>
+                        </m:sub>
+                      </m:sSub>
+                      <m:r>
+                        <a:rPr lang="en-US" sz="2400" i="1" smtClean="0">
+                          <a:solidFill>
+                            <a:schemeClr val="tx1"/>
+                          </a:solidFill>
+                          <a:latin typeface="Cambria Math"/>
+                        </a:rPr>
+                        <m:t>+</m:t>
+                      </m:r>
+                      <m:sSub>
+                        <m:sSubPr>
+                          <m:ctrlPr>
+                            <a:rPr lang="ru-RU" sz="2400" i="1">
+                              <a:solidFill>
+                                <a:schemeClr val="tx1"/>
+                              </a:solidFill>
+                              <a:latin typeface="Cambria Math" panose="02040503050406030204" pitchFamily="18" charset="0"/>
+                            </a:rPr>
+                          </m:ctrlPr>
+                        </m:sSubPr>
+                        <m:e>
+                          <m:r>
+                            <a:rPr lang="en-US" sz="2400" i="1">
+                              <a:solidFill>
+                                <a:schemeClr val="tx1"/>
+                              </a:solidFill>
+                              <a:latin typeface="Cambria Math"/>
+                            </a:rPr>
+                            <m:t>𝐿</m:t>
+                          </m:r>
+                        </m:e>
+                        <m:sub>
+                          <m:r>
+                            <a:rPr lang="en-US" sz="2400" i="1">
+                              <a:solidFill>
+                                <a:schemeClr val="tx1"/>
+                              </a:solidFill>
+                              <a:latin typeface="Cambria Math"/>
+                            </a:rPr>
+                            <m:t>𝑜</m:t>
+                          </m:r>
+                          <m:r>
+                            <a:rPr lang="en-US" sz="2400" i="1" smtClean="0">
+                              <a:solidFill>
+                                <a:schemeClr val="tx1"/>
+                              </a:solidFill>
+                              <a:latin typeface="Cambria Math"/>
+                            </a:rPr>
+                            <m:t>𝑓𝑓</m:t>
+                          </m:r>
+                        </m:sub>
+                      </m:sSub>
+                      <m:sSub>
+                        <m:sSubPr>
+                          <m:ctrlPr>
+                            <a:rPr lang="ru-RU" sz="2400" i="1">
+                              <a:solidFill>
+                                <a:schemeClr val="tx1"/>
+                              </a:solidFill>
+                              <a:latin typeface="Cambria Math" panose="02040503050406030204" pitchFamily="18" charset="0"/>
+                            </a:rPr>
+                          </m:ctrlPr>
+                        </m:sSubPr>
+                        <m:e>
+                          <m:r>
+                            <a:rPr lang="en-US" sz="2400" i="1">
+                              <a:solidFill>
+                                <a:schemeClr val="tx1"/>
+                              </a:solidFill>
+                              <a:latin typeface="Cambria Math"/>
+                            </a:rPr>
+                            <m:t>𝐶</m:t>
+                          </m:r>
+                        </m:e>
+                        <m:sub>
+                          <m:r>
+                            <a:rPr lang="en-US" sz="2400" i="1">
+                              <a:solidFill>
+                                <a:schemeClr val="tx1"/>
+                              </a:solidFill>
+                              <a:latin typeface="Cambria Math"/>
+                            </a:rPr>
+                            <m:t>𝑜</m:t>
+                          </m:r>
+                          <m:r>
+                            <a:rPr lang="en-US" sz="2400" i="1" smtClean="0">
+                              <a:solidFill>
+                                <a:schemeClr val="tx1"/>
+                              </a:solidFill>
+                              <a:latin typeface="Cambria Math"/>
+                            </a:rPr>
+                            <m:t>𝑓𝑓</m:t>
+                          </m:r>
+                        </m:sub>
+                      </m:sSub>
+                      <m:r>
+                        <a:rPr lang="en-US" sz="2400" i="1" smtClean="0">
+                          <a:solidFill>
+                            <a:schemeClr val="tx1"/>
+                          </a:solidFill>
+                          <a:latin typeface="Cambria Math"/>
+                        </a:rPr>
+                        <m:t>+</m:t>
+                      </m:r>
+                      <m:sSub>
+                        <m:sSubPr>
+                          <m:ctrlPr>
+                            <a:rPr lang="en-US" sz="2400" i="1" smtClean="0">
+                              <a:solidFill>
+                                <a:schemeClr val="tx1"/>
+                              </a:solidFill>
+                              <a:latin typeface="Cambria Math" panose="02040503050406030204" pitchFamily="18" charset="0"/>
+                            </a:rPr>
+                          </m:ctrlPr>
+                        </m:sSubPr>
+                        <m:e>
+                          <m:r>
+                            <a:rPr lang="en-US" sz="2400" i="1" smtClean="0">
+                              <a:solidFill>
+                                <a:schemeClr val="tx1"/>
+                              </a:solidFill>
+                              <a:latin typeface="Cambria Math"/>
+                            </a:rPr>
+                            <m:t>𝑁</m:t>
+                          </m:r>
+                        </m:e>
+                        <m:sub>
+                          <m:r>
+                            <a:rPr lang="en-US" sz="2400" i="1" smtClean="0">
+                              <a:solidFill>
+                                <a:schemeClr val="tx1"/>
+                              </a:solidFill>
+                              <a:latin typeface="Cambria Math"/>
+                            </a:rPr>
+                            <m:t>𝑝𝑡</m:t>
+                          </m:r>
+                        </m:sub>
+                      </m:sSub>
+                      <m:sSub>
+                        <m:sSubPr>
+                          <m:ctrlPr>
+                            <a:rPr lang="en-US" sz="2400" i="1" smtClean="0">
+                              <a:solidFill>
+                                <a:schemeClr val="tx1"/>
+                              </a:solidFill>
+                              <a:latin typeface="Cambria Math" panose="02040503050406030204" pitchFamily="18" charset="0"/>
+                            </a:rPr>
+                          </m:ctrlPr>
+                        </m:sSubPr>
+                        <m:e>
+                          <m:r>
+                            <a:rPr lang="en-US" sz="2400" i="1" smtClean="0">
+                              <a:solidFill>
+                                <a:schemeClr val="tx1"/>
+                              </a:solidFill>
+                              <a:latin typeface="Cambria Math"/>
+                            </a:rPr>
+                            <m:t>𝐶</m:t>
+                          </m:r>
+                        </m:e>
+                        <m:sub>
+                          <m:r>
+                            <a:rPr lang="en-US" sz="2400" i="1" smtClean="0">
+                              <a:solidFill>
+                                <a:schemeClr val="tx1"/>
+                              </a:solidFill>
+                              <a:latin typeface="Cambria Math"/>
+                            </a:rPr>
+                            <m:t>𝑝𝑡</m:t>
+                          </m:r>
+                        </m:sub>
+                      </m:sSub>
+                    </m:oMath>
+                  </m:oMathPara>
+                </a14:m>
+                <a:endParaRPr lang="ru-RU" sz="2400" dirty="0">
+                  <a:solidFill>
+                    <a:schemeClr val="tx1"/>
+                  </a:solidFill>
+                </a:endParaRPr>
+              </a:p>
+            </p:txBody>
+          </p:sp>
+        </mc:Choice>
+        <mc:Fallback>
+          <p:sp>
+            <p:nvSpPr>
+              <p:cNvPr id="10" name="TextBox 9">
+                <a:extLst>
+                  <a:ext uri="{FF2B5EF4-FFF2-40B4-BE49-F238E27FC236}">
+                    <a16:creationId xmlns:a16="http://schemas.microsoft.com/office/drawing/2014/main" id="{540B50B6-79FC-48B7-AD26-4549E8B93BC2}"/>
+                  </a:ext>
+                </a:extLst>
+              </p:cNvPr>
+              <p:cNvSpPr txBox="1">
+                <a:spLocks noRot="1" noChangeAspect="1" noMove="1" noResize="1" noEditPoints="1" noAdjustHandles="1" noChangeArrowheads="1" noChangeShapeType="1" noTextEdit="1"/>
+              </p:cNvSpPr>
+              <p:nvPr/>
+            </p:nvSpPr>
+            <p:spPr>
+              <a:xfrm>
+                <a:off x="203892" y="1555347"/>
+                <a:ext cx="5016180" cy="491288"/>
+              </a:xfrm>
+              <a:prstGeom prst="rect">
+                <a:avLst/>
+              </a:prstGeom>
+              <a:blipFill>
+                <a:blip r:embed="rId3"/>
+                <a:stretch>
+                  <a:fillRect/>
+                </a:stretch>
+              </a:blipFill>
+              <a:ln>
+                <a:noFill/>
+              </a:ln>
+            </p:spPr>
+            <p:txBody>
+              <a:bodyPr/>
+              <a:lstStyle/>
+              <a:p>
+                <a:r>
+                  <a:rPr lang="ru-RU">
+                    <a:noFill/>
+                  </a:rPr>
+                  <a:t> </a:t>
+                </a:r>
+              </a:p>
+            </p:txBody>
+          </p:sp>
+        </mc:Fallback>
+      </mc:AlternateContent>
+      <p:sp>
+        <p:nvSpPr>
+          <p:cNvPr id="11" name="TextBox 10">
+            <a:extLst>
+              <a:ext uri="{FF2B5EF4-FFF2-40B4-BE49-F238E27FC236}">
+                <a16:creationId xmlns:a16="http://schemas.microsoft.com/office/drawing/2014/main" id="{B471B56C-0F37-433F-B737-DD6145119120}"/>
+              </a:ext>
+            </a:extLst>
+          </p:cNvPr>
+          <p:cNvSpPr txBox="1"/>
+          <p:nvPr/>
+        </p:nvSpPr>
+        <p:spPr>
+          <a:xfrm>
+            <a:off x="315910" y="2524481"/>
+            <a:ext cx="5184576" cy="4662815"/>
+          </a:xfrm>
+          <a:prstGeom prst="rect">
+            <a:avLst/>
+          </a:prstGeom>
+          <a:noFill/>
+        </p:spPr>
+        <p:txBody>
+          <a:bodyPr wrap="square" rtlCol="0">
+            <a:spAutoFit/>
+          </a:bodyPr>
+          <a:lstStyle/>
+          <a:p>
+            <a:pPr lvl="0">
+              <a:lnSpc>
+                <a:spcPct val="150000"/>
+              </a:lnSpc>
+            </a:pPr>
+            <a:r>
+              <a:rPr lang="en-US" dirty="0"/>
+              <a:t>Where:</a:t>
+            </a:r>
+          </a:p>
+          <a:p>
+            <a:pPr lvl="0">
+              <a:lnSpc>
+                <a:spcPct val="150000"/>
+              </a:lnSpc>
+            </a:pPr>
+            <a:r>
+              <a:rPr lang="en-US" dirty="0"/>
+              <a:t>L</a:t>
+            </a:r>
+            <a:r>
+              <a:rPr lang="en-US" baseline="-25000" dirty="0"/>
+              <a:t>off</a:t>
+            </a:r>
+            <a:r>
+              <a:rPr lang="en-US" dirty="0"/>
+              <a:t> – Length of airtime motion</a:t>
+            </a:r>
+            <a:endParaRPr lang="ru-RU" dirty="0"/>
+          </a:p>
+          <a:p>
+            <a:pPr lvl="0">
+              <a:lnSpc>
+                <a:spcPct val="150000"/>
+              </a:lnSpc>
+            </a:pPr>
+            <a:r>
+              <a:rPr lang="en-US" dirty="0"/>
+              <a:t>L</a:t>
+            </a:r>
+            <a:r>
+              <a:rPr lang="en-US" baseline="-25000" dirty="0"/>
+              <a:t>on</a:t>
+            </a:r>
+            <a:r>
+              <a:rPr lang="en-US" dirty="0"/>
+              <a:t> – Length of cutting segments</a:t>
+            </a:r>
+            <a:endParaRPr lang="ru-RU" dirty="0"/>
+          </a:p>
+          <a:p>
+            <a:pPr lvl="0">
+              <a:lnSpc>
+                <a:spcPct val="150000"/>
+              </a:lnSpc>
+            </a:pPr>
+            <a:r>
+              <a:rPr lang="en-US" dirty="0"/>
+              <a:t>C</a:t>
+            </a:r>
+            <a:r>
+              <a:rPr lang="en-US" baseline="-25000" dirty="0"/>
+              <a:t>on</a:t>
+            </a:r>
+            <a:r>
+              <a:rPr lang="en-US" dirty="0"/>
+              <a:t> – Cost of airtime motion unit</a:t>
+            </a:r>
+            <a:endParaRPr lang="ru-RU" dirty="0"/>
+          </a:p>
+          <a:p>
+            <a:pPr lvl="0">
+              <a:lnSpc>
+                <a:spcPct val="150000"/>
+              </a:lnSpc>
+            </a:pPr>
+            <a:r>
+              <a:rPr lang="en-US" dirty="0" err="1"/>
+              <a:t>C</a:t>
+            </a:r>
+            <a:r>
+              <a:rPr lang="en-US" baseline="-25000" dirty="0" err="1"/>
+              <a:t>off</a:t>
+            </a:r>
+            <a:r>
+              <a:rPr lang="en-US" dirty="0"/>
+              <a:t> – Cost of cutting unit</a:t>
+            </a:r>
+            <a:endParaRPr lang="ru-RU" dirty="0"/>
+          </a:p>
+          <a:p>
+            <a:pPr lvl="0">
+              <a:lnSpc>
+                <a:spcPct val="150000"/>
+              </a:lnSpc>
+            </a:pPr>
+            <a:r>
+              <a:rPr lang="en-US" dirty="0" err="1"/>
+              <a:t>C</a:t>
+            </a:r>
+            <a:r>
+              <a:rPr lang="en-US" baseline="-25000" dirty="0" err="1"/>
+              <a:t>pt</a:t>
+            </a:r>
+            <a:r>
+              <a:rPr lang="en-US" dirty="0"/>
+              <a:t> – Piercing cost</a:t>
+            </a:r>
+            <a:endParaRPr lang="ru-RU" dirty="0"/>
+          </a:p>
+          <a:p>
+            <a:pPr lvl="0">
+              <a:lnSpc>
+                <a:spcPct val="150000"/>
+              </a:lnSpc>
+            </a:pPr>
+            <a:r>
+              <a:rPr lang="en-US" dirty="0" err="1"/>
+              <a:t>V</a:t>
+            </a:r>
+            <a:r>
+              <a:rPr lang="en-US" baseline="-25000" dirty="0" err="1"/>
+              <a:t>off</a:t>
+            </a:r>
+            <a:r>
+              <a:rPr lang="en-US" dirty="0"/>
+              <a:t> – Speed of airtime motion</a:t>
+            </a:r>
+            <a:endParaRPr lang="ru-RU" dirty="0"/>
+          </a:p>
+          <a:p>
+            <a:pPr lvl="0">
+              <a:lnSpc>
+                <a:spcPct val="150000"/>
+              </a:lnSpc>
+            </a:pPr>
+            <a:r>
+              <a:rPr lang="en-US" dirty="0"/>
+              <a:t>V</a:t>
+            </a:r>
+            <a:r>
+              <a:rPr lang="en-US" baseline="-25000" dirty="0"/>
+              <a:t>on</a:t>
+            </a:r>
+            <a:r>
+              <a:rPr lang="en-US" dirty="0"/>
+              <a:t> – Speed of cutting</a:t>
+            </a:r>
+            <a:endParaRPr lang="ru-RU" dirty="0"/>
+          </a:p>
+          <a:p>
+            <a:pPr lvl="0">
+              <a:lnSpc>
+                <a:spcPct val="150000"/>
+              </a:lnSpc>
+            </a:pPr>
+            <a:r>
+              <a:rPr lang="en-US" dirty="0" err="1"/>
+              <a:t>N</a:t>
+            </a:r>
+            <a:r>
+              <a:rPr lang="en-US" baseline="-25000" dirty="0" err="1"/>
+              <a:t>pt</a:t>
+            </a:r>
+            <a:r>
+              <a:rPr lang="en-US" dirty="0"/>
+              <a:t> – Number of piercing points</a:t>
+            </a:r>
+            <a:endParaRPr lang="ru-RU" dirty="0"/>
+          </a:p>
+          <a:p>
+            <a:pPr lvl="0">
+              <a:lnSpc>
+                <a:spcPct val="150000"/>
+              </a:lnSpc>
+            </a:pPr>
+            <a:r>
+              <a:rPr lang="en-US" dirty="0" err="1"/>
+              <a:t>t</a:t>
+            </a:r>
+            <a:r>
+              <a:rPr lang="en-US" baseline="-25000" dirty="0" err="1"/>
+              <a:t>pt</a:t>
+            </a:r>
+            <a:r>
+              <a:rPr lang="en-US" dirty="0"/>
+              <a:t> – Time of piercing</a:t>
+            </a:r>
+            <a:endParaRPr lang="ru-RU" dirty="0"/>
+          </a:p>
+          <a:p>
+            <a:pPr>
+              <a:lnSpc>
+                <a:spcPct val="150000"/>
+              </a:lnSpc>
+            </a:pPr>
+            <a:endParaRPr lang="ru-RU" dirty="0"/>
+          </a:p>
+        </p:txBody>
+      </p:sp>
+      <p:sp>
+        <p:nvSpPr>
+          <p:cNvPr id="12" name="TextBox 11">
+            <a:extLst>
+              <a:ext uri="{FF2B5EF4-FFF2-40B4-BE49-F238E27FC236}">
+                <a16:creationId xmlns:a16="http://schemas.microsoft.com/office/drawing/2014/main" id="{D98D2AD2-87A3-4353-A04A-75B18A48BAF7}"/>
+              </a:ext>
+            </a:extLst>
+          </p:cNvPr>
+          <p:cNvSpPr txBox="1"/>
+          <p:nvPr/>
+        </p:nvSpPr>
+        <p:spPr>
+          <a:xfrm>
+            <a:off x="745014" y="1228110"/>
+            <a:ext cx="3933935" cy="369332"/>
+          </a:xfrm>
+          <a:prstGeom prst="rect">
+            <a:avLst/>
+          </a:prstGeom>
+          <a:noFill/>
+        </p:spPr>
+        <p:txBody>
+          <a:bodyPr wrap="square" rtlCol="0">
+            <a:spAutoFit/>
+          </a:bodyPr>
+          <a:lstStyle/>
+          <a:p>
+            <a:pPr algn="ctr"/>
+            <a:r>
+              <a:rPr lang="en-US" dirty="0"/>
+              <a:t>Cutting cost</a:t>
+            </a:r>
+            <a:endParaRPr lang="ru-RU" dirty="0"/>
+          </a:p>
+        </p:txBody>
+      </p:sp>
+      <mc:AlternateContent xmlns:mc="http://schemas.openxmlformats.org/markup-compatibility/2006">
+        <mc:Choice xmlns:a14="http://schemas.microsoft.com/office/drawing/2010/main" Requires="a14">
+          <p:sp>
+            <p:nvSpPr>
+              <p:cNvPr id="13" name="TextBox 12">
+                <a:extLst>
+                  <a:ext uri="{FF2B5EF4-FFF2-40B4-BE49-F238E27FC236}">
+                    <a16:creationId xmlns:a16="http://schemas.microsoft.com/office/drawing/2014/main" id="{1112F147-2866-4B47-A3C1-93F6197D486E}"/>
+                  </a:ext>
+                </a:extLst>
+              </p:cNvPr>
+              <p:cNvSpPr txBox="1"/>
+              <p:nvPr/>
+            </p:nvSpPr>
+            <p:spPr>
+              <a:xfrm>
+                <a:off x="5245022" y="1653056"/>
+                <a:ext cx="3776547" cy="898387"/>
+              </a:xfrm>
+              <a:prstGeom prst="rect">
+                <a:avLst/>
+              </a:prstGeom>
+              <a:noFill/>
+            </p:spPr>
+            <p:txBody>
+              <a:bodyPr wrap="none" rtlCol="0">
+                <a:spAutoFit/>
+              </a:bodyPr>
+              <a:lstStyle/>
+              <a:p>
+                <a:pPr/>
+                <a14:m>
+                  <m:oMathPara xmlns:m="http://schemas.openxmlformats.org/officeDocument/2006/math">
+                    <m:oMathParaPr>
+                      <m:jc m:val="centerGroup"/>
+                    </m:oMathParaPr>
+                    <m:oMath xmlns:m="http://schemas.openxmlformats.org/officeDocument/2006/math">
+                      <m:sSub>
+                        <m:sSubPr>
+                          <m:ctrlPr>
+                            <a:rPr lang="ru-RU" sz="2400" i="1" smtClean="0">
+                              <a:effectLst>
+                                <a:outerShdw blurRad="38100" dist="38100" dir="2700000" algn="tl">
+                                  <a:srgbClr val="000000">
+                                    <a:alpha val="43137"/>
+                                  </a:srgbClr>
+                                </a:outerShdw>
+                              </a:effectLst>
+                              <a:latin typeface="Cambria Math" panose="02040503050406030204" pitchFamily="18" charset="0"/>
+                            </a:rPr>
+                          </m:ctrlPr>
+                        </m:sSubPr>
+                        <m:e>
+                          <m:r>
+                            <a:rPr lang="en-US" sz="2400" i="1">
+                              <a:effectLst>
+                                <a:outerShdw blurRad="38100" dist="38100" dir="2700000" algn="tl">
+                                  <a:srgbClr val="000000">
+                                    <a:alpha val="43137"/>
+                                  </a:srgbClr>
+                                </a:outerShdw>
+                              </a:effectLst>
+                              <a:latin typeface="Cambria Math"/>
+                            </a:rPr>
+                            <m:t>𝑡</m:t>
+                          </m:r>
+                        </m:e>
+                        <m:sub>
+                          <m:r>
+                            <a:rPr lang="en-US" sz="2400" i="1">
+                              <a:effectLst>
+                                <a:outerShdw blurRad="38100" dist="38100" dir="2700000" algn="tl">
+                                  <a:srgbClr val="000000">
+                                    <a:alpha val="43137"/>
+                                  </a:srgbClr>
+                                </a:outerShdw>
+                              </a:effectLst>
+                              <a:latin typeface="Cambria Math"/>
+                            </a:rPr>
+                            <m:t>𝑐𝑢𝑡</m:t>
+                          </m:r>
+                        </m:sub>
+                      </m:sSub>
+                      <m:r>
+                        <a:rPr lang="en-US" sz="2400" i="1">
+                          <a:effectLst>
+                            <a:outerShdw blurRad="38100" dist="38100" dir="2700000" algn="tl">
+                              <a:srgbClr val="000000">
+                                <a:alpha val="43137"/>
+                              </a:srgbClr>
+                            </a:outerShdw>
+                          </a:effectLst>
+                          <a:latin typeface="Cambria Math"/>
+                        </a:rPr>
+                        <m:t>=</m:t>
+                      </m:r>
+                      <m:f>
+                        <m:fPr>
+                          <m:ctrlPr>
+                            <a:rPr lang="ru-RU" sz="2400" i="1">
+                              <a:effectLst>
+                                <a:outerShdw blurRad="38100" dist="38100" dir="2700000" algn="tl">
+                                  <a:srgbClr val="000000">
+                                    <a:alpha val="43137"/>
+                                  </a:srgbClr>
+                                </a:outerShdw>
+                              </a:effectLst>
+                              <a:latin typeface="Cambria Math" panose="02040503050406030204" pitchFamily="18" charset="0"/>
+                            </a:rPr>
+                          </m:ctrlPr>
+                        </m:fPr>
+                        <m:num>
+                          <m:sSub>
+                            <m:sSubPr>
+                              <m:ctrlPr>
+                                <a:rPr lang="ru-RU" sz="2400" i="1">
+                                  <a:effectLst>
+                                    <a:outerShdw blurRad="38100" dist="38100" dir="2700000" algn="tl">
+                                      <a:srgbClr val="000000">
+                                        <a:alpha val="43137"/>
+                                      </a:srgbClr>
+                                    </a:outerShdw>
+                                  </a:effectLst>
+                                  <a:latin typeface="Cambria Math" panose="02040503050406030204" pitchFamily="18" charset="0"/>
+                                </a:rPr>
+                              </m:ctrlPr>
+                            </m:sSubPr>
+                            <m:e>
+                              <m:r>
+                                <a:rPr lang="en-US" sz="2400" i="1">
+                                  <a:effectLst>
+                                    <a:outerShdw blurRad="38100" dist="38100" dir="2700000" algn="tl">
+                                      <a:srgbClr val="000000">
+                                        <a:alpha val="43137"/>
+                                      </a:srgbClr>
+                                    </a:outerShdw>
+                                  </a:effectLst>
+                                  <a:latin typeface="Cambria Math"/>
+                                </a:rPr>
+                                <m:t>𝐿</m:t>
+                              </m:r>
+                            </m:e>
+                            <m:sub>
+                              <m:r>
+                                <a:rPr lang="en-US" sz="2400" i="1">
+                                  <a:effectLst>
+                                    <a:outerShdw blurRad="38100" dist="38100" dir="2700000" algn="tl">
+                                      <a:srgbClr val="000000">
+                                        <a:alpha val="43137"/>
+                                      </a:srgbClr>
+                                    </a:outerShdw>
+                                  </a:effectLst>
+                                  <a:latin typeface="Cambria Math"/>
+                                </a:rPr>
+                                <m:t>𝑜𝑓𝑓</m:t>
+                              </m:r>
+                            </m:sub>
+                          </m:sSub>
+                        </m:num>
+                        <m:den>
+                          <m:sSub>
+                            <m:sSubPr>
+                              <m:ctrlPr>
+                                <a:rPr lang="ru-RU" sz="2400" i="1">
+                                  <a:effectLst>
+                                    <a:outerShdw blurRad="38100" dist="38100" dir="2700000" algn="tl">
+                                      <a:srgbClr val="000000">
+                                        <a:alpha val="43137"/>
+                                      </a:srgbClr>
+                                    </a:outerShdw>
+                                  </a:effectLst>
+                                  <a:latin typeface="Cambria Math" panose="02040503050406030204" pitchFamily="18" charset="0"/>
+                                </a:rPr>
+                              </m:ctrlPr>
+                            </m:sSubPr>
+                            <m:e>
+                              <m:r>
+                                <a:rPr lang="en-US" sz="2400" i="1">
+                                  <a:effectLst>
+                                    <a:outerShdw blurRad="38100" dist="38100" dir="2700000" algn="tl">
+                                      <a:srgbClr val="000000">
+                                        <a:alpha val="43137"/>
+                                      </a:srgbClr>
+                                    </a:outerShdw>
+                                  </a:effectLst>
+                                  <a:latin typeface="Cambria Math"/>
+                                </a:rPr>
+                                <m:t>𝑉</m:t>
+                              </m:r>
+                            </m:e>
+                            <m:sub>
+                              <m:r>
+                                <a:rPr lang="en-US" sz="2400" i="1">
+                                  <a:effectLst>
+                                    <a:outerShdw blurRad="38100" dist="38100" dir="2700000" algn="tl">
+                                      <a:srgbClr val="000000">
+                                        <a:alpha val="43137"/>
+                                      </a:srgbClr>
+                                    </a:outerShdw>
+                                  </a:effectLst>
+                                  <a:latin typeface="Cambria Math"/>
+                                </a:rPr>
+                                <m:t>𝑜𝑓𝑓</m:t>
+                              </m:r>
+                            </m:sub>
+                          </m:sSub>
+                        </m:den>
+                      </m:f>
+                      <m:r>
+                        <m:rPr>
+                          <m:nor/>
+                        </m:rPr>
+                        <a:rPr lang="en-US" sz="2400" dirty="0">
+                          <a:effectLst>
+                            <a:outerShdw blurRad="38100" dist="38100" dir="2700000" algn="tl">
+                              <a:srgbClr val="000000">
+                                <a:alpha val="43137"/>
+                              </a:srgbClr>
+                            </a:outerShdw>
+                          </a:effectLst>
+                        </a:rPr>
+                        <m:t>+</m:t>
+                      </m:r>
+                      <m:r>
+                        <m:rPr>
+                          <m:nor/>
+                        </m:rPr>
+                        <a:rPr lang="ru-RU" sz="2400" dirty="0">
+                          <a:effectLst>
+                            <a:outerShdw blurRad="38100" dist="38100" dir="2700000" algn="tl">
+                              <a:srgbClr val="000000">
+                                <a:alpha val="43137"/>
+                              </a:srgbClr>
+                            </a:outerShdw>
+                          </a:effectLst>
+                        </a:rPr>
+                        <m:t> </m:t>
+                      </m:r>
+                      <m:f>
+                        <m:fPr>
+                          <m:ctrlPr>
+                            <a:rPr lang="ru-RU" sz="2400" i="1">
+                              <a:effectLst>
+                                <a:outerShdw blurRad="38100" dist="38100" dir="2700000" algn="tl">
+                                  <a:srgbClr val="000000">
+                                    <a:alpha val="43137"/>
+                                  </a:srgbClr>
+                                </a:outerShdw>
+                              </a:effectLst>
+                              <a:latin typeface="Cambria Math" panose="02040503050406030204" pitchFamily="18" charset="0"/>
+                            </a:rPr>
+                          </m:ctrlPr>
+                        </m:fPr>
+                        <m:num>
+                          <m:sSub>
+                            <m:sSubPr>
+                              <m:ctrlPr>
+                                <a:rPr lang="ru-RU" sz="2400" i="1">
+                                  <a:effectLst>
+                                    <a:outerShdw blurRad="38100" dist="38100" dir="2700000" algn="tl">
+                                      <a:srgbClr val="000000">
+                                        <a:alpha val="43137"/>
+                                      </a:srgbClr>
+                                    </a:outerShdw>
+                                  </a:effectLst>
+                                  <a:latin typeface="Cambria Math" panose="02040503050406030204" pitchFamily="18" charset="0"/>
+                                </a:rPr>
+                              </m:ctrlPr>
+                            </m:sSubPr>
+                            <m:e>
+                              <m:r>
+                                <a:rPr lang="en-US" sz="2400" i="1">
+                                  <a:effectLst>
+                                    <a:outerShdw blurRad="38100" dist="38100" dir="2700000" algn="tl">
+                                      <a:srgbClr val="000000">
+                                        <a:alpha val="43137"/>
+                                      </a:srgbClr>
+                                    </a:outerShdw>
+                                  </a:effectLst>
+                                  <a:latin typeface="Cambria Math"/>
+                                </a:rPr>
+                                <m:t>𝐿</m:t>
+                              </m:r>
+                            </m:e>
+                            <m:sub>
+                              <m:r>
+                                <a:rPr lang="en-US" sz="2400" i="1">
+                                  <a:effectLst>
+                                    <a:outerShdw blurRad="38100" dist="38100" dir="2700000" algn="tl">
+                                      <a:srgbClr val="000000">
+                                        <a:alpha val="43137"/>
+                                      </a:srgbClr>
+                                    </a:outerShdw>
+                                  </a:effectLst>
+                                  <a:latin typeface="Cambria Math"/>
+                                </a:rPr>
+                                <m:t>𝑜𝑛</m:t>
+                              </m:r>
+                            </m:sub>
+                          </m:sSub>
+                        </m:num>
+                        <m:den>
+                          <m:sSub>
+                            <m:sSubPr>
+                              <m:ctrlPr>
+                                <a:rPr lang="ru-RU" sz="2400" i="1">
+                                  <a:effectLst>
+                                    <a:outerShdw blurRad="38100" dist="38100" dir="2700000" algn="tl">
+                                      <a:srgbClr val="000000">
+                                        <a:alpha val="43137"/>
+                                      </a:srgbClr>
+                                    </a:outerShdw>
+                                  </a:effectLst>
+                                  <a:latin typeface="Cambria Math" panose="02040503050406030204" pitchFamily="18" charset="0"/>
+                                </a:rPr>
+                              </m:ctrlPr>
+                            </m:sSubPr>
+                            <m:e>
+                              <m:r>
+                                <a:rPr lang="en-US" sz="2400" i="1">
+                                  <a:effectLst>
+                                    <a:outerShdw blurRad="38100" dist="38100" dir="2700000" algn="tl">
+                                      <a:srgbClr val="000000">
+                                        <a:alpha val="43137"/>
+                                      </a:srgbClr>
+                                    </a:outerShdw>
+                                  </a:effectLst>
+                                  <a:latin typeface="Cambria Math"/>
+                                </a:rPr>
+                                <m:t>𝑉</m:t>
+                              </m:r>
+                            </m:e>
+                            <m:sub>
+                              <m:r>
+                                <a:rPr lang="en-US" sz="2400" i="1">
+                                  <a:effectLst>
+                                    <a:outerShdw blurRad="38100" dist="38100" dir="2700000" algn="tl">
+                                      <a:srgbClr val="000000">
+                                        <a:alpha val="43137"/>
+                                      </a:srgbClr>
+                                    </a:outerShdw>
+                                  </a:effectLst>
+                                  <a:latin typeface="Cambria Math"/>
+                                </a:rPr>
+                                <m:t>𝑜𝑛</m:t>
+                              </m:r>
+                            </m:sub>
+                          </m:sSub>
+                        </m:den>
+                      </m:f>
+                      <m:r>
+                        <a:rPr lang="en-US" sz="2400" i="1">
+                          <a:effectLst>
+                            <a:outerShdw blurRad="38100" dist="38100" dir="2700000" algn="tl">
+                              <a:srgbClr val="000000">
+                                <a:alpha val="43137"/>
+                              </a:srgbClr>
+                            </a:outerShdw>
+                          </a:effectLst>
+                          <a:latin typeface="Cambria Math"/>
+                        </a:rPr>
+                        <m:t>+</m:t>
+                      </m:r>
+                      <m:sSub>
+                        <m:sSubPr>
+                          <m:ctrlPr>
+                            <a:rPr lang="en-US" sz="2400" i="1">
+                              <a:effectLst>
+                                <a:outerShdw blurRad="38100" dist="38100" dir="2700000" algn="tl">
+                                  <a:srgbClr val="000000">
+                                    <a:alpha val="43137"/>
+                                  </a:srgbClr>
+                                </a:outerShdw>
+                              </a:effectLst>
+                              <a:latin typeface="Cambria Math" panose="02040503050406030204" pitchFamily="18" charset="0"/>
+                            </a:rPr>
+                          </m:ctrlPr>
+                        </m:sSubPr>
+                        <m:e>
+                          <m:r>
+                            <a:rPr lang="en-US" sz="2400" i="1">
+                              <a:effectLst>
+                                <a:outerShdw blurRad="38100" dist="38100" dir="2700000" algn="tl">
+                                  <a:srgbClr val="000000">
+                                    <a:alpha val="43137"/>
+                                  </a:srgbClr>
+                                </a:outerShdw>
+                              </a:effectLst>
+                              <a:latin typeface="Cambria Math"/>
+                            </a:rPr>
+                            <m:t>𝑁</m:t>
+                          </m:r>
+                        </m:e>
+                        <m:sub>
+                          <m:r>
+                            <a:rPr lang="en-US" sz="2400" i="1">
+                              <a:effectLst>
+                                <a:outerShdw blurRad="38100" dist="38100" dir="2700000" algn="tl">
+                                  <a:srgbClr val="000000">
+                                    <a:alpha val="43137"/>
+                                  </a:srgbClr>
+                                </a:outerShdw>
+                              </a:effectLst>
+                              <a:latin typeface="Cambria Math"/>
+                            </a:rPr>
+                            <m:t>𝑝𝑡</m:t>
+                          </m:r>
+                        </m:sub>
+                      </m:sSub>
+                      <m:sSub>
+                        <m:sSubPr>
+                          <m:ctrlPr>
+                            <a:rPr lang="en-US" sz="2400" i="1">
+                              <a:effectLst>
+                                <a:outerShdw blurRad="38100" dist="38100" dir="2700000" algn="tl">
+                                  <a:srgbClr val="000000">
+                                    <a:alpha val="43137"/>
+                                  </a:srgbClr>
+                                </a:outerShdw>
+                              </a:effectLst>
+                              <a:latin typeface="Cambria Math" panose="02040503050406030204" pitchFamily="18" charset="0"/>
+                            </a:rPr>
+                          </m:ctrlPr>
+                        </m:sSubPr>
+                        <m:e>
+                          <m:r>
+                            <a:rPr lang="en-US" sz="2400" i="1">
+                              <a:effectLst>
+                                <a:outerShdw blurRad="38100" dist="38100" dir="2700000" algn="tl">
+                                  <a:srgbClr val="000000">
+                                    <a:alpha val="43137"/>
+                                  </a:srgbClr>
+                                </a:outerShdw>
+                              </a:effectLst>
+                              <a:latin typeface="Cambria Math"/>
+                            </a:rPr>
+                            <m:t>𝑡</m:t>
+                          </m:r>
+                        </m:e>
+                        <m:sub>
+                          <m:r>
+                            <a:rPr lang="en-US" sz="2400" i="1">
+                              <a:effectLst>
+                                <a:outerShdw blurRad="38100" dist="38100" dir="2700000" algn="tl">
+                                  <a:srgbClr val="000000">
+                                    <a:alpha val="43137"/>
+                                  </a:srgbClr>
+                                </a:outerShdw>
+                              </a:effectLst>
+                              <a:latin typeface="Cambria Math"/>
+                            </a:rPr>
+                            <m:t>𝑝𝑡</m:t>
+                          </m:r>
+                        </m:sub>
+                      </m:sSub>
+                    </m:oMath>
+                  </m:oMathPara>
+                </a14:m>
+                <a:endParaRPr lang="ru-RU" sz="2400" dirty="0">
+                  <a:effectLst>
+                    <a:outerShdw blurRad="38100" dist="38100" dir="2700000" algn="tl">
+                      <a:srgbClr val="000000">
+                        <a:alpha val="43137"/>
+                      </a:srgbClr>
+                    </a:outerShdw>
+                  </a:effectLst>
+                </a:endParaRPr>
+              </a:p>
+            </p:txBody>
+          </p:sp>
+        </mc:Choice>
+        <mc:Fallback>
+          <p:sp>
+            <p:nvSpPr>
+              <p:cNvPr id="13" name="TextBox 12">
+                <a:extLst>
+                  <a:ext uri="{FF2B5EF4-FFF2-40B4-BE49-F238E27FC236}">
+                    <a16:creationId xmlns:a16="http://schemas.microsoft.com/office/drawing/2014/main" id="{1112F147-2866-4B47-A3C1-93F6197D486E}"/>
+                  </a:ext>
+                </a:extLst>
+              </p:cNvPr>
+              <p:cNvSpPr txBox="1">
+                <a:spLocks noRot="1" noChangeAspect="1" noMove="1" noResize="1" noEditPoints="1" noAdjustHandles="1" noChangeArrowheads="1" noChangeShapeType="1" noTextEdit="1"/>
+              </p:cNvSpPr>
+              <p:nvPr/>
+            </p:nvSpPr>
+            <p:spPr>
+              <a:xfrm>
+                <a:off x="5245022" y="1653056"/>
+                <a:ext cx="3776547" cy="898387"/>
+              </a:xfrm>
+              <a:prstGeom prst="rect">
+                <a:avLst/>
+              </a:prstGeom>
+              <a:blipFill>
+                <a:blip r:embed="rId4"/>
+                <a:stretch>
+                  <a:fillRect/>
+                </a:stretch>
+              </a:blipFill>
+            </p:spPr>
+            <p:txBody>
+              <a:bodyPr/>
+              <a:lstStyle/>
+              <a:p>
+                <a:r>
+                  <a:rPr lang="ru-RU">
+                    <a:noFill/>
+                  </a:rPr>
+                  <a:t> </a:t>
+                </a:r>
+              </a:p>
+            </p:txBody>
+          </p:sp>
+        </mc:Fallback>
+      </mc:AlternateContent>
+      <p:sp>
+        <p:nvSpPr>
+          <p:cNvPr id="14" name="TextBox 13">
+            <a:extLst>
+              <a:ext uri="{FF2B5EF4-FFF2-40B4-BE49-F238E27FC236}">
+                <a16:creationId xmlns:a16="http://schemas.microsoft.com/office/drawing/2014/main" id="{C8538FEA-C6D0-47BD-986F-590424C031BF}"/>
+              </a:ext>
+            </a:extLst>
+          </p:cNvPr>
+          <p:cNvSpPr txBox="1"/>
+          <p:nvPr/>
+        </p:nvSpPr>
+        <p:spPr>
+          <a:xfrm>
+            <a:off x="5197670" y="1186015"/>
+            <a:ext cx="3933935" cy="369332"/>
+          </a:xfrm>
+          <a:prstGeom prst="rect">
+            <a:avLst/>
+          </a:prstGeom>
+          <a:noFill/>
+        </p:spPr>
+        <p:txBody>
+          <a:bodyPr wrap="square" rtlCol="0">
+            <a:spAutoFit/>
+          </a:bodyPr>
+          <a:lstStyle/>
+          <a:p>
+            <a:pPr algn="ctr"/>
+            <a:r>
+              <a:rPr lang="en-US" dirty="0"/>
+              <a:t>Cutting time</a:t>
+            </a:r>
+          </a:p>
+        </p:txBody>
+      </p:sp>
+      <p:pic>
+        <p:nvPicPr>
+          <p:cNvPr id="15" name="Picture 2">
+            <a:extLst>
+              <a:ext uri="{FF2B5EF4-FFF2-40B4-BE49-F238E27FC236}">
+                <a16:creationId xmlns:a16="http://schemas.microsoft.com/office/drawing/2014/main" id="{6A1F93CC-1F85-4003-B464-04763635C688}"/>
+              </a:ext>
+            </a:extLst>
+          </p:cNvPr>
+          <p:cNvPicPr>
+            <a:picLocks noChangeAspect="1" noChangeArrowheads="1"/>
+          </p:cNvPicPr>
+          <p:nvPr/>
+        </p:nvPicPr>
+        <p:blipFill>
+          <a:blip r:embed="rId5" cstate="print"/>
+          <a:srcRect/>
+          <a:stretch>
+            <a:fillRect/>
+          </a:stretch>
+        </p:blipFill>
+        <p:spPr bwMode="auto">
+          <a:xfrm>
+            <a:off x="4049741" y="3356992"/>
+            <a:ext cx="4822253" cy="3212083"/>
           </a:xfrm>
           <a:prstGeom prst="rect">
             <a:avLst/>
@@ -5254,12 +9844,619 @@
           </a:ln>
         </p:spPr>
       </p:pic>
+    </p:spTree>
+    <p:extLst>
+      <p:ext uri="{BB962C8B-B14F-4D97-AF65-F5344CB8AC3E}">
+        <p14:creationId xmlns:p14="http://schemas.microsoft.com/office/powerpoint/2010/main" val="4115641683"/>
+      </p:ext>
+    </p:extLst>
+  </p:cSld>
+  <p:clrMapOvr>
+    <a:masterClrMapping/>
+  </p:clrMapOvr>
+</p:sld>
+</file>
+
+<file path=ppt/slides/slide6.xml><?xml version="1.0" encoding="utf-8"?>
+<p:sld xmlns:a="http://schemas.openxmlformats.org/drawingml/2006/main" xmlns:r="http://schemas.openxmlformats.org/officeDocument/2006/relationships" xmlns:p="http://schemas.openxmlformats.org/presentationml/2006/main">
+  <p:cSld>
+    <p:spTree>
+      <p:nvGrpSpPr>
+        <p:cNvPr id="1" name=""/>
+        <p:cNvGrpSpPr/>
+        <p:nvPr/>
+      </p:nvGrpSpPr>
+      <p:grpSpPr>
+        <a:xfrm>
+          <a:off x="0" y="0"/>
+          <a:ext cx="0" cy="0"/>
+          <a:chOff x="0" y="0"/>
+          <a:chExt cx="0" cy="0"/>
+        </a:xfrm>
+      </p:grpSpPr>
+      <p:pic>
+        <p:nvPicPr>
+          <p:cNvPr id="2" name="Picture 2" descr="F:\Users\Алекс\Desktop\urfu_logo_en.png"/>
+          <p:cNvPicPr>
+            <a:picLocks noChangeAspect="1" noChangeArrowheads="1"/>
+          </p:cNvPicPr>
+          <p:nvPr/>
+        </p:nvPicPr>
+        <p:blipFill>
+          <a:blip r:embed="rId2" cstate="print">
+            <a:extLst>
+              <a:ext uri="{28A0092B-C50C-407E-A947-70E740481C1C}">
+                <a14:useLocalDpi xmlns:a14="http://schemas.microsoft.com/office/drawing/2010/main" val="0"/>
+              </a:ext>
+            </a:extLst>
+          </a:blip>
+          <a:srcRect/>
+          <a:stretch>
+            <a:fillRect/>
+          </a:stretch>
+        </p:blipFill>
+        <p:spPr bwMode="auto">
+          <a:xfrm>
+            <a:off x="0" y="0"/>
+            <a:ext cx="2133600" cy="1085850"/>
+          </a:xfrm>
+          <a:prstGeom prst="rect">
+            <a:avLst/>
+          </a:prstGeom>
+          <a:noFill/>
+          <a:ln w="9525">
+            <a:noFill/>
+            <a:prstDash val="sysDash"/>
+            <a:miter lim="800000"/>
+            <a:headEnd/>
+            <a:tailEnd/>
+          </a:ln>
+          <a:extLst>
+            <a:ext uri="{909E8E84-426E-40DD-AFC4-6F175D3DCCD1}">
+              <a14:hiddenFill xmlns:a14="http://schemas.microsoft.com/office/drawing/2010/main">
+                <a:solidFill>
+                  <a:srgbClr val="FFFFFF"/>
+                </a:solidFill>
+              </a14:hiddenFill>
+            </a:ext>
+          </a:extLst>
+        </p:spPr>
+      </p:pic>
       <p:sp>
         <p:nvSpPr>
-          <p:cNvPr id="12" name="TextBox 11">
+          <p:cNvPr id="3" name="TextBox 2"/>
+          <p:cNvSpPr txBox="1"/>
+          <p:nvPr/>
+        </p:nvSpPr>
+        <p:spPr>
+          <a:xfrm>
+            <a:off x="2051720" y="219759"/>
+            <a:ext cx="6840760" cy="646331"/>
+          </a:xfrm>
+          <a:prstGeom prst="rect">
+            <a:avLst/>
+          </a:prstGeom>
+          <a:noFill/>
+        </p:spPr>
+        <p:txBody>
+          <a:bodyPr wrap="square" rtlCol="0">
+            <a:spAutoFit/>
+            <a:scene3d>
+              <a:camera prst="orthographicFront"/>
+              <a:lightRig rig="soft" dir="tl">
+                <a:rot lat="0" lon="0" rev="0"/>
+              </a:lightRig>
+            </a:scene3d>
+            <a:sp3d contourW="25400" prstMaterial="matte">
+              <a:bevelT w="25400" h="55880" prst="artDeco"/>
+              <a:contourClr>
+                <a:schemeClr val="accent2">
+                  <a:tint val="20000"/>
+                </a:schemeClr>
+              </a:contourClr>
+            </a:sp3d>
+          </a:bodyPr>
+          <a:lstStyle/>
+          <a:p>
+            <a:pPr algn="r"/>
+            <a:r>
+              <a:rPr lang="en-US" sz="3600" b="1" spc="50" dirty="0">
+                <a:ln w="11430"/>
+                <a:gradFill>
+                  <a:gsLst>
+                    <a:gs pos="25000">
+                      <a:schemeClr val="accent2">
+                        <a:satMod val="155000"/>
+                      </a:schemeClr>
+                    </a:gs>
+                    <a:gs pos="100000">
+                      <a:schemeClr val="accent2">
+                        <a:shade val="45000"/>
+                        <a:satMod val="165000"/>
+                      </a:schemeClr>
+                    </a:gs>
+                  </a:gsLst>
+                  <a:lin ang="5400000"/>
+                </a:gradFill>
+                <a:effectLst>
+                  <a:outerShdw blurRad="76200" dist="50800" dir="5400000" algn="tl" rotWithShape="0">
+                    <a:srgbClr val="000000">
+                      <a:alpha val="65000"/>
+                    </a:srgbClr>
+                  </a:outerShdw>
+                </a:effectLst>
+              </a:rPr>
+              <a:t>Continuous Cutting Problem</a:t>
+            </a:r>
+            <a:endParaRPr lang="ru-RU" sz="3600" b="1" spc="50" dirty="0">
+              <a:ln w="11430"/>
+              <a:gradFill>
+                <a:gsLst>
+                  <a:gs pos="25000">
+                    <a:schemeClr val="accent2">
+                      <a:satMod val="155000"/>
+                    </a:schemeClr>
+                  </a:gs>
+                  <a:gs pos="100000">
+                    <a:schemeClr val="accent2">
+                      <a:shade val="45000"/>
+                      <a:satMod val="165000"/>
+                    </a:schemeClr>
+                  </a:gs>
+                </a:gsLst>
+                <a:lin ang="5400000"/>
+              </a:gradFill>
+              <a:effectLst>
+                <a:outerShdw blurRad="76200" dist="50800" dir="5400000" algn="tl" rotWithShape="0">
+                  <a:srgbClr val="000000">
+                    <a:alpha val="65000"/>
+                  </a:srgbClr>
+                </a:outerShdw>
+              </a:effectLst>
+            </a:endParaRPr>
+          </a:p>
+        </p:txBody>
+      </p:sp>
+      <p:sp>
+        <p:nvSpPr>
+          <p:cNvPr id="4" name="Прямоугольник: скругленные углы 3">
             <a:extLst>
               <a:ext uri="{FF2B5EF4-FFF2-40B4-BE49-F238E27FC236}">
-                <a16:creationId xmlns:a16="http://schemas.microsoft.com/office/drawing/2014/main" id="{B9504A77-FB15-45BE-9552-B41EC3091669}"/>
+                <a16:creationId xmlns:a16="http://schemas.microsoft.com/office/drawing/2014/main" id="{5FA6FCD4-E3A0-4A6A-BC7C-F7DC45E20E2F}"/>
+              </a:ext>
+            </a:extLst>
+          </p:cNvPr>
+          <p:cNvSpPr/>
+          <p:nvPr/>
+        </p:nvSpPr>
+        <p:spPr>
+          <a:xfrm>
+            <a:off x="1190657" y="1746512"/>
+            <a:ext cx="1371600" cy="1944216"/>
+          </a:xfrm>
+          <a:prstGeom prst="roundRect">
+            <a:avLst/>
+          </a:prstGeom>
+          <a:solidFill>
+            <a:schemeClr val="accent3">
+              <a:lumMod val="60000"/>
+              <a:lumOff val="40000"/>
+            </a:schemeClr>
+          </a:solidFill>
+          <a:ln w="28575">
+            <a:solidFill>
+              <a:srgbClr val="7030A0"/>
+            </a:solidFill>
+          </a:ln>
+        </p:spPr>
+        <p:style>
+          <a:lnRef idx="2">
+            <a:schemeClr val="accent1">
+              <a:shade val="50000"/>
+            </a:schemeClr>
+          </a:lnRef>
+          <a:fillRef idx="1">
+            <a:schemeClr val="accent1"/>
+          </a:fillRef>
+          <a:effectRef idx="0">
+            <a:schemeClr val="accent1"/>
+          </a:effectRef>
+          <a:fontRef idx="minor">
+            <a:schemeClr val="lt1"/>
+          </a:fontRef>
+        </p:style>
+        <p:txBody>
+          <a:bodyPr rtlCol="0" anchor="ctr"/>
+          <a:lstStyle/>
+          <a:p>
+            <a:pPr algn="ctr"/>
+            <a:endParaRPr lang="ru-RU"/>
+          </a:p>
+        </p:txBody>
+      </p:sp>
+      <p:sp>
+        <p:nvSpPr>
+          <p:cNvPr id="5" name="Овал 4">
+            <a:extLst>
+              <a:ext uri="{FF2B5EF4-FFF2-40B4-BE49-F238E27FC236}">
+                <a16:creationId xmlns:a16="http://schemas.microsoft.com/office/drawing/2014/main" id="{86EDA887-8565-4AD9-961D-088A24248DC0}"/>
+              </a:ext>
+            </a:extLst>
+          </p:cNvPr>
+          <p:cNvSpPr/>
+          <p:nvPr/>
+        </p:nvSpPr>
+        <p:spPr>
+          <a:xfrm>
+            <a:off x="1506130" y="1844824"/>
+            <a:ext cx="740654" cy="740654"/>
+          </a:xfrm>
+          <a:prstGeom prst="ellipse">
+            <a:avLst/>
+          </a:prstGeom>
+          <a:solidFill>
+            <a:schemeClr val="bg1"/>
+          </a:solidFill>
+          <a:ln w="28575">
+            <a:solidFill>
+              <a:srgbClr val="7030A0"/>
+            </a:solidFill>
+          </a:ln>
+        </p:spPr>
+        <p:style>
+          <a:lnRef idx="2">
+            <a:schemeClr val="accent1">
+              <a:shade val="50000"/>
+            </a:schemeClr>
+          </a:lnRef>
+          <a:fillRef idx="1">
+            <a:schemeClr val="accent1"/>
+          </a:fillRef>
+          <a:effectRef idx="0">
+            <a:schemeClr val="accent1"/>
+          </a:effectRef>
+          <a:fontRef idx="minor">
+            <a:schemeClr val="lt1"/>
+          </a:fontRef>
+        </p:style>
+        <p:txBody>
+          <a:bodyPr rtlCol="0" anchor="ctr"/>
+          <a:lstStyle/>
+          <a:p>
+            <a:pPr algn="ctr"/>
+            <a:endParaRPr lang="ru-RU"/>
+          </a:p>
+        </p:txBody>
+      </p:sp>
+      <p:sp>
+        <p:nvSpPr>
+          <p:cNvPr id="6" name="Овал 5">
+            <a:extLst>
+              <a:ext uri="{FF2B5EF4-FFF2-40B4-BE49-F238E27FC236}">
+                <a16:creationId xmlns:a16="http://schemas.microsoft.com/office/drawing/2014/main" id="{633063F4-9942-4952-B722-53E6DB39E646}"/>
+              </a:ext>
+            </a:extLst>
+          </p:cNvPr>
+          <p:cNvSpPr/>
+          <p:nvPr/>
+        </p:nvSpPr>
+        <p:spPr>
+          <a:xfrm>
+            <a:off x="1529874" y="2789496"/>
+            <a:ext cx="740654" cy="740654"/>
+          </a:xfrm>
+          <a:prstGeom prst="ellipse">
+            <a:avLst/>
+          </a:prstGeom>
+          <a:solidFill>
+            <a:schemeClr val="bg1"/>
+          </a:solidFill>
+          <a:ln w="28575">
+            <a:solidFill>
+              <a:srgbClr val="7030A0"/>
+            </a:solidFill>
+          </a:ln>
+        </p:spPr>
+        <p:style>
+          <a:lnRef idx="2">
+            <a:schemeClr val="accent1">
+              <a:shade val="50000"/>
+            </a:schemeClr>
+          </a:lnRef>
+          <a:fillRef idx="1">
+            <a:schemeClr val="accent1"/>
+          </a:fillRef>
+          <a:effectRef idx="0">
+            <a:schemeClr val="accent1"/>
+          </a:effectRef>
+          <a:fontRef idx="minor">
+            <a:schemeClr val="lt1"/>
+          </a:fontRef>
+        </p:style>
+        <p:txBody>
+          <a:bodyPr rtlCol="0" anchor="ctr"/>
+          <a:lstStyle/>
+          <a:p>
+            <a:pPr algn="ctr"/>
+            <a:endParaRPr lang="ru-RU"/>
+          </a:p>
+        </p:txBody>
+      </p:sp>
+      <p:sp>
+        <p:nvSpPr>
+          <p:cNvPr id="7" name="Равнобедренный треугольник 6">
+            <a:extLst>
+              <a:ext uri="{FF2B5EF4-FFF2-40B4-BE49-F238E27FC236}">
+                <a16:creationId xmlns:a16="http://schemas.microsoft.com/office/drawing/2014/main" id="{D9FA8C25-7932-45DD-A000-028A6C573DBA}"/>
+              </a:ext>
+            </a:extLst>
+          </p:cNvPr>
+          <p:cNvSpPr/>
+          <p:nvPr/>
+        </p:nvSpPr>
+        <p:spPr>
+          <a:xfrm>
+            <a:off x="1691680" y="1978958"/>
+            <a:ext cx="360040" cy="441930"/>
+          </a:xfrm>
+          <a:prstGeom prst="triangle">
+            <a:avLst/>
+          </a:prstGeom>
+          <a:solidFill>
+            <a:schemeClr val="accent3">
+              <a:lumMod val="60000"/>
+              <a:lumOff val="40000"/>
+            </a:schemeClr>
+          </a:solidFill>
+          <a:ln w="28575">
+            <a:solidFill>
+              <a:srgbClr val="7030A0"/>
+            </a:solidFill>
+          </a:ln>
+        </p:spPr>
+        <p:style>
+          <a:lnRef idx="2">
+            <a:schemeClr val="accent1">
+              <a:shade val="50000"/>
+            </a:schemeClr>
+          </a:lnRef>
+          <a:fillRef idx="1">
+            <a:schemeClr val="accent1"/>
+          </a:fillRef>
+          <a:effectRef idx="0">
+            <a:schemeClr val="accent1"/>
+          </a:effectRef>
+          <a:fontRef idx="minor">
+            <a:schemeClr val="lt1"/>
+          </a:fontRef>
+        </p:style>
+        <p:txBody>
+          <a:bodyPr rtlCol="0" anchor="ctr"/>
+          <a:lstStyle/>
+          <a:p>
+            <a:pPr algn="ctr"/>
+            <a:endParaRPr lang="ru-RU"/>
+          </a:p>
+        </p:txBody>
+      </p:sp>
+      <p:sp>
+        <p:nvSpPr>
+          <p:cNvPr id="9" name="Полилиния: фигура 8">
+            <a:extLst>
+              <a:ext uri="{FF2B5EF4-FFF2-40B4-BE49-F238E27FC236}">
+                <a16:creationId xmlns:a16="http://schemas.microsoft.com/office/drawing/2014/main" id="{D3324D52-03BF-42CD-9182-8595DCF9E375}"/>
+              </a:ext>
+            </a:extLst>
+          </p:cNvPr>
+          <p:cNvSpPr/>
+          <p:nvPr/>
+        </p:nvSpPr>
+        <p:spPr>
+          <a:xfrm>
+            <a:off x="1190657" y="1746513"/>
+            <a:ext cx="2301343" cy="2710506"/>
+          </a:xfrm>
+          <a:custGeom>
+            <a:avLst/>
+            <a:gdLst>
+              <a:gd name="connsiteX0" fmla="*/ 1028700 w 1743075"/>
+              <a:gd name="connsiteY0" fmla="*/ 0 h 1924050"/>
+              <a:gd name="connsiteX1" fmla="*/ 1733550 w 1743075"/>
+              <a:gd name="connsiteY1" fmla="*/ 19050 h 1924050"/>
+              <a:gd name="connsiteX2" fmla="*/ 1743075 w 1743075"/>
+              <a:gd name="connsiteY2" fmla="*/ 1924050 h 1924050"/>
+              <a:gd name="connsiteX3" fmla="*/ 0 w 1743075"/>
+              <a:gd name="connsiteY3" fmla="*/ 1924050 h 1924050"/>
+              <a:gd name="connsiteX4" fmla="*/ 0 w 1743075"/>
+              <a:gd name="connsiteY4" fmla="*/ 1466850 h 1924050"/>
+              <a:gd name="connsiteX5" fmla="*/ 1076325 w 1743075"/>
+              <a:gd name="connsiteY5" fmla="*/ 1476375 h 1924050"/>
+              <a:gd name="connsiteX6" fmla="*/ 1028700 w 1743075"/>
+              <a:gd name="connsiteY6" fmla="*/ 0 h 1924050"/>
+              <a:gd name="connsiteX0" fmla="*/ 1042035 w 1743075"/>
+              <a:gd name="connsiteY0" fmla="*/ 0 h 1985010"/>
+              <a:gd name="connsiteX1" fmla="*/ 1733550 w 1743075"/>
+              <a:gd name="connsiteY1" fmla="*/ 80010 h 1985010"/>
+              <a:gd name="connsiteX2" fmla="*/ 1743075 w 1743075"/>
+              <a:gd name="connsiteY2" fmla="*/ 1985010 h 1985010"/>
+              <a:gd name="connsiteX3" fmla="*/ 0 w 1743075"/>
+              <a:gd name="connsiteY3" fmla="*/ 1985010 h 1985010"/>
+              <a:gd name="connsiteX4" fmla="*/ 0 w 1743075"/>
+              <a:gd name="connsiteY4" fmla="*/ 1527810 h 1985010"/>
+              <a:gd name="connsiteX5" fmla="*/ 1076325 w 1743075"/>
+              <a:gd name="connsiteY5" fmla="*/ 1537335 h 1985010"/>
+              <a:gd name="connsiteX6" fmla="*/ 1042035 w 1743075"/>
+              <a:gd name="connsiteY6" fmla="*/ 0 h 1985010"/>
+              <a:gd name="connsiteX0" fmla="*/ 1042035 w 1743075"/>
+              <a:gd name="connsiteY0" fmla="*/ 3810 h 1988820"/>
+              <a:gd name="connsiteX1" fmla="*/ 1613535 w 1743075"/>
+              <a:gd name="connsiteY1" fmla="*/ 0 h 1988820"/>
+              <a:gd name="connsiteX2" fmla="*/ 1743075 w 1743075"/>
+              <a:gd name="connsiteY2" fmla="*/ 1988820 h 1988820"/>
+              <a:gd name="connsiteX3" fmla="*/ 0 w 1743075"/>
+              <a:gd name="connsiteY3" fmla="*/ 1988820 h 1988820"/>
+              <a:gd name="connsiteX4" fmla="*/ 0 w 1743075"/>
+              <a:gd name="connsiteY4" fmla="*/ 1531620 h 1988820"/>
+              <a:gd name="connsiteX5" fmla="*/ 1076325 w 1743075"/>
+              <a:gd name="connsiteY5" fmla="*/ 1541145 h 1988820"/>
+              <a:gd name="connsiteX6" fmla="*/ 1042035 w 1743075"/>
+              <a:gd name="connsiteY6" fmla="*/ 3810 h 1988820"/>
+              <a:gd name="connsiteX0" fmla="*/ 1042035 w 1613535"/>
+              <a:gd name="connsiteY0" fmla="*/ 3810 h 2053590"/>
+              <a:gd name="connsiteX1" fmla="*/ 1613535 w 1613535"/>
+              <a:gd name="connsiteY1" fmla="*/ 0 h 2053590"/>
+              <a:gd name="connsiteX2" fmla="*/ 1613535 w 1613535"/>
+              <a:gd name="connsiteY2" fmla="*/ 2053590 h 2053590"/>
+              <a:gd name="connsiteX3" fmla="*/ 0 w 1613535"/>
+              <a:gd name="connsiteY3" fmla="*/ 1988820 h 2053590"/>
+              <a:gd name="connsiteX4" fmla="*/ 0 w 1613535"/>
+              <a:gd name="connsiteY4" fmla="*/ 1531620 h 2053590"/>
+              <a:gd name="connsiteX5" fmla="*/ 1076325 w 1613535"/>
+              <a:gd name="connsiteY5" fmla="*/ 1541145 h 2053590"/>
+              <a:gd name="connsiteX6" fmla="*/ 1042035 w 1613535"/>
+              <a:gd name="connsiteY6" fmla="*/ 3810 h 2053590"/>
+              <a:gd name="connsiteX0" fmla="*/ 1042035 w 1613535"/>
+              <a:gd name="connsiteY0" fmla="*/ 3810 h 2053590"/>
+              <a:gd name="connsiteX1" fmla="*/ 1613535 w 1613535"/>
+              <a:gd name="connsiteY1" fmla="*/ 0 h 2053590"/>
+              <a:gd name="connsiteX2" fmla="*/ 1613535 w 1613535"/>
+              <a:gd name="connsiteY2" fmla="*/ 2053590 h 2053590"/>
+              <a:gd name="connsiteX3" fmla="*/ 13335 w 1613535"/>
+              <a:gd name="connsiteY3" fmla="*/ 2053590 h 2053590"/>
+              <a:gd name="connsiteX4" fmla="*/ 0 w 1613535"/>
+              <a:gd name="connsiteY4" fmla="*/ 1531620 h 2053590"/>
+              <a:gd name="connsiteX5" fmla="*/ 1076325 w 1613535"/>
+              <a:gd name="connsiteY5" fmla="*/ 1541145 h 2053590"/>
+              <a:gd name="connsiteX6" fmla="*/ 1042035 w 1613535"/>
+              <a:gd name="connsiteY6" fmla="*/ 3810 h 2053590"/>
+              <a:gd name="connsiteX0" fmla="*/ 1028700 w 1600200"/>
+              <a:gd name="connsiteY0" fmla="*/ 3810 h 2053590"/>
+              <a:gd name="connsiteX1" fmla="*/ 1600200 w 1600200"/>
+              <a:gd name="connsiteY1" fmla="*/ 0 h 2053590"/>
+              <a:gd name="connsiteX2" fmla="*/ 1600200 w 1600200"/>
+              <a:gd name="connsiteY2" fmla="*/ 2053590 h 2053590"/>
+              <a:gd name="connsiteX3" fmla="*/ 0 w 1600200"/>
+              <a:gd name="connsiteY3" fmla="*/ 2053590 h 2053590"/>
+              <a:gd name="connsiteX4" fmla="*/ 0 w 1600200"/>
+              <a:gd name="connsiteY4" fmla="*/ 1596390 h 2053590"/>
+              <a:gd name="connsiteX5" fmla="*/ 1062990 w 1600200"/>
+              <a:gd name="connsiteY5" fmla="*/ 1541145 h 2053590"/>
+              <a:gd name="connsiteX6" fmla="*/ 1028700 w 1600200"/>
+              <a:gd name="connsiteY6" fmla="*/ 3810 h 2053590"/>
+              <a:gd name="connsiteX0" fmla="*/ 1028700 w 1600200"/>
+              <a:gd name="connsiteY0" fmla="*/ 3810 h 2053590"/>
+              <a:gd name="connsiteX1" fmla="*/ 1600200 w 1600200"/>
+              <a:gd name="connsiteY1" fmla="*/ 0 h 2053590"/>
+              <a:gd name="connsiteX2" fmla="*/ 1600200 w 1600200"/>
+              <a:gd name="connsiteY2" fmla="*/ 2053590 h 2053590"/>
+              <a:gd name="connsiteX3" fmla="*/ 0 w 1600200"/>
+              <a:gd name="connsiteY3" fmla="*/ 2053590 h 2053590"/>
+              <a:gd name="connsiteX4" fmla="*/ 0 w 1600200"/>
+              <a:gd name="connsiteY4" fmla="*/ 1596390 h 2053590"/>
+              <a:gd name="connsiteX5" fmla="*/ 1032510 w 1600200"/>
+              <a:gd name="connsiteY5" fmla="*/ 1596390 h 2053590"/>
+              <a:gd name="connsiteX6" fmla="*/ 1028700 w 1600200"/>
+              <a:gd name="connsiteY6" fmla="*/ 3810 h 2053590"/>
+            </a:gdLst>
+            <a:ahLst/>
+            <a:cxnLst>
+              <a:cxn ang="0">
+                <a:pos x="connsiteX0" y="connsiteY0"/>
+              </a:cxn>
+              <a:cxn ang="0">
+                <a:pos x="connsiteX1" y="connsiteY1"/>
+              </a:cxn>
+              <a:cxn ang="0">
+                <a:pos x="connsiteX2" y="connsiteY2"/>
+              </a:cxn>
+              <a:cxn ang="0">
+                <a:pos x="connsiteX3" y="connsiteY3"/>
+              </a:cxn>
+              <a:cxn ang="0">
+                <a:pos x="connsiteX4" y="connsiteY4"/>
+              </a:cxn>
+              <a:cxn ang="0">
+                <a:pos x="connsiteX5" y="connsiteY5"/>
+              </a:cxn>
+              <a:cxn ang="0">
+                <a:pos x="connsiteX6" y="connsiteY6"/>
+              </a:cxn>
+            </a:cxnLst>
+            <a:rect l="l" t="t" r="r" b="b"/>
+            <a:pathLst>
+              <a:path w="1600200" h="2053590">
+                <a:moveTo>
+                  <a:pt x="1028700" y="3810"/>
+                </a:moveTo>
+                <a:lnTo>
+                  <a:pt x="1600200" y="0"/>
+                </a:lnTo>
+                <a:lnTo>
+                  <a:pt x="1600200" y="2053590"/>
+                </a:lnTo>
+                <a:lnTo>
+                  <a:pt x="0" y="2053590"/>
+                </a:lnTo>
+                <a:lnTo>
+                  <a:pt x="0" y="1596390"/>
+                </a:lnTo>
+                <a:lnTo>
+                  <a:pt x="1032510" y="1596390"/>
+                </a:lnTo>
+                <a:lnTo>
+                  <a:pt x="1028700" y="3810"/>
+                </a:lnTo>
+                <a:close/>
+              </a:path>
+            </a:pathLst>
+          </a:custGeom>
+          <a:solidFill>
+            <a:schemeClr val="accent3">
+              <a:lumMod val="60000"/>
+              <a:lumOff val="40000"/>
+            </a:schemeClr>
+          </a:solidFill>
+          <a:ln w="28575">
+            <a:solidFill>
+              <a:srgbClr val="7030A0"/>
+            </a:solidFill>
+          </a:ln>
+        </p:spPr>
+        <p:style>
+          <a:lnRef idx="2">
+            <a:schemeClr val="accent1">
+              <a:shade val="50000"/>
+            </a:schemeClr>
+          </a:lnRef>
+          <a:fillRef idx="1">
+            <a:schemeClr val="accent1"/>
+          </a:fillRef>
+          <a:effectRef idx="0">
+            <a:schemeClr val="accent1"/>
+          </a:effectRef>
+          <a:fontRef idx="minor">
+            <a:schemeClr val="lt1"/>
+          </a:fontRef>
+        </p:style>
+        <p:txBody>
+          <a:bodyPr rot="0" spcFirstLastPara="0" vert="horz" wrap="square" lIns="91440" tIns="45720" rIns="91440" bIns="45720" numCol="1" spcCol="0" rtlCol="0" fromWordArt="0" anchor="ctr" anchorCtr="0" forceAA="0" compatLnSpc="1">
+            <a:prstTxWarp prst="textNoShape">
+              <a:avLst/>
+            </a:prstTxWarp>
+            <a:noAutofit/>
+          </a:bodyPr>
+          <a:lstStyle/>
+          <a:p>
+            <a:endParaRPr lang="ru-RU"/>
+          </a:p>
+        </p:txBody>
+      </p:sp>
+      <p:sp>
+        <p:nvSpPr>
+          <p:cNvPr id="10" name="TextBox 9">
+            <a:extLst>
+              <a:ext uri="{FF2B5EF4-FFF2-40B4-BE49-F238E27FC236}">
+                <a16:creationId xmlns:a16="http://schemas.microsoft.com/office/drawing/2014/main" id="{A3C61553-2299-44D0-8C88-1D7B54626C03}"/>
               </a:ext>
             </a:extLst>
           </p:cNvPr>
@@ -5268,8 +10465,8 @@
         </p:nvSpPr>
         <p:spPr>
           <a:xfrm>
-            <a:off x="755576" y="5308465"/>
-            <a:ext cx="7632848" cy="646331"/>
+            <a:off x="1163060" y="1402249"/>
+            <a:ext cx="402674" cy="369332"/>
           </a:xfrm>
           <a:prstGeom prst="rect">
             <a:avLst/>
@@ -5277,32 +10474,29 @@
           <a:noFill/>
         </p:spPr>
         <p:txBody>
-          <a:bodyPr wrap="square" rtlCol="0" anchor="ctr">
+          <a:bodyPr wrap="none" rtlCol="0">
             <a:spAutoFit/>
           </a:bodyPr>
           <a:lstStyle/>
           <a:p>
-            <a:pPr algn="ctr"/>
             <a:r>
               <a:rPr lang="en-US" dirty="0"/>
-              <a:t>MOTOR 2019</a:t>
-            </a:r>
-          </a:p>
-          <a:p>
-            <a:pPr algn="ctr"/>
-            <a:r>
-              <a:rPr lang="en-US" dirty="0"/>
-              <a:t>Mathematical Optimization Theory and Operations Research</a:t>
-            </a:r>
+              <a:t>C</a:t>
+            </a:r>
+            <a:r>
+              <a:rPr lang="en-US" baseline="-25000" dirty="0"/>
+              <a:t>1</a:t>
+            </a:r>
+            <a:endParaRPr lang="ru-RU" baseline="-25000" dirty="0"/>
           </a:p>
         </p:txBody>
       </p:sp>
       <p:sp>
         <p:nvSpPr>
-          <p:cNvPr id="13" name="TextBox 12">
+          <p:cNvPr id="11" name="TextBox 10">
             <a:extLst>
               <a:ext uri="{FF2B5EF4-FFF2-40B4-BE49-F238E27FC236}">
-                <a16:creationId xmlns:a16="http://schemas.microsoft.com/office/drawing/2014/main" id="{6C8DD728-57F9-4B61-A527-850E2F0FC7F8}"/>
+                <a16:creationId xmlns:a16="http://schemas.microsoft.com/office/drawing/2014/main" id="{85384FBE-CCF0-4F0F-87EA-8FC626123AB5}"/>
               </a:ext>
             </a:extLst>
           </p:cNvPr>
@@ -5311,8 +10505,48 @@
         </p:nvSpPr>
         <p:spPr>
           <a:xfrm>
-            <a:off x="2721932" y="6093296"/>
-            <a:ext cx="3672408" cy="523220"/>
+            <a:off x="2113917" y="1684246"/>
+            <a:ext cx="402674" cy="369332"/>
+          </a:xfrm>
+          <a:prstGeom prst="rect">
+            <a:avLst/>
+          </a:prstGeom>
+          <a:noFill/>
+        </p:spPr>
+        <p:txBody>
+          <a:bodyPr wrap="none" rtlCol="0">
+            <a:spAutoFit/>
+          </a:bodyPr>
+          <a:lstStyle/>
+          <a:p>
+            <a:r>
+              <a:rPr lang="en-US" dirty="0"/>
+              <a:t>C</a:t>
+            </a:r>
+            <a:r>
+              <a:rPr lang="en-US" baseline="-25000" dirty="0"/>
+              <a:t>2</a:t>
+            </a:r>
+            <a:endParaRPr lang="ru-RU" baseline="-25000" dirty="0"/>
+          </a:p>
+        </p:txBody>
+      </p:sp>
+      <p:sp>
+        <p:nvSpPr>
+          <p:cNvPr id="12" name="TextBox 11">
+            <a:extLst>
+              <a:ext uri="{FF2B5EF4-FFF2-40B4-BE49-F238E27FC236}">
+                <a16:creationId xmlns:a16="http://schemas.microsoft.com/office/drawing/2014/main" id="{1A82AA22-0DDF-4C77-933E-4DED7E9A99FB}"/>
+              </a:ext>
+            </a:extLst>
+          </p:cNvPr>
+          <p:cNvSpPr txBox="1"/>
+          <p:nvPr/>
+        </p:nvSpPr>
+        <p:spPr>
+          <a:xfrm>
+            <a:off x="2140118" y="2683789"/>
+            <a:ext cx="402674" cy="369332"/>
           </a:xfrm>
           <a:prstGeom prst="rect">
             <a:avLst/>
@@ -5325,26 +10559,2379 @@
           </a:bodyPr>
           <a:lstStyle/>
           <a:p>
+            <a:r>
+              <a:rPr lang="en-US" dirty="0"/>
+              <a:t>C</a:t>
+            </a:r>
+            <a:r>
+              <a:rPr lang="en-US" baseline="-25000" dirty="0"/>
+              <a:t>3</a:t>
+            </a:r>
+            <a:endParaRPr lang="ru-RU" baseline="-25000" dirty="0"/>
+          </a:p>
+        </p:txBody>
+      </p:sp>
+      <p:sp>
+        <p:nvSpPr>
+          <p:cNvPr id="13" name="TextBox 12">
+            <a:extLst>
+              <a:ext uri="{FF2B5EF4-FFF2-40B4-BE49-F238E27FC236}">
+                <a16:creationId xmlns:a16="http://schemas.microsoft.com/office/drawing/2014/main" id="{AF315E68-CA69-4AA2-9685-F2598A23C01F}"/>
+              </a:ext>
+            </a:extLst>
+          </p:cNvPr>
+          <p:cNvSpPr txBox="1"/>
+          <p:nvPr/>
+        </p:nvSpPr>
+        <p:spPr>
+          <a:xfrm>
+            <a:off x="1698864" y="2092245"/>
+            <a:ext cx="402674" cy="369332"/>
+          </a:xfrm>
+          <a:prstGeom prst="rect">
+            <a:avLst/>
+          </a:prstGeom>
+          <a:noFill/>
+        </p:spPr>
+        <p:txBody>
+          <a:bodyPr wrap="square" rtlCol="0">
+            <a:spAutoFit/>
+          </a:bodyPr>
+          <a:lstStyle/>
+          <a:p>
+            <a:r>
+              <a:rPr lang="en-US" dirty="0"/>
+              <a:t>C</a:t>
+            </a:r>
+            <a:r>
+              <a:rPr lang="en-US" baseline="-25000" dirty="0"/>
+              <a:t>4</a:t>
+            </a:r>
+            <a:endParaRPr lang="ru-RU" baseline="-25000" dirty="0"/>
+          </a:p>
+        </p:txBody>
+      </p:sp>
+      <p:sp>
+        <p:nvSpPr>
+          <p:cNvPr id="14" name="TextBox 13">
+            <a:extLst>
+              <a:ext uri="{FF2B5EF4-FFF2-40B4-BE49-F238E27FC236}">
+                <a16:creationId xmlns:a16="http://schemas.microsoft.com/office/drawing/2014/main" id="{F00AEF91-490E-463A-81F0-C53971F2FEFC}"/>
+              </a:ext>
+            </a:extLst>
+          </p:cNvPr>
+          <p:cNvSpPr txBox="1"/>
+          <p:nvPr/>
+        </p:nvSpPr>
+        <p:spPr>
+          <a:xfrm>
+            <a:off x="3058265" y="2236222"/>
+            <a:ext cx="402674" cy="369332"/>
+          </a:xfrm>
+          <a:prstGeom prst="rect">
+            <a:avLst/>
+          </a:prstGeom>
+          <a:noFill/>
+        </p:spPr>
+        <p:txBody>
+          <a:bodyPr wrap="square" rtlCol="0">
+            <a:spAutoFit/>
+          </a:bodyPr>
+          <a:lstStyle/>
+          <a:p>
+            <a:r>
+              <a:rPr lang="en-US" dirty="0"/>
+              <a:t>C</a:t>
+            </a:r>
+            <a:r>
+              <a:rPr lang="en-US" baseline="-25000" dirty="0"/>
+              <a:t>5</a:t>
+            </a:r>
+            <a:endParaRPr lang="ru-RU" baseline="-25000" dirty="0"/>
+          </a:p>
+        </p:txBody>
+      </p:sp>
+      <p:cxnSp>
+        <p:nvCxnSpPr>
+          <p:cNvPr id="15" name="Прямая соединительная линия 14">
+            <a:extLst>
+              <a:ext uri="{FF2B5EF4-FFF2-40B4-BE49-F238E27FC236}">
+                <a16:creationId xmlns:a16="http://schemas.microsoft.com/office/drawing/2014/main" id="{3D6DFEF0-E182-45AE-99B8-E0BCE5482197}"/>
+              </a:ext>
+            </a:extLst>
+          </p:cNvPr>
+          <p:cNvCxnSpPr>
+            <a:cxnSpLocks/>
+          </p:cNvCxnSpPr>
+          <p:nvPr/>
+        </p:nvCxnSpPr>
+        <p:spPr>
+          <a:xfrm flipV="1">
+            <a:off x="538041" y="2507988"/>
+            <a:ext cx="648072" cy="288032"/>
+          </a:xfrm>
+          <a:prstGeom prst="line">
+            <a:avLst/>
+          </a:prstGeom>
+          <a:ln w="28575">
+            <a:solidFill>
+              <a:srgbClr val="FF0000"/>
+            </a:solidFill>
+            <a:headEnd type="oval" w="med" len="med"/>
+            <a:tailEnd type="triangle" w="med" len="med"/>
+          </a:ln>
+        </p:spPr>
+        <p:style>
+          <a:lnRef idx="1">
+            <a:schemeClr val="accent1"/>
+          </a:lnRef>
+          <a:fillRef idx="0">
+            <a:schemeClr val="accent1"/>
+          </a:fillRef>
+          <a:effectRef idx="0">
+            <a:schemeClr val="accent1"/>
+          </a:effectRef>
+          <a:fontRef idx="minor">
+            <a:schemeClr val="tx1"/>
+          </a:fontRef>
+        </p:style>
+      </p:cxnSp>
+      <p:cxnSp>
+        <p:nvCxnSpPr>
+          <p:cNvPr id="23" name="Прямая соединительная линия 22">
+            <a:extLst>
+              <a:ext uri="{FF2B5EF4-FFF2-40B4-BE49-F238E27FC236}">
+                <a16:creationId xmlns:a16="http://schemas.microsoft.com/office/drawing/2014/main" id="{E6B8290F-7DE6-47D8-AA30-6DFAC85D649E}"/>
+              </a:ext>
+            </a:extLst>
+          </p:cNvPr>
+          <p:cNvCxnSpPr>
+            <a:cxnSpLocks/>
+            <a:endCxn id="6" idx="1"/>
+          </p:cNvCxnSpPr>
+          <p:nvPr/>
+        </p:nvCxnSpPr>
+        <p:spPr>
+          <a:xfrm>
+            <a:off x="1198366" y="2519199"/>
+            <a:ext cx="439974" cy="378763"/>
+          </a:xfrm>
+          <a:prstGeom prst="line">
+            <a:avLst/>
+          </a:prstGeom>
+          <a:ln w="28575">
+            <a:solidFill>
+              <a:srgbClr val="FF0000"/>
+            </a:solidFill>
+            <a:headEnd type="oval" w="med" len="med"/>
+            <a:tailEnd type="triangle" w="med" len="med"/>
+          </a:ln>
+        </p:spPr>
+        <p:style>
+          <a:lnRef idx="1">
+            <a:schemeClr val="accent1"/>
+          </a:lnRef>
+          <a:fillRef idx="0">
+            <a:schemeClr val="accent1"/>
+          </a:fillRef>
+          <a:effectRef idx="0">
+            <a:schemeClr val="accent1"/>
+          </a:effectRef>
+          <a:fontRef idx="minor">
+            <a:schemeClr val="tx1"/>
+          </a:fontRef>
+        </p:style>
+      </p:cxnSp>
+      <p:cxnSp>
+        <p:nvCxnSpPr>
+          <p:cNvPr id="25" name="Прямая соединительная линия 24">
+            <a:extLst>
+              <a:ext uri="{FF2B5EF4-FFF2-40B4-BE49-F238E27FC236}">
+                <a16:creationId xmlns:a16="http://schemas.microsoft.com/office/drawing/2014/main" id="{27B9F785-240B-42F6-BC45-77B4D7C58B00}"/>
+              </a:ext>
+            </a:extLst>
+          </p:cNvPr>
+          <p:cNvCxnSpPr>
+            <a:cxnSpLocks/>
+          </p:cNvCxnSpPr>
+          <p:nvPr/>
+        </p:nvCxnSpPr>
+        <p:spPr>
+          <a:xfrm flipV="1">
+            <a:off x="1634907" y="2416441"/>
+            <a:ext cx="115616" cy="481521"/>
+          </a:xfrm>
+          <a:prstGeom prst="line">
+            <a:avLst/>
+          </a:prstGeom>
+          <a:ln w="28575">
+            <a:solidFill>
+              <a:srgbClr val="FF0000"/>
+            </a:solidFill>
+            <a:headEnd type="oval" w="med" len="med"/>
+            <a:tailEnd type="triangle" w="med" len="med"/>
+          </a:ln>
+        </p:spPr>
+        <p:style>
+          <a:lnRef idx="1">
+            <a:schemeClr val="accent1"/>
+          </a:lnRef>
+          <a:fillRef idx="0">
+            <a:schemeClr val="accent1"/>
+          </a:fillRef>
+          <a:effectRef idx="0">
+            <a:schemeClr val="accent1"/>
+          </a:effectRef>
+          <a:fontRef idx="minor">
+            <a:schemeClr val="tx1"/>
+          </a:fontRef>
+        </p:style>
+      </p:cxnSp>
+      <p:cxnSp>
+        <p:nvCxnSpPr>
+          <p:cNvPr id="27" name="Прямая соединительная линия 26">
+            <a:extLst>
+              <a:ext uri="{FF2B5EF4-FFF2-40B4-BE49-F238E27FC236}">
+                <a16:creationId xmlns:a16="http://schemas.microsoft.com/office/drawing/2014/main" id="{7F306915-07E7-4C37-A376-2940D3392A83}"/>
+              </a:ext>
+            </a:extLst>
+          </p:cNvPr>
+          <p:cNvCxnSpPr>
+            <a:cxnSpLocks/>
+          </p:cNvCxnSpPr>
+          <p:nvPr/>
+        </p:nvCxnSpPr>
+        <p:spPr>
+          <a:xfrm>
+            <a:off x="1765338" y="2416441"/>
+            <a:ext cx="901952" cy="312484"/>
+          </a:xfrm>
+          <a:prstGeom prst="line">
+            <a:avLst/>
+          </a:prstGeom>
+          <a:ln w="28575">
+            <a:solidFill>
+              <a:srgbClr val="FF0000"/>
+            </a:solidFill>
+            <a:headEnd type="oval" w="med" len="med"/>
+            <a:tailEnd type="triangle" w="med" len="med"/>
+          </a:ln>
+        </p:spPr>
+        <p:style>
+          <a:lnRef idx="1">
+            <a:schemeClr val="accent1"/>
+          </a:lnRef>
+          <a:fillRef idx="0">
+            <a:schemeClr val="accent1"/>
+          </a:fillRef>
+          <a:effectRef idx="0">
+            <a:schemeClr val="accent1"/>
+          </a:effectRef>
+          <a:fontRef idx="minor">
+            <a:schemeClr val="tx1"/>
+          </a:fontRef>
+        </p:style>
+      </p:cxnSp>
+      <p:cxnSp>
+        <p:nvCxnSpPr>
+          <p:cNvPr id="30" name="Прямая соединительная линия 29">
+            <a:extLst>
+              <a:ext uri="{FF2B5EF4-FFF2-40B4-BE49-F238E27FC236}">
+                <a16:creationId xmlns:a16="http://schemas.microsoft.com/office/drawing/2014/main" id="{5E6F4685-767C-4448-9AC0-2EB83DA7FD67}"/>
+              </a:ext>
+            </a:extLst>
+          </p:cNvPr>
+          <p:cNvCxnSpPr>
+            <a:cxnSpLocks/>
+            <a:endCxn id="5" idx="6"/>
+          </p:cNvCxnSpPr>
+          <p:nvPr/>
+        </p:nvCxnSpPr>
+        <p:spPr>
+          <a:xfrm flipH="1" flipV="1">
+            <a:off x="2246784" y="2215151"/>
+            <a:ext cx="420506" cy="503470"/>
+          </a:xfrm>
+          <a:prstGeom prst="line">
+            <a:avLst/>
+          </a:prstGeom>
+          <a:ln w="28575">
+            <a:solidFill>
+              <a:srgbClr val="FF0000"/>
+            </a:solidFill>
+            <a:headEnd type="oval" w="med" len="med"/>
+            <a:tailEnd type="triangle" w="med" len="med"/>
+          </a:ln>
+        </p:spPr>
+        <p:style>
+          <a:lnRef idx="1">
+            <a:schemeClr val="accent1"/>
+          </a:lnRef>
+          <a:fillRef idx="0">
+            <a:schemeClr val="accent1"/>
+          </a:fillRef>
+          <a:effectRef idx="0">
+            <a:schemeClr val="accent1"/>
+          </a:effectRef>
+          <a:fontRef idx="minor">
+            <a:schemeClr val="tx1"/>
+          </a:fontRef>
+        </p:style>
+      </p:cxnSp>
+      <p:cxnSp>
+        <p:nvCxnSpPr>
+          <p:cNvPr id="33" name="Прямая соединительная линия 32">
+            <a:extLst>
+              <a:ext uri="{FF2B5EF4-FFF2-40B4-BE49-F238E27FC236}">
+                <a16:creationId xmlns:a16="http://schemas.microsoft.com/office/drawing/2014/main" id="{731988C9-5B76-4DD4-9A10-017E4CDFFC00}"/>
+              </a:ext>
+            </a:extLst>
+          </p:cNvPr>
+          <p:cNvCxnSpPr>
+            <a:cxnSpLocks/>
+            <a:stCxn id="5" idx="6"/>
+          </p:cNvCxnSpPr>
+          <p:nvPr/>
+        </p:nvCxnSpPr>
+        <p:spPr>
+          <a:xfrm flipH="1" flipV="1">
+            <a:off x="612000" y="1877912"/>
+            <a:ext cx="1634784" cy="337239"/>
+          </a:xfrm>
+          <a:prstGeom prst="line">
+            <a:avLst/>
+          </a:prstGeom>
+          <a:ln w="28575">
+            <a:solidFill>
+              <a:srgbClr val="FF0000"/>
+            </a:solidFill>
+            <a:headEnd type="oval" w="med" len="med"/>
+            <a:tailEnd type="triangle" w="med" len="med"/>
+          </a:ln>
+        </p:spPr>
+        <p:style>
+          <a:lnRef idx="1">
+            <a:schemeClr val="accent1"/>
+          </a:lnRef>
+          <a:fillRef idx="0">
+            <a:schemeClr val="accent1"/>
+          </a:fillRef>
+          <a:effectRef idx="0">
+            <a:schemeClr val="accent1"/>
+          </a:effectRef>
+          <a:fontRef idx="minor">
+            <a:schemeClr val="tx1"/>
+          </a:fontRef>
+        </p:style>
+      </p:cxnSp>
+      <p:sp>
+        <p:nvSpPr>
+          <p:cNvPr id="36" name="TextBox 35">
+            <a:extLst>
+              <a:ext uri="{FF2B5EF4-FFF2-40B4-BE49-F238E27FC236}">
+                <a16:creationId xmlns:a16="http://schemas.microsoft.com/office/drawing/2014/main" id="{8EF0D06E-3D5B-4424-8BD1-F1E8E380EBE3}"/>
+              </a:ext>
+            </a:extLst>
+          </p:cNvPr>
+          <p:cNvSpPr txBox="1"/>
+          <p:nvPr/>
+        </p:nvSpPr>
+        <p:spPr>
+          <a:xfrm>
+            <a:off x="336704" y="2822547"/>
+            <a:ext cx="428322" cy="369332"/>
+          </a:xfrm>
+          <a:prstGeom prst="rect">
+            <a:avLst/>
+          </a:prstGeom>
+          <a:noFill/>
+        </p:spPr>
+        <p:txBody>
+          <a:bodyPr wrap="none" rtlCol="0">
+            <a:spAutoFit/>
+          </a:bodyPr>
+          <a:lstStyle/>
+          <a:p>
+            <a:r>
+              <a:rPr lang="en-US" dirty="0"/>
+              <a:t>M</a:t>
+            </a:r>
+            <a:r>
+              <a:rPr lang="en-US" baseline="-25000" dirty="0"/>
+              <a:t>0</a:t>
+            </a:r>
+            <a:endParaRPr lang="ru-RU" baseline="-25000" dirty="0"/>
+          </a:p>
+        </p:txBody>
+      </p:sp>
+      <p:sp>
+        <p:nvSpPr>
+          <p:cNvPr id="37" name="TextBox 36">
+            <a:extLst>
+              <a:ext uri="{FF2B5EF4-FFF2-40B4-BE49-F238E27FC236}">
+                <a16:creationId xmlns:a16="http://schemas.microsoft.com/office/drawing/2014/main" id="{B45830C4-9546-4F47-B5BE-71858EC07AFF}"/>
+              </a:ext>
+            </a:extLst>
+          </p:cNvPr>
+          <p:cNvSpPr txBox="1"/>
+          <p:nvPr/>
+        </p:nvSpPr>
+        <p:spPr>
+          <a:xfrm>
+            <a:off x="816980" y="2161913"/>
+            <a:ext cx="428322" cy="369332"/>
+          </a:xfrm>
+          <a:prstGeom prst="rect">
+            <a:avLst/>
+          </a:prstGeom>
+          <a:noFill/>
+        </p:spPr>
+        <p:txBody>
+          <a:bodyPr wrap="none" rtlCol="0">
+            <a:spAutoFit/>
+          </a:bodyPr>
+          <a:lstStyle/>
+          <a:p>
+            <a:r>
+              <a:rPr lang="en-US" dirty="0"/>
+              <a:t>M</a:t>
+            </a:r>
+            <a:r>
+              <a:rPr lang="en-US" baseline="-25000" dirty="0"/>
+              <a:t>1</a:t>
+            </a:r>
+            <a:endParaRPr lang="ru-RU" baseline="-25000" dirty="0"/>
+          </a:p>
+        </p:txBody>
+      </p:sp>
+      <p:sp>
+        <p:nvSpPr>
+          <p:cNvPr id="38" name="TextBox 37">
+            <a:extLst>
+              <a:ext uri="{FF2B5EF4-FFF2-40B4-BE49-F238E27FC236}">
+                <a16:creationId xmlns:a16="http://schemas.microsoft.com/office/drawing/2014/main" id="{9EB4E853-5D3B-48A8-BBD3-AE986C0CDCD8}"/>
+              </a:ext>
+            </a:extLst>
+          </p:cNvPr>
+          <p:cNvSpPr txBox="1"/>
+          <p:nvPr/>
+        </p:nvSpPr>
+        <p:spPr>
+          <a:xfrm>
+            <a:off x="1572084" y="2910908"/>
+            <a:ext cx="428322" cy="369332"/>
+          </a:xfrm>
+          <a:prstGeom prst="rect">
+            <a:avLst/>
+          </a:prstGeom>
+          <a:noFill/>
+        </p:spPr>
+        <p:txBody>
+          <a:bodyPr wrap="none" rtlCol="0">
+            <a:spAutoFit/>
+          </a:bodyPr>
+          <a:lstStyle/>
+          <a:p>
+            <a:r>
+              <a:rPr lang="en-US" dirty="0"/>
+              <a:t>M</a:t>
+            </a:r>
+            <a:r>
+              <a:rPr lang="en-US" baseline="-25000" dirty="0"/>
+              <a:t>3</a:t>
+            </a:r>
+            <a:endParaRPr lang="ru-RU" baseline="-25000" dirty="0"/>
+          </a:p>
+        </p:txBody>
+      </p:sp>
+      <p:sp>
+        <p:nvSpPr>
+          <p:cNvPr id="39" name="TextBox 38">
+            <a:extLst>
+              <a:ext uri="{FF2B5EF4-FFF2-40B4-BE49-F238E27FC236}">
+                <a16:creationId xmlns:a16="http://schemas.microsoft.com/office/drawing/2014/main" id="{2DD66A08-7446-4967-B98B-77C86EF0BFD2}"/>
+              </a:ext>
+            </a:extLst>
+          </p:cNvPr>
+          <p:cNvSpPr txBox="1"/>
+          <p:nvPr/>
+        </p:nvSpPr>
+        <p:spPr>
+          <a:xfrm>
+            <a:off x="307762" y="1427587"/>
+            <a:ext cx="591829" cy="369332"/>
+          </a:xfrm>
+          <a:prstGeom prst="rect">
+            <a:avLst/>
+          </a:prstGeom>
+          <a:noFill/>
+        </p:spPr>
+        <p:txBody>
+          <a:bodyPr wrap="none" rtlCol="0">
+            <a:spAutoFit/>
+          </a:bodyPr>
+          <a:lstStyle/>
+          <a:p>
+            <a:r>
+              <a:rPr lang="en-US" dirty="0"/>
+              <a:t>M</a:t>
+            </a:r>
+            <a:r>
+              <a:rPr lang="en-US" baseline="-25000" dirty="0"/>
+              <a:t>n+1</a:t>
+            </a:r>
+            <a:endParaRPr lang="ru-RU" baseline="-25000" dirty="0"/>
+          </a:p>
+        </p:txBody>
+      </p:sp>
+      <mc:AlternateContent xmlns:mc="http://schemas.openxmlformats.org/markup-compatibility/2006">
+        <mc:Choice xmlns:a14="http://schemas.microsoft.com/office/drawing/2010/main" Requires="a14">
+          <p:sp>
+            <p:nvSpPr>
+              <p:cNvPr id="40" name="TextBox 39">
+                <a:extLst>
+                  <a:ext uri="{FF2B5EF4-FFF2-40B4-BE49-F238E27FC236}">
+                    <a16:creationId xmlns:a16="http://schemas.microsoft.com/office/drawing/2014/main" id="{4A2F2B22-47A2-401F-B94B-CD550926F36F}"/>
+                  </a:ext>
+                </a:extLst>
+              </p:cNvPr>
+              <p:cNvSpPr txBox="1"/>
+              <p:nvPr/>
+            </p:nvSpPr>
+            <p:spPr>
+              <a:xfrm>
+                <a:off x="4437795" y="1440025"/>
+                <a:ext cx="4168164" cy="5091009"/>
+              </a:xfrm>
+              <a:prstGeom prst="rect">
+                <a:avLst/>
+              </a:prstGeom>
+              <a:noFill/>
+            </p:spPr>
+            <p:txBody>
+              <a:bodyPr wrap="square" rtlCol="0">
+                <a:spAutoFit/>
+              </a:bodyPr>
+              <a:lstStyle/>
+              <a:p>
+                <a:pPr lvl="0">
+                  <a:lnSpc>
+                    <a:spcPct val="150000"/>
+                  </a:lnSpc>
+                </a:pPr>
+                <a:r>
+                  <a:rPr lang="en-US" dirty="0"/>
+                  <a:t>Given:</a:t>
+                </a:r>
+                <a14:m/>
+              </a:p>
+              <a:p>
+                <a:pPr marL="342900" lvl="0" indent="-342900">
+                  <a:lnSpc>
+                    <a:spcPct val="150000"/>
+                  </a:lnSpc>
+                  <a:buFont typeface="+mj-lt"/>
+                  <a:buAutoNum type="arabicPeriod"/>
+                </a:pPr>
+                <a:endParaRPr lang="en-US" b="0" dirty="0">
+                  <a:ea typeface="Cambria Math" panose="02040503050406030204" pitchFamily="18" charset="0"/>
+                </a:endParaRPr>
+              </a:p>
+              <a:p>
+                <a:pPr marL="342900" lvl="0" indent="-342900">
+                  <a:lnSpc>
+                    <a:spcPct val="150000"/>
+                  </a:lnSpc>
+                  <a:buFont typeface="+mj-lt"/>
+                  <a:buAutoNum type="arabicPeriod"/>
+                </a:pPr>
+                <a14:m>
+                  <m:oMath xmlns:m="http://schemas.openxmlformats.org/officeDocument/2006/math">
+                    <m:sSub>
+                      <m:sSubPr>
+                        <m:ctrlPr>
+                          <a:rPr lang="en-US" i="1">
+                            <a:latin typeface="Cambria Math" panose="02040503050406030204" pitchFamily="18" charset="0"/>
+                          </a:rPr>
+                        </m:ctrlPr>
+                      </m:sSubPr>
+                      <m:e>
+                        <m:r>
+                          <a:rPr lang="en-US" b="0" i="1" smtClean="0">
+                            <a:latin typeface="Cambria Math" panose="02040503050406030204" pitchFamily="18" charset="0"/>
+                          </a:rPr>
+                          <m:t>𝑀</m:t>
+                        </m:r>
+                      </m:e>
+                      <m:sub>
+                        <m:r>
+                          <a:rPr lang="en-US" b="0" i="1" smtClean="0">
+                            <a:latin typeface="Cambria Math" panose="02040503050406030204" pitchFamily="18" charset="0"/>
+                          </a:rPr>
+                          <m:t>0</m:t>
+                        </m:r>
+                      </m:sub>
+                    </m:sSub>
+                    <m:r>
+                      <a:rPr lang="en-US" b="0" i="1" smtClean="0">
+                        <a:latin typeface="Cambria Math" panose="02040503050406030204" pitchFamily="18" charset="0"/>
+                      </a:rPr>
+                      <m:t>,</m:t>
+                    </m:r>
+                    <m:sSub>
+                      <m:sSubPr>
+                        <m:ctrlPr>
+                          <a:rPr lang="en-US" b="0" i="1" smtClean="0">
+                            <a:latin typeface="Cambria Math" panose="02040503050406030204" pitchFamily="18" charset="0"/>
+                          </a:rPr>
+                        </m:ctrlPr>
+                      </m:sSubPr>
+                      <m:e>
+                        <m:r>
+                          <a:rPr lang="en-US" b="0" i="1" smtClean="0">
+                            <a:latin typeface="Cambria Math" panose="02040503050406030204" pitchFamily="18" charset="0"/>
+                          </a:rPr>
+                          <m:t>𝑀</m:t>
+                        </m:r>
+                      </m:e>
+                      <m:sub>
+                        <m:r>
+                          <a:rPr lang="en-US" b="0" i="1" smtClean="0">
+                            <a:latin typeface="Cambria Math" panose="02040503050406030204" pitchFamily="18" charset="0"/>
+                          </a:rPr>
+                          <m:t>𝑛</m:t>
+                        </m:r>
+                        <m:r>
+                          <a:rPr lang="en-US" b="0" i="1" smtClean="0">
+                            <a:latin typeface="Cambria Math" panose="02040503050406030204" pitchFamily="18" charset="0"/>
+                          </a:rPr>
+                          <m:t>+1</m:t>
+                        </m:r>
+                      </m:sub>
+                    </m:sSub>
+                    <m:r>
+                      <a:rPr lang="en-US" i="1">
+                        <a:latin typeface="Cambria Math" panose="02040503050406030204" pitchFamily="18" charset="0"/>
+                      </a:rPr>
+                      <m:t>∈</m:t>
+                    </m:r>
+                    <m:sSup>
+                      <m:sSupPr>
+                        <m:ctrlPr>
+                          <a:rPr lang="en-US" i="1">
+                            <a:latin typeface="Cambria Math" panose="02040503050406030204" pitchFamily="18" charset="0"/>
+                            <a:ea typeface="Cambria Math" panose="02040503050406030204" pitchFamily="18" charset="0"/>
+                          </a:rPr>
+                        </m:ctrlPr>
+                      </m:sSupPr>
+                      <m:e>
+                        <m:r>
+                          <a:rPr lang="en-US" i="1">
+                            <a:latin typeface="Cambria Math" panose="02040503050406030204" pitchFamily="18" charset="0"/>
+                            <a:ea typeface="Cambria Math" panose="02040503050406030204" pitchFamily="18" charset="0"/>
+                          </a:rPr>
+                          <m:t>ℝ</m:t>
+                        </m:r>
+                      </m:e>
+                      <m:sup>
+                        <m:r>
+                          <a:rPr lang="en-US" i="1">
+                            <a:latin typeface="Cambria Math" panose="02040503050406030204" pitchFamily="18" charset="0"/>
+                            <a:ea typeface="Cambria Math" panose="02040503050406030204" pitchFamily="18" charset="0"/>
+                          </a:rPr>
+                          <m:t>2</m:t>
+                        </m:r>
+                      </m:sup>
+                    </m:sSup>
+                  </m:oMath>
+                </a14:m>
+                <a:endParaRPr lang="en-US" dirty="0">
+                  <a:ea typeface="Cambria Math" panose="02040503050406030204" pitchFamily="18" charset="0"/>
+                </a:endParaRPr>
+              </a:p>
+              <a:p>
+                <a:pPr lvl="0">
+                  <a:lnSpc>
+                    <a:spcPct val="150000"/>
+                  </a:lnSpc>
+                </a:pPr>
+                <a:r>
+                  <a:rPr lang="en-US" dirty="0"/>
+                  <a:t>Find:</a:t>
+                </a:r>
+              </a:p>
+              <a:p>
+                <a:pPr marL="342900" lvl="0" indent="-342900">
+                  <a:lnSpc>
+                    <a:spcPct val="150000"/>
+                  </a:lnSpc>
+                  <a:buFont typeface="+mj-lt"/>
+                  <a:buAutoNum type="arabicPeriod"/>
+                </a:pPr>
+                <a14:m>
+                  <m:oMath xmlns:m="http://schemas.openxmlformats.org/officeDocument/2006/math">
+                    <m:sSub>
+                      <m:sSubPr>
+                        <m:ctrlPr>
+                          <a:rPr lang="en-US" i="1">
+                            <a:latin typeface="Cambria Math" panose="02040503050406030204" pitchFamily="18" charset="0"/>
+                          </a:rPr>
+                        </m:ctrlPr>
+                      </m:sSubPr>
+                      <m:e>
+                        <m:r>
+                          <a:rPr lang="en-US" b="0" i="1" smtClean="0">
+                            <a:latin typeface="Cambria Math" panose="02040503050406030204" pitchFamily="18" charset="0"/>
+                          </a:rPr>
+                          <m:t>𝑀</m:t>
+                        </m:r>
+                      </m:e>
+                      <m:sub>
+                        <m:r>
+                          <a:rPr lang="en-US" i="1">
+                            <a:latin typeface="Cambria Math" panose="02040503050406030204" pitchFamily="18" charset="0"/>
+                          </a:rPr>
+                          <m:t>𝑖</m:t>
+                        </m:r>
+                      </m:sub>
+                    </m:sSub>
+                    <m:r>
+                      <a:rPr lang="en-US" b="0" i="1" smtClean="0">
+                        <a:latin typeface="Cambria Math" panose="02040503050406030204" pitchFamily="18" charset="0"/>
+                      </a:rPr>
+                      <m:t>∈</m:t>
+                    </m:r>
+                    <m:sSub>
+                      <m:sSubPr>
+                        <m:ctrlPr>
+                          <a:rPr lang="en-US" b="0" i="1" smtClean="0">
+                            <a:latin typeface="Cambria Math" panose="02040503050406030204" pitchFamily="18" charset="0"/>
+                          </a:rPr>
+                        </m:ctrlPr>
+                      </m:sSubPr>
+                      <m:e>
+                        <m:r>
+                          <a:rPr lang="en-US" b="0" i="1" smtClean="0">
+                            <a:latin typeface="Cambria Math" panose="02040503050406030204" pitchFamily="18" charset="0"/>
+                          </a:rPr>
+                          <m:t>𝐶</m:t>
+                        </m:r>
+                      </m:e>
+                      <m:sub>
+                        <m:r>
+                          <a:rPr lang="en-US" b="0" i="1" smtClean="0">
+                            <a:latin typeface="Cambria Math" panose="02040503050406030204" pitchFamily="18" charset="0"/>
+                          </a:rPr>
+                          <m:t>𝑖</m:t>
+                        </m:r>
+                      </m:sub>
+                    </m:sSub>
+                    <m:r>
+                      <a:rPr lang="en-US" i="1">
+                        <a:latin typeface="Cambria Math" panose="02040503050406030204" pitchFamily="18" charset="0"/>
+                        <a:ea typeface="Cambria Math" panose="02040503050406030204" pitchFamily="18" charset="0"/>
+                      </a:rPr>
+                      <m:t>,</m:t>
+                    </m:r>
+                    <m:r>
+                      <a:rPr lang="en-US" i="1">
+                        <a:latin typeface="Cambria Math" panose="02040503050406030204" pitchFamily="18" charset="0"/>
+                        <a:ea typeface="Cambria Math" panose="02040503050406030204" pitchFamily="18" charset="0"/>
+                      </a:rPr>
+                      <m:t>𝑖</m:t>
+                    </m:r>
+                    <m:r>
+                      <a:rPr lang="en-US" i="1">
+                        <a:latin typeface="Cambria Math" panose="02040503050406030204" pitchFamily="18" charset="0"/>
+                        <a:ea typeface="Cambria Math" panose="02040503050406030204" pitchFamily="18" charset="0"/>
+                      </a:rPr>
+                      <m:t>∈</m:t>
+                    </m:r>
+                    <m:bar>
+                      <m:barPr>
+                        <m:pos m:val="top"/>
+                        <m:ctrlPr>
+                          <a:rPr lang="en-US" i="1">
+                            <a:latin typeface="Cambria Math" panose="02040503050406030204" pitchFamily="18" charset="0"/>
+                            <a:ea typeface="Cambria Math" panose="02040503050406030204" pitchFamily="18" charset="0"/>
+                          </a:rPr>
+                        </m:ctrlPr>
+                      </m:barPr>
+                      <m:e>
+                        <m:r>
+                          <a:rPr lang="en-US" i="1">
+                            <a:latin typeface="Cambria Math" panose="02040503050406030204" pitchFamily="18" charset="0"/>
+                            <a:ea typeface="Cambria Math" panose="02040503050406030204" pitchFamily="18" charset="0"/>
+                          </a:rPr>
+                          <m:t>1,</m:t>
+                        </m:r>
+                        <m:r>
+                          <a:rPr lang="en-US" i="1">
+                            <a:latin typeface="Cambria Math" panose="02040503050406030204" pitchFamily="18" charset="0"/>
+                            <a:ea typeface="Cambria Math" panose="02040503050406030204" pitchFamily="18" charset="0"/>
+                          </a:rPr>
+                          <m:t>𝑛</m:t>
+                        </m:r>
+                      </m:e>
+                    </m:bar>
+                  </m:oMath>
+                </a14:m>
+                <a:endParaRPr lang="en-US" dirty="0">
+                  <a:ea typeface="Cambria Math" panose="02040503050406030204" pitchFamily="18" charset="0"/>
+                </a:endParaRPr>
+              </a:p>
+              <a:p>
+                <a:pPr marL="342900" lvl="0" indent="-342900">
+                  <a:lnSpc>
+                    <a:spcPct val="150000"/>
+                  </a:lnSpc>
+                  <a:buFont typeface="+mj-lt"/>
+                  <a:buAutoNum type="arabicPeriod"/>
+                </a:pPr>
+                <a:r>
+                  <a:rPr lang="en-US" dirty="0"/>
+                  <a:t>Permutation </a:t>
+                </a:r>
+                <a14:m>
+                  <m:oMath xmlns:m="http://schemas.openxmlformats.org/officeDocument/2006/math">
+                    <m:r>
+                      <m:rPr>
+                        <m:sty m:val="p"/>
+                      </m:rPr>
+                      <a:rPr lang="en-US" b="0" i="0" smtClean="0">
+                        <a:latin typeface="Cambria Math" panose="02040503050406030204" pitchFamily="18" charset="0"/>
+                      </a:rPr>
+                      <m:t>I</m:t>
+                    </m:r>
+                    <m:r>
+                      <a:rPr lang="en-US" b="0" i="0" smtClean="0">
+                        <a:latin typeface="Cambria Math" panose="02040503050406030204" pitchFamily="18" charset="0"/>
+                      </a:rPr>
+                      <m:t>=</m:t>
+                    </m:r>
+                    <m:d>
+                      <m:dPr>
+                        <m:ctrlPr>
+                          <a:rPr lang="en-US" b="0" i="0" smtClean="0">
+                            <a:latin typeface="Cambria Math" panose="02040503050406030204" pitchFamily="18" charset="0"/>
+                          </a:rPr>
+                        </m:ctrlPr>
+                      </m:dPr>
+                      <m:e>
+                        <m:sSub>
+                          <m:sSubPr>
+                            <m:ctrlPr>
+                              <a:rPr lang="en-US" b="0" i="0" smtClean="0">
+                                <a:latin typeface="Cambria Math" panose="02040503050406030204" pitchFamily="18" charset="0"/>
+                              </a:rPr>
+                            </m:ctrlPr>
+                          </m:sSubPr>
+                          <m:e>
+                            <m:r>
+                              <m:rPr>
+                                <m:sty m:val="p"/>
+                              </m:rPr>
+                              <a:rPr lang="en-US" b="0" i="0" smtClean="0">
+                                <a:latin typeface="Cambria Math" panose="02040503050406030204" pitchFamily="18" charset="0"/>
+                              </a:rPr>
+                              <m:t>i</m:t>
+                            </m:r>
+                          </m:e>
+                          <m:sub>
+                            <m:r>
+                              <a:rPr lang="en-US" b="0" i="0" smtClean="0">
+                                <a:latin typeface="Cambria Math" panose="02040503050406030204" pitchFamily="18" charset="0"/>
+                              </a:rPr>
+                              <m:t>1</m:t>
+                            </m:r>
+                          </m:sub>
+                        </m:sSub>
+                        <m:r>
+                          <a:rPr lang="en-US" b="0" i="0" smtClean="0">
+                            <a:latin typeface="Cambria Math" panose="02040503050406030204" pitchFamily="18" charset="0"/>
+                          </a:rPr>
+                          <m:t>, </m:t>
+                        </m:r>
+                        <m:sSub>
+                          <m:sSubPr>
+                            <m:ctrlPr>
+                              <a:rPr lang="en-US" b="0" i="0" smtClean="0">
+                                <a:latin typeface="Cambria Math" panose="02040503050406030204" pitchFamily="18" charset="0"/>
+                              </a:rPr>
+                            </m:ctrlPr>
+                          </m:sSubPr>
+                          <m:e>
+                            <m:r>
+                              <m:rPr>
+                                <m:sty m:val="p"/>
+                              </m:rPr>
+                              <a:rPr lang="en-US" b="0" i="0" smtClean="0">
+                                <a:latin typeface="Cambria Math" panose="02040503050406030204" pitchFamily="18" charset="0"/>
+                              </a:rPr>
+                              <m:t>i</m:t>
+                            </m:r>
+                          </m:e>
+                          <m:sub>
+                            <m:r>
+                              <a:rPr lang="en-US" b="0" i="0" smtClean="0">
+                                <a:latin typeface="Cambria Math" panose="02040503050406030204" pitchFamily="18" charset="0"/>
+                              </a:rPr>
+                              <m:t>2</m:t>
+                            </m:r>
+                          </m:sub>
+                        </m:sSub>
+                        <m:r>
+                          <a:rPr lang="en-US" b="0" i="0" smtClean="0">
+                            <a:latin typeface="Cambria Math" panose="02040503050406030204" pitchFamily="18" charset="0"/>
+                          </a:rPr>
+                          <m:t>,</m:t>
+                        </m:r>
+                        <m:r>
+                          <a:rPr lang="en-US" b="0" i="1" smtClean="0">
+                            <a:latin typeface="Cambria Math" panose="02040503050406030204" pitchFamily="18" charset="0"/>
+                          </a:rPr>
+                          <m:t>…</m:t>
+                        </m:r>
+                        <m:sSub>
+                          <m:sSubPr>
+                            <m:ctrlPr>
+                              <a:rPr lang="en-US" b="0" i="1" smtClean="0">
+                                <a:latin typeface="Cambria Math" panose="02040503050406030204" pitchFamily="18" charset="0"/>
+                              </a:rPr>
+                            </m:ctrlPr>
+                          </m:sSubPr>
+                          <m:e>
+                            <m:r>
+                              <a:rPr lang="en-US" b="0" i="1" smtClean="0">
+                                <a:latin typeface="Cambria Math" panose="02040503050406030204" pitchFamily="18" charset="0"/>
+                              </a:rPr>
+                              <m:t>𝑖</m:t>
+                            </m:r>
+                          </m:e>
+                          <m:sub>
+                            <m:r>
+                              <a:rPr lang="en-US" b="0" i="1" smtClean="0">
+                                <a:latin typeface="Cambria Math" panose="02040503050406030204" pitchFamily="18" charset="0"/>
+                              </a:rPr>
+                              <m:t>𝑛</m:t>
+                            </m:r>
+                          </m:sub>
+                        </m:sSub>
+                      </m:e>
+                    </m:d>
+                  </m:oMath>
+                </a14:m>
+                <a:endParaRPr lang="en-US" b="0" dirty="0"/>
+              </a:p>
+              <a:p>
+                <a:pPr lvl="0">
+                  <a:lnSpc>
+                    <a:spcPct val="150000"/>
+                  </a:lnSpc>
+                </a:pPr>
+                <a:r>
+                  <a:rPr lang="en-US" dirty="0"/>
+                  <a:t>Objective function:</a:t>
+                </a:r>
+              </a:p>
+              <a:p>
+                <a:pPr>
+                  <a:lnSpc>
+                    <a:spcPct val="150000"/>
+                  </a:lnSpc>
+                </a:pPr>
+                <a14:m>
+                  <m:oMathPara xmlns:m="http://schemas.openxmlformats.org/officeDocument/2006/math">
+                    <m:oMathParaPr>
+                      <m:jc m:val="centerGroup"/>
+                    </m:oMathParaPr>
+                    <m:oMath xmlns:m="http://schemas.openxmlformats.org/officeDocument/2006/math">
+                      <m:nary>
+                        <m:naryPr>
+                          <m:chr m:val="∑"/>
+                          <m:ctrlPr>
+                            <a:rPr lang="en-US" b="0" i="1" smtClean="0">
+                              <a:latin typeface="Cambria Math" panose="02040503050406030204" pitchFamily="18" charset="0"/>
+                            </a:rPr>
+                          </m:ctrlPr>
+                        </m:naryPr>
+                        <m:sub>
+                          <m:r>
+                            <m:rPr>
+                              <m:brk m:alnAt="23"/>
+                            </m:rPr>
+                            <a:rPr lang="en-US" b="0" i="1" smtClean="0">
+                              <a:latin typeface="Cambria Math" panose="02040503050406030204" pitchFamily="18" charset="0"/>
+                            </a:rPr>
+                            <m:t>𝑗</m:t>
+                          </m:r>
+                          <m:r>
+                            <a:rPr lang="en-US" b="0" i="1" smtClean="0">
+                              <a:latin typeface="Cambria Math" panose="02040503050406030204" pitchFamily="18" charset="0"/>
+                            </a:rPr>
+                            <m:t>=0</m:t>
+                          </m:r>
+                        </m:sub>
+                        <m:sup>
+                          <m:r>
+                            <a:rPr lang="en-US" b="0" i="1" smtClean="0">
+                              <a:latin typeface="Cambria Math" panose="02040503050406030204" pitchFamily="18" charset="0"/>
+                            </a:rPr>
+                            <m:t>𝑛</m:t>
+                          </m:r>
+                        </m:sup>
+                        <m:e>
+                          <m:r>
+                            <a:rPr lang="en-US" b="0" i="1" smtClean="0">
+                              <a:latin typeface="Cambria Math" panose="02040503050406030204" pitchFamily="18" charset="0"/>
+                            </a:rPr>
+                            <m:t>|</m:t>
+                          </m:r>
+                          <m:sSub>
+                            <m:sSubPr>
+                              <m:ctrlPr>
+                                <a:rPr lang="en-US" b="0" i="1" smtClean="0">
+                                  <a:latin typeface="Cambria Math" panose="02040503050406030204" pitchFamily="18" charset="0"/>
+                                </a:rPr>
+                              </m:ctrlPr>
+                            </m:sSubPr>
+                            <m:e>
+                              <m:r>
+                                <a:rPr lang="en-US" b="0" i="1" smtClean="0">
+                                  <a:latin typeface="Cambria Math" panose="02040503050406030204" pitchFamily="18" charset="0"/>
+                                </a:rPr>
+                                <m:t>𝑀</m:t>
+                              </m:r>
+                            </m:e>
+                            <m:sub>
+                              <m:sSub>
+                                <m:sSubPr>
+                                  <m:ctrlPr>
+                                    <a:rPr lang="en-US" b="0" i="1" smtClean="0">
+                                      <a:latin typeface="Cambria Math" panose="02040503050406030204" pitchFamily="18" charset="0"/>
+                                    </a:rPr>
+                                  </m:ctrlPr>
+                                </m:sSubPr>
+                                <m:e>
+                                  <m:r>
+                                    <a:rPr lang="en-US" b="0" i="1" smtClean="0">
+                                      <a:latin typeface="Cambria Math" panose="02040503050406030204" pitchFamily="18" charset="0"/>
+                                    </a:rPr>
+                                    <m:t>𝑖</m:t>
+                                  </m:r>
+                                </m:e>
+                                <m:sub>
+                                  <m:r>
+                                    <a:rPr lang="en-US" b="0" i="1" smtClean="0">
+                                      <a:latin typeface="Cambria Math" panose="02040503050406030204" pitchFamily="18" charset="0"/>
+                                    </a:rPr>
+                                    <m:t>𝑗</m:t>
+                                  </m:r>
+                                </m:sub>
+                              </m:sSub>
+                            </m:sub>
+                          </m:sSub>
+                          <m:sSub>
+                            <m:sSubPr>
+                              <m:ctrlPr>
+                                <a:rPr lang="en-US" b="0" i="1" smtClean="0">
+                                  <a:latin typeface="Cambria Math" panose="02040503050406030204" pitchFamily="18" charset="0"/>
+                                </a:rPr>
+                              </m:ctrlPr>
+                            </m:sSubPr>
+                            <m:e>
+                              <m:r>
+                                <a:rPr lang="en-US" b="0" i="1" smtClean="0">
+                                  <a:latin typeface="Cambria Math" panose="02040503050406030204" pitchFamily="18" charset="0"/>
+                                </a:rPr>
+                                <m:t>𝑀</m:t>
+                              </m:r>
+                            </m:e>
+                            <m:sub>
+                              <m:sSub>
+                                <m:sSubPr>
+                                  <m:ctrlPr>
+                                    <a:rPr lang="en-US" b="0" i="1" smtClean="0">
+                                      <a:latin typeface="Cambria Math" panose="02040503050406030204" pitchFamily="18" charset="0"/>
+                                    </a:rPr>
+                                  </m:ctrlPr>
+                                </m:sSubPr>
+                                <m:e>
+                                  <m:r>
+                                    <a:rPr lang="en-US" b="0" i="1" smtClean="0">
+                                      <a:latin typeface="Cambria Math" panose="02040503050406030204" pitchFamily="18" charset="0"/>
+                                    </a:rPr>
+                                    <m:t>𝑖</m:t>
+                                  </m:r>
+                                </m:e>
+                                <m:sub>
+                                  <m:r>
+                                    <a:rPr lang="en-US" b="0" i="1" smtClean="0">
+                                      <a:latin typeface="Cambria Math" panose="02040503050406030204" pitchFamily="18" charset="0"/>
+                                    </a:rPr>
+                                    <m:t>𝑗</m:t>
+                                  </m:r>
+                                  <m:r>
+                                    <a:rPr lang="en-US" b="0" i="1" smtClean="0">
+                                      <a:latin typeface="Cambria Math" panose="02040503050406030204" pitchFamily="18" charset="0"/>
+                                    </a:rPr>
+                                    <m:t>+1</m:t>
+                                  </m:r>
+                                </m:sub>
+                              </m:sSub>
+                            </m:sub>
+                          </m:sSub>
+                          <m:r>
+                            <a:rPr lang="en-US" b="0" i="1" smtClean="0">
+                              <a:latin typeface="Cambria Math" panose="02040503050406030204" pitchFamily="18" charset="0"/>
+                            </a:rPr>
+                            <m:t>|</m:t>
+                          </m:r>
+                        </m:e>
+                      </m:nary>
+                      <m:r>
+                        <a:rPr lang="en-US" b="0" i="1" smtClean="0">
+                          <a:latin typeface="Cambria Math" panose="02040503050406030204" pitchFamily="18" charset="0"/>
+                        </a:rPr>
+                        <m:t>→</m:t>
+                      </m:r>
+                      <m:r>
+                        <m:rPr>
+                          <m:sty m:val="p"/>
+                        </m:rPr>
+                        <a:rPr lang="en-US" b="0" i="1" smtClean="0">
+                          <a:latin typeface="Cambria Math" panose="02040503050406030204" pitchFamily="18" charset="0"/>
+                        </a:rPr>
+                        <m:t>min</m:t>
+                      </m:r>
+                      <m:r>
+                        <a:rPr lang="en-US" b="0" i="1" smtClean="0">
+                          <a:latin typeface="Cambria Math" panose="02040503050406030204" pitchFamily="18" charset="0"/>
+                        </a:rPr>
+                        <m:t>  </m:t>
+                      </m:r>
+                    </m:oMath>
+                  </m:oMathPara>
+                </a14:m>
+                <a:endParaRPr lang="en-US" dirty="0">
+                  <a:ea typeface="Cambria Math" panose="02040503050406030204" pitchFamily="18" charset="0"/>
+                </a:endParaRPr>
+              </a:p>
+              <a:p>
+                <a:pPr>
+                  <a:lnSpc>
+                    <a:spcPct val="150000"/>
+                  </a:lnSpc>
+                </a:pPr>
+                <a:endParaRPr lang="en-US" dirty="0"/>
+              </a:p>
+              <a:p>
+                <a:pPr>
+                  <a:lnSpc>
+                    <a:spcPct val="150000"/>
+                  </a:lnSpc>
+                </a:pPr>
+                <a:endParaRPr lang="ru-RU" dirty="0"/>
+              </a:p>
+            </p:txBody>
+          </p:sp>
+        </mc:Choice>
+        <mc:Fallback>
+          <p:sp>
+            <p:nvSpPr>
+              <p:cNvPr id="40" name="TextBox 39">
+                <a:extLst>
+                  <a:ext uri="{FF2B5EF4-FFF2-40B4-BE49-F238E27FC236}">
+                    <a16:creationId xmlns:a16="http://schemas.microsoft.com/office/drawing/2014/main" id="{4A2F2B22-47A2-401F-B94B-CD550926F36F}"/>
+                  </a:ext>
+                </a:extLst>
+              </p:cNvPr>
+              <p:cNvSpPr txBox="1">
+                <a:spLocks noRot="1" noChangeAspect="1" noMove="1" noResize="1" noEditPoints="1" noAdjustHandles="1" noChangeArrowheads="1" noChangeShapeType="1" noTextEdit="1"/>
+              </p:cNvSpPr>
+              <p:nvPr/>
+            </p:nvSpPr>
+            <p:spPr>
+              <a:xfrm>
+                <a:off x="4437795" y="1440025"/>
+                <a:ext cx="4168164" cy="5091009"/>
+              </a:xfrm>
+              <a:prstGeom prst="rect">
+                <a:avLst/>
+              </a:prstGeom>
+              <a:blipFill>
+                <a:blip r:embed="rId3"/>
+                <a:stretch>
+                  <a:fillRect l="-1316"/>
+                </a:stretch>
+              </a:blipFill>
+            </p:spPr>
+            <p:txBody>
+              <a:bodyPr/>
+              <a:lstStyle/>
+              <a:p>
+                <a:r>
+                  <a:rPr lang="ru-RU">
+                    <a:noFill/>
+                  </a:rPr>
+                  <a:t> </a:t>
+                </a:r>
+              </a:p>
+            </p:txBody>
+          </p:sp>
+        </mc:Fallback>
+      </mc:AlternateContent>
+    </p:spTree>
+    <p:extLst>
+      <p:ext uri="{BB962C8B-B14F-4D97-AF65-F5344CB8AC3E}">
+        <p14:creationId xmlns:p14="http://schemas.microsoft.com/office/powerpoint/2010/main" val="1722293443"/>
+      </p:ext>
+    </p:extLst>
+  </p:cSld>
+  <p:clrMapOvr>
+    <a:masterClrMapping/>
+  </p:clrMapOvr>
+</p:sld>
+</file>
+
+<file path=ppt/slides/slide7.xml><?xml version="1.0" encoding="utf-8"?>
+<p:sld xmlns:a="http://schemas.openxmlformats.org/drawingml/2006/main" xmlns:r="http://schemas.openxmlformats.org/officeDocument/2006/relationships" xmlns:p="http://schemas.openxmlformats.org/presentationml/2006/main">
+  <p:cSld>
+    <p:spTree>
+      <p:nvGrpSpPr>
+        <p:cNvPr id="1" name=""/>
+        <p:cNvGrpSpPr/>
+        <p:nvPr/>
+      </p:nvGrpSpPr>
+      <p:grpSpPr>
+        <a:xfrm>
+          <a:off x="0" y="0"/>
+          <a:ext cx="0" cy="0"/>
+          <a:chOff x="0" y="0"/>
+          <a:chExt cx="0" cy="0"/>
+        </a:xfrm>
+      </p:grpSpPr>
+      <p:pic>
+        <p:nvPicPr>
+          <p:cNvPr id="2" name="Picture 2" descr="F:\Users\Алекс\Desktop\urfu_logo_en.png"/>
+          <p:cNvPicPr>
+            <a:picLocks noChangeAspect="1" noChangeArrowheads="1"/>
+          </p:cNvPicPr>
+          <p:nvPr/>
+        </p:nvPicPr>
+        <p:blipFill>
+          <a:blip r:embed="rId2" cstate="print">
+            <a:extLst>
+              <a:ext uri="{28A0092B-C50C-407E-A947-70E740481C1C}">
+                <a14:useLocalDpi xmlns:a14="http://schemas.microsoft.com/office/drawing/2010/main" val="0"/>
+              </a:ext>
+            </a:extLst>
+          </a:blip>
+          <a:srcRect/>
+          <a:stretch>
+            <a:fillRect/>
+          </a:stretch>
+        </p:blipFill>
+        <p:spPr bwMode="auto">
+          <a:xfrm>
+            <a:off x="0" y="0"/>
+            <a:ext cx="2133600" cy="1085850"/>
+          </a:xfrm>
+          <a:prstGeom prst="rect">
+            <a:avLst/>
+          </a:prstGeom>
+          <a:noFill/>
+          <a:ln w="9525">
+            <a:noFill/>
+            <a:prstDash val="sysDash"/>
+            <a:miter lim="800000"/>
+            <a:headEnd/>
+            <a:tailEnd/>
+          </a:ln>
+          <a:extLst>
+            <a:ext uri="{909E8E84-426E-40DD-AFC4-6F175D3DCCD1}">
+              <a14:hiddenFill xmlns:a14="http://schemas.microsoft.com/office/drawing/2010/main">
+                <a:solidFill>
+                  <a:srgbClr val="FFFFFF"/>
+                </a:solidFill>
+              </a14:hiddenFill>
+            </a:ext>
+          </a:extLst>
+        </p:spPr>
+      </p:pic>
+      <p:sp>
+        <p:nvSpPr>
+          <p:cNvPr id="3" name="TextBox 2"/>
+          <p:cNvSpPr txBox="1"/>
+          <p:nvPr/>
+        </p:nvSpPr>
+        <p:spPr>
+          <a:xfrm>
+            <a:off x="2051720" y="219759"/>
+            <a:ext cx="6840760" cy="646331"/>
+          </a:xfrm>
+          <a:prstGeom prst="rect">
+            <a:avLst/>
+          </a:prstGeom>
+          <a:noFill/>
+        </p:spPr>
+        <p:txBody>
+          <a:bodyPr wrap="square" rtlCol="0">
+            <a:spAutoFit/>
+            <a:scene3d>
+              <a:camera prst="orthographicFront"/>
+              <a:lightRig rig="soft" dir="tl">
+                <a:rot lat="0" lon="0" rev="0"/>
+              </a:lightRig>
+            </a:scene3d>
+            <a:sp3d contourW="25400" prstMaterial="matte">
+              <a:bevelT w="25400" h="55880" prst="artDeco"/>
+              <a:contourClr>
+                <a:schemeClr val="accent2">
+                  <a:tint val="20000"/>
+                </a:schemeClr>
+              </a:contourClr>
+            </a:sp3d>
+          </a:bodyPr>
+          <a:lstStyle/>
+          <a:p>
+            <a:pPr algn="r"/>
+            <a:r>
+              <a:rPr lang="en-US" sz="3600" b="1" spc="50" dirty="0">
+                <a:ln w="11430"/>
+                <a:gradFill>
+                  <a:gsLst>
+                    <a:gs pos="25000">
+                      <a:schemeClr val="accent2">
+                        <a:satMod val="155000"/>
+                      </a:schemeClr>
+                    </a:gs>
+                    <a:gs pos="100000">
+                      <a:schemeClr val="accent2">
+                        <a:shade val="45000"/>
+                        <a:satMod val="165000"/>
+                      </a:schemeClr>
+                    </a:gs>
+                  </a:gsLst>
+                  <a:lin ang="5400000"/>
+                </a:gradFill>
+                <a:effectLst>
+                  <a:outerShdw blurRad="76200" dist="50800" dir="5400000" algn="tl" rotWithShape="0">
+                    <a:srgbClr val="000000">
+                      <a:alpha val="65000"/>
+                    </a:srgbClr>
+                  </a:outerShdw>
+                </a:effectLst>
+              </a:rPr>
+              <a:t>Precedence Constraint</a:t>
+            </a:r>
+            <a:endParaRPr lang="ru-RU" sz="3600" b="1" spc="50" dirty="0">
+              <a:ln w="11430"/>
+              <a:gradFill>
+                <a:gsLst>
+                  <a:gs pos="25000">
+                    <a:schemeClr val="accent2">
+                      <a:satMod val="155000"/>
+                    </a:schemeClr>
+                  </a:gs>
+                  <a:gs pos="100000">
+                    <a:schemeClr val="accent2">
+                      <a:shade val="45000"/>
+                      <a:satMod val="165000"/>
+                    </a:schemeClr>
+                  </a:gs>
+                </a:gsLst>
+                <a:lin ang="5400000"/>
+              </a:gradFill>
+              <a:effectLst>
+                <a:outerShdw blurRad="76200" dist="50800" dir="5400000" algn="tl" rotWithShape="0">
+                  <a:srgbClr val="000000">
+                    <a:alpha val="65000"/>
+                  </a:srgbClr>
+                </a:outerShdw>
+              </a:effectLst>
+            </a:endParaRPr>
+          </a:p>
+        </p:txBody>
+      </p:sp>
+      <p:sp>
+        <p:nvSpPr>
+          <p:cNvPr id="4" name="Прямоугольник: скругленные углы 3">
+            <a:extLst>
+              <a:ext uri="{FF2B5EF4-FFF2-40B4-BE49-F238E27FC236}">
+                <a16:creationId xmlns:a16="http://schemas.microsoft.com/office/drawing/2014/main" id="{8EEE4C46-0197-4E10-ABB0-59DFB65E9E1A}"/>
+              </a:ext>
+            </a:extLst>
+          </p:cNvPr>
+          <p:cNvSpPr/>
+          <p:nvPr/>
+        </p:nvSpPr>
+        <p:spPr>
+          <a:xfrm>
+            <a:off x="1403648" y="1988840"/>
+            <a:ext cx="2133600" cy="3024336"/>
+          </a:xfrm>
+          <a:prstGeom prst="roundRect">
+            <a:avLst/>
+          </a:prstGeom>
+          <a:solidFill>
+            <a:schemeClr val="accent3">
+              <a:lumMod val="60000"/>
+              <a:lumOff val="40000"/>
+            </a:schemeClr>
+          </a:solidFill>
+          <a:ln w="28575">
+            <a:solidFill>
+              <a:srgbClr val="7030A0"/>
+            </a:solidFill>
+          </a:ln>
+        </p:spPr>
+        <p:style>
+          <a:lnRef idx="2">
+            <a:schemeClr val="accent1">
+              <a:shade val="50000"/>
+            </a:schemeClr>
+          </a:lnRef>
+          <a:fillRef idx="1">
+            <a:schemeClr val="accent1"/>
+          </a:fillRef>
+          <a:effectRef idx="0">
+            <a:schemeClr val="accent1"/>
+          </a:effectRef>
+          <a:fontRef idx="minor">
+            <a:schemeClr val="lt1"/>
+          </a:fontRef>
+        </p:style>
+        <p:txBody>
+          <a:bodyPr rtlCol="0" anchor="ctr"/>
+          <a:lstStyle/>
+          <a:p>
             <a:pPr algn="ctr"/>
-            <a:r>
-              <a:rPr lang="en-US" sz="1400" dirty="0"/>
-              <a:t>July 8 – 12, 2019</a:t>
-            </a:r>
-          </a:p>
+            <a:endParaRPr lang="ru-RU"/>
+          </a:p>
+        </p:txBody>
+      </p:sp>
+      <p:sp>
+        <p:nvSpPr>
+          <p:cNvPr id="5" name="Овал 4">
+            <a:extLst>
+              <a:ext uri="{FF2B5EF4-FFF2-40B4-BE49-F238E27FC236}">
+                <a16:creationId xmlns:a16="http://schemas.microsoft.com/office/drawing/2014/main" id="{89F486B1-931D-427D-BA84-41243C22F345}"/>
+              </a:ext>
+            </a:extLst>
+          </p:cNvPr>
+          <p:cNvSpPr/>
+          <p:nvPr/>
+        </p:nvSpPr>
+        <p:spPr>
+          <a:xfrm>
+            <a:off x="1894384" y="2348880"/>
+            <a:ext cx="1152128" cy="1152128"/>
+          </a:xfrm>
+          <a:prstGeom prst="ellipse">
+            <a:avLst/>
+          </a:prstGeom>
+          <a:solidFill>
+            <a:schemeClr val="bg1"/>
+          </a:solidFill>
+          <a:ln w="28575">
+            <a:solidFill>
+              <a:srgbClr val="7030A0"/>
+            </a:solidFill>
+          </a:ln>
+        </p:spPr>
+        <p:style>
+          <a:lnRef idx="2">
+            <a:schemeClr val="accent1">
+              <a:shade val="50000"/>
+            </a:schemeClr>
+          </a:lnRef>
+          <a:fillRef idx="1">
+            <a:schemeClr val="accent1"/>
+          </a:fillRef>
+          <a:effectRef idx="0">
+            <a:schemeClr val="accent1"/>
+          </a:effectRef>
+          <a:fontRef idx="minor">
+            <a:schemeClr val="lt1"/>
+          </a:fontRef>
+        </p:style>
+        <p:txBody>
+          <a:bodyPr rtlCol="0" anchor="ctr"/>
+          <a:lstStyle/>
           <a:p>
             <a:pPr algn="ctr"/>
-            <a:r>
-              <a:rPr lang="en-US" sz="1400" dirty="0"/>
-              <a:t>Ekaterinburg</a:t>
-            </a:r>
-            <a:endParaRPr lang="ru-RU" sz="1400" dirty="0"/>
+            <a:endParaRPr lang="ru-RU"/>
+          </a:p>
+        </p:txBody>
+      </p:sp>
+      <p:cxnSp>
+        <p:nvCxnSpPr>
+          <p:cNvPr id="7" name="Прямая соединительная линия 6">
+            <a:extLst>
+              <a:ext uri="{FF2B5EF4-FFF2-40B4-BE49-F238E27FC236}">
+                <a16:creationId xmlns:a16="http://schemas.microsoft.com/office/drawing/2014/main" id="{0900A03D-B200-4A21-9587-769F67F4694F}"/>
+              </a:ext>
+            </a:extLst>
+          </p:cNvPr>
+          <p:cNvCxnSpPr>
+            <a:cxnSpLocks/>
+          </p:cNvCxnSpPr>
+          <p:nvPr/>
+        </p:nvCxnSpPr>
+        <p:spPr>
+          <a:xfrm flipV="1">
+            <a:off x="755576" y="2636912"/>
+            <a:ext cx="648072" cy="288032"/>
+          </a:xfrm>
+          <a:prstGeom prst="line">
+            <a:avLst/>
+          </a:prstGeom>
+          <a:ln w="28575">
+            <a:solidFill>
+              <a:srgbClr val="FF0000"/>
+            </a:solidFill>
+            <a:headEnd type="diamond" w="med" len="med"/>
+            <a:tailEnd type="triangle" w="lg" len="lg"/>
+          </a:ln>
+        </p:spPr>
+        <p:style>
+          <a:lnRef idx="1">
+            <a:schemeClr val="accent1"/>
+          </a:lnRef>
+          <a:fillRef idx="0">
+            <a:schemeClr val="accent1"/>
+          </a:fillRef>
+          <a:effectRef idx="0">
+            <a:schemeClr val="accent1"/>
+          </a:effectRef>
+          <a:fontRef idx="minor">
+            <a:schemeClr val="tx1"/>
+          </a:fontRef>
+        </p:style>
+      </p:cxnSp>
+      <p:cxnSp>
+        <p:nvCxnSpPr>
+          <p:cNvPr id="9" name="Прямая соединительная линия 8">
+            <a:extLst>
+              <a:ext uri="{FF2B5EF4-FFF2-40B4-BE49-F238E27FC236}">
+                <a16:creationId xmlns:a16="http://schemas.microsoft.com/office/drawing/2014/main" id="{ED5BD915-15D6-4198-8829-93A262B83047}"/>
+              </a:ext>
+            </a:extLst>
+          </p:cNvPr>
+          <p:cNvCxnSpPr>
+            <a:cxnSpLocks/>
+          </p:cNvCxnSpPr>
+          <p:nvPr/>
+        </p:nvCxnSpPr>
+        <p:spPr>
+          <a:xfrm>
+            <a:off x="1403648" y="2636912"/>
+            <a:ext cx="490736" cy="288032"/>
+          </a:xfrm>
+          <a:prstGeom prst="line">
+            <a:avLst/>
+          </a:prstGeom>
+          <a:ln w="28575">
+            <a:solidFill>
+              <a:srgbClr val="FF0000"/>
+            </a:solidFill>
+            <a:headEnd type="diamond" w="med" len="med"/>
+            <a:tailEnd type="triangle" w="lg" len="lg"/>
+          </a:ln>
+        </p:spPr>
+        <p:style>
+          <a:lnRef idx="1">
+            <a:schemeClr val="accent1"/>
+          </a:lnRef>
+          <a:fillRef idx="0">
+            <a:schemeClr val="accent1"/>
+          </a:fillRef>
+          <a:effectRef idx="0">
+            <a:schemeClr val="accent1"/>
+          </a:effectRef>
+          <a:fontRef idx="minor">
+            <a:schemeClr val="tx1"/>
+          </a:fontRef>
+        </p:style>
+      </p:cxnSp>
+      <p:cxnSp>
+        <p:nvCxnSpPr>
+          <p:cNvPr id="11" name="Прямая соединительная линия 10">
+            <a:extLst>
+              <a:ext uri="{FF2B5EF4-FFF2-40B4-BE49-F238E27FC236}">
+                <a16:creationId xmlns:a16="http://schemas.microsoft.com/office/drawing/2014/main" id="{434E12A8-84C1-4948-9942-2FF10068AF97}"/>
+              </a:ext>
+            </a:extLst>
+          </p:cNvPr>
+          <p:cNvCxnSpPr>
+            <a:cxnSpLocks/>
+          </p:cNvCxnSpPr>
+          <p:nvPr/>
+        </p:nvCxnSpPr>
+        <p:spPr>
+          <a:xfrm>
+            <a:off x="1888232" y="2924944"/>
+            <a:ext cx="1979712" cy="144016"/>
+          </a:xfrm>
+          <a:prstGeom prst="line">
+            <a:avLst/>
+          </a:prstGeom>
+          <a:ln w="28575">
+            <a:solidFill>
+              <a:srgbClr val="FF0000"/>
+            </a:solidFill>
+            <a:headEnd type="diamond" w="med" len="med"/>
+            <a:tailEnd type="triangle" w="lg" len="lg"/>
+          </a:ln>
+        </p:spPr>
+        <p:style>
+          <a:lnRef idx="1">
+            <a:schemeClr val="accent1"/>
+          </a:lnRef>
+          <a:fillRef idx="0">
+            <a:schemeClr val="accent1"/>
+          </a:fillRef>
+          <a:effectRef idx="0">
+            <a:schemeClr val="accent1"/>
+          </a:effectRef>
+          <a:fontRef idx="minor">
+            <a:schemeClr val="tx1"/>
+          </a:fontRef>
+        </p:style>
+      </p:cxnSp>
+      <p:sp>
+        <p:nvSpPr>
+          <p:cNvPr id="13" name="Стрелка: счетверенная 12">
+            <a:extLst>
+              <a:ext uri="{FF2B5EF4-FFF2-40B4-BE49-F238E27FC236}">
+                <a16:creationId xmlns:a16="http://schemas.microsoft.com/office/drawing/2014/main" id="{A0AA47CD-D90A-43B6-9D19-4CCBAAEE7038}"/>
+              </a:ext>
+            </a:extLst>
+          </p:cNvPr>
+          <p:cNvSpPr/>
+          <p:nvPr/>
+        </p:nvSpPr>
+        <p:spPr>
+          <a:xfrm>
+            <a:off x="1763688" y="3573016"/>
+            <a:ext cx="1413520" cy="1296144"/>
+          </a:xfrm>
+          <a:prstGeom prst="quadArrow">
+            <a:avLst/>
+          </a:prstGeom>
+          <a:noFill/>
+          <a:ln>
+            <a:prstDash val="dash"/>
+          </a:ln>
+        </p:spPr>
+        <p:style>
+          <a:lnRef idx="2">
+            <a:schemeClr val="accent1">
+              <a:shade val="50000"/>
+            </a:schemeClr>
+          </a:lnRef>
+          <a:fillRef idx="1">
+            <a:schemeClr val="accent1"/>
+          </a:fillRef>
+          <a:effectRef idx="0">
+            <a:schemeClr val="accent1"/>
+          </a:effectRef>
+          <a:fontRef idx="minor">
+            <a:schemeClr val="lt1"/>
+          </a:fontRef>
+        </p:style>
+        <p:txBody>
+          <a:bodyPr rtlCol="0" anchor="ctr"/>
+          <a:lstStyle/>
+          <a:p>
+            <a:pPr algn="ctr"/>
+            <a:endParaRPr lang="ru-RU"/>
+          </a:p>
+        </p:txBody>
+      </p:sp>
+      <p:sp>
+        <p:nvSpPr>
+          <p:cNvPr id="14" name="Прямоугольник: скругленные углы 13">
+            <a:extLst>
+              <a:ext uri="{FF2B5EF4-FFF2-40B4-BE49-F238E27FC236}">
+                <a16:creationId xmlns:a16="http://schemas.microsoft.com/office/drawing/2014/main" id="{FA97679F-BB5C-4741-A881-B12CD72BAAE0}"/>
+              </a:ext>
+            </a:extLst>
+          </p:cNvPr>
+          <p:cNvSpPr/>
+          <p:nvPr/>
+        </p:nvSpPr>
+        <p:spPr>
+          <a:xfrm>
+            <a:off x="5606754" y="1988840"/>
+            <a:ext cx="2133600" cy="3024336"/>
+          </a:xfrm>
+          <a:prstGeom prst="roundRect">
+            <a:avLst/>
+          </a:prstGeom>
+          <a:solidFill>
+            <a:schemeClr val="accent3">
+              <a:lumMod val="60000"/>
+              <a:lumOff val="40000"/>
+            </a:schemeClr>
+          </a:solidFill>
+          <a:ln w="28575">
+            <a:solidFill>
+              <a:srgbClr val="7030A0"/>
+            </a:solidFill>
+          </a:ln>
+        </p:spPr>
+        <p:style>
+          <a:lnRef idx="2">
+            <a:schemeClr val="accent1">
+              <a:shade val="50000"/>
+            </a:schemeClr>
+          </a:lnRef>
+          <a:fillRef idx="1">
+            <a:schemeClr val="accent1"/>
+          </a:fillRef>
+          <a:effectRef idx="0">
+            <a:schemeClr val="accent1"/>
+          </a:effectRef>
+          <a:fontRef idx="minor">
+            <a:schemeClr val="lt1"/>
+          </a:fontRef>
+        </p:style>
+        <p:txBody>
+          <a:bodyPr rtlCol="0" anchor="ctr"/>
+          <a:lstStyle/>
+          <a:p>
+            <a:pPr algn="ctr"/>
+            <a:endParaRPr lang="ru-RU"/>
+          </a:p>
+        </p:txBody>
+      </p:sp>
+      <p:sp>
+        <p:nvSpPr>
+          <p:cNvPr id="15" name="Овал 14">
+            <a:extLst>
+              <a:ext uri="{FF2B5EF4-FFF2-40B4-BE49-F238E27FC236}">
+                <a16:creationId xmlns:a16="http://schemas.microsoft.com/office/drawing/2014/main" id="{BF01A1C4-A823-4674-804A-82E1BC5A4E9A}"/>
+              </a:ext>
+            </a:extLst>
+          </p:cNvPr>
+          <p:cNvSpPr/>
+          <p:nvPr/>
+        </p:nvSpPr>
+        <p:spPr>
+          <a:xfrm>
+            <a:off x="6097490" y="2348880"/>
+            <a:ext cx="1152128" cy="1152128"/>
+          </a:xfrm>
+          <a:prstGeom prst="ellipse">
+            <a:avLst/>
+          </a:prstGeom>
+          <a:solidFill>
+            <a:schemeClr val="bg1"/>
+          </a:solidFill>
+          <a:ln w="28575">
+            <a:solidFill>
+              <a:srgbClr val="7030A0"/>
+            </a:solidFill>
+          </a:ln>
+        </p:spPr>
+        <p:style>
+          <a:lnRef idx="2">
+            <a:schemeClr val="accent1">
+              <a:shade val="50000"/>
+            </a:schemeClr>
+          </a:lnRef>
+          <a:fillRef idx="1">
+            <a:schemeClr val="accent1"/>
+          </a:fillRef>
+          <a:effectRef idx="0">
+            <a:schemeClr val="accent1"/>
+          </a:effectRef>
+          <a:fontRef idx="minor">
+            <a:schemeClr val="lt1"/>
+          </a:fontRef>
+        </p:style>
+        <p:txBody>
+          <a:bodyPr rtlCol="0" anchor="ctr"/>
+          <a:lstStyle/>
+          <a:p>
+            <a:pPr algn="ctr"/>
+            <a:endParaRPr lang="ru-RU"/>
+          </a:p>
+        </p:txBody>
+      </p:sp>
+      <p:cxnSp>
+        <p:nvCxnSpPr>
+          <p:cNvPr id="16" name="Прямая соединительная линия 15">
+            <a:extLst>
+              <a:ext uri="{FF2B5EF4-FFF2-40B4-BE49-F238E27FC236}">
+                <a16:creationId xmlns:a16="http://schemas.microsoft.com/office/drawing/2014/main" id="{36D3D389-BF90-4C72-9B2E-47FDE10E5E94}"/>
+              </a:ext>
+            </a:extLst>
+          </p:cNvPr>
+          <p:cNvCxnSpPr>
+            <a:cxnSpLocks/>
+          </p:cNvCxnSpPr>
+          <p:nvPr/>
+        </p:nvCxnSpPr>
+        <p:spPr>
+          <a:xfrm flipV="1">
+            <a:off x="7740352" y="2771725"/>
+            <a:ext cx="648072" cy="288032"/>
+          </a:xfrm>
+          <a:prstGeom prst="line">
+            <a:avLst/>
+          </a:prstGeom>
+          <a:ln w="28575">
+            <a:solidFill>
+              <a:srgbClr val="FF0000"/>
+            </a:solidFill>
+            <a:headEnd type="diamond" w="med" len="med"/>
+            <a:tailEnd type="triangle" w="lg" len="lg"/>
+          </a:ln>
+        </p:spPr>
+        <p:style>
+          <a:lnRef idx="1">
+            <a:schemeClr val="accent1"/>
+          </a:lnRef>
+          <a:fillRef idx="0">
+            <a:schemeClr val="accent1"/>
+          </a:fillRef>
+          <a:effectRef idx="0">
+            <a:schemeClr val="accent1"/>
+          </a:effectRef>
+          <a:fontRef idx="minor">
+            <a:schemeClr val="tx1"/>
+          </a:fontRef>
+        </p:style>
+      </p:cxnSp>
+      <p:cxnSp>
+        <p:nvCxnSpPr>
+          <p:cNvPr id="17" name="Прямая соединительная линия 16">
+            <a:extLst>
+              <a:ext uri="{FF2B5EF4-FFF2-40B4-BE49-F238E27FC236}">
+                <a16:creationId xmlns:a16="http://schemas.microsoft.com/office/drawing/2014/main" id="{BECD7A44-1D12-47E4-BB11-72E5F484A062}"/>
+              </a:ext>
+            </a:extLst>
+          </p:cNvPr>
+          <p:cNvCxnSpPr>
+            <a:cxnSpLocks/>
+          </p:cNvCxnSpPr>
+          <p:nvPr/>
+        </p:nvCxnSpPr>
+        <p:spPr>
+          <a:xfrm>
+            <a:off x="5276058" y="2780928"/>
+            <a:ext cx="821432" cy="144016"/>
+          </a:xfrm>
+          <a:prstGeom prst="line">
+            <a:avLst/>
+          </a:prstGeom>
+          <a:ln w="28575">
+            <a:solidFill>
+              <a:srgbClr val="FF0000"/>
+            </a:solidFill>
+            <a:headEnd type="diamond" w="med" len="med"/>
+            <a:tailEnd type="triangle" w="lg" len="lg"/>
+          </a:ln>
+        </p:spPr>
+        <p:style>
+          <a:lnRef idx="1">
+            <a:schemeClr val="accent1"/>
+          </a:lnRef>
+          <a:fillRef idx="0">
+            <a:schemeClr val="accent1"/>
+          </a:fillRef>
+          <a:effectRef idx="0">
+            <a:schemeClr val="accent1"/>
+          </a:effectRef>
+          <a:fontRef idx="minor">
+            <a:schemeClr val="tx1"/>
+          </a:fontRef>
+        </p:style>
+      </p:cxnSp>
+      <p:cxnSp>
+        <p:nvCxnSpPr>
+          <p:cNvPr id="18" name="Прямая соединительная линия 17">
+            <a:extLst>
+              <a:ext uri="{FF2B5EF4-FFF2-40B4-BE49-F238E27FC236}">
+                <a16:creationId xmlns:a16="http://schemas.microsoft.com/office/drawing/2014/main" id="{10047DE4-3839-4D71-82CF-6F142F42EF73}"/>
+              </a:ext>
+            </a:extLst>
+          </p:cNvPr>
+          <p:cNvCxnSpPr>
+            <a:cxnSpLocks/>
+          </p:cNvCxnSpPr>
+          <p:nvPr/>
+        </p:nvCxnSpPr>
+        <p:spPr>
+          <a:xfrm>
+            <a:off x="6091338" y="2924944"/>
+            <a:ext cx="1649014" cy="144016"/>
+          </a:xfrm>
+          <a:prstGeom prst="line">
+            <a:avLst/>
+          </a:prstGeom>
+          <a:ln w="28575">
+            <a:solidFill>
+              <a:srgbClr val="FF0000"/>
+            </a:solidFill>
+            <a:headEnd type="diamond" w="med" len="med"/>
+            <a:tailEnd type="triangle" w="lg" len="lg"/>
+          </a:ln>
+        </p:spPr>
+        <p:style>
+          <a:lnRef idx="1">
+            <a:schemeClr val="accent1"/>
+          </a:lnRef>
+          <a:fillRef idx="0">
+            <a:schemeClr val="accent1"/>
+          </a:fillRef>
+          <a:effectRef idx="0">
+            <a:schemeClr val="accent1"/>
+          </a:effectRef>
+          <a:fontRef idx="minor">
+            <a:schemeClr val="tx1"/>
+          </a:fontRef>
+        </p:style>
+      </p:cxnSp>
+      <p:pic>
+        <p:nvPicPr>
+          <p:cNvPr id="24" name="Рисунок 23" descr="Галочка">
+            <a:extLst>
+              <a:ext uri="{FF2B5EF4-FFF2-40B4-BE49-F238E27FC236}">
+                <a16:creationId xmlns:a16="http://schemas.microsoft.com/office/drawing/2014/main" id="{5E47D066-196C-4FFF-8FB6-4664C7A3DFFC}"/>
+              </a:ext>
+            </a:extLst>
+          </p:cNvPr>
+          <p:cNvPicPr>
+            <a:picLocks noChangeAspect="1"/>
+          </p:cNvPicPr>
+          <p:nvPr/>
+        </p:nvPicPr>
+        <p:blipFill>
+          <a:blip r:embed="rId3">
+            <a:extLst>
+              <a:ext uri="{28A0092B-C50C-407E-A947-70E740481C1C}">
+                <a14:useLocalDpi xmlns:a14="http://schemas.microsoft.com/office/drawing/2010/main" val="0"/>
+              </a:ext>
+              <a:ext uri="{96DAC541-7B7A-43D3-8B79-37D633B846F1}">
+                <asvg:svgBlip xmlns:asvg="http://schemas.microsoft.com/office/drawing/2016/SVG/main" r:embed="rId4"/>
+              </a:ext>
+            </a:extLst>
+          </a:blip>
+          <a:stretch>
+            <a:fillRect/>
+          </a:stretch>
+        </p:blipFill>
+        <p:spPr>
+          <a:xfrm>
+            <a:off x="6335218" y="3709358"/>
+            <a:ext cx="914400" cy="914400"/>
+          </a:xfrm>
+          <a:prstGeom prst="rect">
+            <a:avLst/>
+          </a:prstGeom>
+          <a:effectLst>
+            <a:outerShdw blurRad="50800" dist="38100" dir="5400000" algn="t" rotWithShape="0">
+              <a:prstClr val="black">
+                <a:alpha val="40000"/>
+              </a:prstClr>
+            </a:outerShdw>
+          </a:effectLst>
+        </p:spPr>
+      </p:pic>
+      <p:sp>
+        <p:nvSpPr>
+          <p:cNvPr id="25" name="TextBox 24">
+            <a:extLst>
+              <a:ext uri="{FF2B5EF4-FFF2-40B4-BE49-F238E27FC236}">
+                <a16:creationId xmlns:a16="http://schemas.microsoft.com/office/drawing/2014/main" id="{F553AE37-A912-4876-A20B-90BB3D4FF2D8}"/>
+              </a:ext>
+            </a:extLst>
+          </p:cNvPr>
+          <p:cNvSpPr txBox="1"/>
+          <p:nvPr/>
+        </p:nvSpPr>
+        <p:spPr>
+          <a:xfrm>
+            <a:off x="323528" y="6107253"/>
+            <a:ext cx="8388932" cy="456985"/>
+          </a:xfrm>
+          <a:prstGeom prst="rect">
+            <a:avLst/>
+          </a:prstGeom>
+          <a:noFill/>
+        </p:spPr>
+        <p:txBody>
+          <a:bodyPr wrap="square" rtlCol="0">
+            <a:spAutoFit/>
+          </a:bodyPr>
+          <a:lstStyle/>
+          <a:p>
+            <a:pPr lvl="0" algn="ctr">
+              <a:lnSpc>
+                <a:spcPct val="150000"/>
+              </a:lnSpc>
+            </a:pPr>
+            <a:r>
+              <a:rPr lang="en-US" dirty="0"/>
+              <a:t>Other technological constraints exist</a:t>
+            </a:r>
           </a:p>
         </p:txBody>
       </p:sp>
     </p:spTree>
     <p:extLst>
       <p:ext uri="{BB962C8B-B14F-4D97-AF65-F5344CB8AC3E}">
-        <p14:creationId xmlns:p14="http://schemas.microsoft.com/office/powerpoint/2010/main" val="272427829"/>
+        <p14:creationId xmlns:p14="http://schemas.microsoft.com/office/powerpoint/2010/main" val="2229181924"/>
+      </p:ext>
+    </p:extLst>
+  </p:cSld>
+  <p:clrMapOvr>
+    <a:masterClrMapping/>
+  </p:clrMapOvr>
+</p:sld>
+</file>
+
+<file path=ppt/slides/slide8.xml><?xml version="1.0" encoding="utf-8"?>
+<p:sld xmlns:a="http://schemas.openxmlformats.org/drawingml/2006/main" xmlns:r="http://schemas.openxmlformats.org/officeDocument/2006/relationships" xmlns:p="http://schemas.openxmlformats.org/presentationml/2006/main">
+  <p:cSld>
+    <p:spTree>
+      <p:nvGrpSpPr>
+        <p:cNvPr id="1" name=""/>
+        <p:cNvGrpSpPr/>
+        <p:nvPr/>
+      </p:nvGrpSpPr>
+      <p:grpSpPr>
+        <a:xfrm>
+          <a:off x="0" y="0"/>
+          <a:ext cx="0" cy="0"/>
+          <a:chOff x="0" y="0"/>
+          <a:chExt cx="0" cy="0"/>
+        </a:xfrm>
+      </p:grpSpPr>
+      <p:pic>
+        <p:nvPicPr>
+          <p:cNvPr id="2" name="Picture 2" descr="F:\Users\Алекс\Desktop\urfu_logo_en.png"/>
+          <p:cNvPicPr>
+            <a:picLocks noChangeAspect="1" noChangeArrowheads="1"/>
+          </p:cNvPicPr>
+          <p:nvPr/>
+        </p:nvPicPr>
+        <p:blipFill>
+          <a:blip r:embed="rId2" cstate="print">
+            <a:extLst>
+              <a:ext uri="{28A0092B-C50C-407E-A947-70E740481C1C}">
+                <a14:useLocalDpi xmlns:a14="http://schemas.microsoft.com/office/drawing/2010/main" val="0"/>
+              </a:ext>
+            </a:extLst>
+          </a:blip>
+          <a:srcRect/>
+          <a:stretch>
+            <a:fillRect/>
+          </a:stretch>
+        </p:blipFill>
+        <p:spPr bwMode="auto">
+          <a:xfrm>
+            <a:off x="0" y="0"/>
+            <a:ext cx="2133600" cy="1085850"/>
+          </a:xfrm>
+          <a:prstGeom prst="rect">
+            <a:avLst/>
+          </a:prstGeom>
+          <a:noFill/>
+          <a:ln w="9525">
+            <a:noFill/>
+            <a:prstDash val="sysDash"/>
+            <a:miter lim="800000"/>
+            <a:headEnd/>
+            <a:tailEnd/>
+          </a:ln>
+          <a:extLst>
+            <a:ext uri="{909E8E84-426E-40DD-AFC4-6F175D3DCCD1}">
+              <a14:hiddenFill xmlns:a14="http://schemas.microsoft.com/office/drawing/2010/main">
+                <a:solidFill>
+                  <a:srgbClr val="FFFFFF"/>
+                </a:solidFill>
+              </a14:hiddenFill>
+            </a:ext>
+          </a:extLst>
+        </p:spPr>
+      </p:pic>
+      <p:sp>
+        <p:nvSpPr>
+          <p:cNvPr id="3" name="TextBox 2"/>
+          <p:cNvSpPr txBox="1"/>
+          <p:nvPr/>
+        </p:nvSpPr>
+        <p:spPr>
+          <a:xfrm>
+            <a:off x="2051720" y="219759"/>
+            <a:ext cx="6840760" cy="646331"/>
+          </a:xfrm>
+          <a:prstGeom prst="rect">
+            <a:avLst/>
+          </a:prstGeom>
+          <a:noFill/>
+        </p:spPr>
+        <p:txBody>
+          <a:bodyPr wrap="square" rtlCol="0">
+            <a:spAutoFit/>
+            <a:scene3d>
+              <a:camera prst="orthographicFront"/>
+              <a:lightRig rig="soft" dir="tl">
+                <a:rot lat="0" lon="0" rev="0"/>
+              </a:lightRig>
+            </a:scene3d>
+            <a:sp3d contourW="25400" prstMaterial="matte">
+              <a:bevelT w="25400" h="55880" prst="artDeco"/>
+              <a:contourClr>
+                <a:schemeClr val="accent2">
+                  <a:tint val="20000"/>
+                </a:schemeClr>
+              </a:contourClr>
+            </a:sp3d>
+          </a:bodyPr>
+          <a:lstStyle/>
+          <a:p>
+            <a:pPr algn="r"/>
+            <a:r>
+              <a:rPr lang="en-US" sz="3600" b="1" spc="50" dirty="0">
+                <a:ln w="11430"/>
+                <a:gradFill>
+                  <a:gsLst>
+                    <a:gs pos="25000">
+                      <a:schemeClr val="accent2">
+                        <a:satMod val="155000"/>
+                      </a:schemeClr>
+                    </a:gs>
+                    <a:gs pos="100000">
+                      <a:schemeClr val="accent2">
+                        <a:shade val="45000"/>
+                        <a:satMod val="165000"/>
+                      </a:schemeClr>
+                    </a:gs>
+                  </a:gsLst>
+                  <a:lin ang="5400000"/>
+                </a:gradFill>
+                <a:effectLst>
+                  <a:outerShdw blurRad="76200" dist="50800" dir="5400000" algn="tl" rotWithShape="0">
+                    <a:srgbClr val="000000">
+                      <a:alpha val="65000"/>
+                    </a:srgbClr>
+                  </a:outerShdw>
+                </a:effectLst>
+              </a:rPr>
+              <a:t>CCP Algorithm</a:t>
+            </a:r>
+            <a:endParaRPr lang="ru-RU" sz="3600" b="1" spc="50" dirty="0">
+              <a:ln w="11430"/>
+              <a:gradFill>
+                <a:gsLst>
+                  <a:gs pos="25000">
+                    <a:schemeClr val="accent2">
+                      <a:satMod val="155000"/>
+                    </a:schemeClr>
+                  </a:gs>
+                  <a:gs pos="100000">
+                    <a:schemeClr val="accent2">
+                      <a:shade val="45000"/>
+                      <a:satMod val="165000"/>
+                    </a:schemeClr>
+                  </a:gs>
+                </a:gsLst>
+                <a:lin ang="5400000"/>
+              </a:gradFill>
+              <a:effectLst>
+                <a:outerShdw blurRad="76200" dist="50800" dir="5400000" algn="tl" rotWithShape="0">
+                  <a:srgbClr val="000000">
+                    <a:alpha val="65000"/>
+                  </a:srgbClr>
+                </a:outerShdw>
+              </a:effectLst>
+            </a:endParaRPr>
+          </a:p>
+        </p:txBody>
+      </p:sp>
+    </p:spTree>
+    <p:extLst>
+      <p:ext uri="{BB962C8B-B14F-4D97-AF65-F5344CB8AC3E}">
+        <p14:creationId xmlns:p14="http://schemas.microsoft.com/office/powerpoint/2010/main" val="703076553"/>
+      </p:ext>
+    </p:extLst>
+  </p:cSld>
+  <p:clrMapOvr>
+    <a:masterClrMapping/>
+  </p:clrMapOvr>
+</p:sld>
+</file>
+
+<file path=ppt/slides/slide9.xml><?xml version="1.0" encoding="utf-8"?>
+<p:sld xmlns:a="http://schemas.openxmlformats.org/drawingml/2006/main" xmlns:r="http://schemas.openxmlformats.org/officeDocument/2006/relationships" xmlns:p="http://schemas.openxmlformats.org/presentationml/2006/main">
+  <p:cSld>
+    <p:spTree>
+      <p:nvGrpSpPr>
+        <p:cNvPr id="1" name=""/>
+        <p:cNvGrpSpPr/>
+        <p:nvPr/>
+      </p:nvGrpSpPr>
+      <p:grpSpPr>
+        <a:xfrm>
+          <a:off x="0" y="0"/>
+          <a:ext cx="0" cy="0"/>
+          <a:chOff x="0" y="0"/>
+          <a:chExt cx="0" cy="0"/>
+        </a:xfrm>
+      </p:grpSpPr>
+      <p:pic>
+        <p:nvPicPr>
+          <p:cNvPr id="2" name="Picture 2" descr="F:\Users\Алекс\Desktop\urfu_logo_en.png"/>
+          <p:cNvPicPr>
+            <a:picLocks noChangeAspect="1" noChangeArrowheads="1"/>
+          </p:cNvPicPr>
+          <p:nvPr/>
+        </p:nvPicPr>
+        <p:blipFill>
+          <a:blip r:embed="rId2" cstate="print">
+            <a:extLst>
+              <a:ext uri="{28A0092B-C50C-407E-A947-70E740481C1C}">
+                <a14:useLocalDpi xmlns:a14="http://schemas.microsoft.com/office/drawing/2010/main" val="0"/>
+              </a:ext>
+            </a:extLst>
+          </a:blip>
+          <a:srcRect/>
+          <a:stretch>
+            <a:fillRect/>
+          </a:stretch>
+        </p:blipFill>
+        <p:spPr bwMode="auto">
+          <a:xfrm>
+            <a:off x="0" y="0"/>
+            <a:ext cx="2133600" cy="1085850"/>
+          </a:xfrm>
+          <a:prstGeom prst="rect">
+            <a:avLst/>
+          </a:prstGeom>
+          <a:noFill/>
+          <a:ln w="9525">
+            <a:noFill/>
+            <a:prstDash val="sysDash"/>
+            <a:miter lim="800000"/>
+            <a:headEnd/>
+            <a:tailEnd/>
+          </a:ln>
+          <a:extLst>
+            <a:ext uri="{909E8E84-426E-40DD-AFC4-6F175D3DCCD1}">
+              <a14:hiddenFill xmlns:a14="http://schemas.microsoft.com/office/drawing/2010/main">
+                <a:solidFill>
+                  <a:srgbClr val="FFFFFF"/>
+                </a:solidFill>
+              </a14:hiddenFill>
+            </a:ext>
+          </a:extLst>
+        </p:spPr>
+      </p:pic>
+      <p:sp>
+        <p:nvSpPr>
+          <p:cNvPr id="3" name="TextBox 2"/>
+          <p:cNvSpPr txBox="1"/>
+          <p:nvPr/>
+        </p:nvSpPr>
+        <p:spPr>
+          <a:xfrm>
+            <a:off x="2051720" y="219759"/>
+            <a:ext cx="6840760" cy="646331"/>
+          </a:xfrm>
+          <a:prstGeom prst="rect">
+            <a:avLst/>
+          </a:prstGeom>
+          <a:noFill/>
+        </p:spPr>
+        <p:txBody>
+          <a:bodyPr wrap="square" rtlCol="0">
+            <a:spAutoFit/>
+            <a:scene3d>
+              <a:camera prst="orthographicFront"/>
+              <a:lightRig rig="soft" dir="tl">
+                <a:rot lat="0" lon="0" rev="0"/>
+              </a:lightRig>
+            </a:scene3d>
+            <a:sp3d contourW="25400" prstMaterial="matte">
+              <a:bevelT w="25400" h="55880" prst="artDeco"/>
+              <a:contourClr>
+                <a:schemeClr val="accent2">
+                  <a:tint val="20000"/>
+                </a:schemeClr>
+              </a:contourClr>
+            </a:sp3d>
+          </a:bodyPr>
+          <a:lstStyle/>
+          <a:p>
+            <a:pPr algn="r"/>
+            <a:r>
+              <a:rPr lang="en-US" sz="3600" b="1" spc="50" dirty="0">
+                <a:ln w="11430"/>
+                <a:gradFill>
+                  <a:gsLst>
+                    <a:gs pos="25000">
+                      <a:schemeClr val="accent2">
+                        <a:satMod val="155000"/>
+                      </a:schemeClr>
+                    </a:gs>
+                    <a:gs pos="100000">
+                      <a:schemeClr val="accent2">
+                        <a:shade val="45000"/>
+                        <a:satMod val="165000"/>
+                      </a:schemeClr>
+                    </a:gs>
+                  </a:gsLst>
+                  <a:lin ang="5400000"/>
+                </a:gradFill>
+                <a:effectLst>
+                  <a:outerShdw blurRad="76200" dist="50800" dir="5400000" algn="tl" rotWithShape="0">
+                    <a:srgbClr val="000000">
+                      <a:alpha val="65000"/>
+                    </a:srgbClr>
+                  </a:outerShdw>
+                </a:effectLst>
+              </a:rPr>
+              <a:t>Title</a:t>
+            </a:r>
+            <a:endParaRPr lang="ru-RU" sz="3600" b="1" spc="50" dirty="0">
+              <a:ln w="11430"/>
+              <a:gradFill>
+                <a:gsLst>
+                  <a:gs pos="25000">
+                    <a:schemeClr val="accent2">
+                      <a:satMod val="155000"/>
+                    </a:schemeClr>
+                  </a:gs>
+                  <a:gs pos="100000">
+                    <a:schemeClr val="accent2">
+                      <a:shade val="45000"/>
+                      <a:satMod val="165000"/>
+                    </a:schemeClr>
+                  </a:gs>
+                </a:gsLst>
+                <a:lin ang="5400000"/>
+              </a:gradFill>
+              <a:effectLst>
+                <a:outerShdw blurRad="76200" dist="50800" dir="5400000" algn="tl" rotWithShape="0">
+                  <a:srgbClr val="000000">
+                    <a:alpha val="65000"/>
+                  </a:srgbClr>
+                </a:outerShdw>
+              </a:effectLst>
+            </a:endParaRPr>
+          </a:p>
+        </p:txBody>
+      </p:sp>
+    </p:spTree>
+    <p:extLst>
+      <p:ext uri="{BB962C8B-B14F-4D97-AF65-F5344CB8AC3E}">
+        <p14:creationId xmlns:p14="http://schemas.microsoft.com/office/powerpoint/2010/main" val="1817060930"/>
       </p:ext>
     </p:extLst>
   </p:cSld>

--- a/motor2019/pptx/Report.pptx
+++ b/motor2019/pptx/Report.pptx
@@ -19,10 +19,11 @@
     <p:sldId id="269" r:id="rId13"/>
     <p:sldId id="271" r:id="rId14"/>
     <p:sldId id="270" r:id="rId15"/>
-    <p:sldId id="272" r:id="rId16"/>
-    <p:sldId id="273" r:id="rId17"/>
-    <p:sldId id="274" r:id="rId18"/>
-    <p:sldId id="259" r:id="rId19"/>
+    <p:sldId id="275" r:id="rId16"/>
+    <p:sldId id="272" r:id="rId17"/>
+    <p:sldId id="273" r:id="rId18"/>
+    <p:sldId id="274" r:id="rId19"/>
+    <p:sldId id="259" r:id="rId20"/>
   </p:sldIdLst>
   <p:sldSz cx="9144000" cy="6858000" type="screen4x3"/>
   <p:notesSz cx="6858000" cy="9144000"/>
@@ -144,6 +145,7 @@
             <p14:sldId id="269"/>
             <p14:sldId id="271"/>
             <p14:sldId id="270"/>
+            <p14:sldId id="275"/>
             <p14:sldId id="272"/>
             <p14:sldId id="273"/>
             <p14:sldId id="274"/>
@@ -13679,10 +13681,10 @@
         </p:nvGrpSpPr>
         <p:grpSpPr>
           <a:xfrm>
-            <a:off x="252000" y="1269000"/>
-            <a:ext cx="5644412" cy="2949144"/>
+            <a:off x="3492000" y="3809442"/>
+            <a:ext cx="5644412" cy="3048558"/>
             <a:chOff x="0" y="0"/>
-            <a:chExt cx="3562350" cy="1861289"/>
+            <a:chExt cx="3562350" cy="1924032"/>
           </a:xfrm>
         </p:grpSpPr>
         <p:sp>
@@ -13742,7 +13744,7 @@
             <a:noFill/>
             <a:ln w="28575">
               <a:solidFill>
-                <a:schemeClr val="tx1"/>
+                <a:srgbClr val="7030A0"/>
               </a:solidFill>
             </a:ln>
           </p:spPr>
@@ -13834,7 +13836,7 @@
             <a:noFill/>
             <a:ln w="28575">
               <a:solidFill>
-                <a:schemeClr val="tx1"/>
+                <a:srgbClr val="7030A0"/>
               </a:solidFill>
             </a:ln>
           </p:spPr>
@@ -13926,7 +13928,7 @@
             <a:noFill/>
             <a:ln w="28575">
               <a:solidFill>
-                <a:schemeClr val="tx1"/>
+                <a:srgbClr val="7030A0"/>
               </a:solidFill>
             </a:ln>
           </p:spPr>
@@ -14028,7 +14030,7 @@
             <a:noFill/>
             <a:ln w="28575">
               <a:solidFill>
-                <a:schemeClr val="tx1"/>
+                <a:srgbClr val="7030A0"/>
               </a:solidFill>
             </a:ln>
           </p:spPr>
@@ -14233,7 +14235,7 @@
                 </a:spcAft>
               </a:pPr>
               <a:r>
-                <a:rPr lang="en-US" sz="1100">
+                <a:rPr lang="en-US">
                   <a:effectLst/>
                   <a:latin typeface="Calibri" panose="020F0502020204030204" pitchFamily="34" charset="0"/>
                   <a:ea typeface="Calibri" panose="020F0502020204030204" pitchFamily="34" charset="0"/>
@@ -14242,7 +14244,7 @@
                 <a:t>M</a:t>
               </a:r>
               <a:r>
-                <a:rPr lang="en-US" sz="1100" baseline="-25000">
+                <a:rPr lang="en-US" baseline="-25000">
                   <a:effectLst/>
                   <a:latin typeface="Calibri" panose="020F0502020204030204" pitchFamily="34" charset="0"/>
                   <a:ea typeface="Calibri" panose="020F0502020204030204" pitchFamily="34" charset="0"/>
@@ -14250,7 +14252,7 @@
                 </a:rPr>
                 <a:t>i</a:t>
               </a:r>
-              <a:endParaRPr lang="ru-RU" sz="1100">
+              <a:endParaRPr lang="ru-RU">
                 <a:effectLst/>
                 <a:latin typeface="Calibri" panose="020F0502020204030204" pitchFamily="34" charset="0"/>
                 <a:ea typeface="Calibri" panose="020F0502020204030204" pitchFamily="34" charset="0"/>
@@ -14302,7 +14304,7 @@
                 </a:spcAft>
               </a:pPr>
               <a:r>
-                <a:rPr lang="en-US" sz="1100">
+                <a:rPr lang="en-US" dirty="0">
                   <a:effectLst/>
                   <a:latin typeface="Calibri" panose="020F0502020204030204" pitchFamily="34" charset="0"/>
                   <a:ea typeface="Calibri" panose="020F0502020204030204" pitchFamily="34" charset="0"/>
@@ -14311,7 +14313,7 @@
                 <a:t>M</a:t>
               </a:r>
               <a:r>
-                <a:rPr lang="en-US" sz="1100" baseline="-25000">
+                <a:rPr lang="en-US" baseline="-25000" dirty="0">
                   <a:effectLst/>
                   <a:latin typeface="Calibri" panose="020F0502020204030204" pitchFamily="34" charset="0"/>
                   <a:ea typeface="Calibri" panose="020F0502020204030204" pitchFamily="34" charset="0"/>
@@ -14319,7 +14321,7 @@
                 </a:rPr>
                 <a:t>i+1</a:t>
               </a:r>
-              <a:endParaRPr lang="ru-RU" sz="1100">
+              <a:endParaRPr lang="ru-RU" dirty="0">
                 <a:effectLst/>
                 <a:latin typeface="Calibri" panose="020F0502020204030204" pitchFamily="34" charset="0"/>
                 <a:ea typeface="Calibri" panose="020F0502020204030204" pitchFamily="34" charset="0"/>
@@ -14371,7 +14373,7 @@
                 </a:spcAft>
               </a:pPr>
               <a:r>
-                <a:rPr lang="en-US" sz="1100">
+                <a:rPr lang="en-US">
                   <a:effectLst/>
                   <a:latin typeface="Calibri" panose="020F0502020204030204" pitchFamily="34" charset="0"/>
                   <a:ea typeface="Calibri" panose="020F0502020204030204" pitchFamily="34" charset="0"/>
@@ -14380,7 +14382,7 @@
                 <a:t>M</a:t>
               </a:r>
               <a:r>
-                <a:rPr lang="en-US" sz="1100" baseline="-25000">
+                <a:rPr lang="en-US" baseline="-25000">
                   <a:effectLst/>
                   <a:latin typeface="Calibri" panose="020F0502020204030204" pitchFamily="34" charset="0"/>
                   <a:ea typeface="Calibri" panose="020F0502020204030204" pitchFamily="34" charset="0"/>
@@ -14388,7 +14390,7 @@
                 </a:rPr>
                 <a:t>i+2</a:t>
               </a:r>
-              <a:endParaRPr lang="ru-RU" sz="1100">
+              <a:endParaRPr lang="ru-RU">
                 <a:effectLst/>
                 <a:latin typeface="Calibri" panose="020F0502020204030204" pitchFamily="34" charset="0"/>
                 <a:ea typeface="Calibri" panose="020F0502020204030204" pitchFamily="34" charset="0"/>
@@ -14440,7 +14442,7 @@
                 </a:spcAft>
               </a:pPr>
               <a:r>
-                <a:rPr lang="en-US" sz="1100">
+                <a:rPr lang="en-US">
                   <a:effectLst/>
                   <a:latin typeface="Calibri" panose="020F0502020204030204" pitchFamily="34" charset="0"/>
                   <a:ea typeface="Calibri" panose="020F0502020204030204" pitchFamily="34" charset="0"/>
@@ -14449,7 +14451,7 @@
                 <a:t>M</a:t>
               </a:r>
               <a:r>
-                <a:rPr lang="en-US" sz="1100" baseline="-25000">
+                <a:rPr lang="en-US" baseline="-25000">
                   <a:effectLst/>
                   <a:latin typeface="Calibri" panose="020F0502020204030204" pitchFamily="34" charset="0"/>
                   <a:ea typeface="Calibri" panose="020F0502020204030204" pitchFamily="34" charset="0"/>
@@ -14457,7 +14459,7 @@
                 </a:rPr>
                 <a:t>i-1</a:t>
               </a:r>
-              <a:endParaRPr lang="ru-RU" sz="1100">
+              <a:endParaRPr lang="ru-RU">
                 <a:effectLst/>
                 <a:latin typeface="Calibri" panose="020F0502020204030204" pitchFamily="34" charset="0"/>
                 <a:ea typeface="Calibri" panose="020F0502020204030204" pitchFamily="34" charset="0"/>
@@ -14596,7 +14598,7 @@
           </p:nvSpPr>
           <p:spPr>
             <a:xfrm>
-              <a:off x="971469" y="1546964"/>
+              <a:off x="886620" y="1590514"/>
               <a:ext cx="381000" cy="314325"/>
             </a:xfrm>
             <a:prstGeom prst="rect">
@@ -14625,7 +14627,7 @@
                 </a:spcAft>
               </a:pPr>
               <a:r>
-                <a:rPr lang="en-US" sz="1100" dirty="0" err="1">
+                <a:rPr lang="en-US" dirty="0" err="1">
                   <a:effectLst/>
                   <a:latin typeface="Calibri" panose="020F0502020204030204" pitchFamily="34" charset="0"/>
                   <a:ea typeface="Calibri" panose="020F0502020204030204" pitchFamily="34" charset="0"/>
@@ -14634,7 +14636,7 @@
                 <a:t>M’</a:t>
               </a:r>
               <a:r>
-                <a:rPr lang="en-US" sz="1100" baseline="-25000" dirty="0" err="1">
+                <a:rPr lang="en-US" baseline="-25000" dirty="0" err="1">
                   <a:effectLst/>
                   <a:latin typeface="Calibri" panose="020F0502020204030204" pitchFamily="34" charset="0"/>
                   <a:ea typeface="Calibri" panose="020F0502020204030204" pitchFamily="34" charset="0"/>
@@ -14642,7 +14644,7 @@
                 </a:rPr>
                 <a:t>i</a:t>
               </a:r>
-              <a:endParaRPr lang="ru-RU" sz="1100" dirty="0">
+              <a:endParaRPr lang="ru-RU" dirty="0">
                 <a:effectLst/>
                 <a:latin typeface="Calibri" panose="020F0502020204030204" pitchFamily="34" charset="0"/>
                 <a:ea typeface="Calibri" panose="020F0502020204030204" pitchFamily="34" charset="0"/>
@@ -14665,7 +14667,7 @@
           </p:nvSpPr>
           <p:spPr>
             <a:xfrm>
-              <a:off x="2000250" y="1533525"/>
+              <a:off x="1942306" y="1609707"/>
               <a:ext cx="561975" cy="314325"/>
             </a:xfrm>
             <a:prstGeom prst="rect">
@@ -14694,7 +14696,7 @@
                 </a:spcAft>
               </a:pPr>
               <a:r>
-                <a:rPr lang="en-US" sz="1100">
+                <a:rPr lang="en-US" dirty="0">
                   <a:effectLst/>
                   <a:latin typeface="Calibri" panose="020F0502020204030204" pitchFamily="34" charset="0"/>
                   <a:ea typeface="Calibri" panose="020F0502020204030204" pitchFamily="34" charset="0"/>
@@ -14703,7 +14705,7 @@
                 <a:t>M’</a:t>
               </a:r>
               <a:r>
-                <a:rPr lang="en-US" sz="1100" baseline="-25000">
+                <a:rPr lang="en-US" baseline="-25000" dirty="0">
                   <a:effectLst/>
                   <a:latin typeface="Calibri" panose="020F0502020204030204" pitchFamily="34" charset="0"/>
                   <a:ea typeface="Calibri" panose="020F0502020204030204" pitchFamily="34" charset="0"/>
@@ -14711,7 +14713,7 @@
                 </a:rPr>
                 <a:t>i+1</a:t>
               </a:r>
-              <a:endParaRPr lang="ru-RU" sz="1100">
+              <a:endParaRPr lang="ru-RU" dirty="0">
                 <a:effectLst/>
                 <a:latin typeface="Calibri" panose="020F0502020204030204" pitchFamily="34" charset="0"/>
                 <a:ea typeface="Calibri" panose="020F0502020204030204" pitchFamily="34" charset="0"/>
@@ -14793,7 +14795,7 @@
             <a:noFill/>
             <a:ln w="19050">
               <a:solidFill>
-                <a:schemeClr val="tx1"/>
+                <a:srgbClr val="FF0000"/>
               </a:solidFill>
               <a:prstDash val="dash"/>
             </a:ln>
@@ -14870,7 +14872,7 @@
                 </a:spcAft>
               </a:pPr>
               <a:r>
-                <a:rPr lang="en-US" sz="1100">
+                <a:rPr lang="en-US">
                   <a:effectLst/>
                   <a:latin typeface="Calibri" panose="020F0502020204030204" pitchFamily="34" charset="0"/>
                   <a:ea typeface="Calibri" panose="020F0502020204030204" pitchFamily="34" charset="0"/>
@@ -14879,7 +14881,7 @@
                 <a:t>M</a:t>
               </a:r>
               <a:r>
-                <a:rPr lang="en-US" sz="1100" baseline="-25000">
+                <a:rPr lang="en-US" baseline="-25000">
                   <a:effectLst/>
                   <a:latin typeface="Calibri" panose="020F0502020204030204" pitchFamily="34" charset="0"/>
                   <a:ea typeface="Calibri" panose="020F0502020204030204" pitchFamily="34" charset="0"/>
@@ -14888,7 +14890,7 @@
                 <a:t>i</a:t>
               </a:r>
               <a:r>
-                <a:rPr lang="en-US" sz="1100">
+                <a:rPr lang="en-US">
                   <a:effectLst/>
                   <a:latin typeface="Calibri" panose="020F0502020204030204" pitchFamily="34" charset="0"/>
                   <a:ea typeface="Calibri" panose="020F0502020204030204" pitchFamily="34" charset="0"/>
@@ -14896,7 +14898,7 @@
                 </a:rPr>
                 <a:t>(s)</a:t>
               </a:r>
-              <a:endParaRPr lang="ru-RU" sz="1100">
+              <a:endParaRPr lang="ru-RU">
                 <a:effectLst/>
                 <a:latin typeface="Calibri" panose="020F0502020204030204" pitchFamily="34" charset="0"/>
                 <a:ea typeface="Calibri" panose="020F0502020204030204" pitchFamily="34" charset="0"/>
@@ -14919,7 +14921,7 @@
           </p:nvSpPr>
           <p:spPr>
             <a:xfrm>
-              <a:off x="2095500" y="1285875"/>
+              <a:off x="1995531" y="1381090"/>
               <a:ext cx="561975" cy="314325"/>
             </a:xfrm>
             <a:prstGeom prst="rect">
@@ -14948,7 +14950,7 @@
                 </a:spcAft>
               </a:pPr>
               <a:r>
-                <a:rPr lang="en-US" sz="1100">
+                <a:rPr lang="en-US" dirty="0">
                   <a:effectLst/>
                   <a:latin typeface="Calibri" panose="020F0502020204030204" pitchFamily="34" charset="0"/>
                   <a:ea typeface="Calibri" panose="020F0502020204030204" pitchFamily="34" charset="0"/>
@@ -14957,7 +14959,7 @@
                 <a:t>M</a:t>
               </a:r>
               <a:r>
-                <a:rPr lang="en-US" sz="1100" baseline="-25000">
+                <a:rPr lang="en-US" baseline="-25000" dirty="0">
                   <a:effectLst/>
                   <a:latin typeface="Calibri" panose="020F0502020204030204" pitchFamily="34" charset="0"/>
                   <a:ea typeface="Calibri" panose="020F0502020204030204" pitchFamily="34" charset="0"/>
@@ -14966,7 +14968,7 @@
                 <a:t>i+1</a:t>
               </a:r>
               <a:r>
-                <a:rPr lang="en-US" sz="1100">
+                <a:rPr lang="en-US" dirty="0">
                   <a:effectLst/>
                   <a:latin typeface="Calibri" panose="020F0502020204030204" pitchFamily="34" charset="0"/>
                   <a:ea typeface="Calibri" panose="020F0502020204030204" pitchFamily="34" charset="0"/>
@@ -14974,7 +14976,7 @@
                 </a:rPr>
                 <a:t>(t)</a:t>
               </a:r>
-              <a:endParaRPr lang="ru-RU" sz="1100">
+              <a:endParaRPr lang="ru-RU" dirty="0">
                 <a:effectLst/>
                 <a:latin typeface="Calibri" panose="020F0502020204030204" pitchFamily="34" charset="0"/>
                 <a:ea typeface="Calibri" panose="020F0502020204030204" pitchFamily="34" charset="0"/>
@@ -15026,7 +15028,7 @@
                 </a:spcAft>
               </a:pPr>
               <a:r>
-                <a:rPr lang="en-US" sz="1100">
+                <a:rPr lang="en-US">
                   <a:effectLst/>
                   <a:latin typeface="Calibri" panose="020F0502020204030204" pitchFamily="34" charset="0"/>
                   <a:ea typeface="Calibri" panose="020F0502020204030204" pitchFamily="34" charset="0"/>
@@ -15035,7 +15037,7 @@
                 <a:t>C</a:t>
               </a:r>
               <a:r>
-                <a:rPr lang="en-US" sz="1100" baseline="-25000">
+                <a:rPr lang="en-US" baseline="-25000">
                   <a:effectLst/>
                   <a:latin typeface="Calibri" panose="020F0502020204030204" pitchFamily="34" charset="0"/>
                   <a:ea typeface="Calibri" panose="020F0502020204030204" pitchFamily="34" charset="0"/>
@@ -15043,7 +15045,7 @@
                 </a:rPr>
                 <a:t>i</a:t>
               </a:r>
-              <a:endParaRPr lang="ru-RU" sz="1100">
+              <a:endParaRPr lang="ru-RU">
                 <a:effectLst/>
                 <a:latin typeface="Calibri" panose="020F0502020204030204" pitchFamily="34" charset="0"/>
                 <a:ea typeface="Calibri" panose="020F0502020204030204" pitchFamily="34" charset="0"/>
@@ -15095,7 +15097,7 @@
                 </a:spcAft>
               </a:pPr>
               <a:r>
-                <a:rPr lang="en-US" sz="1100">
+                <a:rPr lang="en-US">
                   <a:effectLst/>
                   <a:latin typeface="Calibri" panose="020F0502020204030204" pitchFamily="34" charset="0"/>
                   <a:ea typeface="Calibri" panose="020F0502020204030204" pitchFamily="34" charset="0"/>
@@ -15104,7 +15106,7 @@
                 <a:t>C</a:t>
               </a:r>
               <a:r>
-                <a:rPr lang="en-US" sz="1100" baseline="-25000">
+                <a:rPr lang="en-US" baseline="-25000">
                   <a:effectLst/>
                   <a:latin typeface="Calibri" panose="020F0502020204030204" pitchFamily="34" charset="0"/>
                   <a:ea typeface="Calibri" panose="020F0502020204030204" pitchFamily="34" charset="0"/>
@@ -15112,7 +15114,7 @@
                 </a:rPr>
                 <a:t>i+1</a:t>
               </a:r>
-              <a:endParaRPr lang="ru-RU" sz="1100">
+              <a:endParaRPr lang="ru-RU">
                 <a:effectLst/>
                 <a:latin typeface="Calibri" panose="020F0502020204030204" pitchFamily="34" charset="0"/>
                 <a:ea typeface="Calibri" panose="020F0502020204030204" pitchFamily="34" charset="0"/>
@@ -15172,7 +15174,7 @@
                       </m:oMathParaPr>
                       <m:oMath xmlns:m="http://schemas.openxmlformats.org/officeDocument/2006/math">
                         <m:r>
-                          <a:rPr lang="en-US" sz="1100" i="1">
+                          <a:rPr lang="en-US" i="1">
                             <a:effectLst/>
                             <a:latin typeface="Cambria Math" panose="02040503050406030204" pitchFamily="18" charset="0"/>
                             <a:ea typeface="Calibri" panose="020F0502020204030204" pitchFamily="34" charset="0"/>
@@ -15181,7 +15183,7 @@
                           <m:t>𝜆</m:t>
                         </m:r>
                         <m:r>
-                          <a:rPr lang="en-US" sz="1100" i="1">
+                          <a:rPr lang="en-US" i="1">
                             <a:effectLst/>
                             <a:latin typeface="Cambria Math" panose="02040503050406030204" pitchFamily="18" charset="0"/>
                             <a:ea typeface="Calibri" panose="020F0502020204030204" pitchFamily="34" charset="0"/>
@@ -15190,7 +15192,7 @@
                           <m:t>(</m:t>
                         </m:r>
                         <m:r>
-                          <a:rPr lang="en-US" sz="1100" i="1">
+                          <a:rPr lang="en-US" i="1">
                             <a:effectLst/>
                             <a:latin typeface="Cambria Math" panose="02040503050406030204" pitchFamily="18" charset="0"/>
                             <a:ea typeface="Calibri" panose="020F0502020204030204" pitchFamily="34" charset="0"/>
@@ -15199,7 +15201,7 @@
                           <m:t>𝑠</m:t>
                         </m:r>
                         <m:r>
-                          <a:rPr lang="en-US" sz="1100" i="1">
+                          <a:rPr lang="en-US" i="1">
                             <a:effectLst/>
                             <a:latin typeface="Cambria Math" panose="02040503050406030204" pitchFamily="18" charset="0"/>
                             <a:ea typeface="Calibri" panose="020F0502020204030204" pitchFamily="34" charset="0"/>
@@ -15208,7 +15210,7 @@
                           <m:t>,</m:t>
                         </m:r>
                         <m:r>
-                          <a:rPr lang="en-US" sz="1100" i="1">
+                          <a:rPr lang="en-US" i="1">
                             <a:effectLst/>
                             <a:latin typeface="Cambria Math" panose="02040503050406030204" pitchFamily="18" charset="0"/>
                             <a:ea typeface="Calibri" panose="020F0502020204030204" pitchFamily="34" charset="0"/>
@@ -15217,7 +15219,7 @@
                           <m:t>𝑡</m:t>
                         </m:r>
                         <m:r>
-                          <a:rPr lang="en-US" sz="1100" i="1">
+                          <a:rPr lang="en-US" i="1">
                             <a:effectLst/>
                             <a:latin typeface="Cambria Math" panose="02040503050406030204" pitchFamily="18" charset="0"/>
                             <a:ea typeface="Calibri" panose="020F0502020204030204" pitchFamily="34" charset="0"/>
@@ -15228,7 +15230,7 @@
                       </m:oMath>
                     </m:oMathPara>
                   </a14:m>
-                  <a:endParaRPr lang="ru-RU" sz="1100">
+                  <a:endParaRPr lang="ru-RU">
                     <a:effectLst/>
                     <a:latin typeface="Calibri" panose="020F0502020204030204" pitchFamily="34" charset="0"/>
                     <a:ea typeface="Calibri" panose="020F0502020204030204" pitchFamily="34" charset="0"/>
@@ -15287,6 +15289,1987 @@
           </mc:Fallback>
         </mc:AlternateContent>
       </p:grpSp>
+      <mc:AlternateContent xmlns:mc="http://schemas.openxmlformats.org/markup-compatibility/2006">
+        <mc:Choice xmlns:a14="http://schemas.microsoft.com/office/drawing/2010/main" Requires="a14">
+          <p:sp>
+            <p:nvSpPr>
+              <p:cNvPr id="4" name="TextBox 3">
+                <a:extLst>
+                  <a:ext uri="{FF2B5EF4-FFF2-40B4-BE49-F238E27FC236}">
+                    <a16:creationId xmlns:a16="http://schemas.microsoft.com/office/drawing/2014/main" id="{1995AFFB-3E3A-4513-A266-87F253EFAC74}"/>
+                  </a:ext>
+                </a:extLst>
+              </p:cNvPr>
+              <p:cNvSpPr txBox="1"/>
+              <p:nvPr/>
+            </p:nvSpPr>
+            <p:spPr>
+              <a:xfrm>
+                <a:off x="88396" y="1127516"/>
+                <a:ext cx="6047618" cy="4530856"/>
+              </a:xfrm>
+              <a:prstGeom prst="rect">
+                <a:avLst/>
+              </a:prstGeom>
+              <a:noFill/>
+            </p:spPr>
+            <p:txBody>
+              <a:bodyPr wrap="none" rtlCol="0">
+                <a:spAutoFit/>
+              </a:bodyPr>
+              <a:lstStyle/>
+              <a:p>
+                <a:pPr marL="342900" indent="-342900">
+                  <a:buFont typeface="+mj-lt"/>
+                  <a:buAutoNum type="arabicPeriod"/>
+                </a:pPr>
+                <a14:m>
+                  <m:oMath xmlns:m="http://schemas.openxmlformats.org/officeDocument/2006/math">
+                    <m:sSub>
+                      <m:sSubPr>
+                        <m:ctrlPr>
+                          <a:rPr lang="en-US" b="0" i="1" smtClean="0">
+                            <a:latin typeface="Cambria Math" panose="02040503050406030204" pitchFamily="18" charset="0"/>
+                          </a:rPr>
+                        </m:ctrlPr>
+                      </m:sSubPr>
+                      <m:e>
+                        <m:r>
+                          <a:rPr lang="en-US" b="0" i="1" smtClean="0">
+                            <a:latin typeface="Cambria Math" panose="02040503050406030204" pitchFamily="18" charset="0"/>
+                          </a:rPr>
+                          <m:t>𝐶</m:t>
+                        </m:r>
+                      </m:e>
+                      <m:sub>
+                        <m:r>
+                          <a:rPr lang="en-US" b="0" i="1" smtClean="0">
+                            <a:latin typeface="Cambria Math" panose="02040503050406030204" pitchFamily="18" charset="0"/>
+                          </a:rPr>
+                          <m:t>𝑖</m:t>
+                        </m:r>
+                      </m:sub>
+                    </m:sSub>
+                  </m:oMath>
+                </a14:m>
+                <a:r>
+                  <a:rPr lang="en-US" dirty="0"/>
+                  <a:t>– polygons</a:t>
+                </a:r>
+              </a:p>
+              <a:p>
+                <a:pPr marL="342900" indent="-342900">
+                  <a:buFont typeface="+mj-lt"/>
+                  <a:buAutoNum type="arabicPeriod"/>
+                </a:pPr>
+                <a14:m>
+                  <m:oMath xmlns:m="http://schemas.openxmlformats.org/officeDocument/2006/math">
+                    <m:sSub>
+                      <m:sSubPr>
+                        <m:ctrlPr>
+                          <a:rPr lang="en-US" i="1">
+                            <a:latin typeface="Cambria Math" panose="02040503050406030204" pitchFamily="18" charset="0"/>
+                          </a:rPr>
+                        </m:ctrlPr>
+                      </m:sSubPr>
+                      <m:e>
+                        <m:r>
+                          <a:rPr lang="en-US" b="0" i="1" smtClean="0">
+                            <a:latin typeface="Cambria Math" panose="02040503050406030204" pitchFamily="18" charset="0"/>
+                          </a:rPr>
+                          <m:t>∀</m:t>
+                        </m:r>
+                        <m:r>
+                          <a:rPr lang="en-US" b="0" i="1" smtClean="0">
+                            <a:latin typeface="Cambria Math" panose="02040503050406030204" pitchFamily="18" charset="0"/>
+                          </a:rPr>
+                          <m:t>𝑖</m:t>
+                        </m:r>
+                        <m:r>
+                          <a:rPr lang="en-US" b="0" i="1" smtClean="0">
+                            <a:latin typeface="Cambria Math" panose="02040503050406030204" pitchFamily="18" charset="0"/>
+                          </a:rPr>
+                          <m:t>, </m:t>
+                        </m:r>
+                        <m:r>
+                          <a:rPr lang="en-US" b="0" i="1" smtClean="0">
+                            <a:latin typeface="Cambria Math" panose="02040503050406030204" pitchFamily="18" charset="0"/>
+                          </a:rPr>
+                          <m:t>𝑀</m:t>
+                        </m:r>
+                      </m:e>
+                      <m:sub>
+                        <m:r>
+                          <a:rPr lang="en-US" i="1">
+                            <a:latin typeface="Cambria Math" panose="02040503050406030204" pitchFamily="18" charset="0"/>
+                          </a:rPr>
+                          <m:t>𝑖</m:t>
+                        </m:r>
+                      </m:sub>
+                    </m:sSub>
+                  </m:oMath>
+                </a14:m>
+                <a:r>
+                  <a:rPr lang="en-US" dirty="0"/>
+                  <a:t>gives minimal </a:t>
+                </a:r>
+                <a14:m>
+                  <m:oMath xmlns:m="http://schemas.openxmlformats.org/officeDocument/2006/math">
+                    <m:sSub>
+                      <m:sSubPr>
+                        <m:ctrlPr>
+                          <a:rPr lang="en-US" b="0" i="1" smtClean="0">
+                            <a:latin typeface="Cambria Math" panose="02040503050406030204" pitchFamily="18" charset="0"/>
+                          </a:rPr>
+                        </m:ctrlPr>
+                      </m:sSubPr>
+                      <m:e>
+                        <m:r>
+                          <a:rPr lang="en-US" b="0" i="1" smtClean="0">
+                            <a:latin typeface="Cambria Math" panose="02040503050406030204" pitchFamily="18" charset="0"/>
+                          </a:rPr>
+                          <m:t>𝐿</m:t>
+                        </m:r>
+                      </m:e>
+                      <m:sub>
+                        <m:r>
+                          <a:rPr lang="en-US" b="0" i="1" smtClean="0">
+                            <a:latin typeface="Cambria Math" panose="02040503050406030204" pitchFamily="18" charset="0"/>
+                          </a:rPr>
+                          <m:t>𝑜𝑓𝑓</m:t>
+                        </m:r>
+                      </m:sub>
+                    </m:sSub>
+                  </m:oMath>
+                </a14:m>
+                <a:r>
+                  <a:rPr lang="en-US" dirty="0"/>
+                  <a:t>:</a:t>
+                </a:r>
+              </a:p>
+              <a:p>
+                <a:pPr marL="742950" lvl="1" indent="-285750">
+                  <a:buFont typeface="Arial" panose="020B0604020202020204" pitchFamily="34" charset="0"/>
+                  <a:buChar char="•"/>
+                </a:pPr>
+                <a14:m>
+                  <m:oMath xmlns:m="http://schemas.openxmlformats.org/officeDocument/2006/math">
+                    <m:sSub>
+                      <m:sSubPr>
+                        <m:ctrlPr>
+                          <a:rPr lang="en-US" i="1">
+                            <a:latin typeface="Cambria Math" panose="02040503050406030204" pitchFamily="18" charset="0"/>
+                          </a:rPr>
+                        </m:ctrlPr>
+                      </m:sSubPr>
+                      <m:e>
+                        <m:r>
+                          <a:rPr lang="en-US" b="0" i="1" smtClean="0">
+                            <a:latin typeface="Cambria Math" panose="02040503050406030204" pitchFamily="18" charset="0"/>
+                          </a:rPr>
+                          <m:t>𝑀</m:t>
+                        </m:r>
+                      </m:e>
+                      <m:sub>
+                        <m:r>
+                          <a:rPr lang="en-US" i="1">
+                            <a:latin typeface="Cambria Math" panose="02040503050406030204" pitchFamily="18" charset="0"/>
+                          </a:rPr>
+                          <m:t>𝑖</m:t>
+                        </m:r>
+                      </m:sub>
+                    </m:sSub>
+                    <m:r>
+                      <a:rPr lang="en-US" b="0" i="1" smtClean="0">
+                        <a:latin typeface="Cambria Math" panose="02040503050406030204" pitchFamily="18" charset="0"/>
+                      </a:rPr>
+                      <m:t>→</m:t>
+                    </m:r>
+                    <m:sSub>
+                      <m:sSubPr>
+                        <m:ctrlPr>
+                          <a:rPr lang="en-US" b="0" i="1" smtClean="0">
+                            <a:latin typeface="Cambria Math" panose="02040503050406030204" pitchFamily="18" charset="0"/>
+                          </a:rPr>
+                        </m:ctrlPr>
+                      </m:sSubPr>
+                      <m:e>
+                        <m:r>
+                          <a:rPr lang="en-US" b="0" i="1" smtClean="0">
+                            <a:latin typeface="Cambria Math" panose="02040503050406030204" pitchFamily="18" charset="0"/>
+                          </a:rPr>
+                          <m:t>𝑀</m:t>
+                        </m:r>
+                      </m:e>
+                      <m:sub>
+                        <m:r>
+                          <a:rPr lang="en-US" b="0" i="1" smtClean="0">
+                            <a:latin typeface="Cambria Math" panose="02040503050406030204" pitchFamily="18" charset="0"/>
+                          </a:rPr>
+                          <m:t>𝑖</m:t>
+                        </m:r>
+                      </m:sub>
+                    </m:sSub>
+                    <m:r>
+                      <a:rPr lang="en-US" b="0" i="1" smtClean="0">
+                        <a:latin typeface="Cambria Math" panose="02040503050406030204" pitchFamily="18" charset="0"/>
+                      </a:rPr>
+                      <m:t>+</m:t>
+                    </m:r>
+                    <m:r>
+                      <a:rPr lang="en-US" b="0" i="1" smtClean="0">
+                        <a:latin typeface="Cambria Math" panose="02040503050406030204" pitchFamily="18" charset="0"/>
+                      </a:rPr>
+                      <m:t>𝛿</m:t>
+                    </m:r>
+                    <m:r>
+                      <a:rPr lang="en-US" b="0" i="1" smtClean="0">
+                        <a:latin typeface="Cambria Math" panose="02040503050406030204" pitchFamily="18" charset="0"/>
+                      </a:rPr>
+                      <m:t>⇒</m:t>
+                    </m:r>
+                    <m:sSub>
+                      <m:sSubPr>
+                        <m:ctrlPr>
+                          <a:rPr lang="en-US" b="0" i="1" smtClean="0">
+                            <a:latin typeface="Cambria Math" panose="02040503050406030204" pitchFamily="18" charset="0"/>
+                          </a:rPr>
+                        </m:ctrlPr>
+                      </m:sSubPr>
+                      <m:e>
+                        <m:r>
+                          <a:rPr lang="en-US" b="0" i="1" smtClean="0">
+                            <a:latin typeface="Cambria Math" panose="02040503050406030204" pitchFamily="18" charset="0"/>
+                          </a:rPr>
+                          <m:t>𝐿</m:t>
+                        </m:r>
+                      </m:e>
+                      <m:sub>
+                        <m:r>
+                          <a:rPr lang="en-US" b="0" i="1" smtClean="0">
+                            <a:latin typeface="Cambria Math" panose="02040503050406030204" pitchFamily="18" charset="0"/>
+                          </a:rPr>
+                          <m:t>𝑜𝑓𝑓</m:t>
+                        </m:r>
+                      </m:sub>
+                    </m:sSub>
+                    <m:d>
+                      <m:dPr>
+                        <m:ctrlPr>
+                          <a:rPr lang="en-US" b="0" i="1" smtClean="0">
+                            <a:latin typeface="Cambria Math" panose="02040503050406030204" pitchFamily="18" charset="0"/>
+                          </a:rPr>
+                        </m:ctrlPr>
+                      </m:dPr>
+                      <m:e>
+                        <m:r>
+                          <a:rPr lang="en-US" i="1">
+                            <a:latin typeface="Cambria Math" panose="02040503050406030204" pitchFamily="18" charset="0"/>
+                          </a:rPr>
+                          <m:t>…</m:t>
+                        </m:r>
+                        <m:sSub>
+                          <m:sSubPr>
+                            <m:ctrlPr>
+                              <a:rPr lang="en-US" i="1">
+                                <a:latin typeface="Cambria Math" panose="02040503050406030204" pitchFamily="18" charset="0"/>
+                              </a:rPr>
+                            </m:ctrlPr>
+                          </m:sSubPr>
+                          <m:e>
+                            <m:r>
+                              <a:rPr lang="en-US" i="1">
+                                <a:latin typeface="Cambria Math" panose="02040503050406030204" pitchFamily="18" charset="0"/>
+                              </a:rPr>
+                              <m:t>𝑀</m:t>
+                            </m:r>
+                          </m:e>
+                          <m:sub>
+                            <m:r>
+                              <a:rPr lang="en-US" i="1">
+                                <a:latin typeface="Cambria Math" panose="02040503050406030204" pitchFamily="18" charset="0"/>
+                              </a:rPr>
+                              <m:t>𝑖</m:t>
+                            </m:r>
+                          </m:sub>
+                        </m:sSub>
+                        <m:r>
+                          <a:rPr lang="en-US" i="1">
+                            <a:latin typeface="Cambria Math" panose="02040503050406030204" pitchFamily="18" charset="0"/>
+                          </a:rPr>
+                          <m:t>+</m:t>
+                        </m:r>
+                        <m:r>
+                          <a:rPr lang="en-US" i="1">
+                            <a:latin typeface="Cambria Math" panose="02040503050406030204" pitchFamily="18" charset="0"/>
+                          </a:rPr>
+                          <m:t>𝛿</m:t>
+                        </m:r>
+                        <m:r>
+                          <a:rPr lang="en-US" i="1">
+                            <a:latin typeface="Cambria Math" panose="02040503050406030204" pitchFamily="18" charset="0"/>
+                          </a:rPr>
+                          <m:t>…</m:t>
+                        </m:r>
+                      </m:e>
+                    </m:d>
+                    <m:r>
+                      <a:rPr lang="en-US" b="0" i="1" smtClean="0">
+                        <a:latin typeface="Cambria Math" panose="02040503050406030204" pitchFamily="18" charset="0"/>
+                        <a:ea typeface="Cambria Math" panose="02040503050406030204" pitchFamily="18" charset="0"/>
+                      </a:rPr>
+                      <m:t>≥</m:t>
+                    </m:r>
+                    <m:sSub>
+                      <m:sSubPr>
+                        <m:ctrlPr>
+                          <a:rPr lang="en-US" b="0" i="1" smtClean="0">
+                            <a:latin typeface="Cambria Math" panose="02040503050406030204" pitchFamily="18" charset="0"/>
+                            <a:ea typeface="Cambria Math" panose="02040503050406030204" pitchFamily="18" charset="0"/>
+                          </a:rPr>
+                        </m:ctrlPr>
+                      </m:sSubPr>
+                      <m:e>
+                        <m:r>
+                          <a:rPr lang="en-US" b="0" i="1" smtClean="0">
+                            <a:latin typeface="Cambria Math" panose="02040503050406030204" pitchFamily="18" charset="0"/>
+                            <a:ea typeface="Cambria Math" panose="02040503050406030204" pitchFamily="18" charset="0"/>
+                          </a:rPr>
+                          <m:t>𝐿</m:t>
+                        </m:r>
+                      </m:e>
+                      <m:sub>
+                        <m:r>
+                          <a:rPr lang="en-US" b="0" i="1" smtClean="0">
+                            <a:latin typeface="Cambria Math" panose="02040503050406030204" pitchFamily="18" charset="0"/>
+                            <a:ea typeface="Cambria Math" panose="02040503050406030204" pitchFamily="18" charset="0"/>
+                          </a:rPr>
+                          <m:t>𝑜𝑓𝑓</m:t>
+                        </m:r>
+                      </m:sub>
+                    </m:sSub>
+                    <m:r>
+                      <a:rPr lang="en-US" b="0" i="1" smtClean="0">
+                        <a:latin typeface="Cambria Math" panose="02040503050406030204" pitchFamily="18" charset="0"/>
+                        <a:ea typeface="Cambria Math" panose="02040503050406030204" pitchFamily="18" charset="0"/>
+                      </a:rPr>
+                      <m:t>(</m:t>
+                    </m:r>
+                    <m:r>
+                      <a:rPr lang="en-US" i="1">
+                        <a:latin typeface="Cambria Math" panose="02040503050406030204" pitchFamily="18" charset="0"/>
+                      </a:rPr>
+                      <m:t>…</m:t>
+                    </m:r>
+                    <m:sSub>
+                      <m:sSubPr>
+                        <m:ctrlPr>
+                          <a:rPr lang="en-US" b="0" i="1" smtClean="0">
+                            <a:latin typeface="Cambria Math" panose="02040503050406030204" pitchFamily="18" charset="0"/>
+                            <a:ea typeface="Cambria Math" panose="02040503050406030204" pitchFamily="18" charset="0"/>
+                          </a:rPr>
+                        </m:ctrlPr>
+                      </m:sSubPr>
+                      <m:e>
+                        <m:r>
+                          <a:rPr lang="en-US" b="0" i="1" smtClean="0">
+                            <a:latin typeface="Cambria Math" panose="02040503050406030204" pitchFamily="18" charset="0"/>
+                            <a:ea typeface="Cambria Math" panose="02040503050406030204" pitchFamily="18" charset="0"/>
+                          </a:rPr>
+                          <m:t>𝑀</m:t>
+                        </m:r>
+                      </m:e>
+                      <m:sub>
+                        <m:r>
+                          <a:rPr lang="en-US" b="0" i="1" smtClean="0">
+                            <a:latin typeface="Cambria Math" panose="02040503050406030204" pitchFamily="18" charset="0"/>
+                            <a:ea typeface="Cambria Math" panose="02040503050406030204" pitchFamily="18" charset="0"/>
+                          </a:rPr>
+                          <m:t>𝑖</m:t>
+                        </m:r>
+                      </m:sub>
+                    </m:sSub>
+                    <m:r>
+                      <a:rPr lang="en-US" i="1">
+                        <a:latin typeface="Cambria Math" panose="02040503050406030204" pitchFamily="18" charset="0"/>
+                      </a:rPr>
+                      <m:t>…</m:t>
+                    </m:r>
+                    <m:r>
+                      <a:rPr lang="en-US" b="0" i="1" smtClean="0">
+                        <a:latin typeface="Cambria Math" panose="02040503050406030204" pitchFamily="18" charset="0"/>
+                        <a:ea typeface="Cambria Math" panose="02040503050406030204" pitchFamily="18" charset="0"/>
+                      </a:rPr>
+                      <m:t>)</m:t>
+                    </m:r>
+                  </m:oMath>
+                </a14:m>
+                <a:endParaRPr lang="en-US" dirty="0"/>
+              </a:p>
+              <a:p>
+                <a:pPr marL="342900" indent="-342900">
+                  <a:buFont typeface="+mj-lt"/>
+                  <a:buAutoNum type="arabicPeriod"/>
+                </a:pPr>
+                <a:r>
+                  <a:rPr lang="en-US" dirty="0"/>
+                  <a:t>Let </a:t>
+                </a:r>
+                <a14:m>
+                  <m:oMath xmlns:m="http://schemas.openxmlformats.org/officeDocument/2006/math">
+                    <m:r>
+                      <a:rPr lang="en-US" b="0" i="1" smtClean="0">
+                        <a:latin typeface="Cambria Math" panose="02040503050406030204" pitchFamily="18" charset="0"/>
+                      </a:rPr>
+                      <m:t>∃</m:t>
+                    </m:r>
+                    <m:sSubSup>
+                      <m:sSubSupPr>
+                        <m:ctrlPr>
+                          <a:rPr lang="en-US" b="0" i="1" smtClean="0">
+                            <a:latin typeface="Cambria Math" panose="02040503050406030204" pitchFamily="18" charset="0"/>
+                          </a:rPr>
+                        </m:ctrlPr>
+                      </m:sSubSupPr>
+                      <m:e>
+                        <m:r>
+                          <a:rPr lang="en-US" b="0" i="1" smtClean="0">
+                            <a:latin typeface="Cambria Math" panose="02040503050406030204" pitchFamily="18" charset="0"/>
+                          </a:rPr>
+                          <m:t>𝑀</m:t>
+                        </m:r>
+                      </m:e>
+                      <m:sub>
+                        <m:r>
+                          <a:rPr lang="en-US" b="0" i="1" smtClean="0">
+                            <a:latin typeface="Cambria Math" panose="02040503050406030204" pitchFamily="18" charset="0"/>
+                          </a:rPr>
+                          <m:t>𝑖</m:t>
+                        </m:r>
+                      </m:sub>
+                      <m:sup>
+                        <m:r>
+                          <a:rPr lang="en-US" b="0" i="1" smtClean="0">
+                            <a:latin typeface="Cambria Math" panose="02040503050406030204" pitchFamily="18" charset="0"/>
+                          </a:rPr>
+                          <m:t>′</m:t>
+                        </m:r>
+                      </m:sup>
+                    </m:sSubSup>
+                    <m:r>
+                      <a:rPr lang="en-US" b="0" i="1" smtClean="0">
+                        <a:latin typeface="Cambria Math" panose="02040503050406030204" pitchFamily="18" charset="0"/>
+                      </a:rPr>
+                      <m:t>,</m:t>
+                    </m:r>
+                    <m:sSubSup>
+                      <m:sSubSupPr>
+                        <m:ctrlPr>
+                          <a:rPr lang="en-US" b="0" i="1" smtClean="0">
+                            <a:latin typeface="Cambria Math" panose="02040503050406030204" pitchFamily="18" charset="0"/>
+                          </a:rPr>
+                        </m:ctrlPr>
+                      </m:sSubSupPr>
+                      <m:e>
+                        <m:r>
+                          <a:rPr lang="en-US" b="0" i="1" smtClean="0">
+                            <a:latin typeface="Cambria Math" panose="02040503050406030204" pitchFamily="18" charset="0"/>
+                          </a:rPr>
+                          <m:t>𝑀</m:t>
+                        </m:r>
+                      </m:e>
+                      <m:sub>
+                        <m:r>
+                          <a:rPr lang="en-US" b="0" i="1" smtClean="0">
+                            <a:latin typeface="Cambria Math" panose="02040503050406030204" pitchFamily="18" charset="0"/>
+                          </a:rPr>
+                          <m:t>𝑖</m:t>
+                        </m:r>
+                        <m:r>
+                          <a:rPr lang="ru-RU" b="0" i="1" smtClean="0">
+                            <a:latin typeface="Cambria Math" panose="02040503050406030204" pitchFamily="18" charset="0"/>
+                          </a:rPr>
+                          <m:t>+1</m:t>
+                        </m:r>
+                      </m:sub>
+                      <m:sup>
+                        <m:r>
+                          <a:rPr lang="en-US" b="0" i="1" smtClean="0">
+                            <a:latin typeface="Cambria Math" panose="02040503050406030204" pitchFamily="18" charset="0"/>
+                          </a:rPr>
+                          <m:t>′</m:t>
+                        </m:r>
+                      </m:sup>
+                    </m:sSubSup>
+                    <m:r>
+                      <a:rPr lang="en-US" b="0" i="1" smtClean="0">
+                        <a:latin typeface="Cambria Math" panose="02040503050406030204" pitchFamily="18" charset="0"/>
+                      </a:rPr>
+                      <m:t>:</m:t>
+                    </m:r>
+                  </m:oMath>
+                </a14:m>
+                <a:endParaRPr lang="en-US" b="0" dirty="0"/>
+              </a:p>
+              <a:p>
+                <a:pPr marL="800100" lvl="1" indent="-342900">
+                  <a:buFont typeface="Arial" panose="020B0604020202020204" pitchFamily="34" charset="0"/>
+                  <a:buChar char="•"/>
+                </a:pPr>
+                <a14:m>
+                  <m:oMath xmlns:m="http://schemas.openxmlformats.org/officeDocument/2006/math">
+                    <m:sSub>
+                      <m:sSubPr>
+                        <m:ctrlPr>
+                          <a:rPr lang="en-US" i="1">
+                            <a:latin typeface="Cambria Math" panose="02040503050406030204" pitchFamily="18" charset="0"/>
+                          </a:rPr>
+                        </m:ctrlPr>
+                      </m:sSubPr>
+                      <m:e>
+                        <m:r>
+                          <a:rPr lang="en-US" i="1">
+                            <a:latin typeface="Cambria Math" panose="02040503050406030204" pitchFamily="18" charset="0"/>
+                          </a:rPr>
+                          <m:t>𝐿</m:t>
+                        </m:r>
+                      </m:e>
+                      <m:sub>
+                        <m:r>
+                          <a:rPr lang="en-US" i="1">
+                            <a:latin typeface="Cambria Math" panose="02040503050406030204" pitchFamily="18" charset="0"/>
+                          </a:rPr>
+                          <m:t>𝑜𝑓𝑓</m:t>
+                        </m:r>
+                      </m:sub>
+                    </m:sSub>
+                    <m:d>
+                      <m:dPr>
+                        <m:ctrlPr>
+                          <a:rPr lang="ru-RU" i="1">
+                            <a:latin typeface="Cambria Math" panose="02040503050406030204" pitchFamily="18" charset="0"/>
+                          </a:rPr>
+                        </m:ctrlPr>
+                      </m:dPr>
+                      <m:e>
+                        <m:sSubSup>
+                          <m:sSubSupPr>
+                            <m:ctrlPr>
+                              <a:rPr lang="en-US" i="1">
+                                <a:latin typeface="Cambria Math" panose="02040503050406030204" pitchFamily="18" charset="0"/>
+                              </a:rPr>
+                            </m:ctrlPr>
+                          </m:sSubSupPr>
+                          <m:e>
+                            <m:r>
+                              <a:rPr lang="en-US" b="0" i="1" smtClean="0">
+                                <a:latin typeface="Cambria Math" panose="02040503050406030204" pitchFamily="18" charset="0"/>
+                              </a:rPr>
+                              <m:t>…</m:t>
+                            </m:r>
+                            <m:r>
+                              <a:rPr lang="en-US" i="1">
+                                <a:latin typeface="Cambria Math" panose="02040503050406030204" pitchFamily="18" charset="0"/>
+                              </a:rPr>
+                              <m:t>𝑀</m:t>
+                            </m:r>
+                          </m:e>
+                          <m:sub>
+                            <m:r>
+                              <a:rPr lang="en-US" i="1">
+                                <a:latin typeface="Cambria Math" panose="02040503050406030204" pitchFamily="18" charset="0"/>
+                              </a:rPr>
+                              <m:t>𝑖</m:t>
+                            </m:r>
+                          </m:sub>
+                          <m:sup>
+                            <m:r>
+                              <a:rPr lang="en-US" i="1">
+                                <a:latin typeface="Cambria Math" panose="02040503050406030204" pitchFamily="18" charset="0"/>
+                              </a:rPr>
+                              <m:t>′</m:t>
+                            </m:r>
+                          </m:sup>
+                        </m:sSubSup>
+                        <m:r>
+                          <a:rPr lang="en-US" i="1">
+                            <a:latin typeface="Cambria Math" panose="02040503050406030204" pitchFamily="18" charset="0"/>
+                          </a:rPr>
+                          <m:t>,</m:t>
+                        </m:r>
+                        <m:sSubSup>
+                          <m:sSubSupPr>
+                            <m:ctrlPr>
+                              <a:rPr lang="en-US" i="1">
+                                <a:latin typeface="Cambria Math" panose="02040503050406030204" pitchFamily="18" charset="0"/>
+                              </a:rPr>
+                            </m:ctrlPr>
+                          </m:sSubSupPr>
+                          <m:e>
+                            <m:r>
+                              <a:rPr lang="en-US" i="1">
+                                <a:latin typeface="Cambria Math" panose="02040503050406030204" pitchFamily="18" charset="0"/>
+                              </a:rPr>
+                              <m:t>𝑀</m:t>
+                            </m:r>
+                          </m:e>
+                          <m:sub>
+                            <m:r>
+                              <a:rPr lang="en-US" i="1">
+                                <a:latin typeface="Cambria Math" panose="02040503050406030204" pitchFamily="18" charset="0"/>
+                              </a:rPr>
+                              <m:t>𝑖</m:t>
+                            </m:r>
+                            <m:r>
+                              <a:rPr lang="ru-RU" i="1">
+                                <a:latin typeface="Cambria Math" panose="02040503050406030204" pitchFamily="18" charset="0"/>
+                              </a:rPr>
+                              <m:t>+1</m:t>
+                            </m:r>
+                          </m:sub>
+                          <m:sup>
+                            <m:r>
+                              <a:rPr lang="en-US" i="1">
+                                <a:latin typeface="Cambria Math" panose="02040503050406030204" pitchFamily="18" charset="0"/>
+                              </a:rPr>
+                              <m:t>′</m:t>
+                            </m:r>
+                          </m:sup>
+                        </m:sSubSup>
+                        <m:r>
+                          <a:rPr lang="en-US" i="1">
+                            <a:latin typeface="Cambria Math" panose="02040503050406030204" pitchFamily="18" charset="0"/>
+                          </a:rPr>
+                          <m:t>…</m:t>
+                        </m:r>
+                      </m:e>
+                    </m:d>
+                    <m:r>
+                      <a:rPr lang="en-US" i="1">
+                        <a:latin typeface="Cambria Math" panose="02040503050406030204" pitchFamily="18" charset="0"/>
+                      </a:rPr>
+                      <m:t>&lt;</m:t>
+                    </m:r>
+                    <m:sSub>
+                      <m:sSubPr>
+                        <m:ctrlPr>
+                          <a:rPr lang="en-US" i="1">
+                            <a:latin typeface="Cambria Math" panose="02040503050406030204" pitchFamily="18" charset="0"/>
+                          </a:rPr>
+                        </m:ctrlPr>
+                      </m:sSubPr>
+                      <m:e>
+                        <m:r>
+                          <a:rPr lang="en-US" i="1">
+                            <a:latin typeface="Cambria Math" panose="02040503050406030204" pitchFamily="18" charset="0"/>
+                          </a:rPr>
+                          <m:t>𝐿</m:t>
+                        </m:r>
+                      </m:e>
+                      <m:sub>
+                        <m:r>
+                          <a:rPr lang="en-US" i="1">
+                            <a:latin typeface="Cambria Math" panose="02040503050406030204" pitchFamily="18" charset="0"/>
+                          </a:rPr>
+                          <m:t>𝑜𝑓𝑓</m:t>
+                        </m:r>
+                      </m:sub>
+                    </m:sSub>
+                    <m:d>
+                      <m:dPr>
+                        <m:ctrlPr>
+                          <a:rPr lang="en-US" i="1">
+                            <a:latin typeface="Cambria Math" panose="02040503050406030204" pitchFamily="18" charset="0"/>
+                          </a:rPr>
+                        </m:ctrlPr>
+                      </m:dPr>
+                      <m:e>
+                        <m:r>
+                          <a:rPr lang="en-US" i="1">
+                            <a:latin typeface="Cambria Math" panose="02040503050406030204" pitchFamily="18" charset="0"/>
+                          </a:rPr>
+                          <m:t>…</m:t>
+                        </m:r>
+                        <m:sSub>
+                          <m:sSubPr>
+                            <m:ctrlPr>
+                              <a:rPr lang="en-US" i="1">
+                                <a:latin typeface="Cambria Math" panose="02040503050406030204" pitchFamily="18" charset="0"/>
+                              </a:rPr>
+                            </m:ctrlPr>
+                          </m:sSubPr>
+                          <m:e>
+                            <m:r>
+                              <a:rPr lang="en-US" i="1">
+                                <a:latin typeface="Cambria Math" panose="02040503050406030204" pitchFamily="18" charset="0"/>
+                              </a:rPr>
+                              <m:t>𝑀</m:t>
+                            </m:r>
+                          </m:e>
+                          <m:sub>
+                            <m:r>
+                              <a:rPr lang="en-US" i="1">
+                                <a:latin typeface="Cambria Math" panose="02040503050406030204" pitchFamily="18" charset="0"/>
+                              </a:rPr>
+                              <m:t>𝑖</m:t>
+                            </m:r>
+                          </m:sub>
+                        </m:sSub>
+                        <m:r>
+                          <a:rPr lang="en-US" i="1">
+                            <a:latin typeface="Cambria Math" panose="02040503050406030204" pitchFamily="18" charset="0"/>
+                          </a:rPr>
+                          <m:t>,</m:t>
+                        </m:r>
+                        <m:sSub>
+                          <m:sSubPr>
+                            <m:ctrlPr>
+                              <a:rPr lang="en-US" i="1">
+                                <a:latin typeface="Cambria Math" panose="02040503050406030204" pitchFamily="18" charset="0"/>
+                              </a:rPr>
+                            </m:ctrlPr>
+                          </m:sSubPr>
+                          <m:e>
+                            <m:r>
+                              <a:rPr lang="en-US" i="1">
+                                <a:latin typeface="Cambria Math" panose="02040503050406030204" pitchFamily="18" charset="0"/>
+                              </a:rPr>
+                              <m:t>𝑀</m:t>
+                            </m:r>
+                          </m:e>
+                          <m:sub>
+                            <m:r>
+                              <a:rPr lang="en-US" i="1">
+                                <a:latin typeface="Cambria Math" panose="02040503050406030204" pitchFamily="18" charset="0"/>
+                              </a:rPr>
+                              <m:t>𝑖</m:t>
+                            </m:r>
+                            <m:r>
+                              <a:rPr lang="en-US" i="1">
+                                <a:latin typeface="Cambria Math" panose="02040503050406030204" pitchFamily="18" charset="0"/>
+                              </a:rPr>
+                              <m:t>+1</m:t>
+                            </m:r>
+                          </m:sub>
+                        </m:sSub>
+                        <m:r>
+                          <a:rPr lang="en-US" i="1">
+                            <a:latin typeface="Cambria Math" panose="02040503050406030204" pitchFamily="18" charset="0"/>
+                          </a:rPr>
+                          <m:t>…</m:t>
+                        </m:r>
+                      </m:e>
+                    </m:d>
+                  </m:oMath>
+                </a14:m>
+                <a:endParaRPr lang="en-US" dirty="0"/>
+              </a:p>
+              <a:p>
+                <a:pPr marL="800100" lvl="1" indent="-342900">
+                  <a:buFont typeface="Arial" panose="020B0604020202020204" pitchFamily="34" charset="0"/>
+                  <a:buChar char="•"/>
+                </a:pPr>
+                <a:r>
+                  <a:rPr lang="en-US" dirty="0"/>
+                  <a:t>On the </a:t>
+                </a:r>
+                <a:r>
+                  <a:rPr lang="en-US" b="1" dirty="0"/>
+                  <a:t>same</a:t>
+                </a:r>
+                <a:r>
+                  <a:rPr lang="en-US" dirty="0"/>
+                  <a:t> segment</a:t>
+                </a:r>
+              </a:p>
+              <a:p>
+                <a:pPr marL="342900" indent="-342900">
+                  <a:buFont typeface="+mj-lt"/>
+                  <a:buAutoNum type="arabicPeriod"/>
+                </a:pPr>
+                <a14:m>
+                  <m:oMath xmlns:m="http://schemas.openxmlformats.org/officeDocument/2006/math">
+                    <m:sSub>
+                      <m:sSubPr>
+                        <m:ctrlPr>
+                          <a:rPr lang="en-US" i="1">
+                            <a:latin typeface="Cambria Math" panose="02040503050406030204" pitchFamily="18" charset="0"/>
+                          </a:rPr>
+                        </m:ctrlPr>
+                      </m:sSubPr>
+                      <m:e>
+                        <m:r>
+                          <a:rPr lang="en-US" i="1">
+                            <a:latin typeface="Cambria Math" panose="02040503050406030204" pitchFamily="18" charset="0"/>
+                          </a:rPr>
+                          <m:t>𝑀</m:t>
+                        </m:r>
+                      </m:e>
+                      <m:sub>
+                        <m:r>
+                          <a:rPr lang="en-US" i="1">
+                            <a:latin typeface="Cambria Math" panose="02040503050406030204" pitchFamily="18" charset="0"/>
+                          </a:rPr>
+                          <m:t>𝑖</m:t>
+                        </m:r>
+                      </m:sub>
+                    </m:sSub>
+                    <m:d>
+                      <m:dPr>
+                        <m:ctrlPr>
+                          <a:rPr lang="en-US" i="1">
+                            <a:latin typeface="Cambria Math" panose="02040503050406030204" pitchFamily="18" charset="0"/>
+                          </a:rPr>
+                        </m:ctrlPr>
+                      </m:dPr>
+                      <m:e>
+                        <m:r>
+                          <a:rPr lang="en-US" i="1">
+                            <a:latin typeface="Cambria Math" panose="02040503050406030204" pitchFamily="18" charset="0"/>
+                          </a:rPr>
+                          <m:t>𝑠</m:t>
+                        </m:r>
+                      </m:e>
+                    </m:d>
+                    <m:r>
+                      <a:rPr lang="en-US" i="1">
+                        <a:latin typeface="Cambria Math" panose="02040503050406030204" pitchFamily="18" charset="0"/>
+                      </a:rPr>
+                      <m:t>=</m:t>
+                    </m:r>
+                    <m:sSub>
+                      <m:sSubPr>
+                        <m:ctrlPr>
+                          <a:rPr lang="en-US" i="1">
+                            <a:latin typeface="Cambria Math" panose="02040503050406030204" pitchFamily="18" charset="0"/>
+                          </a:rPr>
+                        </m:ctrlPr>
+                      </m:sSubPr>
+                      <m:e>
+                        <m:r>
+                          <a:rPr lang="en-US" i="1">
+                            <a:latin typeface="Cambria Math" panose="02040503050406030204" pitchFamily="18" charset="0"/>
+                          </a:rPr>
+                          <m:t>𝑀</m:t>
+                        </m:r>
+                      </m:e>
+                      <m:sub>
+                        <m:r>
+                          <a:rPr lang="en-US" i="1">
+                            <a:latin typeface="Cambria Math" panose="02040503050406030204" pitchFamily="18" charset="0"/>
+                          </a:rPr>
+                          <m:t>𝑖</m:t>
+                        </m:r>
+                      </m:sub>
+                    </m:sSub>
+                    <m:r>
+                      <a:rPr lang="en-US" i="1">
+                        <a:latin typeface="Cambria Math" panose="02040503050406030204" pitchFamily="18" charset="0"/>
+                      </a:rPr>
+                      <m:t>+</m:t>
+                    </m:r>
+                    <m:acc>
+                      <m:accPr>
+                        <m:chr m:val="⃗"/>
+                        <m:ctrlPr>
+                          <a:rPr lang="en-US" i="1">
+                            <a:latin typeface="Cambria Math" panose="02040503050406030204" pitchFamily="18" charset="0"/>
+                          </a:rPr>
+                        </m:ctrlPr>
+                      </m:accPr>
+                      <m:e>
+                        <m:sSub>
+                          <m:sSubPr>
+                            <m:ctrlPr>
+                              <a:rPr lang="en-US" i="1">
+                                <a:latin typeface="Cambria Math" panose="02040503050406030204" pitchFamily="18" charset="0"/>
+                              </a:rPr>
+                            </m:ctrlPr>
+                          </m:sSubPr>
+                          <m:e>
+                            <m:r>
+                              <a:rPr lang="en-US" i="1">
+                                <a:latin typeface="Cambria Math" panose="02040503050406030204" pitchFamily="18" charset="0"/>
+                              </a:rPr>
+                              <m:t>𝑀</m:t>
+                            </m:r>
+                          </m:e>
+                          <m:sub>
+                            <m:r>
+                              <a:rPr lang="en-US" i="1">
+                                <a:latin typeface="Cambria Math" panose="02040503050406030204" pitchFamily="18" charset="0"/>
+                              </a:rPr>
+                              <m:t>𝑖</m:t>
+                            </m:r>
+                          </m:sub>
+                        </m:sSub>
+                        <m:sSubSup>
+                          <m:sSubSupPr>
+                            <m:ctrlPr>
+                              <a:rPr lang="en-US" i="1">
+                                <a:latin typeface="Cambria Math" panose="02040503050406030204" pitchFamily="18" charset="0"/>
+                              </a:rPr>
+                            </m:ctrlPr>
+                          </m:sSubSupPr>
+                          <m:e>
+                            <m:r>
+                              <a:rPr lang="en-US" i="1">
+                                <a:latin typeface="Cambria Math" panose="02040503050406030204" pitchFamily="18" charset="0"/>
+                              </a:rPr>
+                              <m:t>𝑀</m:t>
+                            </m:r>
+                          </m:e>
+                          <m:sub>
+                            <m:r>
+                              <a:rPr lang="en-US" i="1">
+                                <a:latin typeface="Cambria Math" panose="02040503050406030204" pitchFamily="18" charset="0"/>
+                              </a:rPr>
+                              <m:t>𝑖</m:t>
+                            </m:r>
+                          </m:sub>
+                          <m:sup>
+                            <m:r>
+                              <a:rPr lang="en-US" i="1">
+                                <a:latin typeface="Cambria Math" panose="02040503050406030204" pitchFamily="18" charset="0"/>
+                              </a:rPr>
+                              <m:t>′</m:t>
+                            </m:r>
+                          </m:sup>
+                        </m:sSubSup>
+                      </m:e>
+                    </m:acc>
+                    <m:r>
+                      <a:rPr lang="en-US" i="1">
+                        <a:latin typeface="Cambria Math" panose="02040503050406030204" pitchFamily="18" charset="0"/>
+                      </a:rPr>
+                      <m:t>⋅</m:t>
+                    </m:r>
+                    <m:r>
+                      <a:rPr lang="en-US" i="1">
+                        <a:latin typeface="Cambria Math" panose="02040503050406030204" pitchFamily="18" charset="0"/>
+                      </a:rPr>
+                      <m:t>𝑠</m:t>
+                    </m:r>
+                  </m:oMath>
+                </a14:m>
+                <a:endParaRPr lang="en-US" dirty="0"/>
+              </a:p>
+              <a:p>
+                <a:pPr marL="800100" lvl="1" indent="-342900">
+                  <a:buFont typeface="Arial" panose="020B0604020202020204" pitchFamily="34" charset="0"/>
+                  <a:buChar char="•"/>
+                </a:pPr>
+                <a14:m>
+                  <m:oMath xmlns:m="http://schemas.openxmlformats.org/officeDocument/2006/math">
+                    <m:r>
+                      <a:rPr lang="en-US" b="0" i="1" smtClean="0">
+                        <a:latin typeface="Cambria Math" panose="02040503050406030204" pitchFamily="18" charset="0"/>
+                      </a:rPr>
+                      <m:t>𝑠</m:t>
+                    </m:r>
+                    <m:r>
+                      <a:rPr lang="en-US" b="0" i="1" smtClean="0">
+                        <a:latin typeface="Cambria Math" panose="02040503050406030204" pitchFamily="18" charset="0"/>
+                      </a:rPr>
+                      <m:t>,</m:t>
+                    </m:r>
+                    <m:r>
+                      <a:rPr lang="en-US" b="0" i="1" smtClean="0">
+                        <a:latin typeface="Cambria Math" panose="02040503050406030204" pitchFamily="18" charset="0"/>
+                      </a:rPr>
+                      <m:t>𝑡</m:t>
+                    </m:r>
+                    <m:r>
+                      <a:rPr lang="en-US" b="0" i="1" smtClean="0">
+                        <a:latin typeface="Cambria Math" panose="02040503050406030204" pitchFamily="18" charset="0"/>
+                      </a:rPr>
+                      <m:t>∈[0,1]</m:t>
+                    </m:r>
+                  </m:oMath>
+                </a14:m>
+                <a:endParaRPr lang="en-US" dirty="0"/>
+              </a:p>
+              <a:p>
+                <a:pPr marL="342900" indent="-342900">
+                  <a:buFont typeface="+mj-lt"/>
+                  <a:buAutoNum type="arabicPeriod"/>
+                </a:pPr>
+                <a14:m>
+                  <m:oMath xmlns:m="http://schemas.openxmlformats.org/officeDocument/2006/math">
+                    <m:r>
+                      <a:rPr lang="en-US" b="0" i="1" smtClean="0">
+                        <a:latin typeface="Cambria Math" panose="02040503050406030204" pitchFamily="18" charset="0"/>
+                      </a:rPr>
+                      <m:t>𝜆</m:t>
+                    </m:r>
+                    <m:d>
+                      <m:dPr>
+                        <m:ctrlPr>
+                          <a:rPr lang="en-US" b="0" i="1" smtClean="0">
+                            <a:latin typeface="Cambria Math" panose="02040503050406030204" pitchFamily="18" charset="0"/>
+                          </a:rPr>
+                        </m:ctrlPr>
+                      </m:dPr>
+                      <m:e>
+                        <m:r>
+                          <a:rPr lang="en-US" b="0" i="1" smtClean="0">
+                            <a:latin typeface="Cambria Math" panose="02040503050406030204" pitchFamily="18" charset="0"/>
+                          </a:rPr>
+                          <m:t>𝑠</m:t>
+                        </m:r>
+                        <m:r>
+                          <a:rPr lang="en-US" b="0" i="1" smtClean="0">
+                            <a:latin typeface="Cambria Math" panose="02040503050406030204" pitchFamily="18" charset="0"/>
+                          </a:rPr>
+                          <m:t>,</m:t>
+                        </m:r>
+                        <m:r>
+                          <a:rPr lang="en-US" b="0" i="1" smtClean="0">
+                            <a:latin typeface="Cambria Math" panose="02040503050406030204" pitchFamily="18" charset="0"/>
+                          </a:rPr>
+                          <m:t>𝑡</m:t>
+                        </m:r>
+                      </m:e>
+                    </m:d>
+                    <m:r>
+                      <a:rPr lang="en-US" b="0" i="1" smtClean="0">
+                        <a:latin typeface="Cambria Math" panose="02040503050406030204" pitchFamily="18" charset="0"/>
+                      </a:rPr>
+                      <m:t>=</m:t>
+                    </m:r>
+                    <m:d>
+                      <m:dPr>
+                        <m:begChr m:val="|"/>
+                        <m:endChr m:val="|"/>
+                        <m:ctrlPr>
+                          <a:rPr lang="en-US" b="0" i="1" smtClean="0">
+                            <a:latin typeface="Cambria Math" panose="02040503050406030204" pitchFamily="18" charset="0"/>
+                          </a:rPr>
+                        </m:ctrlPr>
+                      </m:dPr>
+                      <m:e>
+                        <m:sSub>
+                          <m:sSubPr>
+                            <m:ctrlPr>
+                              <a:rPr lang="en-US" b="0" i="1" smtClean="0">
+                                <a:latin typeface="Cambria Math" panose="02040503050406030204" pitchFamily="18" charset="0"/>
+                              </a:rPr>
+                            </m:ctrlPr>
+                          </m:sSubPr>
+                          <m:e>
+                            <m:r>
+                              <a:rPr lang="en-US" b="0" i="1" smtClean="0">
+                                <a:latin typeface="Cambria Math" panose="02040503050406030204" pitchFamily="18" charset="0"/>
+                              </a:rPr>
+                              <m:t>𝑀</m:t>
+                            </m:r>
+                          </m:e>
+                          <m:sub>
+                            <m:r>
+                              <a:rPr lang="en-US" b="0" i="1" smtClean="0">
+                                <a:latin typeface="Cambria Math" panose="02040503050406030204" pitchFamily="18" charset="0"/>
+                              </a:rPr>
+                              <m:t>𝑖</m:t>
+                            </m:r>
+                            <m:r>
+                              <a:rPr lang="en-US" b="0" i="1" smtClean="0">
+                                <a:latin typeface="Cambria Math" panose="02040503050406030204" pitchFamily="18" charset="0"/>
+                              </a:rPr>
+                              <m:t>−1</m:t>
+                            </m:r>
+                          </m:sub>
+                        </m:sSub>
+                        <m:sSub>
+                          <m:sSubPr>
+                            <m:ctrlPr>
+                              <a:rPr lang="en-US" b="0" i="1" smtClean="0">
+                                <a:latin typeface="Cambria Math" panose="02040503050406030204" pitchFamily="18" charset="0"/>
+                              </a:rPr>
+                            </m:ctrlPr>
+                          </m:sSubPr>
+                          <m:e>
+                            <m:r>
+                              <a:rPr lang="en-US" b="0" i="1" smtClean="0">
+                                <a:latin typeface="Cambria Math" panose="02040503050406030204" pitchFamily="18" charset="0"/>
+                              </a:rPr>
+                              <m:t>𝑀</m:t>
+                            </m:r>
+                          </m:e>
+                          <m:sub>
+                            <m:r>
+                              <a:rPr lang="en-US" b="0" i="1" smtClean="0">
+                                <a:latin typeface="Cambria Math" panose="02040503050406030204" pitchFamily="18" charset="0"/>
+                              </a:rPr>
+                              <m:t>𝑖</m:t>
+                            </m:r>
+                          </m:sub>
+                        </m:sSub>
+                        <m:d>
+                          <m:dPr>
+                            <m:ctrlPr>
+                              <a:rPr lang="en-US" b="0" i="1" smtClean="0">
+                                <a:latin typeface="Cambria Math" panose="02040503050406030204" pitchFamily="18" charset="0"/>
+                              </a:rPr>
+                            </m:ctrlPr>
+                          </m:dPr>
+                          <m:e>
+                            <m:r>
+                              <a:rPr lang="en-US" b="0" i="1" smtClean="0">
+                                <a:latin typeface="Cambria Math" panose="02040503050406030204" pitchFamily="18" charset="0"/>
+                              </a:rPr>
+                              <m:t>𝑠</m:t>
+                            </m:r>
+                          </m:e>
+                        </m:d>
+                      </m:e>
+                    </m:d>
+                    <m:r>
+                      <a:rPr lang="en-US" b="0" i="1" smtClean="0">
+                        <a:latin typeface="Cambria Math" panose="02040503050406030204" pitchFamily="18" charset="0"/>
+                      </a:rPr>
+                      <m:t>+</m:t>
+                    </m:r>
+                    <m:d>
+                      <m:dPr>
+                        <m:begChr m:val="|"/>
+                        <m:endChr m:val="|"/>
+                        <m:ctrlPr>
+                          <a:rPr lang="en-US" b="0" i="1" smtClean="0">
+                            <a:latin typeface="Cambria Math" panose="02040503050406030204" pitchFamily="18" charset="0"/>
+                          </a:rPr>
+                        </m:ctrlPr>
+                      </m:dPr>
+                      <m:e>
+                        <m:sSub>
+                          <m:sSubPr>
+                            <m:ctrlPr>
+                              <a:rPr lang="en-US" b="0" i="1" smtClean="0">
+                                <a:latin typeface="Cambria Math" panose="02040503050406030204" pitchFamily="18" charset="0"/>
+                              </a:rPr>
+                            </m:ctrlPr>
+                          </m:sSubPr>
+                          <m:e>
+                            <m:r>
+                              <a:rPr lang="en-US" b="0" i="1" smtClean="0">
+                                <a:latin typeface="Cambria Math" panose="02040503050406030204" pitchFamily="18" charset="0"/>
+                              </a:rPr>
+                              <m:t>𝑀</m:t>
+                            </m:r>
+                          </m:e>
+                          <m:sub>
+                            <m:r>
+                              <a:rPr lang="en-US" b="0" i="1" smtClean="0">
+                                <a:latin typeface="Cambria Math" panose="02040503050406030204" pitchFamily="18" charset="0"/>
+                              </a:rPr>
+                              <m:t>𝑖</m:t>
+                            </m:r>
+                          </m:sub>
+                        </m:sSub>
+                        <m:d>
+                          <m:dPr>
+                            <m:ctrlPr>
+                              <a:rPr lang="en-US" b="0" i="1" smtClean="0">
+                                <a:latin typeface="Cambria Math" panose="02040503050406030204" pitchFamily="18" charset="0"/>
+                              </a:rPr>
+                            </m:ctrlPr>
+                          </m:dPr>
+                          <m:e>
+                            <m:r>
+                              <a:rPr lang="en-US" b="0" i="1" smtClean="0">
+                                <a:latin typeface="Cambria Math" panose="02040503050406030204" pitchFamily="18" charset="0"/>
+                              </a:rPr>
+                              <m:t>𝑠</m:t>
+                            </m:r>
+                          </m:e>
+                        </m:d>
+                        <m:sSub>
+                          <m:sSubPr>
+                            <m:ctrlPr>
+                              <a:rPr lang="en-US" b="0" i="1" smtClean="0">
+                                <a:latin typeface="Cambria Math" panose="02040503050406030204" pitchFamily="18" charset="0"/>
+                              </a:rPr>
+                            </m:ctrlPr>
+                          </m:sSubPr>
+                          <m:e>
+                            <m:r>
+                              <a:rPr lang="en-US" b="0" i="1" smtClean="0">
+                                <a:latin typeface="Cambria Math" panose="02040503050406030204" pitchFamily="18" charset="0"/>
+                              </a:rPr>
+                              <m:t>𝑀</m:t>
+                            </m:r>
+                          </m:e>
+                          <m:sub>
+                            <m:r>
+                              <a:rPr lang="en-US" b="0" i="1" smtClean="0">
+                                <a:latin typeface="Cambria Math" panose="02040503050406030204" pitchFamily="18" charset="0"/>
+                              </a:rPr>
+                              <m:t>𝑖</m:t>
+                            </m:r>
+                            <m:r>
+                              <a:rPr lang="en-US" b="0" i="1" smtClean="0">
+                                <a:latin typeface="Cambria Math" panose="02040503050406030204" pitchFamily="18" charset="0"/>
+                              </a:rPr>
+                              <m:t>+1</m:t>
+                            </m:r>
+                          </m:sub>
+                        </m:sSub>
+                        <m:d>
+                          <m:dPr>
+                            <m:ctrlPr>
+                              <a:rPr lang="en-US" b="0" i="1" smtClean="0">
+                                <a:latin typeface="Cambria Math" panose="02040503050406030204" pitchFamily="18" charset="0"/>
+                              </a:rPr>
+                            </m:ctrlPr>
+                          </m:dPr>
+                          <m:e>
+                            <m:r>
+                              <a:rPr lang="en-US" b="0" i="1" smtClean="0">
+                                <a:latin typeface="Cambria Math" panose="02040503050406030204" pitchFamily="18" charset="0"/>
+                              </a:rPr>
+                              <m:t>𝑡</m:t>
+                            </m:r>
+                          </m:e>
+                        </m:d>
+                      </m:e>
+                    </m:d>
+                    <m:r>
+                      <a:rPr lang="en-US" b="0" i="1" smtClean="0">
+                        <a:latin typeface="Cambria Math" panose="02040503050406030204" pitchFamily="18" charset="0"/>
+                      </a:rPr>
+                      <m:t>+|</m:t>
+                    </m:r>
+                    <m:sSub>
+                      <m:sSubPr>
+                        <m:ctrlPr>
+                          <a:rPr lang="en-US" b="0" i="1" smtClean="0">
+                            <a:latin typeface="Cambria Math" panose="02040503050406030204" pitchFamily="18" charset="0"/>
+                          </a:rPr>
+                        </m:ctrlPr>
+                      </m:sSubPr>
+                      <m:e>
+                        <m:r>
+                          <a:rPr lang="en-US" b="0" i="1" smtClean="0">
+                            <a:latin typeface="Cambria Math" panose="02040503050406030204" pitchFamily="18" charset="0"/>
+                          </a:rPr>
+                          <m:t>𝑀</m:t>
+                        </m:r>
+                      </m:e>
+                      <m:sub>
+                        <m:r>
+                          <a:rPr lang="en-US" b="0" i="1" smtClean="0">
+                            <a:latin typeface="Cambria Math" panose="02040503050406030204" pitchFamily="18" charset="0"/>
+                          </a:rPr>
+                          <m:t>𝑖</m:t>
+                        </m:r>
+                        <m:r>
+                          <a:rPr lang="en-US" b="0" i="1" smtClean="0">
+                            <a:latin typeface="Cambria Math" panose="02040503050406030204" pitchFamily="18" charset="0"/>
+                          </a:rPr>
+                          <m:t>+1</m:t>
+                        </m:r>
+                      </m:sub>
+                    </m:sSub>
+                    <m:d>
+                      <m:dPr>
+                        <m:ctrlPr>
+                          <a:rPr lang="en-US" b="0" i="1" smtClean="0">
+                            <a:latin typeface="Cambria Math" panose="02040503050406030204" pitchFamily="18" charset="0"/>
+                          </a:rPr>
+                        </m:ctrlPr>
+                      </m:dPr>
+                      <m:e>
+                        <m:r>
+                          <a:rPr lang="en-US" b="0" i="1" smtClean="0">
+                            <a:latin typeface="Cambria Math" panose="02040503050406030204" pitchFamily="18" charset="0"/>
+                          </a:rPr>
+                          <m:t>𝑡</m:t>
+                        </m:r>
+                      </m:e>
+                    </m:d>
+                    <m:sSub>
+                      <m:sSubPr>
+                        <m:ctrlPr>
+                          <a:rPr lang="en-US" b="0" i="1" smtClean="0">
+                            <a:latin typeface="Cambria Math" panose="02040503050406030204" pitchFamily="18" charset="0"/>
+                          </a:rPr>
+                        </m:ctrlPr>
+                      </m:sSubPr>
+                      <m:e>
+                        <m:r>
+                          <a:rPr lang="en-US" b="0" i="1" smtClean="0">
+                            <a:latin typeface="Cambria Math" panose="02040503050406030204" pitchFamily="18" charset="0"/>
+                          </a:rPr>
+                          <m:t>𝑀</m:t>
+                        </m:r>
+                      </m:e>
+                      <m:sub>
+                        <m:r>
+                          <a:rPr lang="en-US" b="0" i="1" smtClean="0">
+                            <a:latin typeface="Cambria Math" panose="02040503050406030204" pitchFamily="18" charset="0"/>
+                          </a:rPr>
+                          <m:t>𝑖</m:t>
+                        </m:r>
+                        <m:r>
+                          <a:rPr lang="en-US" b="0" i="1" smtClean="0">
+                            <a:latin typeface="Cambria Math" panose="02040503050406030204" pitchFamily="18" charset="0"/>
+                          </a:rPr>
+                          <m:t>+2</m:t>
+                        </m:r>
+                      </m:sub>
+                    </m:sSub>
+                    <m:r>
+                      <a:rPr lang="en-US" b="0" i="1" smtClean="0">
+                        <a:latin typeface="Cambria Math" panose="02040503050406030204" pitchFamily="18" charset="0"/>
+                      </a:rPr>
+                      <m:t>|</m:t>
+                    </m:r>
+                  </m:oMath>
+                </a14:m>
+                <a:endParaRPr lang="en-US" dirty="0"/>
+              </a:p>
+              <a:p>
+                <a:pPr marL="800100" lvl="1" indent="-342900">
+                  <a:buFont typeface="Arial" panose="020B0604020202020204" pitchFamily="34" charset="0"/>
+                  <a:buChar char="•"/>
+                </a:pPr>
+                <a14:m>
+                  <m:oMath xmlns:m="http://schemas.openxmlformats.org/officeDocument/2006/math">
+                    <m:sSub>
+                      <m:sSubPr>
+                        <m:ctrlPr>
+                          <a:rPr lang="en-US" b="0" i="1" smtClean="0">
+                            <a:latin typeface="Cambria Math" panose="02040503050406030204" pitchFamily="18" charset="0"/>
+                          </a:rPr>
+                        </m:ctrlPr>
+                      </m:sSubPr>
+                      <m:e>
+                        <m:f>
+                          <m:fPr>
+                            <m:ctrlPr>
+                              <a:rPr lang="en-US" i="1">
+                                <a:latin typeface="Cambria Math" panose="02040503050406030204" pitchFamily="18" charset="0"/>
+                              </a:rPr>
+                            </m:ctrlPr>
+                          </m:fPr>
+                          <m:num>
+                            <m:r>
+                              <a:rPr lang="en-US" i="1">
+                                <a:latin typeface="Cambria Math" panose="02040503050406030204" pitchFamily="18" charset="0"/>
+                              </a:rPr>
+                              <m:t>𝜕𝜆</m:t>
+                            </m:r>
+                            <m:d>
+                              <m:dPr>
+                                <m:ctrlPr>
+                                  <a:rPr lang="en-US" i="1">
+                                    <a:latin typeface="Cambria Math" panose="02040503050406030204" pitchFamily="18" charset="0"/>
+                                  </a:rPr>
+                                </m:ctrlPr>
+                              </m:dPr>
+                              <m:e>
+                                <m:r>
+                                  <a:rPr lang="en-US" i="1">
+                                    <a:latin typeface="Cambria Math" panose="02040503050406030204" pitchFamily="18" charset="0"/>
+                                  </a:rPr>
+                                  <m:t>𝑠</m:t>
+                                </m:r>
+                                <m:r>
+                                  <a:rPr lang="en-US" i="1">
+                                    <a:latin typeface="Cambria Math" panose="02040503050406030204" pitchFamily="18" charset="0"/>
+                                  </a:rPr>
+                                  <m:t>,</m:t>
+                                </m:r>
+                                <m:r>
+                                  <a:rPr lang="en-US" i="1">
+                                    <a:latin typeface="Cambria Math" panose="02040503050406030204" pitchFamily="18" charset="0"/>
+                                  </a:rPr>
+                                  <m:t>𝑡</m:t>
+                                </m:r>
+                              </m:e>
+                            </m:d>
+                          </m:num>
+                          <m:den>
+                            <m:r>
+                              <a:rPr lang="en-US" i="1">
+                                <a:latin typeface="Cambria Math" panose="02040503050406030204" pitchFamily="18" charset="0"/>
+                              </a:rPr>
+                              <m:t>𝜕</m:t>
+                            </m:r>
+                            <m:r>
+                              <a:rPr lang="en-US" i="1">
+                                <a:latin typeface="Cambria Math" panose="02040503050406030204" pitchFamily="18" charset="0"/>
+                              </a:rPr>
+                              <m:t>𝑠</m:t>
+                            </m:r>
+                          </m:den>
+                        </m:f>
+                        <m:r>
+                          <a:rPr lang="en-US" b="0" i="1" smtClean="0">
+                            <a:latin typeface="Cambria Math" panose="02040503050406030204" pitchFamily="18" charset="0"/>
+                          </a:rPr>
+                          <m:t>|</m:t>
+                        </m:r>
+                      </m:e>
+                      <m:sub>
+                        <m:r>
+                          <a:rPr lang="en-US" b="0" i="1" smtClean="0">
+                            <a:latin typeface="Cambria Math" panose="02040503050406030204" pitchFamily="18" charset="0"/>
+                          </a:rPr>
+                          <m:t>(0,0)</m:t>
+                        </m:r>
+                      </m:sub>
+                    </m:sSub>
+                    <m:r>
+                      <a:rPr lang="en-US" i="1">
+                        <a:latin typeface="Cambria Math" panose="02040503050406030204" pitchFamily="18" charset="0"/>
+                        <a:ea typeface="Cambria Math" panose="02040503050406030204" pitchFamily="18" charset="0"/>
+                      </a:rPr>
+                      <m:t>≥</m:t>
+                    </m:r>
+                    <m:r>
+                      <a:rPr lang="en-US" b="0" i="1" smtClean="0">
+                        <a:latin typeface="Cambria Math" panose="02040503050406030204" pitchFamily="18" charset="0"/>
+                      </a:rPr>
+                      <m:t>0</m:t>
+                    </m:r>
+                  </m:oMath>
+                </a14:m>
+                <a:endParaRPr lang="en-US" b="0" i="1" dirty="0">
+                  <a:latin typeface="Cambria Math" panose="02040503050406030204" pitchFamily="18" charset="0"/>
+                </a:endParaRPr>
+              </a:p>
+              <a:p>
+                <a:pPr marL="800100" lvl="1" indent="-342900">
+                  <a:buFont typeface="Arial" panose="020B0604020202020204" pitchFamily="34" charset="0"/>
+                  <a:buChar char="•"/>
+                </a:pPr>
+                <a14:m>
+                  <m:oMath xmlns:m="http://schemas.openxmlformats.org/officeDocument/2006/math">
+                    <m:sSub>
+                      <m:sSubPr>
+                        <m:ctrlPr>
+                          <a:rPr lang="en-US" i="1">
+                            <a:latin typeface="Cambria Math" panose="02040503050406030204" pitchFamily="18" charset="0"/>
+                          </a:rPr>
+                        </m:ctrlPr>
+                      </m:sSubPr>
+                      <m:e>
+                        <m:f>
+                          <m:fPr>
+                            <m:ctrlPr>
+                              <a:rPr lang="en-US" i="1">
+                                <a:latin typeface="Cambria Math" panose="02040503050406030204" pitchFamily="18" charset="0"/>
+                              </a:rPr>
+                            </m:ctrlPr>
+                          </m:fPr>
+                          <m:num>
+                            <m:r>
+                              <a:rPr lang="en-US" i="1">
+                                <a:latin typeface="Cambria Math" panose="02040503050406030204" pitchFamily="18" charset="0"/>
+                              </a:rPr>
+                              <m:t>𝜕𝜆</m:t>
+                            </m:r>
+                            <m:d>
+                              <m:dPr>
+                                <m:ctrlPr>
+                                  <a:rPr lang="en-US" i="1">
+                                    <a:latin typeface="Cambria Math" panose="02040503050406030204" pitchFamily="18" charset="0"/>
+                                  </a:rPr>
+                                </m:ctrlPr>
+                              </m:dPr>
+                              <m:e>
+                                <m:r>
+                                  <a:rPr lang="en-US" i="1">
+                                    <a:latin typeface="Cambria Math" panose="02040503050406030204" pitchFamily="18" charset="0"/>
+                                  </a:rPr>
+                                  <m:t>𝑠</m:t>
+                                </m:r>
+                                <m:r>
+                                  <a:rPr lang="en-US" i="1">
+                                    <a:latin typeface="Cambria Math" panose="02040503050406030204" pitchFamily="18" charset="0"/>
+                                  </a:rPr>
+                                  <m:t>,</m:t>
+                                </m:r>
+                                <m:r>
+                                  <a:rPr lang="en-US" i="1">
+                                    <a:latin typeface="Cambria Math" panose="02040503050406030204" pitchFamily="18" charset="0"/>
+                                  </a:rPr>
+                                  <m:t>𝑡</m:t>
+                                </m:r>
+                              </m:e>
+                            </m:d>
+                          </m:num>
+                          <m:den>
+                            <m:r>
+                              <a:rPr lang="en-US" i="1">
+                                <a:latin typeface="Cambria Math" panose="02040503050406030204" pitchFamily="18" charset="0"/>
+                              </a:rPr>
+                              <m:t>𝜕</m:t>
+                            </m:r>
+                            <m:r>
+                              <a:rPr lang="en-US" b="0" i="1" smtClean="0">
+                                <a:latin typeface="Cambria Math" panose="02040503050406030204" pitchFamily="18" charset="0"/>
+                              </a:rPr>
+                              <m:t>𝑡</m:t>
+                            </m:r>
+                          </m:den>
+                        </m:f>
+                        <m:r>
+                          <a:rPr lang="en-US" i="1">
+                            <a:latin typeface="Cambria Math" panose="02040503050406030204" pitchFamily="18" charset="0"/>
+                          </a:rPr>
+                          <m:t>|</m:t>
+                        </m:r>
+                      </m:e>
+                      <m:sub>
+                        <m:r>
+                          <a:rPr lang="en-US" i="1">
+                            <a:latin typeface="Cambria Math" panose="02040503050406030204" pitchFamily="18" charset="0"/>
+                          </a:rPr>
+                          <m:t>(0,0)</m:t>
+                        </m:r>
+                      </m:sub>
+                    </m:sSub>
+                    <m:r>
+                      <a:rPr lang="en-US" i="1">
+                        <a:latin typeface="Cambria Math" panose="02040503050406030204" pitchFamily="18" charset="0"/>
+                        <a:ea typeface="Cambria Math" panose="02040503050406030204" pitchFamily="18" charset="0"/>
+                      </a:rPr>
+                      <m:t>≥</m:t>
+                    </m:r>
+                    <m:r>
+                      <a:rPr lang="en-US" i="1">
+                        <a:latin typeface="Cambria Math" panose="02040503050406030204" pitchFamily="18" charset="0"/>
+                      </a:rPr>
+                      <m:t>0</m:t>
+                    </m:r>
+                  </m:oMath>
+                </a14:m>
+                <a:endParaRPr lang="en-US" i="1" dirty="0">
+                  <a:latin typeface="Cambria Math" panose="02040503050406030204" pitchFamily="18" charset="0"/>
+                </a:endParaRPr>
+              </a:p>
+              <a:p>
+                <a:pPr marL="342900" indent="-342900">
+                  <a:buFont typeface="+mj-lt"/>
+                  <a:buAutoNum type="arabicPeriod"/>
+                </a:pPr>
+                <a14:m>
+                  <m:oMath xmlns:m="http://schemas.openxmlformats.org/officeDocument/2006/math">
+                    <m:r>
+                      <a:rPr lang="en-US" i="1">
+                        <a:latin typeface="Cambria Math" panose="02040503050406030204" pitchFamily="18" charset="0"/>
+                      </a:rPr>
+                      <m:t>𝜆</m:t>
+                    </m:r>
+                    <m:d>
+                      <m:dPr>
+                        <m:ctrlPr>
+                          <a:rPr lang="en-US" i="1">
+                            <a:latin typeface="Cambria Math" panose="02040503050406030204" pitchFamily="18" charset="0"/>
+                          </a:rPr>
+                        </m:ctrlPr>
+                      </m:dPr>
+                      <m:e>
+                        <m:r>
+                          <a:rPr lang="en-US" i="1">
+                            <a:latin typeface="Cambria Math" panose="02040503050406030204" pitchFamily="18" charset="0"/>
+                          </a:rPr>
+                          <m:t>𝑠</m:t>
+                        </m:r>
+                      </m:e>
+                    </m:d>
+                    <m:r>
+                      <a:rPr lang="en-US" b="0" i="1" smtClean="0">
+                        <a:latin typeface="Cambria Math" panose="02040503050406030204" pitchFamily="18" charset="0"/>
+                      </a:rPr>
+                      <m:t>=</m:t>
+                    </m:r>
+                    <m:r>
+                      <a:rPr lang="en-US" i="1">
+                        <a:latin typeface="Cambria Math" panose="02040503050406030204" pitchFamily="18" charset="0"/>
+                      </a:rPr>
+                      <m:t>𝜆</m:t>
+                    </m:r>
+                    <m:d>
+                      <m:dPr>
+                        <m:ctrlPr>
+                          <a:rPr lang="en-US" i="1">
+                            <a:latin typeface="Cambria Math" panose="02040503050406030204" pitchFamily="18" charset="0"/>
+                          </a:rPr>
+                        </m:ctrlPr>
+                      </m:dPr>
+                      <m:e>
+                        <m:r>
+                          <a:rPr lang="en-US" i="1">
+                            <a:latin typeface="Cambria Math" panose="02040503050406030204" pitchFamily="18" charset="0"/>
+                          </a:rPr>
+                          <m:t>𝑠</m:t>
+                        </m:r>
+                        <m:r>
+                          <a:rPr lang="en-US" i="1">
+                            <a:latin typeface="Cambria Math" panose="02040503050406030204" pitchFamily="18" charset="0"/>
+                          </a:rPr>
+                          <m:t>,</m:t>
+                        </m:r>
+                        <m:r>
+                          <a:rPr lang="en-US" b="0" i="1" smtClean="0">
+                            <a:latin typeface="Cambria Math" panose="02040503050406030204" pitchFamily="18" charset="0"/>
+                          </a:rPr>
+                          <m:t>𝑠</m:t>
+                        </m:r>
+                      </m:e>
+                    </m:d>
+                  </m:oMath>
+                </a14:m>
+                <a:endParaRPr lang="en-US" dirty="0"/>
+              </a:p>
+              <a:p>
+                <a:pPr marL="800100" lvl="1" indent="-342900">
+                  <a:buFont typeface="Arial" panose="020B0604020202020204" pitchFamily="34" charset="0"/>
+                  <a:buChar char="•"/>
+                </a:pPr>
+                <a14:m>
+                  <m:oMath xmlns:m="http://schemas.openxmlformats.org/officeDocument/2006/math">
+                    <m:f>
+                      <m:fPr>
+                        <m:ctrlPr>
+                          <a:rPr lang="en-US" i="1">
+                            <a:latin typeface="Cambria Math" panose="02040503050406030204" pitchFamily="18" charset="0"/>
+                          </a:rPr>
+                        </m:ctrlPr>
+                      </m:fPr>
+                      <m:num>
+                        <m:sSup>
+                          <m:sSupPr>
+                            <m:ctrlPr>
+                              <a:rPr lang="en-US" i="1">
+                                <a:latin typeface="Cambria Math" panose="02040503050406030204" pitchFamily="18" charset="0"/>
+                              </a:rPr>
+                            </m:ctrlPr>
+                          </m:sSupPr>
+                          <m:e>
+                            <m:r>
+                              <a:rPr lang="en-US" i="1">
+                                <a:latin typeface="Cambria Math" panose="02040503050406030204" pitchFamily="18" charset="0"/>
+                              </a:rPr>
+                              <m:t>𝜕</m:t>
+                            </m:r>
+                          </m:e>
+                          <m:sup>
+                            <m:r>
+                              <a:rPr lang="en-US" i="1">
+                                <a:latin typeface="Cambria Math" panose="02040503050406030204" pitchFamily="18" charset="0"/>
+                              </a:rPr>
+                              <m:t>2</m:t>
+                            </m:r>
+                          </m:sup>
+                        </m:sSup>
+                        <m:r>
+                          <a:rPr lang="en-US" i="1">
+                            <a:latin typeface="Cambria Math" panose="02040503050406030204" pitchFamily="18" charset="0"/>
+                          </a:rPr>
+                          <m:t>𝜆</m:t>
+                        </m:r>
+                        <m:d>
+                          <m:dPr>
+                            <m:ctrlPr>
+                              <a:rPr lang="en-US" i="1">
+                                <a:latin typeface="Cambria Math" panose="02040503050406030204" pitchFamily="18" charset="0"/>
+                              </a:rPr>
+                            </m:ctrlPr>
+                          </m:dPr>
+                          <m:e>
+                            <m:r>
+                              <a:rPr lang="en-US" i="1">
+                                <a:latin typeface="Cambria Math" panose="02040503050406030204" pitchFamily="18" charset="0"/>
+                              </a:rPr>
+                              <m:t>𝑠</m:t>
+                            </m:r>
+                          </m:e>
+                        </m:d>
+                      </m:num>
+                      <m:den>
+                        <m:r>
+                          <a:rPr lang="en-US" i="1">
+                            <a:latin typeface="Cambria Math" panose="02040503050406030204" pitchFamily="18" charset="0"/>
+                          </a:rPr>
+                          <m:t>𝜕</m:t>
+                        </m:r>
+                        <m:sSup>
+                          <m:sSupPr>
+                            <m:ctrlPr>
+                              <a:rPr lang="en-US" i="1">
+                                <a:latin typeface="Cambria Math" panose="02040503050406030204" pitchFamily="18" charset="0"/>
+                              </a:rPr>
+                            </m:ctrlPr>
+                          </m:sSupPr>
+                          <m:e>
+                            <m:r>
+                              <a:rPr lang="en-US" i="1">
+                                <a:latin typeface="Cambria Math" panose="02040503050406030204" pitchFamily="18" charset="0"/>
+                              </a:rPr>
+                              <m:t>𝑠</m:t>
+                            </m:r>
+                          </m:e>
+                          <m:sup>
+                            <m:r>
+                              <a:rPr lang="en-US" i="1">
+                                <a:latin typeface="Cambria Math" panose="02040503050406030204" pitchFamily="18" charset="0"/>
+                              </a:rPr>
+                              <m:t>2</m:t>
+                            </m:r>
+                          </m:sup>
+                        </m:sSup>
+                      </m:den>
+                    </m:f>
+                    <m:r>
+                      <a:rPr lang="en-US" i="1">
+                        <a:latin typeface="Cambria Math" panose="02040503050406030204" pitchFamily="18" charset="0"/>
+                        <a:ea typeface="Cambria Math" panose="02040503050406030204" pitchFamily="18" charset="0"/>
+                      </a:rPr>
+                      <m:t>≥</m:t>
+                    </m:r>
+                    <m:r>
+                      <a:rPr lang="en-US" i="1">
+                        <a:latin typeface="Cambria Math" panose="02040503050406030204" pitchFamily="18" charset="0"/>
+                      </a:rPr>
+                      <m:t>0</m:t>
+                    </m:r>
+                  </m:oMath>
+                </a14:m>
+                <a:endParaRPr lang="en-US" i="1" dirty="0">
+                  <a:latin typeface="Cambria Math" panose="02040503050406030204" pitchFamily="18" charset="0"/>
+                </a:endParaRPr>
+              </a:p>
+              <a:p>
+                <a:pPr marL="342900" indent="-342900">
+                  <a:buFont typeface="+mj-lt"/>
+                  <a:buAutoNum type="arabicPeriod"/>
+                </a:pPr>
+                <a:endParaRPr lang="ru-RU" dirty="0"/>
+              </a:p>
+            </p:txBody>
+          </p:sp>
+        </mc:Choice>
+        <mc:Fallback>
+          <p:sp>
+            <p:nvSpPr>
+              <p:cNvPr id="4" name="TextBox 3">
+                <a:extLst>
+                  <a:ext uri="{FF2B5EF4-FFF2-40B4-BE49-F238E27FC236}">
+                    <a16:creationId xmlns:a16="http://schemas.microsoft.com/office/drawing/2014/main" id="{1995AFFB-3E3A-4513-A266-87F253EFAC74}"/>
+                  </a:ext>
+                </a:extLst>
+              </p:cNvPr>
+              <p:cNvSpPr txBox="1">
+                <a:spLocks noRot="1" noChangeAspect="1" noMove="1" noResize="1" noEditPoints="1" noAdjustHandles="1" noChangeArrowheads="1" noChangeShapeType="1" noTextEdit="1"/>
+              </p:cNvSpPr>
+              <p:nvPr/>
+            </p:nvSpPr>
+            <p:spPr>
+              <a:xfrm>
+                <a:off x="88396" y="1127516"/>
+                <a:ext cx="6047618" cy="4530856"/>
+              </a:xfrm>
+              <a:prstGeom prst="rect">
+                <a:avLst/>
+              </a:prstGeom>
+              <a:blipFill>
+                <a:blip r:embed="rId4"/>
+                <a:stretch>
+                  <a:fillRect l="-806" t="-942"/>
+                </a:stretch>
+              </a:blipFill>
+            </p:spPr>
+            <p:txBody>
+              <a:bodyPr/>
+              <a:lstStyle/>
+              <a:p>
+                <a:r>
+                  <a:rPr lang="ru-RU">
+                    <a:noFill/>
+                  </a:rPr>
+                  <a:t> </a:t>
+                </a:r>
+              </a:p>
+            </p:txBody>
+          </p:sp>
+        </mc:Fallback>
+      </mc:AlternateContent>
+    </p:spTree>
+    <p:extLst>
+      <p:ext uri="{BB962C8B-B14F-4D97-AF65-F5344CB8AC3E}">
+        <p14:creationId xmlns:p14="http://schemas.microsoft.com/office/powerpoint/2010/main" val="877965164"/>
+      </p:ext>
+    </p:extLst>
+  </p:cSld>
+  <p:clrMapOvr>
+    <a:masterClrMapping/>
+  </p:clrMapOvr>
+</p:sld>
+</file>
+
+<file path=ppt/slides/slide15.xml><?xml version="1.0" encoding="utf-8"?>
+<p:sld xmlns:a="http://schemas.openxmlformats.org/drawingml/2006/main" xmlns:r="http://schemas.openxmlformats.org/officeDocument/2006/relationships" xmlns:p="http://schemas.openxmlformats.org/presentationml/2006/main">
+  <p:cSld>
+    <p:spTree>
+      <p:nvGrpSpPr>
+        <p:cNvPr id="1" name=""/>
+        <p:cNvGrpSpPr/>
+        <p:nvPr/>
+      </p:nvGrpSpPr>
+      <p:grpSpPr>
+        <a:xfrm>
+          <a:off x="0" y="0"/>
+          <a:ext cx="0" cy="0"/>
+          <a:chOff x="0" y="0"/>
+          <a:chExt cx="0" cy="0"/>
+        </a:xfrm>
+      </p:grpSpPr>
+      <p:pic>
+        <p:nvPicPr>
+          <p:cNvPr id="2" name="Picture 2" descr="F:\Users\Алекс\Desktop\urfu_logo_en.png"/>
+          <p:cNvPicPr>
+            <a:picLocks noChangeAspect="1" noChangeArrowheads="1"/>
+          </p:cNvPicPr>
+          <p:nvPr/>
+        </p:nvPicPr>
+        <p:blipFill>
+          <a:blip r:embed="rId2" cstate="print">
+            <a:extLst>
+              <a:ext uri="{28A0092B-C50C-407E-A947-70E740481C1C}">
+                <a14:useLocalDpi xmlns:a14="http://schemas.microsoft.com/office/drawing/2010/main" val="0"/>
+              </a:ext>
+            </a:extLst>
+          </a:blip>
+          <a:srcRect/>
+          <a:stretch>
+            <a:fillRect/>
+          </a:stretch>
+        </p:blipFill>
+        <p:spPr bwMode="auto">
+          <a:xfrm>
+            <a:off x="0" y="0"/>
+            <a:ext cx="2133600" cy="1085850"/>
+          </a:xfrm>
+          <a:prstGeom prst="rect">
+            <a:avLst/>
+          </a:prstGeom>
+          <a:noFill/>
+          <a:ln w="9525">
+            <a:noFill/>
+            <a:prstDash val="sysDash"/>
+            <a:miter lim="800000"/>
+            <a:headEnd/>
+            <a:tailEnd/>
+          </a:ln>
+          <a:extLst>
+            <a:ext uri="{909E8E84-426E-40DD-AFC4-6F175D3DCCD1}">
+              <a14:hiddenFill xmlns:a14="http://schemas.microsoft.com/office/drawing/2010/main">
+                <a:solidFill>
+                  <a:srgbClr val="FFFFFF"/>
+                </a:solidFill>
+              </a14:hiddenFill>
+            </a:ext>
+          </a:extLst>
+        </p:spPr>
+      </p:pic>
+      <p:sp>
+        <p:nvSpPr>
+          <p:cNvPr id="3" name="TextBox 2"/>
+          <p:cNvSpPr txBox="1"/>
+          <p:nvPr/>
+        </p:nvSpPr>
+        <p:spPr>
+          <a:xfrm>
+            <a:off x="2051720" y="219759"/>
+            <a:ext cx="6840760" cy="646331"/>
+          </a:xfrm>
+          <a:prstGeom prst="rect">
+            <a:avLst/>
+          </a:prstGeom>
+          <a:noFill/>
+        </p:spPr>
+        <p:txBody>
+          <a:bodyPr wrap="square" rtlCol="0">
+            <a:spAutoFit/>
+            <a:scene3d>
+              <a:camera prst="orthographicFront"/>
+              <a:lightRig rig="soft" dir="tl">
+                <a:rot lat="0" lon="0" rev="0"/>
+              </a:lightRig>
+            </a:scene3d>
+            <a:sp3d contourW="25400" prstMaterial="matte">
+              <a:bevelT w="25400" h="55880" prst="artDeco"/>
+              <a:contourClr>
+                <a:schemeClr val="accent2">
+                  <a:tint val="20000"/>
+                </a:schemeClr>
+              </a:contourClr>
+            </a:sp3d>
+          </a:bodyPr>
+          <a:lstStyle/>
+          <a:p>
+            <a:pPr algn="r"/>
+            <a:r>
+              <a:rPr lang="en-US" sz="3600" b="1" spc="50" dirty="0">
+                <a:ln w="11430"/>
+                <a:gradFill>
+                  <a:gsLst>
+                    <a:gs pos="25000">
+                      <a:schemeClr val="accent2">
+                        <a:satMod val="155000"/>
+                      </a:schemeClr>
+                    </a:gs>
+                    <a:gs pos="100000">
+                      <a:schemeClr val="accent2">
+                        <a:shade val="45000"/>
+                        <a:satMod val="165000"/>
+                      </a:schemeClr>
+                    </a:gs>
+                  </a:gsLst>
+                  <a:lin ang="5400000"/>
+                </a:gradFill>
+                <a:effectLst>
+                  <a:outerShdw blurRad="76200" dist="50800" dir="5400000" algn="tl" rotWithShape="0">
+                    <a:srgbClr val="000000">
+                      <a:alpha val="65000"/>
+                    </a:srgbClr>
+                  </a:outerShdw>
+                </a:effectLst>
+              </a:rPr>
+              <a:t>Local minimum cases</a:t>
+            </a:r>
+            <a:endParaRPr lang="ru-RU" sz="3600" b="1" spc="50" dirty="0">
+              <a:ln w="11430"/>
+              <a:gradFill>
+                <a:gsLst>
+                  <a:gs pos="25000">
+                    <a:schemeClr val="accent2">
+                      <a:satMod val="155000"/>
+                    </a:schemeClr>
+                  </a:gs>
+                  <a:gs pos="100000">
+                    <a:schemeClr val="accent2">
+                      <a:shade val="45000"/>
+                      <a:satMod val="165000"/>
+                    </a:schemeClr>
+                  </a:gs>
+                </a:gsLst>
+                <a:lin ang="5400000"/>
+              </a:gradFill>
+              <a:effectLst>
+                <a:outerShdw blurRad="76200" dist="50800" dir="5400000" algn="tl" rotWithShape="0">
+                  <a:srgbClr val="000000">
+                    <a:alpha val="65000"/>
+                  </a:srgbClr>
+                </a:outerShdw>
+              </a:effectLst>
+            </a:endParaRPr>
+          </a:p>
+        </p:txBody>
+      </p:sp>
       <p:grpSp>
         <p:nvGrpSpPr>
           <p:cNvPr id="44" name="Группа 43">
@@ -15301,10 +17284,10 @@
         </p:nvGrpSpPr>
         <p:grpSpPr>
           <a:xfrm>
-            <a:off x="2813954" y="4879342"/>
-            <a:ext cx="5955660" cy="1640840"/>
-            <a:chOff x="0" y="0"/>
-            <a:chExt cx="6187847" cy="1704975"/>
+            <a:off x="315637" y="4631194"/>
+            <a:ext cx="8501921" cy="2217188"/>
+            <a:chOff x="-7873" y="89057"/>
+            <a:chExt cx="6195720" cy="1615918"/>
           </a:xfrm>
         </p:grpSpPr>
         <p:cxnSp>
@@ -15329,7 +17312,7 @@
             </a:prstGeom>
             <a:ln w="28575">
               <a:solidFill>
-                <a:schemeClr val="tx1"/>
+                <a:srgbClr val="7030A0"/>
               </a:solidFill>
             </a:ln>
           </p:spPr>
@@ -15362,7 +17345,7 @@
           </p:nvSpPr>
           <p:spPr>
             <a:xfrm>
-              <a:off x="1190625" y="0"/>
+              <a:off x="1181442" y="218993"/>
               <a:ext cx="295549" cy="295549"/>
             </a:xfrm>
             <a:prstGeom prst="rect">
@@ -15391,7 +17374,7 @@
                 </a:spcAft>
               </a:pPr>
               <a:r>
-                <a:rPr lang="en-US" sz="1100">
+                <a:rPr lang="en-US" dirty="0">
                   <a:effectLst/>
                   <a:latin typeface="Calibri" panose="020F0502020204030204" pitchFamily="34" charset="0"/>
                   <a:ea typeface="Calibri" panose="020F0502020204030204" pitchFamily="34" charset="0"/>
@@ -15400,7 +17383,7 @@
                 <a:t>C</a:t>
               </a:r>
               <a:r>
-                <a:rPr lang="en-US" sz="1100" baseline="-25000">
+                <a:rPr lang="en-US" baseline="-25000" dirty="0">
                   <a:effectLst/>
                   <a:latin typeface="Calibri" panose="020F0502020204030204" pitchFamily="34" charset="0"/>
                   <a:ea typeface="Calibri" panose="020F0502020204030204" pitchFamily="34" charset="0"/>
@@ -15408,7 +17391,7 @@
                 </a:rPr>
                 <a:t>i</a:t>
               </a:r>
-              <a:endParaRPr lang="ru-RU" sz="1100">
+              <a:endParaRPr lang="ru-RU" dirty="0">
                 <a:effectLst/>
                 <a:latin typeface="Calibri" panose="020F0502020204030204" pitchFamily="34" charset="0"/>
                 <a:ea typeface="Calibri" panose="020F0502020204030204" pitchFamily="34" charset="0"/>
@@ -15439,7 +17422,7 @@
             </a:prstGeom>
             <a:ln w="12700">
               <a:solidFill>
-                <a:schemeClr val="tx1"/>
+                <a:srgbClr val="C00000"/>
               </a:solidFill>
               <a:prstDash val="solid"/>
               <a:headEnd type="oval" w="med" len="med"/>
@@ -15475,7 +17458,7 @@
           </p:nvSpPr>
           <p:spPr>
             <a:xfrm>
-              <a:off x="0" y="314271"/>
+              <a:off x="-7873" y="427598"/>
               <a:ext cx="417595" cy="295549"/>
             </a:xfrm>
             <a:prstGeom prst="rect">
@@ -15504,7 +17487,7 @@
                 </a:spcAft>
               </a:pPr>
               <a:r>
-                <a:rPr lang="en-US" sz="1100">
+                <a:rPr lang="en-US" dirty="0">
                   <a:effectLst/>
                   <a:latin typeface="Calibri" panose="020F0502020204030204" pitchFamily="34" charset="0"/>
                   <a:ea typeface="Calibri" panose="020F0502020204030204" pitchFamily="34" charset="0"/>
@@ -15513,7 +17496,7 @@
                 <a:t>M</a:t>
               </a:r>
               <a:r>
-                <a:rPr lang="en-US" sz="1100" baseline="-25000">
+                <a:rPr lang="en-US" baseline="-25000" dirty="0">
                   <a:effectLst/>
                   <a:latin typeface="Calibri" panose="020F0502020204030204" pitchFamily="34" charset="0"/>
                   <a:ea typeface="Calibri" panose="020F0502020204030204" pitchFamily="34" charset="0"/>
@@ -15521,7 +17504,7 @@
                 </a:rPr>
                 <a:t>i-1</a:t>
               </a:r>
-              <a:endParaRPr lang="ru-RU" sz="1100">
+              <a:endParaRPr lang="ru-RU" dirty="0">
                 <a:effectLst/>
                 <a:latin typeface="Calibri" panose="020F0502020204030204" pitchFamily="34" charset="0"/>
                 <a:ea typeface="Calibri" panose="020F0502020204030204" pitchFamily="34" charset="0"/>
@@ -15573,7 +17556,7 @@
                 </a:spcAft>
               </a:pPr>
               <a:r>
-                <a:rPr lang="en-US" sz="1100">
+                <a:rPr lang="en-US">
                   <a:effectLst/>
                   <a:latin typeface="Calibri" panose="020F0502020204030204" pitchFamily="34" charset="0"/>
                   <a:ea typeface="Calibri" panose="020F0502020204030204" pitchFamily="34" charset="0"/>
@@ -15582,7 +17565,7 @@
                 <a:t>M</a:t>
               </a:r>
               <a:r>
-                <a:rPr lang="en-US" sz="1100" baseline="-25000">
+                <a:rPr lang="en-US" baseline="-25000">
                   <a:effectLst/>
                   <a:latin typeface="Calibri" panose="020F0502020204030204" pitchFamily="34" charset="0"/>
                   <a:ea typeface="Calibri" panose="020F0502020204030204" pitchFamily="34" charset="0"/>
@@ -15590,7 +17573,7 @@
                 </a:rPr>
                 <a:t>i+1</a:t>
               </a:r>
-              <a:endParaRPr lang="ru-RU" sz="1100">
+              <a:endParaRPr lang="ru-RU">
                 <a:effectLst/>
                 <a:latin typeface="Calibri" panose="020F0502020204030204" pitchFamily="34" charset="0"/>
                 <a:ea typeface="Calibri" panose="020F0502020204030204" pitchFamily="34" charset="0"/>
@@ -15613,7 +17596,7 @@
           </p:nvSpPr>
           <p:spPr>
             <a:xfrm>
-              <a:off x="552450" y="476169"/>
+              <a:off x="531393" y="542690"/>
               <a:ext cx="342388" cy="294889"/>
             </a:xfrm>
             <a:prstGeom prst="rect">
@@ -15642,7 +17625,7 @@
                 </a:spcAft>
               </a:pPr>
               <a:r>
-                <a:rPr lang="en-US" sz="1100">
+                <a:rPr lang="en-US" dirty="0">
                   <a:effectLst/>
                   <a:latin typeface="Calibri" panose="020F0502020204030204" pitchFamily="34" charset="0"/>
                   <a:ea typeface="Calibri" panose="020F0502020204030204" pitchFamily="34" charset="0"/>
@@ -15651,7 +17634,7 @@
                 <a:t>M</a:t>
               </a:r>
               <a:r>
-                <a:rPr lang="en-US" sz="1100" baseline="-25000">
+                <a:rPr lang="en-US" baseline="-25000" dirty="0">
                   <a:effectLst/>
                   <a:latin typeface="Calibri" panose="020F0502020204030204" pitchFamily="34" charset="0"/>
                   <a:ea typeface="Calibri" panose="020F0502020204030204" pitchFamily="34" charset="0"/>
@@ -15659,7 +17642,7 @@
                 </a:rPr>
                 <a:t>i</a:t>
               </a:r>
-              <a:endParaRPr lang="ru-RU" sz="1100">
+              <a:endParaRPr lang="ru-RU" dirty="0">
                 <a:effectLst/>
                 <a:latin typeface="Calibri" panose="020F0502020204030204" pitchFamily="34" charset="0"/>
                 <a:ea typeface="Calibri" panose="020F0502020204030204" pitchFamily="34" charset="0"/>
@@ -15690,7 +17673,7 @@
             </a:prstGeom>
             <a:ln w="12700">
               <a:solidFill>
-                <a:schemeClr val="tx1"/>
+                <a:srgbClr val="C00000"/>
               </a:solidFill>
               <a:prstDash val="solid"/>
               <a:headEnd type="oval" w="med" len="med"/>
@@ -15734,7 +17717,7 @@
             </a:prstGeom>
             <a:ln w="28575">
               <a:solidFill>
-                <a:schemeClr val="tx1"/>
+                <a:srgbClr val="7030A0"/>
               </a:solidFill>
             </a:ln>
           </p:spPr>
@@ -15767,7 +17750,7 @@
           </p:nvSpPr>
           <p:spPr>
             <a:xfrm>
-              <a:off x="3190875" y="0"/>
+              <a:off x="3162642" y="274705"/>
               <a:ext cx="295549" cy="295549"/>
             </a:xfrm>
             <a:prstGeom prst="rect">
@@ -15796,7 +17779,7 @@
                 </a:spcAft>
               </a:pPr>
               <a:r>
-                <a:rPr lang="en-US" sz="1100">
+                <a:rPr lang="en-US" dirty="0">
                   <a:effectLst/>
                   <a:latin typeface="Calibri" panose="020F0502020204030204" pitchFamily="34" charset="0"/>
                   <a:ea typeface="Calibri" panose="020F0502020204030204" pitchFamily="34" charset="0"/>
@@ -15805,7 +17788,7 @@
                 <a:t>C</a:t>
               </a:r>
               <a:r>
-                <a:rPr lang="en-US" sz="1100" baseline="-25000">
+                <a:rPr lang="en-US" baseline="-25000" dirty="0">
                   <a:effectLst/>
                   <a:latin typeface="Calibri" panose="020F0502020204030204" pitchFamily="34" charset="0"/>
                   <a:ea typeface="Calibri" panose="020F0502020204030204" pitchFamily="34" charset="0"/>
@@ -15813,7 +17796,7 @@
                 </a:rPr>
                 <a:t>i</a:t>
               </a:r>
-              <a:endParaRPr lang="ru-RU" sz="1100">
+              <a:endParaRPr lang="ru-RU" dirty="0">
                 <a:effectLst/>
                 <a:latin typeface="Calibri" panose="020F0502020204030204" pitchFamily="34" charset="0"/>
                 <a:ea typeface="Calibri" panose="020F0502020204030204" pitchFamily="34" charset="0"/>
@@ -15880,8 +17863,8 @@
           </p:nvSpPr>
           <p:spPr>
             <a:xfrm>
-              <a:off x="1952624" y="476169"/>
-              <a:ext cx="463115" cy="294889"/>
+              <a:off x="1903125" y="394354"/>
+              <a:ext cx="463116" cy="294889"/>
             </a:xfrm>
             <a:prstGeom prst="rect">
               <a:avLst/>
@@ -15909,7 +17892,7 @@
                 </a:spcAft>
               </a:pPr>
               <a:r>
-                <a:rPr lang="en-US" sz="1100">
+                <a:rPr lang="en-US" dirty="0">
                   <a:effectLst/>
                   <a:latin typeface="Calibri" panose="020F0502020204030204" pitchFamily="34" charset="0"/>
                   <a:ea typeface="Calibri" panose="020F0502020204030204" pitchFamily="34" charset="0"/>
@@ -15918,7 +17901,7 @@
                 <a:t>M</a:t>
               </a:r>
               <a:r>
-                <a:rPr lang="en-US" sz="1100" baseline="30000">
+                <a:rPr lang="en-US" baseline="30000" dirty="0">
                   <a:effectLst/>
                   <a:latin typeface="Calibri" panose="020F0502020204030204" pitchFamily="34" charset="0"/>
                   <a:ea typeface="Calibri" panose="020F0502020204030204" pitchFamily="34" charset="0"/>
@@ -15927,7 +17910,7 @@
                 <a:t>*</a:t>
               </a:r>
               <a:r>
-                <a:rPr lang="en-US" sz="1100" baseline="-25000">
+                <a:rPr lang="en-US" baseline="-25000" dirty="0">
                   <a:effectLst/>
                   <a:latin typeface="Calibri" panose="020F0502020204030204" pitchFamily="34" charset="0"/>
                   <a:ea typeface="Calibri" panose="020F0502020204030204" pitchFamily="34" charset="0"/>
@@ -15935,7 +17918,7 @@
                 </a:rPr>
                 <a:t>i-1</a:t>
               </a:r>
-              <a:endParaRPr lang="ru-RU" sz="1100">
+              <a:endParaRPr lang="ru-RU" dirty="0">
                 <a:effectLst/>
                 <a:latin typeface="Calibri" panose="020F0502020204030204" pitchFamily="34" charset="0"/>
                 <a:ea typeface="Calibri" panose="020F0502020204030204" pitchFamily="34" charset="0"/>
@@ -15958,7 +17941,7 @@
           </p:nvSpPr>
           <p:spPr>
             <a:xfrm>
-              <a:off x="3390900" y="723776"/>
+              <a:off x="3286758" y="732203"/>
               <a:ext cx="434747" cy="295549"/>
             </a:xfrm>
             <a:prstGeom prst="rect">
@@ -15987,7 +17970,7 @@
                 </a:spcAft>
               </a:pPr>
               <a:r>
-                <a:rPr lang="en-US" sz="1100">
+                <a:rPr lang="en-US" dirty="0">
                   <a:effectLst/>
                   <a:latin typeface="Calibri" panose="020F0502020204030204" pitchFamily="34" charset="0"/>
                   <a:ea typeface="Calibri" panose="020F0502020204030204" pitchFamily="34" charset="0"/>
@@ -15996,7 +17979,7 @@
                 <a:t>M</a:t>
               </a:r>
               <a:r>
-                <a:rPr lang="en-US" sz="1100" baseline="-25000">
+                <a:rPr lang="en-US" baseline="-25000" dirty="0">
                   <a:effectLst/>
                   <a:latin typeface="Calibri" panose="020F0502020204030204" pitchFamily="34" charset="0"/>
                   <a:ea typeface="Calibri" panose="020F0502020204030204" pitchFamily="34" charset="0"/>
@@ -16004,7 +17987,7 @@
                 </a:rPr>
                 <a:t>i+1</a:t>
               </a:r>
-              <a:endParaRPr lang="ru-RU" sz="1100">
+              <a:endParaRPr lang="ru-RU" dirty="0">
                 <a:effectLst/>
                 <a:latin typeface="Calibri" panose="020F0502020204030204" pitchFamily="34" charset="0"/>
                 <a:ea typeface="Calibri" panose="020F0502020204030204" pitchFamily="34" charset="0"/>
@@ -16027,7 +18010,7 @@
           </p:nvSpPr>
           <p:spPr>
             <a:xfrm>
-              <a:off x="2552700" y="476169"/>
+              <a:off x="2539120" y="557176"/>
               <a:ext cx="342388" cy="294889"/>
             </a:xfrm>
             <a:prstGeom prst="rect">
@@ -16056,7 +18039,7 @@
                 </a:spcAft>
               </a:pPr>
               <a:r>
-                <a:rPr lang="en-US" sz="1100">
+                <a:rPr lang="en-US" dirty="0">
                   <a:effectLst/>
                   <a:latin typeface="Calibri" panose="020F0502020204030204" pitchFamily="34" charset="0"/>
                   <a:ea typeface="Calibri" panose="020F0502020204030204" pitchFamily="34" charset="0"/>
@@ -16065,7 +18048,7 @@
                 <a:t>M</a:t>
               </a:r>
               <a:r>
-                <a:rPr lang="en-US" sz="1100" baseline="-25000">
+                <a:rPr lang="en-US" baseline="-25000" dirty="0">
                   <a:effectLst/>
                   <a:latin typeface="Calibri" panose="020F0502020204030204" pitchFamily="34" charset="0"/>
                   <a:ea typeface="Calibri" panose="020F0502020204030204" pitchFamily="34" charset="0"/>
@@ -16073,7 +18056,7 @@
                 </a:rPr>
                 <a:t>i</a:t>
               </a:r>
-              <a:endParaRPr lang="ru-RU" sz="1100">
+              <a:endParaRPr lang="ru-RU" dirty="0">
                 <a:effectLst/>
                 <a:latin typeface="Calibri" panose="020F0502020204030204" pitchFamily="34" charset="0"/>
                 <a:ea typeface="Calibri" panose="020F0502020204030204" pitchFamily="34" charset="0"/>
@@ -16104,7 +18087,7 @@
             </a:prstGeom>
             <a:ln w="12700">
               <a:solidFill>
-                <a:schemeClr val="tx1"/>
+                <a:srgbClr val="C00000"/>
               </a:solidFill>
               <a:prstDash val="solid"/>
               <a:headEnd type="oval" w="med" len="med"/>
@@ -16148,7 +18131,7 @@
             </a:prstGeom>
             <a:ln w="12700">
               <a:solidFill>
-                <a:schemeClr val="tx1"/>
+                <a:srgbClr val="C00000"/>
               </a:solidFill>
               <a:prstDash val="solid"/>
               <a:headEnd type="oval" w="med" len="med"/>
@@ -16213,7 +18196,7 @@
                 </a:spcAft>
               </a:pPr>
               <a:r>
-                <a:rPr lang="en-US" sz="1100">
+                <a:rPr lang="en-US">
                   <a:effectLst/>
                   <a:latin typeface="Calibri" panose="020F0502020204030204" pitchFamily="34" charset="0"/>
                   <a:ea typeface="Calibri" panose="020F0502020204030204" pitchFamily="34" charset="0"/>
@@ -16222,7 +18205,7 @@
                 <a:t>M</a:t>
               </a:r>
               <a:r>
-                <a:rPr lang="en-US" sz="1100" baseline="-25000">
+                <a:rPr lang="en-US" baseline="-25000">
                   <a:effectLst/>
                   <a:latin typeface="Calibri" panose="020F0502020204030204" pitchFamily="34" charset="0"/>
                   <a:ea typeface="Calibri" panose="020F0502020204030204" pitchFamily="34" charset="0"/>
@@ -16230,7 +18213,7 @@
                 </a:rPr>
                 <a:t>i-1</a:t>
               </a:r>
-              <a:endParaRPr lang="ru-RU" sz="1100">
+              <a:endParaRPr lang="ru-RU">
                 <a:effectLst/>
                 <a:latin typeface="Calibri" panose="020F0502020204030204" pitchFamily="34" charset="0"/>
                 <a:ea typeface="Calibri" panose="020F0502020204030204" pitchFamily="34" charset="0"/>
@@ -16305,7 +18288,7 @@
             </a:prstGeom>
             <a:ln w="28575">
               <a:solidFill>
-                <a:schemeClr val="tx1"/>
+                <a:srgbClr val="7030A0"/>
               </a:solidFill>
             </a:ln>
           </p:spPr>
@@ -16338,7 +18321,7 @@
           </p:nvSpPr>
           <p:spPr>
             <a:xfrm>
-              <a:off x="5219700" y="0"/>
+              <a:off x="5017878" y="89057"/>
               <a:ext cx="295549" cy="476309"/>
             </a:xfrm>
             <a:prstGeom prst="rect">
@@ -16367,7 +18350,7 @@
                 </a:spcAft>
               </a:pPr>
               <a:r>
-                <a:rPr lang="en-US" sz="1100">
+                <a:rPr lang="en-US" dirty="0">
                   <a:effectLst/>
                   <a:latin typeface="Calibri" panose="020F0502020204030204" pitchFamily="34" charset="0"/>
                   <a:ea typeface="Calibri" panose="020F0502020204030204" pitchFamily="34" charset="0"/>
@@ -16376,7 +18359,7 @@
                 <a:t>C</a:t>
               </a:r>
               <a:r>
-                <a:rPr lang="en-US" sz="1100" baseline="-25000">
+                <a:rPr lang="en-US" baseline="-25000" dirty="0">
                   <a:effectLst/>
                   <a:latin typeface="Calibri" panose="020F0502020204030204" pitchFamily="34" charset="0"/>
                   <a:ea typeface="Calibri" panose="020F0502020204030204" pitchFamily="34" charset="0"/>
@@ -16384,7 +18367,7 @@
                 </a:rPr>
                 <a:t>i</a:t>
               </a:r>
-              <a:endParaRPr lang="ru-RU" sz="1100">
+              <a:endParaRPr lang="ru-RU" dirty="0">
                 <a:effectLst/>
                 <a:latin typeface="Calibri" panose="020F0502020204030204" pitchFamily="34" charset="0"/>
                 <a:ea typeface="Calibri" panose="020F0502020204030204" pitchFamily="34" charset="0"/>
@@ -16415,7 +18398,7 @@
             </a:prstGeom>
             <a:ln w="12700">
               <a:solidFill>
-                <a:schemeClr val="tx1"/>
+                <a:srgbClr val="C00000"/>
               </a:solidFill>
               <a:prstDash val="solid"/>
               <a:headEnd type="oval" w="med" len="med"/>
@@ -16451,7 +18434,7 @@
           </p:nvSpPr>
           <p:spPr>
             <a:xfrm>
-              <a:off x="4029075" y="314271"/>
+              <a:off x="4042661" y="446770"/>
               <a:ext cx="417595" cy="295549"/>
             </a:xfrm>
             <a:prstGeom prst="rect">
@@ -16480,7 +18463,7 @@
                 </a:spcAft>
               </a:pPr>
               <a:r>
-                <a:rPr lang="en-US" sz="1100">
+                <a:rPr lang="en-US" dirty="0">
                   <a:effectLst/>
                   <a:latin typeface="Calibri" panose="020F0502020204030204" pitchFamily="34" charset="0"/>
                   <a:ea typeface="Calibri" panose="020F0502020204030204" pitchFamily="34" charset="0"/>
@@ -16489,7 +18472,7 @@
                 <a:t>M</a:t>
               </a:r>
               <a:r>
-                <a:rPr lang="en-US" sz="1100" baseline="-25000">
+                <a:rPr lang="en-US" baseline="-25000" dirty="0">
                   <a:effectLst/>
                   <a:latin typeface="Calibri" panose="020F0502020204030204" pitchFamily="34" charset="0"/>
                   <a:ea typeface="Calibri" panose="020F0502020204030204" pitchFamily="34" charset="0"/>
@@ -16497,7 +18480,7 @@
                 </a:rPr>
                 <a:t>i-1</a:t>
               </a:r>
-              <a:endParaRPr lang="ru-RU" sz="1100">
+              <a:endParaRPr lang="ru-RU" dirty="0">
                 <a:effectLst/>
                 <a:latin typeface="Calibri" panose="020F0502020204030204" pitchFamily="34" charset="0"/>
                 <a:ea typeface="Calibri" panose="020F0502020204030204" pitchFamily="34" charset="0"/>
@@ -16520,7 +18503,7 @@
           </p:nvSpPr>
           <p:spPr>
             <a:xfrm>
-              <a:off x="5419725" y="723776"/>
+              <a:off x="5454473" y="760680"/>
               <a:ext cx="434747" cy="295549"/>
             </a:xfrm>
             <a:prstGeom prst="rect">
@@ -16549,7 +18532,7 @@
                 </a:spcAft>
               </a:pPr>
               <a:r>
-                <a:rPr lang="en-US" sz="1100">
+                <a:rPr lang="en-US" dirty="0">
                   <a:effectLst/>
                   <a:latin typeface="Calibri" panose="020F0502020204030204" pitchFamily="34" charset="0"/>
                   <a:ea typeface="Calibri" panose="020F0502020204030204" pitchFamily="34" charset="0"/>
@@ -16558,7 +18541,7 @@
                 <a:t>M</a:t>
               </a:r>
               <a:r>
-                <a:rPr lang="en-US" sz="1100" baseline="-25000">
+                <a:rPr lang="en-US" baseline="-25000" dirty="0">
                   <a:effectLst/>
                   <a:latin typeface="Calibri" panose="020F0502020204030204" pitchFamily="34" charset="0"/>
                   <a:ea typeface="Calibri" panose="020F0502020204030204" pitchFamily="34" charset="0"/>
@@ -16566,7 +18549,7 @@
                 </a:rPr>
                 <a:t>i+1</a:t>
               </a:r>
-              <a:endParaRPr lang="ru-RU" sz="1100">
+              <a:endParaRPr lang="ru-RU" dirty="0">
                 <a:effectLst/>
                 <a:latin typeface="Calibri" panose="020F0502020204030204" pitchFamily="34" charset="0"/>
                 <a:ea typeface="Calibri" panose="020F0502020204030204" pitchFamily="34" charset="0"/>
@@ -16589,8 +18572,8 @@
           </p:nvSpPr>
           <p:spPr>
             <a:xfrm>
-              <a:off x="4581525" y="476169"/>
-              <a:ext cx="342388" cy="294889"/>
+              <a:off x="4531774" y="540213"/>
+              <a:ext cx="342388" cy="352028"/>
             </a:xfrm>
             <a:prstGeom prst="rect">
               <a:avLst/>
@@ -16618,7 +18601,7 @@
                 </a:spcAft>
               </a:pPr>
               <a:r>
-                <a:rPr lang="en-US" sz="1100">
+                <a:rPr lang="en-US" dirty="0">
                   <a:effectLst/>
                   <a:latin typeface="Calibri" panose="020F0502020204030204" pitchFamily="34" charset="0"/>
                   <a:ea typeface="Calibri" panose="020F0502020204030204" pitchFamily="34" charset="0"/>
@@ -16627,7 +18610,7 @@
                 <a:t>M</a:t>
               </a:r>
               <a:r>
-                <a:rPr lang="en-US" sz="1100" baseline="-25000">
+                <a:rPr lang="en-US" baseline="-25000" dirty="0">
                   <a:effectLst/>
                   <a:latin typeface="Calibri" panose="020F0502020204030204" pitchFamily="34" charset="0"/>
                   <a:ea typeface="Calibri" panose="020F0502020204030204" pitchFamily="34" charset="0"/>
@@ -16635,7 +18618,7 @@
                 </a:rPr>
                 <a:t>i</a:t>
               </a:r>
-              <a:endParaRPr lang="ru-RU" sz="1100">
+              <a:endParaRPr lang="ru-RU" dirty="0">
                 <a:effectLst/>
                 <a:latin typeface="Calibri" panose="020F0502020204030204" pitchFamily="34" charset="0"/>
                 <a:ea typeface="Calibri" panose="020F0502020204030204" pitchFamily="34" charset="0"/>
@@ -16666,7 +18649,7 @@
             </a:prstGeom>
             <a:ln w="12700">
               <a:solidFill>
-                <a:schemeClr val="tx1"/>
+                <a:srgbClr val="C00000"/>
               </a:solidFill>
               <a:prstDash val="solid"/>
               <a:headEnd type="oval" w="med" len="med"/>
@@ -16710,7 +18693,7 @@
             </a:prstGeom>
             <a:ln w="12700">
               <a:solidFill>
-                <a:schemeClr val="tx1"/>
+                <a:srgbClr val="C00000"/>
               </a:solidFill>
               <a:prstDash val="solid"/>
               <a:headEnd type="oval" w="med" len="med"/>
@@ -16775,7 +18758,7 @@
                 </a:spcAft>
               </a:pPr>
               <a:r>
-                <a:rPr lang="en-US" sz="1100">
+                <a:rPr lang="en-US">
                   <a:effectLst/>
                   <a:latin typeface="Calibri" panose="020F0502020204030204" pitchFamily="34" charset="0"/>
                   <a:ea typeface="Calibri" panose="020F0502020204030204" pitchFamily="34" charset="0"/>
@@ -16784,7 +18767,7 @@
                 <a:t>M</a:t>
               </a:r>
               <a:r>
-                <a:rPr lang="en-US" sz="1100" baseline="-25000">
+                <a:rPr lang="en-US" baseline="-25000">
                   <a:effectLst/>
                   <a:latin typeface="Calibri" panose="020F0502020204030204" pitchFamily="34" charset="0"/>
                   <a:ea typeface="Calibri" panose="020F0502020204030204" pitchFamily="34" charset="0"/>
@@ -16792,7 +18775,7 @@
                 </a:rPr>
                 <a:t>i+2</a:t>
               </a:r>
-              <a:endParaRPr lang="ru-RU" sz="1100">
+              <a:endParaRPr lang="ru-RU">
                 <a:effectLst/>
                 <a:latin typeface="Calibri" panose="020F0502020204030204" pitchFamily="34" charset="0"/>
                 <a:ea typeface="Calibri" panose="020F0502020204030204" pitchFamily="34" charset="0"/>
@@ -16823,7 +18806,7 @@
             </a:prstGeom>
             <a:ln w="28575">
               <a:solidFill>
-                <a:schemeClr val="tx1"/>
+                <a:srgbClr val="7030A0"/>
               </a:solidFill>
             </a:ln>
           </p:spPr>
@@ -16856,8 +18839,8 @@
           </p:nvSpPr>
           <p:spPr>
             <a:xfrm>
-              <a:off x="5533624" y="419029"/>
-              <a:ext cx="388568" cy="295549"/>
+              <a:off x="5549565" y="218992"/>
+              <a:ext cx="388568" cy="295550"/>
             </a:xfrm>
             <a:prstGeom prst="rect">
               <a:avLst/>
@@ -16885,7 +18868,7 @@
                 </a:spcAft>
               </a:pPr>
               <a:r>
-                <a:rPr lang="en-US" sz="1100">
+                <a:rPr lang="en-US" dirty="0">
                   <a:effectLst/>
                   <a:latin typeface="Calibri" panose="020F0502020204030204" pitchFamily="34" charset="0"/>
                   <a:ea typeface="Calibri" panose="020F0502020204030204" pitchFamily="34" charset="0"/>
@@ -16894,7 +18877,7 @@
                 <a:t>C</a:t>
               </a:r>
               <a:r>
-                <a:rPr lang="en-US" sz="1100" baseline="-25000">
+                <a:rPr lang="en-US" baseline="-25000" dirty="0">
                   <a:effectLst/>
                   <a:latin typeface="Calibri" panose="020F0502020204030204" pitchFamily="34" charset="0"/>
                   <a:ea typeface="Calibri" panose="020F0502020204030204" pitchFamily="34" charset="0"/>
@@ -16902,7 +18885,7 @@
                 </a:rPr>
                 <a:t>i+1</a:t>
               </a:r>
-              <a:endParaRPr lang="ru-RU" sz="1100">
+              <a:endParaRPr lang="ru-RU" dirty="0">
                 <a:effectLst/>
                 <a:latin typeface="Calibri" panose="020F0502020204030204" pitchFamily="34" charset="0"/>
                 <a:ea typeface="Calibri" panose="020F0502020204030204" pitchFamily="34" charset="0"/>
@@ -16934,7 +18917,7 @@
             <a:noFill/>
             <a:ln>
               <a:solidFill>
-                <a:schemeClr val="tx1"/>
+                <a:srgbClr val="00B050"/>
               </a:solidFill>
             </a:ln>
           </p:spPr>
@@ -16990,7 +18973,7 @@
             <a:noFill/>
             <a:ln>
               <a:solidFill>
-                <a:schemeClr val="tx1"/>
+                <a:srgbClr val="00B050"/>
               </a:solidFill>
             </a:ln>
           </p:spPr>
@@ -17046,7 +19029,7 @@
             <a:noFill/>
             <a:ln>
               <a:solidFill>
-                <a:schemeClr val="tx1"/>
+                <a:srgbClr val="00B050"/>
               </a:solidFill>
             </a:ln>
           </p:spPr>
@@ -17102,7 +19085,7 @@
             <a:noFill/>
             <a:ln>
               <a:solidFill>
-                <a:schemeClr val="tx1"/>
+                <a:srgbClr val="00B050"/>
               </a:solidFill>
             </a:ln>
           </p:spPr>
@@ -17136,10 +19119,1759 @@
           </p:txBody>
         </p:sp>
       </p:grpSp>
+      <mc:AlternateContent xmlns:mc="http://schemas.openxmlformats.org/markup-compatibility/2006">
+        <mc:Choice xmlns:a14="http://schemas.microsoft.com/office/drawing/2010/main" Requires="a14">
+          <p:sp>
+            <p:nvSpPr>
+              <p:cNvPr id="77" name="TextBox 76">
+                <a:extLst>
+                  <a:ext uri="{FF2B5EF4-FFF2-40B4-BE49-F238E27FC236}">
+                    <a16:creationId xmlns:a16="http://schemas.microsoft.com/office/drawing/2014/main" id="{90A1D887-CCCB-4CBC-894D-281C69D82893}"/>
+                  </a:ext>
+                </a:extLst>
+              </p:cNvPr>
+              <p:cNvSpPr txBox="1"/>
+              <p:nvPr/>
+            </p:nvSpPr>
+            <p:spPr>
+              <a:xfrm>
+                <a:off x="232321" y="1123745"/>
+                <a:ext cx="5083058" cy="3466142"/>
+              </a:xfrm>
+              <a:prstGeom prst="rect">
+                <a:avLst/>
+              </a:prstGeom>
+              <a:noFill/>
+            </p:spPr>
+            <p:txBody>
+              <a:bodyPr wrap="none" rtlCol="0">
+                <a:spAutoFit/>
+              </a:bodyPr>
+              <a:lstStyle/>
+              <a:p>
+                <a:pPr marL="342900" indent="-342900">
+                  <a:buFont typeface="+mj-lt"/>
+                  <a:buAutoNum type="arabicPeriod"/>
+                </a:pPr>
+                <a14:m>
+                  <m:oMath xmlns:m="http://schemas.openxmlformats.org/officeDocument/2006/math">
+                    <m:sSub>
+                      <m:sSubPr>
+                        <m:ctrlPr>
+                          <a:rPr lang="en-US" sz="2000" i="1" smtClean="0">
+                            <a:latin typeface="Cambria Math" panose="02040503050406030204" pitchFamily="18" charset="0"/>
+                          </a:rPr>
+                        </m:ctrlPr>
+                      </m:sSubPr>
+                      <m:e>
+                        <m:f>
+                          <m:fPr>
+                            <m:ctrlPr>
+                              <a:rPr lang="en-US" sz="2000" i="1">
+                                <a:latin typeface="Cambria Math" panose="02040503050406030204" pitchFamily="18" charset="0"/>
+                              </a:rPr>
+                            </m:ctrlPr>
+                          </m:fPr>
+                          <m:num>
+                            <m:r>
+                              <a:rPr lang="en-US" sz="2000" i="1">
+                                <a:latin typeface="Cambria Math" panose="02040503050406030204" pitchFamily="18" charset="0"/>
+                              </a:rPr>
+                              <m:t>𝜕𝜆</m:t>
+                            </m:r>
+                            <m:d>
+                              <m:dPr>
+                                <m:ctrlPr>
+                                  <a:rPr lang="en-US" sz="2000" i="1">
+                                    <a:latin typeface="Cambria Math" panose="02040503050406030204" pitchFamily="18" charset="0"/>
+                                  </a:rPr>
+                                </m:ctrlPr>
+                              </m:dPr>
+                              <m:e>
+                                <m:r>
+                                  <a:rPr lang="en-US" sz="2000" i="1">
+                                    <a:latin typeface="Cambria Math" panose="02040503050406030204" pitchFamily="18" charset="0"/>
+                                  </a:rPr>
+                                  <m:t>𝑠</m:t>
+                                </m:r>
+                                <m:r>
+                                  <a:rPr lang="en-US" sz="2000" i="1">
+                                    <a:latin typeface="Cambria Math" panose="02040503050406030204" pitchFamily="18" charset="0"/>
+                                  </a:rPr>
+                                  <m:t>,</m:t>
+                                </m:r>
+                                <m:r>
+                                  <a:rPr lang="en-US" sz="2000" i="1">
+                                    <a:latin typeface="Cambria Math" panose="02040503050406030204" pitchFamily="18" charset="0"/>
+                                  </a:rPr>
+                                  <m:t>𝑡</m:t>
+                                </m:r>
+                              </m:e>
+                            </m:d>
+                          </m:num>
+                          <m:den>
+                            <m:r>
+                              <a:rPr lang="en-US" sz="2000" i="1">
+                                <a:latin typeface="Cambria Math" panose="02040503050406030204" pitchFamily="18" charset="0"/>
+                              </a:rPr>
+                              <m:t>𝜕</m:t>
+                            </m:r>
+                            <m:r>
+                              <a:rPr lang="en-US" sz="2000" i="1">
+                                <a:latin typeface="Cambria Math" panose="02040503050406030204" pitchFamily="18" charset="0"/>
+                              </a:rPr>
+                              <m:t>𝑠</m:t>
+                            </m:r>
+                          </m:den>
+                        </m:f>
+                        <m:r>
+                          <a:rPr lang="en-US" sz="2000" i="1">
+                            <a:latin typeface="Cambria Math" panose="02040503050406030204" pitchFamily="18" charset="0"/>
+                          </a:rPr>
+                          <m:t>|</m:t>
+                        </m:r>
+                      </m:e>
+                      <m:sub>
+                        <m:r>
+                          <a:rPr lang="en-US" sz="2000" i="1">
+                            <a:latin typeface="Cambria Math" panose="02040503050406030204" pitchFamily="18" charset="0"/>
+                          </a:rPr>
+                          <m:t>(0,0)</m:t>
+                        </m:r>
+                      </m:sub>
+                    </m:sSub>
+                    <m:r>
+                      <a:rPr lang="en-US" sz="2000" b="0" i="1" smtClean="0">
+                        <a:latin typeface="Cambria Math" panose="02040503050406030204" pitchFamily="18" charset="0"/>
+                      </a:rPr>
+                      <m:t>&gt;0</m:t>
+                    </m:r>
+                  </m:oMath>
+                </a14:m>
+                <a:r>
+                  <a:rPr lang="en-US" sz="2000" dirty="0"/>
+                  <a:t> </a:t>
+                </a:r>
+                <a:r>
+                  <a:rPr lang="en-US" sz="2000" b="1" dirty="0"/>
+                  <a:t>or </a:t>
+                </a:r>
+                <a14:m>
+                  <m:oMath xmlns:m="http://schemas.openxmlformats.org/officeDocument/2006/math">
+                    <m:sSub>
+                      <m:sSubPr>
+                        <m:ctrlPr>
+                          <a:rPr lang="en-US" sz="2000" i="1">
+                            <a:latin typeface="Cambria Math" panose="02040503050406030204" pitchFamily="18" charset="0"/>
+                          </a:rPr>
+                        </m:ctrlPr>
+                      </m:sSubPr>
+                      <m:e>
+                        <m:f>
+                          <m:fPr>
+                            <m:ctrlPr>
+                              <a:rPr lang="en-US" sz="2000" i="1">
+                                <a:latin typeface="Cambria Math" panose="02040503050406030204" pitchFamily="18" charset="0"/>
+                              </a:rPr>
+                            </m:ctrlPr>
+                          </m:fPr>
+                          <m:num>
+                            <m:r>
+                              <a:rPr lang="en-US" sz="2000" i="1">
+                                <a:latin typeface="Cambria Math" panose="02040503050406030204" pitchFamily="18" charset="0"/>
+                              </a:rPr>
+                              <m:t>𝜕𝜆</m:t>
+                            </m:r>
+                            <m:d>
+                              <m:dPr>
+                                <m:ctrlPr>
+                                  <a:rPr lang="en-US" sz="2000" i="1">
+                                    <a:latin typeface="Cambria Math" panose="02040503050406030204" pitchFamily="18" charset="0"/>
+                                  </a:rPr>
+                                </m:ctrlPr>
+                              </m:dPr>
+                              <m:e>
+                                <m:r>
+                                  <a:rPr lang="en-US" sz="2000" i="1">
+                                    <a:latin typeface="Cambria Math" panose="02040503050406030204" pitchFamily="18" charset="0"/>
+                                  </a:rPr>
+                                  <m:t>𝑠</m:t>
+                                </m:r>
+                                <m:r>
+                                  <a:rPr lang="en-US" sz="2000" i="1">
+                                    <a:latin typeface="Cambria Math" panose="02040503050406030204" pitchFamily="18" charset="0"/>
+                                  </a:rPr>
+                                  <m:t>,</m:t>
+                                </m:r>
+                                <m:r>
+                                  <a:rPr lang="en-US" sz="2000" i="1">
+                                    <a:latin typeface="Cambria Math" panose="02040503050406030204" pitchFamily="18" charset="0"/>
+                                  </a:rPr>
+                                  <m:t>𝑡</m:t>
+                                </m:r>
+                              </m:e>
+                            </m:d>
+                          </m:num>
+                          <m:den>
+                            <m:r>
+                              <a:rPr lang="en-US" sz="2000" i="1">
+                                <a:latin typeface="Cambria Math" panose="02040503050406030204" pitchFamily="18" charset="0"/>
+                              </a:rPr>
+                              <m:t>𝜕</m:t>
+                            </m:r>
+                            <m:r>
+                              <a:rPr lang="en-US" sz="2000" i="1">
+                                <a:latin typeface="Cambria Math" panose="02040503050406030204" pitchFamily="18" charset="0"/>
+                              </a:rPr>
+                              <m:t>𝑡</m:t>
+                            </m:r>
+                          </m:den>
+                        </m:f>
+                        <m:r>
+                          <a:rPr lang="en-US" sz="2000" i="1">
+                            <a:latin typeface="Cambria Math" panose="02040503050406030204" pitchFamily="18" charset="0"/>
+                          </a:rPr>
+                          <m:t>|</m:t>
+                        </m:r>
+                      </m:e>
+                      <m:sub>
+                        <m:r>
+                          <a:rPr lang="en-US" sz="2000" i="1">
+                            <a:latin typeface="Cambria Math" panose="02040503050406030204" pitchFamily="18" charset="0"/>
+                          </a:rPr>
+                          <m:t>(0,0)</m:t>
+                        </m:r>
+                      </m:sub>
+                    </m:sSub>
+                    <m:r>
+                      <a:rPr lang="en-US" sz="2000" b="0" i="1" smtClean="0">
+                        <a:latin typeface="Cambria Math" panose="02040503050406030204" pitchFamily="18" charset="0"/>
+                      </a:rPr>
+                      <m:t>&gt;0</m:t>
+                    </m:r>
+                  </m:oMath>
+                </a14:m>
+                <a:r>
+                  <a:rPr lang="en-US" sz="2000" dirty="0"/>
+                  <a:t> </a:t>
+                </a:r>
+              </a:p>
+              <a:p>
+                <a:pPr marL="800100" lvl="1" indent="-342900">
+                  <a:buFont typeface="Arial" panose="020B0604020202020204" pitchFamily="34" charset="0"/>
+                  <a:buChar char="•"/>
+                </a:pPr>
+                <a14:m>
+                  <m:oMath xmlns:m="http://schemas.openxmlformats.org/officeDocument/2006/math">
+                    <m:sSub>
+                      <m:sSubPr>
+                        <m:ctrlPr>
+                          <a:rPr lang="en-US" sz="2000" i="1">
+                            <a:latin typeface="Cambria Math" panose="02040503050406030204" pitchFamily="18" charset="0"/>
+                          </a:rPr>
+                        </m:ctrlPr>
+                      </m:sSubPr>
+                      <m:e>
+                        <m:f>
+                          <m:fPr>
+                            <m:ctrlPr>
+                              <a:rPr lang="en-US" sz="2000" i="1">
+                                <a:latin typeface="Cambria Math" panose="02040503050406030204" pitchFamily="18" charset="0"/>
+                              </a:rPr>
+                            </m:ctrlPr>
+                          </m:fPr>
+                          <m:num>
+                            <m:r>
+                              <a:rPr lang="en-US" sz="2000" i="1">
+                                <a:latin typeface="Cambria Math" panose="02040503050406030204" pitchFamily="18" charset="0"/>
+                              </a:rPr>
+                              <m:t>𝜕𝜆</m:t>
+                            </m:r>
+                            <m:d>
+                              <m:dPr>
+                                <m:ctrlPr>
+                                  <a:rPr lang="en-US" sz="2000" i="1">
+                                    <a:latin typeface="Cambria Math" panose="02040503050406030204" pitchFamily="18" charset="0"/>
+                                  </a:rPr>
+                                </m:ctrlPr>
+                              </m:dPr>
+                              <m:e>
+                                <m:r>
+                                  <a:rPr lang="en-US" sz="2000" i="1">
+                                    <a:latin typeface="Cambria Math" panose="02040503050406030204" pitchFamily="18" charset="0"/>
+                                  </a:rPr>
+                                  <m:t>𝑠</m:t>
+                                </m:r>
+                              </m:e>
+                            </m:d>
+                          </m:num>
+                          <m:den>
+                            <m:r>
+                              <a:rPr lang="en-US" sz="2000" i="1">
+                                <a:latin typeface="Cambria Math" panose="02040503050406030204" pitchFamily="18" charset="0"/>
+                              </a:rPr>
+                              <m:t>𝜕</m:t>
+                            </m:r>
+                            <m:r>
+                              <a:rPr lang="en-US" sz="2000" i="1">
+                                <a:latin typeface="Cambria Math" panose="02040503050406030204" pitchFamily="18" charset="0"/>
+                              </a:rPr>
+                              <m:t>𝑠</m:t>
+                            </m:r>
+                          </m:den>
+                        </m:f>
+                        <m:r>
+                          <a:rPr lang="en-US" sz="2000" i="1">
+                            <a:latin typeface="Cambria Math" panose="02040503050406030204" pitchFamily="18" charset="0"/>
+                          </a:rPr>
+                          <m:t>|</m:t>
+                        </m:r>
+                      </m:e>
+                      <m:sub>
+                        <m:r>
+                          <a:rPr lang="en-US" sz="2000" i="1">
+                            <a:latin typeface="Cambria Math" panose="02040503050406030204" pitchFamily="18" charset="0"/>
+                          </a:rPr>
+                          <m:t>0</m:t>
+                        </m:r>
+                      </m:sub>
+                    </m:sSub>
+                    <m:r>
+                      <a:rPr lang="en-US" sz="2000" b="0" i="1" smtClean="0">
+                        <a:latin typeface="Cambria Math" panose="02040503050406030204" pitchFamily="18" charset="0"/>
+                      </a:rPr>
+                      <m:t>&gt;0</m:t>
+                    </m:r>
+                  </m:oMath>
+                </a14:m>
+                <a:endParaRPr lang="en-US" sz="2000" b="0" dirty="0"/>
+              </a:p>
+              <a:p>
+                <a:pPr marL="800100" lvl="1" indent="-342900">
+                  <a:buFont typeface="Arial" panose="020B0604020202020204" pitchFamily="34" charset="0"/>
+                  <a:buChar char="•"/>
+                </a:pPr>
+                <a14:m>
+                  <m:oMath xmlns:m="http://schemas.openxmlformats.org/officeDocument/2006/math">
+                    <m:r>
+                      <a:rPr lang="en-US" sz="2000" b="0" i="1" smtClean="0">
+                        <a:latin typeface="Cambria Math" panose="02040503050406030204" pitchFamily="18" charset="0"/>
+                      </a:rPr>
+                      <m:t>∃</m:t>
+                    </m:r>
+                    <m:sSup>
+                      <m:sSupPr>
+                        <m:ctrlPr>
+                          <a:rPr lang="en-US" sz="2000" b="0" i="1" smtClean="0">
+                            <a:latin typeface="Cambria Math" panose="02040503050406030204" pitchFamily="18" charset="0"/>
+                          </a:rPr>
+                        </m:ctrlPr>
+                      </m:sSupPr>
+                      <m:e>
+                        <m:r>
+                          <a:rPr lang="en-US" sz="2000" b="0" i="1" smtClean="0">
+                            <a:latin typeface="Cambria Math" panose="02040503050406030204" pitchFamily="18" charset="0"/>
+                          </a:rPr>
+                          <m:t>𝑠</m:t>
+                        </m:r>
+                      </m:e>
+                      <m:sup>
+                        <m:r>
+                          <a:rPr lang="en-US" sz="2000" b="0" i="1" smtClean="0">
+                            <a:latin typeface="Cambria Math" panose="02040503050406030204" pitchFamily="18" charset="0"/>
+                          </a:rPr>
+                          <m:t>∗</m:t>
+                        </m:r>
+                      </m:sup>
+                    </m:sSup>
+                    <m:r>
+                      <a:rPr lang="en-US" sz="2000" b="0" i="1" smtClean="0">
+                        <a:latin typeface="Cambria Math" panose="02040503050406030204" pitchFamily="18" charset="0"/>
+                      </a:rPr>
+                      <m:t>∈</m:t>
+                    </m:r>
+                    <m:d>
+                      <m:dPr>
+                        <m:begChr m:val="["/>
+                        <m:endChr m:val="]"/>
+                        <m:ctrlPr>
+                          <a:rPr lang="en-US" sz="2000" b="0" i="1" smtClean="0">
+                            <a:latin typeface="Cambria Math" panose="02040503050406030204" pitchFamily="18" charset="0"/>
+                          </a:rPr>
+                        </m:ctrlPr>
+                      </m:dPr>
+                      <m:e>
+                        <m:r>
+                          <a:rPr lang="en-US" sz="2000" b="0" i="1" smtClean="0">
+                            <a:latin typeface="Cambria Math" panose="02040503050406030204" pitchFamily="18" charset="0"/>
+                          </a:rPr>
+                          <m:t>0,1</m:t>
+                        </m:r>
+                      </m:e>
+                    </m:d>
+                    <m:r>
+                      <a:rPr lang="en-US" sz="2000" b="0" i="1" smtClean="0">
+                        <a:latin typeface="Cambria Math" panose="02040503050406030204" pitchFamily="18" charset="0"/>
+                      </a:rPr>
+                      <m:t>:</m:t>
+                    </m:r>
+                    <m:r>
+                      <a:rPr lang="en-US" sz="2000" b="0" i="1" smtClean="0">
+                        <a:latin typeface="Cambria Math" panose="02040503050406030204" pitchFamily="18" charset="0"/>
+                      </a:rPr>
+                      <m:t>𝜆</m:t>
+                    </m:r>
+                    <m:d>
+                      <m:dPr>
+                        <m:ctrlPr>
+                          <a:rPr lang="en-US" sz="2000" b="0" i="1" smtClean="0">
+                            <a:latin typeface="Cambria Math" panose="02040503050406030204" pitchFamily="18" charset="0"/>
+                          </a:rPr>
+                        </m:ctrlPr>
+                      </m:dPr>
+                      <m:e>
+                        <m:sSup>
+                          <m:sSupPr>
+                            <m:ctrlPr>
+                              <a:rPr lang="en-US" sz="2000" b="0" i="1" smtClean="0">
+                                <a:latin typeface="Cambria Math" panose="02040503050406030204" pitchFamily="18" charset="0"/>
+                              </a:rPr>
+                            </m:ctrlPr>
+                          </m:sSupPr>
+                          <m:e>
+                            <m:r>
+                              <a:rPr lang="en-US" sz="2000" b="0" i="1" smtClean="0">
+                                <a:latin typeface="Cambria Math" panose="02040503050406030204" pitchFamily="18" charset="0"/>
+                              </a:rPr>
+                              <m:t>𝑠</m:t>
+                            </m:r>
+                          </m:e>
+                          <m:sup>
+                            <m:r>
+                              <a:rPr lang="en-US" sz="2000" b="0" i="1" smtClean="0">
+                                <a:latin typeface="Cambria Math" panose="02040503050406030204" pitchFamily="18" charset="0"/>
+                              </a:rPr>
+                              <m:t>∗</m:t>
+                            </m:r>
+                          </m:sup>
+                        </m:sSup>
+                      </m:e>
+                    </m:d>
+                    <m:r>
+                      <a:rPr lang="en-US" sz="2000" b="0" i="1" smtClean="0">
+                        <a:latin typeface="Cambria Math" panose="02040503050406030204" pitchFamily="18" charset="0"/>
+                      </a:rPr>
+                      <m:t>&gt;</m:t>
+                    </m:r>
+                    <m:r>
+                      <a:rPr lang="en-US" sz="2000" b="0" i="1" smtClean="0">
+                        <a:latin typeface="Cambria Math" panose="02040503050406030204" pitchFamily="18" charset="0"/>
+                      </a:rPr>
+                      <m:t>𝜆</m:t>
+                    </m:r>
+                    <m:r>
+                      <a:rPr lang="en-US" sz="2000" b="0" i="1" smtClean="0">
+                        <a:latin typeface="Cambria Math" panose="02040503050406030204" pitchFamily="18" charset="0"/>
+                      </a:rPr>
+                      <m:t>(0)</m:t>
+                    </m:r>
+                  </m:oMath>
+                </a14:m>
+                <a:endParaRPr lang="en-US" sz="2000" dirty="0"/>
+              </a:p>
+              <a:p>
+                <a:pPr marL="800100" lvl="1" indent="-342900">
+                  <a:buFont typeface="Arial" panose="020B0604020202020204" pitchFamily="34" charset="0"/>
+                  <a:buChar char="•"/>
+                </a:pPr>
+                <a14:m>
+                  <m:oMath xmlns:m="http://schemas.openxmlformats.org/officeDocument/2006/math">
+                    <m:r>
+                      <a:rPr lang="en-US" sz="2000" b="0" i="1" smtClean="0">
+                        <a:latin typeface="Cambria Math" panose="02040503050406030204" pitchFamily="18" charset="0"/>
+                      </a:rPr>
+                      <m:t>𝜆</m:t>
+                    </m:r>
+                    <m:d>
+                      <m:dPr>
+                        <m:ctrlPr>
+                          <a:rPr lang="en-US" sz="2000" b="0" i="1" smtClean="0">
+                            <a:latin typeface="Cambria Math" panose="02040503050406030204" pitchFamily="18" charset="0"/>
+                          </a:rPr>
+                        </m:ctrlPr>
+                      </m:dPr>
+                      <m:e>
+                        <m:r>
+                          <a:rPr lang="en-US" sz="2000" b="0" i="1" smtClean="0">
+                            <a:latin typeface="Cambria Math" panose="02040503050406030204" pitchFamily="18" charset="0"/>
+                          </a:rPr>
+                          <m:t>1</m:t>
+                        </m:r>
+                      </m:e>
+                    </m:d>
+                    <m:r>
+                      <a:rPr lang="en-US" sz="2000" b="0" i="1" smtClean="0">
+                        <a:latin typeface="Cambria Math" panose="02040503050406030204" pitchFamily="18" charset="0"/>
+                      </a:rPr>
+                      <m:t>&lt;</m:t>
+                    </m:r>
+                    <m:r>
+                      <a:rPr lang="en-US" sz="2000" b="0" i="1" smtClean="0">
+                        <a:latin typeface="Cambria Math" panose="02040503050406030204" pitchFamily="18" charset="0"/>
+                      </a:rPr>
+                      <m:t>𝜆</m:t>
+                    </m:r>
+                    <m:d>
+                      <m:dPr>
+                        <m:ctrlPr>
+                          <a:rPr lang="en-US" sz="2000" b="0" i="1" smtClean="0">
+                            <a:latin typeface="Cambria Math" panose="02040503050406030204" pitchFamily="18" charset="0"/>
+                          </a:rPr>
+                        </m:ctrlPr>
+                      </m:dPr>
+                      <m:e>
+                        <m:r>
+                          <a:rPr lang="en-US" sz="2000" b="0" i="1" smtClean="0">
+                            <a:latin typeface="Cambria Math" panose="02040503050406030204" pitchFamily="18" charset="0"/>
+                          </a:rPr>
+                          <m:t>0</m:t>
+                        </m:r>
+                      </m:e>
+                    </m:d>
+                    <m:r>
+                      <a:rPr lang="en-US" sz="2000" b="0" i="1" smtClean="0">
+                        <a:latin typeface="Cambria Math" panose="02040503050406030204" pitchFamily="18" charset="0"/>
+                      </a:rPr>
+                      <m:t>⇒</m:t>
+                    </m:r>
+                    <m:r>
+                      <a:rPr lang="en-US" sz="2000" i="1">
+                        <a:latin typeface="Cambria Math" panose="02040503050406030204" pitchFamily="18" charset="0"/>
+                      </a:rPr>
+                      <m:t>𝜆</m:t>
+                    </m:r>
+                    <m:d>
+                      <m:dPr>
+                        <m:ctrlPr>
+                          <a:rPr lang="en-US" sz="2000" i="1">
+                            <a:latin typeface="Cambria Math" panose="02040503050406030204" pitchFamily="18" charset="0"/>
+                          </a:rPr>
+                        </m:ctrlPr>
+                      </m:dPr>
+                      <m:e>
+                        <m:sSup>
+                          <m:sSupPr>
+                            <m:ctrlPr>
+                              <a:rPr lang="en-US" sz="2000" i="1">
+                                <a:latin typeface="Cambria Math" panose="02040503050406030204" pitchFamily="18" charset="0"/>
+                              </a:rPr>
+                            </m:ctrlPr>
+                          </m:sSupPr>
+                          <m:e>
+                            <m:r>
+                              <a:rPr lang="en-US" sz="2000" i="1">
+                                <a:latin typeface="Cambria Math" panose="02040503050406030204" pitchFamily="18" charset="0"/>
+                              </a:rPr>
+                              <m:t>𝑠</m:t>
+                            </m:r>
+                          </m:e>
+                          <m:sup>
+                            <m:r>
+                              <a:rPr lang="en-US" sz="2000" i="1">
+                                <a:latin typeface="Cambria Math" panose="02040503050406030204" pitchFamily="18" charset="0"/>
+                              </a:rPr>
+                              <m:t>∗</m:t>
+                            </m:r>
+                          </m:sup>
+                        </m:sSup>
+                      </m:e>
+                    </m:d>
+                    <m:r>
+                      <a:rPr lang="en-US" sz="2000" b="0" i="1" smtClean="0">
+                        <a:latin typeface="Cambria Math" panose="02040503050406030204" pitchFamily="18" charset="0"/>
+                      </a:rPr>
+                      <m:t>&gt;</m:t>
+                    </m:r>
+                    <m:r>
+                      <a:rPr lang="en-US" sz="2000" i="1">
+                        <a:latin typeface="Cambria Math" panose="02040503050406030204" pitchFamily="18" charset="0"/>
+                      </a:rPr>
+                      <m:t>𝜆</m:t>
+                    </m:r>
+                    <m:d>
+                      <m:dPr>
+                        <m:ctrlPr>
+                          <a:rPr lang="en-US" sz="2000" i="1">
+                            <a:latin typeface="Cambria Math" panose="02040503050406030204" pitchFamily="18" charset="0"/>
+                          </a:rPr>
+                        </m:ctrlPr>
+                      </m:dPr>
+                      <m:e>
+                        <m:r>
+                          <a:rPr lang="en-US" sz="2000" i="1">
+                            <a:latin typeface="Cambria Math" panose="02040503050406030204" pitchFamily="18" charset="0"/>
+                          </a:rPr>
+                          <m:t>1</m:t>
+                        </m:r>
+                      </m:e>
+                    </m:d>
+                  </m:oMath>
+                </a14:m>
+                <a:endParaRPr lang="en-US" sz="2000" dirty="0"/>
+              </a:p>
+              <a:p>
+                <a:pPr marL="800100" lvl="1" indent="-342900">
+                  <a:buFont typeface="Arial" panose="020B0604020202020204" pitchFamily="34" charset="0"/>
+                  <a:buChar char="•"/>
+                </a:pPr>
+                <a14:m>
+                  <m:oMath xmlns:m="http://schemas.openxmlformats.org/officeDocument/2006/math">
+                    <m:r>
+                      <a:rPr lang="en-US" sz="2000" i="1">
+                        <a:latin typeface="Cambria Math" panose="02040503050406030204" pitchFamily="18" charset="0"/>
+                      </a:rPr>
+                      <m:t>𝜆</m:t>
+                    </m:r>
+                    <m:d>
+                      <m:dPr>
+                        <m:ctrlPr>
+                          <a:rPr lang="en-US" sz="2000" i="1">
+                            <a:latin typeface="Cambria Math" panose="02040503050406030204" pitchFamily="18" charset="0"/>
+                          </a:rPr>
+                        </m:ctrlPr>
+                      </m:dPr>
+                      <m:e>
+                        <m:r>
+                          <a:rPr lang="en-US" sz="2000" i="1">
+                            <a:latin typeface="Cambria Math" panose="02040503050406030204" pitchFamily="18" charset="0"/>
+                          </a:rPr>
+                          <m:t>0</m:t>
+                        </m:r>
+                      </m:e>
+                    </m:d>
+                    <m:r>
+                      <a:rPr lang="en-US" sz="2000" b="0" i="1" smtClean="0">
+                        <a:latin typeface="Cambria Math" panose="02040503050406030204" pitchFamily="18" charset="0"/>
+                      </a:rPr>
+                      <m:t>&lt;</m:t>
+                    </m:r>
+                    <m:r>
+                      <a:rPr lang="en-US" sz="2000" i="1">
+                        <a:latin typeface="Cambria Math" panose="02040503050406030204" pitchFamily="18" charset="0"/>
+                      </a:rPr>
+                      <m:t>𝜆</m:t>
+                    </m:r>
+                    <m:d>
+                      <m:dPr>
+                        <m:ctrlPr>
+                          <a:rPr lang="en-US" sz="2000" i="1">
+                            <a:latin typeface="Cambria Math" panose="02040503050406030204" pitchFamily="18" charset="0"/>
+                          </a:rPr>
+                        </m:ctrlPr>
+                      </m:dPr>
+                      <m:e>
+                        <m:sSup>
+                          <m:sSupPr>
+                            <m:ctrlPr>
+                              <a:rPr lang="en-US" sz="2000" i="1">
+                                <a:latin typeface="Cambria Math" panose="02040503050406030204" pitchFamily="18" charset="0"/>
+                              </a:rPr>
+                            </m:ctrlPr>
+                          </m:sSupPr>
+                          <m:e>
+                            <m:r>
+                              <a:rPr lang="en-US" sz="2000" i="1">
+                                <a:latin typeface="Cambria Math" panose="02040503050406030204" pitchFamily="18" charset="0"/>
+                              </a:rPr>
+                              <m:t>𝑠</m:t>
+                            </m:r>
+                          </m:e>
+                          <m:sup>
+                            <m:r>
+                              <a:rPr lang="en-US" sz="2000" i="1">
+                                <a:latin typeface="Cambria Math" panose="02040503050406030204" pitchFamily="18" charset="0"/>
+                              </a:rPr>
+                              <m:t>∗</m:t>
+                            </m:r>
+                          </m:sup>
+                        </m:sSup>
+                      </m:e>
+                    </m:d>
+                    <m:r>
+                      <a:rPr lang="en-US" sz="2000" b="0" i="1" smtClean="0">
+                        <a:latin typeface="Cambria Math" panose="02040503050406030204" pitchFamily="18" charset="0"/>
+                      </a:rPr>
+                      <m:t>&gt;</m:t>
+                    </m:r>
+                    <m:r>
+                      <a:rPr lang="en-US" sz="2000" i="1">
+                        <a:latin typeface="Cambria Math" panose="02040503050406030204" pitchFamily="18" charset="0"/>
+                      </a:rPr>
+                      <m:t>𝜆</m:t>
+                    </m:r>
+                    <m:d>
+                      <m:dPr>
+                        <m:ctrlPr>
+                          <a:rPr lang="en-US" sz="2000" i="1">
+                            <a:latin typeface="Cambria Math" panose="02040503050406030204" pitchFamily="18" charset="0"/>
+                          </a:rPr>
+                        </m:ctrlPr>
+                      </m:dPr>
+                      <m:e>
+                        <m:r>
+                          <a:rPr lang="en-US" sz="2000" i="1">
+                            <a:latin typeface="Cambria Math" panose="02040503050406030204" pitchFamily="18" charset="0"/>
+                          </a:rPr>
+                          <m:t>1</m:t>
+                        </m:r>
+                      </m:e>
+                    </m:d>
+                  </m:oMath>
+                </a14:m>
+                <a:r>
+                  <a:rPr lang="en-US" sz="2000" dirty="0"/>
+                  <a:t> </a:t>
+                </a:r>
+                <a:r>
+                  <a:rPr lang="en-US" sz="2000" b="1" dirty="0">
+                    <a:solidFill>
+                      <a:schemeClr val="accent6"/>
+                    </a:solidFill>
+                  </a:rPr>
+                  <a:t>vs</a:t>
+                </a:r>
+                <a:r>
+                  <a:rPr lang="en-US" sz="2000" dirty="0"/>
+                  <a:t> </a:t>
+                </a:r>
+                <a14:m>
+                  <m:oMath xmlns:m="http://schemas.openxmlformats.org/officeDocument/2006/math">
+                    <m:r>
+                      <a:rPr lang="en-US" sz="2000" i="1">
+                        <a:latin typeface="Cambria Math" panose="02040503050406030204" pitchFamily="18" charset="0"/>
+                      </a:rPr>
+                      <m:t>𝜆</m:t>
+                    </m:r>
+                    <m:r>
+                      <a:rPr lang="en-US" sz="2000" b="0" i="1" smtClean="0">
+                        <a:latin typeface="Cambria Math" panose="02040503050406030204" pitchFamily="18" charset="0"/>
+                      </a:rPr>
+                      <m:t>′′</m:t>
+                    </m:r>
+                    <m:d>
+                      <m:dPr>
+                        <m:ctrlPr>
+                          <a:rPr lang="en-US" sz="2000" i="1">
+                            <a:latin typeface="Cambria Math" panose="02040503050406030204" pitchFamily="18" charset="0"/>
+                          </a:rPr>
+                        </m:ctrlPr>
+                      </m:dPr>
+                      <m:e>
+                        <m:r>
+                          <a:rPr lang="en-US" sz="2000" b="0" i="1" smtClean="0">
+                            <a:latin typeface="Cambria Math" panose="02040503050406030204" pitchFamily="18" charset="0"/>
+                          </a:rPr>
+                          <m:t>𝑠</m:t>
+                        </m:r>
+                      </m:e>
+                    </m:d>
+                    <m:r>
+                      <a:rPr lang="en-US" sz="2000" i="1">
+                        <a:latin typeface="Cambria Math" panose="02040503050406030204" pitchFamily="18" charset="0"/>
+                        <a:ea typeface="Cambria Math" panose="02040503050406030204" pitchFamily="18" charset="0"/>
+                      </a:rPr>
+                      <m:t>≥</m:t>
+                    </m:r>
+                    <m:r>
+                      <a:rPr lang="en-US" sz="2000" b="0" i="1" smtClean="0">
+                        <a:latin typeface="Cambria Math" panose="02040503050406030204" pitchFamily="18" charset="0"/>
+                        <a:ea typeface="Cambria Math" panose="02040503050406030204" pitchFamily="18" charset="0"/>
+                      </a:rPr>
+                      <m:t>0</m:t>
+                    </m:r>
+                  </m:oMath>
+                </a14:m>
+                <a:endParaRPr lang="en-US" sz="2000" dirty="0"/>
+              </a:p>
+              <a:p>
+                <a:pPr marL="342900" indent="-342900">
+                  <a:buFont typeface="+mj-lt"/>
+                  <a:buAutoNum type="arabicPeriod"/>
+                </a:pPr>
+                <a14:m>
+                  <m:oMath xmlns:m="http://schemas.openxmlformats.org/officeDocument/2006/math">
+                    <m:sSub>
+                      <m:sSubPr>
+                        <m:ctrlPr>
+                          <a:rPr lang="en-US" sz="2000" i="1">
+                            <a:latin typeface="Cambria Math" panose="02040503050406030204" pitchFamily="18" charset="0"/>
+                          </a:rPr>
+                        </m:ctrlPr>
+                      </m:sSubPr>
+                      <m:e>
+                        <m:f>
+                          <m:fPr>
+                            <m:ctrlPr>
+                              <a:rPr lang="en-US" sz="2000" i="1">
+                                <a:latin typeface="Cambria Math" panose="02040503050406030204" pitchFamily="18" charset="0"/>
+                              </a:rPr>
+                            </m:ctrlPr>
+                          </m:fPr>
+                          <m:num>
+                            <m:r>
+                              <a:rPr lang="en-US" sz="2000" i="1">
+                                <a:latin typeface="Cambria Math" panose="02040503050406030204" pitchFamily="18" charset="0"/>
+                              </a:rPr>
+                              <m:t>𝜕𝜆</m:t>
+                            </m:r>
+                            <m:d>
+                              <m:dPr>
+                                <m:ctrlPr>
+                                  <a:rPr lang="en-US" sz="2000" i="1">
+                                    <a:latin typeface="Cambria Math" panose="02040503050406030204" pitchFamily="18" charset="0"/>
+                                  </a:rPr>
+                                </m:ctrlPr>
+                              </m:dPr>
+                              <m:e>
+                                <m:r>
+                                  <a:rPr lang="en-US" sz="2000" i="1">
+                                    <a:latin typeface="Cambria Math" panose="02040503050406030204" pitchFamily="18" charset="0"/>
+                                  </a:rPr>
+                                  <m:t>𝑠</m:t>
+                                </m:r>
+                                <m:r>
+                                  <a:rPr lang="en-US" sz="2000" i="1">
+                                    <a:latin typeface="Cambria Math" panose="02040503050406030204" pitchFamily="18" charset="0"/>
+                                  </a:rPr>
+                                  <m:t>,</m:t>
+                                </m:r>
+                                <m:r>
+                                  <a:rPr lang="en-US" sz="2000" i="1">
+                                    <a:latin typeface="Cambria Math" panose="02040503050406030204" pitchFamily="18" charset="0"/>
+                                  </a:rPr>
+                                  <m:t>𝑡</m:t>
+                                </m:r>
+                              </m:e>
+                            </m:d>
+                          </m:num>
+                          <m:den>
+                            <m:r>
+                              <a:rPr lang="en-US" sz="2000" i="1">
+                                <a:latin typeface="Cambria Math" panose="02040503050406030204" pitchFamily="18" charset="0"/>
+                              </a:rPr>
+                              <m:t>𝜕</m:t>
+                            </m:r>
+                            <m:r>
+                              <a:rPr lang="en-US" sz="2000" i="1">
+                                <a:latin typeface="Cambria Math" panose="02040503050406030204" pitchFamily="18" charset="0"/>
+                              </a:rPr>
+                              <m:t>𝑠</m:t>
+                            </m:r>
+                          </m:den>
+                        </m:f>
+                        <m:r>
+                          <a:rPr lang="en-US" sz="2000" i="1">
+                            <a:latin typeface="Cambria Math" panose="02040503050406030204" pitchFamily="18" charset="0"/>
+                          </a:rPr>
+                          <m:t>|</m:t>
+                        </m:r>
+                      </m:e>
+                      <m:sub>
+                        <m:r>
+                          <a:rPr lang="en-US" sz="2000" i="1">
+                            <a:latin typeface="Cambria Math" panose="02040503050406030204" pitchFamily="18" charset="0"/>
+                          </a:rPr>
+                          <m:t>(0,0)</m:t>
+                        </m:r>
+                      </m:sub>
+                    </m:sSub>
+                    <m:r>
+                      <a:rPr lang="en-US" sz="2000" b="0" i="1" smtClean="0">
+                        <a:latin typeface="Cambria Math" panose="02040503050406030204" pitchFamily="18" charset="0"/>
+                      </a:rPr>
+                      <m:t>=</m:t>
+                    </m:r>
+                    <m:sSub>
+                      <m:sSubPr>
+                        <m:ctrlPr>
+                          <a:rPr lang="en-US" sz="2000" i="1">
+                            <a:latin typeface="Cambria Math" panose="02040503050406030204" pitchFamily="18" charset="0"/>
+                          </a:rPr>
+                        </m:ctrlPr>
+                      </m:sSubPr>
+                      <m:e>
+                        <m:f>
+                          <m:fPr>
+                            <m:ctrlPr>
+                              <a:rPr lang="en-US" sz="2000" i="1">
+                                <a:latin typeface="Cambria Math" panose="02040503050406030204" pitchFamily="18" charset="0"/>
+                              </a:rPr>
+                            </m:ctrlPr>
+                          </m:fPr>
+                          <m:num>
+                            <m:r>
+                              <a:rPr lang="en-US" sz="2000" i="1">
+                                <a:latin typeface="Cambria Math" panose="02040503050406030204" pitchFamily="18" charset="0"/>
+                              </a:rPr>
+                              <m:t>𝜕𝜆</m:t>
+                            </m:r>
+                            <m:d>
+                              <m:dPr>
+                                <m:ctrlPr>
+                                  <a:rPr lang="en-US" sz="2000" i="1">
+                                    <a:latin typeface="Cambria Math" panose="02040503050406030204" pitchFamily="18" charset="0"/>
+                                  </a:rPr>
+                                </m:ctrlPr>
+                              </m:dPr>
+                              <m:e>
+                                <m:r>
+                                  <a:rPr lang="en-US" sz="2000" i="1">
+                                    <a:latin typeface="Cambria Math" panose="02040503050406030204" pitchFamily="18" charset="0"/>
+                                  </a:rPr>
+                                  <m:t>𝑠</m:t>
+                                </m:r>
+                                <m:r>
+                                  <a:rPr lang="en-US" sz="2000" i="1">
+                                    <a:latin typeface="Cambria Math" panose="02040503050406030204" pitchFamily="18" charset="0"/>
+                                  </a:rPr>
+                                  <m:t>,</m:t>
+                                </m:r>
+                                <m:r>
+                                  <a:rPr lang="en-US" sz="2000" i="1">
+                                    <a:latin typeface="Cambria Math" panose="02040503050406030204" pitchFamily="18" charset="0"/>
+                                  </a:rPr>
+                                  <m:t>𝑡</m:t>
+                                </m:r>
+                              </m:e>
+                            </m:d>
+                          </m:num>
+                          <m:den>
+                            <m:r>
+                              <a:rPr lang="en-US" sz="2000" i="1">
+                                <a:latin typeface="Cambria Math" panose="02040503050406030204" pitchFamily="18" charset="0"/>
+                              </a:rPr>
+                              <m:t>𝜕</m:t>
+                            </m:r>
+                            <m:r>
+                              <a:rPr lang="en-US" sz="2000" i="1">
+                                <a:latin typeface="Cambria Math" panose="02040503050406030204" pitchFamily="18" charset="0"/>
+                              </a:rPr>
+                              <m:t>𝑡</m:t>
+                            </m:r>
+                          </m:den>
+                        </m:f>
+                        <m:r>
+                          <a:rPr lang="en-US" sz="2000" i="1">
+                            <a:latin typeface="Cambria Math" panose="02040503050406030204" pitchFamily="18" charset="0"/>
+                          </a:rPr>
+                          <m:t>|</m:t>
+                        </m:r>
+                      </m:e>
+                      <m:sub>
+                        <m:r>
+                          <a:rPr lang="en-US" sz="2000" i="1">
+                            <a:latin typeface="Cambria Math" panose="02040503050406030204" pitchFamily="18" charset="0"/>
+                          </a:rPr>
+                          <m:t>(0,0)</m:t>
+                        </m:r>
+                      </m:sub>
+                    </m:sSub>
+                    <m:r>
+                      <a:rPr lang="en-US" sz="2000" b="0" i="1" smtClean="0">
+                        <a:latin typeface="Cambria Math" panose="02040503050406030204" pitchFamily="18" charset="0"/>
+                      </a:rPr>
+                      <m:t>=0</m:t>
+                    </m:r>
+                  </m:oMath>
+                </a14:m>
+                <a:endParaRPr lang="en-US" sz="2000" dirty="0"/>
+              </a:p>
+              <a:p>
+                <a:pPr marL="742950" lvl="1" indent="-285750">
+                  <a:buFont typeface="Arial" panose="020B0604020202020204" pitchFamily="34" charset="0"/>
+                  <a:buChar char="•"/>
+                </a:pPr>
+                <a14:m>
+                  <m:oMath xmlns:m="http://schemas.openxmlformats.org/officeDocument/2006/math">
+                    <m:sSub>
+                      <m:sSubPr>
+                        <m:ctrlPr>
+                          <a:rPr lang="en-US" sz="2000" i="1">
+                            <a:latin typeface="Cambria Math" panose="02040503050406030204" pitchFamily="18" charset="0"/>
+                          </a:rPr>
+                        </m:ctrlPr>
+                      </m:sSubPr>
+                      <m:e>
+                        <m:r>
+                          <a:rPr lang="en-US" sz="2000" b="0" i="1" smtClean="0">
+                            <a:latin typeface="Cambria Math" panose="02040503050406030204" pitchFamily="18" charset="0"/>
+                          </a:rPr>
+                          <m:t>𝑀</m:t>
+                        </m:r>
+                      </m:e>
+                      <m:sub>
+                        <m:r>
+                          <a:rPr lang="en-US" sz="2000" i="1">
+                            <a:latin typeface="Cambria Math" panose="02040503050406030204" pitchFamily="18" charset="0"/>
+                          </a:rPr>
+                          <m:t>𝑖</m:t>
+                        </m:r>
+                      </m:sub>
+                    </m:sSub>
+                    <m:r>
+                      <a:rPr lang="en-US" sz="2000" b="0" i="1" smtClean="0">
+                        <a:latin typeface="Cambria Math" panose="02040503050406030204" pitchFamily="18" charset="0"/>
+                      </a:rPr>
+                      <m:t>∈</m:t>
+                    </m:r>
+                    <m:d>
+                      <m:dPr>
+                        <m:begChr m:val="["/>
+                        <m:endChr m:val="]"/>
+                        <m:ctrlPr>
+                          <a:rPr lang="en-US" sz="2000" b="0" i="1" smtClean="0">
+                            <a:latin typeface="Cambria Math" panose="02040503050406030204" pitchFamily="18" charset="0"/>
+                          </a:rPr>
+                        </m:ctrlPr>
+                      </m:dPr>
+                      <m:e>
+                        <m:sSub>
+                          <m:sSubPr>
+                            <m:ctrlPr>
+                              <a:rPr lang="en-US" sz="2000" b="0" i="1" smtClean="0">
+                                <a:latin typeface="Cambria Math" panose="02040503050406030204" pitchFamily="18" charset="0"/>
+                              </a:rPr>
+                            </m:ctrlPr>
+                          </m:sSubPr>
+                          <m:e>
+                            <m:r>
+                              <a:rPr lang="en-US" sz="2000" b="0" i="1" smtClean="0">
+                                <a:latin typeface="Cambria Math" panose="02040503050406030204" pitchFamily="18" charset="0"/>
+                              </a:rPr>
+                              <m:t>𝑀</m:t>
+                            </m:r>
+                          </m:e>
+                          <m:sub>
+                            <m:r>
+                              <a:rPr lang="en-US" sz="2000" b="0" i="1" smtClean="0">
+                                <a:latin typeface="Cambria Math" panose="02040503050406030204" pitchFamily="18" charset="0"/>
+                              </a:rPr>
+                              <m:t>𝑖</m:t>
+                            </m:r>
+                            <m:r>
+                              <a:rPr lang="en-US" sz="2000" b="0" i="1" smtClean="0">
+                                <a:latin typeface="Cambria Math" panose="02040503050406030204" pitchFamily="18" charset="0"/>
+                              </a:rPr>
+                              <m:t>−1</m:t>
+                            </m:r>
+                          </m:sub>
+                        </m:sSub>
+                        <m:sSub>
+                          <m:sSubPr>
+                            <m:ctrlPr>
+                              <a:rPr lang="en-US" sz="2000" b="0" i="1" smtClean="0">
+                                <a:latin typeface="Cambria Math" panose="02040503050406030204" pitchFamily="18" charset="0"/>
+                              </a:rPr>
+                            </m:ctrlPr>
+                          </m:sSubPr>
+                          <m:e>
+                            <m:r>
+                              <a:rPr lang="en-US" sz="2000" b="0" i="1" smtClean="0">
+                                <a:latin typeface="Cambria Math" panose="02040503050406030204" pitchFamily="18" charset="0"/>
+                              </a:rPr>
+                              <m:t>𝑀</m:t>
+                            </m:r>
+                          </m:e>
+                          <m:sub>
+                            <m:r>
+                              <a:rPr lang="en-US" sz="2000" b="0" i="1" smtClean="0">
+                                <a:latin typeface="Cambria Math" panose="02040503050406030204" pitchFamily="18" charset="0"/>
+                              </a:rPr>
+                              <m:t>𝑖</m:t>
+                            </m:r>
+                            <m:r>
+                              <a:rPr lang="en-US" sz="2000" b="0" i="1" smtClean="0">
+                                <a:latin typeface="Cambria Math" panose="02040503050406030204" pitchFamily="18" charset="0"/>
+                              </a:rPr>
+                              <m:t>+1</m:t>
+                            </m:r>
+                          </m:sub>
+                        </m:sSub>
+                      </m:e>
+                    </m:d>
+                  </m:oMath>
+                </a14:m>
+                <a:r>
+                  <a:rPr lang="en-US" sz="2000" b="0" i="1" dirty="0">
+                    <a:latin typeface="Cambria Math" panose="02040503050406030204" pitchFamily="18" charset="0"/>
+                  </a:rPr>
+                  <a:t> </a:t>
+                </a:r>
+                <a:r>
+                  <a:rPr lang="en-US" sz="2000" b="0" dirty="0">
+                    <a:latin typeface="Cambria Math" panose="02040503050406030204" pitchFamily="18" charset="0"/>
+                  </a:rPr>
+                  <a:t>or</a:t>
+                </a:r>
+                <a:r>
+                  <a:rPr lang="en-US" sz="2000" b="0" i="1" dirty="0">
+                    <a:latin typeface="Cambria Math" panose="02040503050406030204" pitchFamily="18" charset="0"/>
+                  </a:rPr>
+                  <a:t> </a:t>
+                </a:r>
+                <a14:m>
+                  <m:oMath xmlns:m="http://schemas.openxmlformats.org/officeDocument/2006/math">
+                    <m:sSub>
+                      <m:sSubPr>
+                        <m:ctrlPr>
+                          <a:rPr lang="en-US" sz="2000" i="1">
+                            <a:latin typeface="Cambria Math" panose="02040503050406030204" pitchFamily="18" charset="0"/>
+                          </a:rPr>
+                        </m:ctrlPr>
+                      </m:sSubPr>
+                      <m:e>
+                        <m:r>
+                          <a:rPr lang="en-US" sz="2000" i="1">
+                            <a:latin typeface="Cambria Math" panose="02040503050406030204" pitchFamily="18" charset="0"/>
+                          </a:rPr>
+                          <m:t>𝑀</m:t>
+                        </m:r>
+                      </m:e>
+                      <m:sub>
+                        <m:r>
+                          <a:rPr lang="en-US" sz="2000" i="1">
+                            <a:latin typeface="Cambria Math" panose="02040503050406030204" pitchFamily="18" charset="0"/>
+                          </a:rPr>
+                          <m:t>𝑖</m:t>
+                        </m:r>
+                      </m:sub>
+                    </m:sSub>
+                    <m:r>
+                      <a:rPr lang="en-US" sz="2000" i="1">
+                        <a:latin typeface="Cambria Math" panose="02040503050406030204" pitchFamily="18" charset="0"/>
+                      </a:rPr>
+                      <m:t>∈</m:t>
+                    </m:r>
+                    <m:d>
+                      <m:dPr>
+                        <m:begChr m:val="["/>
+                        <m:endChr m:val="]"/>
+                        <m:ctrlPr>
+                          <a:rPr lang="en-US" sz="2000" i="1">
+                            <a:latin typeface="Cambria Math" panose="02040503050406030204" pitchFamily="18" charset="0"/>
+                          </a:rPr>
+                        </m:ctrlPr>
+                      </m:dPr>
+                      <m:e>
+                        <m:sSubSup>
+                          <m:sSubSupPr>
+                            <m:ctrlPr>
+                              <a:rPr lang="en-US" sz="2000" i="1" smtClean="0">
+                                <a:latin typeface="Cambria Math" panose="02040503050406030204" pitchFamily="18" charset="0"/>
+                              </a:rPr>
+                            </m:ctrlPr>
+                          </m:sSubSupPr>
+                          <m:e>
+                            <m:r>
+                              <a:rPr lang="en-US" sz="2000" b="0" i="1" smtClean="0">
+                                <a:latin typeface="Cambria Math" panose="02040503050406030204" pitchFamily="18" charset="0"/>
+                              </a:rPr>
+                              <m:t>𝑀</m:t>
+                            </m:r>
+                          </m:e>
+                          <m:sub>
+                            <m:r>
+                              <a:rPr lang="en-US" sz="2000" b="0" i="1" smtClean="0">
+                                <a:latin typeface="Cambria Math" panose="02040503050406030204" pitchFamily="18" charset="0"/>
+                              </a:rPr>
+                              <m:t>𝑖</m:t>
+                            </m:r>
+                            <m:r>
+                              <a:rPr lang="en-US" sz="2000" b="0" i="1" smtClean="0">
+                                <a:latin typeface="Cambria Math" panose="02040503050406030204" pitchFamily="18" charset="0"/>
+                              </a:rPr>
+                              <m:t>−1</m:t>
+                            </m:r>
+                          </m:sub>
+                          <m:sup>
+                            <m:r>
+                              <a:rPr lang="en-US" sz="2000" b="0" i="1" smtClean="0">
+                                <a:latin typeface="Cambria Math" panose="02040503050406030204" pitchFamily="18" charset="0"/>
+                              </a:rPr>
+                              <m:t>∗</m:t>
+                            </m:r>
+                          </m:sup>
+                        </m:sSubSup>
+                        <m:sSub>
+                          <m:sSubPr>
+                            <m:ctrlPr>
+                              <a:rPr lang="en-US" sz="2000" i="1">
+                                <a:latin typeface="Cambria Math" panose="02040503050406030204" pitchFamily="18" charset="0"/>
+                              </a:rPr>
+                            </m:ctrlPr>
+                          </m:sSubPr>
+                          <m:e>
+                            <m:r>
+                              <a:rPr lang="en-US" sz="2000" i="1">
+                                <a:latin typeface="Cambria Math" panose="02040503050406030204" pitchFamily="18" charset="0"/>
+                              </a:rPr>
+                              <m:t>𝑀</m:t>
+                            </m:r>
+                          </m:e>
+                          <m:sub>
+                            <m:r>
+                              <a:rPr lang="en-US" sz="2000" i="1">
+                                <a:latin typeface="Cambria Math" panose="02040503050406030204" pitchFamily="18" charset="0"/>
+                              </a:rPr>
+                              <m:t>𝑖</m:t>
+                            </m:r>
+                            <m:r>
+                              <a:rPr lang="en-US" sz="2000" i="1">
+                                <a:latin typeface="Cambria Math" panose="02040503050406030204" pitchFamily="18" charset="0"/>
+                              </a:rPr>
+                              <m:t>+1</m:t>
+                            </m:r>
+                          </m:sub>
+                        </m:sSub>
+                      </m:e>
+                    </m:d>
+                  </m:oMath>
+                </a14:m>
+                <a:endParaRPr lang="en-US" sz="2000" b="0" i="1" dirty="0">
+                  <a:latin typeface="Cambria Math" panose="02040503050406030204" pitchFamily="18" charset="0"/>
+                </a:endParaRPr>
+              </a:p>
+              <a:p>
+                <a:pPr marL="742950" lvl="1" indent="-285750">
+                  <a:buFont typeface="Arial" panose="020B0604020202020204" pitchFamily="34" charset="0"/>
+                  <a:buChar char="•"/>
+                </a:pPr>
+                <a14:m>
+                  <m:oMath xmlns:m="http://schemas.openxmlformats.org/officeDocument/2006/math">
+                    <m:sSub>
+                      <m:sSubPr>
+                        <m:ctrlPr>
+                          <a:rPr lang="en-US" sz="2000" i="1">
+                            <a:latin typeface="Cambria Math" panose="02040503050406030204" pitchFamily="18" charset="0"/>
+                          </a:rPr>
+                        </m:ctrlPr>
+                      </m:sSubPr>
+                      <m:e>
+                        <m:r>
+                          <a:rPr lang="en-US" sz="2000" i="1">
+                            <a:latin typeface="Cambria Math" panose="02040503050406030204" pitchFamily="18" charset="0"/>
+                          </a:rPr>
+                          <m:t>𝑀</m:t>
+                        </m:r>
+                      </m:e>
+                      <m:sub>
+                        <m:r>
+                          <a:rPr lang="en-US" sz="2000" i="1">
+                            <a:latin typeface="Cambria Math" panose="02040503050406030204" pitchFamily="18" charset="0"/>
+                          </a:rPr>
+                          <m:t>𝑖</m:t>
+                        </m:r>
+                        <m:r>
+                          <a:rPr lang="en-US" sz="2000" b="0" i="1" smtClean="0">
+                            <a:latin typeface="Cambria Math" panose="02040503050406030204" pitchFamily="18" charset="0"/>
+                          </a:rPr>
+                          <m:t>+1</m:t>
+                        </m:r>
+                      </m:sub>
+                    </m:sSub>
+                    <m:r>
+                      <a:rPr lang="en-US" sz="2000" i="1">
+                        <a:latin typeface="Cambria Math" panose="02040503050406030204" pitchFamily="18" charset="0"/>
+                      </a:rPr>
+                      <m:t>∈</m:t>
+                    </m:r>
+                    <m:d>
+                      <m:dPr>
+                        <m:begChr m:val="["/>
+                        <m:endChr m:val="]"/>
+                        <m:ctrlPr>
+                          <a:rPr lang="en-US" sz="2000" i="1">
+                            <a:latin typeface="Cambria Math" panose="02040503050406030204" pitchFamily="18" charset="0"/>
+                          </a:rPr>
+                        </m:ctrlPr>
+                      </m:dPr>
+                      <m:e>
+                        <m:sSub>
+                          <m:sSubPr>
+                            <m:ctrlPr>
+                              <a:rPr lang="en-US" sz="2000" i="1">
+                                <a:latin typeface="Cambria Math" panose="02040503050406030204" pitchFamily="18" charset="0"/>
+                              </a:rPr>
+                            </m:ctrlPr>
+                          </m:sSubPr>
+                          <m:e>
+                            <m:r>
+                              <a:rPr lang="en-US" sz="2000" i="1">
+                                <a:latin typeface="Cambria Math" panose="02040503050406030204" pitchFamily="18" charset="0"/>
+                              </a:rPr>
+                              <m:t>𝑀</m:t>
+                            </m:r>
+                          </m:e>
+                          <m:sub>
+                            <m:r>
+                              <a:rPr lang="en-US" sz="2000" i="1">
+                                <a:latin typeface="Cambria Math" panose="02040503050406030204" pitchFamily="18" charset="0"/>
+                              </a:rPr>
+                              <m:t>𝑖</m:t>
+                            </m:r>
+                          </m:sub>
+                        </m:sSub>
+                        <m:sSub>
+                          <m:sSubPr>
+                            <m:ctrlPr>
+                              <a:rPr lang="en-US" sz="2000" i="1">
+                                <a:latin typeface="Cambria Math" panose="02040503050406030204" pitchFamily="18" charset="0"/>
+                              </a:rPr>
+                            </m:ctrlPr>
+                          </m:sSubPr>
+                          <m:e>
+                            <m:r>
+                              <a:rPr lang="en-US" sz="2000" i="1">
+                                <a:latin typeface="Cambria Math" panose="02040503050406030204" pitchFamily="18" charset="0"/>
+                              </a:rPr>
+                              <m:t>𝑀</m:t>
+                            </m:r>
+                          </m:e>
+                          <m:sub>
+                            <m:r>
+                              <a:rPr lang="en-US" sz="2000" i="1">
+                                <a:latin typeface="Cambria Math" panose="02040503050406030204" pitchFamily="18" charset="0"/>
+                              </a:rPr>
+                              <m:t>𝑖</m:t>
+                            </m:r>
+                            <m:r>
+                              <a:rPr lang="en-US" sz="2000" i="1">
+                                <a:latin typeface="Cambria Math" panose="02040503050406030204" pitchFamily="18" charset="0"/>
+                              </a:rPr>
+                              <m:t>+2</m:t>
+                            </m:r>
+                          </m:sub>
+                        </m:sSub>
+                      </m:e>
+                    </m:d>
+                  </m:oMath>
+                </a14:m>
+                <a:r>
+                  <a:rPr lang="en-US" sz="2000" i="1" dirty="0">
+                    <a:latin typeface="Cambria Math" panose="02040503050406030204" pitchFamily="18" charset="0"/>
+                  </a:rPr>
+                  <a:t> </a:t>
+                </a:r>
+                <a:r>
+                  <a:rPr lang="en-US" sz="2000" dirty="0">
+                    <a:latin typeface="Cambria Math" panose="02040503050406030204" pitchFamily="18" charset="0"/>
+                  </a:rPr>
+                  <a:t>or</a:t>
+                </a:r>
+                <a:r>
+                  <a:rPr lang="en-US" sz="2000" i="1" dirty="0">
+                    <a:latin typeface="Cambria Math" panose="02040503050406030204" pitchFamily="18" charset="0"/>
+                  </a:rPr>
+                  <a:t> </a:t>
+                </a:r>
+                <a14:m>
+                  <m:oMath xmlns:m="http://schemas.openxmlformats.org/officeDocument/2006/math">
+                    <m:sSub>
+                      <m:sSubPr>
+                        <m:ctrlPr>
+                          <a:rPr lang="en-US" sz="2000" i="1">
+                            <a:latin typeface="Cambria Math" panose="02040503050406030204" pitchFamily="18" charset="0"/>
+                          </a:rPr>
+                        </m:ctrlPr>
+                      </m:sSubPr>
+                      <m:e>
+                        <m:r>
+                          <a:rPr lang="en-US" sz="2000" i="1">
+                            <a:latin typeface="Cambria Math" panose="02040503050406030204" pitchFamily="18" charset="0"/>
+                          </a:rPr>
+                          <m:t>𝑀</m:t>
+                        </m:r>
+                      </m:e>
+                      <m:sub>
+                        <m:r>
+                          <a:rPr lang="en-US" sz="2000" i="1">
+                            <a:latin typeface="Cambria Math" panose="02040503050406030204" pitchFamily="18" charset="0"/>
+                          </a:rPr>
+                          <m:t>𝑖</m:t>
+                        </m:r>
+                        <m:r>
+                          <a:rPr lang="en-US" sz="2000" b="0" i="1" smtClean="0">
+                            <a:latin typeface="Cambria Math" panose="02040503050406030204" pitchFamily="18" charset="0"/>
+                          </a:rPr>
+                          <m:t>+1</m:t>
+                        </m:r>
+                      </m:sub>
+                    </m:sSub>
+                    <m:r>
+                      <a:rPr lang="en-US" sz="2000" i="1">
+                        <a:latin typeface="Cambria Math" panose="02040503050406030204" pitchFamily="18" charset="0"/>
+                      </a:rPr>
+                      <m:t>∈</m:t>
+                    </m:r>
+                    <m:d>
+                      <m:dPr>
+                        <m:begChr m:val="["/>
+                        <m:endChr m:val="]"/>
+                        <m:ctrlPr>
+                          <a:rPr lang="en-US" sz="2000" i="1">
+                            <a:latin typeface="Cambria Math" panose="02040503050406030204" pitchFamily="18" charset="0"/>
+                          </a:rPr>
+                        </m:ctrlPr>
+                      </m:dPr>
+                      <m:e>
+                        <m:sSubSup>
+                          <m:sSubSupPr>
+                            <m:ctrlPr>
+                              <a:rPr lang="en-US" sz="2000" i="1">
+                                <a:latin typeface="Cambria Math" panose="02040503050406030204" pitchFamily="18" charset="0"/>
+                              </a:rPr>
+                            </m:ctrlPr>
+                          </m:sSubSupPr>
+                          <m:e>
+                            <m:sSub>
+                              <m:sSubPr>
+                                <m:ctrlPr>
+                                  <a:rPr lang="en-US" sz="2000" i="1">
+                                    <a:latin typeface="Cambria Math" panose="02040503050406030204" pitchFamily="18" charset="0"/>
+                                  </a:rPr>
+                                </m:ctrlPr>
+                              </m:sSubPr>
+                              <m:e>
+                                <m:r>
+                                  <a:rPr lang="en-US" sz="2000" i="1">
+                                    <a:latin typeface="Cambria Math" panose="02040503050406030204" pitchFamily="18" charset="0"/>
+                                  </a:rPr>
+                                  <m:t>𝑀</m:t>
+                                </m:r>
+                              </m:e>
+                              <m:sub>
+                                <m:r>
+                                  <a:rPr lang="en-US" sz="2000" i="1">
+                                    <a:latin typeface="Cambria Math" panose="02040503050406030204" pitchFamily="18" charset="0"/>
+                                  </a:rPr>
+                                  <m:t>𝑖</m:t>
+                                </m:r>
+                              </m:sub>
+                            </m:sSub>
+                            <m:r>
+                              <a:rPr lang="en-US" sz="2000" i="1">
+                                <a:latin typeface="Cambria Math" panose="02040503050406030204" pitchFamily="18" charset="0"/>
+                              </a:rPr>
+                              <m:t>𝑀</m:t>
+                            </m:r>
+                          </m:e>
+                          <m:sub>
+                            <m:r>
+                              <a:rPr lang="en-US" sz="2000" i="1">
+                                <a:latin typeface="Cambria Math" panose="02040503050406030204" pitchFamily="18" charset="0"/>
+                              </a:rPr>
+                              <m:t>𝑖</m:t>
+                            </m:r>
+                            <m:r>
+                              <a:rPr lang="en-US" sz="2000" b="0" i="1" smtClean="0">
+                                <a:latin typeface="Cambria Math" panose="02040503050406030204" pitchFamily="18" charset="0"/>
+                              </a:rPr>
+                              <m:t>+2</m:t>
+                            </m:r>
+                          </m:sub>
+                          <m:sup>
+                            <m:r>
+                              <a:rPr lang="en-US" sz="2000" i="1">
+                                <a:latin typeface="Cambria Math" panose="02040503050406030204" pitchFamily="18" charset="0"/>
+                              </a:rPr>
+                              <m:t>∗</m:t>
+                            </m:r>
+                          </m:sup>
+                        </m:sSubSup>
+                      </m:e>
+                    </m:d>
+                  </m:oMath>
+                </a14:m>
+                <a:endParaRPr lang="en-US" sz="2000" i="1" dirty="0">
+                  <a:latin typeface="Cambria Math" panose="02040503050406030204" pitchFamily="18" charset="0"/>
+                </a:endParaRPr>
+              </a:p>
+              <a:p>
+                <a:pPr marL="742950" lvl="1" indent="-285750">
+                  <a:buFont typeface="Arial" panose="020B0604020202020204" pitchFamily="34" charset="0"/>
+                  <a:buChar char="•"/>
+                </a:pPr>
+                <a14:m>
+                  <m:oMath xmlns:m="http://schemas.openxmlformats.org/officeDocument/2006/math">
+                    <m:sSub>
+                      <m:sSubPr>
+                        <m:ctrlPr>
+                          <a:rPr lang="en-US" sz="2000" i="1">
+                            <a:latin typeface="Cambria Math" panose="02040503050406030204" pitchFamily="18" charset="0"/>
+                          </a:rPr>
+                        </m:ctrlPr>
+                      </m:sSubPr>
+                      <m:e>
+                        <m:sSub>
+                          <m:sSubPr>
+                            <m:ctrlPr>
+                              <a:rPr lang="en-US" sz="2000" i="1">
+                                <a:latin typeface="Cambria Math" panose="02040503050406030204" pitchFamily="18" charset="0"/>
+                              </a:rPr>
+                            </m:ctrlPr>
+                          </m:sSubPr>
+                          <m:e>
+                            <m:r>
+                              <a:rPr lang="en-US" sz="2000" i="1">
+                                <a:latin typeface="Cambria Math" panose="02040503050406030204" pitchFamily="18" charset="0"/>
+                              </a:rPr>
+                              <m:t>𝑀</m:t>
+                            </m:r>
+                          </m:e>
+                          <m:sub>
+                            <m:r>
+                              <a:rPr lang="en-US" sz="2000" i="1">
+                                <a:latin typeface="Cambria Math" panose="02040503050406030204" pitchFamily="18" charset="0"/>
+                              </a:rPr>
+                              <m:t>𝑖</m:t>
+                            </m:r>
+                          </m:sub>
+                        </m:sSub>
+                        <m:r>
+                          <a:rPr lang="en-US" sz="2000" b="0" i="1" smtClean="0">
+                            <a:latin typeface="Cambria Math" panose="02040503050406030204" pitchFamily="18" charset="0"/>
+                          </a:rPr>
+                          <m:t>,</m:t>
+                        </m:r>
+                        <m:r>
+                          <a:rPr lang="en-US" sz="2000" i="1">
+                            <a:latin typeface="Cambria Math" panose="02040503050406030204" pitchFamily="18" charset="0"/>
+                          </a:rPr>
+                          <m:t>𝑀</m:t>
+                        </m:r>
+                      </m:e>
+                      <m:sub>
+                        <m:r>
+                          <a:rPr lang="en-US" sz="2000" i="1">
+                            <a:latin typeface="Cambria Math" panose="02040503050406030204" pitchFamily="18" charset="0"/>
+                          </a:rPr>
+                          <m:t>𝑖</m:t>
+                        </m:r>
+                        <m:r>
+                          <a:rPr lang="en-US" sz="2000" i="1">
+                            <a:latin typeface="Cambria Math" panose="02040503050406030204" pitchFamily="18" charset="0"/>
+                          </a:rPr>
+                          <m:t>+1</m:t>
+                        </m:r>
+                      </m:sub>
+                    </m:sSub>
+                    <m:r>
+                      <a:rPr lang="en-US" sz="2000" i="1">
+                        <a:latin typeface="Cambria Math" panose="02040503050406030204" pitchFamily="18" charset="0"/>
+                      </a:rPr>
+                      <m:t>∈</m:t>
+                    </m:r>
+                    <m:d>
+                      <m:dPr>
+                        <m:begChr m:val="["/>
+                        <m:endChr m:val="]"/>
+                        <m:ctrlPr>
+                          <a:rPr lang="en-US" sz="2000" i="1">
+                            <a:latin typeface="Cambria Math" panose="02040503050406030204" pitchFamily="18" charset="0"/>
+                          </a:rPr>
+                        </m:ctrlPr>
+                      </m:dPr>
+                      <m:e>
+                        <m:sSubSup>
+                          <m:sSubSupPr>
+                            <m:ctrlPr>
+                              <a:rPr lang="en-US" sz="2000" i="1">
+                                <a:latin typeface="Cambria Math" panose="02040503050406030204" pitchFamily="18" charset="0"/>
+                              </a:rPr>
+                            </m:ctrlPr>
+                          </m:sSubSupPr>
+                          <m:e>
+                            <m:r>
+                              <a:rPr lang="en-US" sz="2000" i="1">
+                                <a:latin typeface="Cambria Math" panose="02040503050406030204" pitchFamily="18" charset="0"/>
+                              </a:rPr>
+                              <m:t>𝑀</m:t>
+                            </m:r>
+                          </m:e>
+                          <m:sub>
+                            <m:r>
+                              <a:rPr lang="en-US" sz="2000" i="1">
+                                <a:latin typeface="Cambria Math" panose="02040503050406030204" pitchFamily="18" charset="0"/>
+                              </a:rPr>
+                              <m:t>𝑖</m:t>
+                            </m:r>
+                            <m:r>
+                              <a:rPr lang="en-US" sz="2000" i="1">
+                                <a:latin typeface="Cambria Math" panose="02040503050406030204" pitchFamily="18" charset="0"/>
+                              </a:rPr>
+                              <m:t>−1</m:t>
+                            </m:r>
+                          </m:sub>
+                          <m:sup>
+                            <m:d>
+                              <m:dPr>
+                                <m:ctrlPr>
+                                  <a:rPr lang="en-US" sz="2000" i="1">
+                                    <a:latin typeface="Cambria Math" panose="02040503050406030204" pitchFamily="18" charset="0"/>
+                                  </a:rPr>
+                                </m:ctrlPr>
+                              </m:dPr>
+                              <m:e>
+                                <m:r>
+                                  <a:rPr lang="en-US" sz="2000" i="1">
+                                    <a:latin typeface="Cambria Math" panose="02040503050406030204" pitchFamily="18" charset="0"/>
+                                  </a:rPr>
+                                  <m:t>∗</m:t>
+                                </m:r>
+                              </m:e>
+                            </m:d>
+                          </m:sup>
+                        </m:sSubSup>
+                        <m:sSubSup>
+                          <m:sSubSupPr>
+                            <m:ctrlPr>
+                              <a:rPr lang="en-US" sz="2000" i="1">
+                                <a:latin typeface="Cambria Math" panose="02040503050406030204" pitchFamily="18" charset="0"/>
+                              </a:rPr>
+                            </m:ctrlPr>
+                          </m:sSubSupPr>
+                          <m:e>
+                            <m:r>
+                              <a:rPr lang="en-US" sz="2000" i="1">
+                                <a:latin typeface="Cambria Math" panose="02040503050406030204" pitchFamily="18" charset="0"/>
+                              </a:rPr>
+                              <m:t>𝑀</m:t>
+                            </m:r>
+                          </m:e>
+                          <m:sub>
+                            <m:r>
+                              <a:rPr lang="en-US" sz="2000" i="1">
+                                <a:latin typeface="Cambria Math" panose="02040503050406030204" pitchFamily="18" charset="0"/>
+                              </a:rPr>
+                              <m:t>𝑖</m:t>
+                            </m:r>
+                            <m:r>
+                              <a:rPr lang="en-US" sz="2000" i="1">
+                                <a:latin typeface="Cambria Math" panose="02040503050406030204" pitchFamily="18" charset="0"/>
+                              </a:rPr>
+                              <m:t>+2</m:t>
+                            </m:r>
+                          </m:sub>
+                          <m:sup>
+                            <m:d>
+                              <m:dPr>
+                                <m:ctrlPr>
+                                  <a:rPr lang="en-US" sz="2000" i="1">
+                                    <a:latin typeface="Cambria Math" panose="02040503050406030204" pitchFamily="18" charset="0"/>
+                                  </a:rPr>
+                                </m:ctrlPr>
+                              </m:dPr>
+                              <m:e>
+                                <m:r>
+                                  <a:rPr lang="en-US" sz="2000" i="1">
+                                    <a:latin typeface="Cambria Math" panose="02040503050406030204" pitchFamily="18" charset="0"/>
+                                  </a:rPr>
+                                  <m:t>∗</m:t>
+                                </m:r>
+                              </m:e>
+                            </m:d>
+                          </m:sup>
+                        </m:sSubSup>
+                      </m:e>
+                    </m:d>
+                    <m:r>
+                      <a:rPr lang="en-US" sz="2000" b="0" i="1" smtClean="0">
+                        <a:latin typeface="Cambria Math" panose="02040503050406030204" pitchFamily="18" charset="0"/>
+                      </a:rPr>
+                      <m:t>⇒</m:t>
+                    </m:r>
+                    <m:r>
+                      <a:rPr lang="en-US" sz="2000" b="0" i="1" smtClean="0">
+                        <a:latin typeface="Cambria Math" panose="02040503050406030204" pitchFamily="18" charset="0"/>
+                      </a:rPr>
+                      <m:t>𝜆</m:t>
+                    </m:r>
+                    <m:r>
+                      <a:rPr lang="en-US" sz="2000" b="0" i="1" smtClean="0">
+                        <a:latin typeface="Cambria Math" panose="02040503050406030204" pitchFamily="18" charset="0"/>
+                      </a:rPr>
+                      <m:t>(1)≥</m:t>
+                    </m:r>
+                    <m:r>
+                      <a:rPr lang="en-US" sz="2000" i="1">
+                        <a:latin typeface="Cambria Math" panose="02040503050406030204" pitchFamily="18" charset="0"/>
+                      </a:rPr>
+                      <m:t>𝜆</m:t>
+                    </m:r>
+                    <m:r>
+                      <a:rPr lang="en-US" sz="2000" i="1">
+                        <a:latin typeface="Cambria Math" panose="02040503050406030204" pitchFamily="18" charset="0"/>
+                      </a:rPr>
+                      <m:t>(0)</m:t>
+                    </m:r>
+                  </m:oMath>
+                </a14:m>
+                <a:endParaRPr lang="en-US" sz="2000" i="1" dirty="0">
+                  <a:latin typeface="Cambria Math" panose="02040503050406030204" pitchFamily="18" charset="0"/>
+                </a:endParaRPr>
+              </a:p>
+            </p:txBody>
+          </p:sp>
+        </mc:Choice>
+        <mc:Fallback>
+          <p:sp>
+            <p:nvSpPr>
+              <p:cNvPr id="77" name="TextBox 76">
+                <a:extLst>
+                  <a:ext uri="{FF2B5EF4-FFF2-40B4-BE49-F238E27FC236}">
+                    <a16:creationId xmlns:a16="http://schemas.microsoft.com/office/drawing/2014/main" id="{90A1D887-CCCB-4CBC-894D-281C69D82893}"/>
+                  </a:ext>
+                </a:extLst>
+              </p:cNvPr>
+              <p:cNvSpPr txBox="1">
+                <a:spLocks noRot="1" noChangeAspect="1" noMove="1" noResize="1" noEditPoints="1" noAdjustHandles="1" noChangeArrowheads="1" noChangeShapeType="1" noTextEdit="1"/>
+              </p:cNvSpPr>
+              <p:nvPr/>
+            </p:nvSpPr>
+            <p:spPr>
+              <a:xfrm>
+                <a:off x="232321" y="1123745"/>
+                <a:ext cx="5083058" cy="3466142"/>
+              </a:xfrm>
+              <a:prstGeom prst="rect">
+                <a:avLst/>
+              </a:prstGeom>
+              <a:blipFill>
+                <a:blip r:embed="rId3"/>
+                <a:stretch>
+                  <a:fillRect/>
+                </a:stretch>
+              </a:blipFill>
+            </p:spPr>
+            <p:txBody>
+              <a:bodyPr/>
+              <a:lstStyle/>
+              <a:p>
+                <a:r>
+                  <a:rPr lang="ru-RU">
+                    <a:noFill/>
+                  </a:rPr>
+                  <a:t> </a:t>
+                </a:r>
+              </a:p>
+            </p:txBody>
+          </p:sp>
+        </mc:Fallback>
+      </mc:AlternateContent>
     </p:spTree>
     <p:extLst>
       <p:ext uri="{BB962C8B-B14F-4D97-AF65-F5344CB8AC3E}">
-        <p14:creationId xmlns:p14="http://schemas.microsoft.com/office/powerpoint/2010/main" val="877965164"/>
+        <p14:creationId xmlns:p14="http://schemas.microsoft.com/office/powerpoint/2010/main" val="209984026"/>
       </p:ext>
     </p:extLst>
   </p:cSld>
@@ -17149,7 +20881,7 @@
 </p:sld>
 </file>
 
-<file path=ppt/slides/slide15.xml><?xml version="1.0" encoding="utf-8"?>
+<file path=ppt/slides/slide16.xml><?xml version="1.0" encoding="utf-8"?>
 <p:sld xmlns:a="http://schemas.openxmlformats.org/drawingml/2006/main" xmlns:r="http://schemas.openxmlformats.org/officeDocument/2006/relationships" xmlns:p="http://schemas.openxmlformats.org/presentationml/2006/main">
   <p:cSld>
     <p:spTree>
@@ -18456,7 +22188,7 @@
 </p:sld>
 </file>
 
-<file path=ppt/slides/slide16.xml><?xml version="1.0" encoding="utf-8"?>
+<file path=ppt/slides/slide17.xml><?xml version="1.0" encoding="utf-8"?>
 <p:sld xmlns:a="http://schemas.openxmlformats.org/drawingml/2006/main" xmlns:r="http://schemas.openxmlformats.org/officeDocument/2006/relationships" xmlns:p="http://schemas.openxmlformats.org/presentationml/2006/main">
   <p:cSld>
     <p:spTree>
@@ -20489,7 +24221,7 @@
 </p:sld>
 </file>
 
-<file path=ppt/slides/slide17.xml><?xml version="1.0" encoding="utf-8"?>
+<file path=ppt/slides/slide18.xml><?xml version="1.0" encoding="utf-8"?>
 <p:sld xmlns:a="http://schemas.openxmlformats.org/drawingml/2006/main" xmlns:r="http://schemas.openxmlformats.org/officeDocument/2006/relationships" xmlns:p="http://schemas.openxmlformats.org/presentationml/2006/main">
   <p:cSld>
     <p:spTree>
@@ -21597,7 +25329,7 @@
 </p:sld>
 </file>
 
-<file path=ppt/slides/slide18.xml><?xml version="1.0" encoding="utf-8"?>
+<file path=ppt/slides/slide19.xml><?xml version="1.0" encoding="utf-8"?>
 <p:sld xmlns:a="http://schemas.openxmlformats.org/drawingml/2006/main" xmlns:r="http://schemas.openxmlformats.org/officeDocument/2006/relationships" xmlns:p="http://schemas.openxmlformats.org/presentationml/2006/main">
   <p:cSld>
     <p:spTree>

--- a/motor2019/pptx/Report.pptx
+++ b/motor2019/pptx/Report.pptx
@@ -23,7 +23,8 @@
     <p:sldId id="272" r:id="rId17"/>
     <p:sldId id="273" r:id="rId18"/>
     <p:sldId id="274" r:id="rId19"/>
-    <p:sldId id="259" r:id="rId20"/>
+    <p:sldId id="276" r:id="rId20"/>
+    <p:sldId id="259" r:id="rId21"/>
   </p:sldIdLst>
   <p:sldSz cx="9144000" cy="6858000" type="screen4x3"/>
   <p:notesSz cx="6858000" cy="9144000"/>
@@ -149,6 +150,7 @@
             <p14:sldId id="272"/>
             <p14:sldId id="273"/>
             <p14:sldId id="274"/>
+            <p14:sldId id="276"/>
           </p14:sldIdLst>
         </p14:section>
         <p14:section name="Завершение" id="{B0E38EE0-5FF2-459B-A119-F4109678D724}">
@@ -598,7 +600,7 @@
           <a:p>
             <a:fld id="{43340D67-7E74-4C71-AB66-01C5A806D5F1}" type="datetimeFigureOut">
               <a:rPr lang="ru-RU" smtClean="0"/>
-              <a:t>04.07.2019</a:t>
+              <a:t>05.07.2019</a:t>
             </a:fld>
             <a:endParaRPr lang="ru-RU"/>
           </a:p>
@@ -803,7 +805,7 @@
           <a:p>
             <a:fld id="{43340D67-7E74-4C71-AB66-01C5A806D5F1}" type="datetimeFigureOut">
               <a:rPr lang="ru-RU" smtClean="0"/>
-              <a:t>04.07.2019</a:t>
+              <a:t>05.07.2019</a:t>
             </a:fld>
             <a:endParaRPr lang="ru-RU"/>
           </a:p>
@@ -983,7 +985,7 @@
           <a:p>
             <a:fld id="{43340D67-7E74-4C71-AB66-01C5A806D5F1}" type="datetimeFigureOut">
               <a:rPr lang="ru-RU" smtClean="0"/>
-              <a:t>04.07.2019</a:t>
+              <a:t>05.07.2019</a:t>
             </a:fld>
             <a:endParaRPr lang="ru-RU"/>
           </a:p>
@@ -1073,7 +1075,7 @@
           <a:p>
             <a:fld id="{43340D67-7E74-4C71-AB66-01C5A806D5F1}" type="datetimeFigureOut">
               <a:rPr lang="ru-RU" smtClean="0"/>
-              <a:t>04.07.2019</a:t>
+              <a:t>05.07.2019</a:t>
             </a:fld>
             <a:endParaRPr lang="ru-RU"/>
           </a:p>
@@ -1662,7 +1664,7 @@
           <a:p>
             <a:fld id="{43340D67-7E74-4C71-AB66-01C5A806D5F1}" type="datetimeFigureOut">
               <a:rPr lang="ru-RU" smtClean="0"/>
-              <a:t>04.07.2019</a:t>
+              <a:t>05.07.2019</a:t>
             </a:fld>
             <a:endParaRPr lang="ru-RU"/>
           </a:p>
@@ -1752,7 +1754,7 @@
           <a:p>
             <a:fld id="{43340D67-7E74-4C71-AB66-01C5A806D5F1}" type="datetimeFigureOut">
               <a:rPr lang="ru-RU" smtClean="0"/>
-              <a:t>04.07.2019</a:t>
+              <a:t>05.07.2019</a:t>
             </a:fld>
             <a:endParaRPr lang="ru-RU"/>
           </a:p>
@@ -2350,7 +2352,7 @@
           <a:p>
             <a:fld id="{43340D67-7E74-4C71-AB66-01C5A806D5F1}" type="datetimeFigureOut">
               <a:rPr lang="ru-RU" smtClean="0"/>
-              <a:t>04.07.2019</a:t>
+              <a:t>05.07.2019</a:t>
             </a:fld>
             <a:endParaRPr lang="ru-RU"/>
           </a:p>
@@ -2486,7 +2488,7 @@
           <a:p>
             <a:fld id="{43340D67-7E74-4C71-AB66-01C5A806D5F1}" type="datetimeFigureOut">
               <a:rPr lang="ru-RU" smtClean="0"/>
-              <a:t>04.07.2019</a:t>
+              <a:t>05.07.2019</a:t>
             </a:fld>
             <a:endParaRPr lang="ru-RU"/>
           </a:p>
@@ -2576,7 +2578,7 @@
           <a:p>
             <a:fld id="{43340D67-7E74-4C71-AB66-01C5A806D5F1}" type="datetimeFigureOut">
               <a:rPr lang="ru-RU" smtClean="0"/>
-              <a:t>04.07.2019</a:t>
+              <a:t>05.07.2019</a:t>
             </a:fld>
             <a:endParaRPr lang="ru-RU"/>
           </a:p>
@@ -2853,7 +2855,7 @@
           <a:p>
             <a:fld id="{43340D67-7E74-4C71-AB66-01C5A806D5F1}" type="datetimeFigureOut">
               <a:rPr lang="ru-RU" smtClean="0"/>
-              <a:t>04.07.2019</a:t>
+              <a:t>05.07.2019</a:t>
             </a:fld>
             <a:endParaRPr lang="ru-RU"/>
           </a:p>
@@ -3368,7 +3370,7 @@
           <a:p>
             <a:fld id="{43340D67-7E74-4C71-AB66-01C5A806D5F1}" type="datetimeFigureOut">
               <a:rPr lang="ru-RU" smtClean="0"/>
-              <a:t>04.07.2019</a:t>
+              <a:t>05.07.2019</a:t>
             </a:fld>
             <a:endParaRPr lang="ru-RU"/>
           </a:p>
@@ -3881,7 +3883,7 @@
           <a:p>
             <a:fld id="{43340D67-7E74-4C71-AB66-01C5A806D5F1}" type="datetimeFigureOut">
               <a:rPr lang="ru-RU" smtClean="0"/>
-              <a:t>04.07.2019</a:t>
+              <a:t>05.07.2019</a:t>
             </a:fld>
             <a:endParaRPr lang="ru-RU"/>
           </a:p>
@@ -7552,8 +7554,8 @@
           </p:style>
         </p:cxnSp>
       </p:grpSp>
-      <mc:AlternateContent xmlns:mc="http://schemas.openxmlformats.org/markup-compatibility/2006">
-        <mc:Choice xmlns:a14="http://schemas.microsoft.com/office/drawing/2010/main" Requires="a14">
+      <mc:AlternateContent xmlns:mc="http://schemas.openxmlformats.org/markup-compatibility/2006" xmlns:a14="http://schemas.microsoft.com/office/drawing/2010/main">
+        <mc:Choice Requires="a14">
           <p:sp>
             <p:nvSpPr>
               <p:cNvPr id="32" name="TextBox 31">
@@ -8111,7 +8113,7 @@
             </p:txBody>
           </p:sp>
         </mc:Choice>
-        <mc:Fallback>
+        <mc:Fallback xmlns="">
           <p:sp>
             <p:nvSpPr>
               <p:cNvPr id="32" name="TextBox 31">
@@ -8264,8 +8266,8 @@
           </a:p>
         </p:txBody>
       </p:sp>
-      <mc:AlternateContent xmlns:mc="http://schemas.openxmlformats.org/markup-compatibility/2006">
-        <mc:Choice xmlns:a14="http://schemas.microsoft.com/office/drawing/2010/main" Requires="a14">
+      <mc:AlternateContent xmlns:mc="http://schemas.openxmlformats.org/markup-compatibility/2006" xmlns:a14="http://schemas.microsoft.com/office/drawing/2010/main">
+        <mc:Choice Requires="a14">
           <p:sp>
             <p:nvSpPr>
               <p:cNvPr id="39" name="TextBox 38">
@@ -8671,7 +8673,7 @@
             </p:txBody>
           </p:sp>
         </mc:Choice>
-        <mc:Fallback>
+        <mc:Fallback xmlns="">
           <p:sp>
             <p:nvSpPr>
               <p:cNvPr id="39" name="TextBox 38">
@@ -8901,8 +8903,8 @@
           </a:p>
         </p:txBody>
       </p:sp>
-      <mc:AlternateContent xmlns:mc="http://schemas.openxmlformats.org/markup-compatibility/2006">
-        <mc:Choice xmlns:a14="http://schemas.microsoft.com/office/drawing/2010/main" Requires="a14">
+      <mc:AlternateContent xmlns:mc="http://schemas.openxmlformats.org/markup-compatibility/2006" xmlns:a14="http://schemas.microsoft.com/office/drawing/2010/main">
+        <mc:Choice Requires="a14">
           <p:sp>
             <p:nvSpPr>
               <p:cNvPr id="4" name="TextBox 3">
@@ -9154,7 +9156,7 @@
                     <m:sSub>
                       <m:sSubPr>
                         <m:ctrlPr>
-                          <a:rPr lang="en-US" sz="2000" b="0" i="0" smtClean="0">
+                          <a:rPr lang="en-US" sz="2000" b="0" i="1" smtClean="0">
                             <a:latin typeface="Cambria Math" panose="02040503050406030204" pitchFamily="18" charset="0"/>
                           </a:rPr>
                         </m:ctrlPr>
@@ -9958,7 +9960,7 @@
             </p:txBody>
           </p:sp>
         </mc:Choice>
-        <mc:Fallback>
+        <mc:Fallback xmlns="">
           <p:sp>
             <p:nvSpPr>
               <p:cNvPr id="4" name="TextBox 3">
@@ -13667,1630 +13669,8 @@
           </a:p>
         </p:txBody>
       </p:sp>
-      <p:grpSp>
-        <p:nvGrpSpPr>
-          <p:cNvPr id="22" name="Группа 21">
-            <a:extLst>
-              <a:ext uri="{FF2B5EF4-FFF2-40B4-BE49-F238E27FC236}">
-                <a16:creationId xmlns:a16="http://schemas.microsoft.com/office/drawing/2014/main" id="{36140855-86C0-4866-9317-242F9EEA4DE7}"/>
-              </a:ext>
-            </a:extLst>
-          </p:cNvPr>
-          <p:cNvGrpSpPr/>
-          <p:nvPr/>
-        </p:nvGrpSpPr>
-        <p:grpSpPr>
-          <a:xfrm>
-            <a:off x="3492000" y="3809442"/>
-            <a:ext cx="5644412" cy="3048558"/>
-            <a:chOff x="0" y="0"/>
-            <a:chExt cx="3562350" cy="1924032"/>
-          </a:xfrm>
-        </p:grpSpPr>
-        <p:sp>
-          <p:nvSpPr>
-            <p:cNvPr id="23" name="Полилиния: фигура 22">
-              <a:extLst>
-                <a:ext uri="{FF2B5EF4-FFF2-40B4-BE49-F238E27FC236}">
-                  <a16:creationId xmlns:a16="http://schemas.microsoft.com/office/drawing/2014/main" id="{D429F5AF-5EAD-4382-A3F2-EA86F2C0D841}"/>
-                </a:ext>
-              </a:extLst>
-            </p:cNvPr>
-            <p:cNvSpPr/>
-            <p:nvPr/>
-          </p:nvSpPr>
-          <p:spPr>
-            <a:xfrm>
-              <a:off x="600075" y="76200"/>
-              <a:ext cx="638175" cy="1638300"/>
-            </a:xfrm>
-            <a:custGeom>
-              <a:avLst/>
-              <a:gdLst>
-                <a:gd name="connsiteX0" fmla="*/ 0 w 638175"/>
-                <a:gd name="connsiteY0" fmla="*/ 0 h 1638300"/>
-                <a:gd name="connsiteX1" fmla="*/ 638175 w 638175"/>
-                <a:gd name="connsiteY1" fmla="*/ 876300 h 1638300"/>
-                <a:gd name="connsiteX2" fmla="*/ 266700 w 638175"/>
-                <a:gd name="connsiteY2" fmla="*/ 1638300 h 1638300"/>
-              </a:gdLst>
-              <a:ahLst/>
-              <a:cxnLst>
-                <a:cxn ang="0">
-                  <a:pos x="connsiteX0" y="connsiteY0"/>
-                </a:cxn>
-                <a:cxn ang="0">
-                  <a:pos x="connsiteX1" y="connsiteY1"/>
-                </a:cxn>
-                <a:cxn ang="0">
-                  <a:pos x="connsiteX2" y="connsiteY2"/>
-                </a:cxn>
-              </a:cxnLst>
-              <a:rect l="l" t="t" r="r" b="b"/>
-              <a:pathLst>
-                <a:path w="638175" h="1638300">
-                  <a:moveTo>
-                    <a:pt x="0" y="0"/>
-                  </a:moveTo>
-                  <a:lnTo>
-                    <a:pt x="638175" y="876300"/>
-                  </a:lnTo>
-                  <a:lnTo>
-                    <a:pt x="266700" y="1638300"/>
-                  </a:lnTo>
-                </a:path>
-              </a:pathLst>
-            </a:custGeom>
-            <a:noFill/>
-            <a:ln w="28575">
-              <a:solidFill>
-                <a:srgbClr val="7030A0"/>
-              </a:solidFill>
-            </a:ln>
-          </p:spPr>
-          <p:style>
-            <a:lnRef idx="2">
-              <a:schemeClr val="accent1">
-                <a:shade val="50000"/>
-              </a:schemeClr>
-            </a:lnRef>
-            <a:fillRef idx="1">
-              <a:schemeClr val="accent1"/>
-            </a:fillRef>
-            <a:effectRef idx="0">
-              <a:schemeClr val="accent1"/>
-            </a:effectRef>
-            <a:fontRef idx="minor">
-              <a:schemeClr val="lt1"/>
-            </a:fontRef>
-          </p:style>
-          <p:txBody>
-            <a:bodyPr rot="0" spcFirstLastPara="0" vert="horz" wrap="square" lIns="91440" tIns="45720" rIns="91440" bIns="45720" numCol="1" spcCol="0" rtlCol="0" fromWordArt="0" anchor="ctr" anchorCtr="0" forceAA="0" compatLnSpc="1">
-              <a:prstTxWarp prst="textNoShape">
-                <a:avLst/>
-              </a:prstTxWarp>
-              <a:noAutofit/>
-            </a:bodyPr>
-            <a:lstStyle/>
-            <a:p>
-              <a:endParaRPr lang="ru-RU"/>
-            </a:p>
-          </p:txBody>
-        </p:sp>
-        <p:sp>
-          <p:nvSpPr>
-            <p:cNvPr id="24" name="Полилиния: фигура 23">
-              <a:extLst>
-                <a:ext uri="{FF2B5EF4-FFF2-40B4-BE49-F238E27FC236}">
-                  <a16:creationId xmlns:a16="http://schemas.microsoft.com/office/drawing/2014/main" id="{EFFB8138-D8F8-4299-9DB0-E86DB926D1A4}"/>
-                </a:ext>
-              </a:extLst>
-            </p:cNvPr>
-            <p:cNvSpPr/>
-            <p:nvPr/>
-          </p:nvSpPr>
-          <p:spPr>
-            <a:xfrm>
-              <a:off x="1971675" y="0"/>
-              <a:ext cx="152400" cy="1743075"/>
-            </a:xfrm>
-            <a:custGeom>
-              <a:avLst/>
-              <a:gdLst>
-                <a:gd name="connsiteX0" fmla="*/ 0 w 638175"/>
-                <a:gd name="connsiteY0" fmla="*/ 0 h 1638300"/>
-                <a:gd name="connsiteX1" fmla="*/ 638175 w 638175"/>
-                <a:gd name="connsiteY1" fmla="*/ 876300 h 1638300"/>
-                <a:gd name="connsiteX2" fmla="*/ 266700 w 638175"/>
-                <a:gd name="connsiteY2" fmla="*/ 1638300 h 1638300"/>
-                <a:gd name="connsiteX0" fmla="*/ 371475 w 371475"/>
-                <a:gd name="connsiteY0" fmla="*/ 0 h 762000"/>
-                <a:gd name="connsiteX1" fmla="*/ 0 w 371475"/>
-                <a:gd name="connsiteY1" fmla="*/ 762000 h 762000"/>
-                <a:gd name="connsiteX0" fmla="*/ 152400 w 152400"/>
-                <a:gd name="connsiteY0" fmla="*/ 0 h 1743075"/>
-                <a:gd name="connsiteX1" fmla="*/ 0 w 152400"/>
-                <a:gd name="connsiteY1" fmla="*/ 1743075 h 1743075"/>
-              </a:gdLst>
-              <a:ahLst/>
-              <a:cxnLst>
-                <a:cxn ang="0">
-                  <a:pos x="connsiteX0" y="connsiteY0"/>
-                </a:cxn>
-                <a:cxn ang="0">
-                  <a:pos x="connsiteX1" y="connsiteY1"/>
-                </a:cxn>
-              </a:cxnLst>
-              <a:rect l="l" t="t" r="r" b="b"/>
-              <a:pathLst>
-                <a:path w="152400" h="1743075">
-                  <a:moveTo>
-                    <a:pt x="152400" y="0"/>
-                  </a:moveTo>
-                  <a:lnTo>
-                    <a:pt x="0" y="1743075"/>
-                  </a:lnTo>
-                </a:path>
-              </a:pathLst>
-            </a:custGeom>
-            <a:noFill/>
-            <a:ln w="28575">
-              <a:solidFill>
-                <a:srgbClr val="7030A0"/>
-              </a:solidFill>
-            </a:ln>
-          </p:spPr>
-          <p:style>
-            <a:lnRef idx="2">
-              <a:schemeClr val="accent1">
-                <a:shade val="50000"/>
-              </a:schemeClr>
-            </a:lnRef>
-            <a:fillRef idx="1">
-              <a:schemeClr val="accent1"/>
-            </a:fillRef>
-            <a:effectRef idx="0">
-              <a:schemeClr val="accent1"/>
-            </a:effectRef>
-            <a:fontRef idx="minor">
-              <a:schemeClr val="lt1"/>
-            </a:fontRef>
-          </p:style>
-          <p:txBody>
-            <a:bodyPr rot="0" spcFirstLastPara="0" vert="horz" wrap="square" lIns="91440" tIns="45720" rIns="91440" bIns="45720" numCol="1" spcCol="0" rtlCol="0" fromWordArt="0" anchor="ctr" anchorCtr="0" forceAA="0" compatLnSpc="1">
-              <a:prstTxWarp prst="textNoShape">
-                <a:avLst/>
-              </a:prstTxWarp>
-              <a:noAutofit/>
-            </a:bodyPr>
-            <a:lstStyle/>
-            <a:p>
-              <a:endParaRPr lang="ru-RU"/>
-            </a:p>
-          </p:txBody>
-        </p:sp>
-        <p:sp>
-          <p:nvSpPr>
-            <p:cNvPr id="25" name="Полилиния: фигура 24">
-              <a:extLst>
-                <a:ext uri="{FF2B5EF4-FFF2-40B4-BE49-F238E27FC236}">
-                  <a16:creationId xmlns:a16="http://schemas.microsoft.com/office/drawing/2014/main" id="{67BED01C-37B6-4BED-B547-D437711CD613}"/>
-                </a:ext>
-              </a:extLst>
-            </p:cNvPr>
-            <p:cNvSpPr/>
-            <p:nvPr/>
-          </p:nvSpPr>
-          <p:spPr>
-            <a:xfrm flipH="1">
-              <a:off x="0" y="419100"/>
-              <a:ext cx="247650" cy="1104900"/>
-            </a:xfrm>
-            <a:custGeom>
-              <a:avLst/>
-              <a:gdLst>
-                <a:gd name="connsiteX0" fmla="*/ 0 w 638175"/>
-                <a:gd name="connsiteY0" fmla="*/ 0 h 1638300"/>
-                <a:gd name="connsiteX1" fmla="*/ 638175 w 638175"/>
-                <a:gd name="connsiteY1" fmla="*/ 876300 h 1638300"/>
-                <a:gd name="connsiteX2" fmla="*/ 266700 w 638175"/>
-                <a:gd name="connsiteY2" fmla="*/ 1638300 h 1638300"/>
-                <a:gd name="connsiteX0" fmla="*/ 371475 w 371475"/>
-                <a:gd name="connsiteY0" fmla="*/ 0 h 762000"/>
-                <a:gd name="connsiteX1" fmla="*/ 0 w 371475"/>
-                <a:gd name="connsiteY1" fmla="*/ 762000 h 762000"/>
-                <a:gd name="connsiteX0" fmla="*/ 152400 w 152400"/>
-                <a:gd name="connsiteY0" fmla="*/ 0 h 1743075"/>
-                <a:gd name="connsiteX1" fmla="*/ 0 w 152400"/>
-                <a:gd name="connsiteY1" fmla="*/ 1743075 h 1743075"/>
-              </a:gdLst>
-              <a:ahLst/>
-              <a:cxnLst>
-                <a:cxn ang="0">
-                  <a:pos x="connsiteX0" y="connsiteY0"/>
-                </a:cxn>
-                <a:cxn ang="0">
-                  <a:pos x="connsiteX1" y="connsiteY1"/>
-                </a:cxn>
-              </a:cxnLst>
-              <a:rect l="l" t="t" r="r" b="b"/>
-              <a:pathLst>
-                <a:path w="152400" h="1743075">
-                  <a:moveTo>
-                    <a:pt x="152400" y="0"/>
-                  </a:moveTo>
-                  <a:lnTo>
-                    <a:pt x="0" y="1743075"/>
-                  </a:lnTo>
-                </a:path>
-              </a:pathLst>
-            </a:custGeom>
-            <a:noFill/>
-            <a:ln w="28575">
-              <a:solidFill>
-                <a:srgbClr val="7030A0"/>
-              </a:solidFill>
-            </a:ln>
-          </p:spPr>
-          <p:style>
-            <a:lnRef idx="2">
-              <a:schemeClr val="accent1">
-                <a:shade val="50000"/>
-              </a:schemeClr>
-            </a:lnRef>
-            <a:fillRef idx="1">
-              <a:schemeClr val="accent1"/>
-            </a:fillRef>
-            <a:effectRef idx="0">
-              <a:schemeClr val="accent1"/>
-            </a:effectRef>
-            <a:fontRef idx="minor">
-              <a:schemeClr val="lt1"/>
-            </a:fontRef>
-          </p:style>
-          <p:txBody>
-            <a:bodyPr rot="0" spcFirstLastPara="0" vert="horz" wrap="square" lIns="91440" tIns="45720" rIns="91440" bIns="45720" numCol="1" spcCol="0" rtlCol="0" fromWordArt="0" anchor="ctr" anchorCtr="0" forceAA="0" compatLnSpc="1">
-              <a:prstTxWarp prst="textNoShape">
-                <a:avLst/>
-              </a:prstTxWarp>
-              <a:noAutofit/>
-            </a:bodyPr>
-            <a:lstStyle/>
-            <a:p>
-              <a:endParaRPr lang="ru-RU"/>
-            </a:p>
-          </p:txBody>
-        </p:sp>
-        <p:sp>
-          <p:nvSpPr>
-            <p:cNvPr id="26" name="Полилиния: фигура 25">
-              <a:extLst>
-                <a:ext uri="{FF2B5EF4-FFF2-40B4-BE49-F238E27FC236}">
-                  <a16:creationId xmlns:a16="http://schemas.microsoft.com/office/drawing/2014/main" id="{6ABEDC7B-B1F5-4BD5-9408-171EDF463B40}"/>
-                </a:ext>
-              </a:extLst>
-            </p:cNvPr>
-            <p:cNvSpPr/>
-            <p:nvPr/>
-          </p:nvSpPr>
-          <p:spPr>
-            <a:xfrm>
-              <a:off x="2905125" y="228600"/>
-              <a:ext cx="390525" cy="1257300"/>
-            </a:xfrm>
-            <a:custGeom>
-              <a:avLst/>
-              <a:gdLst>
-                <a:gd name="connsiteX0" fmla="*/ 0 w 638175"/>
-                <a:gd name="connsiteY0" fmla="*/ 0 h 1638300"/>
-                <a:gd name="connsiteX1" fmla="*/ 638175 w 638175"/>
-                <a:gd name="connsiteY1" fmla="*/ 876300 h 1638300"/>
-                <a:gd name="connsiteX2" fmla="*/ 266700 w 638175"/>
-                <a:gd name="connsiteY2" fmla="*/ 1638300 h 1638300"/>
-                <a:gd name="connsiteX0" fmla="*/ 590550 w 590550"/>
-                <a:gd name="connsiteY0" fmla="*/ 0 h 1428750"/>
-                <a:gd name="connsiteX1" fmla="*/ 371475 w 590550"/>
-                <a:gd name="connsiteY1" fmla="*/ 666750 h 1428750"/>
-                <a:gd name="connsiteX2" fmla="*/ 0 w 590550"/>
-                <a:gd name="connsiteY2" fmla="*/ 1428750 h 1428750"/>
-                <a:gd name="connsiteX0" fmla="*/ 219075 w 390525"/>
-                <a:gd name="connsiteY0" fmla="*/ 0 h 1257300"/>
-                <a:gd name="connsiteX1" fmla="*/ 0 w 390525"/>
-                <a:gd name="connsiteY1" fmla="*/ 666750 h 1257300"/>
-                <a:gd name="connsiteX2" fmla="*/ 390525 w 390525"/>
-                <a:gd name="connsiteY2" fmla="*/ 1257300 h 1257300"/>
-              </a:gdLst>
-              <a:ahLst/>
-              <a:cxnLst>
-                <a:cxn ang="0">
-                  <a:pos x="connsiteX0" y="connsiteY0"/>
-                </a:cxn>
-                <a:cxn ang="0">
-                  <a:pos x="connsiteX1" y="connsiteY1"/>
-                </a:cxn>
-                <a:cxn ang="0">
-                  <a:pos x="connsiteX2" y="connsiteY2"/>
-                </a:cxn>
-              </a:cxnLst>
-              <a:rect l="l" t="t" r="r" b="b"/>
-              <a:pathLst>
-                <a:path w="390525" h="1257300">
-                  <a:moveTo>
-                    <a:pt x="219075" y="0"/>
-                  </a:moveTo>
-                  <a:lnTo>
-                    <a:pt x="0" y="666750"/>
-                  </a:lnTo>
-                  <a:lnTo>
-                    <a:pt x="390525" y="1257300"/>
-                  </a:lnTo>
-                </a:path>
-              </a:pathLst>
-            </a:custGeom>
-            <a:noFill/>
-            <a:ln w="28575">
-              <a:solidFill>
-                <a:srgbClr val="7030A0"/>
-              </a:solidFill>
-            </a:ln>
-          </p:spPr>
-          <p:style>
-            <a:lnRef idx="2">
-              <a:schemeClr val="accent1">
-                <a:shade val="50000"/>
-              </a:schemeClr>
-            </a:lnRef>
-            <a:fillRef idx="1">
-              <a:schemeClr val="accent1"/>
-            </a:fillRef>
-            <a:effectRef idx="0">
-              <a:schemeClr val="accent1"/>
-            </a:effectRef>
-            <a:fontRef idx="minor">
-              <a:schemeClr val="lt1"/>
-            </a:fontRef>
-          </p:style>
-          <p:txBody>
-            <a:bodyPr rot="0" spcFirstLastPara="0" vert="horz" wrap="square" lIns="91440" tIns="45720" rIns="91440" bIns="45720" numCol="1" spcCol="0" rtlCol="0" fromWordArt="0" anchor="ctr" anchorCtr="0" forceAA="0" compatLnSpc="1">
-              <a:prstTxWarp prst="textNoShape">
-                <a:avLst/>
-              </a:prstTxWarp>
-              <a:noAutofit/>
-            </a:bodyPr>
-            <a:lstStyle/>
-            <a:p>
-              <a:endParaRPr lang="ru-RU"/>
-            </a:p>
-          </p:txBody>
-        </p:sp>
-        <p:cxnSp>
-          <p:nvCxnSpPr>
-            <p:cNvPr id="27" name="Прямая соединительная линия 26">
-              <a:extLst>
-                <a:ext uri="{FF2B5EF4-FFF2-40B4-BE49-F238E27FC236}">
-                  <a16:creationId xmlns:a16="http://schemas.microsoft.com/office/drawing/2014/main" id="{91D69142-F684-4021-BD42-06164439D79B}"/>
-                </a:ext>
-              </a:extLst>
-            </p:cNvPr>
-            <p:cNvCxnSpPr/>
-            <p:nvPr/>
-          </p:nvCxnSpPr>
-          <p:spPr>
-            <a:xfrm flipV="1">
-              <a:off x="180975" y="962025"/>
-              <a:ext cx="1047750" cy="238125"/>
-            </a:xfrm>
-            <a:prstGeom prst="line">
-              <a:avLst/>
-            </a:prstGeom>
-            <a:ln w="12700">
-              <a:solidFill>
-                <a:schemeClr val="tx1"/>
-              </a:solidFill>
-              <a:headEnd type="oval" w="med" len="med"/>
-              <a:tailEnd type="triangle" w="med" len="med"/>
-            </a:ln>
-          </p:spPr>
-          <p:style>
-            <a:lnRef idx="1">
-              <a:schemeClr val="accent1"/>
-            </a:lnRef>
-            <a:fillRef idx="0">
-              <a:schemeClr val="accent1"/>
-            </a:fillRef>
-            <a:effectRef idx="0">
-              <a:schemeClr val="accent1"/>
-            </a:effectRef>
-            <a:fontRef idx="minor">
-              <a:schemeClr val="tx1"/>
-            </a:fontRef>
-          </p:style>
-        </p:cxnSp>
-        <p:cxnSp>
-          <p:nvCxnSpPr>
-            <p:cNvPr id="28" name="Прямая соединительная линия 27">
-              <a:extLst>
-                <a:ext uri="{FF2B5EF4-FFF2-40B4-BE49-F238E27FC236}">
-                  <a16:creationId xmlns:a16="http://schemas.microsoft.com/office/drawing/2014/main" id="{89F69F85-0E2E-4E10-92CA-5446ACF35C5E}"/>
-                </a:ext>
-              </a:extLst>
-            </p:cNvPr>
-            <p:cNvCxnSpPr/>
-            <p:nvPr/>
-          </p:nvCxnSpPr>
-          <p:spPr>
-            <a:xfrm flipV="1">
-              <a:off x="1228725" y="904875"/>
-              <a:ext cx="819150" cy="57150"/>
-            </a:xfrm>
-            <a:prstGeom prst="line">
-              <a:avLst/>
-            </a:prstGeom>
-            <a:ln w="12700">
-              <a:solidFill>
-                <a:schemeClr val="tx1"/>
-              </a:solidFill>
-              <a:headEnd type="oval" w="med" len="med"/>
-              <a:tailEnd type="triangle" w="med" len="med"/>
-            </a:ln>
-          </p:spPr>
-          <p:style>
-            <a:lnRef idx="1">
-              <a:schemeClr val="accent1"/>
-            </a:lnRef>
-            <a:fillRef idx="0">
-              <a:schemeClr val="accent1"/>
-            </a:fillRef>
-            <a:effectRef idx="0">
-              <a:schemeClr val="accent1"/>
-            </a:effectRef>
-            <a:fontRef idx="minor">
-              <a:schemeClr val="tx1"/>
-            </a:fontRef>
-          </p:style>
-        </p:cxnSp>
-        <p:cxnSp>
-          <p:nvCxnSpPr>
-            <p:cNvPr id="29" name="Прямая соединительная линия 28">
-              <a:extLst>
-                <a:ext uri="{FF2B5EF4-FFF2-40B4-BE49-F238E27FC236}">
-                  <a16:creationId xmlns:a16="http://schemas.microsoft.com/office/drawing/2014/main" id="{31122ADC-872E-4B12-B0BA-2185E08DA59A}"/>
-                </a:ext>
-              </a:extLst>
-            </p:cNvPr>
-            <p:cNvCxnSpPr/>
-            <p:nvPr/>
-          </p:nvCxnSpPr>
-          <p:spPr>
-            <a:xfrm flipV="1">
-              <a:off x="2057400" y="895350"/>
-              <a:ext cx="866775" cy="19050"/>
-            </a:xfrm>
-            <a:prstGeom prst="line">
-              <a:avLst/>
-            </a:prstGeom>
-            <a:ln w="12700">
-              <a:solidFill>
-                <a:schemeClr val="tx1"/>
-              </a:solidFill>
-              <a:headEnd type="oval" w="med" len="med"/>
-              <a:tailEnd type="triangle" w="med" len="med"/>
-            </a:ln>
-          </p:spPr>
-          <p:style>
-            <a:lnRef idx="1">
-              <a:schemeClr val="accent1"/>
-            </a:lnRef>
-            <a:fillRef idx="0">
-              <a:schemeClr val="accent1"/>
-            </a:fillRef>
-            <a:effectRef idx="0">
-              <a:schemeClr val="accent1"/>
-            </a:effectRef>
-            <a:fontRef idx="minor">
-              <a:schemeClr val="tx1"/>
-            </a:fontRef>
-          </p:style>
-        </p:cxnSp>
-        <p:sp>
-          <p:nvSpPr>
-            <p:cNvPr id="30" name="Надпись 145">
-              <a:extLst>
-                <a:ext uri="{FF2B5EF4-FFF2-40B4-BE49-F238E27FC236}">
-                  <a16:creationId xmlns:a16="http://schemas.microsoft.com/office/drawing/2014/main" id="{CD96B49D-0701-4220-9347-7C9935916542}"/>
-                </a:ext>
-              </a:extLst>
-            </p:cNvPr>
-            <p:cNvSpPr txBox="1"/>
-            <p:nvPr/>
-          </p:nvSpPr>
-          <p:spPr>
-            <a:xfrm>
-              <a:off x="1152525" y="628650"/>
-              <a:ext cx="381000" cy="314325"/>
-            </a:xfrm>
-            <a:prstGeom prst="rect">
-              <a:avLst/>
-            </a:prstGeom>
-            <a:noFill/>
-            <a:ln w="6350">
-              <a:noFill/>
-            </a:ln>
-          </p:spPr>
-          <p:txBody>
-            <a:bodyPr rot="0" spcFirstLastPara="0" vert="horz" wrap="square" lIns="91440" tIns="45720" rIns="91440" bIns="45720" numCol="1" spcCol="0" rtlCol="0" fromWordArt="0" anchor="t" anchorCtr="0" forceAA="0" compatLnSpc="1">
-              <a:prstTxWarp prst="textNoShape">
-                <a:avLst/>
-              </a:prstTxWarp>
-              <a:noAutofit/>
-            </a:bodyPr>
-            <a:lstStyle/>
-            <a:p>
-              <a:pPr>
-                <a:lnSpc>
-                  <a:spcPct val="107000"/>
-                </a:lnSpc>
-                <a:spcAft>
-                  <a:spcPts val="800"/>
-                </a:spcAft>
-              </a:pPr>
-              <a:r>
-                <a:rPr lang="en-US">
-                  <a:effectLst/>
-                  <a:latin typeface="Calibri" panose="020F0502020204030204" pitchFamily="34" charset="0"/>
-                  <a:ea typeface="Calibri" panose="020F0502020204030204" pitchFamily="34" charset="0"/>
-                  <a:cs typeface="Times New Roman" panose="02020603050405020304" pitchFamily="18" charset="0"/>
-                </a:rPr>
-                <a:t>M</a:t>
-              </a:r>
-              <a:r>
-                <a:rPr lang="en-US" baseline="-25000">
-                  <a:effectLst/>
-                  <a:latin typeface="Calibri" panose="020F0502020204030204" pitchFamily="34" charset="0"/>
-                  <a:ea typeface="Calibri" panose="020F0502020204030204" pitchFamily="34" charset="0"/>
-                  <a:cs typeface="Times New Roman" panose="02020603050405020304" pitchFamily="18" charset="0"/>
-                </a:rPr>
-                <a:t>i</a:t>
-              </a:r>
-              <a:endParaRPr lang="ru-RU">
-                <a:effectLst/>
-                <a:latin typeface="Calibri" panose="020F0502020204030204" pitchFamily="34" charset="0"/>
-                <a:ea typeface="Calibri" panose="020F0502020204030204" pitchFamily="34" charset="0"/>
-                <a:cs typeface="Times New Roman" panose="02020603050405020304" pitchFamily="18" charset="0"/>
-              </a:endParaRPr>
-            </a:p>
-          </p:txBody>
-        </p:sp>
-        <p:sp>
-          <p:nvSpPr>
-            <p:cNvPr id="31" name="Надпись 146">
-              <a:extLst>
-                <a:ext uri="{FF2B5EF4-FFF2-40B4-BE49-F238E27FC236}">
-                  <a16:creationId xmlns:a16="http://schemas.microsoft.com/office/drawing/2014/main" id="{A677DD9D-8B88-49FD-8A60-8734AA2EACCB}"/>
-                </a:ext>
-              </a:extLst>
-            </p:cNvPr>
-            <p:cNvSpPr txBox="1"/>
-            <p:nvPr/>
-          </p:nvSpPr>
-          <p:spPr>
-            <a:xfrm>
-              <a:off x="2095500" y="542925"/>
-              <a:ext cx="561975" cy="314325"/>
-            </a:xfrm>
-            <a:prstGeom prst="rect">
-              <a:avLst/>
-            </a:prstGeom>
-            <a:noFill/>
-            <a:ln w="6350">
-              <a:noFill/>
-            </a:ln>
-          </p:spPr>
-          <p:txBody>
-            <a:bodyPr rot="0" spcFirstLastPara="0" vert="horz" wrap="square" lIns="91440" tIns="45720" rIns="91440" bIns="45720" numCol="1" spcCol="0" rtlCol="0" fromWordArt="0" anchor="t" anchorCtr="0" forceAA="0" compatLnSpc="1">
-              <a:prstTxWarp prst="textNoShape">
-                <a:avLst/>
-              </a:prstTxWarp>
-              <a:noAutofit/>
-            </a:bodyPr>
-            <a:lstStyle/>
-            <a:p>
-              <a:pPr>
-                <a:lnSpc>
-                  <a:spcPct val="107000"/>
-                </a:lnSpc>
-                <a:spcAft>
-                  <a:spcPts val="800"/>
-                </a:spcAft>
-              </a:pPr>
-              <a:r>
-                <a:rPr lang="en-US" dirty="0">
-                  <a:effectLst/>
-                  <a:latin typeface="Calibri" panose="020F0502020204030204" pitchFamily="34" charset="0"/>
-                  <a:ea typeface="Calibri" panose="020F0502020204030204" pitchFamily="34" charset="0"/>
-                  <a:cs typeface="Times New Roman" panose="02020603050405020304" pitchFamily="18" charset="0"/>
-                </a:rPr>
-                <a:t>M</a:t>
-              </a:r>
-              <a:r>
-                <a:rPr lang="en-US" baseline="-25000" dirty="0">
-                  <a:effectLst/>
-                  <a:latin typeface="Calibri" panose="020F0502020204030204" pitchFamily="34" charset="0"/>
-                  <a:ea typeface="Calibri" panose="020F0502020204030204" pitchFamily="34" charset="0"/>
-                  <a:cs typeface="Times New Roman" panose="02020603050405020304" pitchFamily="18" charset="0"/>
-                </a:rPr>
-                <a:t>i+1</a:t>
-              </a:r>
-              <a:endParaRPr lang="ru-RU" dirty="0">
-                <a:effectLst/>
-                <a:latin typeface="Calibri" panose="020F0502020204030204" pitchFamily="34" charset="0"/>
-                <a:ea typeface="Calibri" panose="020F0502020204030204" pitchFamily="34" charset="0"/>
-                <a:cs typeface="Times New Roman" panose="02020603050405020304" pitchFamily="18" charset="0"/>
-              </a:endParaRPr>
-            </a:p>
-          </p:txBody>
-        </p:sp>
-        <p:sp>
-          <p:nvSpPr>
-            <p:cNvPr id="32" name="Надпись 147">
-              <a:extLst>
-                <a:ext uri="{FF2B5EF4-FFF2-40B4-BE49-F238E27FC236}">
-                  <a16:creationId xmlns:a16="http://schemas.microsoft.com/office/drawing/2014/main" id="{F33B01D9-F7F4-4A69-BC95-1853410A6A5D}"/>
-                </a:ext>
-              </a:extLst>
-            </p:cNvPr>
-            <p:cNvSpPr txBox="1"/>
-            <p:nvPr/>
-          </p:nvSpPr>
-          <p:spPr>
-            <a:xfrm>
-              <a:off x="3000375" y="733425"/>
-              <a:ext cx="561975" cy="314325"/>
-            </a:xfrm>
-            <a:prstGeom prst="rect">
-              <a:avLst/>
-            </a:prstGeom>
-            <a:noFill/>
-            <a:ln w="6350">
-              <a:noFill/>
-            </a:ln>
-          </p:spPr>
-          <p:txBody>
-            <a:bodyPr rot="0" spcFirstLastPara="0" vert="horz" wrap="square" lIns="91440" tIns="45720" rIns="91440" bIns="45720" numCol="1" spcCol="0" rtlCol="0" fromWordArt="0" anchor="t" anchorCtr="0" forceAA="0" compatLnSpc="1">
-              <a:prstTxWarp prst="textNoShape">
-                <a:avLst/>
-              </a:prstTxWarp>
-              <a:noAutofit/>
-            </a:bodyPr>
-            <a:lstStyle/>
-            <a:p>
-              <a:pPr>
-                <a:lnSpc>
-                  <a:spcPct val="107000"/>
-                </a:lnSpc>
-                <a:spcAft>
-                  <a:spcPts val="800"/>
-                </a:spcAft>
-              </a:pPr>
-              <a:r>
-                <a:rPr lang="en-US">
-                  <a:effectLst/>
-                  <a:latin typeface="Calibri" panose="020F0502020204030204" pitchFamily="34" charset="0"/>
-                  <a:ea typeface="Calibri" panose="020F0502020204030204" pitchFamily="34" charset="0"/>
-                  <a:cs typeface="Times New Roman" panose="02020603050405020304" pitchFamily="18" charset="0"/>
-                </a:rPr>
-                <a:t>M</a:t>
-              </a:r>
-              <a:r>
-                <a:rPr lang="en-US" baseline="-25000">
-                  <a:effectLst/>
-                  <a:latin typeface="Calibri" panose="020F0502020204030204" pitchFamily="34" charset="0"/>
-                  <a:ea typeface="Calibri" panose="020F0502020204030204" pitchFamily="34" charset="0"/>
-                  <a:cs typeface="Times New Roman" panose="02020603050405020304" pitchFamily="18" charset="0"/>
-                </a:rPr>
-                <a:t>i+2</a:t>
-              </a:r>
-              <a:endParaRPr lang="ru-RU">
-                <a:effectLst/>
-                <a:latin typeface="Calibri" panose="020F0502020204030204" pitchFamily="34" charset="0"/>
-                <a:ea typeface="Calibri" panose="020F0502020204030204" pitchFamily="34" charset="0"/>
-                <a:cs typeface="Times New Roman" panose="02020603050405020304" pitchFamily="18" charset="0"/>
-              </a:endParaRPr>
-            </a:p>
-          </p:txBody>
-        </p:sp>
-        <p:sp>
-          <p:nvSpPr>
-            <p:cNvPr id="33" name="Надпись 148">
-              <a:extLst>
-                <a:ext uri="{FF2B5EF4-FFF2-40B4-BE49-F238E27FC236}">
-                  <a16:creationId xmlns:a16="http://schemas.microsoft.com/office/drawing/2014/main" id="{0192C229-5EB1-4767-8D25-4143BD2DA524}"/>
-                </a:ext>
-              </a:extLst>
-            </p:cNvPr>
-            <p:cNvSpPr txBox="1"/>
-            <p:nvPr/>
-          </p:nvSpPr>
-          <p:spPr>
-            <a:xfrm>
-              <a:off x="95250" y="847725"/>
-              <a:ext cx="561975" cy="314325"/>
-            </a:xfrm>
-            <a:prstGeom prst="rect">
-              <a:avLst/>
-            </a:prstGeom>
-            <a:noFill/>
-            <a:ln w="6350">
-              <a:noFill/>
-            </a:ln>
-          </p:spPr>
-          <p:txBody>
-            <a:bodyPr rot="0" spcFirstLastPara="0" vert="horz" wrap="square" lIns="91440" tIns="45720" rIns="91440" bIns="45720" numCol="1" spcCol="0" rtlCol="0" fromWordArt="0" anchor="t" anchorCtr="0" forceAA="0" compatLnSpc="1">
-              <a:prstTxWarp prst="textNoShape">
-                <a:avLst/>
-              </a:prstTxWarp>
-              <a:noAutofit/>
-            </a:bodyPr>
-            <a:lstStyle/>
-            <a:p>
-              <a:pPr>
-                <a:lnSpc>
-                  <a:spcPct val="107000"/>
-                </a:lnSpc>
-                <a:spcAft>
-                  <a:spcPts val="800"/>
-                </a:spcAft>
-              </a:pPr>
-              <a:r>
-                <a:rPr lang="en-US">
-                  <a:effectLst/>
-                  <a:latin typeface="Calibri" panose="020F0502020204030204" pitchFamily="34" charset="0"/>
-                  <a:ea typeface="Calibri" panose="020F0502020204030204" pitchFamily="34" charset="0"/>
-                  <a:cs typeface="Times New Roman" panose="02020603050405020304" pitchFamily="18" charset="0"/>
-                </a:rPr>
-                <a:t>M</a:t>
-              </a:r>
-              <a:r>
-                <a:rPr lang="en-US" baseline="-25000">
-                  <a:effectLst/>
-                  <a:latin typeface="Calibri" panose="020F0502020204030204" pitchFamily="34" charset="0"/>
-                  <a:ea typeface="Calibri" panose="020F0502020204030204" pitchFamily="34" charset="0"/>
-                  <a:cs typeface="Times New Roman" panose="02020603050405020304" pitchFamily="18" charset="0"/>
-                </a:rPr>
-                <a:t>i-1</a:t>
-              </a:r>
-              <a:endParaRPr lang="ru-RU">
-                <a:effectLst/>
-                <a:latin typeface="Calibri" panose="020F0502020204030204" pitchFamily="34" charset="0"/>
-                <a:ea typeface="Calibri" panose="020F0502020204030204" pitchFamily="34" charset="0"/>
-                <a:cs typeface="Times New Roman" panose="02020603050405020304" pitchFamily="18" charset="0"/>
-              </a:endParaRPr>
-            </a:p>
-          </p:txBody>
-        </p:sp>
-        <p:sp>
-          <p:nvSpPr>
-            <p:cNvPr id="34" name="Овал 33">
-              <a:extLst>
-                <a:ext uri="{FF2B5EF4-FFF2-40B4-BE49-F238E27FC236}">
-                  <a16:creationId xmlns:a16="http://schemas.microsoft.com/office/drawing/2014/main" id="{ADB9509D-63AF-49E4-9CD7-936B5B13F2D6}"/>
-                </a:ext>
-              </a:extLst>
-            </p:cNvPr>
-            <p:cNvSpPr/>
-            <p:nvPr/>
-          </p:nvSpPr>
-          <p:spPr>
-            <a:xfrm>
-              <a:off x="904875" y="1504950"/>
-              <a:ext cx="104775" cy="104775"/>
-            </a:xfrm>
-            <a:prstGeom prst="ellipse">
-              <a:avLst/>
-            </a:prstGeom>
-            <a:solidFill>
-              <a:schemeClr val="bg1"/>
-            </a:solidFill>
-            <a:ln w="9525">
-              <a:solidFill>
-                <a:schemeClr val="tx1"/>
-              </a:solidFill>
-            </a:ln>
-          </p:spPr>
-          <p:style>
-            <a:lnRef idx="2">
-              <a:schemeClr val="accent1">
-                <a:shade val="50000"/>
-              </a:schemeClr>
-            </a:lnRef>
-            <a:fillRef idx="1">
-              <a:schemeClr val="accent1"/>
-            </a:fillRef>
-            <a:effectRef idx="0">
-              <a:schemeClr val="accent1"/>
-            </a:effectRef>
-            <a:fontRef idx="minor">
-              <a:schemeClr val="lt1"/>
-            </a:fontRef>
-          </p:style>
-          <p:txBody>
-            <a:bodyPr rot="0" spcFirstLastPara="0" vert="horz" wrap="square" lIns="91440" tIns="45720" rIns="91440" bIns="45720" numCol="1" spcCol="0" rtlCol="0" fromWordArt="0" anchor="ctr" anchorCtr="0" forceAA="0" compatLnSpc="1">
-              <a:prstTxWarp prst="textNoShape">
-                <a:avLst/>
-              </a:prstTxWarp>
-              <a:noAutofit/>
-            </a:bodyPr>
-            <a:lstStyle/>
-            <a:p>
-              <a:endParaRPr lang="ru-RU"/>
-            </a:p>
-          </p:txBody>
-        </p:sp>
-        <p:sp>
-          <p:nvSpPr>
-            <p:cNvPr id="35" name="Овал 34">
-              <a:extLst>
-                <a:ext uri="{FF2B5EF4-FFF2-40B4-BE49-F238E27FC236}">
-                  <a16:creationId xmlns:a16="http://schemas.microsoft.com/office/drawing/2014/main" id="{091368CF-BCCE-416D-BFD8-C60EE384FE0E}"/>
-                </a:ext>
-              </a:extLst>
-            </p:cNvPr>
-            <p:cNvSpPr/>
-            <p:nvPr/>
-          </p:nvSpPr>
-          <p:spPr>
-            <a:xfrm>
-              <a:off x="1933575" y="1543050"/>
-              <a:ext cx="104775" cy="104775"/>
-            </a:xfrm>
-            <a:prstGeom prst="ellipse">
-              <a:avLst/>
-            </a:prstGeom>
-            <a:solidFill>
-              <a:schemeClr val="bg1"/>
-            </a:solidFill>
-            <a:ln w="9525">
-              <a:solidFill>
-                <a:schemeClr val="tx1"/>
-              </a:solidFill>
-            </a:ln>
-          </p:spPr>
-          <p:style>
-            <a:lnRef idx="2">
-              <a:schemeClr val="accent1">
-                <a:shade val="50000"/>
-              </a:schemeClr>
-            </a:lnRef>
-            <a:fillRef idx="1">
-              <a:schemeClr val="accent1"/>
-            </a:fillRef>
-            <a:effectRef idx="0">
-              <a:schemeClr val="accent1"/>
-            </a:effectRef>
-            <a:fontRef idx="minor">
-              <a:schemeClr val="lt1"/>
-            </a:fontRef>
-          </p:style>
-          <p:txBody>
-            <a:bodyPr rot="0" spcFirstLastPara="0" vert="horz" wrap="square" lIns="91440" tIns="45720" rIns="91440" bIns="45720" numCol="1" spcCol="0" rtlCol="0" fromWordArt="0" anchor="ctr" anchorCtr="0" forceAA="0" compatLnSpc="1">
-              <a:prstTxWarp prst="textNoShape">
-                <a:avLst/>
-              </a:prstTxWarp>
-              <a:noAutofit/>
-            </a:bodyPr>
-            <a:lstStyle/>
-            <a:p>
-              <a:endParaRPr lang="ru-RU"/>
-            </a:p>
-          </p:txBody>
-        </p:sp>
-        <p:sp>
-          <p:nvSpPr>
-            <p:cNvPr id="36" name="Надпись 151">
-              <a:extLst>
-                <a:ext uri="{FF2B5EF4-FFF2-40B4-BE49-F238E27FC236}">
-                  <a16:creationId xmlns:a16="http://schemas.microsoft.com/office/drawing/2014/main" id="{D9E30422-C457-4720-8622-34C79663BA17}"/>
-                </a:ext>
-              </a:extLst>
-            </p:cNvPr>
-            <p:cNvSpPr txBox="1"/>
-            <p:nvPr/>
-          </p:nvSpPr>
-          <p:spPr>
-            <a:xfrm>
-              <a:off x="886620" y="1590514"/>
-              <a:ext cx="381000" cy="314325"/>
-            </a:xfrm>
-            <a:prstGeom prst="rect">
-              <a:avLst/>
-            </a:prstGeom>
-            <a:noFill/>
-            <a:ln w="6350">
-              <a:noFill/>
-            </a:ln>
-          </p:spPr>
-          <p:txBody>
-            <a:bodyPr rot="0" spcFirstLastPara="0" vert="horz" wrap="square" lIns="91440" tIns="45720" rIns="91440" bIns="45720" numCol="1" spcCol="0" rtlCol="0" fromWordArt="0" anchor="t" anchorCtr="0" forceAA="0" compatLnSpc="1">
-              <a:prstTxWarp prst="textNoShape">
-                <a:avLst/>
-              </a:prstTxWarp>
-              <a:noAutofit/>
-            </a:bodyPr>
-            <a:lstStyle/>
-            <a:p>
-              <a:pPr>
-                <a:lnSpc>
-                  <a:spcPct val="107000"/>
-                </a:lnSpc>
-                <a:spcAft>
-                  <a:spcPts val="800"/>
-                </a:spcAft>
-              </a:pPr>
-              <a:r>
-                <a:rPr lang="en-US" dirty="0" err="1">
-                  <a:effectLst/>
-                  <a:latin typeface="Calibri" panose="020F0502020204030204" pitchFamily="34" charset="0"/>
-                  <a:ea typeface="Calibri" panose="020F0502020204030204" pitchFamily="34" charset="0"/>
-                  <a:cs typeface="Times New Roman" panose="02020603050405020304" pitchFamily="18" charset="0"/>
-                </a:rPr>
-                <a:t>M’</a:t>
-              </a:r>
-              <a:r>
-                <a:rPr lang="en-US" baseline="-25000" dirty="0" err="1">
-                  <a:effectLst/>
-                  <a:latin typeface="Calibri" panose="020F0502020204030204" pitchFamily="34" charset="0"/>
-                  <a:ea typeface="Calibri" panose="020F0502020204030204" pitchFamily="34" charset="0"/>
-                  <a:cs typeface="Times New Roman" panose="02020603050405020304" pitchFamily="18" charset="0"/>
-                </a:rPr>
-                <a:t>i</a:t>
-              </a:r>
-              <a:endParaRPr lang="ru-RU" dirty="0">
-                <a:effectLst/>
-                <a:latin typeface="Calibri" panose="020F0502020204030204" pitchFamily="34" charset="0"/>
-                <a:ea typeface="Calibri" panose="020F0502020204030204" pitchFamily="34" charset="0"/>
-                <a:cs typeface="Times New Roman" panose="02020603050405020304" pitchFamily="18" charset="0"/>
-              </a:endParaRPr>
-            </a:p>
-          </p:txBody>
-        </p:sp>
-        <p:sp>
-          <p:nvSpPr>
-            <p:cNvPr id="37" name="Надпись 152">
-              <a:extLst>
-                <a:ext uri="{FF2B5EF4-FFF2-40B4-BE49-F238E27FC236}">
-                  <a16:creationId xmlns:a16="http://schemas.microsoft.com/office/drawing/2014/main" id="{A4257674-78BE-4FE4-89FD-ADE88A523089}"/>
-                </a:ext>
-              </a:extLst>
-            </p:cNvPr>
-            <p:cNvSpPr txBox="1"/>
-            <p:nvPr/>
-          </p:nvSpPr>
-          <p:spPr>
-            <a:xfrm>
-              <a:off x="1942306" y="1609707"/>
-              <a:ext cx="561975" cy="314325"/>
-            </a:xfrm>
-            <a:prstGeom prst="rect">
-              <a:avLst/>
-            </a:prstGeom>
-            <a:noFill/>
-            <a:ln w="6350">
-              <a:noFill/>
-            </a:ln>
-          </p:spPr>
-          <p:txBody>
-            <a:bodyPr rot="0" spcFirstLastPara="0" vert="horz" wrap="square" lIns="91440" tIns="45720" rIns="91440" bIns="45720" numCol="1" spcCol="0" rtlCol="0" fromWordArt="0" anchor="t" anchorCtr="0" forceAA="0" compatLnSpc="1">
-              <a:prstTxWarp prst="textNoShape">
-                <a:avLst/>
-              </a:prstTxWarp>
-              <a:noAutofit/>
-            </a:bodyPr>
-            <a:lstStyle/>
-            <a:p>
-              <a:pPr>
-                <a:lnSpc>
-                  <a:spcPct val="107000"/>
-                </a:lnSpc>
-                <a:spcAft>
-                  <a:spcPts val="800"/>
-                </a:spcAft>
-              </a:pPr>
-              <a:r>
-                <a:rPr lang="en-US" dirty="0">
-                  <a:effectLst/>
-                  <a:latin typeface="Calibri" panose="020F0502020204030204" pitchFamily="34" charset="0"/>
-                  <a:ea typeface="Calibri" panose="020F0502020204030204" pitchFamily="34" charset="0"/>
-                  <a:cs typeface="Times New Roman" panose="02020603050405020304" pitchFamily="18" charset="0"/>
-                </a:rPr>
-                <a:t>M’</a:t>
-              </a:r>
-              <a:r>
-                <a:rPr lang="en-US" baseline="-25000" dirty="0">
-                  <a:effectLst/>
-                  <a:latin typeface="Calibri" panose="020F0502020204030204" pitchFamily="34" charset="0"/>
-                  <a:ea typeface="Calibri" panose="020F0502020204030204" pitchFamily="34" charset="0"/>
-                  <a:cs typeface="Times New Roman" panose="02020603050405020304" pitchFamily="18" charset="0"/>
-                </a:rPr>
-                <a:t>i+1</a:t>
-              </a:r>
-              <a:endParaRPr lang="ru-RU" dirty="0">
-                <a:effectLst/>
-                <a:latin typeface="Calibri" panose="020F0502020204030204" pitchFamily="34" charset="0"/>
-                <a:ea typeface="Calibri" panose="020F0502020204030204" pitchFamily="34" charset="0"/>
-                <a:cs typeface="Times New Roman" panose="02020603050405020304" pitchFamily="18" charset="0"/>
-              </a:endParaRPr>
-            </a:p>
-          </p:txBody>
-        </p:sp>
-        <p:sp>
-          <p:nvSpPr>
-            <p:cNvPr id="38" name="Полилиния: фигура 37">
-              <a:extLst>
-                <a:ext uri="{FF2B5EF4-FFF2-40B4-BE49-F238E27FC236}">
-                  <a16:creationId xmlns:a16="http://schemas.microsoft.com/office/drawing/2014/main" id="{E620C73A-F1B6-4A59-BB30-DBF44076CDA2}"/>
-                </a:ext>
-              </a:extLst>
-            </p:cNvPr>
-            <p:cNvSpPr/>
-            <p:nvPr/>
-          </p:nvSpPr>
-          <p:spPr>
-            <a:xfrm>
-              <a:off x="180975" y="895350"/>
-              <a:ext cx="2733675" cy="590550"/>
-            </a:xfrm>
-            <a:custGeom>
-              <a:avLst/>
-              <a:gdLst>
-                <a:gd name="connsiteX0" fmla="*/ 0 w 2733675"/>
-                <a:gd name="connsiteY0" fmla="*/ 304800 h 590550"/>
-                <a:gd name="connsiteX1" fmla="*/ 866775 w 2733675"/>
-                <a:gd name="connsiteY1" fmla="*/ 447675 h 590550"/>
-                <a:gd name="connsiteX2" fmla="*/ 1819275 w 2733675"/>
-                <a:gd name="connsiteY2" fmla="*/ 590550 h 590550"/>
-                <a:gd name="connsiteX3" fmla="*/ 2733675 w 2733675"/>
-                <a:gd name="connsiteY3" fmla="*/ 0 h 590550"/>
-                <a:gd name="connsiteX0" fmla="*/ 0 w 2733675"/>
-                <a:gd name="connsiteY0" fmla="*/ 304800 h 590550"/>
-                <a:gd name="connsiteX1" fmla="*/ 971550 w 2733675"/>
-                <a:gd name="connsiteY1" fmla="*/ 266700 h 590550"/>
-                <a:gd name="connsiteX2" fmla="*/ 1819275 w 2733675"/>
-                <a:gd name="connsiteY2" fmla="*/ 590550 h 590550"/>
-                <a:gd name="connsiteX3" fmla="*/ 2733675 w 2733675"/>
-                <a:gd name="connsiteY3" fmla="*/ 0 h 590550"/>
-              </a:gdLst>
-              <a:ahLst/>
-              <a:cxnLst>
-                <a:cxn ang="0">
-                  <a:pos x="connsiteX0" y="connsiteY0"/>
-                </a:cxn>
-                <a:cxn ang="0">
-                  <a:pos x="connsiteX1" y="connsiteY1"/>
-                </a:cxn>
-                <a:cxn ang="0">
-                  <a:pos x="connsiteX2" y="connsiteY2"/>
-                </a:cxn>
-                <a:cxn ang="0">
-                  <a:pos x="connsiteX3" y="connsiteY3"/>
-                </a:cxn>
-              </a:cxnLst>
-              <a:rect l="l" t="t" r="r" b="b"/>
-              <a:pathLst>
-                <a:path w="2733675" h="590550">
-                  <a:moveTo>
-                    <a:pt x="0" y="304800"/>
-                  </a:moveTo>
-                  <a:lnTo>
-                    <a:pt x="971550" y="266700"/>
-                  </a:lnTo>
-                  <a:lnTo>
-                    <a:pt x="1819275" y="590550"/>
-                  </a:lnTo>
-                  <a:lnTo>
-                    <a:pt x="2733675" y="0"/>
-                  </a:lnTo>
-                </a:path>
-              </a:pathLst>
-            </a:custGeom>
-            <a:noFill/>
-            <a:ln w="19050">
-              <a:solidFill>
-                <a:srgbClr val="FF0000"/>
-              </a:solidFill>
-              <a:prstDash val="dash"/>
-            </a:ln>
-          </p:spPr>
-          <p:style>
-            <a:lnRef idx="2">
-              <a:schemeClr val="accent1">
-                <a:shade val="50000"/>
-              </a:schemeClr>
-            </a:lnRef>
-            <a:fillRef idx="1">
-              <a:schemeClr val="accent1"/>
-            </a:fillRef>
-            <a:effectRef idx="0">
-              <a:schemeClr val="accent1"/>
-            </a:effectRef>
-            <a:fontRef idx="minor">
-              <a:schemeClr val="lt1"/>
-            </a:fontRef>
-          </p:style>
-          <p:txBody>
-            <a:bodyPr rot="0" spcFirstLastPara="0" vert="horz" wrap="square" lIns="91440" tIns="45720" rIns="91440" bIns="45720" numCol="1" spcCol="0" rtlCol="0" fromWordArt="0" anchor="ctr" anchorCtr="0" forceAA="0" compatLnSpc="1">
-              <a:prstTxWarp prst="textNoShape">
-                <a:avLst/>
-              </a:prstTxWarp>
-              <a:noAutofit/>
-            </a:bodyPr>
-            <a:lstStyle/>
-            <a:p>
-              <a:endParaRPr lang="ru-RU"/>
-            </a:p>
-          </p:txBody>
-        </p:sp>
-        <p:sp>
-          <p:nvSpPr>
-            <p:cNvPr id="39" name="Надпись 169">
-              <a:extLst>
-                <a:ext uri="{FF2B5EF4-FFF2-40B4-BE49-F238E27FC236}">
-                  <a16:creationId xmlns:a16="http://schemas.microsoft.com/office/drawing/2014/main" id="{4E8D5AAF-C615-4346-80ED-4B934B4634BF}"/>
-                </a:ext>
-              </a:extLst>
-            </p:cNvPr>
-            <p:cNvSpPr txBox="1"/>
-            <p:nvPr/>
-          </p:nvSpPr>
-          <p:spPr>
-            <a:xfrm>
-              <a:off x="1152525" y="981075"/>
-              <a:ext cx="619125" cy="314325"/>
-            </a:xfrm>
-            <a:prstGeom prst="rect">
-              <a:avLst/>
-            </a:prstGeom>
-            <a:noFill/>
-            <a:ln w="6350">
-              <a:noFill/>
-            </a:ln>
-          </p:spPr>
-          <p:txBody>
-            <a:bodyPr rot="0" spcFirstLastPara="0" vert="horz" wrap="square" lIns="91440" tIns="45720" rIns="91440" bIns="45720" numCol="1" spcCol="0" rtlCol="0" fromWordArt="0" anchor="t" anchorCtr="0" forceAA="0" compatLnSpc="1">
-              <a:prstTxWarp prst="textNoShape">
-                <a:avLst/>
-              </a:prstTxWarp>
-              <a:noAutofit/>
-            </a:bodyPr>
-            <a:lstStyle/>
-            <a:p>
-              <a:pPr>
-                <a:lnSpc>
-                  <a:spcPct val="107000"/>
-                </a:lnSpc>
-                <a:spcAft>
-                  <a:spcPts val="800"/>
-                </a:spcAft>
-              </a:pPr>
-              <a:r>
-                <a:rPr lang="en-US">
-                  <a:effectLst/>
-                  <a:latin typeface="Calibri" panose="020F0502020204030204" pitchFamily="34" charset="0"/>
-                  <a:ea typeface="Calibri" panose="020F0502020204030204" pitchFamily="34" charset="0"/>
-                  <a:cs typeface="Times New Roman" panose="02020603050405020304" pitchFamily="18" charset="0"/>
-                </a:rPr>
-                <a:t>M</a:t>
-              </a:r>
-              <a:r>
-                <a:rPr lang="en-US" baseline="-25000">
-                  <a:effectLst/>
-                  <a:latin typeface="Calibri" panose="020F0502020204030204" pitchFamily="34" charset="0"/>
-                  <a:ea typeface="Calibri" panose="020F0502020204030204" pitchFamily="34" charset="0"/>
-                  <a:cs typeface="Times New Roman" panose="02020603050405020304" pitchFamily="18" charset="0"/>
-                </a:rPr>
-                <a:t>i</a:t>
-              </a:r>
-              <a:r>
-                <a:rPr lang="en-US">
-                  <a:effectLst/>
-                  <a:latin typeface="Calibri" panose="020F0502020204030204" pitchFamily="34" charset="0"/>
-                  <a:ea typeface="Calibri" panose="020F0502020204030204" pitchFamily="34" charset="0"/>
-                  <a:cs typeface="Times New Roman" panose="02020603050405020304" pitchFamily="18" charset="0"/>
-                </a:rPr>
-                <a:t>(s)</a:t>
-              </a:r>
-              <a:endParaRPr lang="ru-RU">
-                <a:effectLst/>
-                <a:latin typeface="Calibri" panose="020F0502020204030204" pitchFamily="34" charset="0"/>
-                <a:ea typeface="Calibri" panose="020F0502020204030204" pitchFamily="34" charset="0"/>
-                <a:cs typeface="Times New Roman" panose="02020603050405020304" pitchFamily="18" charset="0"/>
-              </a:endParaRPr>
-            </a:p>
-          </p:txBody>
-        </p:sp>
-        <p:sp>
-          <p:nvSpPr>
-            <p:cNvPr id="40" name="Надпись 170">
-              <a:extLst>
-                <a:ext uri="{FF2B5EF4-FFF2-40B4-BE49-F238E27FC236}">
-                  <a16:creationId xmlns:a16="http://schemas.microsoft.com/office/drawing/2014/main" id="{E0CF7097-4750-471F-8830-E5A0E313A87F}"/>
-                </a:ext>
-              </a:extLst>
-            </p:cNvPr>
-            <p:cNvSpPr txBox="1"/>
-            <p:nvPr/>
-          </p:nvSpPr>
-          <p:spPr>
-            <a:xfrm>
-              <a:off x="1995531" y="1381090"/>
-              <a:ext cx="561975" cy="314325"/>
-            </a:xfrm>
-            <a:prstGeom prst="rect">
-              <a:avLst/>
-            </a:prstGeom>
-            <a:noFill/>
-            <a:ln w="6350">
-              <a:noFill/>
-            </a:ln>
-          </p:spPr>
-          <p:txBody>
-            <a:bodyPr rot="0" spcFirstLastPara="0" vert="horz" wrap="square" lIns="91440" tIns="45720" rIns="91440" bIns="45720" numCol="1" spcCol="0" rtlCol="0" fromWordArt="0" anchor="t" anchorCtr="0" forceAA="0" compatLnSpc="1">
-              <a:prstTxWarp prst="textNoShape">
-                <a:avLst/>
-              </a:prstTxWarp>
-              <a:noAutofit/>
-            </a:bodyPr>
-            <a:lstStyle/>
-            <a:p>
-              <a:pPr>
-                <a:lnSpc>
-                  <a:spcPct val="107000"/>
-                </a:lnSpc>
-                <a:spcAft>
-                  <a:spcPts val="800"/>
-                </a:spcAft>
-              </a:pPr>
-              <a:r>
-                <a:rPr lang="en-US" dirty="0">
-                  <a:effectLst/>
-                  <a:latin typeface="Calibri" panose="020F0502020204030204" pitchFamily="34" charset="0"/>
-                  <a:ea typeface="Calibri" panose="020F0502020204030204" pitchFamily="34" charset="0"/>
-                  <a:cs typeface="Times New Roman" panose="02020603050405020304" pitchFamily="18" charset="0"/>
-                </a:rPr>
-                <a:t>M</a:t>
-              </a:r>
-              <a:r>
-                <a:rPr lang="en-US" baseline="-25000" dirty="0">
-                  <a:effectLst/>
-                  <a:latin typeface="Calibri" panose="020F0502020204030204" pitchFamily="34" charset="0"/>
-                  <a:ea typeface="Calibri" panose="020F0502020204030204" pitchFamily="34" charset="0"/>
-                  <a:cs typeface="Times New Roman" panose="02020603050405020304" pitchFamily="18" charset="0"/>
-                </a:rPr>
-                <a:t>i+1</a:t>
-              </a:r>
-              <a:r>
-                <a:rPr lang="en-US" dirty="0">
-                  <a:effectLst/>
-                  <a:latin typeface="Calibri" panose="020F0502020204030204" pitchFamily="34" charset="0"/>
-                  <a:ea typeface="Calibri" panose="020F0502020204030204" pitchFamily="34" charset="0"/>
-                  <a:cs typeface="Times New Roman" panose="02020603050405020304" pitchFamily="18" charset="0"/>
-                </a:rPr>
-                <a:t>(t)</a:t>
-              </a:r>
-              <a:endParaRPr lang="ru-RU" dirty="0">
-                <a:effectLst/>
-                <a:latin typeface="Calibri" panose="020F0502020204030204" pitchFamily="34" charset="0"/>
-                <a:ea typeface="Calibri" panose="020F0502020204030204" pitchFamily="34" charset="0"/>
-                <a:cs typeface="Times New Roman" panose="02020603050405020304" pitchFamily="18" charset="0"/>
-              </a:endParaRPr>
-            </a:p>
-          </p:txBody>
-        </p:sp>
-        <p:sp>
-          <p:nvSpPr>
-            <p:cNvPr id="41" name="Надпись 171">
-              <a:extLst>
-                <a:ext uri="{FF2B5EF4-FFF2-40B4-BE49-F238E27FC236}">
-                  <a16:creationId xmlns:a16="http://schemas.microsoft.com/office/drawing/2014/main" id="{14592B18-ABAB-4798-BF2E-E71906048962}"/>
-                </a:ext>
-              </a:extLst>
-            </p:cNvPr>
-            <p:cNvSpPr txBox="1"/>
-            <p:nvPr/>
-          </p:nvSpPr>
-          <p:spPr>
-            <a:xfrm>
-              <a:off x="723900" y="76200"/>
-              <a:ext cx="381000" cy="314325"/>
-            </a:xfrm>
-            <a:prstGeom prst="rect">
-              <a:avLst/>
-            </a:prstGeom>
-            <a:noFill/>
-            <a:ln w="6350">
-              <a:noFill/>
-            </a:ln>
-          </p:spPr>
-          <p:txBody>
-            <a:bodyPr rot="0" spcFirstLastPara="0" vert="horz" wrap="square" lIns="91440" tIns="45720" rIns="91440" bIns="45720" numCol="1" spcCol="0" rtlCol="0" fromWordArt="0" anchor="t" anchorCtr="0" forceAA="0" compatLnSpc="1">
-              <a:prstTxWarp prst="textNoShape">
-                <a:avLst/>
-              </a:prstTxWarp>
-              <a:noAutofit/>
-            </a:bodyPr>
-            <a:lstStyle/>
-            <a:p>
-              <a:pPr>
-                <a:lnSpc>
-                  <a:spcPct val="107000"/>
-                </a:lnSpc>
-                <a:spcAft>
-                  <a:spcPts val="800"/>
-                </a:spcAft>
-              </a:pPr>
-              <a:r>
-                <a:rPr lang="en-US">
-                  <a:effectLst/>
-                  <a:latin typeface="Calibri" panose="020F0502020204030204" pitchFamily="34" charset="0"/>
-                  <a:ea typeface="Calibri" panose="020F0502020204030204" pitchFamily="34" charset="0"/>
-                  <a:cs typeface="Times New Roman" panose="02020603050405020304" pitchFamily="18" charset="0"/>
-                </a:rPr>
-                <a:t>C</a:t>
-              </a:r>
-              <a:r>
-                <a:rPr lang="en-US" baseline="-25000">
-                  <a:effectLst/>
-                  <a:latin typeface="Calibri" panose="020F0502020204030204" pitchFamily="34" charset="0"/>
-                  <a:ea typeface="Calibri" panose="020F0502020204030204" pitchFamily="34" charset="0"/>
-                  <a:cs typeface="Times New Roman" panose="02020603050405020304" pitchFamily="18" charset="0"/>
-                </a:rPr>
-                <a:t>i</a:t>
-              </a:r>
-              <a:endParaRPr lang="ru-RU">
-                <a:effectLst/>
-                <a:latin typeface="Calibri" panose="020F0502020204030204" pitchFamily="34" charset="0"/>
-                <a:ea typeface="Calibri" panose="020F0502020204030204" pitchFamily="34" charset="0"/>
-                <a:cs typeface="Times New Roman" panose="02020603050405020304" pitchFamily="18" charset="0"/>
-              </a:endParaRPr>
-            </a:p>
-          </p:txBody>
-        </p:sp>
-        <p:sp>
-          <p:nvSpPr>
-            <p:cNvPr id="42" name="Надпись 172">
-              <a:extLst>
-                <a:ext uri="{FF2B5EF4-FFF2-40B4-BE49-F238E27FC236}">
-                  <a16:creationId xmlns:a16="http://schemas.microsoft.com/office/drawing/2014/main" id="{EAB1463F-3677-4EEB-9A66-67BB4BAF8DCF}"/>
-                </a:ext>
-              </a:extLst>
-            </p:cNvPr>
-            <p:cNvSpPr txBox="1"/>
-            <p:nvPr/>
-          </p:nvSpPr>
-          <p:spPr>
-            <a:xfrm>
-              <a:off x="2133600" y="9525"/>
-              <a:ext cx="561975" cy="314325"/>
-            </a:xfrm>
-            <a:prstGeom prst="rect">
-              <a:avLst/>
-            </a:prstGeom>
-            <a:noFill/>
-            <a:ln w="6350">
-              <a:noFill/>
-            </a:ln>
-          </p:spPr>
-          <p:txBody>
-            <a:bodyPr rot="0" spcFirstLastPara="0" vert="horz" wrap="square" lIns="91440" tIns="45720" rIns="91440" bIns="45720" numCol="1" spcCol="0" rtlCol="0" fromWordArt="0" anchor="t" anchorCtr="0" forceAA="0" compatLnSpc="1">
-              <a:prstTxWarp prst="textNoShape">
-                <a:avLst/>
-              </a:prstTxWarp>
-              <a:noAutofit/>
-            </a:bodyPr>
-            <a:lstStyle/>
-            <a:p>
-              <a:pPr>
-                <a:lnSpc>
-                  <a:spcPct val="107000"/>
-                </a:lnSpc>
-                <a:spcAft>
-                  <a:spcPts val="800"/>
-                </a:spcAft>
-              </a:pPr>
-              <a:r>
-                <a:rPr lang="en-US">
-                  <a:effectLst/>
-                  <a:latin typeface="Calibri" panose="020F0502020204030204" pitchFamily="34" charset="0"/>
-                  <a:ea typeface="Calibri" panose="020F0502020204030204" pitchFamily="34" charset="0"/>
-                  <a:cs typeface="Times New Roman" panose="02020603050405020304" pitchFamily="18" charset="0"/>
-                </a:rPr>
-                <a:t>C</a:t>
-              </a:r>
-              <a:r>
-                <a:rPr lang="en-US" baseline="-25000">
-                  <a:effectLst/>
-                  <a:latin typeface="Calibri" panose="020F0502020204030204" pitchFamily="34" charset="0"/>
-                  <a:ea typeface="Calibri" panose="020F0502020204030204" pitchFamily="34" charset="0"/>
-                  <a:cs typeface="Times New Roman" panose="02020603050405020304" pitchFamily="18" charset="0"/>
-                </a:rPr>
-                <a:t>i+1</a:t>
-              </a:r>
-              <a:endParaRPr lang="ru-RU">
-                <a:effectLst/>
-                <a:latin typeface="Calibri" panose="020F0502020204030204" pitchFamily="34" charset="0"/>
-                <a:ea typeface="Calibri" panose="020F0502020204030204" pitchFamily="34" charset="0"/>
-                <a:cs typeface="Times New Roman" panose="02020603050405020304" pitchFamily="18" charset="0"/>
-              </a:endParaRPr>
-            </a:p>
-          </p:txBody>
-        </p:sp>
-        <mc:AlternateContent xmlns:mc="http://schemas.openxmlformats.org/markup-compatibility/2006" xmlns:a14="http://schemas.microsoft.com/office/drawing/2010/main">
-          <mc:Choice Requires="a14">
-            <p:sp>
-              <p:nvSpPr>
-                <p:cNvPr id="43" name="Надпись 173">
-                  <a:extLst>
-                    <a:ext uri="{FF2B5EF4-FFF2-40B4-BE49-F238E27FC236}">
-                      <a16:creationId xmlns:a16="http://schemas.microsoft.com/office/drawing/2014/main" id="{304078DA-4AED-4F2F-AEFE-50464DC5DD61}"/>
-                    </a:ext>
-                  </a:extLst>
-                </p:cNvPr>
-                <p:cNvSpPr txBox="1"/>
-                <p:nvPr/>
-              </p:nvSpPr>
-              <p:spPr>
-                <a:xfrm rot="1039367">
-                  <a:off x="1190625" y="1285875"/>
-                  <a:ext cx="676275" cy="314325"/>
-                </a:xfrm>
-                <a:prstGeom prst="rect">
-                  <a:avLst/>
-                </a:prstGeom>
-                <a:noFill/>
-                <a:ln w="6350">
-                  <a:noFill/>
-                </a:ln>
-              </p:spPr>
-              <p:txBody>
-                <a:bodyPr rot="0" spcFirstLastPara="0" vert="horz" wrap="square" lIns="91440" tIns="45720" rIns="91440" bIns="45720" numCol="1" spcCol="0" rtlCol="0" fromWordArt="0" anchor="t" anchorCtr="0" forceAA="0" compatLnSpc="1">
-                  <a:prstTxWarp prst="textNoShape">
-                    <a:avLst/>
-                  </a:prstTxWarp>
-                  <a:noAutofit/>
-                </a:bodyPr>
-                <a:lstStyle/>
-                <a:p>
-                  <a:pPr>
-                    <a:lnSpc>
-                      <a:spcPct val="107000"/>
-                    </a:lnSpc>
-                    <a:spcAft>
-                      <a:spcPts val="800"/>
-                    </a:spcAft>
-                  </a:pPr>
-                  <a14:m>
-                    <m:oMathPara xmlns:m="http://schemas.openxmlformats.org/officeDocument/2006/math">
-                      <m:oMathParaPr>
-                        <m:jc m:val="centerGroup"/>
-                      </m:oMathParaPr>
-                      <m:oMath xmlns:m="http://schemas.openxmlformats.org/officeDocument/2006/math">
-                        <m:r>
-                          <a:rPr lang="en-US" i="1">
-                            <a:effectLst/>
-                            <a:latin typeface="Cambria Math" panose="02040503050406030204" pitchFamily="18" charset="0"/>
-                            <a:ea typeface="Calibri" panose="020F0502020204030204" pitchFamily="34" charset="0"/>
-                            <a:cs typeface="Times New Roman" panose="02020603050405020304" pitchFamily="18" charset="0"/>
-                          </a:rPr>
-                          <m:t>𝜆</m:t>
-                        </m:r>
-                        <m:r>
-                          <a:rPr lang="en-US" i="1">
-                            <a:effectLst/>
-                            <a:latin typeface="Cambria Math" panose="02040503050406030204" pitchFamily="18" charset="0"/>
-                            <a:ea typeface="Calibri" panose="020F0502020204030204" pitchFamily="34" charset="0"/>
-                            <a:cs typeface="Times New Roman" panose="02020603050405020304" pitchFamily="18" charset="0"/>
-                          </a:rPr>
-                          <m:t>(</m:t>
-                        </m:r>
-                        <m:r>
-                          <a:rPr lang="en-US" i="1">
-                            <a:effectLst/>
-                            <a:latin typeface="Cambria Math" panose="02040503050406030204" pitchFamily="18" charset="0"/>
-                            <a:ea typeface="Calibri" panose="020F0502020204030204" pitchFamily="34" charset="0"/>
-                            <a:cs typeface="Times New Roman" panose="02020603050405020304" pitchFamily="18" charset="0"/>
-                          </a:rPr>
-                          <m:t>𝑠</m:t>
-                        </m:r>
-                        <m:r>
-                          <a:rPr lang="en-US" i="1">
-                            <a:effectLst/>
-                            <a:latin typeface="Cambria Math" panose="02040503050406030204" pitchFamily="18" charset="0"/>
-                            <a:ea typeface="Calibri" panose="020F0502020204030204" pitchFamily="34" charset="0"/>
-                            <a:cs typeface="Times New Roman" panose="02020603050405020304" pitchFamily="18" charset="0"/>
-                          </a:rPr>
-                          <m:t>,</m:t>
-                        </m:r>
-                        <m:r>
-                          <a:rPr lang="en-US" i="1">
-                            <a:effectLst/>
-                            <a:latin typeface="Cambria Math" panose="02040503050406030204" pitchFamily="18" charset="0"/>
-                            <a:ea typeface="Calibri" panose="020F0502020204030204" pitchFamily="34" charset="0"/>
-                            <a:cs typeface="Times New Roman" panose="02020603050405020304" pitchFamily="18" charset="0"/>
-                          </a:rPr>
-                          <m:t>𝑡</m:t>
-                        </m:r>
-                        <m:r>
-                          <a:rPr lang="en-US" i="1">
-                            <a:effectLst/>
-                            <a:latin typeface="Cambria Math" panose="02040503050406030204" pitchFamily="18" charset="0"/>
-                            <a:ea typeface="Calibri" panose="020F0502020204030204" pitchFamily="34" charset="0"/>
-                            <a:cs typeface="Times New Roman" panose="02020603050405020304" pitchFamily="18" charset="0"/>
-                          </a:rPr>
-                          <m:t>)</m:t>
-                        </m:r>
-                      </m:oMath>
-                    </m:oMathPara>
-                  </a14:m>
-                  <a:endParaRPr lang="ru-RU">
-                    <a:effectLst/>
-                    <a:latin typeface="Calibri" panose="020F0502020204030204" pitchFamily="34" charset="0"/>
-                    <a:ea typeface="Calibri" panose="020F0502020204030204" pitchFamily="34" charset="0"/>
-                    <a:cs typeface="Times New Roman" panose="02020603050405020304" pitchFamily="18" charset="0"/>
-                  </a:endParaRPr>
-                </a:p>
-              </p:txBody>
-            </p:sp>
-          </mc:Choice>
-          <mc:Fallback xmlns="">
-            <p:sp>
-              <p:nvSpPr>
-                <p:cNvPr id="43" name="Надпись 173">
-                  <a:extLst>
-                    <a:ext uri="{FF2B5EF4-FFF2-40B4-BE49-F238E27FC236}">
-                      <a16:creationId xmlns:a16="http://schemas.microsoft.com/office/drawing/2014/main" id="{304078DA-4AED-4F2F-AEFE-50464DC5DD61}"/>
-                    </a:ext>
-                  </a:extLst>
-                </p:cNvPr>
-                <p:cNvSpPr txBox="1">
-                  <a:spLocks noRot="1" noChangeAspect="1" noMove="1" noResize="1" noEditPoints="1" noAdjustHandles="1" noChangeArrowheads="1" noChangeShapeType="1" noTextEdit="1"/>
-                </p:cNvSpPr>
-                <p:nvPr/>
-              </p:nvSpPr>
-              <p:spPr>
-                <a:xfrm rot="1039367">
-                  <a:off x="1190625" y="1285875"/>
-                  <a:ext cx="676275" cy="314325"/>
-                </a:xfrm>
-                <a:prstGeom prst="rect">
-                  <a:avLst/>
-                </a:prstGeom>
-                <a:blipFill>
-                  <a:blip r:embed="rId3"/>
-                  <a:stretch>
-                    <a:fillRect/>
-                  </a:stretch>
-                </a:blipFill>
-                <a:ln w="6350">
-                  <a:noFill/>
-                </a:ln>
-              </p:spPr>
-              <p:txBody>
-                <a:bodyPr/>
-                <a:lstStyle/>
-                <a:p>
-                  <a:r>
-                    <a:rPr lang="ru-RU">
-                      <a:noFill/>
-                    </a:rPr>
-                    <a:t> </a:t>
-                  </a:r>
-                </a:p>
-              </p:txBody>
-            </p:sp>
-          </mc:Fallback>
-        </mc:AlternateContent>
-      </p:grpSp>
-      <mc:AlternateContent xmlns:mc="http://schemas.openxmlformats.org/markup-compatibility/2006">
-        <mc:Choice xmlns:a14="http://schemas.microsoft.com/office/drawing/2010/main" Requires="a14">
+      <mc:AlternateContent xmlns:mc="http://schemas.openxmlformats.org/markup-compatibility/2006" xmlns:a14="http://schemas.microsoft.com/office/drawing/2010/main">
+        <mc:Choice Requires="a14">
           <p:sp>
             <p:nvSpPr>
               <p:cNvPr id="4" name="TextBox 3">
@@ -17052,7 +15432,7 @@
             </p:txBody>
           </p:sp>
         </mc:Choice>
-        <mc:Fallback>
+        <mc:Fallback xmlns="">
           <p:sp>
             <p:nvSpPr>
               <p:cNvPr id="4" name="TextBox 3">
@@ -17097,6 +15477,1628 @@
           </p:sp>
         </mc:Fallback>
       </mc:AlternateContent>
+      <p:grpSp>
+        <p:nvGrpSpPr>
+          <p:cNvPr id="22" name="Группа 21">
+            <a:extLst>
+              <a:ext uri="{FF2B5EF4-FFF2-40B4-BE49-F238E27FC236}">
+                <a16:creationId xmlns:a16="http://schemas.microsoft.com/office/drawing/2014/main" id="{36140855-86C0-4866-9317-242F9EEA4DE7}"/>
+              </a:ext>
+            </a:extLst>
+          </p:cNvPr>
+          <p:cNvGrpSpPr/>
+          <p:nvPr/>
+        </p:nvGrpSpPr>
+        <p:grpSpPr>
+          <a:xfrm>
+            <a:off x="3492000" y="3809442"/>
+            <a:ext cx="5644412" cy="3048558"/>
+            <a:chOff x="0" y="0"/>
+            <a:chExt cx="3562350" cy="1924032"/>
+          </a:xfrm>
+        </p:grpSpPr>
+        <p:sp>
+          <p:nvSpPr>
+            <p:cNvPr id="23" name="Полилиния: фигура 22">
+              <a:extLst>
+                <a:ext uri="{FF2B5EF4-FFF2-40B4-BE49-F238E27FC236}">
+                  <a16:creationId xmlns:a16="http://schemas.microsoft.com/office/drawing/2014/main" id="{D429F5AF-5EAD-4382-A3F2-EA86F2C0D841}"/>
+                </a:ext>
+              </a:extLst>
+            </p:cNvPr>
+            <p:cNvSpPr/>
+            <p:nvPr/>
+          </p:nvSpPr>
+          <p:spPr>
+            <a:xfrm>
+              <a:off x="600075" y="76200"/>
+              <a:ext cx="638175" cy="1638300"/>
+            </a:xfrm>
+            <a:custGeom>
+              <a:avLst/>
+              <a:gdLst>
+                <a:gd name="connsiteX0" fmla="*/ 0 w 638175"/>
+                <a:gd name="connsiteY0" fmla="*/ 0 h 1638300"/>
+                <a:gd name="connsiteX1" fmla="*/ 638175 w 638175"/>
+                <a:gd name="connsiteY1" fmla="*/ 876300 h 1638300"/>
+                <a:gd name="connsiteX2" fmla="*/ 266700 w 638175"/>
+                <a:gd name="connsiteY2" fmla="*/ 1638300 h 1638300"/>
+              </a:gdLst>
+              <a:ahLst/>
+              <a:cxnLst>
+                <a:cxn ang="0">
+                  <a:pos x="connsiteX0" y="connsiteY0"/>
+                </a:cxn>
+                <a:cxn ang="0">
+                  <a:pos x="connsiteX1" y="connsiteY1"/>
+                </a:cxn>
+                <a:cxn ang="0">
+                  <a:pos x="connsiteX2" y="connsiteY2"/>
+                </a:cxn>
+              </a:cxnLst>
+              <a:rect l="l" t="t" r="r" b="b"/>
+              <a:pathLst>
+                <a:path w="638175" h="1638300">
+                  <a:moveTo>
+                    <a:pt x="0" y="0"/>
+                  </a:moveTo>
+                  <a:lnTo>
+                    <a:pt x="638175" y="876300"/>
+                  </a:lnTo>
+                  <a:lnTo>
+                    <a:pt x="266700" y="1638300"/>
+                  </a:lnTo>
+                </a:path>
+              </a:pathLst>
+            </a:custGeom>
+            <a:noFill/>
+            <a:ln w="28575">
+              <a:solidFill>
+                <a:srgbClr val="7030A0"/>
+              </a:solidFill>
+            </a:ln>
+          </p:spPr>
+          <p:style>
+            <a:lnRef idx="2">
+              <a:schemeClr val="accent1">
+                <a:shade val="50000"/>
+              </a:schemeClr>
+            </a:lnRef>
+            <a:fillRef idx="1">
+              <a:schemeClr val="accent1"/>
+            </a:fillRef>
+            <a:effectRef idx="0">
+              <a:schemeClr val="accent1"/>
+            </a:effectRef>
+            <a:fontRef idx="minor">
+              <a:schemeClr val="lt1"/>
+            </a:fontRef>
+          </p:style>
+          <p:txBody>
+            <a:bodyPr rot="0" spcFirstLastPara="0" vert="horz" wrap="square" lIns="91440" tIns="45720" rIns="91440" bIns="45720" numCol="1" spcCol="0" rtlCol="0" fromWordArt="0" anchor="ctr" anchorCtr="0" forceAA="0" compatLnSpc="1">
+              <a:prstTxWarp prst="textNoShape">
+                <a:avLst/>
+              </a:prstTxWarp>
+              <a:noAutofit/>
+            </a:bodyPr>
+            <a:lstStyle/>
+            <a:p>
+              <a:endParaRPr lang="ru-RU"/>
+            </a:p>
+          </p:txBody>
+        </p:sp>
+        <p:sp>
+          <p:nvSpPr>
+            <p:cNvPr id="24" name="Полилиния: фигура 23">
+              <a:extLst>
+                <a:ext uri="{FF2B5EF4-FFF2-40B4-BE49-F238E27FC236}">
+                  <a16:creationId xmlns:a16="http://schemas.microsoft.com/office/drawing/2014/main" id="{EFFB8138-D8F8-4299-9DB0-E86DB926D1A4}"/>
+                </a:ext>
+              </a:extLst>
+            </p:cNvPr>
+            <p:cNvSpPr/>
+            <p:nvPr/>
+          </p:nvSpPr>
+          <p:spPr>
+            <a:xfrm>
+              <a:off x="1971675" y="0"/>
+              <a:ext cx="152400" cy="1743075"/>
+            </a:xfrm>
+            <a:custGeom>
+              <a:avLst/>
+              <a:gdLst>
+                <a:gd name="connsiteX0" fmla="*/ 0 w 638175"/>
+                <a:gd name="connsiteY0" fmla="*/ 0 h 1638300"/>
+                <a:gd name="connsiteX1" fmla="*/ 638175 w 638175"/>
+                <a:gd name="connsiteY1" fmla="*/ 876300 h 1638300"/>
+                <a:gd name="connsiteX2" fmla="*/ 266700 w 638175"/>
+                <a:gd name="connsiteY2" fmla="*/ 1638300 h 1638300"/>
+                <a:gd name="connsiteX0" fmla="*/ 371475 w 371475"/>
+                <a:gd name="connsiteY0" fmla="*/ 0 h 762000"/>
+                <a:gd name="connsiteX1" fmla="*/ 0 w 371475"/>
+                <a:gd name="connsiteY1" fmla="*/ 762000 h 762000"/>
+                <a:gd name="connsiteX0" fmla="*/ 152400 w 152400"/>
+                <a:gd name="connsiteY0" fmla="*/ 0 h 1743075"/>
+                <a:gd name="connsiteX1" fmla="*/ 0 w 152400"/>
+                <a:gd name="connsiteY1" fmla="*/ 1743075 h 1743075"/>
+              </a:gdLst>
+              <a:ahLst/>
+              <a:cxnLst>
+                <a:cxn ang="0">
+                  <a:pos x="connsiteX0" y="connsiteY0"/>
+                </a:cxn>
+                <a:cxn ang="0">
+                  <a:pos x="connsiteX1" y="connsiteY1"/>
+                </a:cxn>
+              </a:cxnLst>
+              <a:rect l="l" t="t" r="r" b="b"/>
+              <a:pathLst>
+                <a:path w="152400" h="1743075">
+                  <a:moveTo>
+                    <a:pt x="152400" y="0"/>
+                  </a:moveTo>
+                  <a:lnTo>
+                    <a:pt x="0" y="1743075"/>
+                  </a:lnTo>
+                </a:path>
+              </a:pathLst>
+            </a:custGeom>
+            <a:noFill/>
+            <a:ln w="28575">
+              <a:solidFill>
+                <a:srgbClr val="7030A0"/>
+              </a:solidFill>
+            </a:ln>
+          </p:spPr>
+          <p:style>
+            <a:lnRef idx="2">
+              <a:schemeClr val="accent1">
+                <a:shade val="50000"/>
+              </a:schemeClr>
+            </a:lnRef>
+            <a:fillRef idx="1">
+              <a:schemeClr val="accent1"/>
+            </a:fillRef>
+            <a:effectRef idx="0">
+              <a:schemeClr val="accent1"/>
+            </a:effectRef>
+            <a:fontRef idx="minor">
+              <a:schemeClr val="lt1"/>
+            </a:fontRef>
+          </p:style>
+          <p:txBody>
+            <a:bodyPr rot="0" spcFirstLastPara="0" vert="horz" wrap="square" lIns="91440" tIns="45720" rIns="91440" bIns="45720" numCol="1" spcCol="0" rtlCol="0" fromWordArt="0" anchor="ctr" anchorCtr="0" forceAA="0" compatLnSpc="1">
+              <a:prstTxWarp prst="textNoShape">
+                <a:avLst/>
+              </a:prstTxWarp>
+              <a:noAutofit/>
+            </a:bodyPr>
+            <a:lstStyle/>
+            <a:p>
+              <a:endParaRPr lang="ru-RU"/>
+            </a:p>
+          </p:txBody>
+        </p:sp>
+        <p:sp>
+          <p:nvSpPr>
+            <p:cNvPr id="25" name="Полилиния: фигура 24">
+              <a:extLst>
+                <a:ext uri="{FF2B5EF4-FFF2-40B4-BE49-F238E27FC236}">
+                  <a16:creationId xmlns:a16="http://schemas.microsoft.com/office/drawing/2014/main" id="{67BED01C-37B6-4BED-B547-D437711CD613}"/>
+                </a:ext>
+              </a:extLst>
+            </p:cNvPr>
+            <p:cNvSpPr/>
+            <p:nvPr/>
+          </p:nvSpPr>
+          <p:spPr>
+            <a:xfrm flipH="1">
+              <a:off x="0" y="419100"/>
+              <a:ext cx="247650" cy="1104900"/>
+            </a:xfrm>
+            <a:custGeom>
+              <a:avLst/>
+              <a:gdLst>
+                <a:gd name="connsiteX0" fmla="*/ 0 w 638175"/>
+                <a:gd name="connsiteY0" fmla="*/ 0 h 1638300"/>
+                <a:gd name="connsiteX1" fmla="*/ 638175 w 638175"/>
+                <a:gd name="connsiteY1" fmla="*/ 876300 h 1638300"/>
+                <a:gd name="connsiteX2" fmla="*/ 266700 w 638175"/>
+                <a:gd name="connsiteY2" fmla="*/ 1638300 h 1638300"/>
+                <a:gd name="connsiteX0" fmla="*/ 371475 w 371475"/>
+                <a:gd name="connsiteY0" fmla="*/ 0 h 762000"/>
+                <a:gd name="connsiteX1" fmla="*/ 0 w 371475"/>
+                <a:gd name="connsiteY1" fmla="*/ 762000 h 762000"/>
+                <a:gd name="connsiteX0" fmla="*/ 152400 w 152400"/>
+                <a:gd name="connsiteY0" fmla="*/ 0 h 1743075"/>
+                <a:gd name="connsiteX1" fmla="*/ 0 w 152400"/>
+                <a:gd name="connsiteY1" fmla="*/ 1743075 h 1743075"/>
+              </a:gdLst>
+              <a:ahLst/>
+              <a:cxnLst>
+                <a:cxn ang="0">
+                  <a:pos x="connsiteX0" y="connsiteY0"/>
+                </a:cxn>
+                <a:cxn ang="0">
+                  <a:pos x="connsiteX1" y="connsiteY1"/>
+                </a:cxn>
+              </a:cxnLst>
+              <a:rect l="l" t="t" r="r" b="b"/>
+              <a:pathLst>
+                <a:path w="152400" h="1743075">
+                  <a:moveTo>
+                    <a:pt x="152400" y="0"/>
+                  </a:moveTo>
+                  <a:lnTo>
+                    <a:pt x="0" y="1743075"/>
+                  </a:lnTo>
+                </a:path>
+              </a:pathLst>
+            </a:custGeom>
+            <a:noFill/>
+            <a:ln w="28575">
+              <a:solidFill>
+                <a:srgbClr val="7030A0"/>
+              </a:solidFill>
+            </a:ln>
+          </p:spPr>
+          <p:style>
+            <a:lnRef idx="2">
+              <a:schemeClr val="accent1">
+                <a:shade val="50000"/>
+              </a:schemeClr>
+            </a:lnRef>
+            <a:fillRef idx="1">
+              <a:schemeClr val="accent1"/>
+            </a:fillRef>
+            <a:effectRef idx="0">
+              <a:schemeClr val="accent1"/>
+            </a:effectRef>
+            <a:fontRef idx="minor">
+              <a:schemeClr val="lt1"/>
+            </a:fontRef>
+          </p:style>
+          <p:txBody>
+            <a:bodyPr rot="0" spcFirstLastPara="0" vert="horz" wrap="square" lIns="91440" tIns="45720" rIns="91440" bIns="45720" numCol="1" spcCol="0" rtlCol="0" fromWordArt="0" anchor="ctr" anchorCtr="0" forceAA="0" compatLnSpc="1">
+              <a:prstTxWarp prst="textNoShape">
+                <a:avLst/>
+              </a:prstTxWarp>
+              <a:noAutofit/>
+            </a:bodyPr>
+            <a:lstStyle/>
+            <a:p>
+              <a:endParaRPr lang="ru-RU"/>
+            </a:p>
+          </p:txBody>
+        </p:sp>
+        <p:sp>
+          <p:nvSpPr>
+            <p:cNvPr id="26" name="Полилиния: фигура 25">
+              <a:extLst>
+                <a:ext uri="{FF2B5EF4-FFF2-40B4-BE49-F238E27FC236}">
+                  <a16:creationId xmlns:a16="http://schemas.microsoft.com/office/drawing/2014/main" id="{6ABEDC7B-B1F5-4BD5-9408-171EDF463B40}"/>
+                </a:ext>
+              </a:extLst>
+            </p:cNvPr>
+            <p:cNvSpPr/>
+            <p:nvPr/>
+          </p:nvSpPr>
+          <p:spPr>
+            <a:xfrm>
+              <a:off x="2905125" y="228600"/>
+              <a:ext cx="390525" cy="1257300"/>
+            </a:xfrm>
+            <a:custGeom>
+              <a:avLst/>
+              <a:gdLst>
+                <a:gd name="connsiteX0" fmla="*/ 0 w 638175"/>
+                <a:gd name="connsiteY0" fmla="*/ 0 h 1638300"/>
+                <a:gd name="connsiteX1" fmla="*/ 638175 w 638175"/>
+                <a:gd name="connsiteY1" fmla="*/ 876300 h 1638300"/>
+                <a:gd name="connsiteX2" fmla="*/ 266700 w 638175"/>
+                <a:gd name="connsiteY2" fmla="*/ 1638300 h 1638300"/>
+                <a:gd name="connsiteX0" fmla="*/ 590550 w 590550"/>
+                <a:gd name="connsiteY0" fmla="*/ 0 h 1428750"/>
+                <a:gd name="connsiteX1" fmla="*/ 371475 w 590550"/>
+                <a:gd name="connsiteY1" fmla="*/ 666750 h 1428750"/>
+                <a:gd name="connsiteX2" fmla="*/ 0 w 590550"/>
+                <a:gd name="connsiteY2" fmla="*/ 1428750 h 1428750"/>
+                <a:gd name="connsiteX0" fmla="*/ 219075 w 390525"/>
+                <a:gd name="connsiteY0" fmla="*/ 0 h 1257300"/>
+                <a:gd name="connsiteX1" fmla="*/ 0 w 390525"/>
+                <a:gd name="connsiteY1" fmla="*/ 666750 h 1257300"/>
+                <a:gd name="connsiteX2" fmla="*/ 390525 w 390525"/>
+                <a:gd name="connsiteY2" fmla="*/ 1257300 h 1257300"/>
+              </a:gdLst>
+              <a:ahLst/>
+              <a:cxnLst>
+                <a:cxn ang="0">
+                  <a:pos x="connsiteX0" y="connsiteY0"/>
+                </a:cxn>
+                <a:cxn ang="0">
+                  <a:pos x="connsiteX1" y="connsiteY1"/>
+                </a:cxn>
+                <a:cxn ang="0">
+                  <a:pos x="connsiteX2" y="connsiteY2"/>
+                </a:cxn>
+              </a:cxnLst>
+              <a:rect l="l" t="t" r="r" b="b"/>
+              <a:pathLst>
+                <a:path w="390525" h="1257300">
+                  <a:moveTo>
+                    <a:pt x="219075" y="0"/>
+                  </a:moveTo>
+                  <a:lnTo>
+                    <a:pt x="0" y="666750"/>
+                  </a:lnTo>
+                  <a:lnTo>
+                    <a:pt x="390525" y="1257300"/>
+                  </a:lnTo>
+                </a:path>
+              </a:pathLst>
+            </a:custGeom>
+            <a:noFill/>
+            <a:ln w="28575">
+              <a:solidFill>
+                <a:srgbClr val="7030A0"/>
+              </a:solidFill>
+            </a:ln>
+          </p:spPr>
+          <p:style>
+            <a:lnRef idx="2">
+              <a:schemeClr val="accent1">
+                <a:shade val="50000"/>
+              </a:schemeClr>
+            </a:lnRef>
+            <a:fillRef idx="1">
+              <a:schemeClr val="accent1"/>
+            </a:fillRef>
+            <a:effectRef idx="0">
+              <a:schemeClr val="accent1"/>
+            </a:effectRef>
+            <a:fontRef idx="minor">
+              <a:schemeClr val="lt1"/>
+            </a:fontRef>
+          </p:style>
+          <p:txBody>
+            <a:bodyPr rot="0" spcFirstLastPara="0" vert="horz" wrap="square" lIns="91440" tIns="45720" rIns="91440" bIns="45720" numCol="1" spcCol="0" rtlCol="0" fromWordArt="0" anchor="ctr" anchorCtr="0" forceAA="0" compatLnSpc="1">
+              <a:prstTxWarp prst="textNoShape">
+                <a:avLst/>
+              </a:prstTxWarp>
+              <a:noAutofit/>
+            </a:bodyPr>
+            <a:lstStyle/>
+            <a:p>
+              <a:endParaRPr lang="ru-RU"/>
+            </a:p>
+          </p:txBody>
+        </p:sp>
+        <p:cxnSp>
+          <p:nvCxnSpPr>
+            <p:cNvPr id="27" name="Прямая соединительная линия 26">
+              <a:extLst>
+                <a:ext uri="{FF2B5EF4-FFF2-40B4-BE49-F238E27FC236}">
+                  <a16:creationId xmlns:a16="http://schemas.microsoft.com/office/drawing/2014/main" id="{91D69142-F684-4021-BD42-06164439D79B}"/>
+                </a:ext>
+              </a:extLst>
+            </p:cNvPr>
+            <p:cNvCxnSpPr/>
+            <p:nvPr/>
+          </p:nvCxnSpPr>
+          <p:spPr>
+            <a:xfrm flipV="1">
+              <a:off x="180975" y="962025"/>
+              <a:ext cx="1047750" cy="238125"/>
+            </a:xfrm>
+            <a:prstGeom prst="line">
+              <a:avLst/>
+            </a:prstGeom>
+            <a:ln w="12700">
+              <a:solidFill>
+                <a:schemeClr val="tx1"/>
+              </a:solidFill>
+              <a:headEnd type="oval" w="med" len="med"/>
+              <a:tailEnd type="triangle" w="med" len="med"/>
+            </a:ln>
+          </p:spPr>
+          <p:style>
+            <a:lnRef idx="1">
+              <a:schemeClr val="accent1"/>
+            </a:lnRef>
+            <a:fillRef idx="0">
+              <a:schemeClr val="accent1"/>
+            </a:fillRef>
+            <a:effectRef idx="0">
+              <a:schemeClr val="accent1"/>
+            </a:effectRef>
+            <a:fontRef idx="minor">
+              <a:schemeClr val="tx1"/>
+            </a:fontRef>
+          </p:style>
+        </p:cxnSp>
+        <p:cxnSp>
+          <p:nvCxnSpPr>
+            <p:cNvPr id="28" name="Прямая соединительная линия 27">
+              <a:extLst>
+                <a:ext uri="{FF2B5EF4-FFF2-40B4-BE49-F238E27FC236}">
+                  <a16:creationId xmlns:a16="http://schemas.microsoft.com/office/drawing/2014/main" id="{89F69F85-0E2E-4E10-92CA-5446ACF35C5E}"/>
+                </a:ext>
+              </a:extLst>
+            </p:cNvPr>
+            <p:cNvCxnSpPr/>
+            <p:nvPr/>
+          </p:nvCxnSpPr>
+          <p:spPr>
+            <a:xfrm flipV="1">
+              <a:off x="1228725" y="904875"/>
+              <a:ext cx="819150" cy="57150"/>
+            </a:xfrm>
+            <a:prstGeom prst="line">
+              <a:avLst/>
+            </a:prstGeom>
+            <a:ln w="12700">
+              <a:solidFill>
+                <a:schemeClr val="tx1"/>
+              </a:solidFill>
+              <a:headEnd type="oval" w="med" len="med"/>
+              <a:tailEnd type="triangle" w="med" len="med"/>
+            </a:ln>
+          </p:spPr>
+          <p:style>
+            <a:lnRef idx="1">
+              <a:schemeClr val="accent1"/>
+            </a:lnRef>
+            <a:fillRef idx="0">
+              <a:schemeClr val="accent1"/>
+            </a:fillRef>
+            <a:effectRef idx="0">
+              <a:schemeClr val="accent1"/>
+            </a:effectRef>
+            <a:fontRef idx="minor">
+              <a:schemeClr val="tx1"/>
+            </a:fontRef>
+          </p:style>
+        </p:cxnSp>
+        <p:cxnSp>
+          <p:nvCxnSpPr>
+            <p:cNvPr id="29" name="Прямая соединительная линия 28">
+              <a:extLst>
+                <a:ext uri="{FF2B5EF4-FFF2-40B4-BE49-F238E27FC236}">
+                  <a16:creationId xmlns:a16="http://schemas.microsoft.com/office/drawing/2014/main" id="{31122ADC-872E-4B12-B0BA-2185E08DA59A}"/>
+                </a:ext>
+              </a:extLst>
+            </p:cNvPr>
+            <p:cNvCxnSpPr/>
+            <p:nvPr/>
+          </p:nvCxnSpPr>
+          <p:spPr>
+            <a:xfrm flipV="1">
+              <a:off x="2057400" y="895350"/>
+              <a:ext cx="866775" cy="19050"/>
+            </a:xfrm>
+            <a:prstGeom prst="line">
+              <a:avLst/>
+            </a:prstGeom>
+            <a:ln w="12700">
+              <a:solidFill>
+                <a:schemeClr val="tx1"/>
+              </a:solidFill>
+              <a:headEnd type="oval" w="med" len="med"/>
+              <a:tailEnd type="triangle" w="med" len="med"/>
+            </a:ln>
+          </p:spPr>
+          <p:style>
+            <a:lnRef idx="1">
+              <a:schemeClr val="accent1"/>
+            </a:lnRef>
+            <a:fillRef idx="0">
+              <a:schemeClr val="accent1"/>
+            </a:fillRef>
+            <a:effectRef idx="0">
+              <a:schemeClr val="accent1"/>
+            </a:effectRef>
+            <a:fontRef idx="minor">
+              <a:schemeClr val="tx1"/>
+            </a:fontRef>
+          </p:style>
+        </p:cxnSp>
+        <p:sp>
+          <p:nvSpPr>
+            <p:cNvPr id="30" name="Надпись 145">
+              <a:extLst>
+                <a:ext uri="{FF2B5EF4-FFF2-40B4-BE49-F238E27FC236}">
+                  <a16:creationId xmlns:a16="http://schemas.microsoft.com/office/drawing/2014/main" id="{CD96B49D-0701-4220-9347-7C9935916542}"/>
+                </a:ext>
+              </a:extLst>
+            </p:cNvPr>
+            <p:cNvSpPr txBox="1"/>
+            <p:nvPr/>
+          </p:nvSpPr>
+          <p:spPr>
+            <a:xfrm>
+              <a:off x="1152525" y="628650"/>
+              <a:ext cx="381000" cy="314325"/>
+            </a:xfrm>
+            <a:prstGeom prst="rect">
+              <a:avLst/>
+            </a:prstGeom>
+            <a:noFill/>
+            <a:ln w="6350">
+              <a:noFill/>
+            </a:ln>
+          </p:spPr>
+          <p:txBody>
+            <a:bodyPr rot="0" spcFirstLastPara="0" vert="horz" wrap="square" lIns="91440" tIns="45720" rIns="91440" bIns="45720" numCol="1" spcCol="0" rtlCol="0" fromWordArt="0" anchor="t" anchorCtr="0" forceAA="0" compatLnSpc="1">
+              <a:prstTxWarp prst="textNoShape">
+                <a:avLst/>
+              </a:prstTxWarp>
+              <a:noAutofit/>
+            </a:bodyPr>
+            <a:lstStyle/>
+            <a:p>
+              <a:pPr>
+                <a:lnSpc>
+                  <a:spcPct val="107000"/>
+                </a:lnSpc>
+                <a:spcAft>
+                  <a:spcPts val="800"/>
+                </a:spcAft>
+              </a:pPr>
+              <a:r>
+                <a:rPr lang="en-US" dirty="0">
+                  <a:effectLst/>
+                  <a:latin typeface="Calibri" panose="020F0502020204030204" pitchFamily="34" charset="0"/>
+                  <a:ea typeface="Calibri" panose="020F0502020204030204" pitchFamily="34" charset="0"/>
+                  <a:cs typeface="Times New Roman" panose="02020603050405020304" pitchFamily="18" charset="0"/>
+                </a:rPr>
+                <a:t>M</a:t>
+              </a:r>
+              <a:r>
+                <a:rPr lang="en-US" baseline="-25000" dirty="0">
+                  <a:effectLst/>
+                  <a:latin typeface="Calibri" panose="020F0502020204030204" pitchFamily="34" charset="0"/>
+                  <a:ea typeface="Calibri" panose="020F0502020204030204" pitchFamily="34" charset="0"/>
+                  <a:cs typeface="Times New Roman" panose="02020603050405020304" pitchFamily="18" charset="0"/>
+                </a:rPr>
+                <a:t>i</a:t>
+              </a:r>
+              <a:endParaRPr lang="ru-RU" dirty="0">
+                <a:effectLst/>
+                <a:latin typeface="Calibri" panose="020F0502020204030204" pitchFamily="34" charset="0"/>
+                <a:ea typeface="Calibri" panose="020F0502020204030204" pitchFamily="34" charset="0"/>
+                <a:cs typeface="Times New Roman" panose="02020603050405020304" pitchFamily="18" charset="0"/>
+              </a:endParaRPr>
+            </a:p>
+          </p:txBody>
+        </p:sp>
+        <p:sp>
+          <p:nvSpPr>
+            <p:cNvPr id="31" name="Надпись 146">
+              <a:extLst>
+                <a:ext uri="{FF2B5EF4-FFF2-40B4-BE49-F238E27FC236}">
+                  <a16:creationId xmlns:a16="http://schemas.microsoft.com/office/drawing/2014/main" id="{A677DD9D-8B88-49FD-8A60-8734AA2EACCB}"/>
+                </a:ext>
+              </a:extLst>
+            </p:cNvPr>
+            <p:cNvSpPr txBox="1"/>
+            <p:nvPr/>
+          </p:nvSpPr>
+          <p:spPr>
+            <a:xfrm>
+              <a:off x="2095500" y="542925"/>
+              <a:ext cx="561975" cy="314325"/>
+            </a:xfrm>
+            <a:prstGeom prst="rect">
+              <a:avLst/>
+            </a:prstGeom>
+            <a:noFill/>
+            <a:ln w="6350">
+              <a:noFill/>
+            </a:ln>
+          </p:spPr>
+          <p:txBody>
+            <a:bodyPr rot="0" spcFirstLastPara="0" vert="horz" wrap="square" lIns="91440" tIns="45720" rIns="91440" bIns="45720" numCol="1" spcCol="0" rtlCol="0" fromWordArt="0" anchor="t" anchorCtr="0" forceAA="0" compatLnSpc="1">
+              <a:prstTxWarp prst="textNoShape">
+                <a:avLst/>
+              </a:prstTxWarp>
+              <a:noAutofit/>
+            </a:bodyPr>
+            <a:lstStyle/>
+            <a:p>
+              <a:pPr>
+                <a:lnSpc>
+                  <a:spcPct val="107000"/>
+                </a:lnSpc>
+                <a:spcAft>
+                  <a:spcPts val="800"/>
+                </a:spcAft>
+              </a:pPr>
+              <a:r>
+                <a:rPr lang="en-US" dirty="0">
+                  <a:effectLst/>
+                  <a:latin typeface="Calibri" panose="020F0502020204030204" pitchFamily="34" charset="0"/>
+                  <a:ea typeface="Calibri" panose="020F0502020204030204" pitchFamily="34" charset="0"/>
+                  <a:cs typeface="Times New Roman" panose="02020603050405020304" pitchFamily="18" charset="0"/>
+                </a:rPr>
+                <a:t>M</a:t>
+              </a:r>
+              <a:r>
+                <a:rPr lang="en-US" baseline="-25000" dirty="0">
+                  <a:effectLst/>
+                  <a:latin typeface="Calibri" panose="020F0502020204030204" pitchFamily="34" charset="0"/>
+                  <a:ea typeface="Calibri" panose="020F0502020204030204" pitchFamily="34" charset="0"/>
+                  <a:cs typeface="Times New Roman" panose="02020603050405020304" pitchFamily="18" charset="0"/>
+                </a:rPr>
+                <a:t>i+1</a:t>
+              </a:r>
+              <a:endParaRPr lang="ru-RU" dirty="0">
+                <a:effectLst/>
+                <a:latin typeface="Calibri" panose="020F0502020204030204" pitchFamily="34" charset="0"/>
+                <a:ea typeface="Calibri" panose="020F0502020204030204" pitchFamily="34" charset="0"/>
+                <a:cs typeface="Times New Roman" panose="02020603050405020304" pitchFamily="18" charset="0"/>
+              </a:endParaRPr>
+            </a:p>
+          </p:txBody>
+        </p:sp>
+        <p:sp>
+          <p:nvSpPr>
+            <p:cNvPr id="32" name="Надпись 147">
+              <a:extLst>
+                <a:ext uri="{FF2B5EF4-FFF2-40B4-BE49-F238E27FC236}">
+                  <a16:creationId xmlns:a16="http://schemas.microsoft.com/office/drawing/2014/main" id="{F33B01D9-F7F4-4A69-BC95-1853410A6A5D}"/>
+                </a:ext>
+              </a:extLst>
+            </p:cNvPr>
+            <p:cNvSpPr txBox="1"/>
+            <p:nvPr/>
+          </p:nvSpPr>
+          <p:spPr>
+            <a:xfrm>
+              <a:off x="3000375" y="733425"/>
+              <a:ext cx="561975" cy="314325"/>
+            </a:xfrm>
+            <a:prstGeom prst="rect">
+              <a:avLst/>
+            </a:prstGeom>
+            <a:noFill/>
+            <a:ln w="6350">
+              <a:noFill/>
+            </a:ln>
+          </p:spPr>
+          <p:txBody>
+            <a:bodyPr rot="0" spcFirstLastPara="0" vert="horz" wrap="square" lIns="91440" tIns="45720" rIns="91440" bIns="45720" numCol="1" spcCol="0" rtlCol="0" fromWordArt="0" anchor="t" anchorCtr="0" forceAA="0" compatLnSpc="1">
+              <a:prstTxWarp prst="textNoShape">
+                <a:avLst/>
+              </a:prstTxWarp>
+              <a:noAutofit/>
+            </a:bodyPr>
+            <a:lstStyle/>
+            <a:p>
+              <a:pPr>
+                <a:lnSpc>
+                  <a:spcPct val="107000"/>
+                </a:lnSpc>
+                <a:spcAft>
+                  <a:spcPts val="800"/>
+                </a:spcAft>
+              </a:pPr>
+              <a:r>
+                <a:rPr lang="en-US">
+                  <a:effectLst/>
+                  <a:latin typeface="Calibri" panose="020F0502020204030204" pitchFamily="34" charset="0"/>
+                  <a:ea typeface="Calibri" panose="020F0502020204030204" pitchFamily="34" charset="0"/>
+                  <a:cs typeface="Times New Roman" panose="02020603050405020304" pitchFamily="18" charset="0"/>
+                </a:rPr>
+                <a:t>M</a:t>
+              </a:r>
+              <a:r>
+                <a:rPr lang="en-US" baseline="-25000">
+                  <a:effectLst/>
+                  <a:latin typeface="Calibri" panose="020F0502020204030204" pitchFamily="34" charset="0"/>
+                  <a:ea typeface="Calibri" panose="020F0502020204030204" pitchFamily="34" charset="0"/>
+                  <a:cs typeface="Times New Roman" panose="02020603050405020304" pitchFamily="18" charset="0"/>
+                </a:rPr>
+                <a:t>i+2</a:t>
+              </a:r>
+              <a:endParaRPr lang="ru-RU">
+                <a:effectLst/>
+                <a:latin typeface="Calibri" panose="020F0502020204030204" pitchFamily="34" charset="0"/>
+                <a:ea typeface="Calibri" panose="020F0502020204030204" pitchFamily="34" charset="0"/>
+                <a:cs typeface="Times New Roman" panose="02020603050405020304" pitchFamily="18" charset="0"/>
+              </a:endParaRPr>
+            </a:p>
+          </p:txBody>
+        </p:sp>
+        <p:sp>
+          <p:nvSpPr>
+            <p:cNvPr id="33" name="Надпись 148">
+              <a:extLst>
+                <a:ext uri="{FF2B5EF4-FFF2-40B4-BE49-F238E27FC236}">
+                  <a16:creationId xmlns:a16="http://schemas.microsoft.com/office/drawing/2014/main" id="{0192C229-5EB1-4767-8D25-4143BD2DA524}"/>
+                </a:ext>
+              </a:extLst>
+            </p:cNvPr>
+            <p:cNvSpPr txBox="1"/>
+            <p:nvPr/>
+          </p:nvSpPr>
+          <p:spPr>
+            <a:xfrm>
+              <a:off x="95250" y="847725"/>
+              <a:ext cx="561975" cy="314325"/>
+            </a:xfrm>
+            <a:prstGeom prst="rect">
+              <a:avLst/>
+            </a:prstGeom>
+            <a:noFill/>
+            <a:ln w="6350">
+              <a:noFill/>
+            </a:ln>
+          </p:spPr>
+          <p:txBody>
+            <a:bodyPr rot="0" spcFirstLastPara="0" vert="horz" wrap="square" lIns="91440" tIns="45720" rIns="91440" bIns="45720" numCol="1" spcCol="0" rtlCol="0" fromWordArt="0" anchor="t" anchorCtr="0" forceAA="0" compatLnSpc="1">
+              <a:prstTxWarp prst="textNoShape">
+                <a:avLst/>
+              </a:prstTxWarp>
+              <a:noAutofit/>
+            </a:bodyPr>
+            <a:lstStyle/>
+            <a:p>
+              <a:pPr>
+                <a:lnSpc>
+                  <a:spcPct val="107000"/>
+                </a:lnSpc>
+                <a:spcAft>
+                  <a:spcPts val="800"/>
+                </a:spcAft>
+              </a:pPr>
+              <a:r>
+                <a:rPr lang="en-US" dirty="0">
+                  <a:effectLst/>
+                  <a:latin typeface="Calibri" panose="020F0502020204030204" pitchFamily="34" charset="0"/>
+                  <a:ea typeface="Calibri" panose="020F0502020204030204" pitchFamily="34" charset="0"/>
+                  <a:cs typeface="Times New Roman" panose="02020603050405020304" pitchFamily="18" charset="0"/>
+                </a:rPr>
+                <a:t>M</a:t>
+              </a:r>
+              <a:r>
+                <a:rPr lang="en-US" baseline="-25000" dirty="0">
+                  <a:effectLst/>
+                  <a:latin typeface="Calibri" panose="020F0502020204030204" pitchFamily="34" charset="0"/>
+                  <a:ea typeface="Calibri" panose="020F0502020204030204" pitchFamily="34" charset="0"/>
+                  <a:cs typeface="Times New Roman" panose="02020603050405020304" pitchFamily="18" charset="0"/>
+                </a:rPr>
+                <a:t>i-1</a:t>
+              </a:r>
+              <a:endParaRPr lang="ru-RU" dirty="0">
+                <a:effectLst/>
+                <a:latin typeface="Calibri" panose="020F0502020204030204" pitchFamily="34" charset="0"/>
+                <a:ea typeface="Calibri" panose="020F0502020204030204" pitchFamily="34" charset="0"/>
+                <a:cs typeface="Times New Roman" panose="02020603050405020304" pitchFamily="18" charset="0"/>
+              </a:endParaRPr>
+            </a:p>
+          </p:txBody>
+        </p:sp>
+        <p:sp>
+          <p:nvSpPr>
+            <p:cNvPr id="34" name="Овал 33">
+              <a:extLst>
+                <a:ext uri="{FF2B5EF4-FFF2-40B4-BE49-F238E27FC236}">
+                  <a16:creationId xmlns:a16="http://schemas.microsoft.com/office/drawing/2014/main" id="{ADB9509D-63AF-49E4-9CD7-936B5B13F2D6}"/>
+                </a:ext>
+              </a:extLst>
+            </p:cNvPr>
+            <p:cNvSpPr/>
+            <p:nvPr/>
+          </p:nvSpPr>
+          <p:spPr>
+            <a:xfrm>
+              <a:off x="904875" y="1504950"/>
+              <a:ext cx="104775" cy="104775"/>
+            </a:xfrm>
+            <a:prstGeom prst="ellipse">
+              <a:avLst/>
+            </a:prstGeom>
+            <a:solidFill>
+              <a:schemeClr val="bg1"/>
+            </a:solidFill>
+            <a:ln w="9525">
+              <a:solidFill>
+                <a:schemeClr val="tx1"/>
+              </a:solidFill>
+            </a:ln>
+          </p:spPr>
+          <p:style>
+            <a:lnRef idx="2">
+              <a:schemeClr val="accent1">
+                <a:shade val="50000"/>
+              </a:schemeClr>
+            </a:lnRef>
+            <a:fillRef idx="1">
+              <a:schemeClr val="accent1"/>
+            </a:fillRef>
+            <a:effectRef idx="0">
+              <a:schemeClr val="accent1"/>
+            </a:effectRef>
+            <a:fontRef idx="minor">
+              <a:schemeClr val="lt1"/>
+            </a:fontRef>
+          </p:style>
+          <p:txBody>
+            <a:bodyPr rot="0" spcFirstLastPara="0" vert="horz" wrap="square" lIns="91440" tIns="45720" rIns="91440" bIns="45720" numCol="1" spcCol="0" rtlCol="0" fromWordArt="0" anchor="ctr" anchorCtr="0" forceAA="0" compatLnSpc="1">
+              <a:prstTxWarp prst="textNoShape">
+                <a:avLst/>
+              </a:prstTxWarp>
+              <a:noAutofit/>
+            </a:bodyPr>
+            <a:lstStyle/>
+            <a:p>
+              <a:endParaRPr lang="ru-RU"/>
+            </a:p>
+          </p:txBody>
+        </p:sp>
+        <p:sp>
+          <p:nvSpPr>
+            <p:cNvPr id="35" name="Овал 34">
+              <a:extLst>
+                <a:ext uri="{FF2B5EF4-FFF2-40B4-BE49-F238E27FC236}">
+                  <a16:creationId xmlns:a16="http://schemas.microsoft.com/office/drawing/2014/main" id="{091368CF-BCCE-416D-BFD8-C60EE384FE0E}"/>
+                </a:ext>
+              </a:extLst>
+            </p:cNvPr>
+            <p:cNvSpPr/>
+            <p:nvPr/>
+          </p:nvSpPr>
+          <p:spPr>
+            <a:xfrm>
+              <a:off x="1933575" y="1543050"/>
+              <a:ext cx="104775" cy="104775"/>
+            </a:xfrm>
+            <a:prstGeom prst="ellipse">
+              <a:avLst/>
+            </a:prstGeom>
+            <a:solidFill>
+              <a:schemeClr val="bg1"/>
+            </a:solidFill>
+            <a:ln w="9525">
+              <a:solidFill>
+                <a:schemeClr val="tx1"/>
+              </a:solidFill>
+            </a:ln>
+          </p:spPr>
+          <p:style>
+            <a:lnRef idx="2">
+              <a:schemeClr val="accent1">
+                <a:shade val="50000"/>
+              </a:schemeClr>
+            </a:lnRef>
+            <a:fillRef idx="1">
+              <a:schemeClr val="accent1"/>
+            </a:fillRef>
+            <a:effectRef idx="0">
+              <a:schemeClr val="accent1"/>
+            </a:effectRef>
+            <a:fontRef idx="minor">
+              <a:schemeClr val="lt1"/>
+            </a:fontRef>
+          </p:style>
+          <p:txBody>
+            <a:bodyPr rot="0" spcFirstLastPara="0" vert="horz" wrap="square" lIns="91440" tIns="45720" rIns="91440" bIns="45720" numCol="1" spcCol="0" rtlCol="0" fromWordArt="0" anchor="ctr" anchorCtr="0" forceAA="0" compatLnSpc="1">
+              <a:prstTxWarp prst="textNoShape">
+                <a:avLst/>
+              </a:prstTxWarp>
+              <a:noAutofit/>
+            </a:bodyPr>
+            <a:lstStyle/>
+            <a:p>
+              <a:endParaRPr lang="ru-RU"/>
+            </a:p>
+          </p:txBody>
+        </p:sp>
+        <p:sp>
+          <p:nvSpPr>
+            <p:cNvPr id="36" name="Надпись 151">
+              <a:extLst>
+                <a:ext uri="{FF2B5EF4-FFF2-40B4-BE49-F238E27FC236}">
+                  <a16:creationId xmlns:a16="http://schemas.microsoft.com/office/drawing/2014/main" id="{D9E30422-C457-4720-8622-34C79663BA17}"/>
+                </a:ext>
+              </a:extLst>
+            </p:cNvPr>
+            <p:cNvSpPr txBox="1"/>
+            <p:nvPr/>
+          </p:nvSpPr>
+          <p:spPr>
+            <a:xfrm>
+              <a:off x="886620" y="1590514"/>
+              <a:ext cx="381000" cy="314325"/>
+            </a:xfrm>
+            <a:prstGeom prst="rect">
+              <a:avLst/>
+            </a:prstGeom>
+            <a:noFill/>
+            <a:ln w="6350">
+              <a:noFill/>
+            </a:ln>
+          </p:spPr>
+          <p:txBody>
+            <a:bodyPr rot="0" spcFirstLastPara="0" vert="horz" wrap="square" lIns="91440" tIns="45720" rIns="91440" bIns="45720" numCol="1" spcCol="0" rtlCol="0" fromWordArt="0" anchor="t" anchorCtr="0" forceAA="0" compatLnSpc="1">
+              <a:prstTxWarp prst="textNoShape">
+                <a:avLst/>
+              </a:prstTxWarp>
+              <a:noAutofit/>
+            </a:bodyPr>
+            <a:lstStyle/>
+            <a:p>
+              <a:pPr>
+                <a:lnSpc>
+                  <a:spcPct val="107000"/>
+                </a:lnSpc>
+                <a:spcAft>
+                  <a:spcPts val="800"/>
+                </a:spcAft>
+              </a:pPr>
+              <a:r>
+                <a:rPr lang="en-US" dirty="0" err="1">
+                  <a:effectLst/>
+                  <a:latin typeface="Calibri" panose="020F0502020204030204" pitchFamily="34" charset="0"/>
+                  <a:ea typeface="Calibri" panose="020F0502020204030204" pitchFamily="34" charset="0"/>
+                  <a:cs typeface="Times New Roman" panose="02020603050405020304" pitchFamily="18" charset="0"/>
+                </a:rPr>
+                <a:t>M’</a:t>
+              </a:r>
+              <a:r>
+                <a:rPr lang="en-US" baseline="-25000" dirty="0" err="1">
+                  <a:effectLst/>
+                  <a:latin typeface="Calibri" panose="020F0502020204030204" pitchFamily="34" charset="0"/>
+                  <a:ea typeface="Calibri" panose="020F0502020204030204" pitchFamily="34" charset="0"/>
+                  <a:cs typeface="Times New Roman" panose="02020603050405020304" pitchFamily="18" charset="0"/>
+                </a:rPr>
+                <a:t>i</a:t>
+              </a:r>
+              <a:endParaRPr lang="ru-RU" dirty="0">
+                <a:effectLst/>
+                <a:latin typeface="Calibri" panose="020F0502020204030204" pitchFamily="34" charset="0"/>
+                <a:ea typeface="Calibri" panose="020F0502020204030204" pitchFamily="34" charset="0"/>
+                <a:cs typeface="Times New Roman" panose="02020603050405020304" pitchFamily="18" charset="0"/>
+              </a:endParaRPr>
+            </a:p>
+          </p:txBody>
+        </p:sp>
+        <p:sp>
+          <p:nvSpPr>
+            <p:cNvPr id="37" name="Надпись 152">
+              <a:extLst>
+                <a:ext uri="{FF2B5EF4-FFF2-40B4-BE49-F238E27FC236}">
+                  <a16:creationId xmlns:a16="http://schemas.microsoft.com/office/drawing/2014/main" id="{A4257674-78BE-4FE4-89FD-ADE88A523089}"/>
+                </a:ext>
+              </a:extLst>
+            </p:cNvPr>
+            <p:cNvSpPr txBox="1"/>
+            <p:nvPr/>
+          </p:nvSpPr>
+          <p:spPr>
+            <a:xfrm>
+              <a:off x="1942306" y="1609707"/>
+              <a:ext cx="561975" cy="314325"/>
+            </a:xfrm>
+            <a:prstGeom prst="rect">
+              <a:avLst/>
+            </a:prstGeom>
+            <a:noFill/>
+            <a:ln w="6350">
+              <a:noFill/>
+            </a:ln>
+          </p:spPr>
+          <p:txBody>
+            <a:bodyPr rot="0" spcFirstLastPara="0" vert="horz" wrap="square" lIns="91440" tIns="45720" rIns="91440" bIns="45720" numCol="1" spcCol="0" rtlCol="0" fromWordArt="0" anchor="t" anchorCtr="0" forceAA="0" compatLnSpc="1">
+              <a:prstTxWarp prst="textNoShape">
+                <a:avLst/>
+              </a:prstTxWarp>
+              <a:noAutofit/>
+            </a:bodyPr>
+            <a:lstStyle/>
+            <a:p>
+              <a:pPr>
+                <a:lnSpc>
+                  <a:spcPct val="107000"/>
+                </a:lnSpc>
+                <a:spcAft>
+                  <a:spcPts val="800"/>
+                </a:spcAft>
+              </a:pPr>
+              <a:r>
+                <a:rPr lang="en-US" dirty="0">
+                  <a:effectLst/>
+                  <a:latin typeface="Calibri" panose="020F0502020204030204" pitchFamily="34" charset="0"/>
+                  <a:ea typeface="Calibri" panose="020F0502020204030204" pitchFamily="34" charset="0"/>
+                  <a:cs typeface="Times New Roman" panose="02020603050405020304" pitchFamily="18" charset="0"/>
+                </a:rPr>
+                <a:t>M’</a:t>
+              </a:r>
+              <a:r>
+                <a:rPr lang="en-US" baseline="-25000" dirty="0">
+                  <a:effectLst/>
+                  <a:latin typeface="Calibri" panose="020F0502020204030204" pitchFamily="34" charset="0"/>
+                  <a:ea typeface="Calibri" panose="020F0502020204030204" pitchFamily="34" charset="0"/>
+                  <a:cs typeface="Times New Roman" panose="02020603050405020304" pitchFamily="18" charset="0"/>
+                </a:rPr>
+                <a:t>i+1</a:t>
+              </a:r>
+              <a:endParaRPr lang="ru-RU" dirty="0">
+                <a:effectLst/>
+                <a:latin typeface="Calibri" panose="020F0502020204030204" pitchFamily="34" charset="0"/>
+                <a:ea typeface="Calibri" panose="020F0502020204030204" pitchFamily="34" charset="0"/>
+                <a:cs typeface="Times New Roman" panose="02020603050405020304" pitchFamily="18" charset="0"/>
+              </a:endParaRPr>
+            </a:p>
+          </p:txBody>
+        </p:sp>
+        <p:sp>
+          <p:nvSpPr>
+            <p:cNvPr id="38" name="Полилиния: фигура 37">
+              <a:extLst>
+                <a:ext uri="{FF2B5EF4-FFF2-40B4-BE49-F238E27FC236}">
+                  <a16:creationId xmlns:a16="http://schemas.microsoft.com/office/drawing/2014/main" id="{E620C73A-F1B6-4A59-BB30-DBF44076CDA2}"/>
+                </a:ext>
+              </a:extLst>
+            </p:cNvPr>
+            <p:cNvSpPr/>
+            <p:nvPr/>
+          </p:nvSpPr>
+          <p:spPr>
+            <a:xfrm>
+              <a:off x="180975" y="895350"/>
+              <a:ext cx="2733675" cy="590550"/>
+            </a:xfrm>
+            <a:custGeom>
+              <a:avLst/>
+              <a:gdLst>
+                <a:gd name="connsiteX0" fmla="*/ 0 w 2733675"/>
+                <a:gd name="connsiteY0" fmla="*/ 304800 h 590550"/>
+                <a:gd name="connsiteX1" fmla="*/ 866775 w 2733675"/>
+                <a:gd name="connsiteY1" fmla="*/ 447675 h 590550"/>
+                <a:gd name="connsiteX2" fmla="*/ 1819275 w 2733675"/>
+                <a:gd name="connsiteY2" fmla="*/ 590550 h 590550"/>
+                <a:gd name="connsiteX3" fmla="*/ 2733675 w 2733675"/>
+                <a:gd name="connsiteY3" fmla="*/ 0 h 590550"/>
+                <a:gd name="connsiteX0" fmla="*/ 0 w 2733675"/>
+                <a:gd name="connsiteY0" fmla="*/ 304800 h 590550"/>
+                <a:gd name="connsiteX1" fmla="*/ 971550 w 2733675"/>
+                <a:gd name="connsiteY1" fmla="*/ 266700 h 590550"/>
+                <a:gd name="connsiteX2" fmla="*/ 1819275 w 2733675"/>
+                <a:gd name="connsiteY2" fmla="*/ 590550 h 590550"/>
+                <a:gd name="connsiteX3" fmla="*/ 2733675 w 2733675"/>
+                <a:gd name="connsiteY3" fmla="*/ 0 h 590550"/>
+              </a:gdLst>
+              <a:ahLst/>
+              <a:cxnLst>
+                <a:cxn ang="0">
+                  <a:pos x="connsiteX0" y="connsiteY0"/>
+                </a:cxn>
+                <a:cxn ang="0">
+                  <a:pos x="connsiteX1" y="connsiteY1"/>
+                </a:cxn>
+                <a:cxn ang="0">
+                  <a:pos x="connsiteX2" y="connsiteY2"/>
+                </a:cxn>
+                <a:cxn ang="0">
+                  <a:pos x="connsiteX3" y="connsiteY3"/>
+                </a:cxn>
+              </a:cxnLst>
+              <a:rect l="l" t="t" r="r" b="b"/>
+              <a:pathLst>
+                <a:path w="2733675" h="590550">
+                  <a:moveTo>
+                    <a:pt x="0" y="304800"/>
+                  </a:moveTo>
+                  <a:lnTo>
+                    <a:pt x="971550" y="266700"/>
+                  </a:lnTo>
+                  <a:lnTo>
+                    <a:pt x="1819275" y="590550"/>
+                  </a:lnTo>
+                  <a:lnTo>
+                    <a:pt x="2733675" y="0"/>
+                  </a:lnTo>
+                </a:path>
+              </a:pathLst>
+            </a:custGeom>
+            <a:noFill/>
+            <a:ln w="19050">
+              <a:solidFill>
+                <a:srgbClr val="FF0000"/>
+              </a:solidFill>
+              <a:prstDash val="dash"/>
+            </a:ln>
+          </p:spPr>
+          <p:style>
+            <a:lnRef idx="2">
+              <a:schemeClr val="accent1">
+                <a:shade val="50000"/>
+              </a:schemeClr>
+            </a:lnRef>
+            <a:fillRef idx="1">
+              <a:schemeClr val="accent1"/>
+            </a:fillRef>
+            <a:effectRef idx="0">
+              <a:schemeClr val="accent1"/>
+            </a:effectRef>
+            <a:fontRef idx="minor">
+              <a:schemeClr val="lt1"/>
+            </a:fontRef>
+          </p:style>
+          <p:txBody>
+            <a:bodyPr rot="0" spcFirstLastPara="0" vert="horz" wrap="square" lIns="91440" tIns="45720" rIns="91440" bIns="45720" numCol="1" spcCol="0" rtlCol="0" fromWordArt="0" anchor="ctr" anchorCtr="0" forceAA="0" compatLnSpc="1">
+              <a:prstTxWarp prst="textNoShape">
+                <a:avLst/>
+              </a:prstTxWarp>
+              <a:noAutofit/>
+            </a:bodyPr>
+            <a:lstStyle/>
+            <a:p>
+              <a:endParaRPr lang="ru-RU"/>
+            </a:p>
+          </p:txBody>
+        </p:sp>
+        <p:sp>
+          <p:nvSpPr>
+            <p:cNvPr id="39" name="Надпись 169">
+              <a:extLst>
+                <a:ext uri="{FF2B5EF4-FFF2-40B4-BE49-F238E27FC236}">
+                  <a16:creationId xmlns:a16="http://schemas.microsoft.com/office/drawing/2014/main" id="{4E8D5AAF-C615-4346-80ED-4B934B4634BF}"/>
+                </a:ext>
+              </a:extLst>
+            </p:cNvPr>
+            <p:cNvSpPr txBox="1"/>
+            <p:nvPr/>
+          </p:nvSpPr>
+          <p:spPr>
+            <a:xfrm>
+              <a:off x="1152525" y="981075"/>
+              <a:ext cx="619125" cy="314325"/>
+            </a:xfrm>
+            <a:prstGeom prst="rect">
+              <a:avLst/>
+            </a:prstGeom>
+            <a:noFill/>
+            <a:ln w="6350">
+              <a:noFill/>
+            </a:ln>
+          </p:spPr>
+          <p:txBody>
+            <a:bodyPr rot="0" spcFirstLastPara="0" vert="horz" wrap="square" lIns="91440" tIns="45720" rIns="91440" bIns="45720" numCol="1" spcCol="0" rtlCol="0" fromWordArt="0" anchor="t" anchorCtr="0" forceAA="0" compatLnSpc="1">
+              <a:prstTxWarp prst="textNoShape">
+                <a:avLst/>
+              </a:prstTxWarp>
+              <a:noAutofit/>
+            </a:bodyPr>
+            <a:lstStyle/>
+            <a:p>
+              <a:pPr>
+                <a:lnSpc>
+                  <a:spcPct val="107000"/>
+                </a:lnSpc>
+                <a:spcAft>
+                  <a:spcPts val="800"/>
+                </a:spcAft>
+              </a:pPr>
+              <a:r>
+                <a:rPr lang="en-US">
+                  <a:effectLst/>
+                  <a:latin typeface="Calibri" panose="020F0502020204030204" pitchFamily="34" charset="0"/>
+                  <a:ea typeface="Calibri" panose="020F0502020204030204" pitchFamily="34" charset="0"/>
+                  <a:cs typeface="Times New Roman" panose="02020603050405020304" pitchFamily="18" charset="0"/>
+                </a:rPr>
+                <a:t>M</a:t>
+              </a:r>
+              <a:r>
+                <a:rPr lang="en-US" baseline="-25000">
+                  <a:effectLst/>
+                  <a:latin typeface="Calibri" panose="020F0502020204030204" pitchFamily="34" charset="0"/>
+                  <a:ea typeface="Calibri" panose="020F0502020204030204" pitchFamily="34" charset="0"/>
+                  <a:cs typeface="Times New Roman" panose="02020603050405020304" pitchFamily="18" charset="0"/>
+                </a:rPr>
+                <a:t>i</a:t>
+              </a:r>
+              <a:r>
+                <a:rPr lang="en-US">
+                  <a:effectLst/>
+                  <a:latin typeface="Calibri" panose="020F0502020204030204" pitchFamily="34" charset="0"/>
+                  <a:ea typeface="Calibri" panose="020F0502020204030204" pitchFamily="34" charset="0"/>
+                  <a:cs typeface="Times New Roman" panose="02020603050405020304" pitchFamily="18" charset="0"/>
+                </a:rPr>
+                <a:t>(s)</a:t>
+              </a:r>
+              <a:endParaRPr lang="ru-RU">
+                <a:effectLst/>
+                <a:latin typeface="Calibri" panose="020F0502020204030204" pitchFamily="34" charset="0"/>
+                <a:ea typeface="Calibri" panose="020F0502020204030204" pitchFamily="34" charset="0"/>
+                <a:cs typeface="Times New Roman" panose="02020603050405020304" pitchFamily="18" charset="0"/>
+              </a:endParaRPr>
+            </a:p>
+          </p:txBody>
+        </p:sp>
+        <p:sp>
+          <p:nvSpPr>
+            <p:cNvPr id="40" name="Надпись 170">
+              <a:extLst>
+                <a:ext uri="{FF2B5EF4-FFF2-40B4-BE49-F238E27FC236}">
+                  <a16:creationId xmlns:a16="http://schemas.microsoft.com/office/drawing/2014/main" id="{E0CF7097-4750-471F-8830-E5A0E313A87F}"/>
+                </a:ext>
+              </a:extLst>
+            </p:cNvPr>
+            <p:cNvSpPr txBox="1"/>
+            <p:nvPr/>
+          </p:nvSpPr>
+          <p:spPr>
+            <a:xfrm>
+              <a:off x="1995531" y="1381090"/>
+              <a:ext cx="561975" cy="314325"/>
+            </a:xfrm>
+            <a:prstGeom prst="rect">
+              <a:avLst/>
+            </a:prstGeom>
+            <a:noFill/>
+            <a:ln w="6350">
+              <a:noFill/>
+            </a:ln>
+          </p:spPr>
+          <p:txBody>
+            <a:bodyPr rot="0" spcFirstLastPara="0" vert="horz" wrap="square" lIns="91440" tIns="45720" rIns="91440" bIns="45720" numCol="1" spcCol="0" rtlCol="0" fromWordArt="0" anchor="t" anchorCtr="0" forceAA="0" compatLnSpc="1">
+              <a:prstTxWarp prst="textNoShape">
+                <a:avLst/>
+              </a:prstTxWarp>
+              <a:noAutofit/>
+            </a:bodyPr>
+            <a:lstStyle/>
+            <a:p>
+              <a:pPr>
+                <a:lnSpc>
+                  <a:spcPct val="107000"/>
+                </a:lnSpc>
+                <a:spcAft>
+                  <a:spcPts val="800"/>
+                </a:spcAft>
+              </a:pPr>
+              <a:r>
+                <a:rPr lang="en-US" dirty="0">
+                  <a:effectLst/>
+                  <a:latin typeface="Calibri" panose="020F0502020204030204" pitchFamily="34" charset="0"/>
+                  <a:ea typeface="Calibri" panose="020F0502020204030204" pitchFamily="34" charset="0"/>
+                  <a:cs typeface="Times New Roman" panose="02020603050405020304" pitchFamily="18" charset="0"/>
+                </a:rPr>
+                <a:t>M</a:t>
+              </a:r>
+              <a:r>
+                <a:rPr lang="en-US" baseline="-25000" dirty="0">
+                  <a:effectLst/>
+                  <a:latin typeface="Calibri" panose="020F0502020204030204" pitchFamily="34" charset="0"/>
+                  <a:ea typeface="Calibri" panose="020F0502020204030204" pitchFamily="34" charset="0"/>
+                  <a:cs typeface="Times New Roman" panose="02020603050405020304" pitchFamily="18" charset="0"/>
+                </a:rPr>
+                <a:t>i+1</a:t>
+              </a:r>
+              <a:r>
+                <a:rPr lang="en-US" dirty="0">
+                  <a:effectLst/>
+                  <a:latin typeface="Calibri" panose="020F0502020204030204" pitchFamily="34" charset="0"/>
+                  <a:ea typeface="Calibri" panose="020F0502020204030204" pitchFamily="34" charset="0"/>
+                  <a:cs typeface="Times New Roman" panose="02020603050405020304" pitchFamily="18" charset="0"/>
+                </a:rPr>
+                <a:t>(t)</a:t>
+              </a:r>
+              <a:endParaRPr lang="ru-RU" dirty="0">
+                <a:effectLst/>
+                <a:latin typeface="Calibri" panose="020F0502020204030204" pitchFamily="34" charset="0"/>
+                <a:ea typeface="Calibri" panose="020F0502020204030204" pitchFamily="34" charset="0"/>
+                <a:cs typeface="Times New Roman" panose="02020603050405020304" pitchFamily="18" charset="0"/>
+              </a:endParaRPr>
+            </a:p>
+          </p:txBody>
+        </p:sp>
+        <p:sp>
+          <p:nvSpPr>
+            <p:cNvPr id="41" name="Надпись 171">
+              <a:extLst>
+                <a:ext uri="{FF2B5EF4-FFF2-40B4-BE49-F238E27FC236}">
+                  <a16:creationId xmlns:a16="http://schemas.microsoft.com/office/drawing/2014/main" id="{14592B18-ABAB-4798-BF2E-E71906048962}"/>
+                </a:ext>
+              </a:extLst>
+            </p:cNvPr>
+            <p:cNvSpPr txBox="1"/>
+            <p:nvPr/>
+          </p:nvSpPr>
+          <p:spPr>
+            <a:xfrm>
+              <a:off x="723900" y="76200"/>
+              <a:ext cx="381000" cy="314325"/>
+            </a:xfrm>
+            <a:prstGeom prst="rect">
+              <a:avLst/>
+            </a:prstGeom>
+            <a:noFill/>
+            <a:ln w="6350">
+              <a:noFill/>
+            </a:ln>
+          </p:spPr>
+          <p:txBody>
+            <a:bodyPr rot="0" spcFirstLastPara="0" vert="horz" wrap="square" lIns="91440" tIns="45720" rIns="91440" bIns="45720" numCol="1" spcCol="0" rtlCol="0" fromWordArt="0" anchor="t" anchorCtr="0" forceAA="0" compatLnSpc="1">
+              <a:prstTxWarp prst="textNoShape">
+                <a:avLst/>
+              </a:prstTxWarp>
+              <a:noAutofit/>
+            </a:bodyPr>
+            <a:lstStyle/>
+            <a:p>
+              <a:pPr>
+                <a:lnSpc>
+                  <a:spcPct val="107000"/>
+                </a:lnSpc>
+                <a:spcAft>
+                  <a:spcPts val="800"/>
+                </a:spcAft>
+              </a:pPr>
+              <a:r>
+                <a:rPr lang="en-US">
+                  <a:effectLst/>
+                  <a:latin typeface="Calibri" panose="020F0502020204030204" pitchFamily="34" charset="0"/>
+                  <a:ea typeface="Calibri" panose="020F0502020204030204" pitchFamily="34" charset="0"/>
+                  <a:cs typeface="Times New Roman" panose="02020603050405020304" pitchFamily="18" charset="0"/>
+                </a:rPr>
+                <a:t>C</a:t>
+              </a:r>
+              <a:r>
+                <a:rPr lang="en-US" baseline="-25000">
+                  <a:effectLst/>
+                  <a:latin typeface="Calibri" panose="020F0502020204030204" pitchFamily="34" charset="0"/>
+                  <a:ea typeface="Calibri" panose="020F0502020204030204" pitchFamily="34" charset="0"/>
+                  <a:cs typeface="Times New Roman" panose="02020603050405020304" pitchFamily="18" charset="0"/>
+                </a:rPr>
+                <a:t>i</a:t>
+              </a:r>
+              <a:endParaRPr lang="ru-RU">
+                <a:effectLst/>
+                <a:latin typeface="Calibri" panose="020F0502020204030204" pitchFamily="34" charset="0"/>
+                <a:ea typeface="Calibri" panose="020F0502020204030204" pitchFamily="34" charset="0"/>
+                <a:cs typeface="Times New Roman" panose="02020603050405020304" pitchFamily="18" charset="0"/>
+              </a:endParaRPr>
+            </a:p>
+          </p:txBody>
+        </p:sp>
+        <p:sp>
+          <p:nvSpPr>
+            <p:cNvPr id="42" name="Надпись 172">
+              <a:extLst>
+                <a:ext uri="{FF2B5EF4-FFF2-40B4-BE49-F238E27FC236}">
+                  <a16:creationId xmlns:a16="http://schemas.microsoft.com/office/drawing/2014/main" id="{EAB1463F-3677-4EEB-9A66-67BB4BAF8DCF}"/>
+                </a:ext>
+              </a:extLst>
+            </p:cNvPr>
+            <p:cNvSpPr txBox="1"/>
+            <p:nvPr/>
+          </p:nvSpPr>
+          <p:spPr>
+            <a:xfrm>
+              <a:off x="2133600" y="9525"/>
+              <a:ext cx="561975" cy="314325"/>
+            </a:xfrm>
+            <a:prstGeom prst="rect">
+              <a:avLst/>
+            </a:prstGeom>
+            <a:noFill/>
+            <a:ln w="6350">
+              <a:noFill/>
+            </a:ln>
+          </p:spPr>
+          <p:txBody>
+            <a:bodyPr rot="0" spcFirstLastPara="0" vert="horz" wrap="square" lIns="91440" tIns="45720" rIns="91440" bIns="45720" numCol="1" spcCol="0" rtlCol="0" fromWordArt="0" anchor="t" anchorCtr="0" forceAA="0" compatLnSpc="1">
+              <a:prstTxWarp prst="textNoShape">
+                <a:avLst/>
+              </a:prstTxWarp>
+              <a:noAutofit/>
+            </a:bodyPr>
+            <a:lstStyle/>
+            <a:p>
+              <a:pPr>
+                <a:lnSpc>
+                  <a:spcPct val="107000"/>
+                </a:lnSpc>
+                <a:spcAft>
+                  <a:spcPts val="800"/>
+                </a:spcAft>
+              </a:pPr>
+              <a:r>
+                <a:rPr lang="en-US">
+                  <a:effectLst/>
+                  <a:latin typeface="Calibri" panose="020F0502020204030204" pitchFamily="34" charset="0"/>
+                  <a:ea typeface="Calibri" panose="020F0502020204030204" pitchFamily="34" charset="0"/>
+                  <a:cs typeface="Times New Roman" panose="02020603050405020304" pitchFamily="18" charset="0"/>
+                </a:rPr>
+                <a:t>C</a:t>
+              </a:r>
+              <a:r>
+                <a:rPr lang="en-US" baseline="-25000">
+                  <a:effectLst/>
+                  <a:latin typeface="Calibri" panose="020F0502020204030204" pitchFamily="34" charset="0"/>
+                  <a:ea typeface="Calibri" panose="020F0502020204030204" pitchFamily="34" charset="0"/>
+                  <a:cs typeface="Times New Roman" panose="02020603050405020304" pitchFamily="18" charset="0"/>
+                </a:rPr>
+                <a:t>i+1</a:t>
+              </a:r>
+              <a:endParaRPr lang="ru-RU">
+                <a:effectLst/>
+                <a:latin typeface="Calibri" panose="020F0502020204030204" pitchFamily="34" charset="0"/>
+                <a:ea typeface="Calibri" panose="020F0502020204030204" pitchFamily="34" charset="0"/>
+                <a:cs typeface="Times New Roman" panose="02020603050405020304" pitchFamily="18" charset="0"/>
+              </a:endParaRPr>
+            </a:p>
+          </p:txBody>
+        </p:sp>
+        <mc:AlternateContent xmlns:mc="http://schemas.openxmlformats.org/markup-compatibility/2006" xmlns:a14="http://schemas.microsoft.com/office/drawing/2010/main">
+          <mc:Choice Requires="a14">
+            <p:sp>
+              <p:nvSpPr>
+                <p:cNvPr id="43" name="Надпись 173">
+                  <a:extLst>
+                    <a:ext uri="{FF2B5EF4-FFF2-40B4-BE49-F238E27FC236}">
+                      <a16:creationId xmlns:a16="http://schemas.microsoft.com/office/drawing/2014/main" id="{304078DA-4AED-4F2F-AEFE-50464DC5DD61}"/>
+                    </a:ext>
+                  </a:extLst>
+                </p:cNvPr>
+                <p:cNvSpPr txBox="1"/>
+                <p:nvPr/>
+              </p:nvSpPr>
+              <p:spPr>
+                <a:xfrm rot="1039367">
+                  <a:off x="1190625" y="1285875"/>
+                  <a:ext cx="676275" cy="314325"/>
+                </a:xfrm>
+                <a:prstGeom prst="rect">
+                  <a:avLst/>
+                </a:prstGeom>
+                <a:noFill/>
+                <a:ln w="6350">
+                  <a:noFill/>
+                </a:ln>
+              </p:spPr>
+              <p:txBody>
+                <a:bodyPr rot="0" spcFirstLastPara="0" vert="horz" wrap="square" lIns="91440" tIns="45720" rIns="91440" bIns="45720" numCol="1" spcCol="0" rtlCol="0" fromWordArt="0" anchor="t" anchorCtr="0" forceAA="0" compatLnSpc="1">
+                  <a:prstTxWarp prst="textNoShape">
+                    <a:avLst/>
+                  </a:prstTxWarp>
+                  <a:noAutofit/>
+                </a:bodyPr>
+                <a:lstStyle/>
+                <a:p>
+                  <a:pPr>
+                    <a:lnSpc>
+                      <a:spcPct val="107000"/>
+                    </a:lnSpc>
+                    <a:spcAft>
+                      <a:spcPts val="800"/>
+                    </a:spcAft>
+                  </a:pPr>
+                  <a14:m>
+                    <m:oMathPara xmlns:m="http://schemas.openxmlformats.org/officeDocument/2006/math">
+                      <m:oMathParaPr>
+                        <m:jc m:val="centerGroup"/>
+                      </m:oMathParaPr>
+                      <m:oMath xmlns:m="http://schemas.openxmlformats.org/officeDocument/2006/math">
+                        <m:r>
+                          <a:rPr lang="en-US" i="1">
+                            <a:effectLst/>
+                            <a:latin typeface="Cambria Math" panose="02040503050406030204" pitchFamily="18" charset="0"/>
+                            <a:ea typeface="Calibri" panose="020F0502020204030204" pitchFamily="34" charset="0"/>
+                            <a:cs typeface="Times New Roman" panose="02020603050405020304" pitchFamily="18" charset="0"/>
+                          </a:rPr>
+                          <m:t>𝜆</m:t>
+                        </m:r>
+                        <m:r>
+                          <a:rPr lang="en-US" i="1">
+                            <a:effectLst/>
+                            <a:latin typeface="Cambria Math" panose="02040503050406030204" pitchFamily="18" charset="0"/>
+                            <a:ea typeface="Calibri" panose="020F0502020204030204" pitchFamily="34" charset="0"/>
+                            <a:cs typeface="Times New Roman" panose="02020603050405020304" pitchFamily="18" charset="0"/>
+                          </a:rPr>
+                          <m:t>(</m:t>
+                        </m:r>
+                        <m:r>
+                          <a:rPr lang="en-US" i="1">
+                            <a:effectLst/>
+                            <a:latin typeface="Cambria Math" panose="02040503050406030204" pitchFamily="18" charset="0"/>
+                            <a:ea typeface="Calibri" panose="020F0502020204030204" pitchFamily="34" charset="0"/>
+                            <a:cs typeface="Times New Roman" panose="02020603050405020304" pitchFamily="18" charset="0"/>
+                          </a:rPr>
+                          <m:t>𝑠</m:t>
+                        </m:r>
+                        <m:r>
+                          <a:rPr lang="en-US" i="1">
+                            <a:effectLst/>
+                            <a:latin typeface="Cambria Math" panose="02040503050406030204" pitchFamily="18" charset="0"/>
+                            <a:ea typeface="Calibri" panose="020F0502020204030204" pitchFamily="34" charset="0"/>
+                            <a:cs typeface="Times New Roman" panose="02020603050405020304" pitchFamily="18" charset="0"/>
+                          </a:rPr>
+                          <m:t>,</m:t>
+                        </m:r>
+                        <m:r>
+                          <a:rPr lang="en-US" i="1">
+                            <a:effectLst/>
+                            <a:latin typeface="Cambria Math" panose="02040503050406030204" pitchFamily="18" charset="0"/>
+                            <a:ea typeface="Calibri" panose="020F0502020204030204" pitchFamily="34" charset="0"/>
+                            <a:cs typeface="Times New Roman" panose="02020603050405020304" pitchFamily="18" charset="0"/>
+                          </a:rPr>
+                          <m:t>𝑡</m:t>
+                        </m:r>
+                        <m:r>
+                          <a:rPr lang="en-US" i="1">
+                            <a:effectLst/>
+                            <a:latin typeface="Cambria Math" panose="02040503050406030204" pitchFamily="18" charset="0"/>
+                            <a:ea typeface="Calibri" panose="020F0502020204030204" pitchFamily="34" charset="0"/>
+                            <a:cs typeface="Times New Roman" panose="02020603050405020304" pitchFamily="18" charset="0"/>
+                          </a:rPr>
+                          <m:t>)</m:t>
+                        </m:r>
+                      </m:oMath>
+                    </m:oMathPara>
+                  </a14:m>
+                  <a:endParaRPr lang="ru-RU">
+                    <a:effectLst/>
+                    <a:latin typeface="Calibri" panose="020F0502020204030204" pitchFamily="34" charset="0"/>
+                    <a:ea typeface="Calibri" panose="020F0502020204030204" pitchFamily="34" charset="0"/>
+                    <a:cs typeface="Times New Roman" panose="02020603050405020304" pitchFamily="18" charset="0"/>
+                  </a:endParaRPr>
+                </a:p>
+              </p:txBody>
+            </p:sp>
+          </mc:Choice>
+          <mc:Fallback xmlns="">
+            <p:sp>
+              <p:nvSpPr>
+                <p:cNvPr id="43" name="Надпись 173">
+                  <a:extLst>
+                    <a:ext uri="{FF2B5EF4-FFF2-40B4-BE49-F238E27FC236}">
+                      <a16:creationId xmlns:a16="http://schemas.microsoft.com/office/drawing/2014/main" id="{304078DA-4AED-4F2F-AEFE-50464DC5DD61}"/>
+                    </a:ext>
+                  </a:extLst>
+                </p:cNvPr>
+                <p:cNvSpPr txBox="1">
+                  <a:spLocks noRot="1" noChangeAspect="1" noMove="1" noResize="1" noEditPoints="1" noAdjustHandles="1" noChangeArrowheads="1" noChangeShapeType="1" noTextEdit="1"/>
+                </p:cNvSpPr>
+                <p:nvPr/>
+              </p:nvSpPr>
+              <p:spPr>
+                <a:xfrm rot="1039367">
+                  <a:off x="1190625" y="1285875"/>
+                  <a:ext cx="676275" cy="314325"/>
+                </a:xfrm>
+                <a:prstGeom prst="rect">
+                  <a:avLst/>
+                </a:prstGeom>
+                <a:blipFill>
+                  <a:blip r:embed="rId3"/>
+                  <a:stretch>
+                    <a:fillRect/>
+                  </a:stretch>
+                </a:blipFill>
+                <a:ln w="6350">
+                  <a:noFill/>
+                </a:ln>
+              </p:spPr>
+              <p:txBody>
+                <a:bodyPr/>
+                <a:lstStyle/>
+                <a:p>
+                  <a:r>
+                    <a:rPr lang="ru-RU">
+                      <a:noFill/>
+                    </a:rPr>
+                    <a:t> </a:t>
+                  </a:r>
+                </a:p>
+              </p:txBody>
+            </p:sp>
+          </mc:Fallback>
+        </mc:AlternateContent>
+      </p:grpSp>
     </p:spTree>
     <p:extLst>
       <p:ext uri="{BB962C8B-B14F-4D97-AF65-F5344CB8AC3E}">
@@ -19119,8 +19121,8 @@
           </p:txBody>
         </p:sp>
       </p:grpSp>
-      <mc:AlternateContent xmlns:mc="http://schemas.openxmlformats.org/markup-compatibility/2006">
-        <mc:Choice xmlns:a14="http://schemas.microsoft.com/office/drawing/2010/main" Requires="a14">
+      <mc:AlternateContent xmlns:mc="http://schemas.openxmlformats.org/markup-compatibility/2006" xmlns:a14="http://schemas.microsoft.com/office/drawing/2010/main">
+        <mc:Choice Requires="a14">
           <p:sp>
             <p:nvSpPr>
               <p:cNvPr id="77" name="TextBox 76">
@@ -20823,7 +20825,7 @@
             </p:txBody>
           </p:sp>
         </mc:Choice>
-        <mc:Fallback>
+        <mc:Fallback xmlns="">
           <p:sp>
             <p:nvSpPr>
               <p:cNvPr id="77" name="TextBox 76">
@@ -21043,10 +21045,10 @@
       </p:sp>
       <p:grpSp>
         <p:nvGrpSpPr>
-          <p:cNvPr id="4" name="Группа 3">
+          <p:cNvPr id="78" name="Группа 77">
             <a:extLst>
               <a:ext uri="{FF2B5EF4-FFF2-40B4-BE49-F238E27FC236}">
-                <a16:creationId xmlns:a16="http://schemas.microsoft.com/office/drawing/2014/main" id="{31CBB4CF-7FDE-455E-9983-568D35BDF891}"/>
+                <a16:creationId xmlns:a16="http://schemas.microsoft.com/office/drawing/2014/main" id="{E934C878-CD66-45F4-9FC7-FF9BFA414545}"/>
               </a:ext>
             </a:extLst>
           </p:cNvPr>
@@ -21055,18 +21057,18 @@
         </p:nvGrpSpPr>
         <p:grpSpPr>
           <a:xfrm>
-            <a:off x="972000" y="1305609"/>
-            <a:ext cx="7818753" cy="2737350"/>
-            <a:chOff x="0" y="0"/>
-            <a:chExt cx="4733925" cy="1657350"/>
+            <a:off x="676524" y="4641411"/>
+            <a:ext cx="2060176" cy="1956592"/>
+            <a:chOff x="1840698" y="4391173"/>
+            <a:chExt cx="2060176" cy="1956592"/>
           </a:xfrm>
         </p:grpSpPr>
         <p:sp>
           <p:nvSpPr>
-            <p:cNvPr id="5" name="Полилиния: фигура 4">
+            <p:cNvPr id="6" name="Полилиния: фигура 5">
               <a:extLst>
                 <a:ext uri="{FF2B5EF4-FFF2-40B4-BE49-F238E27FC236}">
-                  <a16:creationId xmlns:a16="http://schemas.microsoft.com/office/drawing/2014/main" id="{97033BEE-59F2-4349-8641-084765265648}"/>
+                  <a16:creationId xmlns:a16="http://schemas.microsoft.com/office/drawing/2014/main" id="{CCEBE8AF-098E-4BA2-8D0D-AC327800753F}"/>
                 </a:ext>
               </a:extLst>
             </p:cNvPr>
@@ -21075,8 +21077,8 @@
           </p:nvSpPr>
           <p:spPr>
             <a:xfrm>
-              <a:off x="2200275" y="123825"/>
-              <a:ext cx="1562100" cy="1476375"/>
+              <a:off x="1921264" y="4391173"/>
+              <a:ext cx="1887535" cy="1783951"/>
             </a:xfrm>
             <a:custGeom>
               <a:avLst/>
@@ -21148,17 +21150,15 @@
                 </a:path>
               </a:pathLst>
             </a:custGeom>
-            <a:pattFill prst="ltDnDiag">
-              <a:fgClr>
-                <a:schemeClr val="tx1"/>
-              </a:fgClr>
-              <a:bgClr>
-                <a:schemeClr val="bg1"/>
-              </a:bgClr>
-            </a:pattFill>
-            <a:ln w="6350">
+            <a:solidFill>
+              <a:schemeClr val="accent3">
+                <a:lumMod val="60000"/>
+                <a:lumOff val="40000"/>
+              </a:schemeClr>
+            </a:solidFill>
+            <a:ln w="28575">
               <a:solidFill>
-                <a:schemeClr val="tx1"/>
+                <a:srgbClr val="7030A0"/>
               </a:solidFill>
             </a:ln>
           </p:spPr>
@@ -21196,7 +21196,7 @@
                 </a:spcAft>
               </a:pPr>
               <a:r>
-                <a:rPr lang="ru-RU" sz="1100">
+                <a:rPr lang="ru-RU" sz="1600">
                   <a:effectLst/>
                   <a:ea typeface="Calibri" panose="020F0502020204030204" pitchFamily="34" charset="0"/>
                   <a:cs typeface="Times New Roman" panose="02020603050405020304" pitchFamily="18" charset="0"/>
@@ -21206,12 +21206,395 @@
             </a:p>
           </p:txBody>
         </p:sp>
+        <p:cxnSp>
+          <p:nvCxnSpPr>
+            <p:cNvPr id="7" name="Прямая соединительная линия 6">
+              <a:extLst>
+                <a:ext uri="{FF2B5EF4-FFF2-40B4-BE49-F238E27FC236}">
+                  <a16:creationId xmlns:a16="http://schemas.microsoft.com/office/drawing/2014/main" id="{9D01A4EE-9C98-406D-8E81-5F2CDE4B1ED3}"/>
+                </a:ext>
+              </a:extLst>
+            </p:cNvPr>
+            <p:cNvCxnSpPr/>
+            <p:nvPr/>
+          </p:nvCxnSpPr>
+          <p:spPr>
+            <a:xfrm flipV="1">
+              <a:off x="1840698" y="5127773"/>
+              <a:ext cx="863202" cy="966786"/>
+            </a:xfrm>
+            <a:prstGeom prst="line">
+              <a:avLst/>
+            </a:prstGeom>
+            <a:ln w="19050">
+              <a:solidFill>
+                <a:srgbClr val="FF0000"/>
+              </a:solidFill>
+              <a:headEnd type="oval" w="med" len="med"/>
+              <a:tailEnd type="arrow" w="med" len="med"/>
+            </a:ln>
+          </p:spPr>
+          <p:style>
+            <a:lnRef idx="1">
+              <a:schemeClr val="accent1"/>
+            </a:lnRef>
+            <a:fillRef idx="0">
+              <a:schemeClr val="accent1"/>
+            </a:fillRef>
+            <a:effectRef idx="0">
+              <a:schemeClr val="accent1"/>
+            </a:effectRef>
+            <a:fontRef idx="minor">
+              <a:schemeClr val="tx1"/>
+            </a:fontRef>
+          </p:style>
+        </p:cxnSp>
+        <p:cxnSp>
+          <p:nvCxnSpPr>
+            <p:cNvPr id="8" name="Прямая соединительная линия 7">
+              <a:extLst>
+                <a:ext uri="{FF2B5EF4-FFF2-40B4-BE49-F238E27FC236}">
+                  <a16:creationId xmlns:a16="http://schemas.microsoft.com/office/drawing/2014/main" id="{3B1DD73D-D922-49C7-9B24-8C9169558F33}"/>
+                </a:ext>
+              </a:extLst>
+            </p:cNvPr>
+            <p:cNvCxnSpPr/>
+            <p:nvPr/>
+          </p:nvCxnSpPr>
+          <p:spPr>
+            <a:xfrm flipV="1">
+              <a:off x="2692391" y="4644379"/>
+              <a:ext cx="437356" cy="494903"/>
+            </a:xfrm>
+            <a:prstGeom prst="line">
+              <a:avLst/>
+            </a:prstGeom>
+            <a:ln w="19050">
+              <a:solidFill>
+                <a:srgbClr val="FF0000"/>
+              </a:solidFill>
+              <a:headEnd type="oval" w="med" len="med"/>
+              <a:tailEnd type="arrow" w="med" len="med"/>
+            </a:ln>
+          </p:spPr>
+          <p:style>
+            <a:lnRef idx="1">
+              <a:schemeClr val="accent1"/>
+            </a:lnRef>
+            <a:fillRef idx="0">
+              <a:schemeClr val="accent1"/>
+            </a:fillRef>
+            <a:effectRef idx="0">
+              <a:schemeClr val="accent1"/>
+            </a:effectRef>
+            <a:fontRef idx="minor">
+              <a:schemeClr val="tx1"/>
+            </a:fontRef>
+          </p:style>
+        </p:cxnSp>
         <p:sp>
           <p:nvSpPr>
-            <p:cNvPr id="6" name="Полилиния: фигура 5">
+            <p:cNvPr id="9" name="Надпись 79">
               <a:extLst>
                 <a:ext uri="{FF2B5EF4-FFF2-40B4-BE49-F238E27FC236}">
-                  <a16:creationId xmlns:a16="http://schemas.microsoft.com/office/drawing/2014/main" id="{CCEBE8AF-098E-4BA2-8D0D-AC327800753F}"/>
+                  <a16:creationId xmlns:a16="http://schemas.microsoft.com/office/drawing/2014/main" id="{0626FE74-82E4-4E0B-9DD7-1CE79F22D975}"/>
+                </a:ext>
+              </a:extLst>
+            </p:cNvPr>
+            <p:cNvSpPr txBox="1"/>
+            <p:nvPr/>
+          </p:nvSpPr>
+          <p:spPr>
+            <a:xfrm>
+              <a:off x="1852207" y="6060031"/>
+              <a:ext cx="702071" cy="287734"/>
+            </a:xfrm>
+            <a:prstGeom prst="rect">
+              <a:avLst/>
+            </a:prstGeom>
+            <a:noFill/>
+            <a:ln w="6350">
+              <a:noFill/>
+            </a:ln>
+          </p:spPr>
+          <p:txBody>
+            <a:bodyPr rot="0" spcFirstLastPara="0" vert="horz" wrap="square" lIns="91440" tIns="45720" rIns="91440" bIns="45720" numCol="1" spcCol="0" rtlCol="0" fromWordArt="0" anchor="t" anchorCtr="0" forceAA="0" compatLnSpc="1">
+              <a:prstTxWarp prst="textNoShape">
+                <a:avLst/>
+              </a:prstTxWarp>
+              <a:noAutofit/>
+            </a:bodyPr>
+            <a:lstStyle/>
+            <a:p>
+              <a:pPr>
+                <a:lnSpc>
+                  <a:spcPct val="107000"/>
+                </a:lnSpc>
+                <a:spcAft>
+                  <a:spcPts val="800"/>
+                </a:spcAft>
+              </a:pPr>
+              <a:r>
+                <a:rPr lang="en-US" sz="1600">
+                  <a:effectLst/>
+                  <a:latin typeface="Calibri" panose="020F0502020204030204" pitchFamily="34" charset="0"/>
+                  <a:ea typeface="Calibri" panose="020F0502020204030204" pitchFamily="34" charset="0"/>
+                  <a:cs typeface="Times New Roman" panose="02020603050405020304" pitchFamily="18" charset="0"/>
+                </a:rPr>
+                <a:t>M</a:t>
+              </a:r>
+              <a:r>
+                <a:rPr lang="en-US" sz="1600" baseline="-25000">
+                  <a:effectLst/>
+                  <a:latin typeface="Calibri" panose="020F0502020204030204" pitchFamily="34" charset="0"/>
+                  <a:ea typeface="Calibri" panose="020F0502020204030204" pitchFamily="34" charset="0"/>
+                  <a:cs typeface="Times New Roman" panose="02020603050405020304" pitchFamily="18" charset="0"/>
+                </a:rPr>
+                <a:t>i-1</a:t>
+              </a:r>
+              <a:endParaRPr lang="ru-RU" sz="1600">
+                <a:effectLst/>
+                <a:latin typeface="Calibri" panose="020F0502020204030204" pitchFamily="34" charset="0"/>
+                <a:ea typeface="Calibri" panose="020F0502020204030204" pitchFamily="34" charset="0"/>
+                <a:cs typeface="Times New Roman" panose="02020603050405020304" pitchFamily="18" charset="0"/>
+              </a:endParaRPr>
+            </a:p>
+          </p:txBody>
+        </p:sp>
+        <p:sp>
+          <p:nvSpPr>
+            <p:cNvPr id="10" name="Надпись 80">
+              <a:extLst>
+                <a:ext uri="{FF2B5EF4-FFF2-40B4-BE49-F238E27FC236}">
+                  <a16:creationId xmlns:a16="http://schemas.microsoft.com/office/drawing/2014/main" id="{EDD86DBE-ECF2-4873-8357-ABCDCF5BEB7E}"/>
+                </a:ext>
+              </a:extLst>
+            </p:cNvPr>
+            <p:cNvSpPr txBox="1"/>
+            <p:nvPr/>
+          </p:nvSpPr>
+          <p:spPr>
+            <a:xfrm>
+              <a:off x="3152765" y="4414192"/>
+              <a:ext cx="702071" cy="287734"/>
+            </a:xfrm>
+            <a:prstGeom prst="rect">
+              <a:avLst/>
+            </a:prstGeom>
+            <a:noFill/>
+            <a:ln w="6350">
+              <a:noFill/>
+            </a:ln>
+          </p:spPr>
+          <p:txBody>
+            <a:bodyPr rot="0" spcFirstLastPara="0" vert="horz" wrap="square" lIns="91440" tIns="45720" rIns="91440" bIns="45720" numCol="1" spcCol="0" rtlCol="0" fromWordArt="0" anchor="t" anchorCtr="0" forceAA="0" compatLnSpc="1">
+              <a:prstTxWarp prst="textNoShape">
+                <a:avLst/>
+              </a:prstTxWarp>
+              <a:noAutofit/>
+            </a:bodyPr>
+            <a:lstStyle/>
+            <a:p>
+              <a:pPr>
+                <a:lnSpc>
+                  <a:spcPct val="107000"/>
+                </a:lnSpc>
+                <a:spcAft>
+                  <a:spcPts val="800"/>
+                </a:spcAft>
+              </a:pPr>
+              <a:r>
+                <a:rPr lang="en-US" sz="1600">
+                  <a:effectLst/>
+                  <a:latin typeface="Calibri" panose="020F0502020204030204" pitchFamily="34" charset="0"/>
+                  <a:ea typeface="Calibri" panose="020F0502020204030204" pitchFamily="34" charset="0"/>
+                  <a:cs typeface="Times New Roman" panose="02020603050405020304" pitchFamily="18" charset="0"/>
+                </a:rPr>
+                <a:t>M</a:t>
+              </a:r>
+              <a:r>
+                <a:rPr lang="en-US" sz="1600" baseline="-25000">
+                  <a:effectLst/>
+                  <a:latin typeface="Calibri" panose="020F0502020204030204" pitchFamily="34" charset="0"/>
+                  <a:ea typeface="Calibri" panose="020F0502020204030204" pitchFamily="34" charset="0"/>
+                  <a:cs typeface="Times New Roman" panose="02020603050405020304" pitchFamily="18" charset="0"/>
+                </a:rPr>
+                <a:t>i+1</a:t>
+              </a:r>
+              <a:endParaRPr lang="ru-RU" sz="1600">
+                <a:effectLst/>
+                <a:latin typeface="Calibri" panose="020F0502020204030204" pitchFamily="34" charset="0"/>
+                <a:ea typeface="Calibri" panose="020F0502020204030204" pitchFamily="34" charset="0"/>
+                <a:cs typeface="Times New Roman" panose="02020603050405020304" pitchFamily="18" charset="0"/>
+              </a:endParaRPr>
+            </a:p>
+          </p:txBody>
+        </p:sp>
+        <p:sp>
+          <p:nvSpPr>
+            <p:cNvPr id="11" name="Надпись 81">
+              <a:extLst>
+                <a:ext uri="{FF2B5EF4-FFF2-40B4-BE49-F238E27FC236}">
+                  <a16:creationId xmlns:a16="http://schemas.microsoft.com/office/drawing/2014/main" id="{8CD5488D-1084-45A9-919C-200FF562CED7}"/>
+                </a:ext>
+              </a:extLst>
+            </p:cNvPr>
+            <p:cNvSpPr txBox="1"/>
+            <p:nvPr/>
+          </p:nvSpPr>
+          <p:spPr>
+            <a:xfrm>
+              <a:off x="2738428" y="4989660"/>
+              <a:ext cx="702071" cy="287734"/>
+            </a:xfrm>
+            <a:prstGeom prst="rect">
+              <a:avLst/>
+            </a:prstGeom>
+            <a:noFill/>
+            <a:ln w="6350">
+              <a:noFill/>
+            </a:ln>
+          </p:spPr>
+          <p:txBody>
+            <a:bodyPr rot="0" spcFirstLastPara="0" vert="horz" wrap="square" lIns="91440" tIns="45720" rIns="91440" bIns="45720" numCol="1" spcCol="0" rtlCol="0" fromWordArt="0" anchor="t" anchorCtr="0" forceAA="0" compatLnSpc="1">
+              <a:prstTxWarp prst="textNoShape">
+                <a:avLst/>
+              </a:prstTxWarp>
+              <a:noAutofit/>
+            </a:bodyPr>
+            <a:lstStyle/>
+            <a:p>
+              <a:pPr>
+                <a:lnSpc>
+                  <a:spcPct val="107000"/>
+                </a:lnSpc>
+                <a:spcAft>
+                  <a:spcPts val="800"/>
+                </a:spcAft>
+              </a:pPr>
+              <a:r>
+                <a:rPr lang="en-US" sz="1600">
+                  <a:effectLst/>
+                  <a:latin typeface="Calibri" panose="020F0502020204030204" pitchFamily="34" charset="0"/>
+                  <a:ea typeface="Calibri" panose="020F0502020204030204" pitchFamily="34" charset="0"/>
+                  <a:cs typeface="Times New Roman" panose="02020603050405020304" pitchFamily="18" charset="0"/>
+                </a:rPr>
+                <a:t>M</a:t>
+              </a:r>
+              <a:r>
+                <a:rPr lang="en-US" sz="1600" baseline="-25000">
+                  <a:effectLst/>
+                  <a:latin typeface="Calibri" panose="020F0502020204030204" pitchFamily="34" charset="0"/>
+                  <a:ea typeface="Calibri" panose="020F0502020204030204" pitchFamily="34" charset="0"/>
+                  <a:cs typeface="Times New Roman" panose="02020603050405020304" pitchFamily="18" charset="0"/>
+                </a:rPr>
+                <a:t>i</a:t>
+              </a:r>
+              <a:endParaRPr lang="ru-RU" sz="1600">
+                <a:effectLst/>
+                <a:latin typeface="Calibri" panose="020F0502020204030204" pitchFamily="34" charset="0"/>
+                <a:ea typeface="Calibri" panose="020F0502020204030204" pitchFamily="34" charset="0"/>
+                <a:cs typeface="Times New Roman" panose="02020603050405020304" pitchFamily="18" charset="0"/>
+              </a:endParaRPr>
+            </a:p>
+          </p:txBody>
+        </p:sp>
+        <p:sp>
+          <p:nvSpPr>
+            <p:cNvPr id="12" name="Надпись 82">
+              <a:extLst>
+                <a:ext uri="{FF2B5EF4-FFF2-40B4-BE49-F238E27FC236}">
+                  <a16:creationId xmlns:a16="http://schemas.microsoft.com/office/drawing/2014/main" id="{5AAFFC78-E594-48C9-B856-D3AF106CFE78}"/>
+                </a:ext>
+              </a:extLst>
+            </p:cNvPr>
+            <p:cNvSpPr txBox="1"/>
+            <p:nvPr/>
+          </p:nvSpPr>
+          <p:spPr>
+            <a:xfrm>
+              <a:off x="3198803" y="5933428"/>
+              <a:ext cx="702071" cy="287734"/>
+            </a:xfrm>
+            <a:prstGeom prst="rect">
+              <a:avLst/>
+            </a:prstGeom>
+            <a:noFill/>
+            <a:ln w="6350">
+              <a:noFill/>
+            </a:ln>
+          </p:spPr>
+          <p:txBody>
+            <a:bodyPr rot="0" spcFirstLastPara="0" vert="horz" wrap="square" lIns="91440" tIns="45720" rIns="91440" bIns="45720" numCol="1" spcCol="0" rtlCol="0" fromWordArt="0" anchor="t" anchorCtr="0" forceAA="0" compatLnSpc="1">
+              <a:prstTxWarp prst="textNoShape">
+                <a:avLst/>
+              </a:prstTxWarp>
+              <a:noAutofit/>
+            </a:bodyPr>
+            <a:lstStyle/>
+            <a:p>
+              <a:pPr>
+                <a:lnSpc>
+                  <a:spcPct val="107000"/>
+                </a:lnSpc>
+                <a:spcAft>
+                  <a:spcPts val="800"/>
+                </a:spcAft>
+              </a:pPr>
+              <a:r>
+                <a:rPr lang="en-US" sz="1600">
+                  <a:effectLst/>
+                  <a:latin typeface="Calibri" panose="020F0502020204030204" pitchFamily="34" charset="0"/>
+                  <a:ea typeface="Calibri" panose="020F0502020204030204" pitchFamily="34" charset="0"/>
+                  <a:cs typeface="Times New Roman" panose="02020603050405020304" pitchFamily="18" charset="0"/>
+                </a:rPr>
+                <a:t>C</a:t>
+              </a:r>
+              <a:r>
+                <a:rPr lang="en-US" sz="1600" baseline="-25000">
+                  <a:effectLst/>
+                  <a:latin typeface="Calibri" panose="020F0502020204030204" pitchFamily="34" charset="0"/>
+                  <a:ea typeface="Calibri" panose="020F0502020204030204" pitchFamily="34" charset="0"/>
+                  <a:cs typeface="Times New Roman" panose="02020603050405020304" pitchFamily="18" charset="0"/>
+                </a:rPr>
+                <a:t>i</a:t>
+              </a:r>
+              <a:endParaRPr lang="ru-RU" sz="1600">
+                <a:effectLst/>
+                <a:latin typeface="Calibri" panose="020F0502020204030204" pitchFamily="34" charset="0"/>
+                <a:ea typeface="Calibri" panose="020F0502020204030204" pitchFamily="34" charset="0"/>
+                <a:cs typeface="Times New Roman" panose="02020603050405020304" pitchFamily="18" charset="0"/>
+              </a:endParaRPr>
+            </a:p>
+          </p:txBody>
+        </p:sp>
+      </p:grpSp>
+      <p:grpSp>
+        <p:nvGrpSpPr>
+          <p:cNvPr id="79" name="Группа 78">
+            <a:extLst>
+              <a:ext uri="{FF2B5EF4-FFF2-40B4-BE49-F238E27FC236}">
+                <a16:creationId xmlns:a16="http://schemas.microsoft.com/office/drawing/2014/main" id="{6607D491-BD18-4652-BF4B-716A4FD9ED8B}"/>
+              </a:ext>
+            </a:extLst>
+          </p:cNvPr>
+          <p:cNvGrpSpPr/>
+          <p:nvPr/>
+        </p:nvGrpSpPr>
+        <p:grpSpPr>
+          <a:xfrm>
+            <a:off x="5873274" y="4698958"/>
+            <a:ext cx="2991694" cy="1933573"/>
+            <a:chOff x="4499361" y="4345136"/>
+            <a:chExt cx="2991694" cy="1933573"/>
+          </a:xfrm>
+        </p:grpSpPr>
+        <p:sp>
+          <p:nvSpPr>
+            <p:cNvPr id="5" name="Полилиния: фигура 4">
+              <a:extLst>
+                <a:ext uri="{FF2B5EF4-FFF2-40B4-BE49-F238E27FC236}">
+                  <a16:creationId xmlns:a16="http://schemas.microsoft.com/office/drawing/2014/main" id="{97033BEE-59F2-4349-8641-084765265648}"/>
                 </a:ext>
               </a:extLst>
             </p:cNvPr>
@@ -21220,8 +21603,8 @@
           </p:nvSpPr>
           <p:spPr>
             <a:xfrm>
-              <a:off x="66675" y="38100"/>
-              <a:ext cx="1562100" cy="1476375"/>
+              <a:off x="4499361" y="4494758"/>
+              <a:ext cx="1887535" cy="1783951"/>
             </a:xfrm>
             <a:custGeom>
               <a:avLst/>
@@ -21293,17 +21676,15 @@
                 </a:path>
               </a:pathLst>
             </a:custGeom>
-            <a:pattFill prst="ltDnDiag">
-              <a:fgClr>
-                <a:schemeClr val="tx1"/>
-              </a:fgClr>
-              <a:bgClr>
-                <a:schemeClr val="bg1"/>
-              </a:bgClr>
-            </a:pattFill>
-            <a:ln w="6350">
+            <a:solidFill>
+              <a:schemeClr val="accent3">
+                <a:lumMod val="60000"/>
+                <a:lumOff val="40000"/>
+              </a:schemeClr>
+            </a:solidFill>
+            <a:ln w="28575">
               <a:solidFill>
-                <a:schemeClr val="tx1"/>
+                <a:srgbClr val="7030A0"/>
               </a:solidFill>
             </a:ln>
           </p:spPr>
@@ -21341,375 +21722,13 @@
                 </a:spcAft>
               </a:pPr>
               <a:r>
-                <a:rPr lang="ru-RU" sz="1100">
+                <a:rPr lang="ru-RU" sz="1600">
                   <a:effectLst/>
                   <a:ea typeface="Calibri" panose="020F0502020204030204" pitchFamily="34" charset="0"/>
                   <a:cs typeface="Times New Roman" panose="02020603050405020304" pitchFamily="18" charset="0"/>
                 </a:rPr>
                 <a:t> </a:t>
               </a:r>
-            </a:p>
-          </p:txBody>
-        </p:sp>
-        <p:cxnSp>
-          <p:nvCxnSpPr>
-            <p:cNvPr id="7" name="Прямая соединительная линия 6">
-              <a:extLst>
-                <a:ext uri="{FF2B5EF4-FFF2-40B4-BE49-F238E27FC236}">
-                  <a16:creationId xmlns:a16="http://schemas.microsoft.com/office/drawing/2014/main" id="{9D01A4EE-9C98-406D-8E81-5F2CDE4B1ED3}"/>
-                </a:ext>
-              </a:extLst>
-            </p:cNvPr>
-            <p:cNvCxnSpPr/>
-            <p:nvPr/>
-          </p:nvCxnSpPr>
-          <p:spPr>
-            <a:xfrm flipV="1">
-              <a:off x="0" y="647700"/>
-              <a:ext cx="714375" cy="800100"/>
-            </a:xfrm>
-            <a:prstGeom prst="line">
-              <a:avLst/>
-            </a:prstGeom>
-            <a:ln w="19050">
-              <a:solidFill>
-                <a:schemeClr val="tx1"/>
-              </a:solidFill>
-              <a:headEnd type="oval" w="med" len="med"/>
-              <a:tailEnd type="arrow" w="med" len="med"/>
-            </a:ln>
-          </p:spPr>
-          <p:style>
-            <a:lnRef idx="1">
-              <a:schemeClr val="accent1"/>
-            </a:lnRef>
-            <a:fillRef idx="0">
-              <a:schemeClr val="accent1"/>
-            </a:fillRef>
-            <a:effectRef idx="0">
-              <a:schemeClr val="accent1"/>
-            </a:effectRef>
-            <a:fontRef idx="minor">
-              <a:schemeClr val="tx1"/>
-            </a:fontRef>
-          </p:style>
-        </p:cxnSp>
-        <p:cxnSp>
-          <p:nvCxnSpPr>
-            <p:cNvPr id="8" name="Прямая соединительная линия 7">
-              <a:extLst>
-                <a:ext uri="{FF2B5EF4-FFF2-40B4-BE49-F238E27FC236}">
-                  <a16:creationId xmlns:a16="http://schemas.microsoft.com/office/drawing/2014/main" id="{3B1DD73D-D922-49C7-9B24-8C9169558F33}"/>
-                </a:ext>
-              </a:extLst>
-            </p:cNvPr>
-            <p:cNvCxnSpPr/>
-            <p:nvPr/>
-          </p:nvCxnSpPr>
-          <p:spPr>
-            <a:xfrm flipV="1">
-              <a:off x="704850" y="247650"/>
-              <a:ext cx="361950" cy="409575"/>
-            </a:xfrm>
-            <a:prstGeom prst="line">
-              <a:avLst/>
-            </a:prstGeom>
-            <a:ln w="19050">
-              <a:solidFill>
-                <a:schemeClr val="tx1"/>
-              </a:solidFill>
-              <a:headEnd type="oval" w="med" len="med"/>
-              <a:tailEnd type="arrow" w="med" len="med"/>
-            </a:ln>
-          </p:spPr>
-          <p:style>
-            <a:lnRef idx="1">
-              <a:schemeClr val="accent1"/>
-            </a:lnRef>
-            <a:fillRef idx="0">
-              <a:schemeClr val="accent1"/>
-            </a:fillRef>
-            <a:effectRef idx="0">
-              <a:schemeClr val="accent1"/>
-            </a:effectRef>
-            <a:fontRef idx="minor">
-              <a:schemeClr val="tx1"/>
-            </a:fontRef>
-          </p:style>
-        </p:cxnSp>
-        <p:sp>
-          <p:nvSpPr>
-            <p:cNvPr id="9" name="Надпись 79">
-              <a:extLst>
-                <a:ext uri="{FF2B5EF4-FFF2-40B4-BE49-F238E27FC236}">
-                  <a16:creationId xmlns:a16="http://schemas.microsoft.com/office/drawing/2014/main" id="{0626FE74-82E4-4E0B-9DD7-1CE79F22D975}"/>
-                </a:ext>
-              </a:extLst>
-            </p:cNvPr>
-            <p:cNvSpPr txBox="1"/>
-            <p:nvPr/>
-          </p:nvSpPr>
-          <p:spPr>
-            <a:xfrm>
-              <a:off x="9525" y="1419225"/>
-              <a:ext cx="581025" cy="238125"/>
-            </a:xfrm>
-            <a:prstGeom prst="rect">
-              <a:avLst/>
-            </a:prstGeom>
-            <a:noFill/>
-            <a:ln w="6350">
-              <a:noFill/>
-            </a:ln>
-          </p:spPr>
-          <p:txBody>
-            <a:bodyPr rot="0" spcFirstLastPara="0" vert="horz" wrap="square" lIns="91440" tIns="45720" rIns="91440" bIns="45720" numCol="1" spcCol="0" rtlCol="0" fromWordArt="0" anchor="t" anchorCtr="0" forceAA="0" compatLnSpc="1">
-              <a:prstTxWarp prst="textNoShape">
-                <a:avLst/>
-              </a:prstTxWarp>
-              <a:noAutofit/>
-            </a:bodyPr>
-            <a:lstStyle/>
-            <a:p>
-              <a:pPr>
-                <a:lnSpc>
-                  <a:spcPct val="107000"/>
-                </a:lnSpc>
-                <a:spcAft>
-                  <a:spcPts val="800"/>
-                </a:spcAft>
-              </a:pPr>
-              <a:r>
-                <a:rPr lang="en-US" sz="1100">
-                  <a:effectLst/>
-                  <a:latin typeface="Calibri" panose="020F0502020204030204" pitchFamily="34" charset="0"/>
-                  <a:ea typeface="Calibri" panose="020F0502020204030204" pitchFamily="34" charset="0"/>
-                  <a:cs typeface="Times New Roman" panose="02020603050405020304" pitchFamily="18" charset="0"/>
-                </a:rPr>
-                <a:t>M</a:t>
-              </a:r>
-              <a:r>
-                <a:rPr lang="en-US" sz="1100" baseline="-25000">
-                  <a:effectLst/>
-                  <a:latin typeface="Calibri" panose="020F0502020204030204" pitchFamily="34" charset="0"/>
-                  <a:ea typeface="Calibri" panose="020F0502020204030204" pitchFamily="34" charset="0"/>
-                  <a:cs typeface="Times New Roman" panose="02020603050405020304" pitchFamily="18" charset="0"/>
-                </a:rPr>
-                <a:t>i-1</a:t>
-              </a:r>
-              <a:endParaRPr lang="ru-RU" sz="1100">
-                <a:effectLst/>
-                <a:latin typeface="Calibri" panose="020F0502020204030204" pitchFamily="34" charset="0"/>
-                <a:ea typeface="Calibri" panose="020F0502020204030204" pitchFamily="34" charset="0"/>
-                <a:cs typeface="Times New Roman" panose="02020603050405020304" pitchFamily="18" charset="0"/>
-              </a:endParaRPr>
-            </a:p>
-          </p:txBody>
-        </p:sp>
-        <p:sp>
-          <p:nvSpPr>
-            <p:cNvPr id="10" name="Надпись 80">
-              <a:extLst>
-                <a:ext uri="{FF2B5EF4-FFF2-40B4-BE49-F238E27FC236}">
-                  <a16:creationId xmlns:a16="http://schemas.microsoft.com/office/drawing/2014/main" id="{EDD86DBE-ECF2-4873-8357-ABCDCF5BEB7E}"/>
-                </a:ext>
-              </a:extLst>
-            </p:cNvPr>
-            <p:cNvSpPr txBox="1"/>
-            <p:nvPr/>
-          </p:nvSpPr>
-          <p:spPr>
-            <a:xfrm>
-              <a:off x="1085850" y="57150"/>
-              <a:ext cx="581025" cy="238125"/>
-            </a:xfrm>
-            <a:prstGeom prst="rect">
-              <a:avLst/>
-            </a:prstGeom>
-            <a:noFill/>
-            <a:ln w="6350">
-              <a:noFill/>
-            </a:ln>
-          </p:spPr>
-          <p:txBody>
-            <a:bodyPr rot="0" spcFirstLastPara="0" vert="horz" wrap="square" lIns="91440" tIns="45720" rIns="91440" bIns="45720" numCol="1" spcCol="0" rtlCol="0" fromWordArt="0" anchor="t" anchorCtr="0" forceAA="0" compatLnSpc="1">
-              <a:prstTxWarp prst="textNoShape">
-                <a:avLst/>
-              </a:prstTxWarp>
-              <a:noAutofit/>
-            </a:bodyPr>
-            <a:lstStyle/>
-            <a:p>
-              <a:pPr>
-                <a:lnSpc>
-                  <a:spcPct val="107000"/>
-                </a:lnSpc>
-                <a:spcAft>
-                  <a:spcPts val="800"/>
-                </a:spcAft>
-              </a:pPr>
-              <a:r>
-                <a:rPr lang="en-US" sz="1100">
-                  <a:effectLst/>
-                  <a:latin typeface="Calibri" panose="020F0502020204030204" pitchFamily="34" charset="0"/>
-                  <a:ea typeface="Calibri" panose="020F0502020204030204" pitchFamily="34" charset="0"/>
-                  <a:cs typeface="Times New Roman" panose="02020603050405020304" pitchFamily="18" charset="0"/>
-                </a:rPr>
-                <a:t>M</a:t>
-              </a:r>
-              <a:r>
-                <a:rPr lang="en-US" sz="1100" baseline="-25000">
-                  <a:effectLst/>
-                  <a:latin typeface="Calibri" panose="020F0502020204030204" pitchFamily="34" charset="0"/>
-                  <a:ea typeface="Calibri" panose="020F0502020204030204" pitchFamily="34" charset="0"/>
-                  <a:cs typeface="Times New Roman" panose="02020603050405020304" pitchFamily="18" charset="0"/>
-                </a:rPr>
-                <a:t>i+1</a:t>
-              </a:r>
-              <a:endParaRPr lang="ru-RU" sz="1100">
-                <a:effectLst/>
-                <a:latin typeface="Calibri" panose="020F0502020204030204" pitchFamily="34" charset="0"/>
-                <a:ea typeface="Calibri" panose="020F0502020204030204" pitchFamily="34" charset="0"/>
-                <a:cs typeface="Times New Roman" panose="02020603050405020304" pitchFamily="18" charset="0"/>
-              </a:endParaRPr>
-            </a:p>
-          </p:txBody>
-        </p:sp>
-        <p:sp>
-          <p:nvSpPr>
-            <p:cNvPr id="11" name="Надпись 81">
-              <a:extLst>
-                <a:ext uri="{FF2B5EF4-FFF2-40B4-BE49-F238E27FC236}">
-                  <a16:creationId xmlns:a16="http://schemas.microsoft.com/office/drawing/2014/main" id="{8CD5488D-1084-45A9-919C-200FF562CED7}"/>
-                </a:ext>
-              </a:extLst>
-            </p:cNvPr>
-            <p:cNvSpPr txBox="1"/>
-            <p:nvPr/>
-          </p:nvSpPr>
-          <p:spPr>
-            <a:xfrm>
-              <a:off x="742950" y="533400"/>
-              <a:ext cx="581025" cy="238125"/>
-            </a:xfrm>
-            <a:prstGeom prst="rect">
-              <a:avLst/>
-            </a:prstGeom>
-            <a:noFill/>
-            <a:ln w="6350">
-              <a:noFill/>
-            </a:ln>
-          </p:spPr>
-          <p:txBody>
-            <a:bodyPr rot="0" spcFirstLastPara="0" vert="horz" wrap="square" lIns="91440" tIns="45720" rIns="91440" bIns="45720" numCol="1" spcCol="0" rtlCol="0" fromWordArt="0" anchor="t" anchorCtr="0" forceAA="0" compatLnSpc="1">
-              <a:prstTxWarp prst="textNoShape">
-                <a:avLst/>
-              </a:prstTxWarp>
-              <a:noAutofit/>
-            </a:bodyPr>
-            <a:lstStyle/>
-            <a:p>
-              <a:pPr>
-                <a:lnSpc>
-                  <a:spcPct val="107000"/>
-                </a:lnSpc>
-                <a:spcAft>
-                  <a:spcPts val="800"/>
-                </a:spcAft>
-              </a:pPr>
-              <a:r>
-                <a:rPr lang="en-US" sz="1100">
-                  <a:effectLst/>
-                  <a:latin typeface="Calibri" panose="020F0502020204030204" pitchFamily="34" charset="0"/>
-                  <a:ea typeface="Calibri" panose="020F0502020204030204" pitchFamily="34" charset="0"/>
-                  <a:cs typeface="Times New Roman" panose="02020603050405020304" pitchFamily="18" charset="0"/>
-                </a:rPr>
-                <a:t>M</a:t>
-              </a:r>
-              <a:r>
-                <a:rPr lang="en-US" sz="1100" baseline="-25000">
-                  <a:effectLst/>
-                  <a:latin typeface="Calibri" panose="020F0502020204030204" pitchFamily="34" charset="0"/>
-                  <a:ea typeface="Calibri" panose="020F0502020204030204" pitchFamily="34" charset="0"/>
-                  <a:cs typeface="Times New Roman" panose="02020603050405020304" pitchFamily="18" charset="0"/>
-                </a:rPr>
-                <a:t>i</a:t>
-              </a:r>
-              <a:endParaRPr lang="ru-RU" sz="1100">
-                <a:effectLst/>
-                <a:latin typeface="Calibri" panose="020F0502020204030204" pitchFamily="34" charset="0"/>
-                <a:ea typeface="Calibri" panose="020F0502020204030204" pitchFamily="34" charset="0"/>
-                <a:cs typeface="Times New Roman" panose="02020603050405020304" pitchFamily="18" charset="0"/>
-              </a:endParaRPr>
-            </a:p>
-          </p:txBody>
-        </p:sp>
-        <p:sp>
-          <p:nvSpPr>
-            <p:cNvPr id="12" name="Надпись 82">
-              <a:extLst>
-                <a:ext uri="{FF2B5EF4-FFF2-40B4-BE49-F238E27FC236}">
-                  <a16:creationId xmlns:a16="http://schemas.microsoft.com/office/drawing/2014/main" id="{5AAFFC78-E594-48C9-B856-D3AF106CFE78}"/>
-                </a:ext>
-              </a:extLst>
-            </p:cNvPr>
-            <p:cNvSpPr txBox="1"/>
-            <p:nvPr/>
-          </p:nvSpPr>
-          <p:spPr>
-            <a:xfrm>
-              <a:off x="1123950" y="1314450"/>
-              <a:ext cx="581025" cy="238125"/>
-            </a:xfrm>
-            <a:prstGeom prst="rect">
-              <a:avLst/>
-            </a:prstGeom>
-            <a:noFill/>
-            <a:ln w="6350">
-              <a:noFill/>
-            </a:ln>
-          </p:spPr>
-          <p:txBody>
-            <a:bodyPr rot="0" spcFirstLastPara="0" vert="horz" wrap="square" lIns="91440" tIns="45720" rIns="91440" bIns="45720" numCol="1" spcCol="0" rtlCol="0" fromWordArt="0" anchor="t" anchorCtr="0" forceAA="0" compatLnSpc="1">
-              <a:prstTxWarp prst="textNoShape">
-                <a:avLst/>
-              </a:prstTxWarp>
-              <a:noAutofit/>
-            </a:bodyPr>
-            <a:lstStyle/>
-            <a:p>
-              <a:pPr>
-                <a:lnSpc>
-                  <a:spcPct val="107000"/>
-                </a:lnSpc>
-                <a:spcAft>
-                  <a:spcPts val="800"/>
-                </a:spcAft>
-              </a:pPr>
-              <a:r>
-                <a:rPr lang="en-US" sz="1100">
-                  <a:effectLst/>
-                  <a:latin typeface="Calibri" panose="020F0502020204030204" pitchFamily="34" charset="0"/>
-                  <a:ea typeface="Calibri" panose="020F0502020204030204" pitchFamily="34" charset="0"/>
-                  <a:cs typeface="Times New Roman" panose="02020603050405020304" pitchFamily="18" charset="0"/>
-                </a:rPr>
-                <a:t>C</a:t>
-              </a:r>
-              <a:r>
-                <a:rPr lang="en-US" sz="1100" baseline="-25000">
-                  <a:effectLst/>
-                  <a:latin typeface="Calibri" panose="020F0502020204030204" pitchFamily="34" charset="0"/>
-                  <a:ea typeface="Calibri" panose="020F0502020204030204" pitchFamily="34" charset="0"/>
-                  <a:cs typeface="Times New Roman" panose="02020603050405020304" pitchFamily="18" charset="0"/>
-                </a:rPr>
-                <a:t>i</a:t>
-              </a:r>
-              <a:endParaRPr lang="ru-RU" sz="1100">
-                <a:effectLst/>
-                <a:latin typeface="Calibri" panose="020F0502020204030204" pitchFamily="34" charset="0"/>
-                <a:ea typeface="Calibri" panose="020F0502020204030204" pitchFamily="34" charset="0"/>
-                <a:cs typeface="Times New Roman" panose="02020603050405020304" pitchFamily="18" charset="0"/>
-              </a:endParaRPr>
             </a:p>
           </p:txBody>
         </p:sp>
@@ -21727,15 +21746,15 @@
           </p:nvCxnSpPr>
           <p:spPr>
             <a:xfrm flipH="1" flipV="1">
-              <a:off x="3771900" y="619125"/>
-              <a:ext cx="447675" cy="647700"/>
+              <a:off x="6398405" y="5093245"/>
+              <a:ext cx="540940" cy="782637"/>
             </a:xfrm>
             <a:prstGeom prst="line">
               <a:avLst/>
             </a:prstGeom>
             <a:ln w="19050">
               <a:solidFill>
-                <a:schemeClr val="tx1"/>
+                <a:srgbClr val="FF0000"/>
               </a:solidFill>
               <a:headEnd type="oval" w="med" len="med"/>
               <a:tailEnd type="arrow" w="med" len="med"/>
@@ -21770,14 +21789,1999 @@
           </p:nvSpPr>
           <p:spPr>
             <a:xfrm rot="21329830">
-              <a:off x="3771900" y="0"/>
-              <a:ext cx="811530" cy="1423670"/>
+              <a:off x="6398405" y="4345136"/>
+              <a:ext cx="980598" cy="1720266"/>
             </a:xfrm>
             <a:prstGeom prst="ellipse">
               <a:avLst/>
             </a:prstGeom>
             <a:noFill/>
-            <a:ln>
+            <a:ln w="28575">
+              <a:solidFill>
+                <a:srgbClr val="00B050"/>
+              </a:solidFill>
+              <a:prstDash val="dash"/>
+            </a:ln>
+          </p:spPr>
+          <p:style>
+            <a:lnRef idx="2">
+              <a:schemeClr val="accent1">
+                <a:shade val="50000"/>
+              </a:schemeClr>
+            </a:lnRef>
+            <a:fillRef idx="1">
+              <a:schemeClr val="accent1"/>
+            </a:fillRef>
+            <a:effectRef idx="0">
+              <a:schemeClr val="accent1"/>
+            </a:effectRef>
+            <a:fontRef idx="minor">
+              <a:schemeClr val="lt1"/>
+            </a:fontRef>
+          </p:style>
+          <p:txBody>
+            <a:bodyPr rot="0" spcFirstLastPara="0" vert="horz" wrap="square" lIns="91440" tIns="45720" rIns="91440" bIns="45720" numCol="1" spcCol="0" rtlCol="0" fromWordArt="0" anchor="ctr" anchorCtr="0" forceAA="0" compatLnSpc="1">
+              <a:prstTxWarp prst="textNoShape">
+                <a:avLst/>
+              </a:prstTxWarp>
+              <a:noAutofit/>
+            </a:bodyPr>
+            <a:lstStyle/>
+            <a:p>
+              <a:endParaRPr lang="ru-RU" sz="1600"/>
+            </a:p>
+          </p:txBody>
+        </p:sp>
+        <p:cxnSp>
+          <p:nvCxnSpPr>
+            <p:cNvPr id="15" name="Прямая соединительная линия 14">
+              <a:extLst>
+                <a:ext uri="{FF2B5EF4-FFF2-40B4-BE49-F238E27FC236}">
+                  <a16:creationId xmlns:a16="http://schemas.microsoft.com/office/drawing/2014/main" id="{78BF76F1-6CD6-42C5-9135-85B5DEC9304D}"/>
+                </a:ext>
+              </a:extLst>
+            </p:cNvPr>
+            <p:cNvCxnSpPr/>
+            <p:nvPr/>
+          </p:nvCxnSpPr>
+          <p:spPr>
+            <a:xfrm flipH="1">
+              <a:off x="6352368" y="4471739"/>
+              <a:ext cx="46037" cy="1772442"/>
+            </a:xfrm>
+            <a:prstGeom prst="line">
+              <a:avLst/>
+            </a:prstGeom>
+            <a:ln w="28575" cmpd="dbl">
+              <a:solidFill>
+                <a:schemeClr val="tx1"/>
+              </a:solidFill>
+              <a:prstDash val="sysDot"/>
+            </a:ln>
+          </p:spPr>
+          <p:style>
+            <a:lnRef idx="1">
+              <a:schemeClr val="accent1"/>
+            </a:lnRef>
+            <a:fillRef idx="0">
+              <a:schemeClr val="accent1"/>
+            </a:fillRef>
+            <a:effectRef idx="0">
+              <a:schemeClr val="accent1"/>
+            </a:effectRef>
+            <a:fontRef idx="minor">
+              <a:schemeClr val="tx1"/>
+            </a:fontRef>
+          </p:style>
+        </p:cxnSp>
+        <p:sp>
+          <p:nvSpPr>
+            <p:cNvPr id="16" name="Надпись 121">
+              <a:extLst>
+                <a:ext uri="{FF2B5EF4-FFF2-40B4-BE49-F238E27FC236}">
+                  <a16:creationId xmlns:a16="http://schemas.microsoft.com/office/drawing/2014/main" id="{A63C5079-79BB-45A2-8BAA-2D767C523A4E}"/>
+                </a:ext>
+              </a:extLst>
+            </p:cNvPr>
+            <p:cNvSpPr txBox="1"/>
+            <p:nvPr/>
+          </p:nvSpPr>
+          <p:spPr>
+            <a:xfrm>
+              <a:off x="5247469" y="5104754"/>
+              <a:ext cx="702071" cy="287734"/>
+            </a:xfrm>
+            <a:prstGeom prst="rect">
+              <a:avLst/>
+            </a:prstGeom>
+            <a:noFill/>
+            <a:ln w="6350">
+              <a:noFill/>
+            </a:ln>
+          </p:spPr>
+          <p:txBody>
+            <a:bodyPr rot="0" spcFirstLastPara="0" vert="horz" wrap="square" lIns="91440" tIns="45720" rIns="91440" bIns="45720" numCol="1" spcCol="0" rtlCol="0" fromWordArt="0" anchor="t" anchorCtr="0" forceAA="0" compatLnSpc="1">
+              <a:prstTxWarp prst="textNoShape">
+                <a:avLst/>
+              </a:prstTxWarp>
+              <a:noAutofit/>
+            </a:bodyPr>
+            <a:lstStyle/>
+            <a:p>
+              <a:pPr>
+                <a:lnSpc>
+                  <a:spcPct val="107000"/>
+                </a:lnSpc>
+                <a:spcAft>
+                  <a:spcPts val="800"/>
+                </a:spcAft>
+              </a:pPr>
+              <a:r>
+                <a:rPr lang="en-US" sz="1600" dirty="0">
+                  <a:effectLst/>
+                  <a:latin typeface="Calibri" panose="020F0502020204030204" pitchFamily="34" charset="0"/>
+                  <a:ea typeface="Calibri" panose="020F0502020204030204" pitchFamily="34" charset="0"/>
+                  <a:cs typeface="Times New Roman" panose="02020603050405020304" pitchFamily="18" charset="0"/>
+                </a:rPr>
+                <a:t>C</a:t>
+              </a:r>
+              <a:r>
+                <a:rPr lang="en-US" sz="1600" baseline="-25000" dirty="0">
+                  <a:effectLst/>
+                  <a:latin typeface="Calibri" panose="020F0502020204030204" pitchFamily="34" charset="0"/>
+                  <a:ea typeface="Calibri" panose="020F0502020204030204" pitchFamily="34" charset="0"/>
+                  <a:cs typeface="Times New Roman" panose="02020603050405020304" pitchFamily="18" charset="0"/>
+                </a:rPr>
+                <a:t>i</a:t>
+              </a:r>
+              <a:endParaRPr lang="ru-RU" sz="1600" dirty="0">
+                <a:effectLst/>
+                <a:latin typeface="Calibri" panose="020F0502020204030204" pitchFamily="34" charset="0"/>
+                <a:ea typeface="Calibri" panose="020F0502020204030204" pitchFamily="34" charset="0"/>
+                <a:cs typeface="Times New Roman" panose="02020603050405020304" pitchFamily="18" charset="0"/>
+              </a:endParaRPr>
+            </a:p>
+          </p:txBody>
+        </p:sp>
+        <p:sp>
+          <p:nvSpPr>
+            <p:cNvPr id="17" name="Надпись 122">
+              <a:extLst>
+                <a:ext uri="{FF2B5EF4-FFF2-40B4-BE49-F238E27FC236}">
+                  <a16:creationId xmlns:a16="http://schemas.microsoft.com/office/drawing/2014/main" id="{3C9A6E31-C9DC-4DDA-93B4-19AD8001BC1D}"/>
+                </a:ext>
+              </a:extLst>
+            </p:cNvPr>
+            <p:cNvSpPr txBox="1"/>
+            <p:nvPr/>
+          </p:nvSpPr>
+          <p:spPr>
+            <a:xfrm>
+              <a:off x="6423532" y="4935242"/>
+              <a:ext cx="702071" cy="287734"/>
+            </a:xfrm>
+            <a:prstGeom prst="rect">
+              <a:avLst/>
+            </a:prstGeom>
+            <a:noFill/>
+            <a:ln w="6350">
+              <a:noFill/>
+            </a:ln>
+          </p:spPr>
+          <p:txBody>
+            <a:bodyPr rot="0" spcFirstLastPara="0" vert="horz" wrap="square" lIns="91440" tIns="45720" rIns="91440" bIns="45720" numCol="1" spcCol="0" rtlCol="0" fromWordArt="0" anchor="t" anchorCtr="0" forceAA="0" compatLnSpc="1">
+              <a:prstTxWarp prst="textNoShape">
+                <a:avLst/>
+              </a:prstTxWarp>
+              <a:noAutofit/>
+            </a:bodyPr>
+            <a:lstStyle/>
+            <a:p>
+              <a:pPr>
+                <a:lnSpc>
+                  <a:spcPct val="107000"/>
+                </a:lnSpc>
+                <a:spcAft>
+                  <a:spcPts val="800"/>
+                </a:spcAft>
+              </a:pPr>
+              <a:r>
+                <a:rPr lang="en-US" sz="1600" dirty="0">
+                  <a:effectLst/>
+                  <a:latin typeface="Calibri" panose="020F0502020204030204" pitchFamily="34" charset="0"/>
+                  <a:ea typeface="Calibri" panose="020F0502020204030204" pitchFamily="34" charset="0"/>
+                  <a:cs typeface="Times New Roman" panose="02020603050405020304" pitchFamily="18" charset="0"/>
+                </a:rPr>
+                <a:t>M</a:t>
+              </a:r>
+              <a:r>
+                <a:rPr lang="en-US" sz="1600" baseline="-25000" dirty="0">
+                  <a:effectLst/>
+                  <a:latin typeface="Calibri" panose="020F0502020204030204" pitchFamily="34" charset="0"/>
+                  <a:ea typeface="Calibri" panose="020F0502020204030204" pitchFamily="34" charset="0"/>
+                  <a:cs typeface="Times New Roman" panose="02020603050405020304" pitchFamily="18" charset="0"/>
+                </a:rPr>
+                <a:t>i</a:t>
+              </a:r>
+              <a:endParaRPr lang="ru-RU" sz="1600" dirty="0">
+                <a:effectLst/>
+                <a:latin typeface="Calibri" panose="020F0502020204030204" pitchFamily="34" charset="0"/>
+                <a:ea typeface="Calibri" panose="020F0502020204030204" pitchFamily="34" charset="0"/>
+                <a:cs typeface="Times New Roman" panose="02020603050405020304" pitchFamily="18" charset="0"/>
+              </a:endParaRPr>
+            </a:p>
+          </p:txBody>
+        </p:sp>
+        <p:sp>
+          <p:nvSpPr>
+            <p:cNvPr id="19" name="Надпись 124">
+              <a:extLst>
+                <a:ext uri="{FF2B5EF4-FFF2-40B4-BE49-F238E27FC236}">
+                  <a16:creationId xmlns:a16="http://schemas.microsoft.com/office/drawing/2014/main" id="{20BCCE72-1228-4842-AFB5-FADB295FFEF1}"/>
+                </a:ext>
+              </a:extLst>
+            </p:cNvPr>
+            <p:cNvSpPr txBox="1"/>
+            <p:nvPr/>
+          </p:nvSpPr>
+          <p:spPr>
+            <a:xfrm>
+              <a:off x="6788984" y="5490494"/>
+              <a:ext cx="702071" cy="287734"/>
+            </a:xfrm>
+            <a:prstGeom prst="rect">
+              <a:avLst/>
+            </a:prstGeom>
+            <a:noFill/>
+            <a:ln w="6350">
+              <a:noFill/>
+            </a:ln>
+          </p:spPr>
+          <p:txBody>
+            <a:bodyPr rot="0" spcFirstLastPara="0" vert="horz" wrap="square" lIns="91440" tIns="45720" rIns="91440" bIns="45720" numCol="1" spcCol="0" rtlCol="0" fromWordArt="0" anchor="t" anchorCtr="0" forceAA="0" compatLnSpc="1">
+              <a:prstTxWarp prst="textNoShape">
+                <a:avLst/>
+              </a:prstTxWarp>
+              <a:noAutofit/>
+            </a:bodyPr>
+            <a:lstStyle/>
+            <a:p>
+              <a:pPr>
+                <a:lnSpc>
+                  <a:spcPct val="107000"/>
+                </a:lnSpc>
+                <a:spcAft>
+                  <a:spcPts val="800"/>
+                </a:spcAft>
+              </a:pPr>
+              <a:r>
+                <a:rPr lang="en-US" sz="1600" dirty="0">
+                  <a:effectLst/>
+                  <a:latin typeface="Calibri" panose="020F0502020204030204" pitchFamily="34" charset="0"/>
+                  <a:ea typeface="Calibri" panose="020F0502020204030204" pitchFamily="34" charset="0"/>
+                  <a:cs typeface="Times New Roman" panose="02020603050405020304" pitchFamily="18" charset="0"/>
+                </a:rPr>
+                <a:t>M</a:t>
+              </a:r>
+              <a:r>
+                <a:rPr lang="en-US" sz="1600" baseline="-25000" dirty="0">
+                  <a:effectLst/>
+                  <a:latin typeface="Calibri" panose="020F0502020204030204" pitchFamily="34" charset="0"/>
+                  <a:ea typeface="Calibri" panose="020F0502020204030204" pitchFamily="34" charset="0"/>
+                  <a:cs typeface="Times New Roman" panose="02020603050405020304" pitchFamily="18" charset="0"/>
+                </a:rPr>
+                <a:t>i-1</a:t>
+              </a:r>
+              <a:endParaRPr lang="ru-RU" sz="1600" dirty="0">
+                <a:effectLst/>
+                <a:latin typeface="Calibri" panose="020F0502020204030204" pitchFamily="34" charset="0"/>
+                <a:ea typeface="Calibri" panose="020F0502020204030204" pitchFamily="34" charset="0"/>
+                <a:cs typeface="Times New Roman" panose="02020603050405020304" pitchFamily="18" charset="0"/>
+              </a:endParaRPr>
+            </a:p>
+          </p:txBody>
+        </p:sp>
+        <p:cxnSp>
+          <p:nvCxnSpPr>
+            <p:cNvPr id="20" name="Прямая соединительная линия 19">
+              <a:extLst>
+                <a:ext uri="{FF2B5EF4-FFF2-40B4-BE49-F238E27FC236}">
+                  <a16:creationId xmlns:a16="http://schemas.microsoft.com/office/drawing/2014/main" id="{BC052E44-EB97-46E4-B381-B8D6985EB173}"/>
+                </a:ext>
+              </a:extLst>
+            </p:cNvPr>
+            <p:cNvCxnSpPr/>
+            <p:nvPr/>
+          </p:nvCxnSpPr>
+          <p:spPr>
+            <a:xfrm flipV="1">
+              <a:off x="6409915" y="4598342"/>
+              <a:ext cx="437356" cy="494903"/>
+            </a:xfrm>
+            <a:prstGeom prst="line">
+              <a:avLst/>
+            </a:prstGeom>
+            <a:ln w="19050">
+              <a:solidFill>
+                <a:srgbClr val="FF0000"/>
+              </a:solidFill>
+              <a:headEnd type="oval" w="med" len="med"/>
+              <a:tailEnd type="arrow" w="med" len="med"/>
+            </a:ln>
+          </p:spPr>
+          <p:style>
+            <a:lnRef idx="1">
+              <a:schemeClr val="accent1"/>
+            </a:lnRef>
+            <a:fillRef idx="0">
+              <a:schemeClr val="accent1"/>
+            </a:fillRef>
+            <a:effectRef idx="0">
+              <a:schemeClr val="accent1"/>
+            </a:effectRef>
+            <a:fontRef idx="minor">
+              <a:schemeClr val="tx1"/>
+            </a:fontRef>
+          </p:style>
+        </p:cxnSp>
+        <p:sp>
+          <p:nvSpPr>
+            <p:cNvPr id="18" name="Надпись 123">
+              <a:extLst>
+                <a:ext uri="{FF2B5EF4-FFF2-40B4-BE49-F238E27FC236}">
+                  <a16:creationId xmlns:a16="http://schemas.microsoft.com/office/drawing/2014/main" id="{5C30BC90-8618-4545-950C-CD526042A312}"/>
+                </a:ext>
+              </a:extLst>
+            </p:cNvPr>
+            <p:cNvSpPr txBox="1"/>
+            <p:nvPr/>
+          </p:nvSpPr>
+          <p:spPr>
+            <a:xfrm>
+              <a:off x="6762925" y="4620380"/>
+              <a:ext cx="702071" cy="322917"/>
+            </a:xfrm>
+            <a:prstGeom prst="rect">
+              <a:avLst/>
+            </a:prstGeom>
+            <a:noFill/>
+            <a:ln w="6350">
+              <a:noFill/>
+            </a:ln>
+          </p:spPr>
+          <p:txBody>
+            <a:bodyPr rot="0" spcFirstLastPara="0" vert="horz" wrap="square" lIns="91440" tIns="45720" rIns="91440" bIns="45720" numCol="1" spcCol="0" rtlCol="0" fromWordArt="0" anchor="t" anchorCtr="0" forceAA="0" compatLnSpc="1">
+              <a:prstTxWarp prst="textNoShape">
+                <a:avLst/>
+              </a:prstTxWarp>
+              <a:noAutofit/>
+            </a:bodyPr>
+            <a:lstStyle/>
+            <a:p>
+              <a:pPr>
+                <a:lnSpc>
+                  <a:spcPct val="107000"/>
+                </a:lnSpc>
+                <a:spcAft>
+                  <a:spcPts val="800"/>
+                </a:spcAft>
+              </a:pPr>
+              <a:r>
+                <a:rPr lang="en-US" sz="1600" dirty="0">
+                  <a:effectLst/>
+                  <a:latin typeface="Calibri" panose="020F0502020204030204" pitchFamily="34" charset="0"/>
+                  <a:ea typeface="Calibri" panose="020F0502020204030204" pitchFamily="34" charset="0"/>
+                  <a:cs typeface="Times New Roman" panose="02020603050405020304" pitchFamily="18" charset="0"/>
+                </a:rPr>
+                <a:t>M</a:t>
+              </a:r>
+              <a:r>
+                <a:rPr lang="en-US" sz="1600" baseline="-25000" dirty="0">
+                  <a:effectLst/>
+                  <a:latin typeface="Calibri" panose="020F0502020204030204" pitchFamily="34" charset="0"/>
+                  <a:ea typeface="Calibri" panose="020F0502020204030204" pitchFamily="34" charset="0"/>
+                  <a:cs typeface="Times New Roman" panose="02020603050405020304" pitchFamily="18" charset="0"/>
+                </a:rPr>
+                <a:t>i+1</a:t>
+              </a:r>
+              <a:endParaRPr lang="ru-RU" sz="1600" dirty="0">
+                <a:effectLst/>
+                <a:latin typeface="Calibri" panose="020F0502020204030204" pitchFamily="34" charset="0"/>
+                <a:ea typeface="Calibri" panose="020F0502020204030204" pitchFamily="34" charset="0"/>
+                <a:cs typeface="Times New Roman" panose="02020603050405020304" pitchFamily="18" charset="0"/>
+              </a:endParaRPr>
+            </a:p>
+          </p:txBody>
+        </p:sp>
+      </p:grpSp>
+      <p:sp>
+        <p:nvSpPr>
+          <p:cNvPr id="21" name="Rectangle 13">
+            <a:extLst>
+              <a:ext uri="{FF2B5EF4-FFF2-40B4-BE49-F238E27FC236}">
+                <a16:creationId xmlns:a16="http://schemas.microsoft.com/office/drawing/2014/main" id="{519267D3-5570-480D-AB0C-49B280D652C7}"/>
+              </a:ext>
+            </a:extLst>
+          </p:cNvPr>
+          <p:cNvSpPr>
+            <a:spLocks noChangeArrowheads="1"/>
+          </p:cNvSpPr>
+          <p:nvPr/>
+        </p:nvSpPr>
+        <p:spPr bwMode="auto">
+          <a:xfrm>
+            <a:off x="1706612" y="1392195"/>
+            <a:ext cx="9144000" cy="0"/>
+          </a:xfrm>
+          <a:prstGeom prst="rect">
+            <a:avLst/>
+          </a:prstGeom>
+          <a:noFill/>
+          <a:ln>
+            <a:noFill/>
+          </a:ln>
+          <a:effectLst/>
+          <a:extLst>
+            <a:ext uri="{909E8E84-426E-40DD-AFC4-6F175D3DCCD1}">
+              <a14:hiddenFill xmlns:a14="http://schemas.microsoft.com/office/drawing/2010/main">
+                <a:solidFill>
+                  <a:schemeClr val="accent1"/>
+                </a:solidFill>
+              </a14:hiddenFill>
+            </a:ext>
+            <a:ext uri="{91240B29-F687-4F45-9708-019B960494DF}">
+              <a14:hiddenLine xmlns:a14="http://schemas.microsoft.com/office/drawing/2010/main" w="9525">
+                <a:solidFill>
+                  <a:schemeClr val="tx1"/>
+                </a:solidFill>
+                <a:miter lim="800000"/>
+                <a:headEnd/>
+                <a:tailEnd/>
+              </a14:hiddenLine>
+            </a:ext>
+            <a:ext uri="{AF507438-7753-43E0-B8FC-AC1667EBCBE1}">
+              <a14:hiddenEffects xmlns:a14="http://schemas.microsoft.com/office/drawing/2010/main">
+                <a:effectLst>
+                  <a:outerShdw dist="35921" dir="2700000" algn="ctr" rotWithShape="0">
+                    <a:schemeClr val="bg2"/>
+                  </a:outerShdw>
+                </a:effectLst>
+              </a14:hiddenEffects>
+            </a:ext>
+          </a:extLst>
+        </p:spPr>
+        <p:txBody>
+          <a:bodyPr vert="horz" wrap="none" lIns="91440" tIns="45720" rIns="91440" bIns="45720" numCol="1" anchor="ctr" anchorCtr="0" compatLnSpc="1">
+            <a:prstTxWarp prst="textNoShape">
+              <a:avLst/>
+            </a:prstTxWarp>
+            <a:spAutoFit/>
+          </a:bodyPr>
+          <a:lstStyle/>
+          <a:p>
+            <a:endParaRPr lang="ru-RU"/>
+          </a:p>
+        </p:txBody>
+      </p:sp>
+      <p:grpSp>
+        <p:nvGrpSpPr>
+          <p:cNvPr id="77" name="Группа 76">
+            <a:extLst>
+              <a:ext uri="{FF2B5EF4-FFF2-40B4-BE49-F238E27FC236}">
+                <a16:creationId xmlns:a16="http://schemas.microsoft.com/office/drawing/2014/main" id="{42FEF92A-DB42-4601-A837-0AB6EA987775}"/>
+              </a:ext>
+            </a:extLst>
+          </p:cNvPr>
+          <p:cNvGrpSpPr/>
+          <p:nvPr/>
+        </p:nvGrpSpPr>
+        <p:grpSpPr>
+          <a:xfrm>
+            <a:off x="1888532" y="1016824"/>
+            <a:ext cx="5417919" cy="3044795"/>
+            <a:chOff x="1612457" y="1044027"/>
+            <a:chExt cx="4379293" cy="2461101"/>
+          </a:xfrm>
+        </p:grpSpPr>
+        <p:sp>
+          <p:nvSpPr>
+            <p:cNvPr id="34" name="Деталь" descr=" светлые, вниз">
+              <a:extLst>
+                <a:ext uri="{FF2B5EF4-FFF2-40B4-BE49-F238E27FC236}">
+                  <a16:creationId xmlns:a16="http://schemas.microsoft.com/office/drawing/2014/main" id="{A875BB59-CCF9-446E-AC5B-7CD2A879D03D}"/>
+                </a:ext>
+              </a:extLst>
+            </p:cNvPr>
+            <p:cNvSpPr>
+              <a:spLocks/>
+            </p:cNvSpPr>
+            <p:nvPr/>
+          </p:nvSpPr>
+          <p:spPr bwMode="auto">
+            <a:xfrm>
+              <a:off x="2440427" y="1044027"/>
+              <a:ext cx="1252994" cy="1533525"/>
+            </a:xfrm>
+            <a:custGeom>
+              <a:avLst/>
+              <a:gdLst>
+                <a:gd name="T0" fmla="*/ 484 w 1716"/>
+                <a:gd name="T1" fmla="*/ 150 h 2100"/>
+                <a:gd name="T2" fmla="*/ 36 w 1716"/>
+                <a:gd name="T3" fmla="*/ 854 h 2100"/>
+                <a:gd name="T4" fmla="*/ 269 w 1716"/>
+                <a:gd name="T5" fmla="*/ 1880 h 2100"/>
+                <a:gd name="T6" fmla="*/ 1245 w 1716"/>
+                <a:gd name="T7" fmla="*/ 2393 h 2100"/>
+                <a:gd name="T8" fmla="*/ 1787 w 1716"/>
+                <a:gd name="T9" fmla="*/ 1750 h 2100"/>
+                <a:gd name="T10" fmla="*/ 1104 w 1716"/>
+                <a:gd name="T11" fmla="*/ 1152 h 2100"/>
+                <a:gd name="T12" fmla="*/ 1228 w 1716"/>
+                <a:gd name="T13" fmla="*/ 782 h 2100"/>
+                <a:gd name="T14" fmla="*/ 1825 w 1716"/>
+                <a:gd name="T15" fmla="*/ 787 h 2100"/>
+                <a:gd name="T16" fmla="*/ 1890 w 1716"/>
+                <a:gd name="T17" fmla="*/ 519 h 2100"/>
+                <a:gd name="T18" fmla="*/ 1329 w 1716"/>
+                <a:gd name="T19" fmla="*/ 98 h 2100"/>
+                <a:gd name="T20" fmla="*/ 484 w 1716"/>
+                <a:gd name="T21" fmla="*/ 150 h 2100"/>
+                <a:gd name="T22" fmla="*/ 0 60000 65536"/>
+                <a:gd name="T23" fmla="*/ 0 60000 65536"/>
+                <a:gd name="T24" fmla="*/ 0 60000 65536"/>
+                <a:gd name="T25" fmla="*/ 0 60000 65536"/>
+                <a:gd name="T26" fmla="*/ 0 60000 65536"/>
+                <a:gd name="T27" fmla="*/ 0 60000 65536"/>
+                <a:gd name="T28" fmla="*/ 0 60000 65536"/>
+                <a:gd name="T29" fmla="*/ 0 60000 65536"/>
+                <a:gd name="T30" fmla="*/ 0 60000 65536"/>
+                <a:gd name="T31" fmla="*/ 0 60000 65536"/>
+                <a:gd name="T32" fmla="*/ 0 60000 65536"/>
+              </a:gdLst>
+              <a:ahLst/>
+              <a:cxnLst>
+                <a:cxn ang="T22">
+                  <a:pos x="T0" y="T1"/>
+                </a:cxn>
+                <a:cxn ang="T23">
+                  <a:pos x="T2" y="T3"/>
+                </a:cxn>
+                <a:cxn ang="T24">
+                  <a:pos x="T4" y="T5"/>
+                </a:cxn>
+                <a:cxn ang="T25">
+                  <a:pos x="T6" y="T7"/>
+                </a:cxn>
+                <a:cxn ang="T26">
+                  <a:pos x="T8" y="T9"/>
+                </a:cxn>
+                <a:cxn ang="T27">
+                  <a:pos x="T10" y="T11"/>
+                </a:cxn>
+                <a:cxn ang="T28">
+                  <a:pos x="T12" y="T13"/>
+                </a:cxn>
+                <a:cxn ang="T29">
+                  <a:pos x="T14" y="T15"/>
+                </a:cxn>
+                <a:cxn ang="T30">
+                  <a:pos x="T16" y="T17"/>
+                </a:cxn>
+                <a:cxn ang="T31">
+                  <a:pos x="T18" y="T19"/>
+                </a:cxn>
+                <a:cxn ang="T32">
+                  <a:pos x="T20" y="T21"/>
+                </a:cxn>
+              </a:cxnLst>
+              <a:rect l="0" t="0" r="r" b="b"/>
+              <a:pathLst>
+                <a:path w="1716" h="2100">
+                  <a:moveTo>
+                    <a:pt x="421" y="130"/>
+                  </a:moveTo>
+                  <a:cubicBezTo>
+                    <a:pt x="233" y="240"/>
+                    <a:pt x="62" y="492"/>
+                    <a:pt x="31" y="743"/>
+                  </a:cubicBezTo>
+                  <a:cubicBezTo>
+                    <a:pt x="0" y="994"/>
+                    <a:pt x="59" y="1412"/>
+                    <a:pt x="234" y="1635"/>
+                  </a:cubicBezTo>
+                  <a:cubicBezTo>
+                    <a:pt x="409" y="1858"/>
+                    <a:pt x="863" y="2100"/>
+                    <a:pt x="1083" y="2081"/>
+                  </a:cubicBezTo>
+                  <a:cubicBezTo>
+                    <a:pt x="1303" y="2062"/>
+                    <a:pt x="1574" y="1702"/>
+                    <a:pt x="1554" y="1522"/>
+                  </a:cubicBezTo>
+                  <a:cubicBezTo>
+                    <a:pt x="1534" y="1342"/>
+                    <a:pt x="1041" y="1142"/>
+                    <a:pt x="960" y="1002"/>
+                  </a:cubicBezTo>
+                  <a:cubicBezTo>
+                    <a:pt x="879" y="862"/>
+                    <a:pt x="964" y="733"/>
+                    <a:pt x="1068" y="680"/>
+                  </a:cubicBezTo>
+                  <a:cubicBezTo>
+                    <a:pt x="1172" y="627"/>
+                    <a:pt x="1491" y="722"/>
+                    <a:pt x="1587" y="684"/>
+                  </a:cubicBezTo>
+                  <a:cubicBezTo>
+                    <a:pt x="1683" y="646"/>
+                    <a:pt x="1716" y="551"/>
+                    <a:pt x="1644" y="451"/>
+                  </a:cubicBezTo>
+                  <a:cubicBezTo>
+                    <a:pt x="1572" y="351"/>
+                    <a:pt x="1360" y="138"/>
+                    <a:pt x="1156" y="85"/>
+                  </a:cubicBezTo>
+                  <a:cubicBezTo>
+                    <a:pt x="952" y="32"/>
+                    <a:pt x="593" y="0"/>
+                    <a:pt x="421" y="130"/>
+                  </a:cubicBezTo>
+                  <a:close/>
+                </a:path>
+              </a:pathLst>
+            </a:custGeom>
+            <a:solidFill>
+              <a:schemeClr val="accent3">
+                <a:lumMod val="60000"/>
+                <a:lumOff val="40000"/>
+              </a:schemeClr>
+            </a:solidFill>
+            <a:ln w="28575">
+              <a:solidFill>
+                <a:srgbClr val="7030A0"/>
+              </a:solidFill>
+              <a:round/>
+              <a:headEnd/>
+              <a:tailEnd/>
+            </a:ln>
+          </p:spPr>
+          <p:txBody>
+            <a:bodyPr vert="horz" wrap="square" lIns="91440" tIns="45720" rIns="91440" bIns="45720" numCol="1" anchor="t" anchorCtr="0" compatLnSpc="1">
+              <a:prstTxWarp prst="textNoShape">
+                <a:avLst/>
+              </a:prstTxWarp>
+            </a:bodyPr>
+            <a:lstStyle/>
+            <a:p>
+              <a:endParaRPr lang="ru-RU"/>
+            </a:p>
+          </p:txBody>
+        </p:sp>
+        <p:sp>
+          <p:nvSpPr>
+            <p:cNvPr id="35" name="Звезда: 5 точек 34">
+              <a:extLst>
+                <a:ext uri="{FF2B5EF4-FFF2-40B4-BE49-F238E27FC236}">
+                  <a16:creationId xmlns:a16="http://schemas.microsoft.com/office/drawing/2014/main" id="{417DD75D-D2F8-44E9-832C-1703E71EDEFD}"/>
+                </a:ext>
+              </a:extLst>
+            </p:cNvPr>
+            <p:cNvSpPr/>
+            <p:nvPr/>
+          </p:nvSpPr>
+          <p:spPr>
+            <a:xfrm>
+              <a:off x="3613822" y="1148857"/>
+              <a:ext cx="1440000" cy="1440000"/>
+            </a:xfrm>
+            <a:prstGeom prst="star5">
+              <a:avLst/>
+            </a:prstGeom>
+            <a:solidFill>
+              <a:schemeClr val="accent3">
+                <a:lumMod val="60000"/>
+                <a:lumOff val="40000"/>
+              </a:schemeClr>
+            </a:solidFill>
+            <a:ln w="28575">
+              <a:solidFill>
+                <a:srgbClr val="7030A0"/>
+              </a:solidFill>
+            </a:ln>
+          </p:spPr>
+          <p:style>
+            <a:lnRef idx="2">
+              <a:schemeClr val="accent1">
+                <a:shade val="50000"/>
+              </a:schemeClr>
+            </a:lnRef>
+            <a:fillRef idx="1">
+              <a:schemeClr val="accent1"/>
+            </a:fillRef>
+            <a:effectRef idx="0">
+              <a:schemeClr val="accent1"/>
+            </a:effectRef>
+            <a:fontRef idx="minor">
+              <a:schemeClr val="lt1"/>
+            </a:fontRef>
+          </p:style>
+          <p:txBody>
+            <a:bodyPr rtlCol="0" anchor="ctr"/>
+            <a:lstStyle/>
+            <a:p>
+              <a:pPr algn="ctr"/>
+              <a:endParaRPr lang="ru-RU"/>
+            </a:p>
+          </p:txBody>
+        </p:sp>
+        <p:sp>
+          <p:nvSpPr>
+            <p:cNvPr id="36" name="Полилиния: фигура 35">
+              <a:extLst>
+                <a:ext uri="{FF2B5EF4-FFF2-40B4-BE49-F238E27FC236}">
+                  <a16:creationId xmlns:a16="http://schemas.microsoft.com/office/drawing/2014/main" id="{6433870C-52A9-48CC-BA29-59BC7F835FA3}"/>
+                </a:ext>
+              </a:extLst>
+            </p:cNvPr>
+            <p:cNvSpPr/>
+            <p:nvPr/>
+          </p:nvSpPr>
+          <p:spPr>
+            <a:xfrm flipH="1">
+              <a:off x="1707616" y="1249774"/>
+              <a:ext cx="392392" cy="1750673"/>
+            </a:xfrm>
+            <a:custGeom>
+              <a:avLst/>
+              <a:gdLst>
+                <a:gd name="connsiteX0" fmla="*/ 0 w 638175"/>
+                <a:gd name="connsiteY0" fmla="*/ 0 h 1638300"/>
+                <a:gd name="connsiteX1" fmla="*/ 638175 w 638175"/>
+                <a:gd name="connsiteY1" fmla="*/ 876300 h 1638300"/>
+                <a:gd name="connsiteX2" fmla="*/ 266700 w 638175"/>
+                <a:gd name="connsiteY2" fmla="*/ 1638300 h 1638300"/>
+                <a:gd name="connsiteX0" fmla="*/ 371475 w 371475"/>
+                <a:gd name="connsiteY0" fmla="*/ 0 h 762000"/>
+                <a:gd name="connsiteX1" fmla="*/ 0 w 371475"/>
+                <a:gd name="connsiteY1" fmla="*/ 762000 h 762000"/>
+                <a:gd name="connsiteX0" fmla="*/ 152400 w 152400"/>
+                <a:gd name="connsiteY0" fmla="*/ 0 h 1743075"/>
+                <a:gd name="connsiteX1" fmla="*/ 0 w 152400"/>
+                <a:gd name="connsiteY1" fmla="*/ 1743075 h 1743075"/>
+              </a:gdLst>
+              <a:ahLst/>
+              <a:cxnLst>
+                <a:cxn ang="0">
+                  <a:pos x="connsiteX0" y="connsiteY0"/>
+                </a:cxn>
+                <a:cxn ang="0">
+                  <a:pos x="connsiteX1" y="connsiteY1"/>
+                </a:cxn>
+              </a:cxnLst>
+              <a:rect l="l" t="t" r="r" b="b"/>
+              <a:pathLst>
+                <a:path w="152400" h="1743075">
+                  <a:moveTo>
+                    <a:pt x="152400" y="0"/>
+                  </a:moveTo>
+                  <a:lnTo>
+                    <a:pt x="0" y="1743075"/>
+                  </a:lnTo>
+                </a:path>
+              </a:pathLst>
+            </a:custGeom>
+            <a:noFill/>
+            <a:ln w="28575">
+              <a:solidFill>
+                <a:srgbClr val="7030A0"/>
+              </a:solidFill>
+            </a:ln>
+          </p:spPr>
+          <p:style>
+            <a:lnRef idx="2">
+              <a:schemeClr val="accent1">
+                <a:shade val="50000"/>
+              </a:schemeClr>
+            </a:lnRef>
+            <a:fillRef idx="1">
+              <a:schemeClr val="accent1"/>
+            </a:fillRef>
+            <a:effectRef idx="0">
+              <a:schemeClr val="accent1"/>
+            </a:effectRef>
+            <a:fontRef idx="minor">
+              <a:schemeClr val="lt1"/>
+            </a:fontRef>
+          </p:style>
+          <p:txBody>
+            <a:bodyPr rot="0" spcFirstLastPara="0" vert="horz" wrap="square" lIns="91440" tIns="45720" rIns="91440" bIns="45720" numCol="1" spcCol="0" rtlCol="0" fromWordArt="0" anchor="ctr" anchorCtr="0" forceAA="0" compatLnSpc="1">
+              <a:prstTxWarp prst="textNoShape">
+                <a:avLst/>
+              </a:prstTxWarp>
+              <a:noAutofit/>
+            </a:bodyPr>
+            <a:lstStyle/>
+            <a:p>
+              <a:endParaRPr lang="ru-RU"/>
+            </a:p>
+          </p:txBody>
+        </p:sp>
+        <p:sp>
+          <p:nvSpPr>
+            <p:cNvPr id="37" name="Полилиния: фигура 36">
+              <a:extLst>
+                <a:ext uri="{FF2B5EF4-FFF2-40B4-BE49-F238E27FC236}">
+                  <a16:creationId xmlns:a16="http://schemas.microsoft.com/office/drawing/2014/main" id="{AC0393C3-2868-4753-8495-EC66F9417F12}"/>
+                </a:ext>
+              </a:extLst>
+            </p:cNvPr>
+            <p:cNvSpPr/>
+            <p:nvPr/>
+          </p:nvSpPr>
+          <p:spPr>
+            <a:xfrm>
+              <a:off x="5098777" y="1269000"/>
+              <a:ext cx="618772" cy="1992146"/>
+            </a:xfrm>
+            <a:custGeom>
+              <a:avLst/>
+              <a:gdLst>
+                <a:gd name="connsiteX0" fmla="*/ 0 w 638175"/>
+                <a:gd name="connsiteY0" fmla="*/ 0 h 1638300"/>
+                <a:gd name="connsiteX1" fmla="*/ 638175 w 638175"/>
+                <a:gd name="connsiteY1" fmla="*/ 876300 h 1638300"/>
+                <a:gd name="connsiteX2" fmla="*/ 266700 w 638175"/>
+                <a:gd name="connsiteY2" fmla="*/ 1638300 h 1638300"/>
+                <a:gd name="connsiteX0" fmla="*/ 590550 w 590550"/>
+                <a:gd name="connsiteY0" fmla="*/ 0 h 1428750"/>
+                <a:gd name="connsiteX1" fmla="*/ 371475 w 590550"/>
+                <a:gd name="connsiteY1" fmla="*/ 666750 h 1428750"/>
+                <a:gd name="connsiteX2" fmla="*/ 0 w 590550"/>
+                <a:gd name="connsiteY2" fmla="*/ 1428750 h 1428750"/>
+                <a:gd name="connsiteX0" fmla="*/ 219075 w 390525"/>
+                <a:gd name="connsiteY0" fmla="*/ 0 h 1257300"/>
+                <a:gd name="connsiteX1" fmla="*/ 0 w 390525"/>
+                <a:gd name="connsiteY1" fmla="*/ 666750 h 1257300"/>
+                <a:gd name="connsiteX2" fmla="*/ 390525 w 390525"/>
+                <a:gd name="connsiteY2" fmla="*/ 1257300 h 1257300"/>
+              </a:gdLst>
+              <a:ahLst/>
+              <a:cxnLst>
+                <a:cxn ang="0">
+                  <a:pos x="connsiteX0" y="connsiteY0"/>
+                </a:cxn>
+                <a:cxn ang="0">
+                  <a:pos x="connsiteX1" y="connsiteY1"/>
+                </a:cxn>
+                <a:cxn ang="0">
+                  <a:pos x="connsiteX2" y="connsiteY2"/>
+                </a:cxn>
+              </a:cxnLst>
+              <a:rect l="l" t="t" r="r" b="b"/>
+              <a:pathLst>
+                <a:path w="390525" h="1257300">
+                  <a:moveTo>
+                    <a:pt x="219075" y="0"/>
+                  </a:moveTo>
+                  <a:lnTo>
+                    <a:pt x="0" y="666750"/>
+                  </a:lnTo>
+                  <a:lnTo>
+                    <a:pt x="390525" y="1257300"/>
+                  </a:lnTo>
+                </a:path>
+              </a:pathLst>
+            </a:custGeom>
+            <a:noFill/>
+            <a:ln w="28575">
+              <a:solidFill>
+                <a:srgbClr val="7030A0"/>
+              </a:solidFill>
+            </a:ln>
+          </p:spPr>
+          <p:style>
+            <a:lnRef idx="2">
+              <a:schemeClr val="accent1">
+                <a:shade val="50000"/>
+              </a:schemeClr>
+            </a:lnRef>
+            <a:fillRef idx="1">
+              <a:schemeClr val="accent1"/>
+            </a:fillRef>
+            <a:effectRef idx="0">
+              <a:schemeClr val="accent1"/>
+            </a:effectRef>
+            <a:fontRef idx="minor">
+              <a:schemeClr val="lt1"/>
+            </a:fontRef>
+          </p:style>
+          <p:txBody>
+            <a:bodyPr rot="0" spcFirstLastPara="0" vert="horz" wrap="square" lIns="91440" tIns="45720" rIns="91440" bIns="45720" numCol="1" spcCol="0" rtlCol="0" fromWordArt="0" anchor="ctr" anchorCtr="0" forceAA="0" compatLnSpc="1">
+              <a:prstTxWarp prst="textNoShape">
+                <a:avLst/>
+              </a:prstTxWarp>
+              <a:noAutofit/>
+            </a:bodyPr>
+            <a:lstStyle/>
+            <a:p>
+              <a:endParaRPr lang="ru-RU"/>
+            </a:p>
+          </p:txBody>
+        </p:sp>
+        <p:cxnSp>
+          <p:nvCxnSpPr>
+            <p:cNvPr id="38" name="Прямая соединительная линия 37">
+              <a:extLst>
+                <a:ext uri="{FF2B5EF4-FFF2-40B4-BE49-F238E27FC236}">
+                  <a16:creationId xmlns:a16="http://schemas.microsoft.com/office/drawing/2014/main" id="{2D7C06E4-F418-448F-B753-220BE43C5BAF}"/>
+                </a:ext>
+              </a:extLst>
+            </p:cNvPr>
+            <p:cNvCxnSpPr>
+              <a:cxnSpLocks/>
+            </p:cNvCxnSpPr>
+            <p:nvPr/>
+          </p:nvCxnSpPr>
+          <p:spPr>
+            <a:xfrm flipV="1">
+              <a:off x="1965866" y="2035172"/>
+              <a:ext cx="536662" cy="381600"/>
+            </a:xfrm>
+            <a:prstGeom prst="line">
+              <a:avLst/>
+            </a:prstGeom>
+            <a:ln w="19050">
+              <a:solidFill>
+                <a:srgbClr val="C00000"/>
+              </a:solidFill>
+              <a:prstDash val="solid"/>
+              <a:headEnd type="oval" w="med" len="med"/>
+              <a:tailEnd type="triangle" w="lg" len="lg"/>
+            </a:ln>
+          </p:spPr>
+          <p:style>
+            <a:lnRef idx="1">
+              <a:schemeClr val="accent1"/>
+            </a:lnRef>
+            <a:fillRef idx="0">
+              <a:schemeClr val="accent1"/>
+            </a:fillRef>
+            <a:effectRef idx="0">
+              <a:schemeClr val="accent1"/>
+            </a:effectRef>
+            <a:fontRef idx="minor">
+              <a:schemeClr val="tx1"/>
+            </a:fontRef>
+          </p:style>
+        </p:cxnSp>
+        <p:cxnSp>
+          <p:nvCxnSpPr>
+            <p:cNvPr id="40" name="Прямая соединительная линия 39">
+              <a:extLst>
+                <a:ext uri="{FF2B5EF4-FFF2-40B4-BE49-F238E27FC236}">
+                  <a16:creationId xmlns:a16="http://schemas.microsoft.com/office/drawing/2014/main" id="{DE8A143C-EEC5-487C-AECD-2135B63A10F5}"/>
+                </a:ext>
+              </a:extLst>
+            </p:cNvPr>
+            <p:cNvCxnSpPr>
+              <a:cxnSpLocks/>
+            </p:cNvCxnSpPr>
+            <p:nvPr/>
+          </p:nvCxnSpPr>
+          <p:spPr>
+            <a:xfrm>
+              <a:off x="2499035" y="2034728"/>
+              <a:ext cx="1069832" cy="149555"/>
+            </a:xfrm>
+            <a:prstGeom prst="line">
+              <a:avLst/>
+            </a:prstGeom>
+            <a:ln w="19050">
+              <a:solidFill>
+                <a:srgbClr val="C00000"/>
+              </a:solidFill>
+              <a:prstDash val="solid"/>
+              <a:headEnd type="oval" w="med" len="med"/>
+              <a:tailEnd type="triangle" w="lg" len="lg"/>
+            </a:ln>
+          </p:spPr>
+          <p:style>
+            <a:lnRef idx="1">
+              <a:schemeClr val="accent1"/>
+            </a:lnRef>
+            <a:fillRef idx="0">
+              <a:schemeClr val="accent1"/>
+            </a:fillRef>
+            <a:effectRef idx="0">
+              <a:schemeClr val="accent1"/>
+            </a:effectRef>
+            <a:fontRef idx="minor">
+              <a:schemeClr val="tx1"/>
+            </a:fontRef>
+          </p:style>
+        </p:cxnSp>
+        <p:cxnSp>
+          <p:nvCxnSpPr>
+            <p:cNvPr id="41" name="Прямая соединительная линия 40">
+              <a:extLst>
+                <a:ext uri="{FF2B5EF4-FFF2-40B4-BE49-F238E27FC236}">
+                  <a16:creationId xmlns:a16="http://schemas.microsoft.com/office/drawing/2014/main" id="{D216EEF3-223E-4048-988B-43F58609791A}"/>
+                </a:ext>
+              </a:extLst>
+            </p:cNvPr>
+            <p:cNvCxnSpPr>
+              <a:cxnSpLocks/>
+            </p:cNvCxnSpPr>
+            <p:nvPr/>
+          </p:nvCxnSpPr>
+          <p:spPr>
+            <a:xfrm flipV="1">
+              <a:off x="3568867" y="1698541"/>
+              <a:ext cx="930513" cy="492613"/>
+            </a:xfrm>
+            <a:prstGeom prst="line">
+              <a:avLst/>
+            </a:prstGeom>
+            <a:ln w="19050">
+              <a:solidFill>
+                <a:srgbClr val="C00000"/>
+              </a:solidFill>
+              <a:prstDash val="solid"/>
+              <a:headEnd type="oval" w="med" len="med"/>
+              <a:tailEnd type="triangle" w="lg" len="lg"/>
+            </a:ln>
+          </p:spPr>
+          <p:style>
+            <a:lnRef idx="1">
+              <a:schemeClr val="accent1"/>
+            </a:lnRef>
+            <a:fillRef idx="0">
+              <a:schemeClr val="accent1"/>
+            </a:fillRef>
+            <a:effectRef idx="0">
+              <a:schemeClr val="accent1"/>
+            </a:effectRef>
+            <a:fontRef idx="minor">
+              <a:schemeClr val="tx1"/>
+            </a:fontRef>
+          </p:style>
+        </p:cxnSp>
+        <p:cxnSp>
+          <p:nvCxnSpPr>
+            <p:cNvPr id="42" name="Прямая соединительная линия 41">
+              <a:extLst>
+                <a:ext uri="{FF2B5EF4-FFF2-40B4-BE49-F238E27FC236}">
+                  <a16:creationId xmlns:a16="http://schemas.microsoft.com/office/drawing/2014/main" id="{F6368F61-0EF5-403E-B309-9F6B3085D208}"/>
+                </a:ext>
+              </a:extLst>
+            </p:cNvPr>
+            <p:cNvCxnSpPr>
+              <a:cxnSpLocks/>
+              <a:endCxn id="37" idx="1"/>
+            </p:cNvCxnSpPr>
+            <p:nvPr/>
+          </p:nvCxnSpPr>
+          <p:spPr>
+            <a:xfrm>
+              <a:off x="4510653" y="1698541"/>
+              <a:ext cx="588124" cy="626900"/>
+            </a:xfrm>
+            <a:prstGeom prst="line">
+              <a:avLst/>
+            </a:prstGeom>
+            <a:ln w="19050">
+              <a:solidFill>
+                <a:srgbClr val="C00000"/>
+              </a:solidFill>
+              <a:prstDash val="solid"/>
+              <a:headEnd type="oval" w="med" len="med"/>
+              <a:tailEnd type="triangle" w="lg" len="lg"/>
+            </a:ln>
+          </p:spPr>
+          <p:style>
+            <a:lnRef idx="1">
+              <a:schemeClr val="accent1"/>
+            </a:lnRef>
+            <a:fillRef idx="0">
+              <a:schemeClr val="accent1"/>
+            </a:fillRef>
+            <a:effectRef idx="0">
+              <a:schemeClr val="accent1"/>
+            </a:effectRef>
+            <a:fontRef idx="minor">
+              <a:schemeClr val="tx1"/>
+            </a:fontRef>
+          </p:style>
+        </p:cxnSp>
+        <p:sp>
+          <p:nvSpPr>
+            <p:cNvPr id="54" name="Надпись 145">
+              <a:extLst>
+                <a:ext uri="{FF2B5EF4-FFF2-40B4-BE49-F238E27FC236}">
+                  <a16:creationId xmlns:a16="http://schemas.microsoft.com/office/drawing/2014/main" id="{B6788C2B-1DC0-4437-8E89-461D95C8C661}"/>
+                </a:ext>
+              </a:extLst>
+            </p:cNvPr>
+            <p:cNvSpPr txBox="1"/>
+            <p:nvPr/>
+          </p:nvSpPr>
+          <p:spPr>
+            <a:xfrm>
+              <a:off x="2184812" y="1727936"/>
+              <a:ext cx="603680" cy="498036"/>
+            </a:xfrm>
+            <a:prstGeom prst="rect">
+              <a:avLst/>
+            </a:prstGeom>
+            <a:noFill/>
+            <a:ln w="6350">
+              <a:noFill/>
+            </a:ln>
+          </p:spPr>
+          <p:txBody>
+            <a:bodyPr rot="0" spcFirstLastPara="0" vert="horz" wrap="square" lIns="91440" tIns="45720" rIns="91440" bIns="45720" numCol="1" spcCol="0" rtlCol="0" fromWordArt="0" anchor="t" anchorCtr="0" forceAA="0" compatLnSpc="1">
+              <a:prstTxWarp prst="textNoShape">
+                <a:avLst/>
+              </a:prstTxWarp>
+              <a:noAutofit/>
+            </a:bodyPr>
+            <a:lstStyle/>
+            <a:p>
+              <a:pPr>
+                <a:lnSpc>
+                  <a:spcPct val="107000"/>
+                </a:lnSpc>
+                <a:spcAft>
+                  <a:spcPts val="800"/>
+                </a:spcAft>
+              </a:pPr>
+              <a:r>
+                <a:rPr lang="en-US" dirty="0">
+                  <a:effectLst/>
+                  <a:latin typeface="Calibri" panose="020F0502020204030204" pitchFamily="34" charset="0"/>
+                  <a:ea typeface="Calibri" panose="020F0502020204030204" pitchFamily="34" charset="0"/>
+                  <a:cs typeface="Times New Roman" panose="02020603050405020304" pitchFamily="18" charset="0"/>
+                </a:rPr>
+                <a:t>M</a:t>
+              </a:r>
+              <a:r>
+                <a:rPr lang="en-US" baseline="-25000" dirty="0">
+                  <a:effectLst/>
+                  <a:latin typeface="Calibri" panose="020F0502020204030204" pitchFamily="34" charset="0"/>
+                  <a:ea typeface="Calibri" panose="020F0502020204030204" pitchFamily="34" charset="0"/>
+                  <a:cs typeface="Times New Roman" panose="02020603050405020304" pitchFamily="18" charset="0"/>
+                </a:rPr>
+                <a:t>i</a:t>
+              </a:r>
+              <a:endParaRPr lang="ru-RU" dirty="0">
+                <a:effectLst/>
+                <a:latin typeface="Calibri" panose="020F0502020204030204" pitchFamily="34" charset="0"/>
+                <a:ea typeface="Calibri" panose="020F0502020204030204" pitchFamily="34" charset="0"/>
+                <a:cs typeface="Times New Roman" panose="02020603050405020304" pitchFamily="18" charset="0"/>
+              </a:endParaRPr>
+            </a:p>
+          </p:txBody>
+        </p:sp>
+        <p:sp>
+          <p:nvSpPr>
+            <p:cNvPr id="55" name="Надпись 146">
+              <a:extLst>
+                <a:ext uri="{FF2B5EF4-FFF2-40B4-BE49-F238E27FC236}">
+                  <a16:creationId xmlns:a16="http://schemas.microsoft.com/office/drawing/2014/main" id="{376353D0-403A-47D4-B8DF-08D7CB42995C}"/>
+                </a:ext>
+              </a:extLst>
+            </p:cNvPr>
+            <p:cNvSpPr txBox="1"/>
+            <p:nvPr/>
+          </p:nvSpPr>
+          <p:spPr>
+            <a:xfrm>
+              <a:off x="4442637" y="1400520"/>
+              <a:ext cx="890429" cy="498036"/>
+            </a:xfrm>
+            <a:prstGeom prst="rect">
+              <a:avLst/>
+            </a:prstGeom>
+            <a:noFill/>
+            <a:ln w="6350">
+              <a:noFill/>
+            </a:ln>
+          </p:spPr>
+          <p:txBody>
+            <a:bodyPr rot="0" spcFirstLastPara="0" vert="horz" wrap="square" lIns="91440" tIns="45720" rIns="91440" bIns="45720" numCol="1" spcCol="0" rtlCol="0" fromWordArt="0" anchor="t" anchorCtr="0" forceAA="0" compatLnSpc="1">
+              <a:prstTxWarp prst="textNoShape">
+                <a:avLst/>
+              </a:prstTxWarp>
+              <a:noAutofit/>
+            </a:bodyPr>
+            <a:lstStyle/>
+            <a:p>
+              <a:pPr>
+                <a:lnSpc>
+                  <a:spcPct val="107000"/>
+                </a:lnSpc>
+                <a:spcAft>
+                  <a:spcPts val="800"/>
+                </a:spcAft>
+              </a:pPr>
+              <a:r>
+                <a:rPr lang="en-US" dirty="0">
+                  <a:effectLst/>
+                  <a:latin typeface="Calibri" panose="020F0502020204030204" pitchFamily="34" charset="0"/>
+                  <a:ea typeface="Calibri" panose="020F0502020204030204" pitchFamily="34" charset="0"/>
+                  <a:cs typeface="Times New Roman" panose="02020603050405020304" pitchFamily="18" charset="0"/>
+                </a:rPr>
+                <a:t>M</a:t>
+              </a:r>
+              <a:r>
+                <a:rPr lang="en-US" baseline="-25000" dirty="0">
+                  <a:effectLst/>
+                  <a:latin typeface="Calibri" panose="020F0502020204030204" pitchFamily="34" charset="0"/>
+                  <a:ea typeface="Calibri" panose="020F0502020204030204" pitchFamily="34" charset="0"/>
+                  <a:cs typeface="Times New Roman" panose="02020603050405020304" pitchFamily="18" charset="0"/>
+                </a:rPr>
+                <a:t>i+1</a:t>
+              </a:r>
+              <a:endParaRPr lang="ru-RU" dirty="0">
+                <a:effectLst/>
+                <a:latin typeface="Calibri" panose="020F0502020204030204" pitchFamily="34" charset="0"/>
+                <a:ea typeface="Calibri" panose="020F0502020204030204" pitchFamily="34" charset="0"/>
+                <a:cs typeface="Times New Roman" panose="02020603050405020304" pitchFamily="18" charset="0"/>
+              </a:endParaRPr>
+            </a:p>
+          </p:txBody>
+        </p:sp>
+        <p:sp>
+          <p:nvSpPr>
+            <p:cNvPr id="56" name="Надпись 147">
+              <a:extLst>
+                <a:ext uri="{FF2B5EF4-FFF2-40B4-BE49-F238E27FC236}">
+                  <a16:creationId xmlns:a16="http://schemas.microsoft.com/office/drawing/2014/main" id="{E1DA5289-8285-4A9F-B202-3B43E2C58DAE}"/>
+                </a:ext>
+              </a:extLst>
+            </p:cNvPr>
+            <p:cNvSpPr txBox="1"/>
+            <p:nvPr/>
+          </p:nvSpPr>
+          <p:spPr>
+            <a:xfrm>
+              <a:off x="5101321" y="2134889"/>
+              <a:ext cx="890429" cy="498036"/>
+            </a:xfrm>
+            <a:prstGeom prst="rect">
+              <a:avLst/>
+            </a:prstGeom>
+            <a:noFill/>
+            <a:ln w="6350">
+              <a:noFill/>
+            </a:ln>
+          </p:spPr>
+          <p:txBody>
+            <a:bodyPr rot="0" spcFirstLastPara="0" vert="horz" wrap="square" lIns="91440" tIns="45720" rIns="91440" bIns="45720" numCol="1" spcCol="0" rtlCol="0" fromWordArt="0" anchor="t" anchorCtr="0" forceAA="0" compatLnSpc="1">
+              <a:prstTxWarp prst="textNoShape">
+                <a:avLst/>
+              </a:prstTxWarp>
+              <a:noAutofit/>
+            </a:bodyPr>
+            <a:lstStyle/>
+            <a:p>
+              <a:pPr>
+                <a:lnSpc>
+                  <a:spcPct val="107000"/>
+                </a:lnSpc>
+                <a:spcAft>
+                  <a:spcPts val="800"/>
+                </a:spcAft>
+              </a:pPr>
+              <a:r>
+                <a:rPr lang="en-US" dirty="0">
+                  <a:effectLst/>
+                  <a:latin typeface="Calibri" panose="020F0502020204030204" pitchFamily="34" charset="0"/>
+                  <a:ea typeface="Calibri" panose="020F0502020204030204" pitchFamily="34" charset="0"/>
+                  <a:cs typeface="Times New Roman" panose="02020603050405020304" pitchFamily="18" charset="0"/>
+                </a:rPr>
+                <a:t>M</a:t>
+              </a:r>
+              <a:r>
+                <a:rPr lang="en-US" baseline="-25000" dirty="0">
+                  <a:effectLst/>
+                  <a:latin typeface="Calibri" panose="020F0502020204030204" pitchFamily="34" charset="0"/>
+                  <a:ea typeface="Calibri" panose="020F0502020204030204" pitchFamily="34" charset="0"/>
+                  <a:cs typeface="Times New Roman" panose="02020603050405020304" pitchFamily="18" charset="0"/>
+                </a:rPr>
+                <a:t>i+2</a:t>
+              </a:r>
+              <a:endParaRPr lang="ru-RU" dirty="0">
+                <a:effectLst/>
+                <a:latin typeface="Calibri" panose="020F0502020204030204" pitchFamily="34" charset="0"/>
+                <a:ea typeface="Calibri" panose="020F0502020204030204" pitchFamily="34" charset="0"/>
+                <a:cs typeface="Times New Roman" panose="02020603050405020304" pitchFamily="18" charset="0"/>
+              </a:endParaRPr>
+            </a:p>
+          </p:txBody>
+        </p:sp>
+        <p:sp>
+          <p:nvSpPr>
+            <p:cNvPr id="57" name="Надпись 148">
+              <a:extLst>
+                <a:ext uri="{FF2B5EF4-FFF2-40B4-BE49-F238E27FC236}">
+                  <a16:creationId xmlns:a16="http://schemas.microsoft.com/office/drawing/2014/main" id="{48A096F9-C061-4383-B22F-B86ED5EEEB7F}"/>
+                </a:ext>
+              </a:extLst>
+            </p:cNvPr>
+            <p:cNvSpPr txBox="1"/>
+            <p:nvPr/>
+          </p:nvSpPr>
+          <p:spPr>
+            <a:xfrm>
+              <a:off x="1612457" y="2367680"/>
+              <a:ext cx="890429" cy="498036"/>
+            </a:xfrm>
+            <a:prstGeom prst="rect">
+              <a:avLst/>
+            </a:prstGeom>
+            <a:noFill/>
+            <a:ln w="6350">
+              <a:noFill/>
+            </a:ln>
+          </p:spPr>
+          <p:txBody>
+            <a:bodyPr rot="0" spcFirstLastPara="0" vert="horz" wrap="square" lIns="91440" tIns="45720" rIns="91440" bIns="45720" numCol="1" spcCol="0" rtlCol="0" fromWordArt="0" anchor="t" anchorCtr="0" forceAA="0" compatLnSpc="1">
+              <a:prstTxWarp prst="textNoShape">
+                <a:avLst/>
+              </a:prstTxWarp>
+              <a:noAutofit/>
+            </a:bodyPr>
+            <a:lstStyle/>
+            <a:p>
+              <a:pPr>
+                <a:lnSpc>
+                  <a:spcPct val="107000"/>
+                </a:lnSpc>
+                <a:spcAft>
+                  <a:spcPts val="800"/>
+                </a:spcAft>
+              </a:pPr>
+              <a:r>
+                <a:rPr lang="en-US" dirty="0">
+                  <a:effectLst/>
+                  <a:latin typeface="Calibri" panose="020F0502020204030204" pitchFamily="34" charset="0"/>
+                  <a:ea typeface="Calibri" panose="020F0502020204030204" pitchFamily="34" charset="0"/>
+                  <a:cs typeface="Times New Roman" panose="02020603050405020304" pitchFamily="18" charset="0"/>
+                </a:rPr>
+                <a:t>M</a:t>
+              </a:r>
+              <a:r>
+                <a:rPr lang="en-US" baseline="-25000" dirty="0">
+                  <a:effectLst/>
+                  <a:latin typeface="Calibri" panose="020F0502020204030204" pitchFamily="34" charset="0"/>
+                  <a:ea typeface="Calibri" panose="020F0502020204030204" pitchFamily="34" charset="0"/>
+                  <a:cs typeface="Times New Roman" panose="02020603050405020304" pitchFamily="18" charset="0"/>
+                </a:rPr>
+                <a:t>i-1</a:t>
+              </a:r>
+              <a:endParaRPr lang="ru-RU" dirty="0">
+                <a:effectLst/>
+                <a:latin typeface="Calibri" panose="020F0502020204030204" pitchFamily="34" charset="0"/>
+                <a:ea typeface="Calibri" panose="020F0502020204030204" pitchFamily="34" charset="0"/>
+                <a:cs typeface="Times New Roman" panose="02020603050405020304" pitchFamily="18" charset="0"/>
+              </a:endParaRPr>
+            </a:p>
+          </p:txBody>
+        </p:sp>
+        <p:sp>
+          <p:nvSpPr>
+            <p:cNvPr id="58" name="Овал 57">
+              <a:extLst>
+                <a:ext uri="{FF2B5EF4-FFF2-40B4-BE49-F238E27FC236}">
+                  <a16:creationId xmlns:a16="http://schemas.microsoft.com/office/drawing/2014/main" id="{F7C54CF2-4AD1-4BD8-91D2-C690AD2F6A56}"/>
+                </a:ext>
+              </a:extLst>
+            </p:cNvPr>
+            <p:cNvSpPr/>
+            <p:nvPr/>
+          </p:nvSpPr>
+          <p:spPr>
+            <a:xfrm>
+              <a:off x="3123864" y="2481706"/>
+              <a:ext cx="166012" cy="166012"/>
+            </a:xfrm>
+            <a:prstGeom prst="ellipse">
+              <a:avLst/>
+            </a:prstGeom>
+            <a:solidFill>
+              <a:schemeClr val="bg1"/>
+            </a:solidFill>
+            <a:ln w="9525">
+              <a:solidFill>
+                <a:schemeClr val="tx1"/>
+              </a:solidFill>
+            </a:ln>
+          </p:spPr>
+          <p:style>
+            <a:lnRef idx="2">
+              <a:schemeClr val="accent1">
+                <a:shade val="50000"/>
+              </a:schemeClr>
+            </a:lnRef>
+            <a:fillRef idx="1">
+              <a:schemeClr val="accent1"/>
+            </a:fillRef>
+            <a:effectRef idx="0">
+              <a:schemeClr val="accent1"/>
+            </a:effectRef>
+            <a:fontRef idx="minor">
+              <a:schemeClr val="lt1"/>
+            </a:fontRef>
+          </p:style>
+          <p:txBody>
+            <a:bodyPr rot="0" spcFirstLastPara="0" vert="horz" wrap="square" lIns="91440" tIns="45720" rIns="91440" bIns="45720" numCol="1" spcCol="0" rtlCol="0" fromWordArt="0" anchor="ctr" anchorCtr="0" forceAA="0" compatLnSpc="1">
+              <a:prstTxWarp prst="textNoShape">
+                <a:avLst/>
+              </a:prstTxWarp>
+              <a:noAutofit/>
+            </a:bodyPr>
+            <a:lstStyle/>
+            <a:p>
+              <a:endParaRPr lang="ru-RU"/>
+            </a:p>
+          </p:txBody>
+        </p:sp>
+        <p:sp>
+          <p:nvSpPr>
+            <p:cNvPr id="59" name="Овал 58">
+              <a:extLst>
+                <a:ext uri="{FF2B5EF4-FFF2-40B4-BE49-F238E27FC236}">
+                  <a16:creationId xmlns:a16="http://schemas.microsoft.com/office/drawing/2014/main" id="{873DAD14-FDA3-44D7-B866-D93C3A0E2FC4}"/>
+                </a:ext>
+              </a:extLst>
+            </p:cNvPr>
+            <p:cNvSpPr/>
+            <p:nvPr/>
+          </p:nvSpPr>
+          <p:spPr>
+            <a:xfrm>
+              <a:off x="3808054" y="2501095"/>
+              <a:ext cx="166012" cy="166012"/>
+            </a:xfrm>
+            <a:prstGeom prst="ellipse">
+              <a:avLst/>
+            </a:prstGeom>
+            <a:solidFill>
+              <a:schemeClr val="bg1"/>
+            </a:solidFill>
+            <a:ln w="9525">
+              <a:solidFill>
+                <a:schemeClr val="tx1"/>
+              </a:solidFill>
+            </a:ln>
+          </p:spPr>
+          <p:style>
+            <a:lnRef idx="2">
+              <a:schemeClr val="accent1">
+                <a:shade val="50000"/>
+              </a:schemeClr>
+            </a:lnRef>
+            <a:fillRef idx="1">
+              <a:schemeClr val="accent1"/>
+            </a:fillRef>
+            <a:effectRef idx="0">
+              <a:schemeClr val="accent1"/>
+            </a:effectRef>
+            <a:fontRef idx="minor">
+              <a:schemeClr val="lt1"/>
+            </a:fontRef>
+          </p:style>
+          <p:txBody>
+            <a:bodyPr rot="0" spcFirstLastPara="0" vert="horz" wrap="square" lIns="91440" tIns="45720" rIns="91440" bIns="45720" numCol="1" spcCol="0" rtlCol="0" fromWordArt="0" anchor="ctr" anchorCtr="0" forceAA="0" compatLnSpc="1">
+              <a:prstTxWarp prst="textNoShape">
+                <a:avLst/>
+              </a:prstTxWarp>
+              <a:noAutofit/>
+            </a:bodyPr>
+            <a:lstStyle/>
+            <a:p>
+              <a:endParaRPr lang="ru-RU"/>
+            </a:p>
+          </p:txBody>
+        </p:sp>
+        <p:cxnSp>
+          <p:nvCxnSpPr>
+            <p:cNvPr id="60" name="Прямая соединительная линия 59">
+              <a:extLst>
+                <a:ext uri="{FF2B5EF4-FFF2-40B4-BE49-F238E27FC236}">
+                  <a16:creationId xmlns:a16="http://schemas.microsoft.com/office/drawing/2014/main" id="{C5791C08-14E9-4C0B-AFF1-91BD22181BEF}"/>
+                </a:ext>
+              </a:extLst>
+            </p:cNvPr>
+            <p:cNvCxnSpPr>
+              <a:cxnSpLocks/>
+              <a:endCxn id="58" idx="1"/>
+            </p:cNvCxnSpPr>
+            <p:nvPr/>
+          </p:nvCxnSpPr>
+          <p:spPr>
+            <a:xfrm>
+              <a:off x="2528034" y="2053867"/>
+              <a:ext cx="620142" cy="452151"/>
+            </a:xfrm>
+            <a:prstGeom prst="line">
+              <a:avLst/>
+            </a:prstGeom>
+            <a:ln w="12700">
+              <a:solidFill>
+                <a:schemeClr val="tx1"/>
+              </a:solidFill>
+              <a:prstDash val="dash"/>
+              <a:headEnd type="none" w="med" len="med"/>
+              <a:tailEnd type="arrow" w="med" len="med"/>
+            </a:ln>
+          </p:spPr>
+          <p:style>
+            <a:lnRef idx="1">
+              <a:schemeClr val="accent1"/>
+            </a:lnRef>
+            <a:fillRef idx="0">
+              <a:schemeClr val="accent1"/>
+            </a:fillRef>
+            <a:effectRef idx="0">
+              <a:schemeClr val="accent1"/>
+            </a:effectRef>
+            <a:fontRef idx="minor">
+              <a:schemeClr val="tx1"/>
+            </a:fontRef>
+          </p:style>
+        </p:cxnSp>
+        <p:cxnSp>
+          <p:nvCxnSpPr>
+            <p:cNvPr id="64" name="Прямая соединительная линия 63">
+              <a:extLst>
+                <a:ext uri="{FF2B5EF4-FFF2-40B4-BE49-F238E27FC236}">
+                  <a16:creationId xmlns:a16="http://schemas.microsoft.com/office/drawing/2014/main" id="{4DB74E55-6186-407B-A24D-FA01BD2B8609}"/>
+                </a:ext>
+              </a:extLst>
+            </p:cNvPr>
+            <p:cNvCxnSpPr>
+              <a:cxnSpLocks/>
+              <a:endCxn id="59" idx="7"/>
+            </p:cNvCxnSpPr>
+            <p:nvPr/>
+          </p:nvCxnSpPr>
+          <p:spPr>
+            <a:xfrm flipH="1">
+              <a:off x="3949754" y="1740364"/>
+              <a:ext cx="560900" cy="785043"/>
+            </a:xfrm>
+            <a:prstGeom prst="line">
+              <a:avLst/>
+            </a:prstGeom>
+            <a:ln w="12700">
+              <a:solidFill>
+                <a:schemeClr val="tx1"/>
+              </a:solidFill>
+              <a:prstDash val="dash"/>
+              <a:headEnd type="none" w="med" len="med"/>
+              <a:tailEnd type="arrow" w="med" len="med"/>
+            </a:ln>
+          </p:spPr>
+          <p:style>
+            <a:lnRef idx="1">
+              <a:schemeClr val="accent1"/>
+            </a:lnRef>
+            <a:fillRef idx="0">
+              <a:schemeClr val="accent1"/>
+            </a:fillRef>
+            <a:effectRef idx="0">
+              <a:schemeClr val="accent1"/>
+            </a:effectRef>
+            <a:fontRef idx="minor">
+              <a:schemeClr val="tx1"/>
+            </a:fontRef>
+          </p:style>
+        </p:cxnSp>
+        <p:sp>
+          <p:nvSpPr>
+            <p:cNvPr id="68" name="Надпись 151">
+              <a:extLst>
+                <a:ext uri="{FF2B5EF4-FFF2-40B4-BE49-F238E27FC236}">
+                  <a16:creationId xmlns:a16="http://schemas.microsoft.com/office/drawing/2014/main" id="{31679315-5AD3-45C6-A0A1-586FE256A54C}"/>
+                </a:ext>
+              </a:extLst>
+            </p:cNvPr>
+            <p:cNvSpPr txBox="1"/>
+            <p:nvPr/>
+          </p:nvSpPr>
+          <p:spPr>
+            <a:xfrm>
+              <a:off x="3000473" y="2585201"/>
+              <a:ext cx="603680" cy="498036"/>
+            </a:xfrm>
+            <a:prstGeom prst="rect">
+              <a:avLst/>
+            </a:prstGeom>
+            <a:noFill/>
+            <a:ln w="6350">
+              <a:noFill/>
+            </a:ln>
+          </p:spPr>
+          <p:txBody>
+            <a:bodyPr rot="0" spcFirstLastPara="0" vert="horz" wrap="square" lIns="91440" tIns="45720" rIns="91440" bIns="45720" numCol="1" spcCol="0" rtlCol="0" fromWordArt="0" anchor="t" anchorCtr="0" forceAA="0" compatLnSpc="1">
+              <a:prstTxWarp prst="textNoShape">
+                <a:avLst/>
+              </a:prstTxWarp>
+              <a:noAutofit/>
+            </a:bodyPr>
+            <a:lstStyle/>
+            <a:p>
+              <a:pPr>
+                <a:lnSpc>
+                  <a:spcPct val="107000"/>
+                </a:lnSpc>
+                <a:spcAft>
+                  <a:spcPts val="800"/>
+                </a:spcAft>
+              </a:pPr>
+              <a:r>
+                <a:rPr lang="en-US" dirty="0" err="1">
+                  <a:effectLst/>
+                  <a:latin typeface="Calibri" panose="020F0502020204030204" pitchFamily="34" charset="0"/>
+                  <a:ea typeface="Calibri" panose="020F0502020204030204" pitchFamily="34" charset="0"/>
+                  <a:cs typeface="Times New Roman" panose="02020603050405020304" pitchFamily="18" charset="0"/>
+                </a:rPr>
+                <a:t>M’</a:t>
+              </a:r>
+              <a:r>
+                <a:rPr lang="en-US" baseline="-25000" dirty="0" err="1">
+                  <a:effectLst/>
+                  <a:latin typeface="Calibri" panose="020F0502020204030204" pitchFamily="34" charset="0"/>
+                  <a:ea typeface="Calibri" panose="020F0502020204030204" pitchFamily="34" charset="0"/>
+                  <a:cs typeface="Times New Roman" panose="02020603050405020304" pitchFamily="18" charset="0"/>
+                </a:rPr>
+                <a:t>i</a:t>
+              </a:r>
+              <a:endParaRPr lang="ru-RU" dirty="0">
+                <a:effectLst/>
+                <a:latin typeface="Calibri" panose="020F0502020204030204" pitchFamily="34" charset="0"/>
+                <a:ea typeface="Calibri" panose="020F0502020204030204" pitchFamily="34" charset="0"/>
+                <a:cs typeface="Times New Roman" panose="02020603050405020304" pitchFamily="18" charset="0"/>
+              </a:endParaRPr>
+            </a:p>
+          </p:txBody>
+        </p:sp>
+        <p:sp>
+          <p:nvSpPr>
+            <p:cNvPr id="69" name="Надпись 152">
+              <a:extLst>
+                <a:ext uri="{FF2B5EF4-FFF2-40B4-BE49-F238E27FC236}">
+                  <a16:creationId xmlns:a16="http://schemas.microsoft.com/office/drawing/2014/main" id="{6BC22FFB-59C7-4F9C-A9D0-92B85FC9B976}"/>
+                </a:ext>
+              </a:extLst>
+            </p:cNvPr>
+            <p:cNvSpPr txBox="1"/>
+            <p:nvPr/>
+          </p:nvSpPr>
+          <p:spPr>
+            <a:xfrm>
+              <a:off x="3747479" y="2630813"/>
+              <a:ext cx="890429" cy="498036"/>
+            </a:xfrm>
+            <a:prstGeom prst="rect">
+              <a:avLst/>
+            </a:prstGeom>
+            <a:noFill/>
+            <a:ln w="6350">
+              <a:noFill/>
+            </a:ln>
+          </p:spPr>
+          <p:txBody>
+            <a:bodyPr rot="0" spcFirstLastPara="0" vert="horz" wrap="square" lIns="91440" tIns="45720" rIns="91440" bIns="45720" numCol="1" spcCol="0" rtlCol="0" fromWordArt="0" anchor="t" anchorCtr="0" forceAA="0" compatLnSpc="1">
+              <a:prstTxWarp prst="textNoShape">
+                <a:avLst/>
+              </a:prstTxWarp>
+              <a:noAutofit/>
+            </a:bodyPr>
+            <a:lstStyle/>
+            <a:p>
+              <a:pPr>
+                <a:lnSpc>
+                  <a:spcPct val="107000"/>
+                </a:lnSpc>
+                <a:spcAft>
+                  <a:spcPts val="800"/>
+                </a:spcAft>
+              </a:pPr>
+              <a:r>
+                <a:rPr lang="en-US" dirty="0">
+                  <a:effectLst/>
+                  <a:latin typeface="Calibri" panose="020F0502020204030204" pitchFamily="34" charset="0"/>
+                  <a:ea typeface="Calibri" panose="020F0502020204030204" pitchFamily="34" charset="0"/>
+                  <a:cs typeface="Times New Roman" panose="02020603050405020304" pitchFamily="18" charset="0"/>
+                </a:rPr>
+                <a:t>M’</a:t>
+              </a:r>
+              <a:r>
+                <a:rPr lang="en-US" baseline="-25000" dirty="0">
+                  <a:effectLst/>
+                  <a:latin typeface="Calibri" panose="020F0502020204030204" pitchFamily="34" charset="0"/>
+                  <a:ea typeface="Calibri" panose="020F0502020204030204" pitchFamily="34" charset="0"/>
+                  <a:cs typeface="Times New Roman" panose="02020603050405020304" pitchFamily="18" charset="0"/>
+                </a:rPr>
+                <a:t>i+1</a:t>
+              </a:r>
+              <a:endParaRPr lang="ru-RU" dirty="0">
+                <a:effectLst/>
+                <a:latin typeface="Calibri" panose="020F0502020204030204" pitchFamily="34" charset="0"/>
+                <a:ea typeface="Calibri" panose="020F0502020204030204" pitchFamily="34" charset="0"/>
+                <a:cs typeface="Times New Roman" panose="02020603050405020304" pitchFamily="18" charset="0"/>
+              </a:endParaRPr>
+            </a:p>
+          </p:txBody>
+        </p:sp>
+        <p:sp>
+          <p:nvSpPr>
+            <p:cNvPr id="70" name="Надпись 169">
+              <a:extLst>
+                <a:ext uri="{FF2B5EF4-FFF2-40B4-BE49-F238E27FC236}">
+                  <a16:creationId xmlns:a16="http://schemas.microsoft.com/office/drawing/2014/main" id="{B55498B5-C0C6-482B-86EC-49CD9B79F1A6}"/>
+                </a:ext>
+              </a:extLst>
+            </p:cNvPr>
+            <p:cNvSpPr txBox="1"/>
+            <p:nvPr/>
+          </p:nvSpPr>
+          <p:spPr>
+            <a:xfrm>
+              <a:off x="2267009" y="2963876"/>
+              <a:ext cx="980981" cy="498036"/>
+            </a:xfrm>
+            <a:prstGeom prst="rect">
+              <a:avLst/>
+            </a:prstGeom>
+            <a:noFill/>
+            <a:ln w="6350">
+              <a:noFill/>
+            </a:ln>
+          </p:spPr>
+          <p:txBody>
+            <a:bodyPr rot="0" spcFirstLastPara="0" vert="horz" wrap="square" lIns="91440" tIns="45720" rIns="91440" bIns="45720" numCol="1" spcCol="0" rtlCol="0" fromWordArt="0" anchor="t" anchorCtr="0" forceAA="0" compatLnSpc="1">
+              <a:prstTxWarp prst="textNoShape">
+                <a:avLst/>
+              </a:prstTxWarp>
+              <a:noAutofit/>
+            </a:bodyPr>
+            <a:lstStyle/>
+            <a:p>
+              <a:pPr>
+                <a:lnSpc>
+                  <a:spcPct val="107000"/>
+                </a:lnSpc>
+                <a:spcAft>
+                  <a:spcPts val="800"/>
+                </a:spcAft>
+              </a:pPr>
+              <a:r>
+                <a:rPr lang="en-US" dirty="0">
+                  <a:effectLst/>
+                  <a:latin typeface="Calibri" panose="020F0502020204030204" pitchFamily="34" charset="0"/>
+                  <a:ea typeface="Calibri" panose="020F0502020204030204" pitchFamily="34" charset="0"/>
+                  <a:cs typeface="Times New Roman" panose="02020603050405020304" pitchFamily="18" charset="0"/>
+                </a:rPr>
+                <a:t>M</a:t>
+              </a:r>
+              <a:r>
+                <a:rPr lang="en-US" baseline="-25000" dirty="0">
+                  <a:effectLst/>
+                  <a:latin typeface="Calibri" panose="020F0502020204030204" pitchFamily="34" charset="0"/>
+                  <a:ea typeface="Calibri" panose="020F0502020204030204" pitchFamily="34" charset="0"/>
+                  <a:cs typeface="Times New Roman" panose="02020603050405020304" pitchFamily="18" charset="0"/>
+                </a:rPr>
+                <a:t>i</a:t>
+              </a:r>
+              <a:r>
+                <a:rPr lang="en-US" dirty="0">
+                  <a:effectLst/>
+                  <a:latin typeface="Calibri" panose="020F0502020204030204" pitchFamily="34" charset="0"/>
+                  <a:ea typeface="Calibri" panose="020F0502020204030204" pitchFamily="34" charset="0"/>
+                  <a:cs typeface="Times New Roman" panose="02020603050405020304" pitchFamily="18" charset="0"/>
+                </a:rPr>
+                <a:t>(s)</a:t>
+              </a:r>
+              <a:endParaRPr lang="ru-RU" dirty="0">
+                <a:effectLst/>
+                <a:latin typeface="Calibri" panose="020F0502020204030204" pitchFamily="34" charset="0"/>
+                <a:ea typeface="Calibri" panose="020F0502020204030204" pitchFamily="34" charset="0"/>
+                <a:cs typeface="Times New Roman" panose="02020603050405020304" pitchFamily="18" charset="0"/>
+              </a:endParaRPr>
+            </a:p>
+          </p:txBody>
+        </p:sp>
+        <p:sp>
+          <p:nvSpPr>
+            <p:cNvPr id="71" name="Надпись 170">
+              <a:extLst>
+                <a:ext uri="{FF2B5EF4-FFF2-40B4-BE49-F238E27FC236}">
+                  <a16:creationId xmlns:a16="http://schemas.microsoft.com/office/drawing/2014/main" id="{17B6F514-CD74-4052-822A-496266E791FF}"/>
+                </a:ext>
+              </a:extLst>
+            </p:cNvPr>
+            <p:cNvSpPr txBox="1"/>
+            <p:nvPr/>
+          </p:nvSpPr>
+          <p:spPr>
+            <a:xfrm>
+              <a:off x="4583129" y="3007092"/>
+              <a:ext cx="890429" cy="498036"/>
+            </a:xfrm>
+            <a:prstGeom prst="rect">
+              <a:avLst/>
+            </a:prstGeom>
+            <a:noFill/>
+            <a:ln w="6350">
+              <a:noFill/>
+            </a:ln>
+          </p:spPr>
+          <p:txBody>
+            <a:bodyPr rot="0" spcFirstLastPara="0" vert="horz" wrap="square" lIns="91440" tIns="45720" rIns="91440" bIns="45720" numCol="1" spcCol="0" rtlCol="0" fromWordArt="0" anchor="t" anchorCtr="0" forceAA="0" compatLnSpc="1">
+              <a:prstTxWarp prst="textNoShape">
+                <a:avLst/>
+              </a:prstTxWarp>
+              <a:noAutofit/>
+            </a:bodyPr>
+            <a:lstStyle/>
+            <a:p>
+              <a:pPr>
+                <a:lnSpc>
+                  <a:spcPct val="107000"/>
+                </a:lnSpc>
+                <a:spcAft>
+                  <a:spcPts val="800"/>
+                </a:spcAft>
+              </a:pPr>
+              <a:r>
+                <a:rPr lang="en-US" dirty="0">
+                  <a:effectLst/>
+                  <a:latin typeface="Calibri" panose="020F0502020204030204" pitchFamily="34" charset="0"/>
+                  <a:ea typeface="Calibri" panose="020F0502020204030204" pitchFamily="34" charset="0"/>
+                  <a:cs typeface="Times New Roman" panose="02020603050405020304" pitchFamily="18" charset="0"/>
+                </a:rPr>
+                <a:t>M</a:t>
+              </a:r>
+              <a:r>
+                <a:rPr lang="en-US" baseline="-25000" dirty="0">
+                  <a:effectLst/>
+                  <a:latin typeface="Calibri" panose="020F0502020204030204" pitchFamily="34" charset="0"/>
+                  <a:ea typeface="Calibri" panose="020F0502020204030204" pitchFamily="34" charset="0"/>
+                  <a:cs typeface="Times New Roman" panose="02020603050405020304" pitchFamily="18" charset="0"/>
+                </a:rPr>
+                <a:t>i+1</a:t>
+              </a:r>
+              <a:r>
+                <a:rPr lang="en-US" dirty="0">
+                  <a:effectLst/>
+                  <a:latin typeface="Calibri" panose="020F0502020204030204" pitchFamily="34" charset="0"/>
+                  <a:ea typeface="Calibri" panose="020F0502020204030204" pitchFamily="34" charset="0"/>
+                  <a:cs typeface="Times New Roman" panose="02020603050405020304" pitchFamily="18" charset="0"/>
+                </a:rPr>
+                <a:t>(t)</a:t>
+              </a:r>
+              <a:endParaRPr lang="ru-RU" dirty="0">
+                <a:effectLst/>
+                <a:latin typeface="Calibri" panose="020F0502020204030204" pitchFamily="34" charset="0"/>
+                <a:ea typeface="Calibri" panose="020F0502020204030204" pitchFamily="34" charset="0"/>
+                <a:cs typeface="Times New Roman" panose="02020603050405020304" pitchFamily="18" charset="0"/>
+              </a:endParaRPr>
+            </a:p>
+          </p:txBody>
+        </p:sp>
+        <p:sp>
+          <p:nvSpPr>
+            <p:cNvPr id="72" name="Полилиния: фигура 71">
+              <a:extLst>
+                <a:ext uri="{FF2B5EF4-FFF2-40B4-BE49-F238E27FC236}">
+                  <a16:creationId xmlns:a16="http://schemas.microsoft.com/office/drawing/2014/main" id="{91A32836-AB23-4EDE-B71A-F35B96DAA34A}"/>
+                </a:ext>
+              </a:extLst>
+            </p:cNvPr>
+            <p:cNvSpPr/>
+            <p:nvPr/>
+          </p:nvSpPr>
+          <p:spPr>
+            <a:xfrm>
+              <a:off x="1981518" y="2250584"/>
+              <a:ext cx="3097920" cy="165144"/>
+            </a:xfrm>
+            <a:custGeom>
+              <a:avLst/>
+              <a:gdLst>
+                <a:gd name="connsiteX0" fmla="*/ 0 w 2733675"/>
+                <a:gd name="connsiteY0" fmla="*/ 304800 h 590550"/>
+                <a:gd name="connsiteX1" fmla="*/ 866775 w 2733675"/>
+                <a:gd name="connsiteY1" fmla="*/ 447675 h 590550"/>
+                <a:gd name="connsiteX2" fmla="*/ 1819275 w 2733675"/>
+                <a:gd name="connsiteY2" fmla="*/ 590550 h 590550"/>
+                <a:gd name="connsiteX3" fmla="*/ 2733675 w 2733675"/>
+                <a:gd name="connsiteY3" fmla="*/ 0 h 590550"/>
+                <a:gd name="connsiteX0" fmla="*/ 0 w 2733675"/>
+                <a:gd name="connsiteY0" fmla="*/ 304800 h 590550"/>
+                <a:gd name="connsiteX1" fmla="*/ 971550 w 2733675"/>
+                <a:gd name="connsiteY1" fmla="*/ 266700 h 590550"/>
+                <a:gd name="connsiteX2" fmla="*/ 1819275 w 2733675"/>
+                <a:gd name="connsiteY2" fmla="*/ 590550 h 590550"/>
+                <a:gd name="connsiteX3" fmla="*/ 2733675 w 2733675"/>
+                <a:gd name="connsiteY3" fmla="*/ 0 h 590550"/>
+                <a:gd name="connsiteX0" fmla="*/ 0 w 2397031"/>
+                <a:gd name="connsiteY0" fmla="*/ 328846 h 590550"/>
+                <a:gd name="connsiteX1" fmla="*/ 634906 w 2397031"/>
+                <a:gd name="connsiteY1" fmla="*/ 266700 h 590550"/>
+                <a:gd name="connsiteX2" fmla="*/ 1482631 w 2397031"/>
+                <a:gd name="connsiteY2" fmla="*/ 590550 h 590550"/>
+                <a:gd name="connsiteX3" fmla="*/ 2397031 w 2397031"/>
+                <a:gd name="connsiteY3" fmla="*/ 0 h 590550"/>
+                <a:gd name="connsiteX0" fmla="*/ 0 w 2397031"/>
+                <a:gd name="connsiteY0" fmla="*/ 328846 h 590550"/>
+                <a:gd name="connsiteX1" fmla="*/ 520687 w 2397031"/>
+                <a:gd name="connsiteY1" fmla="*/ 224619 h 590550"/>
+                <a:gd name="connsiteX2" fmla="*/ 1482631 w 2397031"/>
+                <a:gd name="connsiteY2" fmla="*/ 590550 h 590550"/>
+                <a:gd name="connsiteX3" fmla="*/ 2397031 w 2397031"/>
+                <a:gd name="connsiteY3" fmla="*/ 0 h 590550"/>
+                <a:gd name="connsiteX0" fmla="*/ 0 w 2397031"/>
+                <a:gd name="connsiteY0" fmla="*/ 328846 h 328846"/>
+                <a:gd name="connsiteX1" fmla="*/ 520687 w 2397031"/>
+                <a:gd name="connsiteY1" fmla="*/ 224619 h 328846"/>
+                <a:gd name="connsiteX2" fmla="*/ 1350378 w 2397031"/>
+                <a:gd name="connsiteY2" fmla="*/ 244889 h 328846"/>
+                <a:gd name="connsiteX3" fmla="*/ 2397031 w 2397031"/>
+                <a:gd name="connsiteY3" fmla="*/ 0 h 328846"/>
+                <a:gd name="connsiteX0" fmla="*/ 0 w 1955186"/>
+                <a:gd name="connsiteY0" fmla="*/ 104227 h 104227"/>
+                <a:gd name="connsiteX1" fmla="*/ 520687 w 1955186"/>
+                <a:gd name="connsiteY1" fmla="*/ 0 h 104227"/>
+                <a:gd name="connsiteX2" fmla="*/ 1350378 w 1955186"/>
+                <a:gd name="connsiteY2" fmla="*/ 20270 h 104227"/>
+                <a:gd name="connsiteX3" fmla="*/ 1955186 w 1955186"/>
+                <a:gd name="connsiteY3" fmla="*/ 51910 h 104227"/>
+              </a:gdLst>
+              <a:ahLst/>
+              <a:cxnLst>
+                <a:cxn ang="0">
+                  <a:pos x="connsiteX0" y="connsiteY0"/>
+                </a:cxn>
+                <a:cxn ang="0">
+                  <a:pos x="connsiteX1" y="connsiteY1"/>
+                </a:cxn>
+                <a:cxn ang="0">
+                  <a:pos x="connsiteX2" y="connsiteY2"/>
+                </a:cxn>
+                <a:cxn ang="0">
+                  <a:pos x="connsiteX3" y="connsiteY3"/>
+                </a:cxn>
+              </a:cxnLst>
+              <a:rect l="l" t="t" r="r" b="b"/>
+              <a:pathLst>
+                <a:path w="1955186" h="104227">
+                  <a:moveTo>
+                    <a:pt x="0" y="104227"/>
+                  </a:moveTo>
+                  <a:lnTo>
+                    <a:pt x="520687" y="0"/>
+                  </a:lnTo>
+                  <a:lnTo>
+                    <a:pt x="1350378" y="20270"/>
+                  </a:lnTo>
+                  <a:lnTo>
+                    <a:pt x="1955186" y="51910"/>
+                  </a:lnTo>
+                </a:path>
+              </a:pathLst>
+            </a:custGeom>
+            <a:noFill/>
+            <a:ln w="19050">
               <a:solidFill>
                 <a:srgbClr val="FF0000"/>
               </a:solidFill>
@@ -21815,29 +23819,33 @@
         </p:sp>
         <p:cxnSp>
           <p:nvCxnSpPr>
-            <p:cNvPr id="15" name="Прямая соединительная линия 14">
+            <p:cNvPr id="73" name="Прямая соединительная линия 72">
               <a:extLst>
                 <a:ext uri="{FF2B5EF4-FFF2-40B4-BE49-F238E27FC236}">
-                  <a16:creationId xmlns:a16="http://schemas.microsoft.com/office/drawing/2014/main" id="{78BF76F1-6CD6-42C5-9135-85B5DEC9304D}"/>
+                  <a16:creationId xmlns:a16="http://schemas.microsoft.com/office/drawing/2014/main" id="{8ABC2B59-3AFF-4708-B2BD-C4508A3B181C}"/>
                 </a:ext>
               </a:extLst>
             </p:cNvPr>
-            <p:cNvCxnSpPr/>
+            <p:cNvCxnSpPr>
+              <a:cxnSpLocks/>
+            </p:cNvCxnSpPr>
             <p:nvPr/>
           </p:nvCxnSpPr>
           <p:spPr>
-            <a:xfrm flipH="1">
-              <a:off x="3733800" y="104775"/>
-              <a:ext cx="38100" cy="1466850"/>
+            <a:xfrm flipV="1">
+              <a:off x="2574355" y="2279768"/>
+              <a:ext cx="215670" cy="745685"/>
             </a:xfrm>
             <a:prstGeom prst="line">
               <a:avLst/>
             </a:prstGeom>
-            <a:ln w="28575">
+            <a:ln w="12700">
               <a:solidFill>
-                <a:schemeClr val="accent6"/>
+                <a:srgbClr val="00B050"/>
               </a:solidFill>
-              <a:prstDash val="dash"/>
+              <a:prstDash val="solid"/>
+              <a:headEnd type="none" w="med" len="med"/>
+              <a:tailEnd type="arrow" w="med" len="med"/>
             </a:ln>
           </p:spPr>
           <p:style>
@@ -21855,307 +23863,34 @@
             </a:fontRef>
           </p:style>
         </p:cxnSp>
-        <p:sp>
-          <p:nvSpPr>
-            <p:cNvPr id="16" name="Надпись 121">
+        <p:cxnSp>
+          <p:nvCxnSpPr>
+            <p:cNvPr id="75" name="Прямая соединительная линия 74">
               <a:extLst>
                 <a:ext uri="{FF2B5EF4-FFF2-40B4-BE49-F238E27FC236}">
-                  <a16:creationId xmlns:a16="http://schemas.microsoft.com/office/drawing/2014/main" id="{A63C5079-79BB-45A2-8BAA-2D767C523A4E}"/>
+                  <a16:creationId xmlns:a16="http://schemas.microsoft.com/office/drawing/2014/main" id="{2455B672-12FA-4705-8AB8-D74A0BE2D597}"/>
                 </a:ext>
               </a:extLst>
             </p:cNvPr>
-            <p:cNvSpPr txBox="1"/>
-            <p:nvPr/>
-          </p:nvSpPr>
-          <p:spPr>
-            <a:xfrm>
-              <a:off x="2819400" y="628650"/>
-              <a:ext cx="581025" cy="238125"/>
-            </a:xfrm>
-            <a:prstGeom prst="rect">
-              <a:avLst/>
-            </a:prstGeom>
-            <a:noFill/>
-            <a:ln w="6350">
-              <a:noFill/>
-            </a:ln>
-          </p:spPr>
-          <p:txBody>
-            <a:bodyPr rot="0" spcFirstLastPara="0" vert="horz" wrap="square" lIns="91440" tIns="45720" rIns="91440" bIns="45720" numCol="1" spcCol="0" rtlCol="0" fromWordArt="0" anchor="t" anchorCtr="0" forceAA="0" compatLnSpc="1">
-              <a:prstTxWarp prst="textNoShape">
-                <a:avLst/>
-              </a:prstTxWarp>
-              <a:noAutofit/>
-            </a:bodyPr>
-            <a:lstStyle/>
-            <a:p>
-              <a:pPr>
-                <a:lnSpc>
-                  <a:spcPct val="107000"/>
-                </a:lnSpc>
-                <a:spcAft>
-                  <a:spcPts val="800"/>
-                </a:spcAft>
-              </a:pPr>
-              <a:r>
-                <a:rPr lang="en-US" sz="1100">
-                  <a:effectLst/>
-                  <a:latin typeface="Calibri" panose="020F0502020204030204" pitchFamily="34" charset="0"/>
-                  <a:ea typeface="Calibri" panose="020F0502020204030204" pitchFamily="34" charset="0"/>
-                  <a:cs typeface="Times New Roman" panose="02020603050405020304" pitchFamily="18" charset="0"/>
-                </a:rPr>
-                <a:t>C</a:t>
-              </a:r>
-              <a:r>
-                <a:rPr lang="en-US" sz="1100" baseline="-25000">
-                  <a:effectLst/>
-                  <a:latin typeface="Calibri" panose="020F0502020204030204" pitchFamily="34" charset="0"/>
-                  <a:ea typeface="Calibri" panose="020F0502020204030204" pitchFamily="34" charset="0"/>
-                  <a:cs typeface="Times New Roman" panose="02020603050405020304" pitchFamily="18" charset="0"/>
-                </a:rPr>
-                <a:t>i</a:t>
-              </a:r>
-              <a:endParaRPr lang="ru-RU" sz="1100">
-                <a:effectLst/>
-                <a:latin typeface="Calibri" panose="020F0502020204030204" pitchFamily="34" charset="0"/>
-                <a:ea typeface="Calibri" panose="020F0502020204030204" pitchFamily="34" charset="0"/>
-                <a:cs typeface="Times New Roman" panose="02020603050405020304" pitchFamily="18" charset="0"/>
-              </a:endParaRPr>
-            </a:p>
-          </p:txBody>
-        </p:sp>
-        <p:sp>
-          <p:nvSpPr>
-            <p:cNvPr id="17" name="Надпись 122">
-              <a:extLst>
-                <a:ext uri="{FF2B5EF4-FFF2-40B4-BE49-F238E27FC236}">
-                  <a16:creationId xmlns:a16="http://schemas.microsoft.com/office/drawing/2014/main" id="{3C9A6E31-C9DC-4DDA-93B4-19AD8001BC1D}"/>
-                </a:ext>
-              </a:extLst>
-            </p:cNvPr>
-            <p:cNvSpPr txBox="1"/>
-            <p:nvPr/>
-          </p:nvSpPr>
-          <p:spPr>
-            <a:xfrm>
-              <a:off x="3848100" y="542925"/>
-              <a:ext cx="581025" cy="238125"/>
-            </a:xfrm>
-            <a:prstGeom prst="rect">
-              <a:avLst/>
-            </a:prstGeom>
-            <a:noFill/>
-            <a:ln w="6350">
-              <a:noFill/>
-            </a:ln>
-          </p:spPr>
-          <p:txBody>
-            <a:bodyPr rot="0" spcFirstLastPara="0" vert="horz" wrap="square" lIns="91440" tIns="45720" rIns="91440" bIns="45720" numCol="1" spcCol="0" rtlCol="0" fromWordArt="0" anchor="t" anchorCtr="0" forceAA="0" compatLnSpc="1">
-              <a:prstTxWarp prst="textNoShape">
-                <a:avLst/>
-              </a:prstTxWarp>
-              <a:noAutofit/>
-            </a:bodyPr>
-            <a:lstStyle/>
-            <a:p>
-              <a:pPr>
-                <a:lnSpc>
-                  <a:spcPct val="107000"/>
-                </a:lnSpc>
-                <a:spcAft>
-                  <a:spcPts val="800"/>
-                </a:spcAft>
-              </a:pPr>
-              <a:r>
-                <a:rPr lang="en-US" sz="1100">
-                  <a:effectLst/>
-                  <a:latin typeface="Calibri" panose="020F0502020204030204" pitchFamily="34" charset="0"/>
-                  <a:ea typeface="Calibri" panose="020F0502020204030204" pitchFamily="34" charset="0"/>
-                  <a:cs typeface="Times New Roman" panose="02020603050405020304" pitchFamily="18" charset="0"/>
-                </a:rPr>
-                <a:t>M</a:t>
-              </a:r>
-              <a:r>
-                <a:rPr lang="en-US" sz="1100" baseline="-25000">
-                  <a:effectLst/>
-                  <a:latin typeface="Calibri" panose="020F0502020204030204" pitchFamily="34" charset="0"/>
-                  <a:ea typeface="Calibri" panose="020F0502020204030204" pitchFamily="34" charset="0"/>
-                  <a:cs typeface="Times New Roman" panose="02020603050405020304" pitchFamily="18" charset="0"/>
-                </a:rPr>
-                <a:t>i</a:t>
-              </a:r>
-              <a:endParaRPr lang="ru-RU" sz="1100">
-                <a:effectLst/>
-                <a:latin typeface="Calibri" panose="020F0502020204030204" pitchFamily="34" charset="0"/>
-                <a:ea typeface="Calibri" panose="020F0502020204030204" pitchFamily="34" charset="0"/>
-                <a:cs typeface="Times New Roman" panose="02020603050405020304" pitchFamily="18" charset="0"/>
-              </a:endParaRPr>
-            </a:p>
-          </p:txBody>
-        </p:sp>
-        <p:sp>
-          <p:nvSpPr>
-            <p:cNvPr id="18" name="Надпись 123">
-              <a:extLst>
-                <a:ext uri="{FF2B5EF4-FFF2-40B4-BE49-F238E27FC236}">
-                  <a16:creationId xmlns:a16="http://schemas.microsoft.com/office/drawing/2014/main" id="{5C30BC90-8618-4545-950C-CD526042A312}"/>
-                </a:ext>
-              </a:extLst>
-            </p:cNvPr>
-            <p:cNvSpPr txBox="1"/>
-            <p:nvPr/>
-          </p:nvSpPr>
-          <p:spPr>
-            <a:xfrm>
-              <a:off x="3810000" y="28575"/>
-              <a:ext cx="581025" cy="238125"/>
-            </a:xfrm>
-            <a:prstGeom prst="rect">
-              <a:avLst/>
-            </a:prstGeom>
-            <a:noFill/>
-            <a:ln w="6350">
-              <a:noFill/>
-            </a:ln>
-          </p:spPr>
-          <p:txBody>
-            <a:bodyPr rot="0" spcFirstLastPara="0" vert="horz" wrap="square" lIns="91440" tIns="45720" rIns="91440" bIns="45720" numCol="1" spcCol="0" rtlCol="0" fromWordArt="0" anchor="t" anchorCtr="0" forceAA="0" compatLnSpc="1">
-              <a:prstTxWarp prst="textNoShape">
-                <a:avLst/>
-              </a:prstTxWarp>
-              <a:noAutofit/>
-            </a:bodyPr>
-            <a:lstStyle/>
-            <a:p>
-              <a:pPr>
-                <a:lnSpc>
-                  <a:spcPct val="107000"/>
-                </a:lnSpc>
-                <a:spcAft>
-                  <a:spcPts val="800"/>
-                </a:spcAft>
-              </a:pPr>
-              <a:r>
-                <a:rPr lang="en-US" sz="1100">
-                  <a:effectLst/>
-                  <a:latin typeface="Calibri" panose="020F0502020204030204" pitchFamily="34" charset="0"/>
-                  <a:ea typeface="Calibri" panose="020F0502020204030204" pitchFamily="34" charset="0"/>
-                  <a:cs typeface="Times New Roman" panose="02020603050405020304" pitchFamily="18" charset="0"/>
-                </a:rPr>
-                <a:t>M</a:t>
-              </a:r>
-              <a:r>
-                <a:rPr lang="en-US" sz="1100" baseline="-25000">
-                  <a:effectLst/>
-                  <a:latin typeface="Calibri" panose="020F0502020204030204" pitchFamily="34" charset="0"/>
-                  <a:ea typeface="Calibri" panose="020F0502020204030204" pitchFamily="34" charset="0"/>
-                  <a:cs typeface="Times New Roman" panose="02020603050405020304" pitchFamily="18" charset="0"/>
-                </a:rPr>
-                <a:t>i+1</a:t>
-              </a:r>
-              <a:endParaRPr lang="ru-RU" sz="1100">
-                <a:effectLst/>
-                <a:latin typeface="Calibri" panose="020F0502020204030204" pitchFamily="34" charset="0"/>
-                <a:ea typeface="Calibri" panose="020F0502020204030204" pitchFamily="34" charset="0"/>
-                <a:cs typeface="Times New Roman" panose="02020603050405020304" pitchFamily="18" charset="0"/>
-              </a:endParaRPr>
-            </a:p>
-          </p:txBody>
-        </p:sp>
-        <p:sp>
-          <p:nvSpPr>
-            <p:cNvPr id="19" name="Надпись 124">
-              <a:extLst>
-                <a:ext uri="{FF2B5EF4-FFF2-40B4-BE49-F238E27FC236}">
-                  <a16:creationId xmlns:a16="http://schemas.microsoft.com/office/drawing/2014/main" id="{20BCCE72-1228-4842-AFB5-FADB295FFEF1}"/>
-                </a:ext>
-              </a:extLst>
-            </p:cNvPr>
-            <p:cNvSpPr txBox="1"/>
-            <p:nvPr/>
-          </p:nvSpPr>
-          <p:spPr>
-            <a:xfrm>
-              <a:off x="4152900" y="1009650"/>
-              <a:ext cx="581025" cy="238125"/>
-            </a:xfrm>
-            <a:prstGeom prst="rect">
-              <a:avLst/>
-            </a:prstGeom>
-            <a:noFill/>
-            <a:ln w="6350">
-              <a:noFill/>
-            </a:ln>
-          </p:spPr>
-          <p:txBody>
-            <a:bodyPr rot="0" spcFirstLastPara="0" vert="horz" wrap="square" lIns="91440" tIns="45720" rIns="91440" bIns="45720" numCol="1" spcCol="0" rtlCol="0" fromWordArt="0" anchor="t" anchorCtr="0" forceAA="0" compatLnSpc="1">
-              <a:prstTxWarp prst="textNoShape">
-                <a:avLst/>
-              </a:prstTxWarp>
-              <a:noAutofit/>
-            </a:bodyPr>
-            <a:lstStyle/>
-            <a:p>
-              <a:pPr>
-                <a:lnSpc>
-                  <a:spcPct val="107000"/>
-                </a:lnSpc>
-                <a:spcAft>
-                  <a:spcPts val="800"/>
-                </a:spcAft>
-              </a:pPr>
-              <a:r>
-                <a:rPr lang="en-US" sz="1100">
-                  <a:effectLst/>
-                  <a:latin typeface="Calibri" panose="020F0502020204030204" pitchFamily="34" charset="0"/>
-                  <a:ea typeface="Calibri" panose="020F0502020204030204" pitchFamily="34" charset="0"/>
-                  <a:cs typeface="Times New Roman" panose="02020603050405020304" pitchFamily="18" charset="0"/>
-                </a:rPr>
-                <a:t>M</a:t>
-              </a:r>
-              <a:r>
-                <a:rPr lang="en-US" sz="1100" baseline="-25000">
-                  <a:effectLst/>
-                  <a:latin typeface="Calibri" panose="020F0502020204030204" pitchFamily="34" charset="0"/>
-                  <a:ea typeface="Calibri" panose="020F0502020204030204" pitchFamily="34" charset="0"/>
-                  <a:cs typeface="Times New Roman" panose="02020603050405020304" pitchFamily="18" charset="0"/>
-                </a:rPr>
-                <a:t>i-1</a:t>
-              </a:r>
-              <a:endParaRPr lang="ru-RU" sz="1100">
-                <a:effectLst/>
-                <a:latin typeface="Calibri" panose="020F0502020204030204" pitchFamily="34" charset="0"/>
-                <a:ea typeface="Calibri" panose="020F0502020204030204" pitchFamily="34" charset="0"/>
-                <a:cs typeface="Times New Roman" panose="02020603050405020304" pitchFamily="18" charset="0"/>
-              </a:endParaRPr>
-            </a:p>
-          </p:txBody>
-        </p:sp>
-        <p:cxnSp>
-          <p:nvCxnSpPr>
-            <p:cNvPr id="20" name="Прямая соединительная линия 19">
-              <a:extLst>
-                <a:ext uri="{FF2B5EF4-FFF2-40B4-BE49-F238E27FC236}">
-                  <a16:creationId xmlns:a16="http://schemas.microsoft.com/office/drawing/2014/main" id="{BC052E44-EB97-46E4-B381-B8D6985EB173}"/>
-                </a:ext>
-              </a:extLst>
-            </p:cNvPr>
-            <p:cNvCxnSpPr/>
+            <p:cNvCxnSpPr>
+              <a:cxnSpLocks/>
+            </p:cNvCxnSpPr>
             <p:nvPr/>
           </p:nvCxnSpPr>
           <p:spPr>
-            <a:xfrm flipV="1">
-              <a:off x="3781425" y="209550"/>
-              <a:ext cx="361950" cy="409575"/>
+            <a:xfrm flipH="1" flipV="1">
+              <a:off x="4134525" y="2325441"/>
+              <a:ext cx="748582" cy="770263"/>
             </a:xfrm>
             <a:prstGeom prst="line">
               <a:avLst/>
             </a:prstGeom>
-            <a:ln w="19050">
+            <a:ln w="12700">
               <a:solidFill>
-                <a:schemeClr val="tx1"/>
+                <a:srgbClr val="00B050"/>
               </a:solidFill>
-              <a:headEnd type="oval" w="med" len="med"/>
+              <a:prstDash val="solid"/>
+              <a:headEnd type="none" w="med" len="med"/>
               <a:tailEnd type="arrow" w="med" len="med"/>
             </a:ln>
           </p:spPr>
@@ -22175,6 +23910,575 @@
           </p:style>
         </p:cxnSp>
       </p:grpSp>
+      <mc:AlternateContent xmlns:mc="http://schemas.openxmlformats.org/markup-compatibility/2006">
+        <mc:Choice xmlns:a14="http://schemas.microsoft.com/office/drawing/2010/main" Requires="a14">
+          <p:sp>
+            <p:nvSpPr>
+              <p:cNvPr id="81" name="Прямоугольник 80">
+                <a:extLst>
+                  <a:ext uri="{FF2B5EF4-FFF2-40B4-BE49-F238E27FC236}">
+                    <a16:creationId xmlns:a16="http://schemas.microsoft.com/office/drawing/2014/main" id="{A5A3894D-4E05-4921-8AB3-9AF43125198B}"/>
+                  </a:ext>
+                </a:extLst>
+              </p:cNvPr>
+              <p:cNvSpPr/>
+              <p:nvPr/>
+            </p:nvSpPr>
+            <p:spPr>
+              <a:xfrm>
+                <a:off x="903712" y="3965458"/>
+                <a:ext cx="1916615" cy="629916"/>
+              </a:xfrm>
+              <a:prstGeom prst="rect">
+                <a:avLst/>
+              </a:prstGeom>
+            </p:spPr>
+            <p:txBody>
+              <a:bodyPr wrap="none">
+                <a:spAutoFit/>
+              </a:bodyPr>
+              <a:lstStyle/>
+              <a:p>
+                <a:pPr algn="ctr"/>
+                <a14:m>
+                  <m:oMathPara xmlns:m="http://schemas.openxmlformats.org/officeDocument/2006/math">
+                    <m:oMathParaPr>
+                      <m:jc m:val="centerGroup"/>
+                    </m:oMathParaPr>
+                    <m:oMath xmlns:m="http://schemas.openxmlformats.org/officeDocument/2006/math">
+                      <m:sSub>
+                        <m:sSubPr>
+                          <m:ctrlPr>
+                            <a:rPr lang="en-US" i="1" smtClean="0">
+                              <a:latin typeface="Cambria Math" panose="02040503050406030204" pitchFamily="18" charset="0"/>
+                            </a:rPr>
+                          </m:ctrlPr>
+                        </m:sSubPr>
+                        <m:e>
+                          <m:f>
+                            <m:fPr>
+                              <m:ctrlPr>
+                                <a:rPr lang="en-US" i="1">
+                                  <a:latin typeface="Cambria Math" panose="02040503050406030204" pitchFamily="18" charset="0"/>
+                                </a:rPr>
+                              </m:ctrlPr>
+                            </m:fPr>
+                            <m:num>
+                              <m:r>
+                                <a:rPr lang="en-US" i="1">
+                                  <a:latin typeface="Cambria Math" panose="02040503050406030204" pitchFamily="18" charset="0"/>
+                                </a:rPr>
+                                <m:t>𝜕𝜆</m:t>
+                              </m:r>
+                              <m:d>
+                                <m:dPr>
+                                  <m:ctrlPr>
+                                    <a:rPr lang="en-US" i="1">
+                                      <a:latin typeface="Cambria Math" panose="02040503050406030204" pitchFamily="18" charset="0"/>
+                                    </a:rPr>
+                                  </m:ctrlPr>
+                                </m:dPr>
+                                <m:e>
+                                  <m:r>
+                                    <a:rPr lang="en-US" i="1">
+                                      <a:latin typeface="Cambria Math" panose="02040503050406030204" pitchFamily="18" charset="0"/>
+                                    </a:rPr>
+                                    <m:t>𝑠</m:t>
+                                  </m:r>
+                                  <m:r>
+                                    <a:rPr lang="en-US" i="1">
+                                      <a:latin typeface="Cambria Math" panose="02040503050406030204" pitchFamily="18" charset="0"/>
+                                    </a:rPr>
+                                    <m:t>,</m:t>
+                                  </m:r>
+                                  <m:r>
+                                    <a:rPr lang="en-US" i="1">
+                                      <a:latin typeface="Cambria Math" panose="02040503050406030204" pitchFamily="18" charset="0"/>
+                                    </a:rPr>
+                                    <m:t>𝑡</m:t>
+                                  </m:r>
+                                </m:e>
+                              </m:d>
+                            </m:num>
+                            <m:den>
+                              <m:r>
+                                <a:rPr lang="en-US" i="1">
+                                  <a:latin typeface="Cambria Math" panose="02040503050406030204" pitchFamily="18" charset="0"/>
+                                </a:rPr>
+                                <m:t>𝜕</m:t>
+                              </m:r>
+                              <m:r>
+                                <a:rPr lang="en-US" i="1">
+                                  <a:latin typeface="Cambria Math" panose="02040503050406030204" pitchFamily="18" charset="0"/>
+                                </a:rPr>
+                                <m:t>𝑠</m:t>
+                              </m:r>
+                            </m:den>
+                          </m:f>
+                          <m:r>
+                            <a:rPr lang="en-US" i="1" smtClean="0">
+                              <a:latin typeface="Cambria Math" panose="02040503050406030204" pitchFamily="18" charset="0"/>
+                            </a:rPr>
+                            <m:t>|</m:t>
+                          </m:r>
+                        </m:e>
+                        <m:sub>
+                          <m:r>
+                            <a:rPr lang="en-US" i="1">
+                              <a:latin typeface="Cambria Math" panose="02040503050406030204" pitchFamily="18" charset="0"/>
+                            </a:rPr>
+                            <m:t>(0,0)</m:t>
+                          </m:r>
+                        </m:sub>
+                      </m:sSub>
+                      <m:r>
+                        <a:rPr lang="en-US" i="1">
+                          <a:latin typeface="Cambria Math" panose="02040503050406030204" pitchFamily="18" charset="0"/>
+                        </a:rPr>
+                        <m:t>=0</m:t>
+                      </m:r>
+                    </m:oMath>
+                  </m:oMathPara>
+                </a14:m>
+                <a:endParaRPr lang="en-US" dirty="0"/>
+              </a:p>
+            </p:txBody>
+          </p:sp>
+        </mc:Choice>
+        <mc:Fallback>
+          <p:sp>
+            <p:nvSpPr>
+              <p:cNvPr id="81" name="Прямоугольник 80">
+                <a:extLst>
+                  <a:ext uri="{FF2B5EF4-FFF2-40B4-BE49-F238E27FC236}">
+                    <a16:creationId xmlns:a16="http://schemas.microsoft.com/office/drawing/2014/main" id="{A5A3894D-4E05-4921-8AB3-9AF43125198B}"/>
+                  </a:ext>
+                </a:extLst>
+              </p:cNvPr>
+              <p:cNvSpPr>
+                <a:spLocks noRot="1" noChangeAspect="1" noMove="1" noResize="1" noEditPoints="1" noAdjustHandles="1" noChangeArrowheads="1" noChangeShapeType="1" noTextEdit="1"/>
+              </p:cNvSpPr>
+              <p:nvPr/>
+            </p:nvSpPr>
+            <p:spPr>
+              <a:xfrm>
+                <a:off x="903712" y="3965458"/>
+                <a:ext cx="1916615" cy="629916"/>
+              </a:xfrm>
+              <a:prstGeom prst="rect">
+                <a:avLst/>
+              </a:prstGeom>
+              <a:blipFill>
+                <a:blip r:embed="rId3"/>
+                <a:stretch>
+                  <a:fillRect/>
+                </a:stretch>
+              </a:blipFill>
+            </p:spPr>
+            <p:txBody>
+              <a:bodyPr/>
+              <a:lstStyle/>
+              <a:p>
+                <a:r>
+                  <a:rPr lang="ru-RU">
+                    <a:noFill/>
+                  </a:rPr>
+                  <a:t> </a:t>
+                </a:r>
+              </a:p>
+            </p:txBody>
+          </p:sp>
+        </mc:Fallback>
+      </mc:AlternateContent>
+      <mc:AlternateContent xmlns:mc="http://schemas.openxmlformats.org/markup-compatibility/2006">
+        <mc:Choice xmlns:a14="http://schemas.microsoft.com/office/drawing/2010/main" Requires="a14">
+          <p:sp>
+            <p:nvSpPr>
+              <p:cNvPr id="82" name="Прямоугольник 81">
+                <a:extLst>
+                  <a:ext uri="{FF2B5EF4-FFF2-40B4-BE49-F238E27FC236}">
+                    <a16:creationId xmlns:a16="http://schemas.microsoft.com/office/drawing/2014/main" id="{755F954A-29DE-4F78-8858-4A61BCA2C64F}"/>
+                  </a:ext>
+                </a:extLst>
+              </p:cNvPr>
+              <p:cNvSpPr/>
+              <p:nvPr/>
+            </p:nvSpPr>
+            <p:spPr>
+              <a:xfrm>
+                <a:off x="6202539" y="3976312"/>
+                <a:ext cx="1916615" cy="629916"/>
+              </a:xfrm>
+              <a:prstGeom prst="rect">
+                <a:avLst/>
+              </a:prstGeom>
+            </p:spPr>
+            <p:txBody>
+              <a:bodyPr wrap="none">
+                <a:spAutoFit/>
+              </a:bodyPr>
+              <a:lstStyle/>
+              <a:p>
+                <a14:m>
+                  <m:oMathPara xmlns:m="http://schemas.openxmlformats.org/officeDocument/2006/math">
+                    <m:oMathParaPr>
+                      <m:jc m:val="centerGroup"/>
+                    </m:oMathParaPr>
+                    <m:oMath xmlns:m="http://schemas.openxmlformats.org/officeDocument/2006/math">
+                      <m:sSub>
+                        <m:sSubPr>
+                          <m:ctrlPr>
+                            <a:rPr lang="en-US" i="1" smtClean="0">
+                              <a:latin typeface="Cambria Math" panose="02040503050406030204" pitchFamily="18" charset="0"/>
+                            </a:rPr>
+                          </m:ctrlPr>
+                        </m:sSubPr>
+                        <m:e>
+                          <m:f>
+                            <m:fPr>
+                              <m:ctrlPr>
+                                <a:rPr lang="en-US" i="1">
+                                  <a:latin typeface="Cambria Math" panose="02040503050406030204" pitchFamily="18" charset="0"/>
+                                </a:rPr>
+                              </m:ctrlPr>
+                            </m:fPr>
+                            <m:num>
+                              <m:r>
+                                <a:rPr lang="en-US" i="1">
+                                  <a:latin typeface="Cambria Math" panose="02040503050406030204" pitchFamily="18" charset="0"/>
+                                </a:rPr>
+                                <m:t>𝜕𝜆</m:t>
+                              </m:r>
+                              <m:d>
+                                <m:dPr>
+                                  <m:ctrlPr>
+                                    <a:rPr lang="en-US" i="1">
+                                      <a:latin typeface="Cambria Math" panose="02040503050406030204" pitchFamily="18" charset="0"/>
+                                    </a:rPr>
+                                  </m:ctrlPr>
+                                </m:dPr>
+                                <m:e>
+                                  <m:r>
+                                    <a:rPr lang="en-US" i="1">
+                                      <a:latin typeface="Cambria Math" panose="02040503050406030204" pitchFamily="18" charset="0"/>
+                                    </a:rPr>
+                                    <m:t>𝑠</m:t>
+                                  </m:r>
+                                  <m:r>
+                                    <a:rPr lang="en-US" i="1">
+                                      <a:latin typeface="Cambria Math" panose="02040503050406030204" pitchFamily="18" charset="0"/>
+                                    </a:rPr>
+                                    <m:t>,</m:t>
+                                  </m:r>
+                                  <m:r>
+                                    <a:rPr lang="en-US" i="1">
+                                      <a:latin typeface="Cambria Math" panose="02040503050406030204" pitchFamily="18" charset="0"/>
+                                    </a:rPr>
+                                    <m:t>𝑡</m:t>
+                                  </m:r>
+                                </m:e>
+                              </m:d>
+                            </m:num>
+                            <m:den>
+                              <m:r>
+                                <a:rPr lang="en-US" i="1">
+                                  <a:latin typeface="Cambria Math" panose="02040503050406030204" pitchFamily="18" charset="0"/>
+                                </a:rPr>
+                                <m:t>𝜕</m:t>
+                              </m:r>
+                              <m:r>
+                                <a:rPr lang="en-US" i="1">
+                                  <a:latin typeface="Cambria Math" panose="02040503050406030204" pitchFamily="18" charset="0"/>
+                                </a:rPr>
+                                <m:t>𝑠</m:t>
+                              </m:r>
+                            </m:den>
+                          </m:f>
+                          <m:r>
+                            <a:rPr lang="en-US" i="1" smtClean="0">
+                              <a:latin typeface="Cambria Math" panose="02040503050406030204" pitchFamily="18" charset="0"/>
+                            </a:rPr>
+                            <m:t>|</m:t>
+                          </m:r>
+                        </m:e>
+                        <m:sub>
+                          <m:r>
+                            <a:rPr lang="en-US" i="1">
+                              <a:latin typeface="Cambria Math" panose="02040503050406030204" pitchFamily="18" charset="0"/>
+                            </a:rPr>
+                            <m:t>(0,0)</m:t>
+                          </m:r>
+                        </m:sub>
+                      </m:sSub>
+                      <m:r>
+                        <a:rPr lang="en-US" b="0" i="1" smtClean="0">
+                          <a:latin typeface="Cambria Math" panose="02040503050406030204" pitchFamily="18" charset="0"/>
+                        </a:rPr>
+                        <m:t>&gt;</m:t>
+                      </m:r>
+                      <m:r>
+                        <a:rPr lang="en-US" i="1">
+                          <a:latin typeface="Cambria Math" panose="02040503050406030204" pitchFamily="18" charset="0"/>
+                        </a:rPr>
+                        <m:t>0</m:t>
+                      </m:r>
+                    </m:oMath>
+                  </m:oMathPara>
+                </a14:m>
+                <a:endParaRPr lang="en-US" dirty="0"/>
+              </a:p>
+            </p:txBody>
+          </p:sp>
+        </mc:Choice>
+        <mc:Fallback>
+          <p:sp>
+            <p:nvSpPr>
+              <p:cNvPr id="82" name="Прямоугольник 81">
+                <a:extLst>
+                  <a:ext uri="{FF2B5EF4-FFF2-40B4-BE49-F238E27FC236}">
+                    <a16:creationId xmlns:a16="http://schemas.microsoft.com/office/drawing/2014/main" id="{755F954A-29DE-4F78-8858-4A61BCA2C64F}"/>
+                  </a:ext>
+                </a:extLst>
+              </p:cNvPr>
+              <p:cNvSpPr>
+                <a:spLocks noRot="1" noChangeAspect="1" noMove="1" noResize="1" noEditPoints="1" noAdjustHandles="1" noChangeArrowheads="1" noChangeShapeType="1" noTextEdit="1"/>
+              </p:cNvSpPr>
+              <p:nvPr/>
+            </p:nvSpPr>
+            <p:spPr>
+              <a:xfrm>
+                <a:off x="6202539" y="3976312"/>
+                <a:ext cx="1916615" cy="629916"/>
+              </a:xfrm>
+              <a:prstGeom prst="rect">
+                <a:avLst/>
+              </a:prstGeom>
+              <a:blipFill>
+                <a:blip r:embed="rId4"/>
+                <a:stretch>
+                  <a:fillRect/>
+                </a:stretch>
+              </a:blipFill>
+            </p:spPr>
+            <p:txBody>
+              <a:bodyPr/>
+              <a:lstStyle/>
+              <a:p>
+                <a:r>
+                  <a:rPr lang="ru-RU">
+                    <a:noFill/>
+                  </a:rPr>
+                  <a:t> </a:t>
+                </a:r>
+              </a:p>
+            </p:txBody>
+          </p:sp>
+        </mc:Fallback>
+      </mc:AlternateContent>
+      <mc:AlternateContent xmlns:mc="http://schemas.openxmlformats.org/markup-compatibility/2006">
+        <mc:Choice xmlns:a14="http://schemas.microsoft.com/office/drawing/2010/main" Requires="a14">
+          <p:sp>
+            <p:nvSpPr>
+              <p:cNvPr id="83" name="Прямоугольник 82">
+                <a:extLst>
+                  <a:ext uri="{FF2B5EF4-FFF2-40B4-BE49-F238E27FC236}">
+                    <a16:creationId xmlns:a16="http://schemas.microsoft.com/office/drawing/2014/main" id="{D532C549-949A-4458-A1EF-F6F728405F98}"/>
+                  </a:ext>
+                </a:extLst>
+              </p:cNvPr>
+              <p:cNvSpPr/>
+              <p:nvPr/>
+            </p:nvSpPr>
+            <p:spPr>
+              <a:xfrm>
+                <a:off x="2386654" y="6381114"/>
+                <a:ext cx="1901739" cy="369332"/>
+              </a:xfrm>
+              <a:prstGeom prst="rect">
+                <a:avLst/>
+              </a:prstGeom>
+              <a:ln>
+                <a:solidFill>
+                  <a:srgbClr val="7030A0"/>
+                </a:solidFill>
+              </a:ln>
+            </p:spPr>
+            <p:txBody>
+              <a:bodyPr wrap="none">
+                <a:spAutoFit/>
+              </a:bodyPr>
+              <a:lstStyle/>
+              <a:p>
+                <a14:m>
+                  <m:oMathPara xmlns:m="http://schemas.openxmlformats.org/officeDocument/2006/math">
+                    <m:oMathParaPr>
+                      <m:jc m:val="centerGroup"/>
+                    </m:oMathParaPr>
+                    <m:oMath xmlns:m="http://schemas.openxmlformats.org/officeDocument/2006/math">
+                      <m:sSub>
+                        <m:sSubPr>
+                          <m:ctrlPr>
+                            <a:rPr lang="en-US" i="1">
+                              <a:latin typeface="Cambria Math" panose="02040503050406030204" pitchFamily="18" charset="0"/>
+                            </a:rPr>
+                          </m:ctrlPr>
+                        </m:sSubPr>
+                        <m:e>
+                          <m:r>
+                            <a:rPr lang="en-US" i="1">
+                              <a:latin typeface="Cambria Math" panose="02040503050406030204" pitchFamily="18" charset="0"/>
+                            </a:rPr>
+                            <m:t>𝑀</m:t>
+                          </m:r>
+                        </m:e>
+                        <m:sub>
+                          <m:r>
+                            <a:rPr lang="en-US" i="1">
+                              <a:latin typeface="Cambria Math" panose="02040503050406030204" pitchFamily="18" charset="0"/>
+                            </a:rPr>
+                            <m:t>𝑖</m:t>
+                          </m:r>
+                        </m:sub>
+                      </m:sSub>
+                      <m:r>
+                        <a:rPr lang="en-US" i="1">
+                          <a:latin typeface="Cambria Math" panose="02040503050406030204" pitchFamily="18" charset="0"/>
+                        </a:rPr>
+                        <m:t>∈</m:t>
+                      </m:r>
+                      <m:d>
+                        <m:dPr>
+                          <m:begChr m:val="["/>
+                          <m:endChr m:val="]"/>
+                          <m:ctrlPr>
+                            <a:rPr lang="en-US" i="1">
+                              <a:latin typeface="Cambria Math" panose="02040503050406030204" pitchFamily="18" charset="0"/>
+                            </a:rPr>
+                          </m:ctrlPr>
+                        </m:dPr>
+                        <m:e>
+                          <m:sSub>
+                            <m:sSubPr>
+                              <m:ctrlPr>
+                                <a:rPr lang="en-US" i="1">
+                                  <a:latin typeface="Cambria Math" panose="02040503050406030204" pitchFamily="18" charset="0"/>
+                                </a:rPr>
+                              </m:ctrlPr>
+                            </m:sSubPr>
+                            <m:e>
+                              <m:r>
+                                <a:rPr lang="en-US" i="1">
+                                  <a:latin typeface="Cambria Math" panose="02040503050406030204" pitchFamily="18" charset="0"/>
+                                </a:rPr>
+                                <m:t>𝑀</m:t>
+                              </m:r>
+                            </m:e>
+                            <m:sub>
+                              <m:r>
+                                <a:rPr lang="en-US" i="1">
+                                  <a:latin typeface="Cambria Math" panose="02040503050406030204" pitchFamily="18" charset="0"/>
+                                </a:rPr>
+                                <m:t>𝑖</m:t>
+                              </m:r>
+                              <m:r>
+                                <a:rPr lang="en-US" i="1">
+                                  <a:latin typeface="Cambria Math" panose="02040503050406030204" pitchFamily="18" charset="0"/>
+                                </a:rPr>
+                                <m:t>−1</m:t>
+                              </m:r>
+                            </m:sub>
+                          </m:sSub>
+                          <m:sSub>
+                            <m:sSubPr>
+                              <m:ctrlPr>
+                                <a:rPr lang="en-US" i="1">
+                                  <a:latin typeface="Cambria Math" panose="02040503050406030204" pitchFamily="18" charset="0"/>
+                                </a:rPr>
+                              </m:ctrlPr>
+                            </m:sSubPr>
+                            <m:e>
+                              <m:r>
+                                <a:rPr lang="en-US" i="1">
+                                  <a:latin typeface="Cambria Math" panose="02040503050406030204" pitchFamily="18" charset="0"/>
+                                </a:rPr>
+                                <m:t>𝑀</m:t>
+                              </m:r>
+                            </m:e>
+                            <m:sub>
+                              <m:r>
+                                <a:rPr lang="en-US" i="1">
+                                  <a:latin typeface="Cambria Math" panose="02040503050406030204" pitchFamily="18" charset="0"/>
+                                </a:rPr>
+                                <m:t>𝑖</m:t>
+                              </m:r>
+                              <m:r>
+                                <a:rPr lang="en-US" i="1">
+                                  <a:latin typeface="Cambria Math" panose="02040503050406030204" pitchFamily="18" charset="0"/>
+                                </a:rPr>
+                                <m:t>+1</m:t>
+                              </m:r>
+                            </m:sub>
+                          </m:sSub>
+                        </m:e>
+                      </m:d>
+                    </m:oMath>
+                  </m:oMathPara>
+                </a14:m>
+                <a:endParaRPr lang="ru-RU" dirty="0"/>
+              </a:p>
+            </p:txBody>
+          </p:sp>
+        </mc:Choice>
+        <mc:Fallback>
+          <p:sp>
+            <p:nvSpPr>
+              <p:cNvPr id="83" name="Прямоугольник 82">
+                <a:extLst>
+                  <a:ext uri="{FF2B5EF4-FFF2-40B4-BE49-F238E27FC236}">
+                    <a16:creationId xmlns:a16="http://schemas.microsoft.com/office/drawing/2014/main" id="{D532C549-949A-4458-A1EF-F6F728405F98}"/>
+                  </a:ext>
+                </a:extLst>
+              </p:cNvPr>
+              <p:cNvSpPr>
+                <a:spLocks noRot="1" noChangeAspect="1" noMove="1" noResize="1" noEditPoints="1" noAdjustHandles="1" noChangeArrowheads="1" noChangeShapeType="1" noTextEdit="1"/>
+              </p:cNvSpPr>
+              <p:nvPr/>
+            </p:nvSpPr>
+            <p:spPr>
+              <a:xfrm>
+                <a:off x="2386654" y="6381114"/>
+                <a:ext cx="1901739" cy="369332"/>
+              </a:xfrm>
+              <a:prstGeom prst="rect">
+                <a:avLst/>
+              </a:prstGeom>
+              <a:blipFill>
+                <a:blip r:embed="rId5"/>
+                <a:stretch>
+                  <a:fillRect b="-1613"/>
+                </a:stretch>
+              </a:blipFill>
+              <a:ln>
+                <a:solidFill>
+                  <a:srgbClr val="7030A0"/>
+                </a:solidFill>
+              </a:ln>
+            </p:spPr>
+            <p:txBody>
+              <a:bodyPr/>
+              <a:lstStyle/>
+              <a:p>
+                <a:r>
+                  <a:rPr lang="ru-RU">
+                    <a:noFill/>
+                  </a:rPr>
+                  <a:t> </a:t>
+                </a:r>
+              </a:p>
+            </p:txBody>
+          </p:sp>
+        </mc:Fallback>
+      </mc:AlternateContent>
     </p:spTree>
     <p:extLst>
       <p:ext uri="{BB962C8B-B14F-4D97-AF65-F5344CB8AC3E}">
@@ -25402,6 +27706,579 @@
         </p:nvSpPr>
         <p:spPr>
           <a:xfrm>
+            <a:off x="2051720" y="219759"/>
+            <a:ext cx="6840760" cy="646331"/>
+          </a:xfrm>
+          <a:prstGeom prst="rect">
+            <a:avLst/>
+          </a:prstGeom>
+          <a:noFill/>
+        </p:spPr>
+        <p:txBody>
+          <a:bodyPr wrap="square" rtlCol="0">
+            <a:spAutoFit/>
+            <a:scene3d>
+              <a:camera prst="orthographicFront"/>
+              <a:lightRig rig="soft" dir="tl">
+                <a:rot lat="0" lon="0" rev="0"/>
+              </a:lightRig>
+            </a:scene3d>
+            <a:sp3d contourW="25400" prstMaterial="matte">
+              <a:bevelT w="25400" h="55880" prst="artDeco"/>
+              <a:contourClr>
+                <a:schemeClr val="accent2">
+                  <a:tint val="20000"/>
+                </a:schemeClr>
+              </a:contourClr>
+            </a:sp3d>
+          </a:bodyPr>
+          <a:lstStyle/>
+          <a:p>
+            <a:pPr algn="r"/>
+            <a:r>
+              <a:rPr lang="en-US" sz="3600" b="1" spc="50" dirty="0">
+                <a:ln w="11430"/>
+                <a:gradFill>
+                  <a:gsLst>
+                    <a:gs pos="25000">
+                      <a:schemeClr val="accent2">
+                        <a:satMod val="155000"/>
+                      </a:schemeClr>
+                    </a:gs>
+                    <a:gs pos="100000">
+                      <a:schemeClr val="accent2">
+                        <a:shade val="45000"/>
+                        <a:satMod val="165000"/>
+                      </a:schemeClr>
+                    </a:gs>
+                  </a:gsLst>
+                  <a:lin ang="5400000"/>
+                </a:gradFill>
+                <a:effectLst>
+                  <a:outerShdw blurRad="76200" dist="50800" dir="5400000" algn="tl" rotWithShape="0">
+                    <a:srgbClr val="000000">
+                      <a:alpha val="65000"/>
+                    </a:srgbClr>
+                  </a:outerShdw>
+                </a:effectLst>
+              </a:rPr>
+              <a:t>Conclusion</a:t>
+            </a:r>
+            <a:endParaRPr lang="ru-RU" sz="3600" b="1" spc="50" dirty="0">
+              <a:ln w="11430"/>
+              <a:gradFill>
+                <a:gsLst>
+                  <a:gs pos="25000">
+                    <a:schemeClr val="accent2">
+                      <a:satMod val="155000"/>
+                    </a:schemeClr>
+                  </a:gs>
+                  <a:gs pos="100000">
+                    <a:schemeClr val="accent2">
+                      <a:shade val="45000"/>
+                      <a:satMod val="165000"/>
+                    </a:schemeClr>
+                  </a:gs>
+                </a:gsLst>
+                <a:lin ang="5400000"/>
+              </a:gradFill>
+              <a:effectLst>
+                <a:outerShdw blurRad="76200" dist="50800" dir="5400000" algn="tl" rotWithShape="0">
+                  <a:srgbClr val="000000">
+                    <a:alpha val="65000"/>
+                  </a:srgbClr>
+                </a:outerShdw>
+              </a:effectLst>
+            </a:endParaRPr>
+          </a:p>
+        </p:txBody>
+      </p:sp>
+      <p:sp>
+        <p:nvSpPr>
+          <p:cNvPr id="10" name="TextBox 9">
+            <a:extLst>
+              <a:ext uri="{FF2B5EF4-FFF2-40B4-BE49-F238E27FC236}">
+                <a16:creationId xmlns:a16="http://schemas.microsoft.com/office/drawing/2014/main" id="{0C21249D-CE43-4894-8667-2971CD80D354}"/>
+              </a:ext>
+            </a:extLst>
+          </p:cNvPr>
+          <p:cNvSpPr txBox="1"/>
+          <p:nvPr/>
+        </p:nvSpPr>
+        <p:spPr>
+          <a:xfrm>
+            <a:off x="323528" y="1412776"/>
+            <a:ext cx="8568952" cy="2308324"/>
+          </a:xfrm>
+          <a:prstGeom prst="rect">
+            <a:avLst/>
+          </a:prstGeom>
+          <a:noFill/>
+        </p:spPr>
+        <p:txBody>
+          <a:bodyPr wrap="square" rtlCol="0">
+            <a:spAutoFit/>
+          </a:bodyPr>
+          <a:lstStyle/>
+          <a:p>
+            <a:pPr marL="342900" lvl="0" indent="-342900">
+              <a:buFont typeface="Arial" panose="020B0604020202020204" pitchFamily="34" charset="0"/>
+              <a:buChar char="•"/>
+            </a:pPr>
+            <a:r>
+              <a:rPr lang="en-US" sz="2400" dirty="0"/>
+              <a:t>Continuous Cutting Problem is considered</a:t>
+            </a:r>
+          </a:p>
+          <a:p>
+            <a:pPr marL="800100" lvl="1" indent="-342900">
+              <a:buFont typeface="Arial" panose="020B0604020202020204" pitchFamily="34" charset="0"/>
+              <a:buChar char="•"/>
+            </a:pPr>
+            <a:r>
+              <a:rPr lang="en-US" sz="2400" dirty="0"/>
+              <a:t>With Precedence Constraint</a:t>
+            </a:r>
+            <a:endParaRPr lang="ru-RU" sz="2400" dirty="0"/>
+          </a:p>
+          <a:p>
+            <a:pPr marL="342900" lvl="0" indent="-342900">
+              <a:buFont typeface="Arial" panose="020B0604020202020204" pitchFamily="34" charset="0"/>
+              <a:buChar char="•"/>
+            </a:pPr>
+            <a:r>
+              <a:rPr lang="en-US" sz="2400" dirty="0"/>
+              <a:t>New heuristic for CCP is proposed</a:t>
+            </a:r>
+          </a:p>
+          <a:p>
+            <a:pPr marL="800100" lvl="1" indent="-342900">
+              <a:buFont typeface="Arial" panose="020B0604020202020204" pitchFamily="34" charset="0"/>
+              <a:buChar char="•"/>
+            </a:pPr>
+            <a:r>
+              <a:rPr lang="en-US" sz="2400" dirty="0"/>
+              <a:t>Both continuous and discrete optimization</a:t>
+            </a:r>
+          </a:p>
+          <a:p>
+            <a:pPr marL="342900" lvl="0" indent="-342900">
+              <a:buFont typeface="Arial" panose="020B0604020202020204" pitchFamily="34" charset="0"/>
+              <a:buChar char="•"/>
+            </a:pPr>
+            <a:r>
+              <a:rPr lang="en-US" sz="2400" dirty="0"/>
+              <a:t>…</a:t>
+            </a:r>
+          </a:p>
+          <a:p>
+            <a:pPr marL="800100" lvl="1" indent="-342900">
+              <a:buFont typeface="Arial" panose="020B0604020202020204" pitchFamily="34" charset="0"/>
+              <a:buChar char="•"/>
+            </a:pPr>
+            <a:r>
+              <a:rPr lang="en-US" sz="2400"/>
+              <a:t>…</a:t>
+            </a:r>
+            <a:endParaRPr lang="en-US" sz="2400" dirty="0"/>
+          </a:p>
+        </p:txBody>
+      </p:sp>
+    </p:spTree>
+    <p:extLst>
+      <p:ext uri="{BB962C8B-B14F-4D97-AF65-F5344CB8AC3E}">
+        <p14:creationId xmlns:p14="http://schemas.microsoft.com/office/powerpoint/2010/main" val="1142808502"/>
+      </p:ext>
+    </p:extLst>
+  </p:cSld>
+  <p:clrMapOvr>
+    <a:masterClrMapping/>
+  </p:clrMapOvr>
+</p:sld>
+</file>
+
+<file path=ppt/slides/slide2.xml><?xml version="1.0" encoding="utf-8"?>
+<p:sld xmlns:a="http://schemas.openxmlformats.org/drawingml/2006/main" xmlns:r="http://schemas.openxmlformats.org/officeDocument/2006/relationships" xmlns:p="http://schemas.openxmlformats.org/presentationml/2006/main">
+  <p:cSld>
+    <p:spTree>
+      <p:nvGrpSpPr>
+        <p:cNvPr id="1" name=""/>
+        <p:cNvGrpSpPr/>
+        <p:nvPr/>
+      </p:nvGrpSpPr>
+      <p:grpSpPr>
+        <a:xfrm>
+          <a:off x="0" y="0"/>
+          <a:ext cx="0" cy="0"/>
+          <a:chOff x="0" y="0"/>
+          <a:chExt cx="0" cy="0"/>
+        </a:xfrm>
+      </p:grpSpPr>
+      <p:pic>
+        <p:nvPicPr>
+          <p:cNvPr id="2" name="Picture 2" descr="F:\Users\Алекс\Desktop\urfu_logo_en.png"/>
+          <p:cNvPicPr>
+            <a:picLocks noChangeAspect="1" noChangeArrowheads="1"/>
+          </p:cNvPicPr>
+          <p:nvPr/>
+        </p:nvPicPr>
+        <p:blipFill>
+          <a:blip r:embed="rId2" cstate="print">
+            <a:extLst>
+              <a:ext uri="{28A0092B-C50C-407E-A947-70E740481C1C}">
+                <a14:useLocalDpi xmlns:a14="http://schemas.microsoft.com/office/drawing/2010/main" val="0"/>
+              </a:ext>
+            </a:extLst>
+          </a:blip>
+          <a:srcRect/>
+          <a:stretch>
+            <a:fillRect/>
+          </a:stretch>
+        </p:blipFill>
+        <p:spPr bwMode="auto">
+          <a:xfrm>
+            <a:off x="0" y="0"/>
+            <a:ext cx="2133600" cy="1085850"/>
+          </a:xfrm>
+          <a:prstGeom prst="rect">
+            <a:avLst/>
+          </a:prstGeom>
+          <a:noFill/>
+          <a:ln w="9525">
+            <a:noFill/>
+            <a:prstDash val="sysDash"/>
+            <a:miter lim="800000"/>
+            <a:headEnd/>
+            <a:tailEnd/>
+          </a:ln>
+          <a:extLst>
+            <a:ext uri="{909E8E84-426E-40DD-AFC4-6F175D3DCCD1}">
+              <a14:hiddenFill xmlns:a14="http://schemas.microsoft.com/office/drawing/2010/main">
+                <a:solidFill>
+                  <a:srgbClr val="FFFFFF"/>
+                </a:solidFill>
+              </a14:hiddenFill>
+            </a:ext>
+          </a:extLst>
+        </p:spPr>
+      </p:pic>
+      <p:sp>
+        <p:nvSpPr>
+          <p:cNvPr id="3" name="TextBox 2"/>
+          <p:cNvSpPr txBox="1"/>
+          <p:nvPr/>
+        </p:nvSpPr>
+        <p:spPr>
+          <a:xfrm>
+            <a:off x="5868144" y="219759"/>
+            <a:ext cx="3024336" cy="646331"/>
+          </a:xfrm>
+          <a:prstGeom prst="rect">
+            <a:avLst/>
+          </a:prstGeom>
+          <a:noFill/>
+        </p:spPr>
+        <p:txBody>
+          <a:bodyPr wrap="square" rtlCol="0">
+            <a:spAutoFit/>
+            <a:scene3d>
+              <a:camera prst="orthographicFront"/>
+              <a:lightRig rig="soft" dir="tl">
+                <a:rot lat="0" lon="0" rev="0"/>
+              </a:lightRig>
+            </a:scene3d>
+            <a:sp3d contourW="25400" prstMaterial="matte">
+              <a:bevelT w="25400" h="55880" prst="artDeco"/>
+              <a:contourClr>
+                <a:schemeClr val="accent2">
+                  <a:tint val="20000"/>
+                </a:schemeClr>
+              </a:contourClr>
+            </a:sp3d>
+          </a:bodyPr>
+          <a:lstStyle/>
+          <a:p>
+            <a:pPr algn="r"/>
+            <a:r>
+              <a:rPr lang="en-US" sz="3600" b="1" spc="50" dirty="0">
+                <a:ln w="11430"/>
+                <a:gradFill>
+                  <a:gsLst>
+                    <a:gs pos="25000">
+                      <a:schemeClr val="accent2">
+                        <a:satMod val="155000"/>
+                      </a:schemeClr>
+                    </a:gs>
+                    <a:gs pos="100000">
+                      <a:schemeClr val="accent2">
+                        <a:shade val="45000"/>
+                        <a:satMod val="165000"/>
+                      </a:schemeClr>
+                    </a:gs>
+                  </a:gsLst>
+                  <a:lin ang="5400000"/>
+                </a:gradFill>
+                <a:effectLst>
+                  <a:outerShdw blurRad="76200" dist="50800" dir="5400000" algn="tl" rotWithShape="0">
+                    <a:srgbClr val="000000">
+                      <a:alpha val="65000"/>
+                    </a:srgbClr>
+                  </a:outerShdw>
+                </a:effectLst>
+              </a:rPr>
+              <a:t>Outline</a:t>
+            </a:r>
+            <a:endParaRPr lang="ru-RU" sz="3600" b="1" spc="50" dirty="0">
+              <a:ln w="11430"/>
+              <a:gradFill>
+                <a:gsLst>
+                  <a:gs pos="25000">
+                    <a:schemeClr val="accent2">
+                      <a:satMod val="155000"/>
+                    </a:schemeClr>
+                  </a:gs>
+                  <a:gs pos="100000">
+                    <a:schemeClr val="accent2">
+                      <a:shade val="45000"/>
+                      <a:satMod val="165000"/>
+                    </a:schemeClr>
+                  </a:gs>
+                </a:gsLst>
+                <a:lin ang="5400000"/>
+              </a:gradFill>
+              <a:effectLst>
+                <a:outerShdw blurRad="76200" dist="50800" dir="5400000" algn="tl" rotWithShape="0">
+                  <a:srgbClr val="000000">
+                    <a:alpha val="65000"/>
+                  </a:srgbClr>
+                </a:outerShdw>
+              </a:effectLst>
+            </a:endParaRPr>
+          </a:p>
+        </p:txBody>
+      </p:sp>
+      <p:sp>
+        <p:nvSpPr>
+          <p:cNvPr id="4" name="TextBox 3"/>
+          <p:cNvSpPr txBox="1"/>
+          <p:nvPr/>
+        </p:nvSpPr>
+        <p:spPr>
+          <a:xfrm>
+            <a:off x="323528" y="1412776"/>
+            <a:ext cx="8568952" cy="4154984"/>
+          </a:xfrm>
+          <a:prstGeom prst="rect">
+            <a:avLst/>
+          </a:prstGeom>
+          <a:noFill/>
+        </p:spPr>
+        <p:txBody>
+          <a:bodyPr wrap="square" rtlCol="0">
+            <a:spAutoFit/>
+          </a:bodyPr>
+          <a:lstStyle/>
+          <a:p>
+            <a:pPr marL="342900" lvl="0" indent="-342900">
+              <a:buFont typeface="Arial" panose="020B0604020202020204" pitchFamily="34" charset="0"/>
+              <a:buChar char="•"/>
+            </a:pPr>
+            <a:r>
+              <a:rPr lang="en-US" sz="2400" dirty="0"/>
+              <a:t>Toolpath routing problems and classification</a:t>
+            </a:r>
+            <a:endParaRPr lang="ru-RU" sz="2400" dirty="0"/>
+          </a:p>
+          <a:p>
+            <a:pPr marL="342900" lvl="0" indent="-342900">
+              <a:buFont typeface="Arial" panose="020B0604020202020204" pitchFamily="34" charset="0"/>
+              <a:buChar char="•"/>
+            </a:pPr>
+            <a:r>
+              <a:rPr lang="en-US" sz="2400" dirty="0"/>
+              <a:t>Continuous cutting problem</a:t>
+            </a:r>
+            <a:endParaRPr lang="ru-RU" sz="2400" dirty="0"/>
+          </a:p>
+          <a:p>
+            <a:pPr marL="342900" lvl="0" indent="-342900">
+              <a:buFont typeface="Arial" panose="020B0604020202020204" pitchFamily="34" charset="0"/>
+              <a:buChar char="•"/>
+            </a:pPr>
+            <a:r>
+              <a:rPr lang="en-US" sz="2400" dirty="0"/>
+              <a:t>Algorithm for CCP solution</a:t>
+            </a:r>
+          </a:p>
+          <a:p>
+            <a:pPr marL="800100" lvl="1" indent="-342900">
+              <a:buFont typeface="Arial" panose="020B0604020202020204" pitchFamily="34" charset="0"/>
+              <a:buChar char="•"/>
+            </a:pPr>
+            <a:r>
+              <a:rPr lang="en-US" sz="2400" dirty="0"/>
+              <a:t>Continuous optimization</a:t>
+            </a:r>
+          </a:p>
+          <a:p>
+            <a:pPr marL="800100" lvl="1" indent="-342900">
+              <a:buFont typeface="Arial" panose="020B0604020202020204" pitchFamily="34" charset="0"/>
+              <a:buChar char="•"/>
+            </a:pPr>
+            <a:r>
+              <a:rPr lang="en-US" sz="2400" dirty="0"/>
+              <a:t>Discrete optimization</a:t>
+            </a:r>
+          </a:p>
+          <a:p>
+            <a:pPr marL="800100" lvl="1" indent="-342900">
+              <a:buFont typeface="Arial" panose="020B0604020202020204" pitchFamily="34" charset="0"/>
+              <a:buChar char="•"/>
+            </a:pPr>
+            <a:r>
+              <a:rPr lang="en-US" sz="2400" dirty="0"/>
+              <a:t>Precedence constraint</a:t>
+            </a:r>
+          </a:p>
+          <a:p>
+            <a:pPr marL="342900" lvl="0" indent="-342900">
+              <a:buFont typeface="Arial" panose="020B0604020202020204" pitchFamily="34" charset="0"/>
+              <a:buChar char="•"/>
+            </a:pPr>
+            <a:r>
+              <a:rPr lang="en-US" sz="2400" dirty="0"/>
+              <a:t>Sufficient condition for minimum</a:t>
+            </a:r>
+          </a:p>
+          <a:p>
+            <a:pPr marL="800100" lvl="1" indent="-342900">
+              <a:buFont typeface="Arial" panose="020B0604020202020204" pitchFamily="34" charset="0"/>
+              <a:buChar char="•"/>
+            </a:pPr>
+            <a:r>
+              <a:rPr lang="en-US" sz="2400" dirty="0"/>
+              <a:t>Local minimum</a:t>
+            </a:r>
+          </a:p>
+          <a:p>
+            <a:pPr marL="800100" lvl="1" indent="-342900">
+              <a:buFont typeface="Arial" panose="020B0604020202020204" pitchFamily="34" charset="0"/>
+              <a:buChar char="•"/>
+            </a:pPr>
+            <a:r>
+              <a:rPr lang="en-US" sz="2400" dirty="0"/>
+              <a:t>Global minimum</a:t>
+            </a:r>
+            <a:endParaRPr lang="ru-RU" sz="2400" dirty="0"/>
+          </a:p>
+          <a:p>
+            <a:pPr marL="342900" lvl="0" indent="-342900">
+              <a:buFont typeface="Arial" panose="020B0604020202020204" pitchFamily="34" charset="0"/>
+              <a:buChar char="•"/>
+            </a:pPr>
+            <a:r>
+              <a:rPr lang="en-US" sz="2400" dirty="0"/>
+              <a:t>Numerical experiments</a:t>
+            </a:r>
+          </a:p>
+          <a:p>
+            <a:pPr marL="342900" lvl="0" indent="-342900">
+              <a:buFont typeface="Arial" panose="020B0604020202020204" pitchFamily="34" charset="0"/>
+              <a:buChar char="•"/>
+            </a:pPr>
+            <a:r>
+              <a:rPr lang="en-US" sz="2400" dirty="0"/>
+              <a:t>Conclusion</a:t>
+            </a:r>
+          </a:p>
+        </p:txBody>
+      </p:sp>
+    </p:spTree>
+    <p:extLst>
+      <p:ext uri="{BB962C8B-B14F-4D97-AF65-F5344CB8AC3E}">
+        <p14:creationId xmlns:p14="http://schemas.microsoft.com/office/powerpoint/2010/main" val="1950332374"/>
+      </p:ext>
+    </p:extLst>
+  </p:cSld>
+  <p:clrMapOvr>
+    <a:masterClrMapping/>
+  </p:clrMapOvr>
+</p:sld>
+</file>
+
+<file path=ppt/slides/slide20.xml><?xml version="1.0" encoding="utf-8"?>
+<p:sld xmlns:a="http://schemas.openxmlformats.org/drawingml/2006/main" xmlns:r="http://schemas.openxmlformats.org/officeDocument/2006/relationships" xmlns:p="http://schemas.openxmlformats.org/presentationml/2006/main">
+  <p:cSld>
+    <p:spTree>
+      <p:nvGrpSpPr>
+        <p:cNvPr id="1" name=""/>
+        <p:cNvGrpSpPr/>
+        <p:nvPr/>
+      </p:nvGrpSpPr>
+      <p:grpSpPr>
+        <a:xfrm>
+          <a:off x="0" y="0"/>
+          <a:ext cx="0" cy="0"/>
+          <a:chOff x="0" y="0"/>
+          <a:chExt cx="0" cy="0"/>
+        </a:xfrm>
+      </p:grpSpPr>
+      <p:pic>
+        <p:nvPicPr>
+          <p:cNvPr id="2" name="Picture 2" descr="F:\Users\Алекс\Desktop\urfu_logo_en.png"/>
+          <p:cNvPicPr>
+            <a:picLocks noChangeAspect="1" noChangeArrowheads="1"/>
+          </p:cNvPicPr>
+          <p:nvPr/>
+        </p:nvPicPr>
+        <p:blipFill>
+          <a:blip r:embed="rId2" cstate="print">
+            <a:extLst>
+              <a:ext uri="{28A0092B-C50C-407E-A947-70E740481C1C}">
+                <a14:useLocalDpi xmlns:a14="http://schemas.microsoft.com/office/drawing/2010/main" val="0"/>
+              </a:ext>
+            </a:extLst>
+          </a:blip>
+          <a:srcRect/>
+          <a:stretch>
+            <a:fillRect/>
+          </a:stretch>
+        </p:blipFill>
+        <p:spPr bwMode="auto">
+          <a:xfrm>
+            <a:off x="0" y="0"/>
+            <a:ext cx="2133600" cy="1085850"/>
+          </a:xfrm>
+          <a:prstGeom prst="rect">
+            <a:avLst/>
+          </a:prstGeom>
+          <a:noFill/>
+          <a:ln w="9525">
+            <a:noFill/>
+            <a:prstDash val="sysDash"/>
+            <a:miter lim="800000"/>
+            <a:headEnd/>
+            <a:tailEnd/>
+          </a:ln>
+          <a:extLst>
+            <a:ext uri="{909E8E84-426E-40DD-AFC4-6F175D3DCCD1}">
+              <a14:hiddenFill xmlns:a14="http://schemas.microsoft.com/office/drawing/2010/main">
+                <a:solidFill>
+                  <a:srgbClr val="FFFFFF"/>
+                </a:solidFill>
+              </a14:hiddenFill>
+            </a:ext>
+          </a:extLst>
+        </p:spPr>
+      </p:pic>
+      <p:sp>
+        <p:nvSpPr>
+          <p:cNvPr id="3" name="TextBox 2"/>
+          <p:cNvSpPr txBox="1"/>
+          <p:nvPr/>
+        </p:nvSpPr>
+        <p:spPr>
+          <a:xfrm>
             <a:off x="5868144" y="219759"/>
             <a:ext cx="3024336" cy="646331"/>
           </a:xfrm>
@@ -25716,315 +28593,6 @@
     <p:extLst>
       <p:ext uri="{BB962C8B-B14F-4D97-AF65-F5344CB8AC3E}">
         <p14:creationId xmlns:p14="http://schemas.microsoft.com/office/powerpoint/2010/main" val="272427829"/>
-      </p:ext>
-    </p:extLst>
-  </p:cSld>
-  <p:clrMapOvr>
-    <a:masterClrMapping/>
-  </p:clrMapOvr>
-</p:sld>
-</file>
-
-<file path=ppt/slides/slide2.xml><?xml version="1.0" encoding="utf-8"?>
-<p:sld xmlns:a="http://schemas.openxmlformats.org/drawingml/2006/main" xmlns:r="http://schemas.openxmlformats.org/officeDocument/2006/relationships" xmlns:p="http://schemas.openxmlformats.org/presentationml/2006/main">
-  <p:cSld>
-    <p:spTree>
-      <p:nvGrpSpPr>
-        <p:cNvPr id="1" name=""/>
-        <p:cNvGrpSpPr/>
-        <p:nvPr/>
-      </p:nvGrpSpPr>
-      <p:grpSpPr>
-        <a:xfrm>
-          <a:off x="0" y="0"/>
-          <a:ext cx="0" cy="0"/>
-          <a:chOff x="0" y="0"/>
-          <a:chExt cx="0" cy="0"/>
-        </a:xfrm>
-      </p:grpSpPr>
-      <p:pic>
-        <p:nvPicPr>
-          <p:cNvPr id="2" name="Picture 2" descr="F:\Users\Алекс\Desktop\urfu_logo_en.png"/>
-          <p:cNvPicPr>
-            <a:picLocks noChangeAspect="1" noChangeArrowheads="1"/>
-          </p:cNvPicPr>
-          <p:nvPr/>
-        </p:nvPicPr>
-        <p:blipFill>
-          <a:blip r:embed="rId2" cstate="print">
-            <a:extLst>
-              <a:ext uri="{28A0092B-C50C-407E-A947-70E740481C1C}">
-                <a14:useLocalDpi xmlns:a14="http://schemas.microsoft.com/office/drawing/2010/main" val="0"/>
-              </a:ext>
-            </a:extLst>
-          </a:blip>
-          <a:srcRect/>
-          <a:stretch>
-            <a:fillRect/>
-          </a:stretch>
-        </p:blipFill>
-        <p:spPr bwMode="auto">
-          <a:xfrm>
-            <a:off x="0" y="0"/>
-            <a:ext cx="2133600" cy="1085850"/>
-          </a:xfrm>
-          <a:prstGeom prst="rect">
-            <a:avLst/>
-          </a:prstGeom>
-          <a:noFill/>
-          <a:ln w="9525">
-            <a:noFill/>
-            <a:prstDash val="sysDash"/>
-            <a:miter lim="800000"/>
-            <a:headEnd/>
-            <a:tailEnd/>
-          </a:ln>
-          <a:extLst>
-            <a:ext uri="{909E8E84-426E-40DD-AFC4-6F175D3DCCD1}">
-              <a14:hiddenFill xmlns:a14="http://schemas.microsoft.com/office/drawing/2010/main">
-                <a:solidFill>
-                  <a:srgbClr val="FFFFFF"/>
-                </a:solidFill>
-              </a14:hiddenFill>
-            </a:ext>
-          </a:extLst>
-        </p:spPr>
-      </p:pic>
-      <p:sp>
-        <p:nvSpPr>
-          <p:cNvPr id="3" name="TextBox 2"/>
-          <p:cNvSpPr txBox="1"/>
-          <p:nvPr/>
-        </p:nvSpPr>
-        <p:spPr>
-          <a:xfrm>
-            <a:off x="5868144" y="219759"/>
-            <a:ext cx="3024336" cy="646331"/>
-          </a:xfrm>
-          <a:prstGeom prst="rect">
-            <a:avLst/>
-          </a:prstGeom>
-          <a:noFill/>
-        </p:spPr>
-        <p:txBody>
-          <a:bodyPr wrap="square" rtlCol="0">
-            <a:spAutoFit/>
-            <a:scene3d>
-              <a:camera prst="orthographicFront"/>
-              <a:lightRig rig="soft" dir="tl">
-                <a:rot lat="0" lon="0" rev="0"/>
-              </a:lightRig>
-            </a:scene3d>
-            <a:sp3d contourW="25400" prstMaterial="matte">
-              <a:bevelT w="25400" h="55880" prst="artDeco"/>
-              <a:contourClr>
-                <a:schemeClr val="accent2">
-                  <a:tint val="20000"/>
-                </a:schemeClr>
-              </a:contourClr>
-            </a:sp3d>
-          </a:bodyPr>
-          <a:lstStyle/>
-          <a:p>
-            <a:pPr algn="r"/>
-            <a:r>
-              <a:rPr lang="en-US" sz="3600" b="1" spc="50" dirty="0">
-                <a:ln w="11430"/>
-                <a:gradFill>
-                  <a:gsLst>
-                    <a:gs pos="25000">
-                      <a:schemeClr val="accent2">
-                        <a:satMod val="155000"/>
-                      </a:schemeClr>
-                    </a:gs>
-                    <a:gs pos="100000">
-                      <a:schemeClr val="accent2">
-                        <a:shade val="45000"/>
-                        <a:satMod val="165000"/>
-                      </a:schemeClr>
-                    </a:gs>
-                  </a:gsLst>
-                  <a:lin ang="5400000"/>
-                </a:gradFill>
-                <a:effectLst>
-                  <a:outerShdw blurRad="76200" dist="50800" dir="5400000" algn="tl" rotWithShape="0">
-                    <a:srgbClr val="000000">
-                      <a:alpha val="65000"/>
-                    </a:srgbClr>
-                  </a:outerShdw>
-                </a:effectLst>
-              </a:rPr>
-              <a:t>Outline</a:t>
-            </a:r>
-            <a:endParaRPr lang="ru-RU" sz="3600" b="1" spc="50" dirty="0">
-              <a:ln w="11430"/>
-              <a:gradFill>
-                <a:gsLst>
-                  <a:gs pos="25000">
-                    <a:schemeClr val="accent2">
-                      <a:satMod val="155000"/>
-                    </a:schemeClr>
-                  </a:gs>
-                  <a:gs pos="100000">
-                    <a:schemeClr val="accent2">
-                      <a:shade val="45000"/>
-                      <a:satMod val="165000"/>
-                    </a:schemeClr>
-                  </a:gs>
-                </a:gsLst>
-                <a:lin ang="5400000"/>
-              </a:gradFill>
-              <a:effectLst>
-                <a:outerShdw blurRad="76200" dist="50800" dir="5400000" algn="tl" rotWithShape="0">
-                  <a:srgbClr val="000000">
-                    <a:alpha val="65000"/>
-                  </a:srgbClr>
-                </a:outerShdw>
-              </a:effectLst>
-            </a:endParaRPr>
-          </a:p>
-        </p:txBody>
-      </p:sp>
-      <p:sp>
-        <p:nvSpPr>
-          <p:cNvPr id="4" name="TextBox 3"/>
-          <p:cNvSpPr txBox="1"/>
-          <p:nvPr/>
-        </p:nvSpPr>
-        <p:spPr>
-          <a:xfrm>
-            <a:off x="323528" y="1412776"/>
-            <a:ext cx="8568952" cy="4154984"/>
-          </a:xfrm>
-          <a:prstGeom prst="rect">
-            <a:avLst/>
-          </a:prstGeom>
-          <a:noFill/>
-        </p:spPr>
-        <p:txBody>
-          <a:bodyPr wrap="square" rtlCol="0">
-            <a:spAutoFit/>
-          </a:bodyPr>
-          <a:lstStyle/>
-          <a:p>
-            <a:pPr marL="342900" lvl="0" indent="-342900">
-              <a:buFont typeface="Arial" panose="020B0604020202020204" pitchFamily="34" charset="0"/>
-              <a:buChar char="•"/>
-            </a:pPr>
-            <a:r>
-              <a:rPr lang="en-US" sz="2400" dirty="0"/>
-              <a:t>Toolpath routing problems and classification</a:t>
-            </a:r>
-            <a:endParaRPr lang="ru-RU" sz="2400" dirty="0"/>
-          </a:p>
-          <a:p>
-            <a:pPr marL="342900" lvl="0" indent="-342900">
-              <a:buFont typeface="Arial" panose="020B0604020202020204" pitchFamily="34" charset="0"/>
-              <a:buChar char="•"/>
-            </a:pPr>
-            <a:r>
-              <a:rPr lang="en-US" sz="2400" dirty="0"/>
-              <a:t>Continuous cutting problem</a:t>
-            </a:r>
-            <a:endParaRPr lang="ru-RU" sz="2400" dirty="0"/>
-          </a:p>
-          <a:p>
-            <a:pPr marL="342900" lvl="0" indent="-342900">
-              <a:buFont typeface="Arial" panose="020B0604020202020204" pitchFamily="34" charset="0"/>
-              <a:buChar char="•"/>
-            </a:pPr>
-            <a:r>
-              <a:rPr lang="en-US" sz="2400" dirty="0"/>
-              <a:t>Algorithm for CCP solution</a:t>
-            </a:r>
-          </a:p>
-          <a:p>
-            <a:pPr marL="800100" lvl="1" indent="-342900">
-              <a:buFont typeface="Arial" panose="020B0604020202020204" pitchFamily="34" charset="0"/>
-              <a:buChar char="•"/>
-            </a:pPr>
-            <a:r>
-              <a:rPr lang="en-US" sz="2400" dirty="0"/>
-              <a:t>Continuous optimization</a:t>
-            </a:r>
-          </a:p>
-          <a:p>
-            <a:pPr marL="800100" lvl="1" indent="-342900">
-              <a:buFont typeface="Arial" panose="020B0604020202020204" pitchFamily="34" charset="0"/>
-              <a:buChar char="•"/>
-            </a:pPr>
-            <a:r>
-              <a:rPr lang="en-US" sz="2400" dirty="0"/>
-              <a:t>Discrete optimization</a:t>
-            </a:r>
-          </a:p>
-          <a:p>
-            <a:pPr marL="800100" lvl="1" indent="-342900">
-              <a:buFont typeface="Arial" panose="020B0604020202020204" pitchFamily="34" charset="0"/>
-              <a:buChar char="•"/>
-            </a:pPr>
-            <a:r>
-              <a:rPr lang="en-US" sz="2400" dirty="0"/>
-              <a:t>Precedence constraint</a:t>
-            </a:r>
-          </a:p>
-          <a:p>
-            <a:pPr marL="342900" lvl="0" indent="-342900">
-              <a:buFont typeface="Arial" panose="020B0604020202020204" pitchFamily="34" charset="0"/>
-              <a:buChar char="•"/>
-            </a:pPr>
-            <a:r>
-              <a:rPr lang="en-US" sz="2400" dirty="0"/>
-              <a:t>Sufficient condition for minimum</a:t>
-            </a:r>
-          </a:p>
-          <a:p>
-            <a:pPr marL="800100" lvl="1" indent="-342900">
-              <a:buFont typeface="Arial" panose="020B0604020202020204" pitchFamily="34" charset="0"/>
-              <a:buChar char="•"/>
-            </a:pPr>
-            <a:r>
-              <a:rPr lang="en-US" sz="2400" dirty="0"/>
-              <a:t>Local minimum</a:t>
-            </a:r>
-          </a:p>
-          <a:p>
-            <a:pPr marL="800100" lvl="1" indent="-342900">
-              <a:buFont typeface="Arial" panose="020B0604020202020204" pitchFamily="34" charset="0"/>
-              <a:buChar char="•"/>
-            </a:pPr>
-            <a:r>
-              <a:rPr lang="en-US" sz="2400" dirty="0"/>
-              <a:t>Global minimum</a:t>
-            </a:r>
-            <a:endParaRPr lang="ru-RU" sz="2400" dirty="0"/>
-          </a:p>
-          <a:p>
-            <a:pPr marL="342900" lvl="0" indent="-342900">
-              <a:buFont typeface="Arial" panose="020B0604020202020204" pitchFamily="34" charset="0"/>
-              <a:buChar char="•"/>
-            </a:pPr>
-            <a:r>
-              <a:rPr lang="en-US" sz="2400" dirty="0"/>
-              <a:t>Numerical experiments</a:t>
-            </a:r>
-          </a:p>
-          <a:p>
-            <a:pPr marL="342900" lvl="0" indent="-342900">
-              <a:buFont typeface="Arial" panose="020B0604020202020204" pitchFamily="34" charset="0"/>
-              <a:buChar char="•"/>
-            </a:pPr>
-            <a:r>
-              <a:rPr lang="en-US" sz="2400" dirty="0"/>
-              <a:t>Conclusion</a:t>
-            </a:r>
-          </a:p>
-        </p:txBody>
-      </p:sp>
-    </p:spTree>
-    <p:extLst>
-      <p:ext uri="{BB962C8B-B14F-4D97-AF65-F5344CB8AC3E}">
-        <p14:creationId xmlns:p14="http://schemas.microsoft.com/office/powerpoint/2010/main" val="1950332374"/>
       </p:ext>
     </p:extLst>
   </p:cSld>
@@ -31749,8 +34317,8 @@
           </a:p>
         </p:txBody>
       </p:sp>
-      <mc:AlternateContent xmlns:mc="http://schemas.openxmlformats.org/markup-compatibility/2006">
-        <mc:Choice xmlns:a14="http://schemas.microsoft.com/office/drawing/2010/main" Requires="a14">
+      <mc:AlternateContent xmlns:mc="http://schemas.openxmlformats.org/markup-compatibility/2006" xmlns:a14="http://schemas.microsoft.com/office/drawing/2010/main">
+        <mc:Choice Requires="a14">
           <p:sp>
             <p:nvSpPr>
               <p:cNvPr id="40" name="TextBox 39">
@@ -32617,7 +35185,7 @@
             </p:txBody>
           </p:sp>
         </mc:Choice>
-        <mc:Fallback>
+        <mc:Fallback xmlns="">
           <p:sp>
             <p:nvSpPr>
               <p:cNvPr id="40" name="TextBox 39">

--- a/motor2019/pptx/Report.pptx
+++ b/motor2019/pptx/Report.pptx
@@ -10072,8 +10072,8 @@
               <a:gd name="adj2" fmla="val -8333"/>
               <a:gd name="adj3" fmla="val 18750"/>
               <a:gd name="adj4" fmla="val -16667"/>
-              <a:gd name="adj5" fmla="val 329575"/>
-              <a:gd name="adj6" fmla="val -282991"/>
+              <a:gd name="adj5" fmla="val 342160"/>
+              <a:gd name="adj6" fmla="val -266625"/>
             </a:avLst>
           </a:prstGeom>
           <a:noFill/>
@@ -13669,8 +13669,8 @@
           </a:p>
         </p:txBody>
       </p:sp>
-      <mc:AlternateContent xmlns:mc="http://schemas.openxmlformats.org/markup-compatibility/2006" xmlns:a14="http://schemas.microsoft.com/office/drawing/2010/main">
-        <mc:Choice Requires="a14">
+      <mc:AlternateContent xmlns:mc="http://schemas.openxmlformats.org/markup-compatibility/2006">
+        <mc:Choice xmlns:a14="http://schemas.microsoft.com/office/drawing/2010/main" Requires="a14">
           <p:sp>
             <p:nvSpPr>
               <p:cNvPr id="4" name="TextBox 3">
@@ -15330,10 +15330,10 @@
                           </m:sSupPr>
                           <m:e>
                             <m:r>
-                              <a:rPr lang="en-US" i="1">
+                              <a:rPr lang="en-US" b="0" i="1" smtClean="0">
                                 <a:latin typeface="Cambria Math" panose="02040503050406030204" pitchFamily="18" charset="0"/>
                               </a:rPr>
-                              <m:t>𝜕</m:t>
+                              <m:t>𝑑</m:t>
                             </m:r>
                           </m:e>
                           <m:sup>
@@ -15371,10 +15371,10 @@
                       </m:num>
                       <m:den>
                         <m:r>
-                          <a:rPr lang="en-US" i="1">
+                          <a:rPr lang="en-US" b="0" i="1" smtClean="0">
                             <a:latin typeface="Cambria Math" panose="02040503050406030204" pitchFamily="18" charset="0"/>
                           </a:rPr>
-                          <m:t>𝜕</m:t>
+                          <m:t>𝑑</m:t>
                         </m:r>
                         <m:sSup>
                           <m:sSupPr>
@@ -15432,7 +15432,7 @@
             </p:txBody>
           </p:sp>
         </mc:Choice>
-        <mc:Fallback xmlns="">
+        <mc:Fallback>
           <p:sp>
             <p:nvSpPr>
               <p:cNvPr id="4" name="TextBox 3">
@@ -15456,7 +15456,7 @@
                 <a:avLst/>
               </a:prstGeom>
               <a:blipFill>
-                <a:blip r:embed="rId4"/>
+                <a:blip r:embed="rId3"/>
                 <a:stretch>
                   <a:fillRect l="-806" t="-942"/>
                 </a:stretch>
@@ -17074,7 +17074,7 @@
                   <a:avLst/>
                 </a:prstGeom>
                 <a:blipFill>
-                  <a:blip r:embed="rId3"/>
+                  <a:blip r:embed="rId4"/>
                   <a:stretch>
                     <a:fillRect/>
                   </a:stretch>
@@ -24621,7 +24621,7 @@
                   </a:outerShdw>
                 </a:effectLst>
               </a:rPr>
-              <a:t>Special cases</a:t>
+              <a:t>Global minimum cases</a:t>
             </a:r>
             <a:endParaRPr lang="ru-RU" sz="3600" b="1" spc="50" dirty="0">
               <a:ln w="11430"/>
@@ -24666,7 +24666,7 @@
         </p:nvGrpSpPr>
         <p:grpSpPr>
           <a:xfrm>
-            <a:off x="624045" y="1945593"/>
+            <a:off x="612000" y="2709000"/>
             <a:ext cx="8268435" cy="2804887"/>
             <a:chOff x="0" y="0"/>
             <a:chExt cx="5924550" cy="2009775"/>
@@ -24694,7 +24694,7 @@
             </a:prstGeom>
             <a:ln w="28575">
               <a:solidFill>
-                <a:schemeClr val="accent6"/>
+                <a:srgbClr val="00B050"/>
               </a:solidFill>
               <a:prstDash val="dash"/>
             </a:ln>
@@ -24736,7 +24736,7 @@
             </a:prstGeom>
             <a:ln w="28575">
               <a:solidFill>
-                <a:schemeClr val="accent6"/>
+                <a:srgbClr val="00B050"/>
               </a:solidFill>
               <a:prstDash val="dash"/>
             </a:ln>
@@ -24778,7 +24778,7 @@
             </a:prstGeom>
             <a:ln w="28575">
               <a:solidFill>
-                <a:schemeClr val="accent6"/>
+                <a:srgbClr val="00B050"/>
               </a:solidFill>
               <a:prstDash val="dash"/>
             </a:ln>
@@ -24893,9 +24893,9 @@
                 <a:schemeClr val="bg1"/>
               </a:bgClr>
             </a:pattFill>
-            <a:ln w="6350">
+            <a:ln w="28575">
               <a:solidFill>
-                <a:schemeClr val="tx1"/>
+                <a:srgbClr val="7030A0"/>
               </a:solidFill>
             </a:ln>
           </p:spPr>
@@ -24933,7 +24933,7 @@
                 </a:spcAft>
               </a:pPr>
               <a:r>
-                <a:rPr lang="ru-RU" sz="1100">
+                <a:rPr lang="ru-RU">
                   <a:effectLst/>
                   <a:ea typeface="Calibri" panose="020F0502020204030204" pitchFamily="34" charset="0"/>
                   <a:cs typeface="Times New Roman" panose="02020603050405020304" pitchFamily="18" charset="0"/>
@@ -24965,7 +24965,7 @@
             </a:prstGeom>
             <a:ln w="19050">
               <a:solidFill>
-                <a:schemeClr val="tx1"/>
+                <a:srgbClr val="FF0000"/>
               </a:solidFill>
               <a:headEnd type="oval" w="med" len="med"/>
               <a:tailEnd type="arrow" w="med" len="med"/>
@@ -25008,7 +25008,7 @@
             </a:prstGeom>
             <a:ln w="19050">
               <a:solidFill>
-                <a:schemeClr val="tx1"/>
+                <a:srgbClr val="FF0000"/>
               </a:solidFill>
               <a:headEnd type="oval" w="med" len="med"/>
               <a:tailEnd type="arrow" w="med" len="med"/>
@@ -25043,7 +25043,7 @@
           </p:nvSpPr>
           <p:spPr>
             <a:xfrm>
-              <a:off x="1009650" y="1371600"/>
+              <a:off x="1281112" y="1457325"/>
               <a:ext cx="581025" cy="238125"/>
             </a:xfrm>
             <a:prstGeom prst="rect">
@@ -25072,7 +25072,7 @@
                 </a:spcAft>
               </a:pPr>
               <a:r>
-                <a:rPr lang="en-US" sz="1100">
+                <a:rPr lang="en-US" dirty="0">
                   <a:effectLst/>
                   <a:latin typeface="Calibri" panose="020F0502020204030204" pitchFamily="34" charset="0"/>
                   <a:ea typeface="Calibri" panose="020F0502020204030204" pitchFamily="34" charset="0"/>
@@ -25081,7 +25081,7 @@
                 <a:t>M</a:t>
               </a:r>
               <a:r>
-                <a:rPr lang="en-US" sz="1100" baseline="-25000">
+                <a:rPr lang="en-US" baseline="-25000" dirty="0">
                   <a:effectLst/>
                   <a:latin typeface="Calibri" panose="020F0502020204030204" pitchFamily="34" charset="0"/>
                   <a:ea typeface="Calibri" panose="020F0502020204030204" pitchFamily="34" charset="0"/>
@@ -25089,7 +25089,7 @@
                 </a:rPr>
                 <a:t>i-1</a:t>
               </a:r>
-              <a:endParaRPr lang="ru-RU" sz="1100">
+              <a:endParaRPr lang="ru-RU" dirty="0">
                 <a:effectLst/>
                 <a:latin typeface="Calibri" panose="020F0502020204030204" pitchFamily="34" charset="0"/>
                 <a:ea typeface="Calibri" panose="020F0502020204030204" pitchFamily="34" charset="0"/>
@@ -25112,7 +25112,7 @@
           </p:nvSpPr>
           <p:spPr>
             <a:xfrm>
-              <a:off x="1657350" y="238125"/>
+              <a:off x="1783261" y="245241"/>
               <a:ext cx="457200" cy="238125"/>
             </a:xfrm>
             <a:prstGeom prst="rect">
@@ -25141,7 +25141,7 @@
                 </a:spcAft>
               </a:pPr>
               <a:r>
-                <a:rPr lang="en-US" sz="1100">
+                <a:rPr lang="en-US" dirty="0">
                   <a:effectLst/>
                   <a:latin typeface="Calibri" panose="020F0502020204030204" pitchFamily="34" charset="0"/>
                   <a:ea typeface="Calibri" panose="020F0502020204030204" pitchFamily="34" charset="0"/>
@@ -25150,7 +25150,7 @@
                 <a:t>M</a:t>
               </a:r>
               <a:r>
-                <a:rPr lang="en-US" sz="1100" baseline="-25000">
+                <a:rPr lang="en-US" baseline="-25000" dirty="0">
                   <a:effectLst/>
                   <a:latin typeface="Calibri" panose="020F0502020204030204" pitchFamily="34" charset="0"/>
                   <a:ea typeface="Calibri" panose="020F0502020204030204" pitchFamily="34" charset="0"/>
@@ -25158,7 +25158,7 @@
                 </a:rPr>
                 <a:t>i+1</a:t>
               </a:r>
-              <a:endParaRPr lang="ru-RU" sz="1100">
+              <a:endParaRPr lang="ru-RU" dirty="0">
                 <a:effectLst/>
                 <a:latin typeface="Calibri" panose="020F0502020204030204" pitchFamily="34" charset="0"/>
                 <a:ea typeface="Calibri" panose="020F0502020204030204" pitchFamily="34" charset="0"/>
@@ -25210,7 +25210,7 @@
                 </a:spcAft>
               </a:pPr>
               <a:r>
-                <a:rPr lang="en-US" sz="1100">
+                <a:rPr lang="en-US">
                   <a:effectLst/>
                   <a:latin typeface="Calibri" panose="020F0502020204030204" pitchFamily="34" charset="0"/>
                   <a:ea typeface="Calibri" panose="020F0502020204030204" pitchFamily="34" charset="0"/>
@@ -25219,7 +25219,7 @@
                 <a:t>M</a:t>
               </a:r>
               <a:r>
-                <a:rPr lang="en-US" sz="1100" baseline="-25000">
+                <a:rPr lang="en-US" baseline="-25000">
                   <a:effectLst/>
                   <a:latin typeface="Calibri" panose="020F0502020204030204" pitchFamily="34" charset="0"/>
                   <a:ea typeface="Calibri" panose="020F0502020204030204" pitchFamily="34" charset="0"/>
@@ -25227,7 +25227,7 @@
                 </a:rPr>
                 <a:t>i</a:t>
               </a:r>
-              <a:endParaRPr lang="ru-RU" sz="1100">
+              <a:endParaRPr lang="ru-RU">
                 <a:effectLst/>
                 <a:latin typeface="Calibri" panose="020F0502020204030204" pitchFamily="34" charset="0"/>
                 <a:ea typeface="Calibri" panose="020F0502020204030204" pitchFamily="34" charset="0"/>
@@ -25279,7 +25279,7 @@
                 </a:spcAft>
               </a:pPr>
               <a:r>
-                <a:rPr lang="en-US" sz="1100">
+                <a:rPr lang="en-US">
                   <a:effectLst/>
                   <a:latin typeface="Calibri" panose="020F0502020204030204" pitchFamily="34" charset="0"/>
                   <a:ea typeface="Calibri" panose="020F0502020204030204" pitchFamily="34" charset="0"/>
@@ -25288,7 +25288,7 @@
                 <a:t>C</a:t>
               </a:r>
               <a:r>
-                <a:rPr lang="en-US" sz="1100" baseline="-25000">
+                <a:rPr lang="en-US" baseline="-25000">
                   <a:effectLst/>
                   <a:latin typeface="Calibri" panose="020F0502020204030204" pitchFamily="34" charset="0"/>
                   <a:ea typeface="Calibri" panose="020F0502020204030204" pitchFamily="34" charset="0"/>
@@ -25296,7 +25296,7 @@
                 </a:rPr>
                 <a:t>i</a:t>
               </a:r>
-              <a:endParaRPr lang="ru-RU" sz="1100">
+              <a:endParaRPr lang="ru-RU">
                 <a:effectLst/>
                 <a:latin typeface="Calibri" panose="020F0502020204030204" pitchFamily="34" charset="0"/>
                 <a:ea typeface="Calibri" panose="020F0502020204030204" pitchFamily="34" charset="0"/>
@@ -25400,9 +25400,9 @@
                 <a:schemeClr val="bg1"/>
               </a:bgClr>
             </a:pattFill>
-            <a:ln w="6350">
+            <a:ln w="28575">
               <a:solidFill>
-                <a:schemeClr val="tx1"/>
+                <a:srgbClr val="7030A0"/>
               </a:solidFill>
             </a:ln>
           </p:spPr>
@@ -25440,7 +25440,7 @@
                 </a:spcAft>
               </a:pPr>
               <a:r>
-                <a:rPr lang="ru-RU" sz="1100">
+                <a:rPr lang="ru-RU">
                   <a:effectLst/>
                   <a:ea typeface="Calibri" panose="020F0502020204030204" pitchFamily="34" charset="0"/>
                   <a:cs typeface="Times New Roman" panose="02020603050405020304" pitchFamily="18" charset="0"/>
@@ -25458,7 +25458,7 @@
                 </a:spcAft>
               </a:pPr>
               <a:r>
-                <a:rPr lang="ru-RU" sz="1100">
+                <a:rPr lang="ru-RU">
                   <a:effectLst/>
                   <a:ea typeface="Calibri" panose="020F0502020204030204" pitchFamily="34" charset="0"/>
                   <a:cs typeface="Times New Roman" panose="02020603050405020304" pitchFamily="18" charset="0"/>
@@ -25490,7 +25490,7 @@
             </a:prstGeom>
             <a:ln w="19050">
               <a:solidFill>
-                <a:schemeClr val="tx1"/>
+                <a:srgbClr val="FF0000"/>
               </a:solidFill>
               <a:headEnd type="oval" w="med" len="med"/>
               <a:tailEnd type="arrow" w="med" len="med"/>
@@ -25533,7 +25533,7 @@
             </a:prstGeom>
             <a:ln w="19050">
               <a:solidFill>
-                <a:schemeClr val="tx1"/>
+                <a:srgbClr val="FF0000"/>
               </a:solidFill>
               <a:headEnd type="oval" w="med" len="med"/>
               <a:tailEnd type="arrow" w="med" len="med"/>
@@ -25597,7 +25597,7 @@
                 </a:spcAft>
               </a:pPr>
               <a:r>
-                <a:rPr lang="en-US" sz="1100">
+                <a:rPr lang="en-US">
                   <a:effectLst/>
                   <a:latin typeface="Calibri" panose="020F0502020204030204" pitchFamily="34" charset="0"/>
                   <a:ea typeface="Calibri" panose="020F0502020204030204" pitchFamily="34" charset="0"/>
@@ -25606,7 +25606,7 @@
                 <a:t>C</a:t>
               </a:r>
               <a:r>
-                <a:rPr lang="en-US" sz="1100" baseline="-25000">
+                <a:rPr lang="en-US" baseline="-25000">
                   <a:effectLst/>
                   <a:latin typeface="Calibri" panose="020F0502020204030204" pitchFamily="34" charset="0"/>
                   <a:ea typeface="Calibri" panose="020F0502020204030204" pitchFamily="34" charset="0"/>
@@ -25614,7 +25614,7 @@
                 </a:rPr>
                 <a:t>i</a:t>
               </a:r>
-              <a:endParaRPr lang="ru-RU" sz="1100">
+              <a:endParaRPr lang="ru-RU">
                 <a:effectLst/>
                 <a:latin typeface="Calibri" panose="020F0502020204030204" pitchFamily="34" charset="0"/>
                 <a:ea typeface="Calibri" panose="020F0502020204030204" pitchFamily="34" charset="0"/>
@@ -25637,7 +25637,7 @@
           </p:nvSpPr>
           <p:spPr>
             <a:xfrm>
-              <a:off x="3133725" y="1400175"/>
+              <a:off x="3001491" y="1590675"/>
               <a:ext cx="581025" cy="238125"/>
             </a:xfrm>
             <a:prstGeom prst="rect">
@@ -25666,7 +25666,7 @@
                 </a:spcAft>
               </a:pPr>
               <a:r>
-                <a:rPr lang="en-US" sz="1100">
+                <a:rPr lang="en-US" dirty="0">
                   <a:effectLst/>
                   <a:latin typeface="Calibri" panose="020F0502020204030204" pitchFamily="34" charset="0"/>
                   <a:ea typeface="Calibri" panose="020F0502020204030204" pitchFamily="34" charset="0"/>
@@ -25675,7 +25675,7 @@
                 <a:t>M</a:t>
               </a:r>
               <a:r>
-                <a:rPr lang="en-US" sz="1100" baseline="-25000">
+                <a:rPr lang="en-US" baseline="-25000" dirty="0">
                   <a:effectLst/>
                   <a:latin typeface="Calibri" panose="020F0502020204030204" pitchFamily="34" charset="0"/>
                   <a:ea typeface="Calibri" panose="020F0502020204030204" pitchFamily="34" charset="0"/>
@@ -25683,7 +25683,7 @@
                 </a:rPr>
                 <a:t>i</a:t>
               </a:r>
-              <a:endParaRPr lang="ru-RU" sz="1100">
+              <a:endParaRPr lang="ru-RU" dirty="0">
                 <a:effectLst/>
                 <a:latin typeface="Calibri" panose="020F0502020204030204" pitchFamily="34" charset="0"/>
                 <a:ea typeface="Calibri" panose="020F0502020204030204" pitchFamily="34" charset="0"/>
@@ -25735,7 +25735,7 @@
                 </a:spcAft>
               </a:pPr>
               <a:r>
-                <a:rPr lang="en-US" sz="1100">
+                <a:rPr lang="en-US">
                   <a:effectLst/>
                   <a:latin typeface="Calibri" panose="020F0502020204030204" pitchFamily="34" charset="0"/>
                   <a:ea typeface="Calibri" panose="020F0502020204030204" pitchFamily="34" charset="0"/>
@@ -25744,7 +25744,7 @@
                 <a:t>M</a:t>
               </a:r>
               <a:r>
-                <a:rPr lang="en-US" sz="1100" baseline="-25000">
+                <a:rPr lang="en-US" baseline="-25000">
                   <a:effectLst/>
                   <a:latin typeface="Calibri" panose="020F0502020204030204" pitchFamily="34" charset="0"/>
                   <a:ea typeface="Calibri" panose="020F0502020204030204" pitchFamily="34" charset="0"/>
@@ -25753,7 +25753,7 @@
                 <a:t>i</a:t>
               </a:r>
               <a:r>
-                <a:rPr lang="ru-RU" sz="1100" baseline="-25000">
+                <a:rPr lang="ru-RU" baseline="-25000">
                   <a:effectLst/>
                   <a:latin typeface="Calibri" panose="020F0502020204030204" pitchFamily="34" charset="0"/>
                   <a:ea typeface="Calibri" panose="020F0502020204030204" pitchFamily="34" charset="0"/>
@@ -25762,7 +25762,7 @@
                 <a:t>-</a:t>
               </a:r>
               <a:r>
-                <a:rPr lang="en-US" sz="1100" baseline="-25000">
+                <a:rPr lang="en-US" baseline="-25000">
                   <a:effectLst/>
                   <a:latin typeface="Calibri" panose="020F0502020204030204" pitchFamily="34" charset="0"/>
                   <a:ea typeface="Calibri" panose="020F0502020204030204" pitchFamily="34" charset="0"/>
@@ -25770,7 +25770,7 @@
                 </a:rPr>
                 <a:t>1</a:t>
               </a:r>
-              <a:endParaRPr lang="ru-RU" sz="1100">
+              <a:endParaRPr lang="ru-RU">
                 <a:effectLst/>
                 <a:latin typeface="Calibri" panose="020F0502020204030204" pitchFamily="34" charset="0"/>
                 <a:ea typeface="Calibri" panose="020F0502020204030204" pitchFamily="34" charset="0"/>
@@ -25822,7 +25822,7 @@
                 </a:spcAft>
               </a:pPr>
               <a:r>
-                <a:rPr lang="en-US" sz="1100">
+                <a:rPr lang="en-US">
                   <a:effectLst/>
                   <a:latin typeface="Calibri" panose="020F0502020204030204" pitchFamily="34" charset="0"/>
                   <a:ea typeface="Calibri" panose="020F0502020204030204" pitchFamily="34" charset="0"/>
@@ -25831,7 +25831,7 @@
                 <a:t>M</a:t>
               </a:r>
               <a:r>
-                <a:rPr lang="en-US" sz="1100" baseline="-25000">
+                <a:rPr lang="en-US" baseline="-25000">
                   <a:effectLst/>
                   <a:latin typeface="Calibri" panose="020F0502020204030204" pitchFamily="34" charset="0"/>
                   <a:ea typeface="Calibri" panose="020F0502020204030204" pitchFamily="34" charset="0"/>
@@ -25840,7 +25840,7 @@
                 <a:t>i</a:t>
               </a:r>
               <a:r>
-                <a:rPr lang="ru-RU" sz="1100" baseline="-25000">
+                <a:rPr lang="ru-RU" baseline="-25000">
                   <a:effectLst/>
                   <a:latin typeface="Calibri" panose="020F0502020204030204" pitchFamily="34" charset="0"/>
                   <a:ea typeface="Calibri" panose="020F0502020204030204" pitchFamily="34" charset="0"/>
@@ -25849,7 +25849,7 @@
                 <a:t>+</a:t>
               </a:r>
               <a:r>
-                <a:rPr lang="en-US" sz="1100" baseline="-25000">
+                <a:rPr lang="en-US" baseline="-25000">
                   <a:effectLst/>
                   <a:latin typeface="Calibri" panose="020F0502020204030204" pitchFamily="34" charset="0"/>
                   <a:ea typeface="Calibri" panose="020F0502020204030204" pitchFamily="34" charset="0"/>
@@ -25857,7 +25857,7 @@
                 </a:rPr>
                 <a:t>1</a:t>
               </a:r>
-              <a:endParaRPr lang="ru-RU" sz="1100">
+              <a:endParaRPr lang="ru-RU">
                 <a:effectLst/>
                 <a:latin typeface="Calibri" panose="020F0502020204030204" pitchFamily="34" charset="0"/>
                 <a:ea typeface="Calibri" panose="020F0502020204030204" pitchFamily="34" charset="0"/>
@@ -26047,7 +26047,7 @@
             </a:pattFill>
             <a:ln w="28575">
               <a:solidFill>
-                <a:schemeClr val="accent6"/>
+                <a:srgbClr val="00B050"/>
               </a:solidFill>
             </a:ln>
           </p:spPr>
@@ -26085,7 +26085,7 @@
                 </a:spcAft>
               </a:pPr>
               <a:r>
-                <a:rPr lang="ru-RU" sz="1100" dirty="0">
+                <a:rPr lang="ru-RU" dirty="0">
                   <a:effectLst/>
                   <a:ea typeface="Calibri" panose="020F0502020204030204" pitchFamily="34" charset="0"/>
                   <a:cs typeface="Times New Roman" panose="02020603050405020304" pitchFamily="18" charset="0"/>
@@ -26103,7 +26103,7 @@
                 </a:spcAft>
               </a:pPr>
               <a:r>
-                <a:rPr lang="ru-RU" sz="1100" dirty="0">
+                <a:rPr lang="ru-RU" dirty="0">
                   <a:effectLst/>
                   <a:ea typeface="Calibri" panose="020F0502020204030204" pitchFamily="34" charset="0"/>
                   <a:cs typeface="Times New Roman" panose="02020603050405020304" pitchFamily="18" charset="0"/>
@@ -26156,7 +26156,7 @@
                 </a:spcAft>
               </a:pPr>
               <a:r>
-                <a:rPr lang="en-US" sz="1100">
+                <a:rPr lang="en-US">
                   <a:effectLst/>
                   <a:latin typeface="Calibri" panose="020F0502020204030204" pitchFamily="34" charset="0"/>
                   <a:ea typeface="Calibri" panose="020F0502020204030204" pitchFamily="34" charset="0"/>
@@ -26165,7 +26165,7 @@
                 <a:t>C</a:t>
               </a:r>
               <a:r>
-                <a:rPr lang="en-US" sz="1100" baseline="-25000">
+                <a:rPr lang="en-US" baseline="-25000">
                   <a:effectLst/>
                   <a:latin typeface="Calibri" panose="020F0502020204030204" pitchFamily="34" charset="0"/>
                   <a:ea typeface="Calibri" panose="020F0502020204030204" pitchFamily="34" charset="0"/>
@@ -26173,7 +26173,7 @@
                 </a:rPr>
                 <a:t>i</a:t>
               </a:r>
-              <a:endParaRPr lang="ru-RU" sz="1100">
+              <a:endParaRPr lang="ru-RU">
                 <a:effectLst/>
                 <a:latin typeface="Calibri" panose="020F0502020204030204" pitchFamily="34" charset="0"/>
                 <a:ea typeface="Calibri" panose="020F0502020204030204" pitchFamily="34" charset="0"/>
@@ -26204,7 +26204,7 @@
             </a:prstGeom>
             <a:ln w="19050">
               <a:solidFill>
-                <a:schemeClr val="tx1"/>
+                <a:srgbClr val="FF0000"/>
               </a:solidFill>
               <a:headEnd type="oval" w="med" len="med"/>
               <a:tailEnd type="arrow" w="med" len="med"/>
@@ -26268,7 +26268,7 @@
                 </a:spcAft>
               </a:pPr>
               <a:r>
-                <a:rPr lang="en-US" sz="1100">
+                <a:rPr lang="en-US">
                   <a:effectLst/>
                   <a:latin typeface="Calibri" panose="020F0502020204030204" pitchFamily="34" charset="0"/>
                   <a:ea typeface="Calibri" panose="020F0502020204030204" pitchFamily="34" charset="0"/>
@@ -26277,7 +26277,7 @@
                 <a:t>M</a:t>
               </a:r>
               <a:r>
-                <a:rPr lang="en-US" sz="1100" baseline="-25000">
+                <a:rPr lang="en-US" baseline="-25000">
                   <a:effectLst/>
                   <a:latin typeface="Calibri" panose="020F0502020204030204" pitchFamily="34" charset="0"/>
                   <a:ea typeface="Calibri" panose="020F0502020204030204" pitchFamily="34" charset="0"/>
@@ -26286,7 +26286,7 @@
                 <a:t>i</a:t>
               </a:r>
               <a:r>
-                <a:rPr lang="ru-RU" sz="1100" baseline="-25000">
+                <a:rPr lang="ru-RU" baseline="-25000">
                   <a:effectLst/>
                   <a:latin typeface="Calibri" panose="020F0502020204030204" pitchFamily="34" charset="0"/>
                   <a:ea typeface="Calibri" panose="020F0502020204030204" pitchFamily="34" charset="0"/>
@@ -26295,7 +26295,7 @@
                 <a:t>-</a:t>
               </a:r>
               <a:r>
-                <a:rPr lang="en-US" sz="1100" baseline="-25000">
+                <a:rPr lang="en-US" baseline="-25000">
                   <a:effectLst/>
                   <a:latin typeface="Calibri" panose="020F0502020204030204" pitchFamily="34" charset="0"/>
                   <a:ea typeface="Calibri" panose="020F0502020204030204" pitchFamily="34" charset="0"/>
@@ -26303,7 +26303,7 @@
                 </a:rPr>
                 <a:t>1</a:t>
               </a:r>
-              <a:endParaRPr lang="ru-RU" sz="1100">
+              <a:endParaRPr lang="ru-RU">
                 <a:effectLst/>
                 <a:latin typeface="Calibri" panose="020F0502020204030204" pitchFamily="34" charset="0"/>
                 <a:ea typeface="Calibri" panose="020F0502020204030204" pitchFamily="34" charset="0"/>
@@ -26334,7 +26334,7 @@
             </a:prstGeom>
             <a:ln w="19050">
               <a:solidFill>
-                <a:schemeClr val="tx1"/>
+                <a:srgbClr val="FF0000"/>
               </a:solidFill>
               <a:headEnd type="oval" w="med" len="med"/>
               <a:tailEnd type="arrow" w="med" len="med"/>
@@ -26369,7 +26369,7 @@
           </p:nvSpPr>
           <p:spPr>
             <a:xfrm>
-              <a:off x="5095875" y="1571625"/>
+              <a:off x="5072063" y="1643062"/>
               <a:ext cx="581025" cy="238125"/>
             </a:xfrm>
             <a:prstGeom prst="rect">
@@ -26398,7 +26398,7 @@
                 </a:spcAft>
               </a:pPr>
               <a:r>
-                <a:rPr lang="en-US" sz="1100">
+                <a:rPr lang="en-US" dirty="0">
                   <a:effectLst/>
                   <a:latin typeface="Calibri" panose="020F0502020204030204" pitchFamily="34" charset="0"/>
                   <a:ea typeface="Calibri" panose="020F0502020204030204" pitchFamily="34" charset="0"/>
@@ -26407,7 +26407,7 @@
                 <a:t>M</a:t>
               </a:r>
               <a:r>
-                <a:rPr lang="en-US" sz="1100" baseline="-25000">
+                <a:rPr lang="en-US" baseline="-25000" dirty="0">
                   <a:effectLst/>
                   <a:latin typeface="Calibri" panose="020F0502020204030204" pitchFamily="34" charset="0"/>
                   <a:ea typeface="Calibri" panose="020F0502020204030204" pitchFamily="34" charset="0"/>
@@ -26416,7 +26416,7 @@
                 <a:t>i</a:t>
               </a:r>
               <a:r>
-                <a:rPr lang="ru-RU" sz="1100" baseline="-25000">
+                <a:rPr lang="ru-RU" baseline="-25000" dirty="0">
                   <a:effectLst/>
                   <a:latin typeface="Calibri" panose="020F0502020204030204" pitchFamily="34" charset="0"/>
                   <a:ea typeface="Calibri" panose="020F0502020204030204" pitchFamily="34" charset="0"/>
@@ -26425,7 +26425,7 @@
                 <a:t>+</a:t>
               </a:r>
               <a:r>
-                <a:rPr lang="en-US" sz="1100" baseline="-25000">
+                <a:rPr lang="en-US" baseline="-25000" dirty="0">
                   <a:effectLst/>
                   <a:latin typeface="Calibri" panose="020F0502020204030204" pitchFamily="34" charset="0"/>
                   <a:ea typeface="Calibri" panose="020F0502020204030204" pitchFamily="34" charset="0"/>
@@ -26433,7 +26433,7 @@
                 </a:rPr>
                 <a:t>1</a:t>
               </a:r>
-              <a:endParaRPr lang="ru-RU" sz="1100">
+              <a:endParaRPr lang="ru-RU" dirty="0">
                 <a:effectLst/>
                 <a:latin typeface="Calibri" panose="020F0502020204030204" pitchFamily="34" charset="0"/>
                 <a:ea typeface="Calibri" panose="020F0502020204030204" pitchFamily="34" charset="0"/>
@@ -26456,7 +26456,7 @@
           </p:nvSpPr>
           <p:spPr>
             <a:xfrm>
-              <a:off x="4572000" y="1228725"/>
+              <a:off x="4558476" y="1195388"/>
               <a:ext cx="581025" cy="238125"/>
             </a:xfrm>
             <a:prstGeom prst="rect">
@@ -26485,7 +26485,7 @@
                 </a:spcAft>
               </a:pPr>
               <a:r>
-                <a:rPr lang="en-US" sz="1100">
+                <a:rPr lang="en-US" dirty="0">
                   <a:effectLst/>
                   <a:latin typeface="Calibri" panose="020F0502020204030204" pitchFamily="34" charset="0"/>
                   <a:ea typeface="Calibri" panose="020F0502020204030204" pitchFamily="34" charset="0"/>
@@ -26494,7 +26494,7 @@
                 <a:t>M</a:t>
               </a:r>
               <a:r>
-                <a:rPr lang="en-US" sz="1100" baseline="-25000">
+                <a:rPr lang="en-US" baseline="-25000" dirty="0">
                   <a:effectLst/>
                   <a:latin typeface="Calibri" panose="020F0502020204030204" pitchFamily="34" charset="0"/>
                   <a:ea typeface="Calibri" panose="020F0502020204030204" pitchFamily="34" charset="0"/>
@@ -26502,7 +26502,7 @@
                 </a:rPr>
                 <a:t>i</a:t>
               </a:r>
-              <a:endParaRPr lang="ru-RU" sz="1100">
+              <a:endParaRPr lang="ru-RU" dirty="0">
                 <a:effectLst/>
                 <a:latin typeface="Calibri" panose="020F0502020204030204" pitchFamily="34" charset="0"/>
                 <a:ea typeface="Calibri" panose="020F0502020204030204" pitchFamily="34" charset="0"/>
@@ -26512,6 +26512,114 @@
           </p:txBody>
         </p:sp>
       </p:grpSp>
+      <p:sp>
+        <p:nvSpPr>
+          <p:cNvPr id="29" name="TextBox 28">
+            <a:extLst>
+              <a:ext uri="{FF2B5EF4-FFF2-40B4-BE49-F238E27FC236}">
+                <a16:creationId xmlns:a16="http://schemas.microsoft.com/office/drawing/2014/main" id="{C2EB98B1-4F0F-4B09-AED3-E114B580720D}"/>
+              </a:ext>
+            </a:extLst>
+          </p:cNvPr>
+          <p:cNvSpPr txBox="1"/>
+          <p:nvPr/>
+        </p:nvSpPr>
+        <p:spPr>
+          <a:xfrm>
+            <a:off x="1100764" y="1859669"/>
+            <a:ext cx="1202573" cy="369332"/>
+          </a:xfrm>
+          <a:prstGeom prst="rect">
+            <a:avLst/>
+          </a:prstGeom>
+          <a:noFill/>
+        </p:spPr>
+        <p:txBody>
+          <a:bodyPr wrap="none" rtlCol="0">
+            <a:spAutoFit/>
+          </a:bodyPr>
+          <a:lstStyle/>
+          <a:p>
+            <a:r>
+              <a:rPr lang="en-US" dirty="0"/>
+              <a:t>Edge case</a:t>
+            </a:r>
+            <a:endParaRPr lang="ru-RU" dirty="0"/>
+          </a:p>
+        </p:txBody>
+      </p:sp>
+      <p:sp>
+        <p:nvSpPr>
+          <p:cNvPr id="30" name="TextBox 29">
+            <a:extLst>
+              <a:ext uri="{FF2B5EF4-FFF2-40B4-BE49-F238E27FC236}">
+                <a16:creationId xmlns:a16="http://schemas.microsoft.com/office/drawing/2014/main" id="{24C86DC5-72E2-4EC9-ACB1-95085BB11A37}"/>
+              </a:ext>
+            </a:extLst>
+          </p:cNvPr>
+          <p:cNvSpPr txBox="1"/>
+          <p:nvPr/>
+        </p:nvSpPr>
+        <p:spPr>
+          <a:xfrm>
+            <a:off x="3788770" y="1859669"/>
+            <a:ext cx="1402948" cy="369332"/>
+          </a:xfrm>
+          <a:prstGeom prst="rect">
+            <a:avLst/>
+          </a:prstGeom>
+          <a:noFill/>
+        </p:spPr>
+        <p:txBody>
+          <a:bodyPr wrap="none" rtlCol="0">
+            <a:spAutoFit/>
+          </a:bodyPr>
+          <a:lstStyle/>
+          <a:p>
+            <a:r>
+              <a:rPr lang="en-US" dirty="0"/>
+              <a:t>Corner case</a:t>
+            </a:r>
+            <a:endParaRPr lang="ru-RU" dirty="0"/>
+          </a:p>
+        </p:txBody>
+      </p:sp>
+      <p:sp>
+        <p:nvSpPr>
+          <p:cNvPr id="31" name="TextBox 30">
+            <a:extLst>
+              <a:ext uri="{FF2B5EF4-FFF2-40B4-BE49-F238E27FC236}">
+                <a16:creationId xmlns:a16="http://schemas.microsoft.com/office/drawing/2014/main" id="{253DE214-877C-494B-B1F2-83DBB4024CAA}"/>
+              </a:ext>
+            </a:extLst>
+          </p:cNvPr>
+          <p:cNvSpPr txBox="1"/>
+          <p:nvPr/>
+        </p:nvSpPr>
+        <p:spPr>
+          <a:xfrm>
+            <a:off x="6914696" y="1859669"/>
+            <a:ext cx="1792478" cy="369332"/>
+          </a:xfrm>
+          <a:prstGeom prst="rect">
+            <a:avLst/>
+          </a:prstGeom>
+          <a:noFill/>
+        </p:spPr>
+        <p:txBody>
+          <a:bodyPr wrap="none" rtlCol="0">
+            <a:spAutoFit/>
+          </a:bodyPr>
+          <a:lstStyle/>
+          <a:p>
+            <a:r>
+              <a:rPr lang="en-US" dirty="0"/>
+              <a:t>Convex contour</a:t>
+            </a:r>
+            <a:endParaRPr lang="ru-RU" dirty="0"/>
+          </a:p>
+        </p:txBody>
+      </p:sp>
     </p:spTree>
     <p:extLst>
       <p:ext uri="{BB962C8B-B14F-4D97-AF65-F5344CB8AC3E}">
@@ -27807,8 +27915,8 @@
         </p:nvSpPr>
         <p:spPr>
           <a:xfrm>
-            <a:off x="323528" y="1412776"/>
-            <a:ext cx="8568952" cy="2308324"/>
+            <a:off x="287524" y="1989000"/>
+            <a:ext cx="8568952" cy="3785652"/>
           </a:xfrm>
           <a:prstGeom prst="rect">
             <a:avLst/>
@@ -27868,7 +27976,47 @@
             </a:pPr>
             <a:r>
               <a:rPr lang="en-US" sz="2400" dirty="0"/>
-              <a:t>…</a:t>
+              <a:t>Continuous optimization solution</a:t>
+            </a:r>
+          </a:p>
+          <a:p>
+            <a:pPr marL="800100" lvl="1" indent="-342900">
+              <a:buFont typeface="Arial" panose="020B0604020202020204" pitchFamily="34" charset="0"/>
+              <a:buChar char="•"/>
+            </a:pPr>
+            <a:r>
+              <a:rPr lang="en-US" sz="2400" dirty="0"/>
+              <a:t>Local minimum – proved</a:t>
+            </a:r>
+          </a:p>
+          <a:p>
+            <a:pPr marL="800100" lvl="1" indent="-342900">
+              <a:buFont typeface="Arial" panose="020B0604020202020204" pitchFamily="34" charset="0"/>
+              <a:buChar char="•"/>
+            </a:pPr>
+            <a:r>
+              <a:rPr lang="en-US" sz="2400" dirty="0"/>
+              <a:t>Global minimum conditions</a:t>
+            </a:r>
+          </a:p>
+          <a:p>
+            <a:pPr marL="1257300" lvl="2" indent="-342900">
+              <a:buFont typeface="Arial" panose="020B0604020202020204" pitchFamily="34" charset="0"/>
+              <a:buChar char="•"/>
+            </a:pPr>
+            <a:r>
+              <a:rPr lang="en-US" sz="2400" dirty="0"/>
+              <a:t>Verified easily</a:t>
+            </a:r>
+          </a:p>
+          <a:p>
+            <a:pPr marL="342900" indent="-342900">
+              <a:buFont typeface="Arial" panose="020B0604020202020204" pitchFamily="34" charset="0"/>
+              <a:buChar char="•"/>
+            </a:pPr>
+            <a:r>
+              <a:rPr lang="en-US" sz="2400" dirty="0"/>
+              <a:t>Further research</a:t>
             </a:r>
           </a:p>
           <a:p>
@@ -27878,9 +28026,12 @@
             </a:pPr>
             <a:r>
               <a:rPr lang="en-US" sz="2400"/>
-              <a:t>…</a:t>
+              <a:t>Extra constraints </a:t>
             </a:r>
-            <a:endParaRPr lang="en-US" sz="2400" dirty="0"/>
+            <a:r>
+              <a:rPr lang="en-US" sz="2400" dirty="0"/>
+              <a:t>on piercing point positions</a:t>
+            </a:r>
           </a:p>
         </p:txBody>
       </p:sp>
@@ -35288,24 +35439,12 @@
           <a:p>
             <a:pPr algn="ctr"/>
             <a:r>
-              <a:rPr lang="en-US" sz="1200" i="1" dirty="0" err="1"/>
-              <a:t>Po</a:t>
-            </a:r>
-            <a:r>
-              <a:rPr lang="en-US" sz="1200" i="1" dirty="0" err="1">
-                <a:solidFill>
-                  <a:schemeClr val="tx1"/>
-                </a:solidFill>
-              </a:rPr>
-              <a:t>Piercing</a:t>
-            </a:r>
-            <a:r>
               <a:rPr lang="en-US" sz="1200" i="1" dirty="0">
                 <a:solidFill>
                   <a:schemeClr val="tx1"/>
                 </a:solidFill>
               </a:rPr>
-              <a:t> points</a:t>
+              <a:t>Piercing points</a:t>
             </a:r>
             <a:endParaRPr lang="ru-RU" sz="1200" i="1" dirty="0"/>
           </a:p>
